--- a/files/1. Java.pptx
+++ b/files/1. Java.pptx
@@ -5,7 +5,7 @@
     <p:sldMasterId id="2147483672" r:id="rId1"/>
   </p:sldMasterIdLst>
   <p:notesMasterIdLst>
-    <p:notesMasterId r:id="rId26"/>
+    <p:notesMasterId r:id="rId32"/>
   </p:notesMasterIdLst>
   <p:sldIdLst>
     <p:sldId id="256" r:id="rId2"/>
@@ -32,6 +32,12 @@
     <p:sldId id="263" r:id="rId23"/>
     <p:sldId id="287" r:id="rId24"/>
     <p:sldId id="288" r:id="rId25"/>
+    <p:sldId id="292" r:id="rId26"/>
+    <p:sldId id="266" r:id="rId27"/>
+    <p:sldId id="290" r:id="rId28"/>
+    <p:sldId id="291" r:id="rId29"/>
+    <p:sldId id="293" r:id="rId30"/>
+    <p:sldId id="274" r:id="rId31"/>
   </p:sldIdLst>
   <p:sldSz cx="12192000" cy="6858000"/>
   <p:notesSz cx="6858000" cy="9144000"/>
@@ -1414,6 +1420,1657 @@
 </dgm:colorsDef>
 </file>
 
+<file path=ppt/diagrams/colors2.xml><?xml version="1.0" encoding="utf-8"?>
+<dgm:colorsDef xmlns:dgm="http://schemas.openxmlformats.org/drawingml/2006/diagram" xmlns:a="http://schemas.openxmlformats.org/drawingml/2006/main" uniqueId="urn:microsoft.com/office/officeart/2005/8/colors/accent1_4">
+  <dgm:title val=""/>
+  <dgm:desc val=""/>
+  <dgm:catLst>
+    <dgm:cat type="accent1" pri="11400"/>
+  </dgm:catLst>
+  <dgm:styleLbl name="node0">
+    <dgm:fillClrLst meth="cycle">
+      <a:schemeClr val="accent1">
+        <a:shade val="60000"/>
+      </a:schemeClr>
+    </dgm:fillClrLst>
+    <dgm:linClrLst meth="repeat">
+      <a:schemeClr val="lt1"/>
+    </dgm:linClrLst>
+    <dgm:effectClrLst/>
+    <dgm:txLinClrLst/>
+    <dgm:txFillClrLst/>
+    <dgm:txEffectClrLst/>
+  </dgm:styleLbl>
+  <dgm:styleLbl name="node1">
+    <dgm:fillClrLst meth="cycle">
+      <a:schemeClr val="accent1">
+        <a:shade val="50000"/>
+      </a:schemeClr>
+      <a:schemeClr val="accent1">
+        <a:tint val="55000"/>
+      </a:schemeClr>
+    </dgm:fillClrLst>
+    <dgm:linClrLst meth="repeat">
+      <a:schemeClr val="lt1"/>
+    </dgm:linClrLst>
+    <dgm:effectClrLst/>
+    <dgm:txLinClrLst/>
+    <dgm:txFillClrLst/>
+    <dgm:txEffectClrLst/>
+  </dgm:styleLbl>
+  <dgm:styleLbl name="alignNode1">
+    <dgm:fillClrLst meth="cycle">
+      <a:schemeClr val="accent1">
+        <a:shade val="50000"/>
+      </a:schemeClr>
+      <a:schemeClr val="accent1">
+        <a:tint val="55000"/>
+      </a:schemeClr>
+    </dgm:fillClrLst>
+    <dgm:linClrLst meth="cycle">
+      <a:schemeClr val="accent1">
+        <a:shade val="50000"/>
+      </a:schemeClr>
+      <a:schemeClr val="accent1">
+        <a:tint val="55000"/>
+      </a:schemeClr>
+    </dgm:linClrLst>
+    <dgm:effectClrLst/>
+    <dgm:txLinClrLst/>
+    <dgm:txFillClrLst/>
+    <dgm:txEffectClrLst/>
+  </dgm:styleLbl>
+  <dgm:styleLbl name="lnNode1">
+    <dgm:fillClrLst meth="cycle">
+      <a:schemeClr val="accent1">
+        <a:shade val="50000"/>
+      </a:schemeClr>
+      <a:schemeClr val="accent1">
+        <a:tint val="55000"/>
+      </a:schemeClr>
+    </dgm:fillClrLst>
+    <dgm:linClrLst meth="repeat">
+      <a:schemeClr val="lt1"/>
+    </dgm:linClrLst>
+    <dgm:effectClrLst/>
+    <dgm:txLinClrLst/>
+    <dgm:txFillClrLst/>
+    <dgm:txEffectClrLst/>
+  </dgm:styleLbl>
+  <dgm:styleLbl name="vennNode1">
+    <dgm:fillClrLst meth="cycle">
+      <a:schemeClr val="accent1">
+        <a:shade val="80000"/>
+        <a:alpha val="50000"/>
+      </a:schemeClr>
+      <a:schemeClr val="accent1">
+        <a:tint val="50000"/>
+        <a:alpha val="50000"/>
+      </a:schemeClr>
+    </dgm:fillClrLst>
+    <dgm:linClrLst meth="repeat">
+      <a:schemeClr val="lt1"/>
+    </dgm:linClrLst>
+    <dgm:effectClrLst/>
+    <dgm:txLinClrLst/>
+    <dgm:txFillClrLst/>
+    <dgm:txEffectClrLst/>
+  </dgm:styleLbl>
+  <dgm:styleLbl name="node2">
+    <dgm:fillClrLst>
+      <a:schemeClr val="accent1">
+        <a:shade val="80000"/>
+      </a:schemeClr>
+    </dgm:fillClrLst>
+    <dgm:linClrLst meth="repeat">
+      <a:schemeClr val="lt1"/>
+    </dgm:linClrLst>
+    <dgm:effectClrLst/>
+    <dgm:txLinClrLst/>
+    <dgm:txFillClrLst/>
+    <dgm:txEffectClrLst/>
+  </dgm:styleLbl>
+  <dgm:styleLbl name="node3">
+    <dgm:fillClrLst>
+      <a:schemeClr val="accent1">
+        <a:tint val="99000"/>
+      </a:schemeClr>
+    </dgm:fillClrLst>
+    <dgm:linClrLst meth="repeat">
+      <a:schemeClr val="lt1"/>
+    </dgm:linClrLst>
+    <dgm:effectClrLst/>
+    <dgm:txLinClrLst/>
+    <dgm:txFillClrLst/>
+    <dgm:txEffectClrLst/>
+  </dgm:styleLbl>
+  <dgm:styleLbl name="node4">
+    <dgm:fillClrLst>
+      <a:schemeClr val="accent1">
+        <a:tint val="70000"/>
+      </a:schemeClr>
+    </dgm:fillClrLst>
+    <dgm:linClrLst meth="repeat">
+      <a:schemeClr val="lt1"/>
+    </dgm:linClrLst>
+    <dgm:effectClrLst/>
+    <dgm:txLinClrLst/>
+    <dgm:txFillClrLst/>
+    <dgm:txEffectClrLst/>
+  </dgm:styleLbl>
+  <dgm:styleLbl name="fgImgPlace1">
+    <dgm:fillClrLst>
+      <a:schemeClr val="accent1">
+        <a:tint val="50000"/>
+      </a:schemeClr>
+      <a:schemeClr val="accent1">
+        <a:tint val="55000"/>
+      </a:schemeClr>
+    </dgm:fillClrLst>
+    <dgm:linClrLst meth="repeat">
+      <a:schemeClr val="lt1"/>
+    </dgm:linClrLst>
+    <dgm:effectClrLst/>
+    <dgm:txLinClrLst/>
+    <dgm:txFillClrLst meth="repeat">
+      <a:schemeClr val="lt1"/>
+    </dgm:txFillClrLst>
+    <dgm:txEffectClrLst/>
+  </dgm:styleLbl>
+  <dgm:styleLbl name="alignImgPlace1">
+    <dgm:fillClrLst>
+      <a:schemeClr val="accent1">
+        <a:tint val="50000"/>
+      </a:schemeClr>
+      <a:schemeClr val="accent1">
+        <a:tint val="55000"/>
+      </a:schemeClr>
+    </dgm:fillClrLst>
+    <dgm:linClrLst meth="repeat">
+      <a:schemeClr val="lt1"/>
+    </dgm:linClrLst>
+    <dgm:effectClrLst/>
+    <dgm:txLinClrLst/>
+    <dgm:txFillClrLst meth="repeat">
+      <a:schemeClr val="lt1"/>
+    </dgm:txFillClrLst>
+    <dgm:txEffectClrLst/>
+  </dgm:styleLbl>
+  <dgm:styleLbl name="bgImgPlace1">
+    <dgm:fillClrLst>
+      <a:schemeClr val="accent1">
+        <a:tint val="50000"/>
+      </a:schemeClr>
+      <a:schemeClr val="accent1">
+        <a:tint val="55000"/>
+      </a:schemeClr>
+    </dgm:fillClrLst>
+    <dgm:linClrLst meth="repeat">
+      <a:schemeClr val="lt1"/>
+    </dgm:linClrLst>
+    <dgm:effectClrLst/>
+    <dgm:txLinClrLst/>
+    <dgm:txFillClrLst meth="repeat">
+      <a:schemeClr val="lt1"/>
+    </dgm:txFillClrLst>
+    <dgm:txEffectClrLst/>
+  </dgm:styleLbl>
+  <dgm:styleLbl name="sibTrans2D1">
+    <dgm:fillClrLst meth="cycle">
+      <a:schemeClr val="accent1">
+        <a:shade val="90000"/>
+      </a:schemeClr>
+      <a:schemeClr val="accent1">
+        <a:tint val="50000"/>
+      </a:schemeClr>
+    </dgm:fillClrLst>
+    <dgm:linClrLst meth="cycle">
+      <a:schemeClr val="accent1">
+        <a:shade val="90000"/>
+      </a:schemeClr>
+      <a:schemeClr val="accent1">
+        <a:tint val="50000"/>
+      </a:schemeClr>
+    </dgm:linClrLst>
+    <dgm:effectClrLst/>
+    <dgm:txLinClrLst/>
+    <dgm:txFillClrLst/>
+    <dgm:txEffectClrLst/>
+  </dgm:styleLbl>
+  <dgm:styleLbl name="fgSibTrans2D1">
+    <dgm:fillClrLst meth="cycle">
+      <a:schemeClr val="accent1">
+        <a:shade val="90000"/>
+      </a:schemeClr>
+      <a:schemeClr val="accent1">
+        <a:tint val="50000"/>
+      </a:schemeClr>
+    </dgm:fillClrLst>
+    <dgm:linClrLst meth="cycle">
+      <a:schemeClr val="accent1">
+        <a:shade val="90000"/>
+      </a:schemeClr>
+      <a:schemeClr val="accent1">
+        <a:tint val="50000"/>
+      </a:schemeClr>
+    </dgm:linClrLst>
+    <dgm:effectClrLst/>
+    <dgm:txLinClrLst/>
+    <dgm:txFillClrLst/>
+    <dgm:txEffectClrLst/>
+  </dgm:styleLbl>
+  <dgm:styleLbl name="bgSibTrans2D1">
+    <dgm:fillClrLst meth="cycle">
+      <a:schemeClr val="accent1">
+        <a:shade val="90000"/>
+      </a:schemeClr>
+      <a:schemeClr val="accent1">
+        <a:tint val="50000"/>
+      </a:schemeClr>
+    </dgm:fillClrLst>
+    <dgm:linClrLst meth="cycle">
+      <a:schemeClr val="accent1">
+        <a:shade val="90000"/>
+      </a:schemeClr>
+      <a:schemeClr val="accent1">
+        <a:tint val="50000"/>
+      </a:schemeClr>
+    </dgm:linClrLst>
+    <dgm:effectClrLst/>
+    <dgm:txLinClrLst/>
+    <dgm:txFillClrLst/>
+    <dgm:txEffectClrLst/>
+  </dgm:styleLbl>
+  <dgm:styleLbl name="sibTrans1D1">
+    <dgm:fillClrLst meth="cycle">
+      <a:schemeClr val="accent1">
+        <a:shade val="90000"/>
+      </a:schemeClr>
+      <a:schemeClr val="accent1">
+        <a:tint val="50000"/>
+      </a:schemeClr>
+    </dgm:fillClrLst>
+    <dgm:linClrLst meth="cycle">
+      <a:schemeClr val="accent1">
+        <a:shade val="90000"/>
+      </a:schemeClr>
+      <a:schemeClr val="accent1">
+        <a:tint val="50000"/>
+      </a:schemeClr>
+    </dgm:linClrLst>
+    <dgm:effectClrLst/>
+    <dgm:txLinClrLst/>
+    <dgm:txFillClrLst meth="repeat">
+      <a:schemeClr val="tx1"/>
+    </dgm:txFillClrLst>
+    <dgm:txEffectClrLst/>
+  </dgm:styleLbl>
+  <dgm:styleLbl name="callout">
+    <dgm:fillClrLst meth="repeat">
+      <a:schemeClr val="accent1"/>
+    </dgm:fillClrLst>
+    <dgm:linClrLst meth="repeat">
+      <a:schemeClr val="accent1"/>
+    </dgm:linClrLst>
+    <dgm:effectClrLst/>
+    <dgm:txLinClrLst/>
+    <dgm:txFillClrLst meth="repeat">
+      <a:schemeClr val="tx1"/>
+    </dgm:txFillClrLst>
+    <dgm:txEffectClrLst/>
+  </dgm:styleLbl>
+  <dgm:styleLbl name="asst0">
+    <dgm:fillClrLst meth="repeat">
+      <a:schemeClr val="accent1">
+        <a:shade val="80000"/>
+      </a:schemeClr>
+    </dgm:fillClrLst>
+    <dgm:linClrLst meth="repeat">
+      <a:schemeClr val="lt1"/>
+    </dgm:linClrLst>
+    <dgm:effectClrLst/>
+    <dgm:txLinClrLst/>
+    <dgm:txFillClrLst/>
+    <dgm:txEffectClrLst/>
+  </dgm:styleLbl>
+  <dgm:styleLbl name="asst1">
+    <dgm:fillClrLst meth="repeat">
+      <a:schemeClr val="accent1">
+        <a:shade val="80000"/>
+      </a:schemeClr>
+    </dgm:fillClrLst>
+    <dgm:linClrLst meth="repeat">
+      <a:schemeClr val="lt1"/>
+    </dgm:linClrLst>
+    <dgm:effectClrLst/>
+    <dgm:txLinClrLst/>
+    <dgm:txFillClrLst/>
+    <dgm:txEffectClrLst/>
+  </dgm:styleLbl>
+  <dgm:styleLbl name="asst2">
+    <dgm:fillClrLst>
+      <a:schemeClr val="accent1">
+        <a:tint val="90000"/>
+      </a:schemeClr>
+    </dgm:fillClrLst>
+    <dgm:linClrLst meth="repeat">
+      <a:schemeClr val="lt1"/>
+    </dgm:linClrLst>
+    <dgm:effectClrLst/>
+    <dgm:txLinClrLst/>
+    <dgm:txFillClrLst/>
+    <dgm:txEffectClrLst/>
+  </dgm:styleLbl>
+  <dgm:styleLbl name="asst3">
+    <dgm:fillClrLst>
+      <a:schemeClr val="accent1">
+        <a:tint val="70000"/>
+      </a:schemeClr>
+    </dgm:fillClrLst>
+    <dgm:linClrLst meth="repeat">
+      <a:schemeClr val="lt1"/>
+    </dgm:linClrLst>
+    <dgm:effectClrLst/>
+    <dgm:txLinClrLst/>
+    <dgm:txFillClrLst/>
+    <dgm:txEffectClrLst/>
+  </dgm:styleLbl>
+  <dgm:styleLbl name="asst4">
+    <dgm:fillClrLst>
+      <a:schemeClr val="accent1">
+        <a:tint val="50000"/>
+      </a:schemeClr>
+    </dgm:fillClrLst>
+    <dgm:linClrLst meth="repeat">
+      <a:schemeClr val="lt1"/>
+    </dgm:linClrLst>
+    <dgm:effectClrLst/>
+    <dgm:txLinClrLst/>
+    <dgm:txFillClrLst/>
+    <dgm:txEffectClrLst/>
+  </dgm:styleLbl>
+  <dgm:styleLbl name="parChTrans2D1">
+    <dgm:fillClrLst meth="repeat">
+      <a:schemeClr val="accent1">
+        <a:tint val="60000"/>
+      </a:schemeClr>
+    </dgm:fillClrLst>
+    <dgm:linClrLst meth="repeat">
+      <a:schemeClr val="accent1">
+        <a:shade val="80000"/>
+      </a:schemeClr>
+    </dgm:linClrLst>
+    <dgm:effectClrLst/>
+    <dgm:txLinClrLst/>
+    <dgm:txFillClrLst/>
+    <dgm:txEffectClrLst/>
+  </dgm:styleLbl>
+  <dgm:styleLbl name="parChTrans2D2">
+    <dgm:fillClrLst meth="repeat">
+      <a:schemeClr val="accent1">
+        <a:tint val="90000"/>
+      </a:schemeClr>
+    </dgm:fillClrLst>
+    <dgm:linClrLst meth="repeat">
+      <a:schemeClr val="accent1">
+        <a:tint val="90000"/>
+      </a:schemeClr>
+    </dgm:linClrLst>
+    <dgm:effectClrLst/>
+    <dgm:txLinClrLst/>
+    <dgm:txFillClrLst/>
+    <dgm:txEffectClrLst/>
+  </dgm:styleLbl>
+  <dgm:styleLbl name="parChTrans2D3">
+    <dgm:fillClrLst meth="repeat">
+      <a:schemeClr val="accent1">
+        <a:tint val="70000"/>
+      </a:schemeClr>
+    </dgm:fillClrLst>
+    <dgm:linClrLst meth="repeat">
+      <a:schemeClr val="accent1">
+        <a:tint val="70000"/>
+      </a:schemeClr>
+    </dgm:linClrLst>
+    <dgm:effectClrLst/>
+    <dgm:txLinClrLst/>
+    <dgm:txFillClrLst/>
+    <dgm:txEffectClrLst/>
+  </dgm:styleLbl>
+  <dgm:styleLbl name="parChTrans2D4">
+    <dgm:fillClrLst meth="repeat">
+      <a:schemeClr val="accent1">
+        <a:tint val="50000"/>
+      </a:schemeClr>
+    </dgm:fillClrLst>
+    <dgm:linClrLst meth="repeat">
+      <a:schemeClr val="accent1">
+        <a:tint val="50000"/>
+      </a:schemeClr>
+    </dgm:linClrLst>
+    <dgm:effectClrLst/>
+    <dgm:txLinClrLst/>
+    <dgm:txFillClrLst meth="repeat">
+      <a:schemeClr val="dk1"/>
+    </dgm:txFillClrLst>
+    <dgm:txEffectClrLst/>
+  </dgm:styleLbl>
+  <dgm:styleLbl name="parChTrans1D1">
+    <dgm:fillClrLst meth="repeat">
+      <a:schemeClr val="accent1">
+        <a:shade val="80000"/>
+      </a:schemeClr>
+    </dgm:fillClrLst>
+    <dgm:linClrLst meth="repeat">
+      <a:schemeClr val="accent1">
+        <a:shade val="80000"/>
+      </a:schemeClr>
+    </dgm:linClrLst>
+    <dgm:effectClrLst/>
+    <dgm:txLinClrLst/>
+    <dgm:txFillClrLst meth="repeat">
+      <a:schemeClr val="tx1"/>
+    </dgm:txFillClrLst>
+    <dgm:txEffectClrLst/>
+  </dgm:styleLbl>
+  <dgm:styleLbl name="parChTrans1D2">
+    <dgm:fillClrLst meth="repeat">
+      <a:schemeClr val="accent1">
+        <a:tint val="90000"/>
+      </a:schemeClr>
+    </dgm:fillClrLst>
+    <dgm:linClrLst meth="repeat">
+      <a:schemeClr val="accent1">
+        <a:tint val="90000"/>
+      </a:schemeClr>
+    </dgm:linClrLst>
+    <dgm:effectClrLst/>
+    <dgm:txLinClrLst/>
+    <dgm:txFillClrLst meth="repeat">
+      <a:schemeClr val="tx1"/>
+    </dgm:txFillClrLst>
+    <dgm:txEffectClrLst/>
+  </dgm:styleLbl>
+  <dgm:styleLbl name="parChTrans1D3">
+    <dgm:fillClrLst meth="repeat">
+      <a:schemeClr val="accent1">
+        <a:tint val="70000"/>
+      </a:schemeClr>
+    </dgm:fillClrLst>
+    <dgm:linClrLst meth="repeat">
+      <a:schemeClr val="accent1">
+        <a:tint val="70000"/>
+      </a:schemeClr>
+    </dgm:linClrLst>
+    <dgm:effectClrLst/>
+    <dgm:txLinClrLst/>
+    <dgm:txFillClrLst meth="repeat">
+      <a:schemeClr val="tx1"/>
+    </dgm:txFillClrLst>
+    <dgm:txEffectClrLst/>
+  </dgm:styleLbl>
+  <dgm:styleLbl name="parChTrans1D4">
+    <dgm:fillClrLst meth="repeat">
+      <a:schemeClr val="accent1">
+        <a:tint val="50000"/>
+      </a:schemeClr>
+    </dgm:fillClrLst>
+    <dgm:linClrLst meth="repeat">
+      <a:schemeClr val="accent1">
+        <a:tint val="50000"/>
+      </a:schemeClr>
+    </dgm:linClrLst>
+    <dgm:effectClrLst/>
+    <dgm:txLinClrLst/>
+    <dgm:txFillClrLst meth="repeat">
+      <a:schemeClr val="tx1"/>
+    </dgm:txFillClrLst>
+    <dgm:txEffectClrLst/>
+  </dgm:styleLbl>
+  <dgm:styleLbl name="fgAcc1">
+    <dgm:fillClrLst meth="repeat">
+      <a:schemeClr val="lt1">
+        <a:alpha val="90000"/>
+      </a:schemeClr>
+    </dgm:fillClrLst>
+    <dgm:linClrLst meth="cycle">
+      <a:schemeClr val="accent1">
+        <a:shade val="50000"/>
+      </a:schemeClr>
+      <a:schemeClr val="accent1">
+        <a:tint val="55000"/>
+      </a:schemeClr>
+    </dgm:linClrLst>
+    <dgm:effectClrLst/>
+    <dgm:txLinClrLst/>
+    <dgm:txFillClrLst meth="repeat">
+      <a:schemeClr val="dk1"/>
+    </dgm:txFillClrLst>
+    <dgm:txEffectClrLst/>
+  </dgm:styleLbl>
+  <dgm:styleLbl name="conFgAcc1">
+    <dgm:fillClrLst meth="repeat">
+      <a:schemeClr val="lt1">
+        <a:alpha val="90000"/>
+      </a:schemeClr>
+    </dgm:fillClrLst>
+    <dgm:linClrLst meth="cycle">
+      <a:schemeClr val="accent1">
+        <a:shade val="50000"/>
+      </a:schemeClr>
+      <a:schemeClr val="accent1">
+        <a:tint val="55000"/>
+      </a:schemeClr>
+    </dgm:linClrLst>
+    <dgm:effectClrLst/>
+    <dgm:txLinClrLst/>
+    <dgm:txFillClrLst meth="repeat">
+      <a:schemeClr val="dk1"/>
+    </dgm:txFillClrLst>
+    <dgm:txEffectClrLst/>
+  </dgm:styleLbl>
+  <dgm:styleLbl name="alignAcc1">
+    <dgm:fillClrLst meth="repeat">
+      <a:schemeClr val="lt1">
+        <a:alpha val="90000"/>
+      </a:schemeClr>
+    </dgm:fillClrLst>
+    <dgm:linClrLst meth="cycle">
+      <a:schemeClr val="accent1">
+        <a:shade val="50000"/>
+      </a:schemeClr>
+      <a:schemeClr val="accent1">
+        <a:tint val="55000"/>
+      </a:schemeClr>
+    </dgm:linClrLst>
+    <dgm:effectClrLst/>
+    <dgm:txLinClrLst/>
+    <dgm:txFillClrLst meth="repeat">
+      <a:schemeClr val="dk1"/>
+    </dgm:txFillClrLst>
+    <dgm:txEffectClrLst/>
+  </dgm:styleLbl>
+  <dgm:styleLbl name="trAlignAcc1">
+    <dgm:fillClrLst meth="repeat">
+      <a:schemeClr val="lt1">
+        <a:alpha val="55000"/>
+      </a:schemeClr>
+    </dgm:fillClrLst>
+    <dgm:linClrLst meth="repeat">
+      <a:schemeClr val="accent1"/>
+    </dgm:linClrLst>
+    <dgm:effectClrLst/>
+    <dgm:txLinClrLst/>
+    <dgm:txFillClrLst meth="repeat">
+      <a:schemeClr val="dk1"/>
+    </dgm:txFillClrLst>
+    <dgm:txEffectClrLst/>
+  </dgm:styleLbl>
+  <dgm:styleLbl name="bgAcc1">
+    <dgm:fillClrLst meth="repeat">
+      <a:schemeClr val="lt1">
+        <a:alpha val="90000"/>
+      </a:schemeClr>
+    </dgm:fillClrLst>
+    <dgm:linClrLst meth="cycle">
+      <a:schemeClr val="accent1">
+        <a:shade val="50000"/>
+      </a:schemeClr>
+      <a:schemeClr val="accent1">
+        <a:tint val="55000"/>
+      </a:schemeClr>
+    </dgm:linClrLst>
+    <dgm:effectClrLst/>
+    <dgm:txLinClrLst/>
+    <dgm:txFillClrLst meth="repeat">
+      <a:schemeClr val="dk1"/>
+    </dgm:txFillClrLst>
+    <dgm:txEffectClrLst/>
+  </dgm:styleLbl>
+  <dgm:styleLbl name="solidFgAcc1">
+    <dgm:fillClrLst meth="repeat">
+      <a:schemeClr val="lt1"/>
+    </dgm:fillClrLst>
+    <dgm:linClrLst meth="cycle">
+      <a:schemeClr val="accent1">
+        <a:shade val="50000"/>
+      </a:schemeClr>
+      <a:schemeClr val="accent1">
+        <a:tint val="55000"/>
+      </a:schemeClr>
+    </dgm:linClrLst>
+    <dgm:effectClrLst/>
+    <dgm:txLinClrLst/>
+    <dgm:txFillClrLst meth="repeat">
+      <a:schemeClr val="dk1"/>
+    </dgm:txFillClrLst>
+    <dgm:txEffectClrLst/>
+  </dgm:styleLbl>
+  <dgm:styleLbl name="solidAlignAcc1">
+    <dgm:fillClrLst meth="repeat">
+      <a:schemeClr val="lt1"/>
+    </dgm:fillClrLst>
+    <dgm:linClrLst meth="repeat">
+      <a:schemeClr val="accent1"/>
+    </dgm:linClrLst>
+    <dgm:effectClrLst/>
+    <dgm:txLinClrLst/>
+    <dgm:txFillClrLst meth="repeat">
+      <a:schemeClr val="dk1"/>
+    </dgm:txFillClrLst>
+    <dgm:txEffectClrLst/>
+  </dgm:styleLbl>
+  <dgm:styleLbl name="solidBgAcc1">
+    <dgm:fillClrLst meth="repeat">
+      <a:schemeClr val="lt1"/>
+    </dgm:fillClrLst>
+    <dgm:linClrLst meth="repeat">
+      <a:schemeClr val="accent1"/>
+    </dgm:linClrLst>
+    <dgm:effectClrLst/>
+    <dgm:txLinClrLst/>
+    <dgm:txFillClrLst meth="repeat">
+      <a:schemeClr val="dk1"/>
+    </dgm:txFillClrLst>
+    <dgm:txEffectClrLst/>
+  </dgm:styleLbl>
+  <dgm:styleLbl name="fgAccFollowNode1">
+    <dgm:fillClrLst meth="repeat">
+      <a:schemeClr val="accent1">
+        <a:alpha val="90000"/>
+        <a:tint val="55000"/>
+      </a:schemeClr>
+    </dgm:fillClrLst>
+    <dgm:linClrLst meth="repeat">
+      <a:schemeClr val="accent1">
+        <a:alpha val="90000"/>
+        <a:tint val="55000"/>
+      </a:schemeClr>
+    </dgm:linClrLst>
+    <dgm:effectClrLst/>
+    <dgm:txLinClrLst/>
+    <dgm:txFillClrLst meth="repeat">
+      <a:schemeClr val="dk1"/>
+    </dgm:txFillClrLst>
+    <dgm:txEffectClrLst/>
+  </dgm:styleLbl>
+  <dgm:styleLbl name="alignAccFollowNode1">
+    <dgm:fillClrLst meth="repeat">
+      <a:schemeClr val="accent1">
+        <a:alpha val="90000"/>
+        <a:tint val="55000"/>
+      </a:schemeClr>
+    </dgm:fillClrLst>
+    <dgm:linClrLst meth="repeat">
+      <a:schemeClr val="accent1">
+        <a:alpha val="90000"/>
+        <a:tint val="55000"/>
+      </a:schemeClr>
+    </dgm:linClrLst>
+    <dgm:effectClrLst/>
+    <dgm:txLinClrLst/>
+    <dgm:txFillClrLst meth="repeat">
+      <a:schemeClr val="dk1"/>
+    </dgm:txFillClrLst>
+    <dgm:txEffectClrLst/>
+  </dgm:styleLbl>
+  <dgm:styleLbl name="bgAccFollowNode1">
+    <dgm:fillClrLst meth="repeat">
+      <a:schemeClr val="accent1">
+        <a:alpha val="90000"/>
+        <a:tint val="55000"/>
+      </a:schemeClr>
+    </dgm:fillClrLst>
+    <dgm:linClrLst meth="repeat">
+      <a:schemeClr val="lt1"/>
+    </dgm:linClrLst>
+    <dgm:effectClrLst/>
+    <dgm:txLinClrLst/>
+    <dgm:txFillClrLst meth="repeat">
+      <a:schemeClr val="dk1"/>
+    </dgm:txFillClrLst>
+    <dgm:txEffectClrLst/>
+  </dgm:styleLbl>
+  <dgm:styleLbl name="fgAcc0">
+    <dgm:fillClrLst meth="repeat">
+      <a:schemeClr val="lt1">
+        <a:alpha val="90000"/>
+      </a:schemeClr>
+    </dgm:fillClrLst>
+    <dgm:linClrLst meth="repeat">
+      <a:schemeClr val="accent1">
+        <a:shade val="80000"/>
+      </a:schemeClr>
+    </dgm:linClrLst>
+    <dgm:effectClrLst/>
+    <dgm:txLinClrLst/>
+    <dgm:txFillClrLst meth="repeat">
+      <a:schemeClr val="dk1"/>
+    </dgm:txFillClrLst>
+    <dgm:txEffectClrLst/>
+  </dgm:styleLbl>
+  <dgm:styleLbl name="fgAcc2">
+    <dgm:fillClrLst meth="repeat">
+      <a:schemeClr val="lt1">
+        <a:alpha val="90000"/>
+      </a:schemeClr>
+    </dgm:fillClrLst>
+    <dgm:linClrLst meth="repeat">
+      <a:schemeClr val="accent1">
+        <a:tint val="90000"/>
+      </a:schemeClr>
+    </dgm:linClrLst>
+    <dgm:effectClrLst/>
+    <dgm:txLinClrLst/>
+    <dgm:txFillClrLst meth="repeat">
+      <a:schemeClr val="dk1"/>
+    </dgm:txFillClrLst>
+    <dgm:txEffectClrLst/>
+  </dgm:styleLbl>
+  <dgm:styleLbl name="fgAcc3">
+    <dgm:fillClrLst meth="repeat">
+      <a:schemeClr val="lt1">
+        <a:alpha val="90000"/>
+      </a:schemeClr>
+    </dgm:fillClrLst>
+    <dgm:linClrLst meth="repeat">
+      <a:schemeClr val="accent1">
+        <a:tint val="70000"/>
+      </a:schemeClr>
+    </dgm:linClrLst>
+    <dgm:effectClrLst/>
+    <dgm:txLinClrLst/>
+    <dgm:txFillClrLst meth="repeat">
+      <a:schemeClr val="dk1"/>
+    </dgm:txFillClrLst>
+    <dgm:txEffectClrLst/>
+  </dgm:styleLbl>
+  <dgm:styleLbl name="fgAcc4">
+    <dgm:fillClrLst meth="repeat">
+      <a:schemeClr val="lt1">
+        <a:alpha val="90000"/>
+      </a:schemeClr>
+    </dgm:fillClrLst>
+    <dgm:linClrLst meth="repeat">
+      <a:schemeClr val="accent1">
+        <a:tint val="50000"/>
+      </a:schemeClr>
+    </dgm:linClrLst>
+    <dgm:effectClrLst/>
+    <dgm:txLinClrLst/>
+    <dgm:txFillClrLst meth="repeat">
+      <a:schemeClr val="dk1"/>
+    </dgm:txFillClrLst>
+    <dgm:txEffectClrLst/>
+  </dgm:styleLbl>
+  <dgm:styleLbl name="bgShp">
+    <dgm:fillClrLst meth="repeat">
+      <a:schemeClr val="accent1">
+        <a:tint val="55000"/>
+      </a:schemeClr>
+    </dgm:fillClrLst>
+    <dgm:linClrLst meth="repeat">
+      <a:schemeClr val="dk1"/>
+    </dgm:linClrLst>
+    <dgm:effectClrLst/>
+    <dgm:txLinClrLst/>
+    <dgm:txFillClrLst meth="repeat">
+      <a:schemeClr val="dk1"/>
+    </dgm:txFillClrLst>
+    <dgm:txEffectClrLst/>
+  </dgm:styleLbl>
+  <dgm:styleLbl name="dkBgShp">
+    <dgm:fillClrLst meth="repeat">
+      <a:schemeClr val="accent1">
+        <a:shade val="90000"/>
+      </a:schemeClr>
+    </dgm:fillClrLst>
+    <dgm:linClrLst meth="repeat">
+      <a:schemeClr val="dk1"/>
+    </dgm:linClrLst>
+    <dgm:effectClrLst/>
+    <dgm:txLinClrLst/>
+    <dgm:txFillClrLst meth="repeat">
+      <a:schemeClr val="lt1"/>
+    </dgm:txFillClrLst>
+    <dgm:txEffectClrLst/>
+  </dgm:styleLbl>
+  <dgm:styleLbl name="trBgShp">
+    <dgm:fillClrLst meth="repeat">
+      <a:schemeClr val="accent1">
+        <a:tint val="50000"/>
+        <a:alpha val="55000"/>
+      </a:schemeClr>
+    </dgm:fillClrLst>
+    <dgm:linClrLst meth="repeat">
+      <a:schemeClr val="accent1"/>
+    </dgm:linClrLst>
+    <dgm:effectClrLst/>
+    <dgm:txLinClrLst/>
+    <dgm:txFillClrLst meth="repeat">
+      <a:schemeClr val="lt1"/>
+    </dgm:txFillClrLst>
+    <dgm:txEffectClrLst/>
+  </dgm:styleLbl>
+  <dgm:styleLbl name="fgShp">
+    <dgm:fillClrLst meth="repeat">
+      <a:schemeClr val="accent1">
+        <a:tint val="55000"/>
+      </a:schemeClr>
+    </dgm:fillClrLst>
+    <dgm:linClrLst meth="repeat">
+      <a:schemeClr val="lt1"/>
+    </dgm:linClrLst>
+    <dgm:effectClrLst/>
+    <dgm:txLinClrLst/>
+    <dgm:txFillClrLst meth="repeat">
+      <a:schemeClr val="dk1"/>
+    </dgm:txFillClrLst>
+    <dgm:txEffectClrLst/>
+  </dgm:styleLbl>
+  <dgm:styleLbl name="revTx">
+    <dgm:fillClrLst meth="repeat">
+      <a:schemeClr val="lt1">
+        <a:alpha val="0"/>
+      </a:schemeClr>
+    </dgm:fillClrLst>
+    <dgm:linClrLst meth="repeat">
+      <a:schemeClr val="dk1">
+        <a:alpha val="0"/>
+      </a:schemeClr>
+    </dgm:linClrLst>
+    <dgm:effectClrLst/>
+    <dgm:txLinClrLst/>
+    <dgm:txFillClrLst meth="repeat">
+      <a:schemeClr val="tx1"/>
+    </dgm:txFillClrLst>
+    <dgm:txEffectClrLst/>
+  </dgm:styleLbl>
+</dgm:colorsDef>
+</file>
+
+<file path=ppt/diagrams/colors3.xml><?xml version="1.0" encoding="utf-8"?>
+<dgm:colorsDef xmlns:dgm="http://schemas.openxmlformats.org/drawingml/2006/diagram" xmlns:a="http://schemas.openxmlformats.org/drawingml/2006/main" uniqueId="urn:microsoft.com/office/officeart/2005/8/colors/colorful2">
+  <dgm:title val=""/>
+  <dgm:desc val=""/>
+  <dgm:catLst>
+    <dgm:cat type="colorful" pri="10200"/>
+  </dgm:catLst>
+  <dgm:styleLbl name="node0">
+    <dgm:fillClrLst meth="repeat">
+      <a:schemeClr val="accent1"/>
+    </dgm:fillClrLst>
+    <dgm:linClrLst meth="repeat">
+      <a:schemeClr val="lt1"/>
+    </dgm:linClrLst>
+    <dgm:effectClrLst/>
+    <dgm:txLinClrLst/>
+    <dgm:txFillClrLst/>
+    <dgm:txEffectClrLst/>
+  </dgm:styleLbl>
+  <dgm:styleLbl name="node1">
+    <dgm:fillClrLst>
+      <a:schemeClr val="accent2"/>
+      <a:schemeClr val="accent3"/>
+    </dgm:fillClrLst>
+    <dgm:linClrLst meth="repeat">
+      <a:schemeClr val="lt1"/>
+    </dgm:linClrLst>
+    <dgm:effectClrLst/>
+    <dgm:txLinClrLst/>
+    <dgm:txFillClrLst/>
+    <dgm:txEffectClrLst/>
+  </dgm:styleLbl>
+  <dgm:styleLbl name="alignNode1">
+    <dgm:fillClrLst>
+      <a:schemeClr val="accent2"/>
+      <a:schemeClr val="accent3"/>
+    </dgm:fillClrLst>
+    <dgm:linClrLst>
+      <a:schemeClr val="accent2"/>
+      <a:schemeClr val="accent3"/>
+    </dgm:linClrLst>
+    <dgm:effectClrLst/>
+    <dgm:txLinClrLst/>
+    <dgm:txFillClrLst/>
+    <dgm:txEffectClrLst/>
+  </dgm:styleLbl>
+  <dgm:styleLbl name="lnNode1">
+    <dgm:fillClrLst>
+      <a:schemeClr val="accent2"/>
+      <a:schemeClr val="accent3"/>
+    </dgm:fillClrLst>
+    <dgm:linClrLst meth="repeat">
+      <a:schemeClr val="lt1"/>
+    </dgm:linClrLst>
+    <dgm:effectClrLst/>
+    <dgm:txLinClrLst/>
+    <dgm:txFillClrLst/>
+    <dgm:txEffectClrLst/>
+  </dgm:styleLbl>
+  <dgm:styleLbl name="vennNode1">
+    <dgm:fillClrLst>
+      <a:schemeClr val="accent2">
+        <a:alpha val="50000"/>
+      </a:schemeClr>
+      <a:schemeClr val="accent3">
+        <a:alpha val="50000"/>
+      </a:schemeClr>
+    </dgm:fillClrLst>
+    <dgm:linClrLst meth="repeat">
+      <a:schemeClr val="lt1"/>
+    </dgm:linClrLst>
+    <dgm:effectClrLst/>
+    <dgm:txLinClrLst/>
+    <dgm:txFillClrLst/>
+    <dgm:txEffectClrLst/>
+  </dgm:styleLbl>
+  <dgm:styleLbl name="node2">
+    <dgm:fillClrLst>
+      <a:schemeClr val="accent3"/>
+    </dgm:fillClrLst>
+    <dgm:linClrLst meth="repeat">
+      <a:schemeClr val="lt1"/>
+    </dgm:linClrLst>
+    <dgm:effectClrLst/>
+    <dgm:txLinClrLst/>
+    <dgm:txFillClrLst/>
+    <dgm:txEffectClrLst/>
+  </dgm:styleLbl>
+  <dgm:styleLbl name="node3">
+    <dgm:fillClrLst>
+      <a:schemeClr val="accent4"/>
+    </dgm:fillClrLst>
+    <dgm:linClrLst meth="repeat">
+      <a:schemeClr val="lt1"/>
+    </dgm:linClrLst>
+    <dgm:effectClrLst/>
+    <dgm:txLinClrLst/>
+    <dgm:txFillClrLst/>
+    <dgm:txEffectClrLst/>
+  </dgm:styleLbl>
+  <dgm:styleLbl name="node4">
+    <dgm:fillClrLst>
+      <a:schemeClr val="accent5"/>
+    </dgm:fillClrLst>
+    <dgm:linClrLst meth="repeat">
+      <a:schemeClr val="lt1"/>
+    </dgm:linClrLst>
+    <dgm:effectClrLst/>
+    <dgm:txLinClrLst/>
+    <dgm:txFillClrLst/>
+    <dgm:txEffectClrLst/>
+  </dgm:styleLbl>
+  <dgm:styleLbl name="fgImgPlace1">
+    <dgm:fillClrLst>
+      <a:schemeClr val="accent2">
+        <a:tint val="50000"/>
+      </a:schemeClr>
+      <a:schemeClr val="accent3">
+        <a:tint val="50000"/>
+      </a:schemeClr>
+    </dgm:fillClrLst>
+    <dgm:linClrLst meth="repeat">
+      <a:schemeClr val="lt1"/>
+    </dgm:linClrLst>
+    <dgm:effectClrLst/>
+    <dgm:txLinClrLst/>
+    <dgm:txFillClrLst meth="repeat">
+      <a:schemeClr val="lt1"/>
+    </dgm:txFillClrLst>
+    <dgm:txEffectClrLst/>
+  </dgm:styleLbl>
+  <dgm:styleLbl name="alignImgPlace1">
+    <dgm:fillClrLst>
+      <a:schemeClr val="accent2">
+        <a:tint val="50000"/>
+      </a:schemeClr>
+      <a:schemeClr val="accent3">
+        <a:tint val="20000"/>
+      </a:schemeClr>
+    </dgm:fillClrLst>
+    <dgm:linClrLst meth="repeat">
+      <a:schemeClr val="lt1"/>
+    </dgm:linClrLst>
+    <dgm:effectClrLst/>
+    <dgm:txLinClrLst/>
+    <dgm:txFillClrLst meth="repeat">
+      <a:schemeClr val="lt1"/>
+    </dgm:txFillClrLst>
+    <dgm:txEffectClrLst/>
+  </dgm:styleLbl>
+  <dgm:styleLbl name="bgImgPlace1">
+    <dgm:fillClrLst>
+      <a:schemeClr val="accent2">
+        <a:tint val="50000"/>
+      </a:schemeClr>
+      <a:schemeClr val="accent3">
+        <a:tint val="20000"/>
+      </a:schemeClr>
+    </dgm:fillClrLst>
+    <dgm:linClrLst meth="repeat">
+      <a:schemeClr val="lt1"/>
+    </dgm:linClrLst>
+    <dgm:effectClrLst/>
+    <dgm:txLinClrLst/>
+    <dgm:txFillClrLst meth="repeat">
+      <a:schemeClr val="lt1"/>
+    </dgm:txFillClrLst>
+    <dgm:txEffectClrLst/>
+  </dgm:styleLbl>
+  <dgm:styleLbl name="sibTrans2D1">
+    <dgm:fillClrLst>
+      <a:schemeClr val="accent2"/>
+      <a:schemeClr val="accent3"/>
+    </dgm:fillClrLst>
+    <dgm:linClrLst meth="repeat">
+      <a:schemeClr val="lt1"/>
+    </dgm:linClrLst>
+    <dgm:effectClrLst/>
+    <dgm:txLinClrLst/>
+    <dgm:txFillClrLst/>
+    <dgm:txEffectClrLst/>
+  </dgm:styleLbl>
+  <dgm:styleLbl name="fgSibTrans2D1">
+    <dgm:fillClrLst>
+      <a:schemeClr val="accent2"/>
+      <a:schemeClr val="accent3"/>
+    </dgm:fillClrLst>
+    <dgm:linClrLst meth="repeat">
+      <a:schemeClr val="lt1"/>
+    </dgm:linClrLst>
+    <dgm:effectClrLst/>
+    <dgm:txLinClrLst/>
+    <dgm:txFillClrLst meth="repeat">
+      <a:schemeClr val="lt1"/>
+    </dgm:txFillClrLst>
+    <dgm:txEffectClrLst/>
+  </dgm:styleLbl>
+  <dgm:styleLbl name="bgSibTrans2D1">
+    <dgm:fillClrLst>
+      <a:schemeClr val="accent2"/>
+      <a:schemeClr val="accent3"/>
+    </dgm:fillClrLst>
+    <dgm:linClrLst meth="repeat">
+      <a:schemeClr val="lt1"/>
+    </dgm:linClrLst>
+    <dgm:effectClrLst/>
+    <dgm:txLinClrLst/>
+    <dgm:txFillClrLst meth="repeat">
+      <a:schemeClr val="lt1"/>
+    </dgm:txFillClrLst>
+    <dgm:txEffectClrLst/>
+  </dgm:styleLbl>
+  <dgm:styleLbl name="sibTrans1D1">
+    <dgm:fillClrLst/>
+    <dgm:linClrLst>
+      <a:schemeClr val="accent2"/>
+      <a:schemeClr val="accent3"/>
+    </dgm:linClrLst>
+    <dgm:effectClrLst/>
+    <dgm:txLinClrLst/>
+    <dgm:txFillClrLst meth="repeat">
+      <a:schemeClr val="tx1"/>
+    </dgm:txFillClrLst>
+    <dgm:txEffectClrLst/>
+  </dgm:styleLbl>
+  <dgm:styleLbl name="callout">
+    <dgm:fillClrLst meth="repeat">
+      <a:schemeClr val="accent2"/>
+    </dgm:fillClrLst>
+    <dgm:linClrLst meth="repeat">
+      <a:schemeClr val="accent2">
+        <a:tint val="50000"/>
+      </a:schemeClr>
+    </dgm:linClrLst>
+    <dgm:effectClrLst/>
+    <dgm:txLinClrLst/>
+    <dgm:txFillClrLst meth="repeat">
+      <a:schemeClr val="tx1"/>
+    </dgm:txFillClrLst>
+    <dgm:txEffectClrLst/>
+  </dgm:styleLbl>
+  <dgm:styleLbl name="asst0">
+    <dgm:fillClrLst meth="repeat">
+      <a:schemeClr val="accent2"/>
+    </dgm:fillClrLst>
+    <dgm:linClrLst meth="repeat">
+      <a:schemeClr val="lt1">
+        <a:shade val="80000"/>
+      </a:schemeClr>
+    </dgm:linClrLst>
+    <dgm:effectClrLst/>
+    <dgm:txLinClrLst/>
+    <dgm:txFillClrLst/>
+    <dgm:txEffectClrLst/>
+  </dgm:styleLbl>
+  <dgm:styleLbl name="asst1">
+    <dgm:fillClrLst meth="repeat">
+      <a:schemeClr val="accent3"/>
+    </dgm:fillClrLst>
+    <dgm:linClrLst meth="repeat">
+      <a:schemeClr val="lt1">
+        <a:shade val="80000"/>
+      </a:schemeClr>
+    </dgm:linClrLst>
+    <dgm:effectClrLst/>
+    <dgm:txLinClrLst/>
+    <dgm:txFillClrLst/>
+    <dgm:txEffectClrLst/>
+  </dgm:styleLbl>
+  <dgm:styleLbl name="asst2">
+    <dgm:fillClrLst>
+      <a:schemeClr val="accent4"/>
+    </dgm:fillClrLst>
+    <dgm:linClrLst meth="repeat">
+      <a:schemeClr val="lt1"/>
+    </dgm:linClrLst>
+    <dgm:effectClrLst/>
+    <dgm:txLinClrLst/>
+    <dgm:txFillClrLst/>
+    <dgm:txEffectClrLst/>
+  </dgm:styleLbl>
+  <dgm:styleLbl name="asst3">
+    <dgm:fillClrLst>
+      <a:schemeClr val="accent5"/>
+    </dgm:fillClrLst>
+    <dgm:linClrLst meth="repeat">
+      <a:schemeClr val="lt1"/>
+    </dgm:linClrLst>
+    <dgm:effectClrLst/>
+    <dgm:txLinClrLst/>
+    <dgm:txFillClrLst/>
+    <dgm:txEffectClrLst/>
+  </dgm:styleLbl>
+  <dgm:styleLbl name="asst4">
+    <dgm:fillClrLst>
+      <a:schemeClr val="accent6"/>
+    </dgm:fillClrLst>
+    <dgm:linClrLst meth="repeat">
+      <a:schemeClr val="lt1"/>
+    </dgm:linClrLst>
+    <dgm:effectClrLst/>
+    <dgm:txLinClrLst/>
+    <dgm:txFillClrLst/>
+    <dgm:txEffectClrLst/>
+  </dgm:styleLbl>
+  <dgm:styleLbl name="parChTrans2D1">
+    <dgm:fillClrLst meth="repeat">
+      <a:schemeClr val="accent2"/>
+    </dgm:fillClrLst>
+    <dgm:linClrLst meth="repeat">
+      <a:schemeClr val="lt1"/>
+    </dgm:linClrLst>
+    <dgm:effectClrLst/>
+    <dgm:txLinClrLst/>
+    <dgm:txFillClrLst meth="repeat">
+      <a:schemeClr val="lt1"/>
+    </dgm:txFillClrLst>
+    <dgm:txEffectClrLst/>
+  </dgm:styleLbl>
+  <dgm:styleLbl name="parChTrans2D2">
+    <dgm:fillClrLst meth="repeat">
+      <a:schemeClr val="accent3"/>
+    </dgm:fillClrLst>
+    <dgm:linClrLst meth="repeat">
+      <a:schemeClr val="lt1"/>
+    </dgm:linClrLst>
+    <dgm:effectClrLst/>
+    <dgm:txLinClrLst/>
+    <dgm:txFillClrLst/>
+    <dgm:txEffectClrLst/>
+  </dgm:styleLbl>
+  <dgm:styleLbl name="parChTrans2D3">
+    <dgm:fillClrLst meth="repeat">
+      <a:schemeClr val="accent4"/>
+    </dgm:fillClrLst>
+    <dgm:linClrLst meth="repeat">
+      <a:schemeClr val="lt1"/>
+    </dgm:linClrLst>
+    <dgm:effectClrLst/>
+    <dgm:txLinClrLst/>
+    <dgm:txFillClrLst/>
+    <dgm:txEffectClrLst/>
+  </dgm:styleLbl>
+  <dgm:styleLbl name="parChTrans2D4">
+    <dgm:fillClrLst meth="repeat">
+      <a:schemeClr val="accent5"/>
+    </dgm:fillClrLst>
+    <dgm:linClrLst meth="repeat">
+      <a:schemeClr val="lt1"/>
+    </dgm:linClrLst>
+    <dgm:effectClrLst/>
+    <dgm:txLinClrLst/>
+    <dgm:txFillClrLst meth="repeat">
+      <a:schemeClr val="lt1"/>
+    </dgm:txFillClrLst>
+    <dgm:txEffectClrLst/>
+  </dgm:styleLbl>
+  <dgm:styleLbl name="parChTrans1D1">
+    <dgm:fillClrLst meth="repeat">
+      <a:schemeClr val="accent2"/>
+    </dgm:fillClrLst>
+    <dgm:linClrLst meth="repeat">
+      <a:schemeClr val="accent2"/>
+    </dgm:linClrLst>
+    <dgm:effectClrLst/>
+    <dgm:txLinClrLst/>
+    <dgm:txFillClrLst meth="repeat">
+      <a:schemeClr val="tx1"/>
+    </dgm:txFillClrLst>
+    <dgm:txEffectClrLst/>
+  </dgm:styleLbl>
+  <dgm:styleLbl name="parChTrans1D2">
+    <dgm:fillClrLst meth="repeat">
+      <a:schemeClr val="accent2">
+        <a:tint val="90000"/>
+      </a:schemeClr>
+    </dgm:fillClrLst>
+    <dgm:linClrLst meth="repeat">
+      <a:schemeClr val="accent3"/>
+    </dgm:linClrLst>
+    <dgm:effectClrLst/>
+    <dgm:txLinClrLst/>
+    <dgm:txFillClrLst meth="repeat">
+      <a:schemeClr val="tx1"/>
+    </dgm:txFillClrLst>
+    <dgm:txEffectClrLst/>
+  </dgm:styleLbl>
+  <dgm:styleLbl name="parChTrans1D3">
+    <dgm:fillClrLst meth="repeat">
+      <a:schemeClr val="accent2">
+        <a:tint val="70000"/>
+      </a:schemeClr>
+    </dgm:fillClrLst>
+    <dgm:linClrLst meth="repeat">
+      <a:schemeClr val="accent4"/>
+    </dgm:linClrLst>
+    <dgm:effectClrLst/>
+    <dgm:txLinClrLst/>
+    <dgm:txFillClrLst meth="repeat">
+      <a:schemeClr val="tx1"/>
+    </dgm:txFillClrLst>
+    <dgm:txEffectClrLst/>
+  </dgm:styleLbl>
+  <dgm:styleLbl name="parChTrans1D4">
+    <dgm:fillClrLst meth="repeat">
+      <a:schemeClr val="accent2">
+        <a:tint val="50000"/>
+      </a:schemeClr>
+    </dgm:fillClrLst>
+    <dgm:linClrLst meth="repeat">
+      <a:schemeClr val="accent5"/>
+    </dgm:linClrLst>
+    <dgm:effectClrLst/>
+    <dgm:txLinClrLst/>
+    <dgm:txFillClrLst meth="repeat">
+      <a:schemeClr val="tx1"/>
+    </dgm:txFillClrLst>
+    <dgm:txEffectClrLst/>
+  </dgm:styleLbl>
+  <dgm:styleLbl name="fgAcc1">
+    <dgm:fillClrLst meth="repeat">
+      <a:schemeClr val="lt1">
+        <a:alpha val="90000"/>
+      </a:schemeClr>
+    </dgm:fillClrLst>
+    <dgm:linClrLst>
+      <a:schemeClr val="accent2"/>
+      <a:schemeClr val="accent3"/>
+    </dgm:linClrLst>
+    <dgm:effectClrLst/>
+    <dgm:txLinClrLst/>
+    <dgm:txFillClrLst meth="repeat">
+      <a:schemeClr val="dk1"/>
+    </dgm:txFillClrLst>
+    <dgm:txEffectClrLst/>
+  </dgm:styleLbl>
+  <dgm:styleLbl name="conFgAcc1">
+    <dgm:fillClrLst meth="repeat">
+      <a:schemeClr val="lt1">
+        <a:alpha val="90000"/>
+      </a:schemeClr>
+    </dgm:fillClrLst>
+    <dgm:linClrLst>
+      <a:schemeClr val="accent2"/>
+      <a:schemeClr val="accent3"/>
+    </dgm:linClrLst>
+    <dgm:effectClrLst/>
+    <dgm:txLinClrLst/>
+    <dgm:txFillClrLst meth="repeat">
+      <a:schemeClr val="dk1"/>
+    </dgm:txFillClrLst>
+    <dgm:txEffectClrLst/>
+  </dgm:styleLbl>
+  <dgm:styleLbl name="alignAcc1">
+    <dgm:fillClrLst meth="repeat">
+      <a:schemeClr val="lt1">
+        <a:alpha val="90000"/>
+      </a:schemeClr>
+    </dgm:fillClrLst>
+    <dgm:linClrLst>
+      <a:schemeClr val="accent2"/>
+      <a:schemeClr val="accent3"/>
+    </dgm:linClrLst>
+    <dgm:effectClrLst/>
+    <dgm:txLinClrLst/>
+    <dgm:txFillClrLst meth="repeat">
+      <a:schemeClr val="dk1"/>
+    </dgm:txFillClrLst>
+    <dgm:txEffectClrLst/>
+  </dgm:styleLbl>
+  <dgm:styleLbl name="trAlignAcc1">
+    <dgm:fillClrLst meth="repeat">
+      <a:schemeClr val="lt1">
+        <a:alpha val="40000"/>
+      </a:schemeClr>
+    </dgm:fillClrLst>
+    <dgm:linClrLst meth="repeat">
+      <a:schemeClr val="accent2"/>
+    </dgm:linClrLst>
+    <dgm:effectClrLst/>
+    <dgm:txLinClrLst/>
+    <dgm:txFillClrLst meth="repeat">
+      <a:schemeClr val="dk1"/>
+    </dgm:txFillClrLst>
+    <dgm:txEffectClrLst/>
+  </dgm:styleLbl>
+  <dgm:styleLbl name="bgAcc1">
+    <dgm:fillClrLst meth="repeat">
+      <a:schemeClr val="lt1">
+        <a:alpha val="90000"/>
+      </a:schemeClr>
+    </dgm:fillClrLst>
+    <dgm:linClrLst>
+      <a:schemeClr val="accent2"/>
+      <a:schemeClr val="accent3"/>
+    </dgm:linClrLst>
+    <dgm:effectClrLst/>
+    <dgm:txLinClrLst/>
+    <dgm:txFillClrLst meth="repeat">
+      <a:schemeClr val="dk1"/>
+    </dgm:txFillClrLst>
+    <dgm:txEffectClrLst/>
+  </dgm:styleLbl>
+  <dgm:styleLbl name="solidFgAcc1">
+    <dgm:fillClrLst meth="repeat">
+      <a:schemeClr val="lt1"/>
+    </dgm:fillClrLst>
+    <dgm:linClrLst>
+      <a:schemeClr val="accent2"/>
+      <a:schemeClr val="accent3"/>
+    </dgm:linClrLst>
+    <dgm:effectClrLst/>
+    <dgm:txLinClrLst/>
+    <dgm:txFillClrLst meth="repeat">
+      <a:schemeClr val="dk1"/>
+    </dgm:txFillClrLst>
+    <dgm:txEffectClrLst/>
+  </dgm:styleLbl>
+  <dgm:styleLbl name="solidAlignAcc1">
+    <dgm:fillClrLst meth="repeat">
+      <a:schemeClr val="lt1"/>
+    </dgm:fillClrLst>
+    <dgm:linClrLst>
+      <a:schemeClr val="accent2"/>
+      <a:schemeClr val="accent3"/>
+    </dgm:linClrLst>
+    <dgm:effectClrLst/>
+    <dgm:txLinClrLst/>
+    <dgm:txFillClrLst meth="repeat">
+      <a:schemeClr val="dk1"/>
+    </dgm:txFillClrLst>
+    <dgm:txEffectClrLst/>
+  </dgm:styleLbl>
+  <dgm:styleLbl name="solidBgAcc1">
+    <dgm:fillClrLst meth="repeat">
+      <a:schemeClr val="lt1"/>
+    </dgm:fillClrLst>
+    <dgm:linClrLst>
+      <a:schemeClr val="accent2"/>
+      <a:schemeClr val="accent3"/>
+    </dgm:linClrLst>
+    <dgm:effectClrLst/>
+    <dgm:txLinClrLst/>
+    <dgm:txFillClrLst meth="repeat">
+      <a:schemeClr val="dk1"/>
+    </dgm:txFillClrLst>
+    <dgm:txEffectClrLst/>
+  </dgm:styleLbl>
+  <dgm:styleLbl name="fgAccFollowNode1">
+    <dgm:fillClrLst>
+      <a:schemeClr val="accent2">
+        <a:tint val="40000"/>
+        <a:alpha val="90000"/>
+      </a:schemeClr>
+      <a:schemeClr val="accent3">
+        <a:tint val="40000"/>
+        <a:alpha val="90000"/>
+      </a:schemeClr>
+    </dgm:fillClrLst>
+    <dgm:linClrLst>
+      <a:schemeClr val="accent2">
+        <a:tint val="40000"/>
+        <a:alpha val="90000"/>
+      </a:schemeClr>
+      <a:schemeClr val="accent3">
+        <a:tint val="40000"/>
+        <a:alpha val="90000"/>
+      </a:schemeClr>
+    </dgm:linClrLst>
+    <dgm:effectClrLst/>
+    <dgm:txLinClrLst/>
+    <dgm:txFillClrLst meth="repeat">
+      <a:schemeClr val="dk1"/>
+    </dgm:txFillClrLst>
+    <dgm:txEffectClrLst/>
+  </dgm:styleLbl>
+  <dgm:styleLbl name="alignAccFollowNode1">
+    <dgm:fillClrLst>
+      <a:schemeClr val="accent2">
+        <a:tint val="40000"/>
+        <a:alpha val="90000"/>
+      </a:schemeClr>
+      <a:schemeClr val="accent3">
+        <a:tint val="40000"/>
+        <a:alpha val="90000"/>
+      </a:schemeClr>
+    </dgm:fillClrLst>
+    <dgm:linClrLst>
+      <a:schemeClr val="accent2">
+        <a:tint val="40000"/>
+        <a:alpha val="90000"/>
+      </a:schemeClr>
+      <a:schemeClr val="accent3">
+        <a:tint val="40000"/>
+        <a:alpha val="90000"/>
+      </a:schemeClr>
+    </dgm:linClrLst>
+    <dgm:effectClrLst/>
+    <dgm:txLinClrLst/>
+    <dgm:txFillClrLst meth="repeat">
+      <a:schemeClr val="dk1"/>
+    </dgm:txFillClrLst>
+    <dgm:txEffectClrLst/>
+  </dgm:styleLbl>
+  <dgm:styleLbl name="bgAccFollowNode1">
+    <dgm:fillClrLst>
+      <a:schemeClr val="accent2">
+        <a:tint val="40000"/>
+        <a:alpha val="90000"/>
+      </a:schemeClr>
+      <a:schemeClr val="accent3">
+        <a:tint val="40000"/>
+        <a:alpha val="90000"/>
+      </a:schemeClr>
+    </dgm:fillClrLst>
+    <dgm:linClrLst>
+      <a:schemeClr val="accent2">
+        <a:tint val="40000"/>
+        <a:alpha val="90000"/>
+      </a:schemeClr>
+      <a:schemeClr val="accent3">
+        <a:tint val="40000"/>
+        <a:alpha val="90000"/>
+      </a:schemeClr>
+    </dgm:linClrLst>
+    <dgm:effectClrLst/>
+    <dgm:txLinClrLst/>
+    <dgm:txFillClrLst meth="repeat">
+      <a:schemeClr val="dk1"/>
+    </dgm:txFillClrLst>
+    <dgm:txEffectClrLst/>
+  </dgm:styleLbl>
+  <dgm:styleLbl name="fgAcc0">
+    <dgm:fillClrLst meth="repeat">
+      <a:schemeClr val="lt1">
+        <a:alpha val="90000"/>
+      </a:schemeClr>
+    </dgm:fillClrLst>
+    <dgm:linClrLst>
+      <a:schemeClr val="accent1"/>
+    </dgm:linClrLst>
+    <dgm:effectClrLst/>
+    <dgm:txLinClrLst/>
+    <dgm:txFillClrLst meth="repeat">
+      <a:schemeClr val="dk1"/>
+    </dgm:txFillClrLst>
+    <dgm:txEffectClrLst/>
+  </dgm:styleLbl>
+  <dgm:styleLbl name="fgAcc2">
+    <dgm:fillClrLst meth="repeat">
+      <a:schemeClr val="lt1">
+        <a:alpha val="90000"/>
+      </a:schemeClr>
+    </dgm:fillClrLst>
+    <dgm:linClrLst>
+      <a:schemeClr val="accent3"/>
+    </dgm:linClrLst>
+    <dgm:effectClrLst/>
+    <dgm:txLinClrLst/>
+    <dgm:txFillClrLst meth="repeat">
+      <a:schemeClr val="dk1"/>
+    </dgm:txFillClrLst>
+    <dgm:txEffectClrLst/>
+  </dgm:styleLbl>
+  <dgm:styleLbl name="fgAcc3">
+    <dgm:fillClrLst meth="repeat">
+      <a:schemeClr val="lt1">
+        <a:alpha val="90000"/>
+      </a:schemeClr>
+    </dgm:fillClrLst>
+    <dgm:linClrLst>
+      <a:schemeClr val="accent4"/>
+    </dgm:linClrLst>
+    <dgm:effectClrLst/>
+    <dgm:txLinClrLst/>
+    <dgm:txFillClrLst meth="repeat">
+      <a:schemeClr val="dk1"/>
+    </dgm:txFillClrLst>
+    <dgm:txEffectClrLst/>
+  </dgm:styleLbl>
+  <dgm:styleLbl name="fgAcc4">
+    <dgm:fillClrLst meth="repeat">
+      <a:schemeClr val="lt1">
+        <a:alpha val="90000"/>
+      </a:schemeClr>
+    </dgm:fillClrLst>
+    <dgm:linClrLst>
+      <a:schemeClr val="accent5"/>
+    </dgm:linClrLst>
+    <dgm:effectClrLst/>
+    <dgm:txLinClrLst/>
+    <dgm:txFillClrLst meth="repeat">
+      <a:schemeClr val="dk1"/>
+    </dgm:txFillClrLst>
+    <dgm:txEffectClrLst/>
+  </dgm:styleLbl>
+  <dgm:styleLbl name="bgShp">
+    <dgm:fillClrLst meth="repeat">
+      <a:schemeClr val="accent2">
+        <a:tint val="40000"/>
+      </a:schemeClr>
+    </dgm:fillClrLst>
+    <dgm:linClrLst meth="repeat">
+      <a:schemeClr val="dk1"/>
+    </dgm:linClrLst>
+    <dgm:effectClrLst/>
+    <dgm:txLinClrLst/>
+    <dgm:txFillClrLst meth="repeat">
+      <a:schemeClr val="dk1"/>
+    </dgm:txFillClrLst>
+    <dgm:txEffectClrLst/>
+  </dgm:styleLbl>
+  <dgm:styleLbl name="dkBgShp">
+    <dgm:fillClrLst meth="repeat">
+      <a:schemeClr val="accent2">
+        <a:shade val="90000"/>
+      </a:schemeClr>
+    </dgm:fillClrLst>
+    <dgm:linClrLst meth="repeat">
+      <a:schemeClr val="dk1"/>
+    </dgm:linClrLst>
+    <dgm:effectClrLst/>
+    <dgm:txLinClrLst/>
+    <dgm:txFillClrLst meth="repeat">
+      <a:schemeClr val="lt1"/>
+    </dgm:txFillClrLst>
+    <dgm:txEffectClrLst/>
+  </dgm:styleLbl>
+  <dgm:styleLbl name="trBgShp">
+    <dgm:fillClrLst meth="repeat">
+      <a:schemeClr val="accent2">
+        <a:tint val="50000"/>
+        <a:alpha val="40000"/>
+      </a:schemeClr>
+    </dgm:fillClrLst>
+    <dgm:linClrLst meth="repeat">
+      <a:schemeClr val="accent2"/>
+    </dgm:linClrLst>
+    <dgm:effectClrLst/>
+    <dgm:txLinClrLst/>
+    <dgm:txFillClrLst meth="repeat">
+      <a:schemeClr val="lt1"/>
+    </dgm:txFillClrLst>
+    <dgm:txEffectClrLst/>
+  </dgm:styleLbl>
+  <dgm:styleLbl name="fgShp">
+    <dgm:fillClrLst meth="repeat">
+      <a:schemeClr val="accent2">
+        <a:tint val="40000"/>
+      </a:schemeClr>
+    </dgm:fillClrLst>
+    <dgm:linClrLst meth="repeat">
+      <a:schemeClr val="lt1"/>
+    </dgm:linClrLst>
+    <dgm:effectClrLst/>
+    <dgm:txLinClrLst/>
+    <dgm:txFillClrLst meth="repeat">
+      <a:schemeClr val="dk1"/>
+    </dgm:txFillClrLst>
+    <dgm:txEffectClrLst/>
+  </dgm:styleLbl>
+  <dgm:styleLbl name="revTx">
+    <dgm:fillClrLst meth="repeat">
+      <a:schemeClr val="lt1">
+        <a:alpha val="0"/>
+      </a:schemeClr>
+    </dgm:fillClrLst>
+    <dgm:linClrLst meth="repeat">
+      <a:schemeClr val="dk1">
+        <a:alpha val="0"/>
+      </a:schemeClr>
+    </dgm:linClrLst>
+    <dgm:effectClrLst/>
+    <dgm:txLinClrLst/>
+    <dgm:txFillClrLst meth="repeat">
+      <a:schemeClr val="tx1"/>
+    </dgm:txFillClrLst>
+    <dgm:txEffectClrLst/>
+  </dgm:styleLbl>
+</dgm:colorsDef>
+</file>
+
 <file path=ppt/diagrams/data1.xml><?xml version="1.0" encoding="utf-8"?>
 <dgm:dataModel xmlns:dgm="http://schemas.openxmlformats.org/drawingml/2006/diagram" xmlns:a="http://schemas.openxmlformats.org/drawingml/2006/main">
   <dgm:ptLst>
@@ -2032,6 +3689,631 @@
     </a:ext>
     <a:ext uri="{C62137D5-CB1D-491B-B009-E17868A290BF}">
       <dgm14:recolorImg xmlns:dgm14="http://schemas.microsoft.com/office/drawing/2010/diagram" val="1"/>
+    </a:ext>
+  </dgm:extLst>
+</dgm:dataModel>
+</file>
+
+<file path=ppt/diagrams/data2.xml><?xml version="1.0" encoding="utf-8"?>
+<dgm:dataModel xmlns:dgm="http://schemas.openxmlformats.org/drawingml/2006/diagram" xmlns:a="http://schemas.openxmlformats.org/drawingml/2006/main">
+  <dgm:ptLst>
+    <dgm:pt modelId="{145201F2-957F-4639-A345-C25AFED22536}" type="doc">
+      <dgm:prSet loTypeId="urn:microsoft.com/office/officeart/2005/8/layout/vList2" loCatId="list" qsTypeId="urn:microsoft.com/office/officeart/2005/8/quickstyle/simple2" qsCatId="simple" csTypeId="urn:microsoft.com/office/officeart/2005/8/colors/accent1_4" csCatId="accent1" phldr="1"/>
+      <dgm:spPr/>
+      <dgm:t>
+        <a:bodyPr/>
+        <a:lstStyle/>
+        <a:p>
+          <a:endParaRPr lang="en-US"/>
+        </a:p>
+      </dgm:t>
+    </dgm:pt>
+    <dgm:pt modelId="{17748CBE-64EB-4823-9316-74F3DB1F170D}">
+      <dgm:prSet phldrT="[Text]"/>
+      <dgm:spPr/>
+      <dgm:t>
+        <a:bodyPr/>
+        <a:lstStyle/>
+        <a:p>
+          <a:r>
+            <a:rPr lang="en-US" dirty="0"/>
+            <a:t>While</a:t>
+          </a:r>
+        </a:p>
+      </dgm:t>
+    </dgm:pt>
+    <dgm:pt modelId="{B2EAC9D8-09A7-4581-83A8-EC9CAF72B30D}" type="parTrans" cxnId="{8680D5B8-8887-4678-83B3-33B284B0AC1A}">
+      <dgm:prSet/>
+      <dgm:spPr/>
+      <dgm:t>
+        <a:bodyPr/>
+        <a:lstStyle/>
+        <a:p>
+          <a:endParaRPr lang="en-US"/>
+        </a:p>
+      </dgm:t>
+    </dgm:pt>
+    <dgm:pt modelId="{AB72F02C-9539-4B04-8480-8F0B7D929EBC}" type="sibTrans" cxnId="{8680D5B8-8887-4678-83B3-33B284B0AC1A}">
+      <dgm:prSet/>
+      <dgm:spPr/>
+      <dgm:t>
+        <a:bodyPr/>
+        <a:lstStyle/>
+        <a:p>
+          <a:endParaRPr lang="en-US"/>
+        </a:p>
+      </dgm:t>
+    </dgm:pt>
+    <dgm:pt modelId="{5BE74045-5C42-48AF-A881-832810CF58B6}">
+      <dgm:prSet phldrT="[Text]"/>
+      <dgm:spPr/>
+      <dgm:t>
+        <a:bodyPr/>
+        <a:lstStyle/>
+        <a:p>
+          <a:r>
+            <a:rPr lang="en-US" dirty="0"/>
+            <a:t>Do While</a:t>
+          </a:r>
+        </a:p>
+      </dgm:t>
+    </dgm:pt>
+    <dgm:pt modelId="{599AD8F2-65C6-4A7D-A414-A15519AA3198}" type="parTrans" cxnId="{856A15B9-9B3A-4D13-9218-2A8593089B78}">
+      <dgm:prSet/>
+      <dgm:spPr/>
+      <dgm:t>
+        <a:bodyPr/>
+        <a:lstStyle/>
+        <a:p>
+          <a:endParaRPr lang="en-US"/>
+        </a:p>
+      </dgm:t>
+    </dgm:pt>
+    <dgm:pt modelId="{B7B82244-3FB7-4F0B-9AA2-C583C51DD250}" type="sibTrans" cxnId="{856A15B9-9B3A-4D13-9218-2A8593089B78}">
+      <dgm:prSet/>
+      <dgm:spPr/>
+      <dgm:t>
+        <a:bodyPr/>
+        <a:lstStyle/>
+        <a:p>
+          <a:endParaRPr lang="en-US"/>
+        </a:p>
+      </dgm:t>
+    </dgm:pt>
+    <dgm:pt modelId="{AAEF7232-7F09-4B8A-B4E7-649F71E1B498}">
+      <dgm:prSet phldrT="[Text]"/>
+      <dgm:spPr/>
+      <dgm:t>
+        <a:bodyPr/>
+        <a:lstStyle/>
+        <a:p>
+          <a:r>
+            <a:rPr lang="en-US" dirty="0"/>
+            <a:t>For</a:t>
+          </a:r>
+        </a:p>
+      </dgm:t>
+    </dgm:pt>
+    <dgm:pt modelId="{18910CF5-F3F6-4365-9D10-AF215EFC8794}" type="parTrans" cxnId="{C904900A-43C3-416B-9E3D-B049954772A6}">
+      <dgm:prSet/>
+      <dgm:spPr/>
+      <dgm:t>
+        <a:bodyPr/>
+        <a:lstStyle/>
+        <a:p>
+          <a:endParaRPr lang="en-US"/>
+        </a:p>
+      </dgm:t>
+    </dgm:pt>
+    <dgm:pt modelId="{BE80131F-7480-4616-8B62-B80F4E12998A}" type="sibTrans" cxnId="{C904900A-43C3-416B-9E3D-B049954772A6}">
+      <dgm:prSet/>
+      <dgm:spPr/>
+      <dgm:t>
+        <a:bodyPr/>
+        <a:lstStyle/>
+        <a:p>
+          <a:endParaRPr lang="en-US"/>
+        </a:p>
+      </dgm:t>
+    </dgm:pt>
+    <dgm:pt modelId="{DF002220-689D-463D-A18A-C2A3056F0FC4}">
+      <dgm:prSet phldrT="[Text]"/>
+      <dgm:spPr/>
+      <dgm:t>
+        <a:bodyPr/>
+        <a:lstStyle/>
+        <a:p>
+          <a:r>
+            <a:rPr lang="en-US" dirty="0"/>
+            <a:t>Foreach</a:t>
+          </a:r>
+        </a:p>
+      </dgm:t>
+    </dgm:pt>
+    <dgm:pt modelId="{38560C70-B665-4178-975C-56C59120E8D2}" type="parTrans" cxnId="{4CED13FD-DEC6-4EA2-8100-B6C67CF214A9}">
+      <dgm:prSet/>
+      <dgm:spPr/>
+      <dgm:t>
+        <a:bodyPr/>
+        <a:lstStyle/>
+        <a:p>
+          <a:endParaRPr lang="en-US"/>
+        </a:p>
+      </dgm:t>
+    </dgm:pt>
+    <dgm:pt modelId="{23366954-3FA3-453F-B73F-55B088279563}" type="sibTrans" cxnId="{4CED13FD-DEC6-4EA2-8100-B6C67CF214A9}">
+      <dgm:prSet/>
+      <dgm:spPr/>
+      <dgm:t>
+        <a:bodyPr/>
+        <a:lstStyle/>
+        <a:p>
+          <a:endParaRPr lang="en-US"/>
+        </a:p>
+      </dgm:t>
+    </dgm:pt>
+    <dgm:pt modelId="{D9669556-EAD3-4932-9243-4144614E7DF9}" type="pres">
+      <dgm:prSet presAssocID="{145201F2-957F-4639-A345-C25AFED22536}" presName="linear" presStyleCnt="0">
+        <dgm:presLayoutVars>
+          <dgm:animLvl val="lvl"/>
+          <dgm:resizeHandles val="exact"/>
+        </dgm:presLayoutVars>
+      </dgm:prSet>
+      <dgm:spPr/>
+    </dgm:pt>
+    <dgm:pt modelId="{5C47C621-7AA8-40FA-ABC0-2327754CB160}" type="pres">
+      <dgm:prSet presAssocID="{17748CBE-64EB-4823-9316-74F3DB1F170D}" presName="parentText" presStyleLbl="node1" presStyleIdx="0" presStyleCnt="4">
+        <dgm:presLayoutVars>
+          <dgm:chMax val="0"/>
+          <dgm:bulletEnabled val="1"/>
+        </dgm:presLayoutVars>
+      </dgm:prSet>
+      <dgm:spPr/>
+    </dgm:pt>
+    <dgm:pt modelId="{E72F51D6-DC71-4656-A0D1-D5586C8C993D}" type="pres">
+      <dgm:prSet presAssocID="{AB72F02C-9539-4B04-8480-8F0B7D929EBC}" presName="spacer" presStyleCnt="0"/>
+      <dgm:spPr/>
+    </dgm:pt>
+    <dgm:pt modelId="{E0B8ED1A-C6B0-499A-9969-5F398E5227C8}" type="pres">
+      <dgm:prSet presAssocID="{5BE74045-5C42-48AF-A881-832810CF58B6}" presName="parentText" presStyleLbl="node1" presStyleIdx="1" presStyleCnt="4">
+        <dgm:presLayoutVars>
+          <dgm:chMax val="0"/>
+          <dgm:bulletEnabled val="1"/>
+        </dgm:presLayoutVars>
+      </dgm:prSet>
+      <dgm:spPr/>
+    </dgm:pt>
+    <dgm:pt modelId="{D9224657-B037-4B06-92D2-D7EFC735F02C}" type="pres">
+      <dgm:prSet presAssocID="{B7B82244-3FB7-4F0B-9AA2-C583C51DD250}" presName="spacer" presStyleCnt="0"/>
+      <dgm:spPr/>
+    </dgm:pt>
+    <dgm:pt modelId="{0B4187B4-BFD1-4D50-B5FB-8BA3464ED175}" type="pres">
+      <dgm:prSet presAssocID="{AAEF7232-7F09-4B8A-B4E7-649F71E1B498}" presName="parentText" presStyleLbl="node1" presStyleIdx="2" presStyleCnt="4">
+        <dgm:presLayoutVars>
+          <dgm:chMax val="0"/>
+          <dgm:bulletEnabled val="1"/>
+        </dgm:presLayoutVars>
+      </dgm:prSet>
+      <dgm:spPr/>
+    </dgm:pt>
+    <dgm:pt modelId="{CA271A56-62C7-4E04-A218-79779B549042}" type="pres">
+      <dgm:prSet presAssocID="{BE80131F-7480-4616-8B62-B80F4E12998A}" presName="spacer" presStyleCnt="0"/>
+      <dgm:spPr/>
+    </dgm:pt>
+    <dgm:pt modelId="{70364DB0-F6A7-4F04-86BB-134CEE2EB1D7}" type="pres">
+      <dgm:prSet presAssocID="{DF002220-689D-463D-A18A-C2A3056F0FC4}" presName="parentText" presStyleLbl="node1" presStyleIdx="3" presStyleCnt="4">
+        <dgm:presLayoutVars>
+          <dgm:chMax val="0"/>
+          <dgm:bulletEnabled val="1"/>
+        </dgm:presLayoutVars>
+      </dgm:prSet>
+      <dgm:spPr/>
+    </dgm:pt>
+  </dgm:ptLst>
+  <dgm:cxnLst>
+    <dgm:cxn modelId="{46A00706-37E7-41C1-A859-694A65150A4A}" type="presOf" srcId="{AAEF7232-7F09-4B8A-B4E7-649F71E1B498}" destId="{0B4187B4-BFD1-4D50-B5FB-8BA3464ED175}" srcOrd="0" destOrd="0" presId="urn:microsoft.com/office/officeart/2005/8/layout/vList2"/>
+    <dgm:cxn modelId="{C904900A-43C3-416B-9E3D-B049954772A6}" srcId="{145201F2-957F-4639-A345-C25AFED22536}" destId="{AAEF7232-7F09-4B8A-B4E7-649F71E1B498}" srcOrd="2" destOrd="0" parTransId="{18910CF5-F3F6-4365-9D10-AF215EFC8794}" sibTransId="{BE80131F-7480-4616-8B62-B80F4E12998A}"/>
+    <dgm:cxn modelId="{03A8B66E-55C8-4E67-825B-38591123EF82}" type="presOf" srcId="{DF002220-689D-463D-A18A-C2A3056F0FC4}" destId="{70364DB0-F6A7-4F04-86BB-134CEE2EB1D7}" srcOrd="0" destOrd="0" presId="urn:microsoft.com/office/officeart/2005/8/layout/vList2"/>
+    <dgm:cxn modelId="{C83F5B75-F146-46D9-A360-0C106DD43F91}" type="presOf" srcId="{17748CBE-64EB-4823-9316-74F3DB1F170D}" destId="{5C47C621-7AA8-40FA-ABC0-2327754CB160}" srcOrd="0" destOrd="0" presId="urn:microsoft.com/office/officeart/2005/8/layout/vList2"/>
+    <dgm:cxn modelId="{E3B3C79A-0AD6-44D7-84DF-552250D31229}" type="presOf" srcId="{145201F2-957F-4639-A345-C25AFED22536}" destId="{D9669556-EAD3-4932-9243-4144614E7DF9}" srcOrd="0" destOrd="0" presId="urn:microsoft.com/office/officeart/2005/8/layout/vList2"/>
+    <dgm:cxn modelId="{35DA76A2-EE15-4A8B-88CF-7AE7E74765FB}" type="presOf" srcId="{5BE74045-5C42-48AF-A881-832810CF58B6}" destId="{E0B8ED1A-C6B0-499A-9969-5F398E5227C8}" srcOrd="0" destOrd="0" presId="urn:microsoft.com/office/officeart/2005/8/layout/vList2"/>
+    <dgm:cxn modelId="{8680D5B8-8887-4678-83B3-33B284B0AC1A}" srcId="{145201F2-957F-4639-A345-C25AFED22536}" destId="{17748CBE-64EB-4823-9316-74F3DB1F170D}" srcOrd="0" destOrd="0" parTransId="{B2EAC9D8-09A7-4581-83A8-EC9CAF72B30D}" sibTransId="{AB72F02C-9539-4B04-8480-8F0B7D929EBC}"/>
+    <dgm:cxn modelId="{856A15B9-9B3A-4D13-9218-2A8593089B78}" srcId="{145201F2-957F-4639-A345-C25AFED22536}" destId="{5BE74045-5C42-48AF-A881-832810CF58B6}" srcOrd="1" destOrd="0" parTransId="{599AD8F2-65C6-4A7D-A414-A15519AA3198}" sibTransId="{B7B82244-3FB7-4F0B-9AA2-C583C51DD250}"/>
+    <dgm:cxn modelId="{4CED13FD-DEC6-4EA2-8100-B6C67CF214A9}" srcId="{145201F2-957F-4639-A345-C25AFED22536}" destId="{DF002220-689D-463D-A18A-C2A3056F0FC4}" srcOrd="3" destOrd="0" parTransId="{38560C70-B665-4178-975C-56C59120E8D2}" sibTransId="{23366954-3FA3-453F-B73F-55B088279563}"/>
+    <dgm:cxn modelId="{EE5F8671-80B6-4991-AAEE-15110A833780}" type="presParOf" srcId="{D9669556-EAD3-4932-9243-4144614E7DF9}" destId="{5C47C621-7AA8-40FA-ABC0-2327754CB160}" srcOrd="0" destOrd="0" presId="urn:microsoft.com/office/officeart/2005/8/layout/vList2"/>
+    <dgm:cxn modelId="{0C8D1367-E620-4AC4-9277-DEABA9CBFC7F}" type="presParOf" srcId="{D9669556-EAD3-4932-9243-4144614E7DF9}" destId="{E72F51D6-DC71-4656-A0D1-D5586C8C993D}" srcOrd="1" destOrd="0" presId="urn:microsoft.com/office/officeart/2005/8/layout/vList2"/>
+    <dgm:cxn modelId="{C3841A38-DC5E-4BF3-A727-24B69C35970A}" type="presParOf" srcId="{D9669556-EAD3-4932-9243-4144614E7DF9}" destId="{E0B8ED1A-C6B0-499A-9969-5F398E5227C8}" srcOrd="2" destOrd="0" presId="urn:microsoft.com/office/officeart/2005/8/layout/vList2"/>
+    <dgm:cxn modelId="{2448B4BF-2378-4F54-A033-6587FBC34130}" type="presParOf" srcId="{D9669556-EAD3-4932-9243-4144614E7DF9}" destId="{D9224657-B037-4B06-92D2-D7EFC735F02C}" srcOrd="3" destOrd="0" presId="urn:microsoft.com/office/officeart/2005/8/layout/vList2"/>
+    <dgm:cxn modelId="{89EDBF13-A118-49E0-8A08-A012C43244F9}" type="presParOf" srcId="{D9669556-EAD3-4932-9243-4144614E7DF9}" destId="{0B4187B4-BFD1-4D50-B5FB-8BA3464ED175}" srcOrd="4" destOrd="0" presId="urn:microsoft.com/office/officeart/2005/8/layout/vList2"/>
+    <dgm:cxn modelId="{A80D4FC3-F7D4-45EC-AE88-10E9FB1D2CB5}" type="presParOf" srcId="{D9669556-EAD3-4932-9243-4144614E7DF9}" destId="{CA271A56-62C7-4E04-A218-79779B549042}" srcOrd="5" destOrd="0" presId="urn:microsoft.com/office/officeart/2005/8/layout/vList2"/>
+    <dgm:cxn modelId="{0733086B-B165-41E3-8A03-F3ADA8A04753}" type="presParOf" srcId="{D9669556-EAD3-4932-9243-4144614E7DF9}" destId="{70364DB0-F6A7-4F04-86BB-134CEE2EB1D7}" srcOrd="6" destOrd="0" presId="urn:microsoft.com/office/officeart/2005/8/layout/vList2"/>
+  </dgm:cxnLst>
+  <dgm:bg/>
+  <dgm:whole/>
+  <dgm:extLst>
+    <a:ext uri="http://schemas.microsoft.com/office/drawing/2008/diagram">
+      <dsp:dataModelExt xmlns:dsp="http://schemas.microsoft.com/office/drawing/2008/diagram" relId="rId6" minVer="http://schemas.openxmlformats.org/drawingml/2006/diagram"/>
+    </a:ext>
+  </dgm:extLst>
+</dgm:dataModel>
+</file>
+
+<file path=ppt/diagrams/data3.xml><?xml version="1.0" encoding="utf-8"?>
+<dgm:dataModel xmlns:dgm="http://schemas.openxmlformats.org/drawingml/2006/diagram" xmlns:a="http://schemas.openxmlformats.org/drawingml/2006/main">
+  <dgm:ptLst>
+    <dgm:pt modelId="{571877D6-770C-4E53-A5CC-126DD3565D0E}" type="doc">
+      <dgm:prSet loTypeId="urn:microsoft.com/office/officeart/2005/8/layout/vList2" loCatId="list" qsTypeId="urn:microsoft.com/office/officeart/2005/8/quickstyle/simple2" qsCatId="simple" csTypeId="urn:microsoft.com/office/officeart/2005/8/colors/colorful2" csCatId="colorful" phldr="1"/>
+      <dgm:spPr/>
+      <dgm:t>
+        <a:bodyPr/>
+        <a:lstStyle/>
+        <a:p>
+          <a:endParaRPr lang="en-US"/>
+        </a:p>
+      </dgm:t>
+    </dgm:pt>
+    <dgm:pt modelId="{27946090-7A5D-4B23-8995-65041D7AFA25}">
+      <dgm:prSet phldrT="[Text]"/>
+      <dgm:spPr/>
+      <dgm:t>
+        <a:bodyPr/>
+        <a:lstStyle/>
+        <a:p>
+          <a:r>
+            <a:rPr lang="en-US" dirty="0"/>
+            <a:t>Break</a:t>
+          </a:r>
+        </a:p>
+      </dgm:t>
+    </dgm:pt>
+    <dgm:pt modelId="{2E223EAE-DB4C-4784-A724-73C5A40C131C}" type="parTrans" cxnId="{4471D7EA-9023-4732-B668-9AF6EA4616B4}">
+      <dgm:prSet/>
+      <dgm:spPr/>
+      <dgm:t>
+        <a:bodyPr/>
+        <a:lstStyle/>
+        <a:p>
+          <a:endParaRPr lang="en-US"/>
+        </a:p>
+      </dgm:t>
+    </dgm:pt>
+    <dgm:pt modelId="{B3C2CAF4-DD71-482C-B32C-7E8522CEE578}" type="sibTrans" cxnId="{4471D7EA-9023-4732-B668-9AF6EA4616B4}">
+      <dgm:prSet/>
+      <dgm:spPr/>
+      <dgm:t>
+        <a:bodyPr/>
+        <a:lstStyle/>
+        <a:p>
+          <a:endParaRPr lang="en-US"/>
+        </a:p>
+      </dgm:t>
+    </dgm:pt>
+    <dgm:pt modelId="{D1CDD2A6-88F5-401D-A591-B80DA5E58892}">
+      <dgm:prSet phldrT="[Text]"/>
+      <dgm:spPr/>
+      <dgm:t>
+        <a:bodyPr/>
+        <a:lstStyle/>
+        <a:p>
+          <a:r>
+            <a:rPr lang="es-ES" dirty="0"/>
+            <a:t>Se utiliza principalmente para:</a:t>
+          </a:r>
+          <a:endParaRPr lang="en-US" dirty="0"/>
+        </a:p>
+      </dgm:t>
+    </dgm:pt>
+    <dgm:pt modelId="{972941B7-DCDE-4100-B4B3-8D63EC79D9E6}" type="parTrans" cxnId="{BA2CE009-1F56-4CEB-B3A0-634E87DC61DF}">
+      <dgm:prSet/>
+      <dgm:spPr/>
+      <dgm:t>
+        <a:bodyPr/>
+        <a:lstStyle/>
+        <a:p>
+          <a:endParaRPr lang="en-US"/>
+        </a:p>
+      </dgm:t>
+    </dgm:pt>
+    <dgm:pt modelId="{54DE6D16-ABFF-40E8-8DDC-8FA506E509DC}" type="sibTrans" cxnId="{BA2CE009-1F56-4CEB-B3A0-634E87DC61DF}">
+      <dgm:prSet/>
+      <dgm:spPr/>
+      <dgm:t>
+        <a:bodyPr/>
+        <a:lstStyle/>
+        <a:p>
+          <a:endParaRPr lang="en-US"/>
+        </a:p>
+      </dgm:t>
+    </dgm:pt>
+    <dgm:pt modelId="{A261F8CA-EF31-452E-A821-F981F69F5B81}">
+      <dgm:prSet phldrT="[Text]"/>
+      <dgm:spPr/>
+      <dgm:t>
+        <a:bodyPr/>
+        <a:lstStyle/>
+        <a:p>
+          <a:r>
+            <a:rPr lang="en-US" dirty="0"/>
+            <a:t>Continue</a:t>
+          </a:r>
+        </a:p>
+      </dgm:t>
+    </dgm:pt>
+    <dgm:pt modelId="{50B43766-0614-44ED-A405-9B8754ACA2EF}" type="parTrans" cxnId="{307140E5-3242-47D5-B267-6246EFDBF85E}">
+      <dgm:prSet/>
+      <dgm:spPr/>
+      <dgm:t>
+        <a:bodyPr/>
+        <a:lstStyle/>
+        <a:p>
+          <a:endParaRPr lang="en-US"/>
+        </a:p>
+      </dgm:t>
+    </dgm:pt>
+    <dgm:pt modelId="{B61D21AC-3513-499C-AAFE-BDFAA29E63F5}" type="sibTrans" cxnId="{307140E5-3242-47D5-B267-6246EFDBF85E}">
+      <dgm:prSet/>
+      <dgm:spPr/>
+      <dgm:t>
+        <a:bodyPr/>
+        <a:lstStyle/>
+        <a:p>
+          <a:endParaRPr lang="en-US"/>
+        </a:p>
+      </dgm:t>
+    </dgm:pt>
+    <dgm:pt modelId="{C1605CB0-1995-40FC-81F3-7F2C7A291256}">
+      <dgm:prSet phldrT="[Text]"/>
+      <dgm:spPr/>
+      <dgm:t>
+        <a:bodyPr/>
+        <a:lstStyle/>
+        <a:p>
+          <a:pPr>
+            <a:buFont typeface="Arial" panose="020B0604020202020204" pitchFamily="34" charset="0"/>
+            <a:buChar char="•"/>
+          </a:pPr>
+          <a:r>
+            <a:rPr lang="es-ES" dirty="0"/>
+            <a:t>Útil para forzar una iteración de un bucle antes de tiempo. Es decir, es posible que desee continuar ejecutando el bucle, pero deje de procesar el resto del código (en su cuerpo) para una iteración. </a:t>
+          </a:r>
+          <a:endParaRPr lang="en-US" dirty="0"/>
+        </a:p>
+      </dgm:t>
+    </dgm:pt>
+    <dgm:pt modelId="{AED57DCB-8C01-4494-9414-D9C83C8246AF}" type="parTrans" cxnId="{C6A82A5E-52FB-4FBD-8CBF-BF1F3968FD06}">
+      <dgm:prSet/>
+      <dgm:spPr/>
+      <dgm:t>
+        <a:bodyPr/>
+        <a:lstStyle/>
+        <a:p>
+          <a:endParaRPr lang="en-US"/>
+        </a:p>
+      </dgm:t>
+    </dgm:pt>
+    <dgm:pt modelId="{E488DF12-CBF8-4630-A63C-D1D21DD2B5B1}" type="sibTrans" cxnId="{C6A82A5E-52FB-4FBD-8CBF-BF1F3968FD06}">
+      <dgm:prSet/>
+      <dgm:spPr/>
+      <dgm:t>
+        <a:bodyPr/>
+        <a:lstStyle/>
+        <a:p>
+          <a:endParaRPr lang="en-US"/>
+        </a:p>
+      </dgm:t>
+    </dgm:pt>
+    <dgm:pt modelId="{B9F52708-4F13-4BEE-A4FD-96A9D12DD12A}">
+      <dgm:prSet/>
+      <dgm:spPr/>
+      <dgm:t>
+        <a:bodyPr/>
+        <a:lstStyle/>
+        <a:p>
+          <a:endParaRPr lang="en-US" dirty="0"/>
+        </a:p>
+      </dgm:t>
+    </dgm:pt>
+    <dgm:pt modelId="{7E184010-9AE9-468D-9CD5-3AC7BC9930FF}" type="parTrans" cxnId="{E47641E1-06B8-468E-B1BE-3BAA32514FF7}">
+      <dgm:prSet/>
+      <dgm:spPr/>
+      <dgm:t>
+        <a:bodyPr/>
+        <a:lstStyle/>
+        <a:p>
+          <a:endParaRPr lang="en-US"/>
+        </a:p>
+      </dgm:t>
+    </dgm:pt>
+    <dgm:pt modelId="{2F6856DB-F503-474A-A5F9-EA94715E0D7F}" type="sibTrans" cxnId="{E47641E1-06B8-468E-B1BE-3BAA32514FF7}">
+      <dgm:prSet/>
+      <dgm:spPr/>
+      <dgm:t>
+        <a:bodyPr/>
+        <a:lstStyle/>
+        <a:p>
+          <a:endParaRPr lang="en-US"/>
+        </a:p>
+      </dgm:t>
+    </dgm:pt>
+    <dgm:pt modelId="{937E3DE8-C5C3-44B0-B87F-CE0320AC08C7}">
+      <dgm:prSet/>
+      <dgm:spPr/>
+      <dgm:t>
+        <a:bodyPr/>
+        <a:lstStyle/>
+        <a:p>
+          <a:r>
+            <a:rPr lang="es-ES"/>
+            <a:t>Terminar una secuencia en una instrucción switch</a:t>
+          </a:r>
+          <a:endParaRPr lang="es-ES" dirty="0"/>
+        </a:p>
+      </dgm:t>
+    </dgm:pt>
+    <dgm:pt modelId="{909DC941-77B8-4B55-AC3B-8C95D2887783}" type="parTrans" cxnId="{23ED34A8-217F-42D5-BC00-6311FCFFF935}">
+      <dgm:prSet/>
+      <dgm:spPr/>
+      <dgm:t>
+        <a:bodyPr/>
+        <a:lstStyle/>
+        <a:p>
+          <a:endParaRPr lang="en-US"/>
+        </a:p>
+      </dgm:t>
+    </dgm:pt>
+    <dgm:pt modelId="{30273F4E-70A2-4293-9B23-404D22ED9E0D}" type="sibTrans" cxnId="{23ED34A8-217F-42D5-BC00-6311FCFFF935}">
+      <dgm:prSet/>
+      <dgm:spPr/>
+      <dgm:t>
+        <a:bodyPr/>
+        <a:lstStyle/>
+        <a:p>
+          <a:endParaRPr lang="en-US"/>
+        </a:p>
+      </dgm:t>
+    </dgm:pt>
+    <dgm:pt modelId="{95CDF0A5-3ABE-4641-AD0F-8C2D8696E3A2}">
+      <dgm:prSet/>
+      <dgm:spPr/>
+      <dgm:t>
+        <a:bodyPr/>
+        <a:lstStyle/>
+        <a:p>
+          <a:r>
+            <a:rPr lang="es-ES" dirty="0"/>
+            <a:t>Para salir de un bucle</a:t>
+          </a:r>
+          <a:endParaRPr lang="en-US" dirty="0"/>
+        </a:p>
+      </dgm:t>
+    </dgm:pt>
+    <dgm:pt modelId="{8122C8EA-52B9-4E08-810C-72A0D5001C66}" type="parTrans" cxnId="{FA927E51-0842-4660-9C4C-7B15C9EA03E5}">
+      <dgm:prSet/>
+      <dgm:spPr/>
+      <dgm:t>
+        <a:bodyPr/>
+        <a:lstStyle/>
+        <a:p>
+          <a:endParaRPr lang="en-US"/>
+        </a:p>
+      </dgm:t>
+    </dgm:pt>
+    <dgm:pt modelId="{CD370D8B-99B2-49FB-9FF1-9E29B9FDF05F}" type="sibTrans" cxnId="{FA927E51-0842-4660-9C4C-7B15C9EA03E5}">
+      <dgm:prSet/>
+      <dgm:spPr/>
+      <dgm:t>
+        <a:bodyPr/>
+        <a:lstStyle/>
+        <a:p>
+          <a:endParaRPr lang="en-US"/>
+        </a:p>
+      </dgm:t>
+    </dgm:pt>
+    <dgm:pt modelId="{4569A43B-F9A7-4FE0-8DF9-765A062DBFD6}">
+      <dgm:prSet/>
+      <dgm:spPr/>
+      <dgm:t>
+        <a:bodyPr/>
+        <a:lstStyle/>
+        <a:p>
+          <a:endParaRPr lang="en-US" dirty="0"/>
+        </a:p>
+      </dgm:t>
+    </dgm:pt>
+    <dgm:pt modelId="{A7F51FFB-7E61-4F01-ACBD-E863DF73D1D1}" type="parTrans" cxnId="{60862BF0-814B-43E5-9CE7-4993CFB3ACB4}">
+      <dgm:prSet/>
+      <dgm:spPr/>
+      <dgm:t>
+        <a:bodyPr/>
+        <a:lstStyle/>
+        <a:p>
+          <a:endParaRPr lang="en-US"/>
+        </a:p>
+      </dgm:t>
+    </dgm:pt>
+    <dgm:pt modelId="{AD114EA1-AFA1-4F4A-A8CD-2E9A4EA9EB0F}" type="sibTrans" cxnId="{60862BF0-814B-43E5-9CE7-4993CFB3ACB4}">
+      <dgm:prSet/>
+      <dgm:spPr/>
+      <dgm:t>
+        <a:bodyPr/>
+        <a:lstStyle/>
+        <a:p>
+          <a:endParaRPr lang="en-US"/>
+        </a:p>
+      </dgm:t>
+    </dgm:pt>
+    <dgm:pt modelId="{41018729-AAF0-4F0C-B809-0E8B2051838E}" type="pres">
+      <dgm:prSet presAssocID="{571877D6-770C-4E53-A5CC-126DD3565D0E}" presName="linear" presStyleCnt="0">
+        <dgm:presLayoutVars>
+          <dgm:animLvl val="lvl"/>
+          <dgm:resizeHandles val="exact"/>
+        </dgm:presLayoutVars>
+      </dgm:prSet>
+      <dgm:spPr/>
+    </dgm:pt>
+    <dgm:pt modelId="{A3C3F339-583C-44DF-A0A5-27FCE2220573}" type="pres">
+      <dgm:prSet presAssocID="{27946090-7A5D-4B23-8995-65041D7AFA25}" presName="parentText" presStyleLbl="node1" presStyleIdx="0" presStyleCnt="2">
+        <dgm:presLayoutVars>
+          <dgm:chMax val="0"/>
+          <dgm:bulletEnabled val="1"/>
+        </dgm:presLayoutVars>
+      </dgm:prSet>
+      <dgm:spPr/>
+    </dgm:pt>
+    <dgm:pt modelId="{430B5813-A765-4BD2-A6DC-AC2B5FA75B0D}" type="pres">
+      <dgm:prSet presAssocID="{27946090-7A5D-4B23-8995-65041D7AFA25}" presName="childText" presStyleLbl="revTx" presStyleIdx="0" presStyleCnt="2">
+        <dgm:presLayoutVars>
+          <dgm:bulletEnabled val="1"/>
+        </dgm:presLayoutVars>
+      </dgm:prSet>
+      <dgm:spPr/>
+    </dgm:pt>
+    <dgm:pt modelId="{F20C2739-6428-48B3-9CC5-8AA1F378F7B0}" type="pres">
+      <dgm:prSet presAssocID="{A261F8CA-EF31-452E-A821-F981F69F5B81}" presName="parentText" presStyleLbl="node1" presStyleIdx="1" presStyleCnt="2">
+        <dgm:presLayoutVars>
+          <dgm:chMax val="0"/>
+          <dgm:bulletEnabled val="1"/>
+        </dgm:presLayoutVars>
+      </dgm:prSet>
+      <dgm:spPr/>
+    </dgm:pt>
+    <dgm:pt modelId="{023B51D5-2BAC-41FC-802B-96744AE94ABD}" type="pres">
+      <dgm:prSet presAssocID="{A261F8CA-EF31-452E-A821-F981F69F5B81}" presName="childText" presStyleLbl="revTx" presStyleIdx="1" presStyleCnt="2">
+        <dgm:presLayoutVars>
+          <dgm:bulletEnabled val="1"/>
+        </dgm:presLayoutVars>
+      </dgm:prSet>
+      <dgm:spPr/>
+    </dgm:pt>
+  </dgm:ptLst>
+  <dgm:cxnLst>
+    <dgm:cxn modelId="{A0BFD809-9D93-40EB-9BC5-1B9874443EAA}" type="presOf" srcId="{D1CDD2A6-88F5-401D-A591-B80DA5E58892}" destId="{430B5813-A765-4BD2-A6DC-AC2B5FA75B0D}" srcOrd="0" destOrd="0" presId="urn:microsoft.com/office/officeart/2005/8/layout/vList2"/>
+    <dgm:cxn modelId="{BA2CE009-1F56-4CEB-B3A0-634E87DC61DF}" srcId="{27946090-7A5D-4B23-8995-65041D7AFA25}" destId="{D1CDD2A6-88F5-401D-A591-B80DA5E58892}" srcOrd="0" destOrd="0" parTransId="{972941B7-DCDE-4100-B4B3-8D63EC79D9E6}" sibTransId="{54DE6D16-ABFF-40E8-8DDC-8FA506E509DC}"/>
+    <dgm:cxn modelId="{BD527C0A-9187-4CAF-B6C5-43FAFCDB9F00}" type="presOf" srcId="{95CDF0A5-3ABE-4641-AD0F-8C2D8696E3A2}" destId="{430B5813-A765-4BD2-A6DC-AC2B5FA75B0D}" srcOrd="0" destOrd="2" presId="urn:microsoft.com/office/officeart/2005/8/layout/vList2"/>
+    <dgm:cxn modelId="{D0BEA81B-FBDD-4A09-9FA6-1E7A1B1B092E}" type="presOf" srcId="{27946090-7A5D-4B23-8995-65041D7AFA25}" destId="{A3C3F339-583C-44DF-A0A5-27FCE2220573}" srcOrd="0" destOrd="0" presId="urn:microsoft.com/office/officeart/2005/8/layout/vList2"/>
+    <dgm:cxn modelId="{6338593B-6E89-4CA1-83F3-8AE9CE19AA1B}" type="presOf" srcId="{571877D6-770C-4E53-A5CC-126DD3565D0E}" destId="{41018729-AAF0-4F0C-B809-0E8B2051838E}" srcOrd="0" destOrd="0" presId="urn:microsoft.com/office/officeart/2005/8/layout/vList2"/>
+    <dgm:cxn modelId="{C6A82A5E-52FB-4FBD-8CBF-BF1F3968FD06}" srcId="{A261F8CA-EF31-452E-A821-F981F69F5B81}" destId="{C1605CB0-1995-40FC-81F3-7F2C7A291256}" srcOrd="0" destOrd="0" parTransId="{AED57DCB-8C01-4494-9414-D9C83C8246AF}" sibTransId="{E488DF12-CBF8-4630-A63C-D1D21DD2B5B1}"/>
+    <dgm:cxn modelId="{4ECBC748-9706-418A-8DBB-80248B7B928A}" type="presOf" srcId="{937E3DE8-C5C3-44B0-B87F-CE0320AC08C7}" destId="{430B5813-A765-4BD2-A6DC-AC2B5FA75B0D}" srcOrd="0" destOrd="1" presId="urn:microsoft.com/office/officeart/2005/8/layout/vList2"/>
+    <dgm:cxn modelId="{DA22336A-191A-42E7-AB06-8FB863E5A38D}" type="presOf" srcId="{4569A43B-F9A7-4FE0-8DF9-765A062DBFD6}" destId="{430B5813-A765-4BD2-A6DC-AC2B5FA75B0D}" srcOrd="0" destOrd="3" presId="urn:microsoft.com/office/officeart/2005/8/layout/vList2"/>
+    <dgm:cxn modelId="{FA927E51-0842-4660-9C4C-7B15C9EA03E5}" srcId="{D1CDD2A6-88F5-401D-A591-B80DA5E58892}" destId="{95CDF0A5-3ABE-4641-AD0F-8C2D8696E3A2}" srcOrd="1" destOrd="0" parTransId="{8122C8EA-52B9-4E08-810C-72A0D5001C66}" sibTransId="{CD370D8B-99B2-49FB-9FF1-9E29B9FDF05F}"/>
+    <dgm:cxn modelId="{0CDB8877-7182-4687-896D-C235782937A1}" type="presOf" srcId="{B9F52708-4F13-4BEE-A4FD-96A9D12DD12A}" destId="{023B51D5-2BAC-41FC-802B-96744AE94ABD}" srcOrd="0" destOrd="1" presId="urn:microsoft.com/office/officeart/2005/8/layout/vList2"/>
+    <dgm:cxn modelId="{0E7E4C78-9FB1-4D46-884F-1B8CF678D93B}" type="presOf" srcId="{C1605CB0-1995-40FC-81F3-7F2C7A291256}" destId="{023B51D5-2BAC-41FC-802B-96744AE94ABD}" srcOrd="0" destOrd="0" presId="urn:microsoft.com/office/officeart/2005/8/layout/vList2"/>
+    <dgm:cxn modelId="{B09C0C86-E7FC-4360-8E81-95018A59A16A}" type="presOf" srcId="{A261F8CA-EF31-452E-A821-F981F69F5B81}" destId="{F20C2739-6428-48B3-9CC5-8AA1F378F7B0}" srcOrd="0" destOrd="0" presId="urn:microsoft.com/office/officeart/2005/8/layout/vList2"/>
+    <dgm:cxn modelId="{23ED34A8-217F-42D5-BC00-6311FCFFF935}" srcId="{D1CDD2A6-88F5-401D-A591-B80DA5E58892}" destId="{937E3DE8-C5C3-44B0-B87F-CE0320AC08C7}" srcOrd="0" destOrd="0" parTransId="{909DC941-77B8-4B55-AC3B-8C95D2887783}" sibTransId="{30273F4E-70A2-4293-9B23-404D22ED9E0D}"/>
+    <dgm:cxn modelId="{E47641E1-06B8-468E-B1BE-3BAA32514FF7}" srcId="{A261F8CA-EF31-452E-A821-F981F69F5B81}" destId="{B9F52708-4F13-4BEE-A4FD-96A9D12DD12A}" srcOrd="1" destOrd="0" parTransId="{7E184010-9AE9-468D-9CD5-3AC7BC9930FF}" sibTransId="{2F6856DB-F503-474A-A5F9-EA94715E0D7F}"/>
+    <dgm:cxn modelId="{307140E5-3242-47D5-B267-6246EFDBF85E}" srcId="{571877D6-770C-4E53-A5CC-126DD3565D0E}" destId="{A261F8CA-EF31-452E-A821-F981F69F5B81}" srcOrd="1" destOrd="0" parTransId="{50B43766-0614-44ED-A405-9B8754ACA2EF}" sibTransId="{B61D21AC-3513-499C-AAFE-BDFAA29E63F5}"/>
+    <dgm:cxn modelId="{4471D7EA-9023-4732-B668-9AF6EA4616B4}" srcId="{571877D6-770C-4E53-A5CC-126DD3565D0E}" destId="{27946090-7A5D-4B23-8995-65041D7AFA25}" srcOrd="0" destOrd="0" parTransId="{2E223EAE-DB4C-4784-A724-73C5A40C131C}" sibTransId="{B3C2CAF4-DD71-482C-B32C-7E8522CEE578}"/>
+    <dgm:cxn modelId="{60862BF0-814B-43E5-9CE7-4993CFB3ACB4}" srcId="{D1CDD2A6-88F5-401D-A591-B80DA5E58892}" destId="{4569A43B-F9A7-4FE0-8DF9-765A062DBFD6}" srcOrd="2" destOrd="0" parTransId="{A7F51FFB-7E61-4F01-ACBD-E863DF73D1D1}" sibTransId="{AD114EA1-AFA1-4F4A-A8CD-2E9A4EA9EB0F}"/>
+    <dgm:cxn modelId="{DC7444F3-DB07-4C52-A59F-77D8B4A15467}" type="presParOf" srcId="{41018729-AAF0-4F0C-B809-0E8B2051838E}" destId="{A3C3F339-583C-44DF-A0A5-27FCE2220573}" srcOrd="0" destOrd="0" presId="urn:microsoft.com/office/officeart/2005/8/layout/vList2"/>
+    <dgm:cxn modelId="{AB9B2E9A-2BA8-4374-9F49-3EF502492B93}" type="presParOf" srcId="{41018729-AAF0-4F0C-B809-0E8B2051838E}" destId="{430B5813-A765-4BD2-A6DC-AC2B5FA75B0D}" srcOrd="1" destOrd="0" presId="urn:microsoft.com/office/officeart/2005/8/layout/vList2"/>
+    <dgm:cxn modelId="{C5BEFF8E-3914-414C-85A2-9FCE2A24B847}" type="presParOf" srcId="{41018729-AAF0-4F0C-B809-0E8B2051838E}" destId="{F20C2739-6428-48B3-9CC5-8AA1F378F7B0}" srcOrd="2" destOrd="0" presId="urn:microsoft.com/office/officeart/2005/8/layout/vList2"/>
+    <dgm:cxn modelId="{27AA5F77-53FE-4D54-ADD0-01FA3E005767}" type="presParOf" srcId="{41018729-AAF0-4F0C-B809-0E8B2051838E}" destId="{023B51D5-2BAC-41FC-802B-96744AE94ABD}" srcOrd="3" destOrd="0" presId="urn:microsoft.com/office/officeart/2005/8/layout/vList2"/>
+  </dgm:cxnLst>
+  <dgm:bg/>
+  <dgm:whole/>
+  <dgm:extLst>
+    <a:ext uri="http://schemas.microsoft.com/office/drawing/2008/diagram">
+      <dsp:dataModelExt xmlns:dsp="http://schemas.microsoft.com/office/drawing/2008/diagram" relId="rId6" minVer="http://schemas.openxmlformats.org/drawingml/2006/diagram"/>
     </a:ext>
   </dgm:extLst>
 </dgm:dataModel>
@@ -3202,6 +5484,693 @@
 </dsp:drawing>
 </file>
 
+<file path=ppt/diagrams/drawing2.xml><?xml version="1.0" encoding="utf-8"?>
+<dsp:drawing xmlns:dgm="http://schemas.openxmlformats.org/drawingml/2006/diagram" xmlns:dsp="http://schemas.microsoft.com/office/drawing/2008/diagram" xmlns:a="http://schemas.openxmlformats.org/drawingml/2006/main">
+  <dsp:spTree>
+    <dsp:nvGrpSpPr>
+      <dsp:cNvPr id="0" name=""/>
+      <dsp:cNvGrpSpPr/>
+    </dsp:nvGrpSpPr>
+    <dsp:grpSpPr/>
+    <dsp:sp modelId="{5C47C621-7AA8-40FA-ABC0-2327754CB160}">
+      <dsp:nvSpPr>
+        <dsp:cNvPr id="0" name=""/>
+        <dsp:cNvSpPr/>
+      </dsp:nvSpPr>
+      <dsp:spPr>
+        <a:xfrm>
+          <a:off x="0" y="29486"/>
+          <a:ext cx="6485666" cy="1031354"/>
+        </a:xfrm>
+        <a:prstGeom prst="roundRect">
+          <a:avLst/>
+        </a:prstGeom>
+        <a:solidFill>
+          <a:schemeClr val="accent1">
+            <a:shade val="50000"/>
+            <a:hueOff val="0"/>
+            <a:satOff val="0"/>
+            <a:lumOff val="0"/>
+            <a:alphaOff val="0"/>
+          </a:schemeClr>
+        </a:solidFill>
+        <a:ln w="19050" cap="flat" cmpd="sng" algn="ctr">
+          <a:solidFill>
+            <a:schemeClr val="lt1">
+              <a:hueOff val="0"/>
+              <a:satOff val="0"/>
+              <a:lumOff val="0"/>
+              <a:alphaOff val="0"/>
+            </a:schemeClr>
+          </a:solidFill>
+          <a:prstDash val="solid"/>
+          <a:miter lim="800000"/>
+        </a:ln>
+        <a:effectLst/>
+      </dsp:spPr>
+      <dsp:style>
+        <a:lnRef idx="3">
+          <a:scrgbClr r="0" g="0" b="0"/>
+        </a:lnRef>
+        <a:fillRef idx="1">
+          <a:scrgbClr r="0" g="0" b="0"/>
+        </a:fillRef>
+        <a:effectRef idx="1">
+          <a:scrgbClr r="0" g="0" b="0"/>
+        </a:effectRef>
+        <a:fontRef idx="minor">
+          <a:schemeClr val="lt1"/>
+        </a:fontRef>
+      </dsp:style>
+      <dsp:txBody>
+        <a:bodyPr spcFirstLastPara="0" vert="horz" wrap="square" lIns="163830" tIns="163830" rIns="163830" bIns="163830" numCol="1" spcCol="1270" anchor="ctr" anchorCtr="0">
+          <a:noAutofit/>
+        </a:bodyPr>
+        <a:lstStyle/>
+        <a:p>
+          <a:pPr marL="0" lvl="0" indent="0" algn="l" defTabSz="1911350">
+            <a:lnSpc>
+              <a:spcPct val="90000"/>
+            </a:lnSpc>
+            <a:spcBef>
+              <a:spcPct val="0"/>
+            </a:spcBef>
+            <a:spcAft>
+              <a:spcPct val="35000"/>
+            </a:spcAft>
+            <a:buNone/>
+          </a:pPr>
+          <a:r>
+            <a:rPr lang="en-US" sz="4300" kern="1200" dirty="0"/>
+            <a:t>While</a:t>
+          </a:r>
+        </a:p>
+      </dsp:txBody>
+      <dsp:txXfrm>
+        <a:off x="50347" y="79833"/>
+        <a:ext cx="6384972" cy="930660"/>
+      </dsp:txXfrm>
+    </dsp:sp>
+    <dsp:sp modelId="{E0B8ED1A-C6B0-499A-9969-5F398E5227C8}">
+      <dsp:nvSpPr>
+        <dsp:cNvPr id="0" name=""/>
+        <dsp:cNvSpPr/>
+      </dsp:nvSpPr>
+      <dsp:spPr>
+        <a:xfrm>
+          <a:off x="0" y="1184681"/>
+          <a:ext cx="6485666" cy="1031354"/>
+        </a:xfrm>
+        <a:prstGeom prst="roundRect">
+          <a:avLst/>
+        </a:prstGeom>
+        <a:solidFill>
+          <a:schemeClr val="accent1">
+            <a:shade val="50000"/>
+            <a:hueOff val="201247"/>
+            <a:satOff val="-4901"/>
+            <a:lumOff val="21448"/>
+            <a:alphaOff val="0"/>
+          </a:schemeClr>
+        </a:solidFill>
+        <a:ln w="19050" cap="flat" cmpd="sng" algn="ctr">
+          <a:solidFill>
+            <a:schemeClr val="lt1">
+              <a:hueOff val="0"/>
+              <a:satOff val="0"/>
+              <a:lumOff val="0"/>
+              <a:alphaOff val="0"/>
+            </a:schemeClr>
+          </a:solidFill>
+          <a:prstDash val="solid"/>
+          <a:miter lim="800000"/>
+        </a:ln>
+        <a:effectLst/>
+      </dsp:spPr>
+      <dsp:style>
+        <a:lnRef idx="3">
+          <a:scrgbClr r="0" g="0" b="0"/>
+        </a:lnRef>
+        <a:fillRef idx="1">
+          <a:scrgbClr r="0" g="0" b="0"/>
+        </a:fillRef>
+        <a:effectRef idx="1">
+          <a:scrgbClr r="0" g="0" b="0"/>
+        </a:effectRef>
+        <a:fontRef idx="minor">
+          <a:schemeClr val="lt1"/>
+        </a:fontRef>
+      </dsp:style>
+      <dsp:txBody>
+        <a:bodyPr spcFirstLastPara="0" vert="horz" wrap="square" lIns="163830" tIns="163830" rIns="163830" bIns="163830" numCol="1" spcCol="1270" anchor="ctr" anchorCtr="0">
+          <a:noAutofit/>
+        </a:bodyPr>
+        <a:lstStyle/>
+        <a:p>
+          <a:pPr marL="0" lvl="0" indent="0" algn="l" defTabSz="1911350">
+            <a:lnSpc>
+              <a:spcPct val="90000"/>
+            </a:lnSpc>
+            <a:spcBef>
+              <a:spcPct val="0"/>
+            </a:spcBef>
+            <a:spcAft>
+              <a:spcPct val="35000"/>
+            </a:spcAft>
+            <a:buNone/>
+          </a:pPr>
+          <a:r>
+            <a:rPr lang="en-US" sz="4300" kern="1200" dirty="0"/>
+            <a:t>Do While</a:t>
+          </a:r>
+        </a:p>
+      </dsp:txBody>
+      <dsp:txXfrm>
+        <a:off x="50347" y="1235028"/>
+        <a:ext cx="6384972" cy="930660"/>
+      </dsp:txXfrm>
+    </dsp:sp>
+    <dsp:sp modelId="{0B4187B4-BFD1-4D50-B5FB-8BA3464ED175}">
+      <dsp:nvSpPr>
+        <dsp:cNvPr id="0" name=""/>
+        <dsp:cNvSpPr/>
+      </dsp:nvSpPr>
+      <dsp:spPr>
+        <a:xfrm>
+          <a:off x="0" y="2339876"/>
+          <a:ext cx="6485666" cy="1031354"/>
+        </a:xfrm>
+        <a:prstGeom prst="roundRect">
+          <a:avLst/>
+        </a:prstGeom>
+        <a:solidFill>
+          <a:schemeClr val="accent1">
+            <a:shade val="50000"/>
+            <a:hueOff val="402493"/>
+            <a:satOff val="-9802"/>
+            <a:lumOff val="42896"/>
+            <a:alphaOff val="0"/>
+          </a:schemeClr>
+        </a:solidFill>
+        <a:ln w="19050" cap="flat" cmpd="sng" algn="ctr">
+          <a:solidFill>
+            <a:schemeClr val="lt1">
+              <a:hueOff val="0"/>
+              <a:satOff val="0"/>
+              <a:lumOff val="0"/>
+              <a:alphaOff val="0"/>
+            </a:schemeClr>
+          </a:solidFill>
+          <a:prstDash val="solid"/>
+          <a:miter lim="800000"/>
+        </a:ln>
+        <a:effectLst/>
+      </dsp:spPr>
+      <dsp:style>
+        <a:lnRef idx="3">
+          <a:scrgbClr r="0" g="0" b="0"/>
+        </a:lnRef>
+        <a:fillRef idx="1">
+          <a:scrgbClr r="0" g="0" b="0"/>
+        </a:fillRef>
+        <a:effectRef idx="1">
+          <a:scrgbClr r="0" g="0" b="0"/>
+        </a:effectRef>
+        <a:fontRef idx="minor">
+          <a:schemeClr val="lt1"/>
+        </a:fontRef>
+      </dsp:style>
+      <dsp:txBody>
+        <a:bodyPr spcFirstLastPara="0" vert="horz" wrap="square" lIns="163830" tIns="163830" rIns="163830" bIns="163830" numCol="1" spcCol="1270" anchor="ctr" anchorCtr="0">
+          <a:noAutofit/>
+        </a:bodyPr>
+        <a:lstStyle/>
+        <a:p>
+          <a:pPr marL="0" lvl="0" indent="0" algn="l" defTabSz="1911350">
+            <a:lnSpc>
+              <a:spcPct val="90000"/>
+            </a:lnSpc>
+            <a:spcBef>
+              <a:spcPct val="0"/>
+            </a:spcBef>
+            <a:spcAft>
+              <a:spcPct val="35000"/>
+            </a:spcAft>
+            <a:buNone/>
+          </a:pPr>
+          <a:r>
+            <a:rPr lang="en-US" sz="4300" kern="1200" dirty="0"/>
+            <a:t>For</a:t>
+          </a:r>
+        </a:p>
+      </dsp:txBody>
+      <dsp:txXfrm>
+        <a:off x="50347" y="2390223"/>
+        <a:ext cx="6384972" cy="930660"/>
+      </dsp:txXfrm>
+    </dsp:sp>
+    <dsp:sp modelId="{70364DB0-F6A7-4F04-86BB-134CEE2EB1D7}">
+      <dsp:nvSpPr>
+        <dsp:cNvPr id="0" name=""/>
+        <dsp:cNvSpPr/>
+      </dsp:nvSpPr>
+      <dsp:spPr>
+        <a:xfrm>
+          <a:off x="0" y="3495071"/>
+          <a:ext cx="6485666" cy="1031354"/>
+        </a:xfrm>
+        <a:prstGeom prst="roundRect">
+          <a:avLst/>
+        </a:prstGeom>
+        <a:solidFill>
+          <a:schemeClr val="accent1">
+            <a:shade val="50000"/>
+            <a:hueOff val="201247"/>
+            <a:satOff val="-4901"/>
+            <a:lumOff val="21448"/>
+            <a:alphaOff val="0"/>
+          </a:schemeClr>
+        </a:solidFill>
+        <a:ln w="19050" cap="flat" cmpd="sng" algn="ctr">
+          <a:solidFill>
+            <a:schemeClr val="lt1">
+              <a:hueOff val="0"/>
+              <a:satOff val="0"/>
+              <a:lumOff val="0"/>
+              <a:alphaOff val="0"/>
+            </a:schemeClr>
+          </a:solidFill>
+          <a:prstDash val="solid"/>
+          <a:miter lim="800000"/>
+        </a:ln>
+        <a:effectLst/>
+      </dsp:spPr>
+      <dsp:style>
+        <a:lnRef idx="3">
+          <a:scrgbClr r="0" g="0" b="0"/>
+        </a:lnRef>
+        <a:fillRef idx="1">
+          <a:scrgbClr r="0" g="0" b="0"/>
+        </a:fillRef>
+        <a:effectRef idx="1">
+          <a:scrgbClr r="0" g="0" b="0"/>
+        </a:effectRef>
+        <a:fontRef idx="minor">
+          <a:schemeClr val="lt1"/>
+        </a:fontRef>
+      </dsp:style>
+      <dsp:txBody>
+        <a:bodyPr spcFirstLastPara="0" vert="horz" wrap="square" lIns="163830" tIns="163830" rIns="163830" bIns="163830" numCol="1" spcCol="1270" anchor="ctr" anchorCtr="0">
+          <a:noAutofit/>
+        </a:bodyPr>
+        <a:lstStyle/>
+        <a:p>
+          <a:pPr marL="0" lvl="0" indent="0" algn="l" defTabSz="1911350">
+            <a:lnSpc>
+              <a:spcPct val="90000"/>
+            </a:lnSpc>
+            <a:spcBef>
+              <a:spcPct val="0"/>
+            </a:spcBef>
+            <a:spcAft>
+              <a:spcPct val="35000"/>
+            </a:spcAft>
+            <a:buNone/>
+          </a:pPr>
+          <a:r>
+            <a:rPr lang="en-US" sz="4300" kern="1200" dirty="0"/>
+            <a:t>Foreach</a:t>
+          </a:r>
+        </a:p>
+      </dsp:txBody>
+      <dsp:txXfrm>
+        <a:off x="50347" y="3545418"/>
+        <a:ext cx="6384972" cy="930660"/>
+      </dsp:txXfrm>
+    </dsp:sp>
+  </dsp:spTree>
+</dsp:drawing>
+</file>
+
+<file path=ppt/diagrams/drawing3.xml><?xml version="1.0" encoding="utf-8"?>
+<dsp:drawing xmlns:dgm="http://schemas.openxmlformats.org/drawingml/2006/diagram" xmlns:dsp="http://schemas.microsoft.com/office/drawing/2008/diagram" xmlns:a="http://schemas.openxmlformats.org/drawingml/2006/main">
+  <dsp:spTree>
+    <dsp:nvGrpSpPr>
+      <dsp:cNvPr id="0" name=""/>
+      <dsp:cNvGrpSpPr/>
+    </dsp:nvGrpSpPr>
+    <dsp:grpSpPr/>
+    <dsp:sp modelId="{A3C3F339-583C-44DF-A0A5-27FCE2220573}">
+      <dsp:nvSpPr>
+        <dsp:cNvPr id="0" name=""/>
+        <dsp:cNvSpPr/>
+      </dsp:nvSpPr>
+      <dsp:spPr>
+        <a:xfrm>
+          <a:off x="0" y="103449"/>
+          <a:ext cx="9548780" cy="767520"/>
+        </a:xfrm>
+        <a:prstGeom prst="roundRect">
+          <a:avLst/>
+        </a:prstGeom>
+        <a:solidFill>
+          <a:schemeClr val="accent2">
+            <a:hueOff val="0"/>
+            <a:satOff val="0"/>
+            <a:lumOff val="0"/>
+            <a:alphaOff val="0"/>
+          </a:schemeClr>
+        </a:solidFill>
+        <a:ln w="19050" cap="flat" cmpd="sng" algn="ctr">
+          <a:solidFill>
+            <a:schemeClr val="lt1">
+              <a:hueOff val="0"/>
+              <a:satOff val="0"/>
+              <a:lumOff val="0"/>
+              <a:alphaOff val="0"/>
+            </a:schemeClr>
+          </a:solidFill>
+          <a:prstDash val="solid"/>
+          <a:miter lim="800000"/>
+        </a:ln>
+        <a:effectLst/>
+      </dsp:spPr>
+      <dsp:style>
+        <a:lnRef idx="3">
+          <a:scrgbClr r="0" g="0" b="0"/>
+        </a:lnRef>
+        <a:fillRef idx="1">
+          <a:scrgbClr r="0" g="0" b="0"/>
+        </a:fillRef>
+        <a:effectRef idx="1">
+          <a:scrgbClr r="0" g="0" b="0"/>
+        </a:effectRef>
+        <a:fontRef idx="minor">
+          <a:schemeClr val="lt1"/>
+        </a:fontRef>
+      </dsp:style>
+      <dsp:txBody>
+        <a:bodyPr spcFirstLastPara="0" vert="horz" wrap="square" lIns="121920" tIns="121920" rIns="121920" bIns="121920" numCol="1" spcCol="1270" anchor="ctr" anchorCtr="0">
+          <a:noAutofit/>
+        </a:bodyPr>
+        <a:lstStyle/>
+        <a:p>
+          <a:pPr marL="0" lvl="0" indent="0" algn="l" defTabSz="1422400">
+            <a:lnSpc>
+              <a:spcPct val="90000"/>
+            </a:lnSpc>
+            <a:spcBef>
+              <a:spcPct val="0"/>
+            </a:spcBef>
+            <a:spcAft>
+              <a:spcPct val="35000"/>
+            </a:spcAft>
+            <a:buNone/>
+          </a:pPr>
+          <a:r>
+            <a:rPr lang="en-US" sz="3200" kern="1200" dirty="0"/>
+            <a:t>Break</a:t>
+          </a:r>
+        </a:p>
+      </dsp:txBody>
+      <dsp:txXfrm>
+        <a:off x="37467" y="140916"/>
+        <a:ext cx="9473846" cy="692586"/>
+      </dsp:txXfrm>
+    </dsp:sp>
+    <dsp:sp modelId="{430B5813-A765-4BD2-A6DC-AC2B5FA75B0D}">
+      <dsp:nvSpPr>
+        <dsp:cNvPr id="0" name=""/>
+        <dsp:cNvSpPr/>
+      </dsp:nvSpPr>
+      <dsp:spPr>
+        <a:xfrm>
+          <a:off x="0" y="870969"/>
+          <a:ext cx="9548780" cy="1722240"/>
+        </a:xfrm>
+        <a:prstGeom prst="rect">
+          <a:avLst/>
+        </a:prstGeom>
+        <a:noFill/>
+        <a:ln>
+          <a:noFill/>
+        </a:ln>
+        <a:effectLst/>
+      </dsp:spPr>
+      <dsp:style>
+        <a:lnRef idx="0">
+          <a:scrgbClr r="0" g="0" b="0"/>
+        </a:lnRef>
+        <a:fillRef idx="0">
+          <a:scrgbClr r="0" g="0" b="0"/>
+        </a:fillRef>
+        <a:effectRef idx="0">
+          <a:scrgbClr r="0" g="0" b="0"/>
+        </a:effectRef>
+        <a:fontRef idx="minor"/>
+      </dsp:style>
+      <dsp:txBody>
+        <a:bodyPr spcFirstLastPara="0" vert="horz" wrap="square" lIns="303174" tIns="40640" rIns="227584" bIns="40640" numCol="1" spcCol="1270" anchor="t" anchorCtr="0">
+          <a:noAutofit/>
+        </a:bodyPr>
+        <a:lstStyle/>
+        <a:p>
+          <a:pPr marL="228600" lvl="1" indent="-228600" algn="l" defTabSz="1111250">
+            <a:lnSpc>
+              <a:spcPct val="90000"/>
+            </a:lnSpc>
+            <a:spcBef>
+              <a:spcPct val="0"/>
+            </a:spcBef>
+            <a:spcAft>
+              <a:spcPct val="20000"/>
+            </a:spcAft>
+            <a:buChar char="•"/>
+          </a:pPr>
+          <a:r>
+            <a:rPr lang="es-ES" sz="2500" kern="1200" dirty="0"/>
+            <a:t>Se utiliza principalmente para:</a:t>
+          </a:r>
+          <a:endParaRPr lang="en-US" sz="2500" kern="1200" dirty="0"/>
+        </a:p>
+        <a:p>
+          <a:pPr marL="457200" lvl="2" indent="-228600" algn="l" defTabSz="1111250">
+            <a:lnSpc>
+              <a:spcPct val="90000"/>
+            </a:lnSpc>
+            <a:spcBef>
+              <a:spcPct val="0"/>
+            </a:spcBef>
+            <a:spcAft>
+              <a:spcPct val="20000"/>
+            </a:spcAft>
+            <a:buChar char="•"/>
+          </a:pPr>
+          <a:r>
+            <a:rPr lang="es-ES" sz="2500" kern="1200"/>
+            <a:t>Terminar una secuencia en una instrucción switch</a:t>
+          </a:r>
+          <a:endParaRPr lang="es-ES" sz="2500" kern="1200" dirty="0"/>
+        </a:p>
+        <a:p>
+          <a:pPr marL="457200" lvl="2" indent="-228600" algn="l" defTabSz="1111250">
+            <a:lnSpc>
+              <a:spcPct val="90000"/>
+            </a:lnSpc>
+            <a:spcBef>
+              <a:spcPct val="0"/>
+            </a:spcBef>
+            <a:spcAft>
+              <a:spcPct val="20000"/>
+            </a:spcAft>
+            <a:buChar char="•"/>
+          </a:pPr>
+          <a:r>
+            <a:rPr lang="es-ES" sz="2500" kern="1200" dirty="0"/>
+            <a:t>Para salir de un bucle</a:t>
+          </a:r>
+          <a:endParaRPr lang="en-US" sz="2500" kern="1200" dirty="0"/>
+        </a:p>
+        <a:p>
+          <a:pPr marL="457200" lvl="2" indent="-228600" algn="l" defTabSz="1111250">
+            <a:lnSpc>
+              <a:spcPct val="90000"/>
+            </a:lnSpc>
+            <a:spcBef>
+              <a:spcPct val="0"/>
+            </a:spcBef>
+            <a:spcAft>
+              <a:spcPct val="20000"/>
+            </a:spcAft>
+            <a:buChar char="•"/>
+          </a:pPr>
+          <a:endParaRPr lang="en-US" sz="2500" kern="1200" dirty="0"/>
+        </a:p>
+      </dsp:txBody>
+      <dsp:txXfrm>
+        <a:off x="0" y="870969"/>
+        <a:ext cx="9548780" cy="1722240"/>
+      </dsp:txXfrm>
+    </dsp:sp>
+    <dsp:sp modelId="{F20C2739-6428-48B3-9CC5-8AA1F378F7B0}">
+      <dsp:nvSpPr>
+        <dsp:cNvPr id="0" name=""/>
+        <dsp:cNvSpPr/>
+      </dsp:nvSpPr>
+      <dsp:spPr>
+        <a:xfrm>
+          <a:off x="0" y="2593210"/>
+          <a:ext cx="9548780" cy="767520"/>
+        </a:xfrm>
+        <a:prstGeom prst="roundRect">
+          <a:avLst/>
+        </a:prstGeom>
+        <a:solidFill>
+          <a:schemeClr val="accent2">
+            <a:hueOff val="-1455363"/>
+            <a:satOff val="-83928"/>
+            <a:lumOff val="8628"/>
+            <a:alphaOff val="0"/>
+          </a:schemeClr>
+        </a:solidFill>
+        <a:ln w="19050" cap="flat" cmpd="sng" algn="ctr">
+          <a:solidFill>
+            <a:schemeClr val="lt1">
+              <a:hueOff val="0"/>
+              <a:satOff val="0"/>
+              <a:lumOff val="0"/>
+              <a:alphaOff val="0"/>
+            </a:schemeClr>
+          </a:solidFill>
+          <a:prstDash val="solid"/>
+          <a:miter lim="800000"/>
+        </a:ln>
+        <a:effectLst/>
+      </dsp:spPr>
+      <dsp:style>
+        <a:lnRef idx="3">
+          <a:scrgbClr r="0" g="0" b="0"/>
+        </a:lnRef>
+        <a:fillRef idx="1">
+          <a:scrgbClr r="0" g="0" b="0"/>
+        </a:fillRef>
+        <a:effectRef idx="1">
+          <a:scrgbClr r="0" g="0" b="0"/>
+        </a:effectRef>
+        <a:fontRef idx="minor">
+          <a:schemeClr val="lt1"/>
+        </a:fontRef>
+      </dsp:style>
+      <dsp:txBody>
+        <a:bodyPr spcFirstLastPara="0" vert="horz" wrap="square" lIns="121920" tIns="121920" rIns="121920" bIns="121920" numCol="1" spcCol="1270" anchor="ctr" anchorCtr="0">
+          <a:noAutofit/>
+        </a:bodyPr>
+        <a:lstStyle/>
+        <a:p>
+          <a:pPr marL="0" lvl="0" indent="0" algn="l" defTabSz="1422400">
+            <a:lnSpc>
+              <a:spcPct val="90000"/>
+            </a:lnSpc>
+            <a:spcBef>
+              <a:spcPct val="0"/>
+            </a:spcBef>
+            <a:spcAft>
+              <a:spcPct val="35000"/>
+            </a:spcAft>
+            <a:buNone/>
+          </a:pPr>
+          <a:r>
+            <a:rPr lang="en-US" sz="3200" kern="1200" dirty="0"/>
+            <a:t>Continue</a:t>
+          </a:r>
+        </a:p>
+      </dsp:txBody>
+      <dsp:txXfrm>
+        <a:off x="37467" y="2630677"/>
+        <a:ext cx="9473846" cy="692586"/>
+      </dsp:txXfrm>
+    </dsp:sp>
+    <dsp:sp modelId="{023B51D5-2BAC-41FC-802B-96744AE94ABD}">
+      <dsp:nvSpPr>
+        <dsp:cNvPr id="0" name=""/>
+        <dsp:cNvSpPr/>
+      </dsp:nvSpPr>
+      <dsp:spPr>
+        <a:xfrm>
+          <a:off x="0" y="3360730"/>
+          <a:ext cx="9548780" cy="1556640"/>
+        </a:xfrm>
+        <a:prstGeom prst="rect">
+          <a:avLst/>
+        </a:prstGeom>
+        <a:noFill/>
+        <a:ln>
+          <a:noFill/>
+        </a:ln>
+        <a:effectLst/>
+      </dsp:spPr>
+      <dsp:style>
+        <a:lnRef idx="0">
+          <a:scrgbClr r="0" g="0" b="0"/>
+        </a:lnRef>
+        <a:fillRef idx="0">
+          <a:scrgbClr r="0" g="0" b="0"/>
+        </a:fillRef>
+        <a:effectRef idx="0">
+          <a:scrgbClr r="0" g="0" b="0"/>
+        </a:effectRef>
+        <a:fontRef idx="minor"/>
+      </dsp:style>
+      <dsp:txBody>
+        <a:bodyPr spcFirstLastPara="0" vert="horz" wrap="square" lIns="303174" tIns="40640" rIns="227584" bIns="40640" numCol="1" spcCol="1270" anchor="t" anchorCtr="0">
+          <a:noAutofit/>
+        </a:bodyPr>
+        <a:lstStyle/>
+        <a:p>
+          <a:pPr marL="228600" lvl="1" indent="-228600" algn="l" defTabSz="1111250">
+            <a:lnSpc>
+              <a:spcPct val="90000"/>
+            </a:lnSpc>
+            <a:spcBef>
+              <a:spcPct val="0"/>
+            </a:spcBef>
+            <a:spcAft>
+              <a:spcPct val="20000"/>
+            </a:spcAft>
+            <a:buFont typeface="Arial" panose="020B0604020202020204" pitchFamily="34" charset="0"/>
+            <a:buChar char="•"/>
+          </a:pPr>
+          <a:r>
+            <a:rPr lang="es-ES" sz="2500" kern="1200" dirty="0"/>
+            <a:t>Útil para forzar una iteración de un bucle antes de tiempo. Es decir, es posible que desee continuar ejecutando el bucle, pero deje de procesar el resto del código (en su cuerpo) para una iteración. </a:t>
+          </a:r>
+          <a:endParaRPr lang="en-US" sz="2500" kern="1200" dirty="0"/>
+        </a:p>
+        <a:p>
+          <a:pPr marL="228600" lvl="1" indent="-228600" algn="l" defTabSz="1111250">
+            <a:lnSpc>
+              <a:spcPct val="90000"/>
+            </a:lnSpc>
+            <a:spcBef>
+              <a:spcPct val="0"/>
+            </a:spcBef>
+            <a:spcAft>
+              <a:spcPct val="20000"/>
+            </a:spcAft>
+            <a:buChar char="•"/>
+          </a:pPr>
+          <a:endParaRPr lang="en-US" sz="2500" kern="1200" dirty="0"/>
+        </a:p>
+      </dsp:txBody>
+      <dsp:txXfrm>
+        <a:off x="0" y="3360730"/>
+        <a:ext cx="9548780" cy="1556640"/>
+      </dsp:txXfrm>
+    </dsp:sp>
+  </dsp:spTree>
+</dsp:drawing>
+</file>
+
 <file path=ppt/diagrams/layout1.xml><?xml version="1.0" encoding="utf-8"?>
 <dgm:layoutDef xmlns:dgm="http://schemas.openxmlformats.org/drawingml/2006/diagram" xmlns:a="http://schemas.openxmlformats.org/drawingml/2006/main" uniqueId="urn:microsoft.com/office/officeart/2009/3/layout/StepUpProcess">
   <dgm:title val=""/>
@@ -3454,6 +6423,340 @@
 </dgm:layoutDef>
 </file>
 
+<file path=ppt/diagrams/layout2.xml><?xml version="1.0" encoding="utf-8"?>
+<dgm:layoutDef xmlns:dgm="http://schemas.openxmlformats.org/drawingml/2006/diagram" xmlns:a="http://schemas.openxmlformats.org/drawingml/2006/main" uniqueId="urn:microsoft.com/office/officeart/2005/8/layout/vList2">
+  <dgm:title val=""/>
+  <dgm:desc val=""/>
+  <dgm:catLst>
+    <dgm:cat type="list" pri="3000"/>
+    <dgm:cat type="convert" pri="1000"/>
+  </dgm:catLst>
+  <dgm:sampData>
+    <dgm:dataModel>
+      <dgm:ptLst>
+        <dgm:pt modelId="0" type="doc"/>
+        <dgm:pt modelId="1">
+          <dgm:prSet phldr="1"/>
+        </dgm:pt>
+        <dgm:pt modelId="11">
+          <dgm:prSet phldr="1"/>
+        </dgm:pt>
+        <dgm:pt modelId="2">
+          <dgm:prSet phldr="1"/>
+        </dgm:pt>
+        <dgm:pt modelId="21">
+          <dgm:prSet phldr="1"/>
+        </dgm:pt>
+      </dgm:ptLst>
+      <dgm:cxnLst>
+        <dgm:cxn modelId="4" srcId="0" destId="1" srcOrd="0" destOrd="0"/>
+        <dgm:cxn modelId="5" srcId="0" destId="2" srcOrd="1" destOrd="0"/>
+        <dgm:cxn modelId="12" srcId="1" destId="11" srcOrd="0" destOrd="0"/>
+        <dgm:cxn modelId="23" srcId="2" destId="21" srcOrd="0" destOrd="0"/>
+      </dgm:cxnLst>
+      <dgm:bg/>
+      <dgm:whole/>
+    </dgm:dataModel>
+  </dgm:sampData>
+  <dgm:styleData>
+    <dgm:dataModel>
+      <dgm:ptLst>
+        <dgm:pt modelId="0" type="doc"/>
+        <dgm:pt modelId="1"/>
+        <dgm:pt modelId="2"/>
+      </dgm:ptLst>
+      <dgm:cxnLst>
+        <dgm:cxn modelId="3" srcId="0" destId="1" srcOrd="0" destOrd="0"/>
+        <dgm:cxn modelId="4" srcId="0" destId="2" srcOrd="1" destOrd="0"/>
+      </dgm:cxnLst>
+      <dgm:bg/>
+      <dgm:whole/>
+    </dgm:dataModel>
+  </dgm:styleData>
+  <dgm:clrData>
+    <dgm:dataModel>
+      <dgm:ptLst>
+        <dgm:pt modelId="0" type="doc"/>
+        <dgm:pt modelId="1"/>
+        <dgm:pt modelId="2"/>
+        <dgm:pt modelId="3"/>
+        <dgm:pt modelId="4"/>
+      </dgm:ptLst>
+      <dgm:cxnLst>
+        <dgm:cxn modelId="5" srcId="0" destId="1" srcOrd="0" destOrd="0"/>
+        <dgm:cxn modelId="6" srcId="0" destId="2" srcOrd="1" destOrd="0"/>
+        <dgm:cxn modelId="7" srcId="0" destId="3" srcOrd="2" destOrd="0"/>
+        <dgm:cxn modelId="8" srcId="0" destId="4" srcOrd="3" destOrd="0"/>
+      </dgm:cxnLst>
+      <dgm:bg/>
+      <dgm:whole/>
+    </dgm:dataModel>
+  </dgm:clrData>
+  <dgm:layoutNode name="linear">
+    <dgm:varLst>
+      <dgm:animLvl val="lvl"/>
+      <dgm:resizeHandles val="exact"/>
+    </dgm:varLst>
+    <dgm:alg type="lin">
+      <dgm:param type="linDir" val="fromT"/>
+      <dgm:param type="vertAlign" val="mid"/>
+    </dgm:alg>
+    <dgm:shape xmlns:r="http://schemas.openxmlformats.org/officeDocument/2006/relationships" r:blip="">
+      <dgm:adjLst/>
+    </dgm:shape>
+    <dgm:presOf/>
+    <dgm:constrLst>
+      <dgm:constr type="w" for="ch" forName="parentText" refType="w"/>
+      <dgm:constr type="h" for="ch" forName="parentText" refType="primFontSz" refFor="ch" refForName="parentText" fact="0.52"/>
+      <dgm:constr type="w" for="ch" forName="childText" refType="w"/>
+      <dgm:constr type="h" for="ch" forName="childText" refType="primFontSz" refFor="ch" refForName="parentText" fact="0.46"/>
+      <dgm:constr type="h" for="ch" forName="parentText" op="equ"/>
+      <dgm:constr type="primFontSz" for="ch" forName="parentText" op="equ" val="65"/>
+      <dgm:constr type="primFontSz" for="ch" forName="childText" refType="primFontSz" refFor="ch" refForName="parentText" op="equ"/>
+      <dgm:constr type="h" for="ch" forName="spacer" refType="primFontSz" refFor="ch" refForName="parentText" fact="0.08"/>
+    </dgm:constrLst>
+    <dgm:ruleLst>
+      <dgm:rule type="primFontSz" for="ch" forName="parentText" val="5" fact="NaN" max="NaN"/>
+    </dgm:ruleLst>
+    <dgm:forEach name="Name0" axis="ch" ptType="node">
+      <dgm:layoutNode name="parentText" styleLbl="node1">
+        <dgm:varLst>
+          <dgm:chMax val="0"/>
+          <dgm:bulletEnabled val="1"/>
+        </dgm:varLst>
+        <dgm:alg type="tx">
+          <dgm:param type="parTxLTRAlign" val="l"/>
+          <dgm:param type="parTxRTLAlign" val="r"/>
+        </dgm:alg>
+        <dgm:shape xmlns:r="http://schemas.openxmlformats.org/officeDocument/2006/relationships" type="roundRect" r:blip="">
+          <dgm:adjLst/>
+        </dgm:shape>
+        <dgm:presOf axis="self"/>
+        <dgm:constrLst>
+          <dgm:constr type="tMarg" refType="primFontSz" fact="0.3"/>
+          <dgm:constr type="bMarg" refType="primFontSz" fact="0.3"/>
+          <dgm:constr type="lMarg" refType="primFontSz" fact="0.3"/>
+          <dgm:constr type="rMarg" refType="primFontSz" fact="0.3"/>
+        </dgm:constrLst>
+        <dgm:ruleLst>
+          <dgm:rule type="h" val="INF" fact="NaN" max="NaN"/>
+        </dgm:ruleLst>
+      </dgm:layoutNode>
+      <dgm:choose name="Name1">
+        <dgm:if name="Name2" axis="ch" ptType="node" func="cnt" op="gte" val="1">
+          <dgm:layoutNode name="childText" styleLbl="revTx">
+            <dgm:varLst>
+              <dgm:bulletEnabled val="1"/>
+            </dgm:varLst>
+            <dgm:alg type="tx">
+              <dgm:param type="stBulletLvl" val="1"/>
+              <dgm:param type="lnSpAfChP" val="20"/>
+            </dgm:alg>
+            <dgm:shape xmlns:r="http://schemas.openxmlformats.org/officeDocument/2006/relationships" type="rect" r:blip="">
+              <dgm:adjLst/>
+            </dgm:shape>
+            <dgm:presOf axis="des" ptType="node"/>
+            <dgm:constrLst>
+              <dgm:constr type="tMarg" refType="primFontSz" fact="0.1"/>
+              <dgm:constr type="bMarg" refType="primFontSz" fact="0.1"/>
+              <dgm:constr type="lMarg" refType="w" fact="0.09"/>
+            </dgm:constrLst>
+            <dgm:ruleLst>
+              <dgm:rule type="h" val="INF" fact="NaN" max="NaN"/>
+            </dgm:ruleLst>
+          </dgm:layoutNode>
+        </dgm:if>
+        <dgm:else name="Name3">
+          <dgm:choose name="Name4">
+            <dgm:if name="Name5" axis="par ch" ptType="doc node" func="cnt" op="gte" val="2">
+              <dgm:forEach name="Name6" axis="followSib" ptType="sibTrans" cnt="1">
+                <dgm:layoutNode name="spacer">
+                  <dgm:alg type="sp"/>
+                  <dgm:shape xmlns:r="http://schemas.openxmlformats.org/officeDocument/2006/relationships" r:blip="">
+                    <dgm:adjLst/>
+                  </dgm:shape>
+                  <dgm:presOf/>
+                  <dgm:constrLst/>
+                  <dgm:ruleLst/>
+                </dgm:layoutNode>
+              </dgm:forEach>
+            </dgm:if>
+            <dgm:else name="Name7"/>
+          </dgm:choose>
+        </dgm:else>
+      </dgm:choose>
+    </dgm:forEach>
+  </dgm:layoutNode>
+</dgm:layoutDef>
+</file>
+
+<file path=ppt/diagrams/layout3.xml><?xml version="1.0" encoding="utf-8"?>
+<dgm:layoutDef xmlns:dgm="http://schemas.openxmlformats.org/drawingml/2006/diagram" xmlns:a="http://schemas.openxmlformats.org/drawingml/2006/main" uniqueId="urn:microsoft.com/office/officeart/2005/8/layout/vList2">
+  <dgm:title val=""/>
+  <dgm:desc val=""/>
+  <dgm:catLst>
+    <dgm:cat type="list" pri="3000"/>
+    <dgm:cat type="convert" pri="1000"/>
+  </dgm:catLst>
+  <dgm:sampData>
+    <dgm:dataModel>
+      <dgm:ptLst>
+        <dgm:pt modelId="0" type="doc"/>
+        <dgm:pt modelId="1">
+          <dgm:prSet phldr="1"/>
+        </dgm:pt>
+        <dgm:pt modelId="11">
+          <dgm:prSet phldr="1"/>
+        </dgm:pt>
+        <dgm:pt modelId="2">
+          <dgm:prSet phldr="1"/>
+        </dgm:pt>
+        <dgm:pt modelId="21">
+          <dgm:prSet phldr="1"/>
+        </dgm:pt>
+      </dgm:ptLst>
+      <dgm:cxnLst>
+        <dgm:cxn modelId="4" srcId="0" destId="1" srcOrd="0" destOrd="0"/>
+        <dgm:cxn modelId="5" srcId="0" destId="2" srcOrd="1" destOrd="0"/>
+        <dgm:cxn modelId="12" srcId="1" destId="11" srcOrd="0" destOrd="0"/>
+        <dgm:cxn modelId="23" srcId="2" destId="21" srcOrd="0" destOrd="0"/>
+      </dgm:cxnLst>
+      <dgm:bg/>
+      <dgm:whole/>
+    </dgm:dataModel>
+  </dgm:sampData>
+  <dgm:styleData>
+    <dgm:dataModel>
+      <dgm:ptLst>
+        <dgm:pt modelId="0" type="doc"/>
+        <dgm:pt modelId="1"/>
+        <dgm:pt modelId="2"/>
+      </dgm:ptLst>
+      <dgm:cxnLst>
+        <dgm:cxn modelId="3" srcId="0" destId="1" srcOrd="0" destOrd="0"/>
+        <dgm:cxn modelId="4" srcId="0" destId="2" srcOrd="1" destOrd="0"/>
+      </dgm:cxnLst>
+      <dgm:bg/>
+      <dgm:whole/>
+    </dgm:dataModel>
+  </dgm:styleData>
+  <dgm:clrData>
+    <dgm:dataModel>
+      <dgm:ptLst>
+        <dgm:pt modelId="0" type="doc"/>
+        <dgm:pt modelId="1"/>
+        <dgm:pt modelId="2"/>
+        <dgm:pt modelId="3"/>
+        <dgm:pt modelId="4"/>
+      </dgm:ptLst>
+      <dgm:cxnLst>
+        <dgm:cxn modelId="5" srcId="0" destId="1" srcOrd="0" destOrd="0"/>
+        <dgm:cxn modelId="6" srcId="0" destId="2" srcOrd="1" destOrd="0"/>
+        <dgm:cxn modelId="7" srcId="0" destId="3" srcOrd="2" destOrd="0"/>
+        <dgm:cxn modelId="8" srcId="0" destId="4" srcOrd="3" destOrd="0"/>
+      </dgm:cxnLst>
+      <dgm:bg/>
+      <dgm:whole/>
+    </dgm:dataModel>
+  </dgm:clrData>
+  <dgm:layoutNode name="linear">
+    <dgm:varLst>
+      <dgm:animLvl val="lvl"/>
+      <dgm:resizeHandles val="exact"/>
+    </dgm:varLst>
+    <dgm:alg type="lin">
+      <dgm:param type="linDir" val="fromT"/>
+      <dgm:param type="vertAlign" val="mid"/>
+    </dgm:alg>
+    <dgm:shape xmlns:r="http://schemas.openxmlformats.org/officeDocument/2006/relationships" r:blip="">
+      <dgm:adjLst/>
+    </dgm:shape>
+    <dgm:presOf/>
+    <dgm:constrLst>
+      <dgm:constr type="w" for="ch" forName="parentText" refType="w"/>
+      <dgm:constr type="h" for="ch" forName="parentText" refType="primFontSz" refFor="ch" refForName="parentText" fact="0.52"/>
+      <dgm:constr type="w" for="ch" forName="childText" refType="w"/>
+      <dgm:constr type="h" for="ch" forName="childText" refType="primFontSz" refFor="ch" refForName="parentText" fact="0.46"/>
+      <dgm:constr type="h" for="ch" forName="parentText" op="equ"/>
+      <dgm:constr type="primFontSz" for="ch" forName="parentText" op="equ" val="65"/>
+      <dgm:constr type="primFontSz" for="ch" forName="childText" refType="primFontSz" refFor="ch" refForName="parentText" op="equ"/>
+      <dgm:constr type="h" for="ch" forName="spacer" refType="primFontSz" refFor="ch" refForName="parentText" fact="0.08"/>
+    </dgm:constrLst>
+    <dgm:ruleLst>
+      <dgm:rule type="primFontSz" for="ch" forName="parentText" val="5" fact="NaN" max="NaN"/>
+    </dgm:ruleLst>
+    <dgm:forEach name="Name0" axis="ch" ptType="node">
+      <dgm:layoutNode name="parentText" styleLbl="node1">
+        <dgm:varLst>
+          <dgm:chMax val="0"/>
+          <dgm:bulletEnabled val="1"/>
+        </dgm:varLst>
+        <dgm:alg type="tx">
+          <dgm:param type="parTxLTRAlign" val="l"/>
+          <dgm:param type="parTxRTLAlign" val="r"/>
+        </dgm:alg>
+        <dgm:shape xmlns:r="http://schemas.openxmlformats.org/officeDocument/2006/relationships" type="roundRect" r:blip="">
+          <dgm:adjLst/>
+        </dgm:shape>
+        <dgm:presOf axis="self"/>
+        <dgm:constrLst>
+          <dgm:constr type="tMarg" refType="primFontSz" fact="0.3"/>
+          <dgm:constr type="bMarg" refType="primFontSz" fact="0.3"/>
+          <dgm:constr type="lMarg" refType="primFontSz" fact="0.3"/>
+          <dgm:constr type="rMarg" refType="primFontSz" fact="0.3"/>
+        </dgm:constrLst>
+        <dgm:ruleLst>
+          <dgm:rule type="h" val="INF" fact="NaN" max="NaN"/>
+        </dgm:ruleLst>
+      </dgm:layoutNode>
+      <dgm:choose name="Name1">
+        <dgm:if name="Name2" axis="ch" ptType="node" func="cnt" op="gte" val="1">
+          <dgm:layoutNode name="childText" styleLbl="revTx">
+            <dgm:varLst>
+              <dgm:bulletEnabled val="1"/>
+            </dgm:varLst>
+            <dgm:alg type="tx">
+              <dgm:param type="stBulletLvl" val="1"/>
+              <dgm:param type="lnSpAfChP" val="20"/>
+            </dgm:alg>
+            <dgm:shape xmlns:r="http://schemas.openxmlformats.org/officeDocument/2006/relationships" type="rect" r:blip="">
+              <dgm:adjLst/>
+            </dgm:shape>
+            <dgm:presOf axis="des" ptType="node"/>
+            <dgm:constrLst>
+              <dgm:constr type="tMarg" refType="primFontSz" fact="0.1"/>
+              <dgm:constr type="bMarg" refType="primFontSz" fact="0.1"/>
+              <dgm:constr type="lMarg" refType="w" fact="0.09"/>
+            </dgm:constrLst>
+            <dgm:ruleLst>
+              <dgm:rule type="h" val="INF" fact="NaN" max="NaN"/>
+            </dgm:ruleLst>
+          </dgm:layoutNode>
+        </dgm:if>
+        <dgm:else name="Name3">
+          <dgm:choose name="Name4">
+            <dgm:if name="Name5" axis="par ch" ptType="doc node" func="cnt" op="gte" val="2">
+              <dgm:forEach name="Name6" axis="followSib" ptType="sibTrans" cnt="1">
+                <dgm:layoutNode name="spacer">
+                  <dgm:alg type="sp"/>
+                  <dgm:shape xmlns:r="http://schemas.openxmlformats.org/officeDocument/2006/relationships" r:blip="">
+                    <dgm:adjLst/>
+                  </dgm:shape>
+                  <dgm:presOf/>
+                  <dgm:constrLst/>
+                  <dgm:ruleLst/>
+                </dgm:layoutNode>
+              </dgm:forEach>
+            </dgm:if>
+            <dgm:else name="Name7"/>
+          </dgm:choose>
+        </dgm:else>
+      </dgm:choose>
+    </dgm:forEach>
+  </dgm:layoutNode>
+</dgm:layoutDef>
+</file>
+
 <file path=ppt/diagrams/quickStyle1.xml><?xml version="1.0" encoding="utf-8"?>
 <dgm:styleDef xmlns:dgm="http://schemas.openxmlformats.org/drawingml/2006/diagram" xmlns:a="http://schemas.openxmlformats.org/drawingml/2006/main" uniqueId="urn:microsoft.com/office/officeart/2005/8/quickstyle/simple1">
   <dgm:title val=""/>
@@ -4460,6 +7763,2074 @@
         <a:scrgbClr r="0" g="0" b="0"/>
       </a:fillRef>
       <a:effectRef idx="0">
+        <a:scrgbClr r="0" g="0" b="0"/>
+      </a:effectRef>
+      <a:fontRef idx="minor"/>
+    </dgm:style>
+  </dgm:styleLbl>
+  <dgm:styleLbl name="revTx">
+    <dgm:scene3d>
+      <a:camera prst="orthographicFront"/>
+      <a:lightRig rig="threePt" dir="t"/>
+    </dgm:scene3d>
+    <dgm:sp3d/>
+    <dgm:txPr/>
+    <dgm:style>
+      <a:lnRef idx="0">
+        <a:scrgbClr r="0" g="0" b="0"/>
+      </a:lnRef>
+      <a:fillRef idx="0">
+        <a:scrgbClr r="0" g="0" b="0"/>
+      </a:fillRef>
+      <a:effectRef idx="0">
+        <a:scrgbClr r="0" g="0" b="0"/>
+      </a:effectRef>
+      <a:fontRef idx="minor"/>
+    </dgm:style>
+  </dgm:styleLbl>
+</dgm:styleDef>
+</file>
+
+<file path=ppt/diagrams/quickStyle2.xml><?xml version="1.0" encoding="utf-8"?>
+<dgm:styleDef xmlns:dgm="http://schemas.openxmlformats.org/drawingml/2006/diagram" xmlns:a="http://schemas.openxmlformats.org/drawingml/2006/main" uniqueId="urn:microsoft.com/office/officeart/2005/8/quickstyle/simple2">
+  <dgm:title val=""/>
+  <dgm:desc val=""/>
+  <dgm:catLst>
+    <dgm:cat type="simple" pri="10200"/>
+  </dgm:catLst>
+  <dgm:scene3d>
+    <a:camera prst="orthographicFront"/>
+    <a:lightRig rig="threePt" dir="t"/>
+  </dgm:scene3d>
+  <dgm:styleLbl name="node0">
+    <dgm:scene3d>
+      <a:camera prst="orthographicFront"/>
+      <a:lightRig rig="threePt" dir="t"/>
+    </dgm:scene3d>
+    <dgm:sp3d/>
+    <dgm:txPr/>
+    <dgm:style>
+      <a:lnRef idx="3">
+        <a:scrgbClr r="0" g="0" b="0"/>
+      </a:lnRef>
+      <a:fillRef idx="1">
+        <a:scrgbClr r="0" g="0" b="0"/>
+      </a:fillRef>
+      <a:effectRef idx="1">
+        <a:scrgbClr r="0" g="0" b="0"/>
+      </a:effectRef>
+      <a:fontRef idx="minor">
+        <a:schemeClr val="lt1"/>
+      </a:fontRef>
+    </dgm:style>
+  </dgm:styleLbl>
+  <dgm:styleLbl name="lnNode1">
+    <dgm:scene3d>
+      <a:camera prst="orthographicFront"/>
+      <a:lightRig rig="threePt" dir="t"/>
+    </dgm:scene3d>
+    <dgm:sp3d/>
+    <dgm:txPr/>
+    <dgm:style>
+      <a:lnRef idx="3">
+        <a:scrgbClr r="0" g="0" b="0"/>
+      </a:lnRef>
+      <a:fillRef idx="1">
+        <a:scrgbClr r="0" g="0" b="0"/>
+      </a:fillRef>
+      <a:effectRef idx="1">
+        <a:scrgbClr r="0" g="0" b="0"/>
+      </a:effectRef>
+      <a:fontRef idx="minor">
+        <a:schemeClr val="lt1"/>
+      </a:fontRef>
+    </dgm:style>
+  </dgm:styleLbl>
+  <dgm:styleLbl name="vennNode1">
+    <dgm:scene3d>
+      <a:camera prst="orthographicFront"/>
+      <a:lightRig rig="threePt" dir="t"/>
+    </dgm:scene3d>
+    <dgm:sp3d/>
+    <dgm:txPr/>
+    <dgm:style>
+      <a:lnRef idx="3">
+        <a:scrgbClr r="0" g="0" b="0"/>
+      </a:lnRef>
+      <a:fillRef idx="1">
+        <a:scrgbClr r="0" g="0" b="0"/>
+      </a:fillRef>
+      <a:effectRef idx="0">
+        <a:scrgbClr r="0" g="0" b="0"/>
+      </a:effectRef>
+      <a:fontRef idx="minor">
+        <a:schemeClr val="tx1"/>
+      </a:fontRef>
+    </dgm:style>
+  </dgm:styleLbl>
+  <dgm:styleLbl name="alignNode1">
+    <dgm:scene3d>
+      <a:camera prst="orthographicFront"/>
+      <a:lightRig rig="threePt" dir="t"/>
+    </dgm:scene3d>
+    <dgm:sp3d/>
+    <dgm:txPr/>
+    <dgm:style>
+      <a:lnRef idx="2">
+        <a:scrgbClr r="0" g="0" b="0"/>
+      </a:lnRef>
+      <a:fillRef idx="1">
+        <a:scrgbClr r="0" g="0" b="0"/>
+      </a:fillRef>
+      <a:effectRef idx="1">
+        <a:scrgbClr r="0" g="0" b="0"/>
+      </a:effectRef>
+      <a:fontRef idx="minor">
+        <a:schemeClr val="lt1"/>
+      </a:fontRef>
+    </dgm:style>
+  </dgm:styleLbl>
+  <dgm:styleLbl name="node1">
+    <dgm:scene3d>
+      <a:camera prst="orthographicFront"/>
+      <a:lightRig rig="threePt" dir="t"/>
+    </dgm:scene3d>
+    <dgm:sp3d/>
+    <dgm:txPr/>
+    <dgm:style>
+      <a:lnRef idx="3">
+        <a:scrgbClr r="0" g="0" b="0"/>
+      </a:lnRef>
+      <a:fillRef idx="1">
+        <a:scrgbClr r="0" g="0" b="0"/>
+      </a:fillRef>
+      <a:effectRef idx="1">
+        <a:scrgbClr r="0" g="0" b="0"/>
+      </a:effectRef>
+      <a:fontRef idx="minor">
+        <a:schemeClr val="lt1"/>
+      </a:fontRef>
+    </dgm:style>
+  </dgm:styleLbl>
+  <dgm:styleLbl name="node2">
+    <dgm:scene3d>
+      <a:camera prst="orthographicFront"/>
+      <a:lightRig rig="threePt" dir="t"/>
+    </dgm:scene3d>
+    <dgm:sp3d/>
+    <dgm:txPr/>
+    <dgm:style>
+      <a:lnRef idx="3">
+        <a:scrgbClr r="0" g="0" b="0"/>
+      </a:lnRef>
+      <a:fillRef idx="1">
+        <a:scrgbClr r="0" g="0" b="0"/>
+      </a:fillRef>
+      <a:effectRef idx="1">
+        <a:scrgbClr r="0" g="0" b="0"/>
+      </a:effectRef>
+      <a:fontRef idx="minor">
+        <a:schemeClr val="lt1"/>
+      </a:fontRef>
+    </dgm:style>
+  </dgm:styleLbl>
+  <dgm:styleLbl name="node3">
+    <dgm:scene3d>
+      <a:camera prst="orthographicFront"/>
+      <a:lightRig rig="threePt" dir="t"/>
+    </dgm:scene3d>
+    <dgm:sp3d/>
+    <dgm:txPr/>
+    <dgm:style>
+      <a:lnRef idx="3">
+        <a:scrgbClr r="0" g="0" b="0"/>
+      </a:lnRef>
+      <a:fillRef idx="1">
+        <a:scrgbClr r="0" g="0" b="0"/>
+      </a:fillRef>
+      <a:effectRef idx="1">
+        <a:scrgbClr r="0" g="0" b="0"/>
+      </a:effectRef>
+      <a:fontRef idx="minor">
+        <a:schemeClr val="lt1"/>
+      </a:fontRef>
+    </dgm:style>
+  </dgm:styleLbl>
+  <dgm:styleLbl name="node4">
+    <dgm:scene3d>
+      <a:camera prst="orthographicFront"/>
+      <a:lightRig rig="threePt" dir="t"/>
+    </dgm:scene3d>
+    <dgm:sp3d/>
+    <dgm:txPr/>
+    <dgm:style>
+      <a:lnRef idx="3">
+        <a:scrgbClr r="0" g="0" b="0"/>
+      </a:lnRef>
+      <a:fillRef idx="1">
+        <a:scrgbClr r="0" g="0" b="0"/>
+      </a:fillRef>
+      <a:effectRef idx="1">
+        <a:scrgbClr r="0" g="0" b="0"/>
+      </a:effectRef>
+      <a:fontRef idx="minor">
+        <a:schemeClr val="lt1"/>
+      </a:fontRef>
+    </dgm:style>
+  </dgm:styleLbl>
+  <dgm:styleLbl name="fgImgPlace1">
+    <dgm:scene3d>
+      <a:camera prst="orthographicFront"/>
+      <a:lightRig rig="threePt" dir="t"/>
+    </dgm:scene3d>
+    <dgm:sp3d/>
+    <dgm:txPr/>
+    <dgm:style>
+      <a:lnRef idx="3">
+        <a:scrgbClr r="0" g="0" b="0"/>
+      </a:lnRef>
+      <a:fillRef idx="1">
+        <a:scrgbClr r="0" g="0" b="0"/>
+      </a:fillRef>
+      <a:effectRef idx="1">
+        <a:scrgbClr r="0" g="0" b="0"/>
+      </a:effectRef>
+      <a:fontRef idx="minor"/>
+    </dgm:style>
+  </dgm:styleLbl>
+  <dgm:styleLbl name="alignImgPlace1">
+    <dgm:scene3d>
+      <a:camera prst="orthographicFront"/>
+      <a:lightRig rig="threePt" dir="t"/>
+    </dgm:scene3d>
+    <dgm:sp3d/>
+    <dgm:txPr/>
+    <dgm:style>
+      <a:lnRef idx="3">
+        <a:scrgbClr r="0" g="0" b="0"/>
+      </a:lnRef>
+      <a:fillRef idx="1">
+        <a:scrgbClr r="0" g="0" b="0"/>
+      </a:fillRef>
+      <a:effectRef idx="1">
+        <a:scrgbClr r="0" g="0" b="0"/>
+      </a:effectRef>
+      <a:fontRef idx="minor"/>
+    </dgm:style>
+  </dgm:styleLbl>
+  <dgm:styleLbl name="bgImgPlace1">
+    <dgm:scene3d>
+      <a:camera prst="orthographicFront"/>
+      <a:lightRig rig="threePt" dir="t"/>
+    </dgm:scene3d>
+    <dgm:sp3d/>
+    <dgm:txPr/>
+    <dgm:style>
+      <a:lnRef idx="3">
+        <a:scrgbClr r="0" g="0" b="0"/>
+      </a:lnRef>
+      <a:fillRef idx="1">
+        <a:scrgbClr r="0" g="0" b="0"/>
+      </a:fillRef>
+      <a:effectRef idx="1">
+        <a:scrgbClr r="0" g="0" b="0"/>
+      </a:effectRef>
+      <a:fontRef idx="minor"/>
+    </dgm:style>
+  </dgm:styleLbl>
+  <dgm:styleLbl name="sibTrans2D1">
+    <dgm:scene3d>
+      <a:camera prst="orthographicFront"/>
+      <a:lightRig rig="threePt" dir="t"/>
+    </dgm:scene3d>
+    <dgm:sp3d/>
+    <dgm:txPr/>
+    <dgm:style>
+      <a:lnRef idx="0">
+        <a:scrgbClr r="0" g="0" b="0"/>
+      </a:lnRef>
+      <a:fillRef idx="1">
+        <a:scrgbClr r="0" g="0" b="0"/>
+      </a:fillRef>
+      <a:effectRef idx="1">
+        <a:scrgbClr r="0" g="0" b="0"/>
+      </a:effectRef>
+      <a:fontRef idx="minor">
+        <a:schemeClr val="lt1"/>
+      </a:fontRef>
+    </dgm:style>
+  </dgm:styleLbl>
+  <dgm:styleLbl name="fgSibTrans2D1">
+    <dgm:scene3d>
+      <a:camera prst="orthographicFront"/>
+      <a:lightRig rig="threePt" dir="t"/>
+    </dgm:scene3d>
+    <dgm:sp3d/>
+    <dgm:txPr/>
+    <dgm:style>
+      <a:lnRef idx="0">
+        <a:scrgbClr r="0" g="0" b="0"/>
+      </a:lnRef>
+      <a:fillRef idx="1">
+        <a:scrgbClr r="0" g="0" b="0"/>
+      </a:fillRef>
+      <a:effectRef idx="1">
+        <a:scrgbClr r="0" g="0" b="0"/>
+      </a:effectRef>
+      <a:fontRef idx="minor">
+        <a:schemeClr val="lt1"/>
+      </a:fontRef>
+    </dgm:style>
+  </dgm:styleLbl>
+  <dgm:styleLbl name="bgSibTrans2D1">
+    <dgm:scene3d>
+      <a:camera prst="orthographicFront"/>
+      <a:lightRig rig="threePt" dir="t"/>
+    </dgm:scene3d>
+    <dgm:sp3d/>
+    <dgm:txPr/>
+    <dgm:style>
+      <a:lnRef idx="0">
+        <a:scrgbClr r="0" g="0" b="0"/>
+      </a:lnRef>
+      <a:fillRef idx="1">
+        <a:scrgbClr r="0" g="0" b="0"/>
+      </a:fillRef>
+      <a:effectRef idx="1">
+        <a:scrgbClr r="0" g="0" b="0"/>
+      </a:effectRef>
+      <a:fontRef idx="minor">
+        <a:schemeClr val="lt1"/>
+      </a:fontRef>
+    </dgm:style>
+  </dgm:styleLbl>
+  <dgm:styleLbl name="sibTrans1D1">
+    <dgm:scene3d>
+      <a:camera prst="orthographicFront"/>
+      <a:lightRig rig="threePt" dir="t"/>
+    </dgm:scene3d>
+    <dgm:sp3d/>
+    <dgm:txPr/>
+    <dgm:style>
+      <a:lnRef idx="1">
+        <a:scrgbClr r="0" g="0" b="0"/>
+      </a:lnRef>
+      <a:fillRef idx="0">
+        <a:scrgbClr r="0" g="0" b="0"/>
+      </a:fillRef>
+      <a:effectRef idx="0">
+        <a:scrgbClr r="0" g="0" b="0"/>
+      </a:effectRef>
+      <a:fontRef idx="minor"/>
+    </dgm:style>
+  </dgm:styleLbl>
+  <dgm:styleLbl name="callout">
+    <dgm:scene3d>
+      <a:camera prst="orthographicFront"/>
+      <a:lightRig rig="threePt" dir="t"/>
+    </dgm:scene3d>
+    <dgm:sp3d/>
+    <dgm:txPr/>
+    <dgm:style>
+      <a:lnRef idx="2">
+        <a:scrgbClr r="0" g="0" b="0"/>
+      </a:lnRef>
+      <a:fillRef idx="1">
+        <a:scrgbClr r="0" g="0" b="0"/>
+      </a:fillRef>
+      <a:effectRef idx="1">
+        <a:scrgbClr r="0" g="0" b="0"/>
+      </a:effectRef>
+      <a:fontRef idx="minor"/>
+    </dgm:style>
+  </dgm:styleLbl>
+  <dgm:styleLbl name="asst0">
+    <dgm:scene3d>
+      <a:camera prst="orthographicFront"/>
+      <a:lightRig rig="threePt" dir="t"/>
+    </dgm:scene3d>
+    <dgm:sp3d/>
+    <dgm:txPr/>
+    <dgm:style>
+      <a:lnRef idx="3">
+        <a:scrgbClr r="0" g="0" b="0"/>
+      </a:lnRef>
+      <a:fillRef idx="1">
+        <a:scrgbClr r="0" g="0" b="0"/>
+      </a:fillRef>
+      <a:effectRef idx="1">
+        <a:scrgbClr r="0" g="0" b="0"/>
+      </a:effectRef>
+      <a:fontRef idx="minor">
+        <a:schemeClr val="lt1"/>
+      </a:fontRef>
+    </dgm:style>
+  </dgm:styleLbl>
+  <dgm:styleLbl name="asst1">
+    <dgm:scene3d>
+      <a:camera prst="orthographicFront"/>
+      <a:lightRig rig="threePt" dir="t"/>
+    </dgm:scene3d>
+    <dgm:sp3d/>
+    <dgm:txPr/>
+    <dgm:style>
+      <a:lnRef idx="3">
+        <a:scrgbClr r="0" g="0" b="0"/>
+      </a:lnRef>
+      <a:fillRef idx="1">
+        <a:scrgbClr r="0" g="0" b="0"/>
+      </a:fillRef>
+      <a:effectRef idx="1">
+        <a:scrgbClr r="0" g="0" b="0"/>
+      </a:effectRef>
+      <a:fontRef idx="minor">
+        <a:schemeClr val="lt1"/>
+      </a:fontRef>
+    </dgm:style>
+  </dgm:styleLbl>
+  <dgm:styleLbl name="asst2">
+    <dgm:scene3d>
+      <a:camera prst="orthographicFront"/>
+      <a:lightRig rig="threePt" dir="t"/>
+    </dgm:scene3d>
+    <dgm:sp3d/>
+    <dgm:txPr/>
+    <dgm:style>
+      <a:lnRef idx="3">
+        <a:scrgbClr r="0" g="0" b="0"/>
+      </a:lnRef>
+      <a:fillRef idx="1">
+        <a:scrgbClr r="0" g="0" b="0"/>
+      </a:fillRef>
+      <a:effectRef idx="1">
+        <a:scrgbClr r="0" g="0" b="0"/>
+      </a:effectRef>
+      <a:fontRef idx="minor">
+        <a:schemeClr val="lt1"/>
+      </a:fontRef>
+    </dgm:style>
+  </dgm:styleLbl>
+  <dgm:styleLbl name="asst3">
+    <dgm:scene3d>
+      <a:camera prst="orthographicFront"/>
+      <a:lightRig rig="threePt" dir="t"/>
+    </dgm:scene3d>
+    <dgm:sp3d/>
+    <dgm:txPr/>
+    <dgm:style>
+      <a:lnRef idx="3">
+        <a:scrgbClr r="0" g="0" b="0"/>
+      </a:lnRef>
+      <a:fillRef idx="1">
+        <a:scrgbClr r="0" g="0" b="0"/>
+      </a:fillRef>
+      <a:effectRef idx="1">
+        <a:scrgbClr r="0" g="0" b="0"/>
+      </a:effectRef>
+      <a:fontRef idx="minor">
+        <a:schemeClr val="lt1"/>
+      </a:fontRef>
+    </dgm:style>
+  </dgm:styleLbl>
+  <dgm:styleLbl name="asst4">
+    <dgm:scene3d>
+      <a:camera prst="orthographicFront"/>
+      <a:lightRig rig="threePt" dir="t"/>
+    </dgm:scene3d>
+    <dgm:sp3d/>
+    <dgm:txPr/>
+    <dgm:style>
+      <a:lnRef idx="3">
+        <a:scrgbClr r="0" g="0" b="0"/>
+      </a:lnRef>
+      <a:fillRef idx="1">
+        <a:scrgbClr r="0" g="0" b="0"/>
+      </a:fillRef>
+      <a:effectRef idx="1">
+        <a:scrgbClr r="0" g="0" b="0"/>
+      </a:effectRef>
+      <a:fontRef idx="minor">
+        <a:schemeClr val="lt1"/>
+      </a:fontRef>
+    </dgm:style>
+  </dgm:styleLbl>
+  <dgm:styleLbl name="parChTrans2D1">
+    <dgm:scene3d>
+      <a:camera prst="orthographicFront"/>
+      <a:lightRig rig="threePt" dir="t"/>
+    </dgm:scene3d>
+    <dgm:sp3d/>
+    <dgm:txPr/>
+    <dgm:style>
+      <a:lnRef idx="3">
+        <a:scrgbClr r="0" g="0" b="0"/>
+      </a:lnRef>
+      <a:fillRef idx="1">
+        <a:scrgbClr r="0" g="0" b="0"/>
+      </a:fillRef>
+      <a:effectRef idx="1">
+        <a:scrgbClr r="0" g="0" b="0"/>
+      </a:effectRef>
+      <a:fontRef idx="minor">
+        <a:schemeClr val="lt1"/>
+      </a:fontRef>
+    </dgm:style>
+  </dgm:styleLbl>
+  <dgm:styleLbl name="parChTrans2D2">
+    <dgm:scene3d>
+      <a:camera prst="orthographicFront"/>
+      <a:lightRig rig="threePt" dir="t"/>
+    </dgm:scene3d>
+    <dgm:sp3d/>
+    <dgm:txPr/>
+    <dgm:style>
+      <a:lnRef idx="3">
+        <a:scrgbClr r="0" g="0" b="0"/>
+      </a:lnRef>
+      <a:fillRef idx="1">
+        <a:scrgbClr r="0" g="0" b="0"/>
+      </a:fillRef>
+      <a:effectRef idx="1">
+        <a:scrgbClr r="0" g="0" b="0"/>
+      </a:effectRef>
+      <a:fontRef idx="minor">
+        <a:schemeClr val="lt1"/>
+      </a:fontRef>
+    </dgm:style>
+  </dgm:styleLbl>
+  <dgm:styleLbl name="parChTrans2D3">
+    <dgm:scene3d>
+      <a:camera prst="orthographicFront"/>
+      <a:lightRig rig="threePt" dir="t"/>
+    </dgm:scene3d>
+    <dgm:sp3d/>
+    <dgm:txPr/>
+    <dgm:style>
+      <a:lnRef idx="3">
+        <a:scrgbClr r="0" g="0" b="0"/>
+      </a:lnRef>
+      <a:fillRef idx="1">
+        <a:scrgbClr r="0" g="0" b="0"/>
+      </a:fillRef>
+      <a:effectRef idx="1">
+        <a:scrgbClr r="0" g="0" b="0"/>
+      </a:effectRef>
+      <a:fontRef idx="minor">
+        <a:schemeClr val="lt1"/>
+      </a:fontRef>
+    </dgm:style>
+  </dgm:styleLbl>
+  <dgm:styleLbl name="parChTrans2D4">
+    <dgm:scene3d>
+      <a:camera prst="orthographicFront"/>
+      <a:lightRig rig="threePt" dir="t"/>
+    </dgm:scene3d>
+    <dgm:sp3d/>
+    <dgm:txPr/>
+    <dgm:style>
+      <a:lnRef idx="3">
+        <a:scrgbClr r="0" g="0" b="0"/>
+      </a:lnRef>
+      <a:fillRef idx="1">
+        <a:scrgbClr r="0" g="0" b="0"/>
+      </a:fillRef>
+      <a:effectRef idx="1">
+        <a:scrgbClr r="0" g="0" b="0"/>
+      </a:effectRef>
+      <a:fontRef idx="minor">
+        <a:schemeClr val="lt1"/>
+      </a:fontRef>
+    </dgm:style>
+  </dgm:styleLbl>
+  <dgm:styleLbl name="parChTrans1D1">
+    <dgm:scene3d>
+      <a:camera prst="orthographicFront"/>
+      <a:lightRig rig="threePt" dir="t"/>
+    </dgm:scene3d>
+    <dgm:sp3d/>
+    <dgm:txPr/>
+    <dgm:style>
+      <a:lnRef idx="2">
+        <a:scrgbClr r="0" g="0" b="0"/>
+      </a:lnRef>
+      <a:fillRef idx="0">
+        <a:scrgbClr r="0" g="0" b="0"/>
+      </a:fillRef>
+      <a:effectRef idx="0">
+        <a:scrgbClr r="0" g="0" b="0"/>
+      </a:effectRef>
+      <a:fontRef idx="minor"/>
+    </dgm:style>
+  </dgm:styleLbl>
+  <dgm:styleLbl name="parChTrans1D2">
+    <dgm:scene3d>
+      <a:camera prst="orthographicFront"/>
+      <a:lightRig rig="threePt" dir="t"/>
+    </dgm:scene3d>
+    <dgm:sp3d/>
+    <dgm:txPr/>
+    <dgm:style>
+      <a:lnRef idx="2">
+        <a:scrgbClr r="0" g="0" b="0"/>
+      </a:lnRef>
+      <a:fillRef idx="0">
+        <a:scrgbClr r="0" g="0" b="0"/>
+      </a:fillRef>
+      <a:effectRef idx="0">
+        <a:scrgbClr r="0" g="0" b="0"/>
+      </a:effectRef>
+      <a:fontRef idx="minor"/>
+    </dgm:style>
+  </dgm:styleLbl>
+  <dgm:styleLbl name="parChTrans1D3">
+    <dgm:scene3d>
+      <a:camera prst="orthographicFront"/>
+      <a:lightRig rig="threePt" dir="t"/>
+    </dgm:scene3d>
+    <dgm:sp3d/>
+    <dgm:txPr/>
+    <dgm:style>
+      <a:lnRef idx="2">
+        <a:scrgbClr r="0" g="0" b="0"/>
+      </a:lnRef>
+      <a:fillRef idx="0">
+        <a:scrgbClr r="0" g="0" b="0"/>
+      </a:fillRef>
+      <a:effectRef idx="0">
+        <a:scrgbClr r="0" g="0" b="0"/>
+      </a:effectRef>
+      <a:fontRef idx="minor"/>
+    </dgm:style>
+  </dgm:styleLbl>
+  <dgm:styleLbl name="parChTrans1D4">
+    <dgm:scene3d>
+      <a:camera prst="orthographicFront"/>
+      <a:lightRig rig="threePt" dir="t"/>
+    </dgm:scene3d>
+    <dgm:sp3d/>
+    <dgm:txPr/>
+    <dgm:style>
+      <a:lnRef idx="2">
+        <a:scrgbClr r="0" g="0" b="0"/>
+      </a:lnRef>
+      <a:fillRef idx="0">
+        <a:scrgbClr r="0" g="0" b="0"/>
+      </a:fillRef>
+      <a:effectRef idx="0">
+        <a:scrgbClr r="0" g="0" b="0"/>
+      </a:effectRef>
+      <a:fontRef idx="minor"/>
+    </dgm:style>
+  </dgm:styleLbl>
+  <dgm:styleLbl name="fgAcc1">
+    <dgm:scene3d>
+      <a:camera prst="orthographicFront"/>
+      <a:lightRig rig="threePt" dir="t"/>
+    </dgm:scene3d>
+    <dgm:sp3d/>
+    <dgm:txPr/>
+    <dgm:style>
+      <a:lnRef idx="2">
+        <a:scrgbClr r="0" g="0" b="0"/>
+      </a:lnRef>
+      <a:fillRef idx="1">
+        <a:scrgbClr r="0" g="0" b="0"/>
+      </a:fillRef>
+      <a:effectRef idx="0">
+        <a:scrgbClr r="0" g="0" b="0"/>
+      </a:effectRef>
+      <a:fontRef idx="minor"/>
+    </dgm:style>
+  </dgm:styleLbl>
+  <dgm:styleLbl name="conFgAcc1">
+    <dgm:scene3d>
+      <a:camera prst="orthographicFront"/>
+      <a:lightRig rig="threePt" dir="t"/>
+    </dgm:scene3d>
+    <dgm:sp3d/>
+    <dgm:txPr/>
+    <dgm:style>
+      <a:lnRef idx="2">
+        <a:scrgbClr r="0" g="0" b="0"/>
+      </a:lnRef>
+      <a:fillRef idx="1">
+        <a:scrgbClr r="0" g="0" b="0"/>
+      </a:fillRef>
+      <a:effectRef idx="0">
+        <a:scrgbClr r="0" g="0" b="0"/>
+      </a:effectRef>
+      <a:fontRef idx="minor"/>
+    </dgm:style>
+  </dgm:styleLbl>
+  <dgm:styleLbl name="alignAcc1">
+    <dgm:scene3d>
+      <a:camera prst="orthographicFront"/>
+      <a:lightRig rig="threePt" dir="t"/>
+    </dgm:scene3d>
+    <dgm:sp3d/>
+    <dgm:txPr/>
+    <dgm:style>
+      <a:lnRef idx="2">
+        <a:scrgbClr r="0" g="0" b="0"/>
+      </a:lnRef>
+      <a:fillRef idx="1">
+        <a:scrgbClr r="0" g="0" b="0"/>
+      </a:fillRef>
+      <a:effectRef idx="0">
+        <a:scrgbClr r="0" g="0" b="0"/>
+      </a:effectRef>
+      <a:fontRef idx="minor"/>
+    </dgm:style>
+  </dgm:styleLbl>
+  <dgm:styleLbl name="trAlignAcc1">
+    <dgm:scene3d>
+      <a:camera prst="orthographicFront"/>
+      <a:lightRig rig="threePt" dir="t"/>
+    </dgm:scene3d>
+    <dgm:sp3d/>
+    <dgm:txPr/>
+    <dgm:style>
+      <a:lnRef idx="1">
+        <a:scrgbClr r="0" g="0" b="0"/>
+      </a:lnRef>
+      <a:fillRef idx="1">
+        <a:scrgbClr r="0" g="0" b="0"/>
+      </a:fillRef>
+      <a:effectRef idx="0">
+        <a:scrgbClr r="0" g="0" b="0"/>
+      </a:effectRef>
+      <a:fontRef idx="minor"/>
+    </dgm:style>
+  </dgm:styleLbl>
+  <dgm:styleLbl name="bgAcc1">
+    <dgm:scene3d>
+      <a:camera prst="orthographicFront"/>
+      <a:lightRig rig="threePt" dir="t"/>
+    </dgm:scene3d>
+    <dgm:sp3d/>
+    <dgm:txPr/>
+    <dgm:style>
+      <a:lnRef idx="2">
+        <a:scrgbClr r="0" g="0" b="0"/>
+      </a:lnRef>
+      <a:fillRef idx="1">
+        <a:scrgbClr r="0" g="0" b="0"/>
+      </a:fillRef>
+      <a:effectRef idx="0">
+        <a:scrgbClr r="0" g="0" b="0"/>
+      </a:effectRef>
+      <a:fontRef idx="minor"/>
+    </dgm:style>
+  </dgm:styleLbl>
+  <dgm:styleLbl name="solidFgAcc1">
+    <dgm:scene3d>
+      <a:camera prst="orthographicFront"/>
+      <a:lightRig rig="threePt" dir="t"/>
+    </dgm:scene3d>
+    <dgm:sp3d/>
+    <dgm:txPr/>
+    <dgm:style>
+      <a:lnRef idx="2">
+        <a:scrgbClr r="0" g="0" b="0"/>
+      </a:lnRef>
+      <a:fillRef idx="1">
+        <a:scrgbClr r="0" g="0" b="0"/>
+      </a:fillRef>
+      <a:effectRef idx="0">
+        <a:scrgbClr r="0" g="0" b="0"/>
+      </a:effectRef>
+      <a:fontRef idx="minor"/>
+    </dgm:style>
+  </dgm:styleLbl>
+  <dgm:styleLbl name="solidAlignAcc1">
+    <dgm:scene3d>
+      <a:camera prst="orthographicFront"/>
+      <a:lightRig rig="threePt" dir="t"/>
+    </dgm:scene3d>
+    <dgm:sp3d/>
+    <dgm:txPr/>
+    <dgm:style>
+      <a:lnRef idx="2">
+        <a:scrgbClr r="0" g="0" b="0"/>
+      </a:lnRef>
+      <a:fillRef idx="1">
+        <a:scrgbClr r="0" g="0" b="0"/>
+      </a:fillRef>
+      <a:effectRef idx="0">
+        <a:scrgbClr r="0" g="0" b="0"/>
+      </a:effectRef>
+      <a:fontRef idx="minor"/>
+    </dgm:style>
+  </dgm:styleLbl>
+  <dgm:styleLbl name="solidBgAcc1">
+    <dgm:scene3d>
+      <a:camera prst="orthographicFront"/>
+      <a:lightRig rig="threePt" dir="t"/>
+    </dgm:scene3d>
+    <dgm:sp3d/>
+    <dgm:txPr/>
+    <dgm:style>
+      <a:lnRef idx="2">
+        <a:scrgbClr r="0" g="0" b="0"/>
+      </a:lnRef>
+      <a:fillRef idx="1">
+        <a:scrgbClr r="0" g="0" b="0"/>
+      </a:fillRef>
+      <a:effectRef idx="0">
+        <a:scrgbClr r="0" g="0" b="0"/>
+      </a:effectRef>
+      <a:fontRef idx="minor"/>
+    </dgm:style>
+  </dgm:styleLbl>
+  <dgm:styleLbl name="fgAccFollowNode1">
+    <dgm:scene3d>
+      <a:camera prst="orthographicFront"/>
+      <a:lightRig rig="threePt" dir="t"/>
+    </dgm:scene3d>
+    <dgm:sp3d/>
+    <dgm:txPr/>
+    <dgm:style>
+      <a:lnRef idx="2">
+        <a:scrgbClr r="0" g="0" b="0"/>
+      </a:lnRef>
+      <a:fillRef idx="1">
+        <a:scrgbClr r="0" g="0" b="0"/>
+      </a:fillRef>
+      <a:effectRef idx="0">
+        <a:scrgbClr r="0" g="0" b="0"/>
+      </a:effectRef>
+      <a:fontRef idx="minor"/>
+    </dgm:style>
+  </dgm:styleLbl>
+  <dgm:styleLbl name="alignAccFollowNode1">
+    <dgm:scene3d>
+      <a:camera prst="orthographicFront"/>
+      <a:lightRig rig="threePt" dir="t"/>
+    </dgm:scene3d>
+    <dgm:sp3d/>
+    <dgm:txPr/>
+    <dgm:style>
+      <a:lnRef idx="2">
+        <a:scrgbClr r="0" g="0" b="0"/>
+      </a:lnRef>
+      <a:fillRef idx="1">
+        <a:scrgbClr r="0" g="0" b="0"/>
+      </a:fillRef>
+      <a:effectRef idx="0">
+        <a:scrgbClr r="0" g="0" b="0"/>
+      </a:effectRef>
+      <a:fontRef idx="minor"/>
+    </dgm:style>
+  </dgm:styleLbl>
+  <dgm:styleLbl name="bgAccFollowNode1">
+    <dgm:scene3d>
+      <a:camera prst="orthographicFront"/>
+      <a:lightRig rig="threePt" dir="t"/>
+    </dgm:scene3d>
+    <dgm:sp3d/>
+    <dgm:txPr/>
+    <dgm:style>
+      <a:lnRef idx="2">
+        <a:scrgbClr r="0" g="0" b="0"/>
+      </a:lnRef>
+      <a:fillRef idx="1">
+        <a:scrgbClr r="0" g="0" b="0"/>
+      </a:fillRef>
+      <a:effectRef idx="0">
+        <a:scrgbClr r="0" g="0" b="0"/>
+      </a:effectRef>
+      <a:fontRef idx="minor"/>
+    </dgm:style>
+  </dgm:styleLbl>
+  <dgm:styleLbl name="fgAcc0">
+    <dgm:scene3d>
+      <a:camera prst="orthographicFront"/>
+      <a:lightRig rig="threePt" dir="t"/>
+    </dgm:scene3d>
+    <dgm:sp3d/>
+    <dgm:txPr/>
+    <dgm:style>
+      <a:lnRef idx="2">
+        <a:scrgbClr r="0" g="0" b="0"/>
+      </a:lnRef>
+      <a:fillRef idx="1">
+        <a:scrgbClr r="0" g="0" b="0"/>
+      </a:fillRef>
+      <a:effectRef idx="0">
+        <a:scrgbClr r="0" g="0" b="0"/>
+      </a:effectRef>
+      <a:fontRef idx="minor"/>
+    </dgm:style>
+  </dgm:styleLbl>
+  <dgm:styleLbl name="fgAcc2">
+    <dgm:scene3d>
+      <a:camera prst="orthographicFront"/>
+      <a:lightRig rig="threePt" dir="t"/>
+    </dgm:scene3d>
+    <dgm:sp3d/>
+    <dgm:txPr/>
+    <dgm:style>
+      <a:lnRef idx="2">
+        <a:scrgbClr r="0" g="0" b="0"/>
+      </a:lnRef>
+      <a:fillRef idx="1">
+        <a:scrgbClr r="0" g="0" b="0"/>
+      </a:fillRef>
+      <a:effectRef idx="0">
+        <a:scrgbClr r="0" g="0" b="0"/>
+      </a:effectRef>
+      <a:fontRef idx="minor"/>
+    </dgm:style>
+  </dgm:styleLbl>
+  <dgm:styleLbl name="fgAcc3">
+    <dgm:scene3d>
+      <a:camera prst="orthographicFront"/>
+      <a:lightRig rig="threePt" dir="t"/>
+    </dgm:scene3d>
+    <dgm:sp3d/>
+    <dgm:txPr/>
+    <dgm:style>
+      <a:lnRef idx="2">
+        <a:scrgbClr r="0" g="0" b="0"/>
+      </a:lnRef>
+      <a:fillRef idx="1">
+        <a:scrgbClr r="0" g="0" b="0"/>
+      </a:fillRef>
+      <a:effectRef idx="0">
+        <a:scrgbClr r="0" g="0" b="0"/>
+      </a:effectRef>
+      <a:fontRef idx="minor"/>
+    </dgm:style>
+  </dgm:styleLbl>
+  <dgm:styleLbl name="fgAcc4">
+    <dgm:scene3d>
+      <a:camera prst="orthographicFront"/>
+      <a:lightRig rig="threePt" dir="t"/>
+    </dgm:scene3d>
+    <dgm:sp3d/>
+    <dgm:txPr/>
+    <dgm:style>
+      <a:lnRef idx="2">
+        <a:scrgbClr r="0" g="0" b="0"/>
+      </a:lnRef>
+      <a:fillRef idx="1">
+        <a:scrgbClr r="0" g="0" b="0"/>
+      </a:fillRef>
+      <a:effectRef idx="0">
+        <a:scrgbClr r="0" g="0" b="0"/>
+      </a:effectRef>
+      <a:fontRef idx="minor"/>
+    </dgm:style>
+  </dgm:styleLbl>
+  <dgm:styleLbl name="bgShp">
+    <dgm:scene3d>
+      <a:camera prst="orthographicFront"/>
+      <a:lightRig rig="threePt" dir="t"/>
+    </dgm:scene3d>
+    <dgm:sp3d/>
+    <dgm:txPr/>
+    <dgm:style>
+      <a:lnRef idx="0">
+        <a:scrgbClr r="0" g="0" b="0"/>
+      </a:lnRef>
+      <a:fillRef idx="1">
+        <a:scrgbClr r="0" g="0" b="0"/>
+      </a:fillRef>
+      <a:effectRef idx="0">
+        <a:scrgbClr r="0" g="0" b="0"/>
+      </a:effectRef>
+      <a:fontRef idx="minor"/>
+    </dgm:style>
+  </dgm:styleLbl>
+  <dgm:styleLbl name="dkBgShp">
+    <dgm:scene3d>
+      <a:camera prst="orthographicFront"/>
+      <a:lightRig rig="threePt" dir="t"/>
+    </dgm:scene3d>
+    <dgm:sp3d/>
+    <dgm:txPr/>
+    <dgm:style>
+      <a:lnRef idx="0">
+        <a:scrgbClr r="0" g="0" b="0"/>
+      </a:lnRef>
+      <a:fillRef idx="1">
+        <a:scrgbClr r="0" g="0" b="0"/>
+      </a:fillRef>
+      <a:effectRef idx="0">
+        <a:scrgbClr r="0" g="0" b="0"/>
+      </a:effectRef>
+      <a:fontRef idx="minor"/>
+    </dgm:style>
+  </dgm:styleLbl>
+  <dgm:styleLbl name="trBgShp">
+    <dgm:scene3d>
+      <a:camera prst="orthographicFront"/>
+      <a:lightRig rig="threePt" dir="t"/>
+    </dgm:scene3d>
+    <dgm:sp3d/>
+    <dgm:txPr/>
+    <dgm:style>
+      <a:lnRef idx="0">
+        <a:scrgbClr r="0" g="0" b="0"/>
+      </a:lnRef>
+      <a:fillRef idx="1">
+        <a:scrgbClr r="0" g="0" b="0"/>
+      </a:fillRef>
+      <a:effectRef idx="0">
+        <a:scrgbClr r="0" g="0" b="0"/>
+      </a:effectRef>
+      <a:fontRef idx="minor"/>
+    </dgm:style>
+  </dgm:styleLbl>
+  <dgm:styleLbl name="fgShp">
+    <dgm:scene3d>
+      <a:camera prst="orthographicFront"/>
+      <a:lightRig rig="threePt" dir="t"/>
+    </dgm:scene3d>
+    <dgm:sp3d/>
+    <dgm:txPr/>
+    <dgm:style>
+      <a:lnRef idx="3">
+        <a:scrgbClr r="0" g="0" b="0"/>
+      </a:lnRef>
+      <a:fillRef idx="1">
+        <a:scrgbClr r="0" g="0" b="0"/>
+      </a:fillRef>
+      <a:effectRef idx="1">
+        <a:scrgbClr r="0" g="0" b="0"/>
+      </a:effectRef>
+      <a:fontRef idx="minor"/>
+    </dgm:style>
+  </dgm:styleLbl>
+  <dgm:styleLbl name="revTx">
+    <dgm:scene3d>
+      <a:camera prst="orthographicFront"/>
+      <a:lightRig rig="threePt" dir="t"/>
+    </dgm:scene3d>
+    <dgm:sp3d/>
+    <dgm:txPr/>
+    <dgm:style>
+      <a:lnRef idx="0">
+        <a:scrgbClr r="0" g="0" b="0"/>
+      </a:lnRef>
+      <a:fillRef idx="0">
+        <a:scrgbClr r="0" g="0" b="0"/>
+      </a:fillRef>
+      <a:effectRef idx="0">
+        <a:scrgbClr r="0" g="0" b="0"/>
+      </a:effectRef>
+      <a:fontRef idx="minor"/>
+    </dgm:style>
+  </dgm:styleLbl>
+</dgm:styleDef>
+</file>
+
+<file path=ppt/diagrams/quickStyle3.xml><?xml version="1.0" encoding="utf-8"?>
+<dgm:styleDef xmlns:dgm="http://schemas.openxmlformats.org/drawingml/2006/diagram" xmlns:a="http://schemas.openxmlformats.org/drawingml/2006/main" uniqueId="urn:microsoft.com/office/officeart/2005/8/quickstyle/simple2">
+  <dgm:title val=""/>
+  <dgm:desc val=""/>
+  <dgm:catLst>
+    <dgm:cat type="simple" pri="10200"/>
+  </dgm:catLst>
+  <dgm:scene3d>
+    <a:camera prst="orthographicFront"/>
+    <a:lightRig rig="threePt" dir="t"/>
+  </dgm:scene3d>
+  <dgm:styleLbl name="node0">
+    <dgm:scene3d>
+      <a:camera prst="orthographicFront"/>
+      <a:lightRig rig="threePt" dir="t"/>
+    </dgm:scene3d>
+    <dgm:sp3d/>
+    <dgm:txPr/>
+    <dgm:style>
+      <a:lnRef idx="3">
+        <a:scrgbClr r="0" g="0" b="0"/>
+      </a:lnRef>
+      <a:fillRef idx="1">
+        <a:scrgbClr r="0" g="0" b="0"/>
+      </a:fillRef>
+      <a:effectRef idx="1">
+        <a:scrgbClr r="0" g="0" b="0"/>
+      </a:effectRef>
+      <a:fontRef idx="minor">
+        <a:schemeClr val="lt1"/>
+      </a:fontRef>
+    </dgm:style>
+  </dgm:styleLbl>
+  <dgm:styleLbl name="lnNode1">
+    <dgm:scene3d>
+      <a:camera prst="orthographicFront"/>
+      <a:lightRig rig="threePt" dir="t"/>
+    </dgm:scene3d>
+    <dgm:sp3d/>
+    <dgm:txPr/>
+    <dgm:style>
+      <a:lnRef idx="3">
+        <a:scrgbClr r="0" g="0" b="0"/>
+      </a:lnRef>
+      <a:fillRef idx="1">
+        <a:scrgbClr r="0" g="0" b="0"/>
+      </a:fillRef>
+      <a:effectRef idx="1">
+        <a:scrgbClr r="0" g="0" b="0"/>
+      </a:effectRef>
+      <a:fontRef idx="minor">
+        <a:schemeClr val="lt1"/>
+      </a:fontRef>
+    </dgm:style>
+  </dgm:styleLbl>
+  <dgm:styleLbl name="vennNode1">
+    <dgm:scene3d>
+      <a:camera prst="orthographicFront"/>
+      <a:lightRig rig="threePt" dir="t"/>
+    </dgm:scene3d>
+    <dgm:sp3d/>
+    <dgm:txPr/>
+    <dgm:style>
+      <a:lnRef idx="3">
+        <a:scrgbClr r="0" g="0" b="0"/>
+      </a:lnRef>
+      <a:fillRef idx="1">
+        <a:scrgbClr r="0" g="0" b="0"/>
+      </a:fillRef>
+      <a:effectRef idx="0">
+        <a:scrgbClr r="0" g="0" b="0"/>
+      </a:effectRef>
+      <a:fontRef idx="minor">
+        <a:schemeClr val="tx1"/>
+      </a:fontRef>
+    </dgm:style>
+  </dgm:styleLbl>
+  <dgm:styleLbl name="alignNode1">
+    <dgm:scene3d>
+      <a:camera prst="orthographicFront"/>
+      <a:lightRig rig="threePt" dir="t"/>
+    </dgm:scene3d>
+    <dgm:sp3d/>
+    <dgm:txPr/>
+    <dgm:style>
+      <a:lnRef idx="2">
+        <a:scrgbClr r="0" g="0" b="0"/>
+      </a:lnRef>
+      <a:fillRef idx="1">
+        <a:scrgbClr r="0" g="0" b="0"/>
+      </a:fillRef>
+      <a:effectRef idx="1">
+        <a:scrgbClr r="0" g="0" b="0"/>
+      </a:effectRef>
+      <a:fontRef idx="minor">
+        <a:schemeClr val="lt1"/>
+      </a:fontRef>
+    </dgm:style>
+  </dgm:styleLbl>
+  <dgm:styleLbl name="node1">
+    <dgm:scene3d>
+      <a:camera prst="orthographicFront"/>
+      <a:lightRig rig="threePt" dir="t"/>
+    </dgm:scene3d>
+    <dgm:sp3d/>
+    <dgm:txPr/>
+    <dgm:style>
+      <a:lnRef idx="3">
+        <a:scrgbClr r="0" g="0" b="0"/>
+      </a:lnRef>
+      <a:fillRef idx="1">
+        <a:scrgbClr r="0" g="0" b="0"/>
+      </a:fillRef>
+      <a:effectRef idx="1">
+        <a:scrgbClr r="0" g="0" b="0"/>
+      </a:effectRef>
+      <a:fontRef idx="minor">
+        <a:schemeClr val="lt1"/>
+      </a:fontRef>
+    </dgm:style>
+  </dgm:styleLbl>
+  <dgm:styleLbl name="node2">
+    <dgm:scene3d>
+      <a:camera prst="orthographicFront"/>
+      <a:lightRig rig="threePt" dir="t"/>
+    </dgm:scene3d>
+    <dgm:sp3d/>
+    <dgm:txPr/>
+    <dgm:style>
+      <a:lnRef idx="3">
+        <a:scrgbClr r="0" g="0" b="0"/>
+      </a:lnRef>
+      <a:fillRef idx="1">
+        <a:scrgbClr r="0" g="0" b="0"/>
+      </a:fillRef>
+      <a:effectRef idx="1">
+        <a:scrgbClr r="0" g="0" b="0"/>
+      </a:effectRef>
+      <a:fontRef idx="minor">
+        <a:schemeClr val="lt1"/>
+      </a:fontRef>
+    </dgm:style>
+  </dgm:styleLbl>
+  <dgm:styleLbl name="node3">
+    <dgm:scene3d>
+      <a:camera prst="orthographicFront"/>
+      <a:lightRig rig="threePt" dir="t"/>
+    </dgm:scene3d>
+    <dgm:sp3d/>
+    <dgm:txPr/>
+    <dgm:style>
+      <a:lnRef idx="3">
+        <a:scrgbClr r="0" g="0" b="0"/>
+      </a:lnRef>
+      <a:fillRef idx="1">
+        <a:scrgbClr r="0" g="0" b="0"/>
+      </a:fillRef>
+      <a:effectRef idx="1">
+        <a:scrgbClr r="0" g="0" b="0"/>
+      </a:effectRef>
+      <a:fontRef idx="minor">
+        <a:schemeClr val="lt1"/>
+      </a:fontRef>
+    </dgm:style>
+  </dgm:styleLbl>
+  <dgm:styleLbl name="node4">
+    <dgm:scene3d>
+      <a:camera prst="orthographicFront"/>
+      <a:lightRig rig="threePt" dir="t"/>
+    </dgm:scene3d>
+    <dgm:sp3d/>
+    <dgm:txPr/>
+    <dgm:style>
+      <a:lnRef idx="3">
+        <a:scrgbClr r="0" g="0" b="0"/>
+      </a:lnRef>
+      <a:fillRef idx="1">
+        <a:scrgbClr r="0" g="0" b="0"/>
+      </a:fillRef>
+      <a:effectRef idx="1">
+        <a:scrgbClr r="0" g="0" b="0"/>
+      </a:effectRef>
+      <a:fontRef idx="minor">
+        <a:schemeClr val="lt1"/>
+      </a:fontRef>
+    </dgm:style>
+  </dgm:styleLbl>
+  <dgm:styleLbl name="fgImgPlace1">
+    <dgm:scene3d>
+      <a:camera prst="orthographicFront"/>
+      <a:lightRig rig="threePt" dir="t"/>
+    </dgm:scene3d>
+    <dgm:sp3d/>
+    <dgm:txPr/>
+    <dgm:style>
+      <a:lnRef idx="3">
+        <a:scrgbClr r="0" g="0" b="0"/>
+      </a:lnRef>
+      <a:fillRef idx="1">
+        <a:scrgbClr r="0" g="0" b="0"/>
+      </a:fillRef>
+      <a:effectRef idx="1">
+        <a:scrgbClr r="0" g="0" b="0"/>
+      </a:effectRef>
+      <a:fontRef idx="minor"/>
+    </dgm:style>
+  </dgm:styleLbl>
+  <dgm:styleLbl name="alignImgPlace1">
+    <dgm:scene3d>
+      <a:camera prst="orthographicFront"/>
+      <a:lightRig rig="threePt" dir="t"/>
+    </dgm:scene3d>
+    <dgm:sp3d/>
+    <dgm:txPr/>
+    <dgm:style>
+      <a:lnRef idx="3">
+        <a:scrgbClr r="0" g="0" b="0"/>
+      </a:lnRef>
+      <a:fillRef idx="1">
+        <a:scrgbClr r="0" g="0" b="0"/>
+      </a:fillRef>
+      <a:effectRef idx="1">
+        <a:scrgbClr r="0" g="0" b="0"/>
+      </a:effectRef>
+      <a:fontRef idx="minor"/>
+    </dgm:style>
+  </dgm:styleLbl>
+  <dgm:styleLbl name="bgImgPlace1">
+    <dgm:scene3d>
+      <a:camera prst="orthographicFront"/>
+      <a:lightRig rig="threePt" dir="t"/>
+    </dgm:scene3d>
+    <dgm:sp3d/>
+    <dgm:txPr/>
+    <dgm:style>
+      <a:lnRef idx="3">
+        <a:scrgbClr r="0" g="0" b="0"/>
+      </a:lnRef>
+      <a:fillRef idx="1">
+        <a:scrgbClr r="0" g="0" b="0"/>
+      </a:fillRef>
+      <a:effectRef idx="1">
+        <a:scrgbClr r="0" g="0" b="0"/>
+      </a:effectRef>
+      <a:fontRef idx="minor"/>
+    </dgm:style>
+  </dgm:styleLbl>
+  <dgm:styleLbl name="sibTrans2D1">
+    <dgm:scene3d>
+      <a:camera prst="orthographicFront"/>
+      <a:lightRig rig="threePt" dir="t"/>
+    </dgm:scene3d>
+    <dgm:sp3d/>
+    <dgm:txPr/>
+    <dgm:style>
+      <a:lnRef idx="0">
+        <a:scrgbClr r="0" g="0" b="0"/>
+      </a:lnRef>
+      <a:fillRef idx="1">
+        <a:scrgbClr r="0" g="0" b="0"/>
+      </a:fillRef>
+      <a:effectRef idx="1">
+        <a:scrgbClr r="0" g="0" b="0"/>
+      </a:effectRef>
+      <a:fontRef idx="minor">
+        <a:schemeClr val="lt1"/>
+      </a:fontRef>
+    </dgm:style>
+  </dgm:styleLbl>
+  <dgm:styleLbl name="fgSibTrans2D1">
+    <dgm:scene3d>
+      <a:camera prst="orthographicFront"/>
+      <a:lightRig rig="threePt" dir="t"/>
+    </dgm:scene3d>
+    <dgm:sp3d/>
+    <dgm:txPr/>
+    <dgm:style>
+      <a:lnRef idx="0">
+        <a:scrgbClr r="0" g="0" b="0"/>
+      </a:lnRef>
+      <a:fillRef idx="1">
+        <a:scrgbClr r="0" g="0" b="0"/>
+      </a:fillRef>
+      <a:effectRef idx="1">
+        <a:scrgbClr r="0" g="0" b="0"/>
+      </a:effectRef>
+      <a:fontRef idx="minor">
+        <a:schemeClr val="lt1"/>
+      </a:fontRef>
+    </dgm:style>
+  </dgm:styleLbl>
+  <dgm:styleLbl name="bgSibTrans2D1">
+    <dgm:scene3d>
+      <a:camera prst="orthographicFront"/>
+      <a:lightRig rig="threePt" dir="t"/>
+    </dgm:scene3d>
+    <dgm:sp3d/>
+    <dgm:txPr/>
+    <dgm:style>
+      <a:lnRef idx="0">
+        <a:scrgbClr r="0" g="0" b="0"/>
+      </a:lnRef>
+      <a:fillRef idx="1">
+        <a:scrgbClr r="0" g="0" b="0"/>
+      </a:fillRef>
+      <a:effectRef idx="1">
+        <a:scrgbClr r="0" g="0" b="0"/>
+      </a:effectRef>
+      <a:fontRef idx="minor">
+        <a:schemeClr val="lt1"/>
+      </a:fontRef>
+    </dgm:style>
+  </dgm:styleLbl>
+  <dgm:styleLbl name="sibTrans1D1">
+    <dgm:scene3d>
+      <a:camera prst="orthographicFront"/>
+      <a:lightRig rig="threePt" dir="t"/>
+    </dgm:scene3d>
+    <dgm:sp3d/>
+    <dgm:txPr/>
+    <dgm:style>
+      <a:lnRef idx="1">
+        <a:scrgbClr r="0" g="0" b="0"/>
+      </a:lnRef>
+      <a:fillRef idx="0">
+        <a:scrgbClr r="0" g="0" b="0"/>
+      </a:fillRef>
+      <a:effectRef idx="0">
+        <a:scrgbClr r="0" g="0" b="0"/>
+      </a:effectRef>
+      <a:fontRef idx="minor"/>
+    </dgm:style>
+  </dgm:styleLbl>
+  <dgm:styleLbl name="callout">
+    <dgm:scene3d>
+      <a:camera prst="orthographicFront"/>
+      <a:lightRig rig="threePt" dir="t"/>
+    </dgm:scene3d>
+    <dgm:sp3d/>
+    <dgm:txPr/>
+    <dgm:style>
+      <a:lnRef idx="2">
+        <a:scrgbClr r="0" g="0" b="0"/>
+      </a:lnRef>
+      <a:fillRef idx="1">
+        <a:scrgbClr r="0" g="0" b="0"/>
+      </a:fillRef>
+      <a:effectRef idx="1">
+        <a:scrgbClr r="0" g="0" b="0"/>
+      </a:effectRef>
+      <a:fontRef idx="minor"/>
+    </dgm:style>
+  </dgm:styleLbl>
+  <dgm:styleLbl name="asst0">
+    <dgm:scene3d>
+      <a:camera prst="orthographicFront"/>
+      <a:lightRig rig="threePt" dir="t"/>
+    </dgm:scene3d>
+    <dgm:sp3d/>
+    <dgm:txPr/>
+    <dgm:style>
+      <a:lnRef idx="3">
+        <a:scrgbClr r="0" g="0" b="0"/>
+      </a:lnRef>
+      <a:fillRef idx="1">
+        <a:scrgbClr r="0" g="0" b="0"/>
+      </a:fillRef>
+      <a:effectRef idx="1">
+        <a:scrgbClr r="0" g="0" b="0"/>
+      </a:effectRef>
+      <a:fontRef idx="minor">
+        <a:schemeClr val="lt1"/>
+      </a:fontRef>
+    </dgm:style>
+  </dgm:styleLbl>
+  <dgm:styleLbl name="asst1">
+    <dgm:scene3d>
+      <a:camera prst="orthographicFront"/>
+      <a:lightRig rig="threePt" dir="t"/>
+    </dgm:scene3d>
+    <dgm:sp3d/>
+    <dgm:txPr/>
+    <dgm:style>
+      <a:lnRef idx="3">
+        <a:scrgbClr r="0" g="0" b="0"/>
+      </a:lnRef>
+      <a:fillRef idx="1">
+        <a:scrgbClr r="0" g="0" b="0"/>
+      </a:fillRef>
+      <a:effectRef idx="1">
+        <a:scrgbClr r="0" g="0" b="0"/>
+      </a:effectRef>
+      <a:fontRef idx="minor">
+        <a:schemeClr val="lt1"/>
+      </a:fontRef>
+    </dgm:style>
+  </dgm:styleLbl>
+  <dgm:styleLbl name="asst2">
+    <dgm:scene3d>
+      <a:camera prst="orthographicFront"/>
+      <a:lightRig rig="threePt" dir="t"/>
+    </dgm:scene3d>
+    <dgm:sp3d/>
+    <dgm:txPr/>
+    <dgm:style>
+      <a:lnRef idx="3">
+        <a:scrgbClr r="0" g="0" b="0"/>
+      </a:lnRef>
+      <a:fillRef idx="1">
+        <a:scrgbClr r="0" g="0" b="0"/>
+      </a:fillRef>
+      <a:effectRef idx="1">
+        <a:scrgbClr r="0" g="0" b="0"/>
+      </a:effectRef>
+      <a:fontRef idx="minor">
+        <a:schemeClr val="lt1"/>
+      </a:fontRef>
+    </dgm:style>
+  </dgm:styleLbl>
+  <dgm:styleLbl name="asst3">
+    <dgm:scene3d>
+      <a:camera prst="orthographicFront"/>
+      <a:lightRig rig="threePt" dir="t"/>
+    </dgm:scene3d>
+    <dgm:sp3d/>
+    <dgm:txPr/>
+    <dgm:style>
+      <a:lnRef idx="3">
+        <a:scrgbClr r="0" g="0" b="0"/>
+      </a:lnRef>
+      <a:fillRef idx="1">
+        <a:scrgbClr r="0" g="0" b="0"/>
+      </a:fillRef>
+      <a:effectRef idx="1">
+        <a:scrgbClr r="0" g="0" b="0"/>
+      </a:effectRef>
+      <a:fontRef idx="minor">
+        <a:schemeClr val="lt1"/>
+      </a:fontRef>
+    </dgm:style>
+  </dgm:styleLbl>
+  <dgm:styleLbl name="asst4">
+    <dgm:scene3d>
+      <a:camera prst="orthographicFront"/>
+      <a:lightRig rig="threePt" dir="t"/>
+    </dgm:scene3d>
+    <dgm:sp3d/>
+    <dgm:txPr/>
+    <dgm:style>
+      <a:lnRef idx="3">
+        <a:scrgbClr r="0" g="0" b="0"/>
+      </a:lnRef>
+      <a:fillRef idx="1">
+        <a:scrgbClr r="0" g="0" b="0"/>
+      </a:fillRef>
+      <a:effectRef idx="1">
+        <a:scrgbClr r="0" g="0" b="0"/>
+      </a:effectRef>
+      <a:fontRef idx="minor">
+        <a:schemeClr val="lt1"/>
+      </a:fontRef>
+    </dgm:style>
+  </dgm:styleLbl>
+  <dgm:styleLbl name="parChTrans2D1">
+    <dgm:scene3d>
+      <a:camera prst="orthographicFront"/>
+      <a:lightRig rig="threePt" dir="t"/>
+    </dgm:scene3d>
+    <dgm:sp3d/>
+    <dgm:txPr/>
+    <dgm:style>
+      <a:lnRef idx="3">
+        <a:scrgbClr r="0" g="0" b="0"/>
+      </a:lnRef>
+      <a:fillRef idx="1">
+        <a:scrgbClr r="0" g="0" b="0"/>
+      </a:fillRef>
+      <a:effectRef idx="1">
+        <a:scrgbClr r="0" g="0" b="0"/>
+      </a:effectRef>
+      <a:fontRef idx="minor">
+        <a:schemeClr val="lt1"/>
+      </a:fontRef>
+    </dgm:style>
+  </dgm:styleLbl>
+  <dgm:styleLbl name="parChTrans2D2">
+    <dgm:scene3d>
+      <a:camera prst="orthographicFront"/>
+      <a:lightRig rig="threePt" dir="t"/>
+    </dgm:scene3d>
+    <dgm:sp3d/>
+    <dgm:txPr/>
+    <dgm:style>
+      <a:lnRef idx="3">
+        <a:scrgbClr r="0" g="0" b="0"/>
+      </a:lnRef>
+      <a:fillRef idx="1">
+        <a:scrgbClr r="0" g="0" b="0"/>
+      </a:fillRef>
+      <a:effectRef idx="1">
+        <a:scrgbClr r="0" g="0" b="0"/>
+      </a:effectRef>
+      <a:fontRef idx="minor">
+        <a:schemeClr val="lt1"/>
+      </a:fontRef>
+    </dgm:style>
+  </dgm:styleLbl>
+  <dgm:styleLbl name="parChTrans2D3">
+    <dgm:scene3d>
+      <a:camera prst="orthographicFront"/>
+      <a:lightRig rig="threePt" dir="t"/>
+    </dgm:scene3d>
+    <dgm:sp3d/>
+    <dgm:txPr/>
+    <dgm:style>
+      <a:lnRef idx="3">
+        <a:scrgbClr r="0" g="0" b="0"/>
+      </a:lnRef>
+      <a:fillRef idx="1">
+        <a:scrgbClr r="0" g="0" b="0"/>
+      </a:fillRef>
+      <a:effectRef idx="1">
+        <a:scrgbClr r="0" g="0" b="0"/>
+      </a:effectRef>
+      <a:fontRef idx="minor">
+        <a:schemeClr val="lt1"/>
+      </a:fontRef>
+    </dgm:style>
+  </dgm:styleLbl>
+  <dgm:styleLbl name="parChTrans2D4">
+    <dgm:scene3d>
+      <a:camera prst="orthographicFront"/>
+      <a:lightRig rig="threePt" dir="t"/>
+    </dgm:scene3d>
+    <dgm:sp3d/>
+    <dgm:txPr/>
+    <dgm:style>
+      <a:lnRef idx="3">
+        <a:scrgbClr r="0" g="0" b="0"/>
+      </a:lnRef>
+      <a:fillRef idx="1">
+        <a:scrgbClr r="0" g="0" b="0"/>
+      </a:fillRef>
+      <a:effectRef idx="1">
+        <a:scrgbClr r="0" g="0" b="0"/>
+      </a:effectRef>
+      <a:fontRef idx="minor">
+        <a:schemeClr val="lt1"/>
+      </a:fontRef>
+    </dgm:style>
+  </dgm:styleLbl>
+  <dgm:styleLbl name="parChTrans1D1">
+    <dgm:scene3d>
+      <a:camera prst="orthographicFront"/>
+      <a:lightRig rig="threePt" dir="t"/>
+    </dgm:scene3d>
+    <dgm:sp3d/>
+    <dgm:txPr/>
+    <dgm:style>
+      <a:lnRef idx="2">
+        <a:scrgbClr r="0" g="0" b="0"/>
+      </a:lnRef>
+      <a:fillRef idx="0">
+        <a:scrgbClr r="0" g="0" b="0"/>
+      </a:fillRef>
+      <a:effectRef idx="0">
+        <a:scrgbClr r="0" g="0" b="0"/>
+      </a:effectRef>
+      <a:fontRef idx="minor"/>
+    </dgm:style>
+  </dgm:styleLbl>
+  <dgm:styleLbl name="parChTrans1D2">
+    <dgm:scene3d>
+      <a:camera prst="orthographicFront"/>
+      <a:lightRig rig="threePt" dir="t"/>
+    </dgm:scene3d>
+    <dgm:sp3d/>
+    <dgm:txPr/>
+    <dgm:style>
+      <a:lnRef idx="2">
+        <a:scrgbClr r="0" g="0" b="0"/>
+      </a:lnRef>
+      <a:fillRef idx="0">
+        <a:scrgbClr r="0" g="0" b="0"/>
+      </a:fillRef>
+      <a:effectRef idx="0">
+        <a:scrgbClr r="0" g="0" b="0"/>
+      </a:effectRef>
+      <a:fontRef idx="minor"/>
+    </dgm:style>
+  </dgm:styleLbl>
+  <dgm:styleLbl name="parChTrans1D3">
+    <dgm:scene3d>
+      <a:camera prst="orthographicFront"/>
+      <a:lightRig rig="threePt" dir="t"/>
+    </dgm:scene3d>
+    <dgm:sp3d/>
+    <dgm:txPr/>
+    <dgm:style>
+      <a:lnRef idx="2">
+        <a:scrgbClr r="0" g="0" b="0"/>
+      </a:lnRef>
+      <a:fillRef idx="0">
+        <a:scrgbClr r="0" g="0" b="0"/>
+      </a:fillRef>
+      <a:effectRef idx="0">
+        <a:scrgbClr r="0" g="0" b="0"/>
+      </a:effectRef>
+      <a:fontRef idx="minor"/>
+    </dgm:style>
+  </dgm:styleLbl>
+  <dgm:styleLbl name="parChTrans1D4">
+    <dgm:scene3d>
+      <a:camera prst="orthographicFront"/>
+      <a:lightRig rig="threePt" dir="t"/>
+    </dgm:scene3d>
+    <dgm:sp3d/>
+    <dgm:txPr/>
+    <dgm:style>
+      <a:lnRef idx="2">
+        <a:scrgbClr r="0" g="0" b="0"/>
+      </a:lnRef>
+      <a:fillRef idx="0">
+        <a:scrgbClr r="0" g="0" b="0"/>
+      </a:fillRef>
+      <a:effectRef idx="0">
+        <a:scrgbClr r="0" g="0" b="0"/>
+      </a:effectRef>
+      <a:fontRef idx="minor"/>
+    </dgm:style>
+  </dgm:styleLbl>
+  <dgm:styleLbl name="fgAcc1">
+    <dgm:scene3d>
+      <a:camera prst="orthographicFront"/>
+      <a:lightRig rig="threePt" dir="t"/>
+    </dgm:scene3d>
+    <dgm:sp3d/>
+    <dgm:txPr/>
+    <dgm:style>
+      <a:lnRef idx="2">
+        <a:scrgbClr r="0" g="0" b="0"/>
+      </a:lnRef>
+      <a:fillRef idx="1">
+        <a:scrgbClr r="0" g="0" b="0"/>
+      </a:fillRef>
+      <a:effectRef idx="0">
+        <a:scrgbClr r="0" g="0" b="0"/>
+      </a:effectRef>
+      <a:fontRef idx="minor"/>
+    </dgm:style>
+  </dgm:styleLbl>
+  <dgm:styleLbl name="conFgAcc1">
+    <dgm:scene3d>
+      <a:camera prst="orthographicFront"/>
+      <a:lightRig rig="threePt" dir="t"/>
+    </dgm:scene3d>
+    <dgm:sp3d/>
+    <dgm:txPr/>
+    <dgm:style>
+      <a:lnRef idx="2">
+        <a:scrgbClr r="0" g="0" b="0"/>
+      </a:lnRef>
+      <a:fillRef idx="1">
+        <a:scrgbClr r="0" g="0" b="0"/>
+      </a:fillRef>
+      <a:effectRef idx="0">
+        <a:scrgbClr r="0" g="0" b="0"/>
+      </a:effectRef>
+      <a:fontRef idx="minor"/>
+    </dgm:style>
+  </dgm:styleLbl>
+  <dgm:styleLbl name="alignAcc1">
+    <dgm:scene3d>
+      <a:camera prst="orthographicFront"/>
+      <a:lightRig rig="threePt" dir="t"/>
+    </dgm:scene3d>
+    <dgm:sp3d/>
+    <dgm:txPr/>
+    <dgm:style>
+      <a:lnRef idx="2">
+        <a:scrgbClr r="0" g="0" b="0"/>
+      </a:lnRef>
+      <a:fillRef idx="1">
+        <a:scrgbClr r="0" g="0" b="0"/>
+      </a:fillRef>
+      <a:effectRef idx="0">
+        <a:scrgbClr r="0" g="0" b="0"/>
+      </a:effectRef>
+      <a:fontRef idx="minor"/>
+    </dgm:style>
+  </dgm:styleLbl>
+  <dgm:styleLbl name="trAlignAcc1">
+    <dgm:scene3d>
+      <a:camera prst="orthographicFront"/>
+      <a:lightRig rig="threePt" dir="t"/>
+    </dgm:scene3d>
+    <dgm:sp3d/>
+    <dgm:txPr/>
+    <dgm:style>
+      <a:lnRef idx="1">
+        <a:scrgbClr r="0" g="0" b="0"/>
+      </a:lnRef>
+      <a:fillRef idx="1">
+        <a:scrgbClr r="0" g="0" b="0"/>
+      </a:fillRef>
+      <a:effectRef idx="0">
+        <a:scrgbClr r="0" g="0" b="0"/>
+      </a:effectRef>
+      <a:fontRef idx="minor"/>
+    </dgm:style>
+  </dgm:styleLbl>
+  <dgm:styleLbl name="bgAcc1">
+    <dgm:scene3d>
+      <a:camera prst="orthographicFront"/>
+      <a:lightRig rig="threePt" dir="t"/>
+    </dgm:scene3d>
+    <dgm:sp3d/>
+    <dgm:txPr/>
+    <dgm:style>
+      <a:lnRef idx="2">
+        <a:scrgbClr r="0" g="0" b="0"/>
+      </a:lnRef>
+      <a:fillRef idx="1">
+        <a:scrgbClr r="0" g="0" b="0"/>
+      </a:fillRef>
+      <a:effectRef idx="0">
+        <a:scrgbClr r="0" g="0" b="0"/>
+      </a:effectRef>
+      <a:fontRef idx="minor"/>
+    </dgm:style>
+  </dgm:styleLbl>
+  <dgm:styleLbl name="solidFgAcc1">
+    <dgm:scene3d>
+      <a:camera prst="orthographicFront"/>
+      <a:lightRig rig="threePt" dir="t"/>
+    </dgm:scene3d>
+    <dgm:sp3d/>
+    <dgm:txPr/>
+    <dgm:style>
+      <a:lnRef idx="2">
+        <a:scrgbClr r="0" g="0" b="0"/>
+      </a:lnRef>
+      <a:fillRef idx="1">
+        <a:scrgbClr r="0" g="0" b="0"/>
+      </a:fillRef>
+      <a:effectRef idx="0">
+        <a:scrgbClr r="0" g="0" b="0"/>
+      </a:effectRef>
+      <a:fontRef idx="minor"/>
+    </dgm:style>
+  </dgm:styleLbl>
+  <dgm:styleLbl name="solidAlignAcc1">
+    <dgm:scene3d>
+      <a:camera prst="orthographicFront"/>
+      <a:lightRig rig="threePt" dir="t"/>
+    </dgm:scene3d>
+    <dgm:sp3d/>
+    <dgm:txPr/>
+    <dgm:style>
+      <a:lnRef idx="2">
+        <a:scrgbClr r="0" g="0" b="0"/>
+      </a:lnRef>
+      <a:fillRef idx="1">
+        <a:scrgbClr r="0" g="0" b="0"/>
+      </a:fillRef>
+      <a:effectRef idx="0">
+        <a:scrgbClr r="0" g="0" b="0"/>
+      </a:effectRef>
+      <a:fontRef idx="minor"/>
+    </dgm:style>
+  </dgm:styleLbl>
+  <dgm:styleLbl name="solidBgAcc1">
+    <dgm:scene3d>
+      <a:camera prst="orthographicFront"/>
+      <a:lightRig rig="threePt" dir="t"/>
+    </dgm:scene3d>
+    <dgm:sp3d/>
+    <dgm:txPr/>
+    <dgm:style>
+      <a:lnRef idx="2">
+        <a:scrgbClr r="0" g="0" b="0"/>
+      </a:lnRef>
+      <a:fillRef idx="1">
+        <a:scrgbClr r="0" g="0" b="0"/>
+      </a:fillRef>
+      <a:effectRef idx="0">
+        <a:scrgbClr r="0" g="0" b="0"/>
+      </a:effectRef>
+      <a:fontRef idx="minor"/>
+    </dgm:style>
+  </dgm:styleLbl>
+  <dgm:styleLbl name="fgAccFollowNode1">
+    <dgm:scene3d>
+      <a:camera prst="orthographicFront"/>
+      <a:lightRig rig="threePt" dir="t"/>
+    </dgm:scene3d>
+    <dgm:sp3d/>
+    <dgm:txPr/>
+    <dgm:style>
+      <a:lnRef idx="2">
+        <a:scrgbClr r="0" g="0" b="0"/>
+      </a:lnRef>
+      <a:fillRef idx="1">
+        <a:scrgbClr r="0" g="0" b="0"/>
+      </a:fillRef>
+      <a:effectRef idx="0">
+        <a:scrgbClr r="0" g="0" b="0"/>
+      </a:effectRef>
+      <a:fontRef idx="minor"/>
+    </dgm:style>
+  </dgm:styleLbl>
+  <dgm:styleLbl name="alignAccFollowNode1">
+    <dgm:scene3d>
+      <a:camera prst="orthographicFront"/>
+      <a:lightRig rig="threePt" dir="t"/>
+    </dgm:scene3d>
+    <dgm:sp3d/>
+    <dgm:txPr/>
+    <dgm:style>
+      <a:lnRef idx="2">
+        <a:scrgbClr r="0" g="0" b="0"/>
+      </a:lnRef>
+      <a:fillRef idx="1">
+        <a:scrgbClr r="0" g="0" b="0"/>
+      </a:fillRef>
+      <a:effectRef idx="0">
+        <a:scrgbClr r="0" g="0" b="0"/>
+      </a:effectRef>
+      <a:fontRef idx="minor"/>
+    </dgm:style>
+  </dgm:styleLbl>
+  <dgm:styleLbl name="bgAccFollowNode1">
+    <dgm:scene3d>
+      <a:camera prst="orthographicFront"/>
+      <a:lightRig rig="threePt" dir="t"/>
+    </dgm:scene3d>
+    <dgm:sp3d/>
+    <dgm:txPr/>
+    <dgm:style>
+      <a:lnRef idx="2">
+        <a:scrgbClr r="0" g="0" b="0"/>
+      </a:lnRef>
+      <a:fillRef idx="1">
+        <a:scrgbClr r="0" g="0" b="0"/>
+      </a:fillRef>
+      <a:effectRef idx="0">
+        <a:scrgbClr r="0" g="0" b="0"/>
+      </a:effectRef>
+      <a:fontRef idx="minor"/>
+    </dgm:style>
+  </dgm:styleLbl>
+  <dgm:styleLbl name="fgAcc0">
+    <dgm:scene3d>
+      <a:camera prst="orthographicFront"/>
+      <a:lightRig rig="threePt" dir="t"/>
+    </dgm:scene3d>
+    <dgm:sp3d/>
+    <dgm:txPr/>
+    <dgm:style>
+      <a:lnRef idx="2">
+        <a:scrgbClr r="0" g="0" b="0"/>
+      </a:lnRef>
+      <a:fillRef idx="1">
+        <a:scrgbClr r="0" g="0" b="0"/>
+      </a:fillRef>
+      <a:effectRef idx="0">
+        <a:scrgbClr r="0" g="0" b="0"/>
+      </a:effectRef>
+      <a:fontRef idx="minor"/>
+    </dgm:style>
+  </dgm:styleLbl>
+  <dgm:styleLbl name="fgAcc2">
+    <dgm:scene3d>
+      <a:camera prst="orthographicFront"/>
+      <a:lightRig rig="threePt" dir="t"/>
+    </dgm:scene3d>
+    <dgm:sp3d/>
+    <dgm:txPr/>
+    <dgm:style>
+      <a:lnRef idx="2">
+        <a:scrgbClr r="0" g="0" b="0"/>
+      </a:lnRef>
+      <a:fillRef idx="1">
+        <a:scrgbClr r="0" g="0" b="0"/>
+      </a:fillRef>
+      <a:effectRef idx="0">
+        <a:scrgbClr r="0" g="0" b="0"/>
+      </a:effectRef>
+      <a:fontRef idx="minor"/>
+    </dgm:style>
+  </dgm:styleLbl>
+  <dgm:styleLbl name="fgAcc3">
+    <dgm:scene3d>
+      <a:camera prst="orthographicFront"/>
+      <a:lightRig rig="threePt" dir="t"/>
+    </dgm:scene3d>
+    <dgm:sp3d/>
+    <dgm:txPr/>
+    <dgm:style>
+      <a:lnRef idx="2">
+        <a:scrgbClr r="0" g="0" b="0"/>
+      </a:lnRef>
+      <a:fillRef idx="1">
+        <a:scrgbClr r="0" g="0" b="0"/>
+      </a:fillRef>
+      <a:effectRef idx="0">
+        <a:scrgbClr r="0" g="0" b="0"/>
+      </a:effectRef>
+      <a:fontRef idx="minor"/>
+    </dgm:style>
+  </dgm:styleLbl>
+  <dgm:styleLbl name="fgAcc4">
+    <dgm:scene3d>
+      <a:camera prst="orthographicFront"/>
+      <a:lightRig rig="threePt" dir="t"/>
+    </dgm:scene3d>
+    <dgm:sp3d/>
+    <dgm:txPr/>
+    <dgm:style>
+      <a:lnRef idx="2">
+        <a:scrgbClr r="0" g="0" b="0"/>
+      </a:lnRef>
+      <a:fillRef idx="1">
+        <a:scrgbClr r="0" g="0" b="0"/>
+      </a:fillRef>
+      <a:effectRef idx="0">
+        <a:scrgbClr r="0" g="0" b="0"/>
+      </a:effectRef>
+      <a:fontRef idx="minor"/>
+    </dgm:style>
+  </dgm:styleLbl>
+  <dgm:styleLbl name="bgShp">
+    <dgm:scene3d>
+      <a:camera prst="orthographicFront"/>
+      <a:lightRig rig="threePt" dir="t"/>
+    </dgm:scene3d>
+    <dgm:sp3d/>
+    <dgm:txPr/>
+    <dgm:style>
+      <a:lnRef idx="0">
+        <a:scrgbClr r="0" g="0" b="0"/>
+      </a:lnRef>
+      <a:fillRef idx="1">
+        <a:scrgbClr r="0" g="0" b="0"/>
+      </a:fillRef>
+      <a:effectRef idx="0">
+        <a:scrgbClr r="0" g="0" b="0"/>
+      </a:effectRef>
+      <a:fontRef idx="minor"/>
+    </dgm:style>
+  </dgm:styleLbl>
+  <dgm:styleLbl name="dkBgShp">
+    <dgm:scene3d>
+      <a:camera prst="orthographicFront"/>
+      <a:lightRig rig="threePt" dir="t"/>
+    </dgm:scene3d>
+    <dgm:sp3d/>
+    <dgm:txPr/>
+    <dgm:style>
+      <a:lnRef idx="0">
+        <a:scrgbClr r="0" g="0" b="0"/>
+      </a:lnRef>
+      <a:fillRef idx="1">
+        <a:scrgbClr r="0" g="0" b="0"/>
+      </a:fillRef>
+      <a:effectRef idx="0">
+        <a:scrgbClr r="0" g="0" b="0"/>
+      </a:effectRef>
+      <a:fontRef idx="minor"/>
+    </dgm:style>
+  </dgm:styleLbl>
+  <dgm:styleLbl name="trBgShp">
+    <dgm:scene3d>
+      <a:camera prst="orthographicFront"/>
+      <a:lightRig rig="threePt" dir="t"/>
+    </dgm:scene3d>
+    <dgm:sp3d/>
+    <dgm:txPr/>
+    <dgm:style>
+      <a:lnRef idx="0">
+        <a:scrgbClr r="0" g="0" b="0"/>
+      </a:lnRef>
+      <a:fillRef idx="1">
+        <a:scrgbClr r="0" g="0" b="0"/>
+      </a:fillRef>
+      <a:effectRef idx="0">
+        <a:scrgbClr r="0" g="0" b="0"/>
+      </a:effectRef>
+      <a:fontRef idx="minor"/>
+    </dgm:style>
+  </dgm:styleLbl>
+  <dgm:styleLbl name="fgShp">
+    <dgm:scene3d>
+      <a:camera prst="orthographicFront"/>
+      <a:lightRig rig="threePt" dir="t"/>
+    </dgm:scene3d>
+    <dgm:sp3d/>
+    <dgm:txPr/>
+    <dgm:style>
+      <a:lnRef idx="3">
+        <a:scrgbClr r="0" g="0" b="0"/>
+      </a:lnRef>
+      <a:fillRef idx="1">
+        <a:scrgbClr r="0" g="0" b="0"/>
+      </a:fillRef>
+      <a:effectRef idx="1">
         <a:scrgbClr r="0" g="0" b="0"/>
       </a:effectRef>
       <a:fontRef idx="minor"/>
@@ -4570,7 +9941,7 @@
           <a:p>
             <a:fld id="{E88A9183-DCBA-4AB4-9BB9-35AFFC4231E9}" type="datetimeFigureOut">
               <a:rPr lang="en-US" smtClean="0"/>
-              <a:t>5/6/2022</a:t>
+              <a:t>5/12/2022</a:t>
             </a:fld>
             <a:endParaRPr lang="en-US"/>
           </a:p>
@@ -5052,6 +10423,404 @@
 </p:notes>
 </file>
 
+<file path=ppt/notesSlides/notesSlide11.xml><?xml version="1.0" encoding="utf-8"?>
+<p:notes xmlns:a="http://schemas.openxmlformats.org/drawingml/2006/main" xmlns:r="http://schemas.openxmlformats.org/officeDocument/2006/relationships" xmlns:p="http://schemas.openxmlformats.org/presentationml/2006/main">
+  <p:cSld>
+    <p:spTree>
+      <p:nvGrpSpPr>
+        <p:cNvPr id="1" name=""/>
+        <p:cNvGrpSpPr/>
+        <p:nvPr/>
+      </p:nvGrpSpPr>
+      <p:grpSpPr>
+        <a:xfrm>
+          <a:off x="0" y="0"/>
+          <a:ext cx="0" cy="0"/>
+          <a:chOff x="0" y="0"/>
+          <a:chExt cx="0" cy="0"/>
+        </a:xfrm>
+      </p:grpSpPr>
+      <p:sp>
+        <p:nvSpPr>
+          <p:cNvPr id="2" name="Slide Image Placeholder 1"/>
+          <p:cNvSpPr>
+            <a:spLocks noGrp="1" noRot="1" noChangeAspect="1"/>
+          </p:cNvSpPr>
+          <p:nvPr>
+            <p:ph type="sldImg"/>
+          </p:nvPr>
+        </p:nvSpPr>
+        <p:spPr/>
+      </p:sp>
+      <p:sp>
+        <p:nvSpPr>
+          <p:cNvPr id="3" name="Notes Placeholder 2"/>
+          <p:cNvSpPr>
+            <a:spLocks noGrp="1"/>
+          </p:cNvSpPr>
+          <p:nvPr>
+            <p:ph type="body" idx="1"/>
+          </p:nvPr>
+        </p:nvSpPr>
+        <p:spPr/>
+        <p:txBody>
+          <a:bodyPr/>
+          <a:lstStyle/>
+          <a:p>
+            <a:pPr algn="l" fontAlgn="base">
+              <a:buFont typeface="Arial" panose="020B0604020202020204" pitchFamily="34" charset="0"/>
+              <a:buChar char="•"/>
+            </a:pPr>
+            <a:r>
+              <a:rPr lang="en-US" b="1" i="0" dirty="0">
+                <a:solidFill>
+                  <a:srgbClr val="FFFFFF"/>
+                </a:solidFill>
+                <a:effectLst/>
+                <a:latin typeface="urw-din"/>
+              </a:rPr>
+              <a:t>Initialization condition: </a:t>
+            </a:r>
+            <a:r>
+              <a:rPr lang="en-US" b="0" i="0" dirty="0">
+                <a:solidFill>
+                  <a:srgbClr val="FFFFFF"/>
+                </a:solidFill>
+                <a:effectLst/>
+                <a:latin typeface="urw-din"/>
+              </a:rPr>
+              <a:t>It marks the start of a for loop. An already declared variable can be used or a variable can be declared, local to loop only.</a:t>
+            </a:r>
+          </a:p>
+          <a:p>
+            <a:pPr algn="l" fontAlgn="base">
+              <a:buFont typeface="Arial" panose="020B0604020202020204" pitchFamily="34" charset="0"/>
+              <a:buChar char="•"/>
+            </a:pPr>
+            <a:r>
+              <a:rPr lang="en-US" b="1" i="0" dirty="0">
+                <a:solidFill>
+                  <a:srgbClr val="FFFFFF"/>
+                </a:solidFill>
+                <a:effectLst/>
+                <a:latin typeface="urw-din"/>
+              </a:rPr>
+              <a:t>Testing Condition:</a:t>
+            </a:r>
+            <a:r>
+              <a:rPr lang="en-US" b="0" i="0" dirty="0">
+                <a:solidFill>
+                  <a:srgbClr val="FFFFFF"/>
+                </a:solidFill>
+                <a:effectLst/>
+                <a:latin typeface="urw-din"/>
+              </a:rPr>
+              <a:t> It is used for testing the exit condition for a loop. It must return a </a:t>
+            </a:r>
+            <a:r>
+              <a:rPr lang="en-US" b="0" i="0" dirty="0" err="1">
+                <a:solidFill>
+                  <a:srgbClr val="FFFFFF"/>
+                </a:solidFill>
+                <a:effectLst/>
+                <a:latin typeface="urw-din"/>
+              </a:rPr>
+              <a:t>boolean</a:t>
+            </a:r>
+            <a:r>
+              <a:rPr lang="en-US" b="0" i="0" dirty="0">
+                <a:solidFill>
+                  <a:srgbClr val="FFFFFF"/>
+                </a:solidFill>
+                <a:effectLst/>
+                <a:latin typeface="urw-din"/>
+              </a:rPr>
+              <a:t> value. It is also an </a:t>
+            </a:r>
+            <a:r>
+              <a:rPr lang="en-US" b="1" i="0" dirty="0">
+                <a:solidFill>
+                  <a:srgbClr val="FFFFFF"/>
+                </a:solidFill>
+                <a:effectLst/>
+                <a:latin typeface="urw-din"/>
+              </a:rPr>
+              <a:t>Entry Control Loop</a:t>
+            </a:r>
+            <a:r>
+              <a:rPr lang="en-US" b="0" i="0" dirty="0">
+                <a:solidFill>
+                  <a:srgbClr val="FFFFFF"/>
+                </a:solidFill>
+                <a:effectLst/>
+                <a:latin typeface="urw-din"/>
+              </a:rPr>
+              <a:t> as the condition is checked prior to the execution of the loop statements.</a:t>
+            </a:r>
+          </a:p>
+          <a:p>
+            <a:pPr algn="l" fontAlgn="base">
+              <a:buFont typeface="Arial" panose="020B0604020202020204" pitchFamily="34" charset="0"/>
+              <a:buChar char="•"/>
+            </a:pPr>
+            <a:r>
+              <a:rPr lang="en-US" b="1" i="0" dirty="0">
+                <a:solidFill>
+                  <a:srgbClr val="FFFFFF"/>
+                </a:solidFill>
+                <a:effectLst/>
+                <a:latin typeface="urw-din"/>
+              </a:rPr>
+              <a:t>Increment/ Decrement: </a:t>
+            </a:r>
+            <a:r>
+              <a:rPr lang="en-US" b="0" i="0" dirty="0">
+                <a:solidFill>
+                  <a:srgbClr val="FFFFFF"/>
+                </a:solidFill>
+                <a:effectLst/>
+                <a:latin typeface="urw-din"/>
+              </a:rPr>
+              <a:t>It is used for updating the variable for next iteration.</a:t>
+            </a:r>
+          </a:p>
+        </p:txBody>
+      </p:sp>
+      <p:sp>
+        <p:nvSpPr>
+          <p:cNvPr id="4" name="Slide Number Placeholder 3"/>
+          <p:cNvSpPr>
+            <a:spLocks noGrp="1"/>
+          </p:cNvSpPr>
+          <p:nvPr>
+            <p:ph type="sldNum" sz="quarter" idx="5"/>
+          </p:nvPr>
+        </p:nvSpPr>
+        <p:spPr/>
+        <p:txBody>
+          <a:bodyPr/>
+          <a:lstStyle/>
+          <a:p>
+            <a:fld id="{AB04AA61-7569-4972-B621-E1719B307E51}" type="slidenum">
+              <a:rPr lang="en-US" smtClean="0"/>
+              <a:t>28</a:t>
+            </a:fld>
+            <a:endParaRPr lang="en-US"/>
+          </a:p>
+        </p:txBody>
+      </p:sp>
+    </p:spTree>
+    <p:extLst>
+      <p:ext uri="{BB962C8B-B14F-4D97-AF65-F5344CB8AC3E}">
+        <p14:creationId xmlns:p14="http://schemas.microsoft.com/office/powerpoint/2010/main" val="375645949"/>
+      </p:ext>
+    </p:extLst>
+  </p:cSld>
+  <p:clrMapOvr>
+    <a:masterClrMapping/>
+  </p:clrMapOvr>
+</p:notes>
+</file>
+
+<file path=ppt/notesSlides/notesSlide12.xml><?xml version="1.0" encoding="utf-8"?>
+<p:notes xmlns:a="http://schemas.openxmlformats.org/drawingml/2006/main" xmlns:r="http://schemas.openxmlformats.org/officeDocument/2006/relationships" xmlns:p="http://schemas.openxmlformats.org/presentationml/2006/main">
+  <p:cSld>
+    <p:spTree>
+      <p:nvGrpSpPr>
+        <p:cNvPr id="1" name=""/>
+        <p:cNvGrpSpPr/>
+        <p:nvPr/>
+      </p:nvGrpSpPr>
+      <p:grpSpPr>
+        <a:xfrm>
+          <a:off x="0" y="0"/>
+          <a:ext cx="0" cy="0"/>
+          <a:chOff x="0" y="0"/>
+          <a:chExt cx="0" cy="0"/>
+        </a:xfrm>
+      </p:grpSpPr>
+      <p:sp>
+        <p:nvSpPr>
+          <p:cNvPr id="2" name="Slide Image Placeholder 1"/>
+          <p:cNvSpPr>
+            <a:spLocks noGrp="1" noRot="1" noChangeAspect="1"/>
+          </p:cNvSpPr>
+          <p:nvPr>
+            <p:ph type="sldImg"/>
+          </p:nvPr>
+        </p:nvSpPr>
+        <p:spPr/>
+      </p:sp>
+      <p:sp>
+        <p:nvSpPr>
+          <p:cNvPr id="3" name="Notes Placeholder 2"/>
+          <p:cNvSpPr>
+            <a:spLocks noGrp="1"/>
+          </p:cNvSpPr>
+          <p:nvPr>
+            <p:ph type="body" idx="1"/>
+          </p:nvPr>
+        </p:nvSpPr>
+        <p:spPr/>
+        <p:txBody>
+          <a:bodyPr/>
+          <a:lstStyle/>
+          <a:p>
+            <a:pPr algn="l" fontAlgn="base">
+              <a:buFont typeface="Arial" panose="020B0604020202020204" pitchFamily="34" charset="0"/>
+              <a:buChar char="•"/>
+            </a:pPr>
+            <a:r>
+              <a:rPr lang="en-US" b="1" i="0" dirty="0">
+                <a:solidFill>
+                  <a:srgbClr val="FFFFFF"/>
+                </a:solidFill>
+                <a:effectLst/>
+                <a:latin typeface="urw-din"/>
+              </a:rPr>
+              <a:t>Initialization condition: </a:t>
+            </a:r>
+            <a:r>
+              <a:rPr lang="en-US" b="0" i="0" dirty="0">
+                <a:solidFill>
+                  <a:srgbClr val="FFFFFF"/>
+                </a:solidFill>
+                <a:effectLst/>
+                <a:latin typeface="urw-din"/>
+              </a:rPr>
+              <a:t>It marks the start of a for loop. An already declared variable can be used or a variable can be declared, local to loop only.</a:t>
+            </a:r>
+          </a:p>
+          <a:p>
+            <a:pPr algn="l" fontAlgn="base">
+              <a:buFont typeface="Arial" panose="020B0604020202020204" pitchFamily="34" charset="0"/>
+              <a:buChar char="•"/>
+            </a:pPr>
+            <a:r>
+              <a:rPr lang="en-US" b="1" i="0" dirty="0">
+                <a:solidFill>
+                  <a:srgbClr val="FFFFFF"/>
+                </a:solidFill>
+                <a:effectLst/>
+                <a:latin typeface="urw-din"/>
+              </a:rPr>
+              <a:t>Testing Condition:</a:t>
+            </a:r>
+            <a:r>
+              <a:rPr lang="en-US" b="0" i="0" dirty="0">
+                <a:solidFill>
+                  <a:srgbClr val="FFFFFF"/>
+                </a:solidFill>
+                <a:effectLst/>
+                <a:latin typeface="urw-din"/>
+              </a:rPr>
+              <a:t> It is used for testing the exit condition for a loop. It must return a </a:t>
+            </a:r>
+            <a:r>
+              <a:rPr lang="en-US" b="0" i="0" dirty="0" err="1">
+                <a:solidFill>
+                  <a:srgbClr val="FFFFFF"/>
+                </a:solidFill>
+                <a:effectLst/>
+                <a:latin typeface="urw-din"/>
+              </a:rPr>
+              <a:t>boolean</a:t>
+            </a:r>
+            <a:r>
+              <a:rPr lang="en-US" b="0" i="0" dirty="0">
+                <a:solidFill>
+                  <a:srgbClr val="FFFFFF"/>
+                </a:solidFill>
+                <a:effectLst/>
+                <a:latin typeface="urw-din"/>
+              </a:rPr>
+              <a:t> value. It is also an </a:t>
+            </a:r>
+            <a:r>
+              <a:rPr lang="en-US" b="1" i="0" dirty="0">
+                <a:solidFill>
+                  <a:srgbClr val="FFFFFF"/>
+                </a:solidFill>
+                <a:effectLst/>
+                <a:latin typeface="urw-din"/>
+              </a:rPr>
+              <a:t>Entry Control Loop</a:t>
+            </a:r>
+            <a:r>
+              <a:rPr lang="en-US" b="0" i="0" dirty="0">
+                <a:solidFill>
+                  <a:srgbClr val="FFFFFF"/>
+                </a:solidFill>
+                <a:effectLst/>
+                <a:latin typeface="urw-din"/>
+              </a:rPr>
+              <a:t> as the condition is checked prior to the execution of the loop statements.</a:t>
+            </a:r>
+          </a:p>
+          <a:p>
+            <a:pPr algn="l" fontAlgn="base">
+              <a:buFont typeface="Arial" panose="020B0604020202020204" pitchFamily="34" charset="0"/>
+              <a:buChar char="•"/>
+            </a:pPr>
+            <a:r>
+              <a:rPr lang="en-US" b="1" i="0" dirty="0">
+                <a:solidFill>
+                  <a:srgbClr val="FFFFFF"/>
+                </a:solidFill>
+                <a:effectLst/>
+                <a:latin typeface="urw-din"/>
+              </a:rPr>
+              <a:t>Increment/ Decrement: </a:t>
+            </a:r>
+            <a:r>
+              <a:rPr lang="en-US" b="0" i="0" dirty="0">
+                <a:solidFill>
+                  <a:srgbClr val="FFFFFF"/>
+                </a:solidFill>
+                <a:effectLst/>
+                <a:latin typeface="urw-din"/>
+              </a:rPr>
+              <a:t>It is used for updating the variable for next iteration.</a:t>
+            </a:r>
+          </a:p>
+        </p:txBody>
+      </p:sp>
+      <p:sp>
+        <p:nvSpPr>
+          <p:cNvPr id="4" name="Slide Number Placeholder 3"/>
+          <p:cNvSpPr>
+            <a:spLocks noGrp="1"/>
+          </p:cNvSpPr>
+          <p:nvPr>
+            <p:ph type="sldNum" sz="quarter" idx="5"/>
+          </p:nvPr>
+        </p:nvSpPr>
+        <p:spPr/>
+        <p:txBody>
+          <a:bodyPr/>
+          <a:lstStyle/>
+          <a:p>
+            <a:fld id="{AB04AA61-7569-4972-B621-E1719B307E51}" type="slidenum">
+              <a:rPr lang="en-US" smtClean="0"/>
+              <a:t>29</a:t>
+            </a:fld>
+            <a:endParaRPr lang="en-US"/>
+          </a:p>
+        </p:txBody>
+      </p:sp>
+    </p:spTree>
+    <p:extLst>
+      <p:ext uri="{BB962C8B-B14F-4D97-AF65-F5344CB8AC3E}">
+        <p14:creationId xmlns:p14="http://schemas.microsoft.com/office/powerpoint/2010/main" val="828944428"/>
+      </p:ext>
+    </p:extLst>
+  </p:cSld>
+  <p:clrMapOvr>
+    <a:masterClrMapping/>
+  </p:clrMapOvr>
+</p:notes>
+</file>
+
 <file path=ppt/notesSlides/notesSlide2.xml><?xml version="1.0" encoding="utf-8"?>
 <p:notes xmlns:a="http://schemas.openxmlformats.org/drawingml/2006/main" xmlns:r="http://schemas.openxmlformats.org/officeDocument/2006/relationships" xmlns:p="http://schemas.openxmlformats.org/presentationml/2006/main">
   <p:cSld>
@@ -6129,7 +11898,7 @@
           <a:p>
             <a:fld id="{72345051-2045-45DA-935E-2E3CA1A69ADC}" type="datetimeFigureOut">
               <a:rPr lang="en-US" smtClean="0"/>
-              <a:t>5/6/2022</a:t>
+              <a:t>5/12/2022</a:t>
             </a:fld>
             <a:endParaRPr lang="en-US" dirty="0"/>
           </a:p>
@@ -6327,7 +12096,7 @@
           <a:p>
             <a:fld id="{72345051-2045-45DA-935E-2E3CA1A69ADC}" type="datetimeFigureOut">
               <a:rPr lang="en-US" smtClean="0"/>
-              <a:t>5/6/2022</a:t>
+              <a:t>5/12/2022</a:t>
             </a:fld>
             <a:endParaRPr lang="en-US"/>
           </a:p>
@@ -6535,7 +12304,7 @@
           <a:p>
             <a:fld id="{72345051-2045-45DA-935E-2E3CA1A69ADC}" type="datetimeFigureOut">
               <a:rPr lang="en-US" smtClean="0"/>
-              <a:t>5/6/2022</a:t>
+              <a:t>5/12/2022</a:t>
             </a:fld>
             <a:endParaRPr lang="en-US"/>
           </a:p>
@@ -6733,7 +12502,7 @@
           <a:p>
             <a:fld id="{72345051-2045-45DA-935E-2E3CA1A69ADC}" type="datetimeFigureOut">
               <a:rPr lang="en-US" smtClean="0"/>
-              <a:t>5/6/2022</a:t>
+              <a:t>5/12/2022</a:t>
             </a:fld>
             <a:endParaRPr lang="en-US"/>
           </a:p>
@@ -7008,7 +12777,7 @@
           <a:p>
             <a:fld id="{72345051-2045-45DA-935E-2E3CA1A69ADC}" type="datetimeFigureOut">
               <a:rPr lang="en-US" smtClean="0"/>
-              <a:t>5/6/2022</a:t>
+              <a:t>5/12/2022</a:t>
             </a:fld>
             <a:endParaRPr lang="en-US"/>
           </a:p>
@@ -7273,7 +13042,7 @@
           <a:p>
             <a:fld id="{72345051-2045-45DA-935E-2E3CA1A69ADC}" type="datetimeFigureOut">
               <a:rPr lang="en-US" smtClean="0"/>
-              <a:t>5/6/2022</a:t>
+              <a:t>5/12/2022</a:t>
             </a:fld>
             <a:endParaRPr lang="en-US"/>
           </a:p>
@@ -7685,7 +13454,7 @@
           <a:p>
             <a:fld id="{72345051-2045-45DA-935E-2E3CA1A69ADC}" type="datetimeFigureOut">
               <a:rPr lang="en-US" smtClean="0"/>
-              <a:t>5/6/2022</a:t>
+              <a:t>5/12/2022</a:t>
             </a:fld>
             <a:endParaRPr lang="en-US"/>
           </a:p>
@@ -7826,7 +13595,7 @@
           <a:p>
             <a:fld id="{72345051-2045-45DA-935E-2E3CA1A69ADC}" type="datetimeFigureOut">
               <a:rPr lang="en-US" smtClean="0"/>
-              <a:t>5/6/2022</a:t>
+              <a:t>5/12/2022</a:t>
             </a:fld>
             <a:endParaRPr lang="en-US"/>
           </a:p>
@@ -7939,7 +13708,7 @@
           <a:p>
             <a:fld id="{72345051-2045-45DA-935E-2E3CA1A69ADC}" type="datetimeFigureOut">
               <a:rPr lang="en-US" smtClean="0"/>
-              <a:t>5/6/2022</a:t>
+              <a:t>5/12/2022</a:t>
             </a:fld>
             <a:endParaRPr lang="en-US"/>
           </a:p>
@@ -8250,7 +14019,7 @@
           <a:p>
             <a:fld id="{72345051-2045-45DA-935E-2E3CA1A69ADC}" type="datetimeFigureOut">
               <a:rPr lang="en-US" smtClean="0"/>
-              <a:t>5/6/2022</a:t>
+              <a:t>5/12/2022</a:t>
             </a:fld>
             <a:endParaRPr lang="en-US"/>
           </a:p>
@@ -8538,7 +14307,7 @@
           <a:p>
             <a:fld id="{72345051-2045-45DA-935E-2E3CA1A69ADC}" type="datetimeFigureOut">
               <a:rPr lang="en-US" smtClean="0"/>
-              <a:t>5/6/2022</a:t>
+              <a:t>5/12/2022</a:t>
             </a:fld>
             <a:endParaRPr lang="en-US"/>
           </a:p>
@@ -8779,7 +14548,7 @@
           <a:p>
             <a:fld id="{72345051-2045-45DA-935E-2E3CA1A69ADC}" type="datetimeFigureOut">
               <a:rPr lang="en-US" smtClean="0"/>
-              <a:t>5/6/2022</a:t>
+              <a:t>5/12/2022</a:t>
             </a:fld>
             <a:endParaRPr lang="en-US" dirty="0"/>
           </a:p>
@@ -17035,6 +22804,2323 @@
 </p:sld>
 </file>
 
+<file path=ppt/slides/slide25.xml><?xml version="1.0" encoding="utf-8"?>
+<p:sld xmlns:a="http://schemas.openxmlformats.org/drawingml/2006/main" xmlns:r="http://schemas.openxmlformats.org/officeDocument/2006/relationships" xmlns:p="http://schemas.openxmlformats.org/presentationml/2006/main">
+  <p:cSld>
+    <p:bg>
+      <p:bgPr>
+        <a:solidFill>
+          <a:schemeClr val="bg1"/>
+        </a:solidFill>
+        <a:effectLst/>
+      </p:bgPr>
+    </p:bg>
+    <p:spTree>
+      <p:nvGrpSpPr>
+        <p:cNvPr id="1" name=""/>
+        <p:cNvGrpSpPr/>
+        <p:nvPr/>
+      </p:nvGrpSpPr>
+      <p:grpSpPr>
+        <a:xfrm>
+          <a:off x="0" y="0"/>
+          <a:ext cx="0" cy="0"/>
+          <a:chOff x="0" y="0"/>
+          <a:chExt cx="0" cy="0"/>
+        </a:xfrm>
+      </p:grpSpPr>
+      <p:sp useBgFill="1">
+        <p:nvSpPr>
+          <p:cNvPr id="15" name="Rectangle 14">
+            <a:extLst>
+              <a:ext uri="{FF2B5EF4-FFF2-40B4-BE49-F238E27FC236}">
+                <a16:creationId xmlns:a16="http://schemas.microsoft.com/office/drawing/2014/main" id="{2E17E911-875F-4DE5-8699-99D9F1805A5D}"/>
+              </a:ext>
+              <a:ext uri="{C183D7F6-B498-43B3-948B-1728B52AA6E4}">
+                <adec:decorative xmlns:adec="http://schemas.microsoft.com/office/drawing/2017/decorative" val="1"/>
+              </a:ext>
+            </a:extLst>
+          </p:cNvPr>
+          <p:cNvSpPr>
+            <a:spLocks noGrp="1" noRot="1" noChangeAspect="1" noMove="1" noResize="1" noEditPoints="1" noAdjustHandles="1" noChangeArrowheads="1" noChangeShapeType="1" noTextEdit="1"/>
+          </p:cNvSpPr>
+          <p:nvPr>
+            <p:extLst>
+              <p:ext uri="{386F3935-93C4-4BCD-93E2-E3B085C9AB24}">
+                <p16:designElem xmlns:p16="http://schemas.microsoft.com/office/powerpoint/2015/main" val="1"/>
+              </p:ext>
+            </p:extLst>
+          </p:nvPr>
+        </p:nvSpPr>
+        <p:spPr>
+          <a:xfrm>
+            <a:off x="0" y="2"/>
+            <a:ext cx="12192000" cy="6857997"/>
+          </a:xfrm>
+          <a:prstGeom prst="rect">
+            <a:avLst/>
+          </a:prstGeom>
+          <a:ln>
+            <a:noFill/>
+          </a:ln>
+        </p:spPr>
+        <p:style>
+          <a:lnRef idx="2">
+            <a:schemeClr val="accent1">
+              <a:shade val="50000"/>
+            </a:schemeClr>
+          </a:lnRef>
+          <a:fillRef idx="1">
+            <a:schemeClr val="accent1"/>
+          </a:fillRef>
+          <a:effectRef idx="0">
+            <a:schemeClr val="accent1"/>
+          </a:effectRef>
+          <a:fontRef idx="minor">
+            <a:schemeClr val="lt1"/>
+          </a:fontRef>
+        </p:style>
+        <p:txBody>
+          <a:bodyPr rtlCol="0" anchor="ctr"/>
+          <a:lstStyle/>
+          <a:p>
+            <a:pPr algn="ctr"/>
+            <a:endParaRPr lang="en-US"/>
+          </a:p>
+        </p:txBody>
+      </p:sp>
+      <p:sp>
+        <p:nvSpPr>
+          <p:cNvPr id="17" name="Rectangle 16">
+            <a:extLst>
+              <a:ext uri="{FF2B5EF4-FFF2-40B4-BE49-F238E27FC236}">
+                <a16:creationId xmlns:a16="http://schemas.microsoft.com/office/drawing/2014/main" id="{CD9FE4EF-C4D8-49A0-B2FF-81D8DB7D8A24}"/>
+              </a:ext>
+              <a:ext uri="{C183D7F6-B498-43B3-948B-1728B52AA6E4}">
+                <adec:decorative xmlns:adec="http://schemas.microsoft.com/office/drawing/2017/decorative" val="1"/>
+              </a:ext>
+            </a:extLst>
+          </p:cNvPr>
+          <p:cNvSpPr>
+            <a:spLocks noGrp="1" noRot="1" noChangeAspect="1" noMove="1" noResize="1" noEditPoints="1" noAdjustHandles="1" noChangeArrowheads="1" noChangeShapeType="1" noTextEdit="1"/>
+          </p:cNvSpPr>
+          <p:nvPr>
+            <p:extLst>
+              <p:ext uri="{386F3935-93C4-4BCD-93E2-E3B085C9AB24}">
+                <p16:designElem xmlns:p16="http://schemas.microsoft.com/office/powerpoint/2015/main" val="1"/>
+              </p:ext>
+            </p:extLst>
+          </p:nvPr>
+        </p:nvSpPr>
+        <p:spPr>
+          <a:xfrm rot="5400000" flipH="1">
+            <a:off x="-1410084" y="1410082"/>
+            <a:ext cx="6858000" cy="4037836"/>
+          </a:xfrm>
+          <a:prstGeom prst="rect">
+            <a:avLst/>
+          </a:prstGeom>
+          <a:gradFill>
+            <a:gsLst>
+              <a:gs pos="8000">
+                <a:srgbClr val="000000"/>
+              </a:gs>
+              <a:gs pos="100000">
+                <a:schemeClr val="accent1">
+                  <a:lumMod val="75000"/>
+                </a:schemeClr>
+              </a:gs>
+            </a:gsLst>
+            <a:lin ang="3000000" scaled="0"/>
+          </a:gradFill>
+          <a:ln>
+            <a:noFill/>
+          </a:ln>
+        </p:spPr>
+        <p:style>
+          <a:lnRef idx="2">
+            <a:schemeClr val="accent1">
+              <a:shade val="50000"/>
+            </a:schemeClr>
+          </a:lnRef>
+          <a:fillRef idx="1">
+            <a:schemeClr val="accent1"/>
+          </a:fillRef>
+          <a:effectRef idx="0">
+            <a:schemeClr val="accent1"/>
+          </a:effectRef>
+          <a:fontRef idx="minor">
+            <a:schemeClr val="lt1"/>
+          </a:fontRef>
+        </p:style>
+        <p:txBody>
+          <a:bodyPr rtlCol="0" anchor="ctr"/>
+          <a:lstStyle/>
+          <a:p>
+            <a:pPr algn="ctr"/>
+            <a:endParaRPr lang="en-US"/>
+          </a:p>
+        </p:txBody>
+      </p:sp>
+      <p:sp>
+        <p:nvSpPr>
+          <p:cNvPr id="19" name="Rectangle 18">
+            <a:extLst>
+              <a:ext uri="{FF2B5EF4-FFF2-40B4-BE49-F238E27FC236}">
+                <a16:creationId xmlns:a16="http://schemas.microsoft.com/office/drawing/2014/main" id="{4300840D-0A0B-4512-BACA-B439D5B9C57C}"/>
+              </a:ext>
+              <a:ext uri="{C183D7F6-B498-43B3-948B-1728B52AA6E4}">
+                <adec:decorative xmlns:adec="http://schemas.microsoft.com/office/drawing/2017/decorative" val="1"/>
+              </a:ext>
+            </a:extLst>
+          </p:cNvPr>
+          <p:cNvSpPr>
+            <a:spLocks noGrp="1" noRot="1" noChangeAspect="1" noMove="1" noResize="1" noEditPoints="1" noAdjustHandles="1" noChangeArrowheads="1" noChangeShapeType="1" noTextEdit="1"/>
+          </p:cNvSpPr>
+          <p:nvPr>
+            <p:extLst>
+              <p:ext uri="{386F3935-93C4-4BCD-93E2-E3B085C9AB24}">
+                <p16:designElem xmlns:p16="http://schemas.microsoft.com/office/powerpoint/2015/main" val="1"/>
+              </p:ext>
+            </p:extLst>
+          </p:nvPr>
+        </p:nvSpPr>
+        <p:spPr>
+          <a:xfrm rot="5400000" flipH="1">
+            <a:off x="-1410085" y="1420219"/>
+            <a:ext cx="6857999" cy="4037839"/>
+          </a:xfrm>
+          <a:prstGeom prst="rect">
+            <a:avLst/>
+          </a:prstGeom>
+          <a:gradFill>
+            <a:gsLst>
+              <a:gs pos="0">
+                <a:srgbClr val="000000">
+                  <a:alpha val="0"/>
+                </a:srgbClr>
+              </a:gs>
+              <a:gs pos="99000">
+                <a:schemeClr val="accent1">
+                  <a:alpha val="46000"/>
+                </a:schemeClr>
+              </a:gs>
+            </a:gsLst>
+            <a:lin ang="1800000" scaled="0"/>
+          </a:gradFill>
+          <a:ln>
+            <a:noFill/>
+          </a:ln>
+        </p:spPr>
+        <p:style>
+          <a:lnRef idx="2">
+            <a:schemeClr val="accent1">
+              <a:shade val="50000"/>
+            </a:schemeClr>
+          </a:lnRef>
+          <a:fillRef idx="1">
+            <a:schemeClr val="accent1"/>
+          </a:fillRef>
+          <a:effectRef idx="0">
+            <a:schemeClr val="accent1"/>
+          </a:effectRef>
+          <a:fontRef idx="minor">
+            <a:schemeClr val="lt1"/>
+          </a:fontRef>
+        </p:style>
+        <p:txBody>
+          <a:bodyPr rtlCol="0" anchor="ctr"/>
+          <a:lstStyle/>
+          <a:p>
+            <a:pPr algn="ctr"/>
+            <a:endParaRPr lang="en-US"/>
+          </a:p>
+        </p:txBody>
+      </p:sp>
+      <p:sp>
+        <p:nvSpPr>
+          <p:cNvPr id="21" name="Rectangle 20">
+            <a:extLst>
+              <a:ext uri="{FF2B5EF4-FFF2-40B4-BE49-F238E27FC236}">
+                <a16:creationId xmlns:a16="http://schemas.microsoft.com/office/drawing/2014/main" id="{D2B78728-A580-49A7-84F9-6EF6F583ADE0}"/>
+              </a:ext>
+              <a:ext uri="{C183D7F6-B498-43B3-948B-1728B52AA6E4}">
+                <adec:decorative xmlns:adec="http://schemas.microsoft.com/office/drawing/2017/decorative" val="1"/>
+              </a:ext>
+            </a:extLst>
+          </p:cNvPr>
+          <p:cNvSpPr>
+            <a:spLocks noGrp="1" noRot="1" noChangeAspect="1" noMove="1" noResize="1" noEditPoints="1" noAdjustHandles="1" noChangeArrowheads="1" noChangeShapeType="1" noTextEdit="1"/>
+          </p:cNvSpPr>
+          <p:nvPr>
+            <p:extLst>
+              <p:ext uri="{386F3935-93C4-4BCD-93E2-E3B085C9AB24}">
+                <p16:designElem xmlns:p16="http://schemas.microsoft.com/office/powerpoint/2015/main" val="1"/>
+              </p:ext>
+            </p:extLst>
+          </p:nvPr>
+        </p:nvSpPr>
+        <p:spPr>
+          <a:xfrm rot="5400000" flipH="1">
+            <a:off x="767923" y="3588085"/>
+            <a:ext cx="2501979" cy="4037841"/>
+          </a:xfrm>
+          <a:prstGeom prst="rect">
+            <a:avLst/>
+          </a:prstGeom>
+          <a:gradFill>
+            <a:gsLst>
+              <a:gs pos="2000">
+                <a:schemeClr val="accent1">
+                  <a:alpha val="29000"/>
+                </a:schemeClr>
+              </a:gs>
+              <a:gs pos="100000">
+                <a:srgbClr val="000000">
+                  <a:alpha val="30000"/>
+                </a:srgbClr>
+              </a:gs>
+            </a:gsLst>
+            <a:lin ang="7800000" scaled="0"/>
+          </a:gradFill>
+          <a:ln>
+            <a:noFill/>
+          </a:ln>
+        </p:spPr>
+        <p:style>
+          <a:lnRef idx="2">
+            <a:schemeClr val="accent1">
+              <a:shade val="50000"/>
+            </a:schemeClr>
+          </a:lnRef>
+          <a:fillRef idx="1">
+            <a:schemeClr val="accent1"/>
+          </a:fillRef>
+          <a:effectRef idx="0">
+            <a:schemeClr val="accent1"/>
+          </a:effectRef>
+          <a:fontRef idx="minor">
+            <a:schemeClr val="lt1"/>
+          </a:fontRef>
+        </p:style>
+        <p:txBody>
+          <a:bodyPr rtlCol="0" anchor="ctr"/>
+          <a:lstStyle/>
+          <a:p>
+            <a:pPr algn="ctr"/>
+            <a:endParaRPr lang="en-US" dirty="0"/>
+          </a:p>
+        </p:txBody>
+      </p:sp>
+      <p:sp>
+        <p:nvSpPr>
+          <p:cNvPr id="23" name="Freeform: Shape 22">
+            <a:extLst>
+              <a:ext uri="{FF2B5EF4-FFF2-40B4-BE49-F238E27FC236}">
+                <a16:creationId xmlns:a16="http://schemas.microsoft.com/office/drawing/2014/main" id="{38FAA1A1-D861-433F-88FA-1E9D6FD31D11}"/>
+              </a:ext>
+              <a:ext uri="{C183D7F6-B498-43B3-948B-1728B52AA6E4}">
+                <adec:decorative xmlns:adec="http://schemas.microsoft.com/office/drawing/2017/decorative" val="1"/>
+              </a:ext>
+            </a:extLst>
+          </p:cNvPr>
+          <p:cNvSpPr>
+            <a:spLocks noGrp="1" noRot="1" noChangeAspect="1" noMove="1" noResize="1" noEditPoints="1" noAdjustHandles="1" noChangeArrowheads="1" noChangeShapeType="1" noTextEdit="1"/>
+          </p:cNvSpPr>
+          <p:nvPr>
+            <p:extLst>
+              <p:ext uri="{386F3935-93C4-4BCD-93E2-E3B085C9AB24}">
+                <p16:designElem xmlns:p16="http://schemas.microsoft.com/office/powerpoint/2015/main" val="1"/>
+              </p:ext>
+            </p:extLst>
+          </p:nvPr>
+        </p:nvSpPr>
+        <p:spPr>
+          <a:xfrm rot="20635413">
+            <a:off x="-501737" y="969718"/>
+            <a:ext cx="3900357" cy="4178958"/>
+          </a:xfrm>
+          <a:custGeom>
+            <a:avLst/>
+            <a:gdLst>
+              <a:gd name="connsiteX0" fmla="*/ 2432225 w 3900357"/>
+              <a:gd name="connsiteY0" fmla="*/ 93939 h 4178958"/>
+              <a:gd name="connsiteX1" fmla="*/ 3900357 w 3900357"/>
+              <a:gd name="connsiteY1" fmla="*/ 2089479 h 4178958"/>
+              <a:gd name="connsiteX2" fmla="*/ 1810878 w 3900357"/>
+              <a:gd name="connsiteY2" fmla="*/ 4178958 h 4178958"/>
+              <a:gd name="connsiteX3" fmla="*/ 78249 w 3900357"/>
+              <a:gd name="connsiteY3" fmla="*/ 3257727 h 4178958"/>
+              <a:gd name="connsiteX4" fmla="*/ 0 w 3900357"/>
+              <a:gd name="connsiteY4" fmla="*/ 3128923 h 4178958"/>
+              <a:gd name="connsiteX5" fmla="*/ 831324 w 3900357"/>
+              <a:gd name="connsiteY5" fmla="*/ 244281 h 4178958"/>
+              <a:gd name="connsiteX6" fmla="*/ 997559 w 3900357"/>
+              <a:gd name="connsiteY6" fmla="*/ 164202 h 4178958"/>
+              <a:gd name="connsiteX7" fmla="*/ 1810878 w 3900357"/>
+              <a:gd name="connsiteY7" fmla="*/ 0 h 4178958"/>
+              <a:gd name="connsiteX8" fmla="*/ 2432225 w 3900357"/>
+              <a:gd name="connsiteY8" fmla="*/ 93939 h 4178958"/>
+            </a:gdLst>
+            <a:ahLst/>
+            <a:cxnLst>
+              <a:cxn ang="0">
+                <a:pos x="connsiteX0" y="connsiteY0"/>
+              </a:cxn>
+              <a:cxn ang="0">
+                <a:pos x="connsiteX1" y="connsiteY1"/>
+              </a:cxn>
+              <a:cxn ang="0">
+                <a:pos x="connsiteX2" y="connsiteY2"/>
+              </a:cxn>
+              <a:cxn ang="0">
+                <a:pos x="connsiteX3" y="connsiteY3"/>
+              </a:cxn>
+              <a:cxn ang="0">
+                <a:pos x="connsiteX4" y="connsiteY4"/>
+              </a:cxn>
+              <a:cxn ang="0">
+                <a:pos x="connsiteX5" y="connsiteY5"/>
+              </a:cxn>
+              <a:cxn ang="0">
+                <a:pos x="connsiteX6" y="connsiteY6"/>
+              </a:cxn>
+              <a:cxn ang="0">
+                <a:pos x="connsiteX7" y="connsiteY7"/>
+              </a:cxn>
+              <a:cxn ang="0">
+                <a:pos x="connsiteX8" y="connsiteY8"/>
+              </a:cxn>
+            </a:cxnLst>
+            <a:rect l="l" t="t" r="r" b="b"/>
+            <a:pathLst>
+              <a:path w="3900357" h="4178958">
+                <a:moveTo>
+                  <a:pt x="2432225" y="93939"/>
+                </a:moveTo>
+                <a:cubicBezTo>
+                  <a:pt x="3282786" y="358491"/>
+                  <a:pt x="3900357" y="1151865"/>
+                  <a:pt x="3900357" y="2089479"/>
+                </a:cubicBezTo>
+                <a:cubicBezTo>
+                  <a:pt x="3900357" y="3243466"/>
+                  <a:pt x="2964865" y="4178958"/>
+                  <a:pt x="1810878" y="4178958"/>
+                </a:cubicBezTo>
+                <a:cubicBezTo>
+                  <a:pt x="1089636" y="4178958"/>
+                  <a:pt x="453744" y="3813531"/>
+                  <a:pt x="78249" y="3257727"/>
+                </a:cubicBezTo>
+                <a:lnTo>
+                  <a:pt x="0" y="3128923"/>
+                </a:lnTo>
+                <a:lnTo>
+                  <a:pt x="831324" y="244281"/>
+                </a:lnTo>
+                <a:lnTo>
+                  <a:pt x="997559" y="164202"/>
+                </a:lnTo>
+                <a:cubicBezTo>
+                  <a:pt x="1247540" y="58468"/>
+                  <a:pt x="1522381" y="0"/>
+                  <a:pt x="1810878" y="0"/>
+                </a:cubicBezTo>
+                <a:cubicBezTo>
+                  <a:pt x="2027251" y="0"/>
+                  <a:pt x="2235942" y="32888"/>
+                  <a:pt x="2432225" y="93939"/>
+                </a:cubicBezTo>
+                <a:close/>
+              </a:path>
+            </a:pathLst>
+          </a:custGeom>
+          <a:gradFill>
+            <a:gsLst>
+              <a:gs pos="29000">
+                <a:srgbClr val="000000">
+                  <a:alpha val="0"/>
+                </a:srgbClr>
+              </a:gs>
+              <a:gs pos="100000">
+                <a:schemeClr val="accent1">
+                  <a:alpha val="43000"/>
+                </a:schemeClr>
+              </a:gs>
+            </a:gsLst>
+            <a:lin ang="1800000" scaled="0"/>
+          </a:gradFill>
+          <a:ln>
+            <a:noFill/>
+          </a:ln>
+        </p:spPr>
+        <p:style>
+          <a:lnRef idx="2">
+            <a:schemeClr val="accent1">
+              <a:shade val="50000"/>
+            </a:schemeClr>
+          </a:lnRef>
+          <a:fillRef idx="1">
+            <a:schemeClr val="accent1"/>
+          </a:fillRef>
+          <a:effectRef idx="0">
+            <a:schemeClr val="accent1"/>
+          </a:effectRef>
+          <a:fontRef idx="minor">
+            <a:schemeClr val="lt1"/>
+          </a:fontRef>
+        </p:style>
+        <p:txBody>
+          <a:bodyPr wrap="square" rtlCol="0" anchor="ctr">
+            <a:noAutofit/>
+          </a:bodyPr>
+          <a:lstStyle/>
+          <a:p>
+            <a:pPr algn="ctr"/>
+            <a:endParaRPr lang="en-US" dirty="0"/>
+          </a:p>
+        </p:txBody>
+      </p:sp>
+      <p:sp>
+        <p:nvSpPr>
+          <p:cNvPr id="25" name="Rectangle 24">
+            <a:extLst>
+              <a:ext uri="{FF2B5EF4-FFF2-40B4-BE49-F238E27FC236}">
+                <a16:creationId xmlns:a16="http://schemas.microsoft.com/office/drawing/2014/main" id="{8D71EDA1-87BF-4D5D-AB79-F346FD19278A}"/>
+              </a:ext>
+              <a:ext uri="{C183D7F6-B498-43B3-948B-1728B52AA6E4}">
+                <adec:decorative xmlns:adec="http://schemas.microsoft.com/office/drawing/2017/decorative" val="1"/>
+              </a:ext>
+            </a:extLst>
+          </p:cNvPr>
+          <p:cNvSpPr>
+            <a:spLocks noGrp="1" noRot="1" noChangeAspect="1" noMove="1" noResize="1" noEditPoints="1" noAdjustHandles="1" noChangeArrowheads="1" noChangeShapeType="1" noTextEdit="1"/>
+          </p:cNvSpPr>
+          <p:nvPr>
+            <p:extLst>
+              <p:ext uri="{386F3935-93C4-4BCD-93E2-E3B085C9AB24}">
+                <p16:designElem xmlns:p16="http://schemas.microsoft.com/office/powerpoint/2015/main" val="1"/>
+              </p:ext>
+            </p:extLst>
+          </p:nvPr>
+        </p:nvSpPr>
+        <p:spPr>
+          <a:xfrm rot="5400000" flipH="1">
+            <a:off x="-1410095" y="1410079"/>
+            <a:ext cx="6858003" cy="4037835"/>
+          </a:xfrm>
+          <a:prstGeom prst="rect">
+            <a:avLst/>
+          </a:prstGeom>
+          <a:gradFill>
+            <a:gsLst>
+              <a:gs pos="0">
+                <a:srgbClr val="000000">
+                  <a:alpha val="0"/>
+                </a:srgbClr>
+              </a:gs>
+              <a:gs pos="99000">
+                <a:schemeClr val="accent1">
+                  <a:lumMod val="60000"/>
+                  <a:lumOff val="40000"/>
+                  <a:alpha val="11000"/>
+                </a:schemeClr>
+              </a:gs>
+            </a:gsLst>
+            <a:lin ang="7200000" scaled="0"/>
+          </a:gradFill>
+          <a:ln>
+            <a:noFill/>
+          </a:ln>
+        </p:spPr>
+        <p:style>
+          <a:lnRef idx="2">
+            <a:schemeClr val="accent1">
+              <a:shade val="50000"/>
+            </a:schemeClr>
+          </a:lnRef>
+          <a:fillRef idx="1">
+            <a:schemeClr val="accent1"/>
+          </a:fillRef>
+          <a:effectRef idx="0">
+            <a:schemeClr val="accent1"/>
+          </a:effectRef>
+          <a:fontRef idx="minor">
+            <a:schemeClr val="lt1"/>
+          </a:fontRef>
+        </p:style>
+        <p:txBody>
+          <a:bodyPr rtlCol="0" anchor="ctr"/>
+          <a:lstStyle/>
+          <a:p>
+            <a:pPr algn="ctr"/>
+            <a:endParaRPr lang="en-US"/>
+          </a:p>
+        </p:txBody>
+      </p:sp>
+      <p:sp>
+        <p:nvSpPr>
+          <p:cNvPr id="2" name="Title 1">
+            <a:extLst>
+              <a:ext uri="{FF2B5EF4-FFF2-40B4-BE49-F238E27FC236}">
+                <a16:creationId xmlns:a16="http://schemas.microsoft.com/office/drawing/2014/main" id="{EC699016-5A93-48D1-B6E3-858E52496390}"/>
+              </a:ext>
+            </a:extLst>
+          </p:cNvPr>
+          <p:cNvSpPr>
+            <a:spLocks noGrp="1"/>
+          </p:cNvSpPr>
+          <p:nvPr>
+            <p:ph type="title"/>
+          </p:nvPr>
+        </p:nvSpPr>
+        <p:spPr>
+          <a:xfrm>
+            <a:off x="466722" y="586855"/>
+            <a:ext cx="3201366" cy="3387497"/>
+          </a:xfrm>
+        </p:spPr>
+        <p:txBody>
+          <a:bodyPr anchor="b">
+            <a:normAutofit/>
+          </a:bodyPr>
+          <a:lstStyle/>
+          <a:p>
+            <a:pPr algn="r"/>
+            <a:r>
+              <a:rPr lang="en-US" sz="4000">
+                <a:solidFill>
+                  <a:srgbClr val="FFFFFF"/>
+                </a:solidFill>
+              </a:rPr>
+              <a:t>Estructuras de Repetición</a:t>
+            </a:r>
+          </a:p>
+        </p:txBody>
+      </p:sp>
+      <p:graphicFrame>
+        <p:nvGraphicFramePr>
+          <p:cNvPr id="8" name="Content Placeholder 7">
+            <a:extLst>
+              <a:ext uri="{FF2B5EF4-FFF2-40B4-BE49-F238E27FC236}">
+                <a16:creationId xmlns:a16="http://schemas.microsoft.com/office/drawing/2014/main" id="{BE2B9064-4258-4979-94CB-B6FE9730ADD7}"/>
+              </a:ext>
+            </a:extLst>
+          </p:cNvPr>
+          <p:cNvGraphicFramePr>
+            <a:graphicFrameLocks noGrp="1"/>
+          </p:cNvGraphicFramePr>
+          <p:nvPr>
+            <p:ph idx="1"/>
+            <p:extLst>
+              <p:ext uri="{D42A27DB-BD31-4B8C-83A1-F6EECF244321}">
+                <p14:modId xmlns:p14="http://schemas.microsoft.com/office/powerpoint/2010/main" val="2710895865"/>
+              </p:ext>
+            </p:extLst>
+          </p:nvPr>
+        </p:nvGraphicFramePr>
+        <p:xfrm>
+          <a:off x="5041903" y="1051092"/>
+          <a:ext cx="6485666" cy="4555913"/>
+        </p:xfrm>
+        <a:graphic>
+          <a:graphicData uri="http://schemas.openxmlformats.org/drawingml/2006/diagram">
+            <dgm:relIds xmlns:dgm="http://schemas.openxmlformats.org/drawingml/2006/diagram" xmlns:r="http://schemas.openxmlformats.org/officeDocument/2006/relationships" r:dm="rId2" r:lo="rId3" r:qs="rId4" r:cs="rId5"/>
+          </a:graphicData>
+        </a:graphic>
+      </p:graphicFrame>
+    </p:spTree>
+    <p:extLst>
+      <p:ext uri="{BB962C8B-B14F-4D97-AF65-F5344CB8AC3E}">
+        <p14:creationId xmlns:p14="http://schemas.microsoft.com/office/powerpoint/2010/main" val="888499861"/>
+      </p:ext>
+    </p:extLst>
+  </p:cSld>
+  <p:clrMapOvr>
+    <a:masterClrMapping/>
+  </p:clrMapOvr>
+</p:sld>
+</file>
+
+<file path=ppt/slides/slide26.xml><?xml version="1.0" encoding="utf-8"?>
+<p:sld xmlns:a="http://schemas.openxmlformats.org/drawingml/2006/main" xmlns:r="http://schemas.openxmlformats.org/officeDocument/2006/relationships" xmlns:p="http://schemas.openxmlformats.org/presentationml/2006/main">
+  <p:cSld>
+    <p:bg>
+      <p:bgPr>
+        <a:solidFill>
+          <a:schemeClr val="bg1"/>
+        </a:solidFill>
+        <a:effectLst/>
+      </p:bgPr>
+    </p:bg>
+    <p:spTree>
+      <p:nvGrpSpPr>
+        <p:cNvPr id="1" name=""/>
+        <p:cNvGrpSpPr/>
+        <p:nvPr/>
+      </p:nvGrpSpPr>
+      <p:grpSpPr>
+        <a:xfrm>
+          <a:off x="0" y="0"/>
+          <a:ext cx="0" cy="0"/>
+          <a:chOff x="0" y="0"/>
+          <a:chExt cx="0" cy="0"/>
+        </a:xfrm>
+      </p:grpSpPr>
+      <p:sp useBgFill="1">
+        <p:nvSpPr>
+          <p:cNvPr id="1028" name="Rectangle 70">
+            <a:extLst>
+              <a:ext uri="{FF2B5EF4-FFF2-40B4-BE49-F238E27FC236}">
+                <a16:creationId xmlns:a16="http://schemas.microsoft.com/office/drawing/2014/main" id="{B712E947-0734-45F9-9C4F-41114EC3A33E}"/>
+              </a:ext>
+              <a:ext uri="{C183D7F6-B498-43B3-948B-1728B52AA6E4}">
+                <adec:decorative xmlns:adec="http://schemas.microsoft.com/office/drawing/2017/decorative" val="1"/>
+              </a:ext>
+            </a:extLst>
+          </p:cNvPr>
+          <p:cNvSpPr>
+            <a:spLocks noGrp="1" noRot="1" noChangeAspect="1" noMove="1" noResize="1" noEditPoints="1" noAdjustHandles="1" noChangeArrowheads="1" noChangeShapeType="1" noTextEdit="1"/>
+          </p:cNvSpPr>
+          <p:nvPr>
+            <p:extLst>
+              <p:ext uri="{386F3935-93C4-4BCD-93E2-E3B085C9AB24}">
+                <p16:designElem xmlns:p16="http://schemas.microsoft.com/office/powerpoint/2015/main" val="1"/>
+              </p:ext>
+            </p:extLst>
+          </p:nvPr>
+        </p:nvSpPr>
+        <p:spPr>
+          <a:xfrm>
+            <a:off x="0" y="0"/>
+            <a:ext cx="12192000" cy="6858000"/>
+          </a:xfrm>
+          <a:prstGeom prst="rect">
+            <a:avLst/>
+          </a:prstGeom>
+          <a:ln w="12700" cap="flat" cmpd="sng" algn="ctr">
+            <a:noFill/>
+            <a:prstDash val="solid"/>
+            <a:miter lim="800000"/>
+          </a:ln>
+          <a:effectLst/>
+          <a:extLst>
+            <a:ext uri="{91240B29-F687-4F45-9708-019B960494DF}">
+              <a14:hiddenLine xmlns:a14="http://schemas.microsoft.com/office/drawing/2010/main" w="12700" cap="flat" cmpd="sng" algn="ctr">
+                <a:solidFill>
+                  <a:schemeClr val="accent1">
+                    <a:shade val="50000"/>
+                  </a:schemeClr>
+                </a:solidFill>
+                <a:prstDash val="solid"/>
+                <a:miter lim="800000"/>
+              </a14:hiddenLine>
+            </a:ext>
+          </a:extLst>
+        </p:spPr>
+        <p:style>
+          <a:lnRef idx="2">
+            <a:schemeClr val="accent1">
+              <a:shade val="50000"/>
+            </a:schemeClr>
+          </a:lnRef>
+          <a:fillRef idx="1">
+            <a:schemeClr val="accent1"/>
+          </a:fillRef>
+          <a:effectRef idx="0">
+            <a:schemeClr val="accent1"/>
+          </a:effectRef>
+          <a:fontRef idx="minor">
+            <a:schemeClr val="lt1"/>
+          </a:fontRef>
+        </p:style>
+        <p:txBody>
+          <a:bodyPr rtlCol="0" anchor="ctr"/>
+          <a:lstStyle/>
+          <a:p>
+            <a:pPr algn="ctr"/>
+            <a:endParaRPr lang="en-US"/>
+          </a:p>
+        </p:txBody>
+      </p:sp>
+      <p:sp>
+        <p:nvSpPr>
+          <p:cNvPr id="2" name="Title 1">
+            <a:extLst>
+              <a:ext uri="{FF2B5EF4-FFF2-40B4-BE49-F238E27FC236}">
+                <a16:creationId xmlns:a16="http://schemas.microsoft.com/office/drawing/2014/main" id="{58F02AB5-9A8D-44C3-93AC-B62DB340A058}"/>
+              </a:ext>
+            </a:extLst>
+          </p:cNvPr>
+          <p:cNvSpPr>
+            <a:spLocks noGrp="1"/>
+          </p:cNvSpPr>
+          <p:nvPr>
+            <p:ph type="title"/>
+          </p:nvPr>
+        </p:nvSpPr>
+        <p:spPr>
+          <a:xfrm>
+            <a:off x="1136396" y="457201"/>
+            <a:ext cx="5814240" cy="1556870"/>
+          </a:xfrm>
+          <a:noFill/>
+          <a:ln>
+            <a:noFill/>
+          </a:ln>
+        </p:spPr>
+        <p:style>
+          <a:lnRef idx="2">
+            <a:schemeClr val="accent1"/>
+          </a:lnRef>
+          <a:fillRef idx="1">
+            <a:schemeClr val="lt1"/>
+          </a:fillRef>
+          <a:effectRef idx="0">
+            <a:schemeClr val="accent1"/>
+          </a:effectRef>
+          <a:fontRef idx="minor">
+            <a:schemeClr val="dk1"/>
+          </a:fontRef>
+        </p:style>
+        <p:txBody>
+          <a:bodyPr anchor="b">
+            <a:normAutofit/>
+          </a:bodyPr>
+          <a:lstStyle/>
+          <a:p>
+            <a:r>
+              <a:rPr lang="en-US" sz="4000" b="1"/>
+              <a:t>While</a:t>
+            </a:r>
+          </a:p>
+        </p:txBody>
+      </p:sp>
+      <p:pic>
+        <p:nvPicPr>
+          <p:cNvPr id="6" name="Picture 5" descr="Graphical user interface&#10;&#10;Description automatically generated with medium confidence">
+            <a:extLst>
+              <a:ext uri="{FF2B5EF4-FFF2-40B4-BE49-F238E27FC236}">
+                <a16:creationId xmlns:a16="http://schemas.microsoft.com/office/drawing/2014/main" id="{08C76458-00D2-4663-8357-86A1518AF883}"/>
+              </a:ext>
+            </a:extLst>
+          </p:cNvPr>
+          <p:cNvPicPr>
+            <a:picLocks noChangeAspect="1"/>
+          </p:cNvPicPr>
+          <p:nvPr/>
+        </p:nvPicPr>
+        <p:blipFill>
+          <a:blip r:embed="rId2"/>
+          <a:stretch>
+            <a:fillRect/>
+          </a:stretch>
+        </p:blipFill>
+        <p:spPr>
+          <a:xfrm>
+            <a:off x="7679766" y="1235169"/>
+            <a:ext cx="3712869" cy="1338545"/>
+          </a:xfrm>
+          <a:prstGeom prst="rect">
+            <a:avLst/>
+          </a:prstGeom>
+        </p:spPr>
+      </p:pic>
+      <p:pic>
+        <p:nvPicPr>
+          <p:cNvPr id="1026" name="Picture 2" descr="Bucle while en Java">
+            <a:extLst>
+              <a:ext uri="{FF2B5EF4-FFF2-40B4-BE49-F238E27FC236}">
+                <a16:creationId xmlns:a16="http://schemas.microsoft.com/office/drawing/2014/main" id="{75E5AD75-D64E-499B-B0C8-2B9D46EAD15B}"/>
+              </a:ext>
+            </a:extLst>
+          </p:cNvPr>
+          <p:cNvPicPr>
+            <a:picLocks noChangeAspect="1" noChangeArrowheads="1"/>
+          </p:cNvPicPr>
+          <p:nvPr/>
+        </p:nvPicPr>
+        <p:blipFill>
+          <a:blip r:embed="rId3">
+            <a:extLst>
+              <a:ext uri="{28A0092B-C50C-407E-A947-70E740481C1C}">
+                <a14:useLocalDpi xmlns:a14="http://schemas.microsoft.com/office/drawing/2010/main" val="0"/>
+              </a:ext>
+            </a:extLst>
+          </a:blip>
+          <a:stretch>
+            <a:fillRect/>
+          </a:stretch>
+        </p:blipFill>
+        <p:spPr bwMode="auto">
+          <a:xfrm>
+            <a:off x="5144794" y="2573714"/>
+            <a:ext cx="6768679" cy="3758746"/>
+          </a:xfrm>
+          <a:prstGeom prst="rect">
+            <a:avLst/>
+          </a:prstGeom>
+          <a:noFill/>
+          <a:extLst>
+            <a:ext uri="{909E8E84-426E-40DD-AFC4-6F175D3DCCD1}">
+              <a14:hiddenFill xmlns:a14="http://schemas.microsoft.com/office/drawing/2010/main">
+                <a:solidFill>
+                  <a:srgbClr val="FFFFFF"/>
+                </a:solidFill>
+              </a14:hiddenFill>
+            </a:ext>
+          </a:extLst>
+        </p:spPr>
+      </p:pic>
+      <p:sp>
+        <p:nvSpPr>
+          <p:cNvPr id="1029" name="Rectangle 72">
+            <a:extLst>
+              <a:ext uri="{FF2B5EF4-FFF2-40B4-BE49-F238E27FC236}">
+                <a16:creationId xmlns:a16="http://schemas.microsoft.com/office/drawing/2014/main" id="{5A65989E-BBD5-44D7-AA86-7AFD5D46BBC0}"/>
+              </a:ext>
+              <a:ext uri="{C183D7F6-B498-43B3-948B-1728B52AA6E4}">
+                <adec:decorative xmlns:adec="http://schemas.microsoft.com/office/drawing/2017/decorative" val="1"/>
+              </a:ext>
+            </a:extLst>
+          </p:cNvPr>
+          <p:cNvSpPr>
+            <a:spLocks noGrp="1" noRot="1" noChangeAspect="1" noMove="1" noResize="1" noEditPoints="1" noAdjustHandles="1" noChangeArrowheads="1" noChangeShapeType="1" noTextEdit="1"/>
+          </p:cNvSpPr>
+          <p:nvPr>
+            <p:extLst>
+              <p:ext uri="{386F3935-93C4-4BCD-93E2-E3B085C9AB24}">
+                <p16:designElem xmlns:p16="http://schemas.microsoft.com/office/powerpoint/2015/main" val="1"/>
+              </p:ext>
+            </p:extLst>
+          </p:nvPr>
+        </p:nvSpPr>
+        <p:spPr>
+          <a:xfrm rot="10800000" flipH="1">
+            <a:off x="0" y="6400799"/>
+            <a:ext cx="12192000" cy="456773"/>
+          </a:xfrm>
+          <a:prstGeom prst="rect">
+            <a:avLst/>
+          </a:prstGeom>
+          <a:gradFill>
+            <a:gsLst>
+              <a:gs pos="0">
+                <a:schemeClr val="accent1"/>
+              </a:gs>
+              <a:gs pos="66000">
+                <a:srgbClr val="000000"/>
+              </a:gs>
+            </a:gsLst>
+            <a:lin ang="10200000" scaled="0"/>
+          </a:gradFill>
+          <a:ln>
+            <a:noFill/>
+          </a:ln>
+        </p:spPr>
+        <p:style>
+          <a:lnRef idx="2">
+            <a:schemeClr val="accent1">
+              <a:shade val="50000"/>
+            </a:schemeClr>
+          </a:lnRef>
+          <a:fillRef idx="1">
+            <a:schemeClr val="accent1"/>
+          </a:fillRef>
+          <a:effectRef idx="0">
+            <a:schemeClr val="accent1"/>
+          </a:effectRef>
+          <a:fontRef idx="minor">
+            <a:schemeClr val="lt1"/>
+          </a:fontRef>
+        </p:style>
+        <p:txBody>
+          <a:bodyPr rtlCol="0" anchor="ctr"/>
+          <a:lstStyle/>
+          <a:p>
+            <a:pPr algn="ctr"/>
+            <a:endParaRPr lang="en-US"/>
+          </a:p>
+        </p:txBody>
+      </p:sp>
+      <p:sp>
+        <p:nvSpPr>
+          <p:cNvPr id="1030" name="Rectangle 74">
+            <a:extLst>
+              <a:ext uri="{FF2B5EF4-FFF2-40B4-BE49-F238E27FC236}">
+                <a16:creationId xmlns:a16="http://schemas.microsoft.com/office/drawing/2014/main" id="{231A2881-D8D7-4A7D-ACA3-E9F849F853D8}"/>
+              </a:ext>
+              <a:ext uri="{C183D7F6-B498-43B3-948B-1728B52AA6E4}">
+                <adec:decorative xmlns:adec="http://schemas.microsoft.com/office/drawing/2017/decorative" val="1"/>
+              </a:ext>
+            </a:extLst>
+          </p:cNvPr>
+          <p:cNvSpPr>
+            <a:spLocks noGrp="1" noRot="1" noChangeAspect="1" noMove="1" noResize="1" noEditPoints="1" noAdjustHandles="1" noChangeArrowheads="1" noChangeShapeType="1" noTextEdit="1"/>
+          </p:cNvSpPr>
+          <p:nvPr>
+            <p:extLst>
+              <p:ext uri="{386F3935-93C4-4BCD-93E2-E3B085C9AB24}">
+                <p16:designElem xmlns:p16="http://schemas.microsoft.com/office/powerpoint/2015/main" val="1"/>
+              </p:ext>
+            </p:extLst>
+          </p:nvPr>
+        </p:nvSpPr>
+        <p:spPr>
+          <a:xfrm flipH="1">
+            <a:off x="1" y="6400800"/>
+            <a:ext cx="8153398" cy="456772"/>
+          </a:xfrm>
+          <a:prstGeom prst="rect">
+            <a:avLst/>
+          </a:prstGeom>
+          <a:gradFill>
+            <a:gsLst>
+              <a:gs pos="0">
+                <a:srgbClr val="000000">
+                  <a:alpha val="63000"/>
+                </a:srgbClr>
+              </a:gs>
+              <a:gs pos="100000">
+                <a:schemeClr val="accent1">
+                  <a:lumMod val="75000"/>
+                </a:schemeClr>
+              </a:gs>
+            </a:gsLst>
+            <a:lin ang="17400000" scaled="0"/>
+          </a:gradFill>
+          <a:ln>
+            <a:noFill/>
+          </a:ln>
+        </p:spPr>
+        <p:style>
+          <a:lnRef idx="2">
+            <a:schemeClr val="accent1">
+              <a:shade val="50000"/>
+            </a:schemeClr>
+          </a:lnRef>
+          <a:fillRef idx="1">
+            <a:schemeClr val="accent1"/>
+          </a:fillRef>
+          <a:effectRef idx="0">
+            <a:schemeClr val="accent1"/>
+          </a:effectRef>
+          <a:fontRef idx="minor">
+            <a:schemeClr val="lt1"/>
+          </a:fontRef>
+        </p:style>
+        <p:txBody>
+          <a:bodyPr rtlCol="0" anchor="ctr"/>
+          <a:lstStyle/>
+          <a:p>
+            <a:pPr algn="ctr"/>
+            <a:endParaRPr lang="en-US"/>
+          </a:p>
+        </p:txBody>
+      </p:sp>
+      <p:sp>
+        <p:nvSpPr>
+          <p:cNvPr id="3" name="Content Placeholder 2">
+            <a:extLst>
+              <a:ext uri="{FF2B5EF4-FFF2-40B4-BE49-F238E27FC236}">
+                <a16:creationId xmlns:a16="http://schemas.microsoft.com/office/drawing/2014/main" id="{22046145-0CE3-4D0C-9688-D6AC8D33DC2B}"/>
+              </a:ext>
+            </a:extLst>
+          </p:cNvPr>
+          <p:cNvSpPr>
+            <a:spLocks noGrp="1"/>
+          </p:cNvSpPr>
+          <p:nvPr>
+            <p:ph idx="1"/>
+          </p:nvPr>
+        </p:nvSpPr>
+        <p:spPr>
+          <a:xfrm>
+            <a:off x="1136396" y="2277036"/>
+            <a:ext cx="5814239" cy="3461155"/>
+          </a:xfrm>
+        </p:spPr>
+        <p:txBody>
+          <a:bodyPr>
+            <a:normAutofit/>
+          </a:bodyPr>
+          <a:lstStyle/>
+          <a:p>
+            <a:r>
+              <a:rPr lang="es-ES" sz="2000" dirty="0"/>
+              <a:t>Comienza con la verificación de la condición. Si se evalúa como verdadero, las instrucciones del cuerpo del bucle se ejecutan; de lo contrario, se ejecuta la primera instrucción que le sigue al bucle.</a:t>
+            </a:r>
+          </a:p>
+          <a:p>
+            <a:r>
+              <a:rPr lang="es-ES" sz="2000" dirty="0"/>
+              <a:t>Recomendado cuando no se sabe el numero de veces a iterar</a:t>
+            </a:r>
+            <a:endParaRPr lang="en-US" sz="2000" dirty="0"/>
+          </a:p>
+        </p:txBody>
+      </p:sp>
+    </p:spTree>
+    <p:extLst>
+      <p:ext uri="{BB962C8B-B14F-4D97-AF65-F5344CB8AC3E}">
+        <p14:creationId xmlns:p14="http://schemas.microsoft.com/office/powerpoint/2010/main" val="2913070958"/>
+      </p:ext>
+    </p:extLst>
+  </p:cSld>
+  <p:clrMapOvr>
+    <a:masterClrMapping/>
+  </p:clrMapOvr>
+</p:sld>
+</file>
+
+<file path=ppt/slides/slide27.xml><?xml version="1.0" encoding="utf-8"?>
+<p:sld xmlns:a="http://schemas.openxmlformats.org/drawingml/2006/main" xmlns:r="http://schemas.openxmlformats.org/officeDocument/2006/relationships" xmlns:p="http://schemas.openxmlformats.org/presentationml/2006/main">
+  <p:cSld>
+    <p:bg>
+      <p:bgPr>
+        <a:solidFill>
+          <a:schemeClr val="bg1"/>
+        </a:solidFill>
+        <a:effectLst/>
+      </p:bgPr>
+    </p:bg>
+    <p:spTree>
+      <p:nvGrpSpPr>
+        <p:cNvPr id="1" name=""/>
+        <p:cNvGrpSpPr/>
+        <p:nvPr/>
+      </p:nvGrpSpPr>
+      <p:grpSpPr>
+        <a:xfrm>
+          <a:off x="0" y="0"/>
+          <a:ext cx="0" cy="0"/>
+          <a:chOff x="0" y="0"/>
+          <a:chExt cx="0" cy="0"/>
+        </a:xfrm>
+      </p:grpSpPr>
+      <p:sp useBgFill="1">
+        <p:nvSpPr>
+          <p:cNvPr id="16" name="Rectangle 15">
+            <a:extLst>
+              <a:ext uri="{FF2B5EF4-FFF2-40B4-BE49-F238E27FC236}">
+                <a16:creationId xmlns:a16="http://schemas.microsoft.com/office/drawing/2014/main" id="{979E27D9-03C7-44E2-9FF8-15D0C8506AF7}"/>
+              </a:ext>
+              <a:ext uri="{C183D7F6-B498-43B3-948B-1728B52AA6E4}">
+                <adec:decorative xmlns:adec="http://schemas.microsoft.com/office/drawing/2017/decorative" val="1"/>
+              </a:ext>
+            </a:extLst>
+          </p:cNvPr>
+          <p:cNvSpPr>
+            <a:spLocks noGrp="1" noRot="1" noChangeAspect="1" noMove="1" noResize="1" noEditPoints="1" noAdjustHandles="1" noChangeArrowheads="1" noChangeShapeType="1" noTextEdit="1"/>
+          </p:cNvSpPr>
+          <p:nvPr>
+            <p:extLst>
+              <p:ext uri="{386F3935-93C4-4BCD-93E2-E3B085C9AB24}">
+                <p16:designElem xmlns:p16="http://schemas.microsoft.com/office/powerpoint/2015/main" val="1"/>
+              </p:ext>
+            </p:extLst>
+          </p:nvPr>
+        </p:nvSpPr>
+        <p:spPr>
+          <a:xfrm>
+            <a:off x="0" y="0"/>
+            <a:ext cx="12192000" cy="6858000"/>
+          </a:xfrm>
+          <a:prstGeom prst="rect">
+            <a:avLst/>
+          </a:prstGeom>
+          <a:ln w="12700" cap="flat" cmpd="sng" algn="ctr">
+            <a:noFill/>
+            <a:prstDash val="solid"/>
+            <a:miter lim="800000"/>
+          </a:ln>
+          <a:effectLst/>
+          <a:extLst>
+            <a:ext uri="{91240B29-F687-4F45-9708-019B960494DF}">
+              <a14:hiddenLine xmlns:a14="http://schemas.microsoft.com/office/drawing/2010/main" w="12700" cap="flat" cmpd="sng" algn="ctr">
+                <a:solidFill>
+                  <a:schemeClr val="accent1">
+                    <a:shade val="50000"/>
+                  </a:schemeClr>
+                </a:solidFill>
+                <a:prstDash val="solid"/>
+                <a:miter lim="800000"/>
+              </a14:hiddenLine>
+            </a:ext>
+          </a:extLst>
+        </p:spPr>
+        <p:style>
+          <a:lnRef idx="2">
+            <a:schemeClr val="accent1">
+              <a:shade val="50000"/>
+            </a:schemeClr>
+          </a:lnRef>
+          <a:fillRef idx="1">
+            <a:schemeClr val="accent1"/>
+          </a:fillRef>
+          <a:effectRef idx="0">
+            <a:schemeClr val="accent1"/>
+          </a:effectRef>
+          <a:fontRef idx="minor">
+            <a:schemeClr val="lt1"/>
+          </a:fontRef>
+        </p:style>
+        <p:txBody>
+          <a:bodyPr rtlCol="0" anchor="ctr"/>
+          <a:lstStyle/>
+          <a:p>
+            <a:pPr algn="ctr"/>
+            <a:endParaRPr lang="en-US"/>
+          </a:p>
+        </p:txBody>
+      </p:sp>
+      <p:sp>
+        <p:nvSpPr>
+          <p:cNvPr id="2" name="Title 1">
+            <a:extLst>
+              <a:ext uri="{FF2B5EF4-FFF2-40B4-BE49-F238E27FC236}">
+                <a16:creationId xmlns:a16="http://schemas.microsoft.com/office/drawing/2014/main" id="{58F02AB5-9A8D-44C3-93AC-B62DB340A058}"/>
+              </a:ext>
+            </a:extLst>
+          </p:cNvPr>
+          <p:cNvSpPr>
+            <a:spLocks noGrp="1"/>
+          </p:cNvSpPr>
+          <p:nvPr>
+            <p:ph type="title"/>
+          </p:nvPr>
+        </p:nvSpPr>
+        <p:spPr>
+          <a:xfrm>
+            <a:off x="1136397" y="502021"/>
+            <a:ext cx="4959603" cy="1642969"/>
+          </a:xfrm>
+        </p:spPr>
+        <p:txBody>
+          <a:bodyPr anchor="b">
+            <a:normAutofit/>
+          </a:bodyPr>
+          <a:lstStyle/>
+          <a:p>
+            <a:r>
+              <a:rPr lang="en-US" sz="4000" b="1"/>
+              <a:t>Do While</a:t>
+            </a:r>
+          </a:p>
+        </p:txBody>
+      </p:sp>
+      <p:sp>
+        <p:nvSpPr>
+          <p:cNvPr id="3" name="Content Placeholder 2">
+            <a:extLst>
+              <a:ext uri="{FF2B5EF4-FFF2-40B4-BE49-F238E27FC236}">
+                <a16:creationId xmlns:a16="http://schemas.microsoft.com/office/drawing/2014/main" id="{22046145-0CE3-4D0C-9688-D6AC8D33DC2B}"/>
+              </a:ext>
+            </a:extLst>
+          </p:cNvPr>
+          <p:cNvSpPr>
+            <a:spLocks noGrp="1"/>
+          </p:cNvSpPr>
+          <p:nvPr>
+            <p:ph idx="1"/>
+          </p:nvPr>
+        </p:nvSpPr>
+        <p:spPr>
+          <a:xfrm>
+            <a:off x="1136397" y="2418408"/>
+            <a:ext cx="4959603" cy="3522569"/>
+          </a:xfrm>
+        </p:spPr>
+        <p:txBody>
+          <a:bodyPr anchor="t">
+            <a:normAutofit/>
+          </a:bodyPr>
+          <a:lstStyle/>
+          <a:p>
+            <a:r>
+              <a:rPr lang="es-ES" sz="2000" dirty="0"/>
+              <a:t>Similar al </a:t>
+            </a:r>
+            <a:r>
+              <a:rPr lang="es-ES" sz="2000"/>
+              <a:t>while</a:t>
+            </a:r>
+            <a:r>
+              <a:rPr lang="es-ES" sz="2000" dirty="0"/>
+              <a:t> con la única diferencia de que comprueba la condición después de ejecutar las instrucciones</a:t>
+            </a:r>
+          </a:p>
+        </p:txBody>
+      </p:sp>
+      <p:pic>
+        <p:nvPicPr>
+          <p:cNvPr id="11" name="Picture 2" descr="Bucle do while Java">
+            <a:extLst>
+              <a:ext uri="{FF2B5EF4-FFF2-40B4-BE49-F238E27FC236}">
+                <a16:creationId xmlns:a16="http://schemas.microsoft.com/office/drawing/2014/main" id="{C6D0A716-96EF-4EA3-B9C0-9F41AC191D23}"/>
+              </a:ext>
+            </a:extLst>
+          </p:cNvPr>
+          <p:cNvPicPr>
+            <a:picLocks noChangeAspect="1" noChangeArrowheads="1"/>
+          </p:cNvPicPr>
+          <p:nvPr/>
+        </p:nvPicPr>
+        <p:blipFill>
+          <a:blip r:embed="rId4">
+            <a:extLst>
+              <a:ext uri="{28A0092B-C50C-407E-A947-70E740481C1C}">
+                <a14:useLocalDpi xmlns:a14="http://schemas.microsoft.com/office/drawing/2010/main" val="0"/>
+              </a:ext>
+            </a:extLst>
+          </a:blip>
+          <a:stretch>
+            <a:fillRect/>
+          </a:stretch>
+        </p:blipFill>
+        <p:spPr bwMode="auto">
+          <a:xfrm>
+            <a:off x="5921940" y="917023"/>
+            <a:ext cx="5791525" cy="4183635"/>
+          </a:xfrm>
+          <a:prstGeom prst="rect">
+            <a:avLst/>
+          </a:prstGeom>
+          <a:noFill/>
+          <a:extLst>
+            <a:ext uri="{909E8E84-426E-40DD-AFC4-6F175D3DCCD1}">
+              <a14:hiddenFill xmlns:a14="http://schemas.microsoft.com/office/drawing/2010/main">
+                <a:solidFill>
+                  <a:srgbClr val="FFFFFF"/>
+                </a:solidFill>
+              </a14:hiddenFill>
+            </a:ext>
+          </a:extLst>
+        </p:spPr>
+      </p:pic>
+      <p:sp>
+        <p:nvSpPr>
+          <p:cNvPr id="18" name="Rectangle 17">
+            <a:extLst>
+              <a:ext uri="{FF2B5EF4-FFF2-40B4-BE49-F238E27FC236}">
+                <a16:creationId xmlns:a16="http://schemas.microsoft.com/office/drawing/2014/main" id="{EEBF1590-3B36-48EE-A89D-3B6F3CB256AB}"/>
+              </a:ext>
+              <a:ext uri="{C183D7F6-B498-43B3-948B-1728B52AA6E4}">
+                <adec:decorative xmlns:adec="http://schemas.microsoft.com/office/drawing/2017/decorative" val="1"/>
+              </a:ext>
+            </a:extLst>
+          </p:cNvPr>
+          <p:cNvSpPr>
+            <a:spLocks noGrp="1" noRot="1" noChangeAspect="1" noMove="1" noResize="1" noEditPoints="1" noAdjustHandles="1" noChangeArrowheads="1" noChangeShapeType="1" noTextEdit="1"/>
+          </p:cNvSpPr>
+          <p:nvPr>
+            <p:extLst>
+              <p:ext uri="{386F3935-93C4-4BCD-93E2-E3B085C9AB24}">
+                <p16:designElem xmlns:p16="http://schemas.microsoft.com/office/powerpoint/2015/main" val="1"/>
+              </p:ext>
+            </p:extLst>
+          </p:nvPr>
+        </p:nvSpPr>
+        <p:spPr>
+          <a:xfrm rot="10800000" flipH="1">
+            <a:off x="0" y="6400799"/>
+            <a:ext cx="12192000" cy="456773"/>
+          </a:xfrm>
+          <a:prstGeom prst="rect">
+            <a:avLst/>
+          </a:prstGeom>
+          <a:gradFill>
+            <a:gsLst>
+              <a:gs pos="0">
+                <a:schemeClr val="accent1"/>
+              </a:gs>
+              <a:gs pos="78000">
+                <a:srgbClr val="000000"/>
+              </a:gs>
+            </a:gsLst>
+            <a:lin ang="2400000" scaled="0"/>
+          </a:gradFill>
+          <a:ln>
+            <a:noFill/>
+          </a:ln>
+        </p:spPr>
+        <p:style>
+          <a:lnRef idx="2">
+            <a:schemeClr val="accent1">
+              <a:shade val="50000"/>
+            </a:schemeClr>
+          </a:lnRef>
+          <a:fillRef idx="1">
+            <a:schemeClr val="accent1"/>
+          </a:fillRef>
+          <a:effectRef idx="0">
+            <a:schemeClr val="accent1"/>
+          </a:effectRef>
+          <a:fontRef idx="minor">
+            <a:schemeClr val="lt1"/>
+          </a:fontRef>
+        </p:style>
+        <p:txBody>
+          <a:bodyPr rtlCol="0" anchor="ctr"/>
+          <a:lstStyle/>
+          <a:p>
+            <a:pPr algn="ctr"/>
+            <a:endParaRPr lang="en-US"/>
+          </a:p>
+        </p:txBody>
+      </p:sp>
+      <p:sp>
+        <p:nvSpPr>
+          <p:cNvPr id="20" name="Rectangle 19">
+            <a:extLst>
+              <a:ext uri="{FF2B5EF4-FFF2-40B4-BE49-F238E27FC236}">
+                <a16:creationId xmlns:a16="http://schemas.microsoft.com/office/drawing/2014/main" id="{AC8F6C8C-AB5A-4548-942D-E3FD40ACBC49}"/>
+              </a:ext>
+              <a:ext uri="{C183D7F6-B498-43B3-948B-1728B52AA6E4}">
+                <adec:decorative xmlns:adec="http://schemas.microsoft.com/office/drawing/2017/decorative" val="1"/>
+              </a:ext>
+            </a:extLst>
+          </p:cNvPr>
+          <p:cNvSpPr>
+            <a:spLocks noGrp="1" noRot="1" noChangeAspect="1" noMove="1" noResize="1" noEditPoints="1" noAdjustHandles="1" noChangeArrowheads="1" noChangeShapeType="1" noTextEdit="1"/>
+          </p:cNvSpPr>
+          <p:nvPr>
+            <p:extLst>
+              <p:ext uri="{386F3935-93C4-4BCD-93E2-E3B085C9AB24}">
+                <p16:designElem xmlns:p16="http://schemas.microsoft.com/office/powerpoint/2015/main" val="1"/>
+              </p:ext>
+            </p:extLst>
+          </p:nvPr>
+        </p:nvSpPr>
+        <p:spPr>
+          <a:xfrm flipH="1">
+            <a:off x="4038600" y="6400799"/>
+            <a:ext cx="8153398" cy="456772"/>
+          </a:xfrm>
+          <a:prstGeom prst="rect">
+            <a:avLst/>
+          </a:prstGeom>
+          <a:gradFill>
+            <a:gsLst>
+              <a:gs pos="0">
+                <a:srgbClr val="000000">
+                  <a:alpha val="63000"/>
+                </a:srgbClr>
+              </a:gs>
+              <a:gs pos="100000">
+                <a:schemeClr val="accent1">
+                  <a:lumMod val="75000"/>
+                </a:schemeClr>
+              </a:gs>
+            </a:gsLst>
+            <a:lin ang="13800000" scaled="0"/>
+          </a:gradFill>
+          <a:ln>
+            <a:noFill/>
+          </a:ln>
+        </p:spPr>
+        <p:style>
+          <a:lnRef idx="2">
+            <a:schemeClr val="accent1">
+              <a:shade val="50000"/>
+            </a:schemeClr>
+          </a:lnRef>
+          <a:fillRef idx="1">
+            <a:schemeClr val="accent1"/>
+          </a:fillRef>
+          <a:effectRef idx="0">
+            <a:schemeClr val="accent1"/>
+          </a:effectRef>
+          <a:fontRef idx="minor">
+            <a:schemeClr val="lt1"/>
+          </a:fontRef>
+        </p:style>
+        <p:txBody>
+          <a:bodyPr rtlCol="0" anchor="ctr"/>
+          <a:lstStyle/>
+          <a:p>
+            <a:pPr algn="ctr"/>
+            <a:endParaRPr lang="en-US"/>
+          </a:p>
+        </p:txBody>
+      </p:sp>
+      <p:graphicFrame>
+        <p:nvGraphicFramePr>
+          <p:cNvPr id="15" name="Object 14">
+            <a:extLst>
+              <a:ext uri="{FF2B5EF4-FFF2-40B4-BE49-F238E27FC236}">
+                <a16:creationId xmlns:a16="http://schemas.microsoft.com/office/drawing/2014/main" id="{42BFC6E5-2FE3-0E7E-5BD0-25D8E76AFAC6}"/>
+              </a:ext>
+            </a:extLst>
+          </p:cNvPr>
+          <p:cNvGraphicFramePr>
+            <a:graphicFrameLocks noChangeAspect="1"/>
+          </p:cNvGraphicFramePr>
+          <p:nvPr>
+            <p:extLst>
+              <p:ext uri="{D42A27DB-BD31-4B8C-83A1-F6EECF244321}">
+                <p14:modId xmlns:p14="http://schemas.microsoft.com/office/powerpoint/2010/main" val="1062297737"/>
+              </p:ext>
+            </p:extLst>
+          </p:nvPr>
+        </p:nvGraphicFramePr>
+        <p:xfrm>
+          <a:off x="1900288" y="4143600"/>
+          <a:ext cx="5297156" cy="1642968"/>
+        </p:xfrm>
+        <a:graphic>
+          <a:graphicData uri="http://schemas.openxmlformats.org/presentationml/2006/ole">
+            <mc:AlternateContent xmlns:mc="http://schemas.openxmlformats.org/markup-compatibility/2006">
+              <mc:Choice xmlns:v="urn:schemas-microsoft-com:vml" Requires="v">
+                <p:oleObj spid="_x0000_s1027" name="Bitmap Image" r:id="rId5" imgW="3562200" imgH="1104840" progId="Paint.Picture">
+                  <p:embed/>
+                </p:oleObj>
+              </mc:Choice>
+              <mc:Fallback>
+                <p:oleObj name="Bitmap Image" r:id="rId5" imgW="3562200" imgH="1104840" progId="Paint.Picture">
+                  <p:embed/>
+                  <p:pic>
+                    <p:nvPicPr>
+                      <p:cNvPr id="14" name="Object 13">
+                        <a:extLst>
+                          <a:ext uri="{FF2B5EF4-FFF2-40B4-BE49-F238E27FC236}">
+                            <a16:creationId xmlns:a16="http://schemas.microsoft.com/office/drawing/2014/main" id="{83EDC0D9-0DED-4847-A527-DEB21D25F6B3}"/>
+                          </a:ext>
+                        </a:extLst>
+                      </p:cNvPr>
+                      <p:cNvPicPr/>
+                      <p:nvPr/>
+                    </p:nvPicPr>
+                    <p:blipFill>
+                      <a:blip r:embed="rId6"/>
+                      <a:stretch>
+                        <a:fillRect/>
+                      </a:stretch>
+                    </p:blipFill>
+                    <p:spPr>
+                      <a:xfrm>
+                        <a:off x="1900288" y="4143600"/>
+                        <a:ext cx="5297156" cy="1642968"/>
+                      </a:xfrm>
+                      <a:prstGeom prst="rect">
+                        <a:avLst/>
+                      </a:prstGeom>
+                    </p:spPr>
+                  </p:pic>
+                </p:oleObj>
+              </mc:Fallback>
+            </mc:AlternateContent>
+          </a:graphicData>
+        </a:graphic>
+      </p:graphicFrame>
+    </p:spTree>
+    <p:extLst>
+      <p:ext uri="{BB962C8B-B14F-4D97-AF65-F5344CB8AC3E}">
+        <p14:creationId xmlns:p14="http://schemas.microsoft.com/office/powerpoint/2010/main" val="3376239614"/>
+      </p:ext>
+    </p:extLst>
+  </p:cSld>
+  <p:clrMapOvr>
+    <a:masterClrMapping/>
+  </p:clrMapOvr>
+</p:sld>
+</file>
+
+<file path=ppt/slides/slide28.xml><?xml version="1.0" encoding="utf-8"?>
+<p:sld xmlns:a="http://schemas.openxmlformats.org/drawingml/2006/main" xmlns:r="http://schemas.openxmlformats.org/officeDocument/2006/relationships" xmlns:p="http://schemas.openxmlformats.org/presentationml/2006/main">
+  <p:cSld>
+    <p:bg>
+      <p:bgPr>
+        <a:solidFill>
+          <a:schemeClr val="bg1"/>
+        </a:solidFill>
+        <a:effectLst/>
+      </p:bgPr>
+    </p:bg>
+    <p:spTree>
+      <p:nvGrpSpPr>
+        <p:cNvPr id="1" name=""/>
+        <p:cNvGrpSpPr/>
+        <p:nvPr/>
+      </p:nvGrpSpPr>
+      <p:grpSpPr>
+        <a:xfrm>
+          <a:off x="0" y="0"/>
+          <a:ext cx="0" cy="0"/>
+          <a:chOff x="0" y="0"/>
+          <a:chExt cx="0" cy="0"/>
+        </a:xfrm>
+      </p:grpSpPr>
+      <p:sp useBgFill="1">
+        <p:nvSpPr>
+          <p:cNvPr id="71" name="Rectangle 70">
+            <a:extLst>
+              <a:ext uri="{FF2B5EF4-FFF2-40B4-BE49-F238E27FC236}">
+                <a16:creationId xmlns:a16="http://schemas.microsoft.com/office/drawing/2014/main" id="{B712E947-0734-45F9-9C4F-41114EC3A33E}"/>
+              </a:ext>
+              <a:ext uri="{C183D7F6-B498-43B3-948B-1728B52AA6E4}">
+                <adec:decorative xmlns:adec="http://schemas.microsoft.com/office/drawing/2017/decorative" val="1"/>
+              </a:ext>
+            </a:extLst>
+          </p:cNvPr>
+          <p:cNvSpPr>
+            <a:spLocks noGrp="1" noRot="1" noChangeAspect="1" noMove="1" noResize="1" noEditPoints="1" noAdjustHandles="1" noChangeArrowheads="1" noChangeShapeType="1" noTextEdit="1"/>
+          </p:cNvSpPr>
+          <p:nvPr>
+            <p:extLst>
+              <p:ext uri="{386F3935-93C4-4BCD-93E2-E3B085C9AB24}">
+                <p16:designElem xmlns:p16="http://schemas.microsoft.com/office/powerpoint/2015/main" val="1"/>
+              </p:ext>
+            </p:extLst>
+          </p:nvPr>
+        </p:nvSpPr>
+        <p:spPr>
+          <a:xfrm>
+            <a:off x="0" y="0"/>
+            <a:ext cx="12192000" cy="6858000"/>
+          </a:xfrm>
+          <a:prstGeom prst="rect">
+            <a:avLst/>
+          </a:prstGeom>
+          <a:ln w="12700" cap="flat" cmpd="sng" algn="ctr">
+            <a:noFill/>
+            <a:prstDash val="solid"/>
+            <a:miter lim="800000"/>
+          </a:ln>
+          <a:effectLst/>
+          <a:extLst>
+            <a:ext uri="{91240B29-F687-4F45-9708-019B960494DF}">
+              <a14:hiddenLine xmlns:a14="http://schemas.microsoft.com/office/drawing/2010/main" w="12700" cap="flat" cmpd="sng" algn="ctr">
+                <a:solidFill>
+                  <a:schemeClr val="accent1">
+                    <a:shade val="50000"/>
+                  </a:schemeClr>
+                </a:solidFill>
+                <a:prstDash val="solid"/>
+                <a:miter lim="800000"/>
+              </a14:hiddenLine>
+            </a:ext>
+          </a:extLst>
+        </p:spPr>
+        <p:style>
+          <a:lnRef idx="2">
+            <a:schemeClr val="accent1">
+              <a:shade val="50000"/>
+            </a:schemeClr>
+          </a:lnRef>
+          <a:fillRef idx="1">
+            <a:schemeClr val="accent1"/>
+          </a:fillRef>
+          <a:effectRef idx="0">
+            <a:schemeClr val="accent1"/>
+          </a:effectRef>
+          <a:fontRef idx="minor">
+            <a:schemeClr val="lt1"/>
+          </a:fontRef>
+        </p:style>
+        <p:txBody>
+          <a:bodyPr rtlCol="0" anchor="ctr"/>
+          <a:lstStyle/>
+          <a:p>
+            <a:pPr algn="ctr"/>
+            <a:endParaRPr lang="en-US"/>
+          </a:p>
+        </p:txBody>
+      </p:sp>
+      <p:sp>
+        <p:nvSpPr>
+          <p:cNvPr id="2" name="Title 1">
+            <a:extLst>
+              <a:ext uri="{FF2B5EF4-FFF2-40B4-BE49-F238E27FC236}">
+                <a16:creationId xmlns:a16="http://schemas.microsoft.com/office/drawing/2014/main" id="{58F02AB5-9A8D-44C3-93AC-B62DB340A058}"/>
+              </a:ext>
+            </a:extLst>
+          </p:cNvPr>
+          <p:cNvSpPr>
+            <a:spLocks noGrp="1"/>
+          </p:cNvSpPr>
+          <p:nvPr>
+            <p:ph type="title"/>
+          </p:nvPr>
+        </p:nvSpPr>
+        <p:spPr>
+          <a:xfrm>
+            <a:off x="1136396" y="457201"/>
+            <a:ext cx="5814240" cy="1556870"/>
+          </a:xfrm>
+        </p:spPr>
+        <p:txBody>
+          <a:bodyPr anchor="b">
+            <a:normAutofit/>
+          </a:bodyPr>
+          <a:lstStyle/>
+          <a:p>
+            <a:r>
+              <a:rPr lang="en-US" sz="4000" b="1"/>
+              <a:t>For</a:t>
+            </a:r>
+          </a:p>
+        </p:txBody>
+      </p:sp>
+      <p:pic>
+        <p:nvPicPr>
+          <p:cNvPr id="6" name="Picture 5">
+            <a:extLst>
+              <a:ext uri="{FF2B5EF4-FFF2-40B4-BE49-F238E27FC236}">
+                <a16:creationId xmlns:a16="http://schemas.microsoft.com/office/drawing/2014/main" id="{A393FB51-1077-4499-ACFC-CBAC167C83FB}"/>
+              </a:ext>
+            </a:extLst>
+          </p:cNvPr>
+          <p:cNvPicPr>
+            <a:picLocks noChangeAspect="1"/>
+          </p:cNvPicPr>
+          <p:nvPr/>
+        </p:nvPicPr>
+        <p:blipFill>
+          <a:blip r:embed="rId3"/>
+          <a:stretch>
+            <a:fillRect/>
+          </a:stretch>
+        </p:blipFill>
+        <p:spPr>
+          <a:xfrm>
+            <a:off x="6276314" y="885418"/>
+            <a:ext cx="5468995" cy="1260136"/>
+          </a:xfrm>
+          <a:prstGeom prst="rect">
+            <a:avLst/>
+          </a:prstGeom>
+        </p:spPr>
+      </p:pic>
+      <p:pic>
+        <p:nvPicPr>
+          <p:cNvPr id="3074" name="Picture 2" descr="Bucle for Java">
+            <a:extLst>
+              <a:ext uri="{FF2B5EF4-FFF2-40B4-BE49-F238E27FC236}">
+                <a16:creationId xmlns:a16="http://schemas.microsoft.com/office/drawing/2014/main" id="{5B62FE78-EACC-4F47-898C-8972F3185928}"/>
+              </a:ext>
+            </a:extLst>
+          </p:cNvPr>
+          <p:cNvPicPr>
+            <a:picLocks noChangeAspect="1" noChangeArrowheads="1"/>
+          </p:cNvPicPr>
+          <p:nvPr/>
+        </p:nvPicPr>
+        <p:blipFill>
+          <a:blip r:embed="rId4">
+            <a:extLst>
+              <a:ext uri="{28A0092B-C50C-407E-A947-70E740481C1C}">
+                <a14:useLocalDpi xmlns:a14="http://schemas.microsoft.com/office/drawing/2010/main" val="0"/>
+              </a:ext>
+            </a:extLst>
+          </a:blip>
+          <a:stretch>
+            <a:fillRect/>
+          </a:stretch>
+        </p:blipFill>
+        <p:spPr bwMode="auto">
+          <a:xfrm>
+            <a:off x="4420564" y="2584176"/>
+            <a:ext cx="7324745" cy="3668674"/>
+          </a:xfrm>
+          <a:prstGeom prst="rect">
+            <a:avLst/>
+          </a:prstGeom>
+          <a:noFill/>
+          <a:extLst>
+            <a:ext uri="{909E8E84-426E-40DD-AFC4-6F175D3DCCD1}">
+              <a14:hiddenFill xmlns:a14="http://schemas.microsoft.com/office/drawing/2010/main">
+                <a:solidFill>
+                  <a:srgbClr val="FFFFFF"/>
+                </a:solidFill>
+              </a14:hiddenFill>
+            </a:ext>
+          </a:extLst>
+        </p:spPr>
+      </p:pic>
+      <p:sp>
+        <p:nvSpPr>
+          <p:cNvPr id="73" name="Rectangle 72">
+            <a:extLst>
+              <a:ext uri="{FF2B5EF4-FFF2-40B4-BE49-F238E27FC236}">
+                <a16:creationId xmlns:a16="http://schemas.microsoft.com/office/drawing/2014/main" id="{5A65989E-BBD5-44D7-AA86-7AFD5D46BBC0}"/>
+              </a:ext>
+              <a:ext uri="{C183D7F6-B498-43B3-948B-1728B52AA6E4}">
+                <adec:decorative xmlns:adec="http://schemas.microsoft.com/office/drawing/2017/decorative" val="1"/>
+              </a:ext>
+            </a:extLst>
+          </p:cNvPr>
+          <p:cNvSpPr>
+            <a:spLocks noGrp="1" noRot="1" noChangeAspect="1" noMove="1" noResize="1" noEditPoints="1" noAdjustHandles="1" noChangeArrowheads="1" noChangeShapeType="1" noTextEdit="1"/>
+          </p:cNvSpPr>
+          <p:nvPr>
+            <p:extLst>
+              <p:ext uri="{386F3935-93C4-4BCD-93E2-E3B085C9AB24}">
+                <p16:designElem xmlns:p16="http://schemas.microsoft.com/office/powerpoint/2015/main" val="1"/>
+              </p:ext>
+            </p:extLst>
+          </p:nvPr>
+        </p:nvSpPr>
+        <p:spPr>
+          <a:xfrm rot="10800000" flipH="1">
+            <a:off x="0" y="6400799"/>
+            <a:ext cx="12192000" cy="456773"/>
+          </a:xfrm>
+          <a:prstGeom prst="rect">
+            <a:avLst/>
+          </a:prstGeom>
+          <a:gradFill>
+            <a:gsLst>
+              <a:gs pos="0">
+                <a:schemeClr val="accent1"/>
+              </a:gs>
+              <a:gs pos="66000">
+                <a:srgbClr val="000000"/>
+              </a:gs>
+            </a:gsLst>
+            <a:lin ang="10200000" scaled="0"/>
+          </a:gradFill>
+          <a:ln>
+            <a:noFill/>
+          </a:ln>
+        </p:spPr>
+        <p:style>
+          <a:lnRef idx="2">
+            <a:schemeClr val="accent1">
+              <a:shade val="50000"/>
+            </a:schemeClr>
+          </a:lnRef>
+          <a:fillRef idx="1">
+            <a:schemeClr val="accent1"/>
+          </a:fillRef>
+          <a:effectRef idx="0">
+            <a:schemeClr val="accent1"/>
+          </a:effectRef>
+          <a:fontRef idx="minor">
+            <a:schemeClr val="lt1"/>
+          </a:fontRef>
+        </p:style>
+        <p:txBody>
+          <a:bodyPr rtlCol="0" anchor="ctr"/>
+          <a:lstStyle/>
+          <a:p>
+            <a:pPr algn="ctr"/>
+            <a:endParaRPr lang="en-US"/>
+          </a:p>
+        </p:txBody>
+      </p:sp>
+      <p:sp>
+        <p:nvSpPr>
+          <p:cNvPr id="75" name="Rectangle 74">
+            <a:extLst>
+              <a:ext uri="{FF2B5EF4-FFF2-40B4-BE49-F238E27FC236}">
+                <a16:creationId xmlns:a16="http://schemas.microsoft.com/office/drawing/2014/main" id="{231A2881-D8D7-4A7D-ACA3-E9F849F853D8}"/>
+              </a:ext>
+              <a:ext uri="{C183D7F6-B498-43B3-948B-1728B52AA6E4}">
+                <adec:decorative xmlns:adec="http://schemas.microsoft.com/office/drawing/2017/decorative" val="1"/>
+              </a:ext>
+            </a:extLst>
+          </p:cNvPr>
+          <p:cNvSpPr>
+            <a:spLocks noGrp="1" noRot="1" noChangeAspect="1" noMove="1" noResize="1" noEditPoints="1" noAdjustHandles="1" noChangeArrowheads="1" noChangeShapeType="1" noTextEdit="1"/>
+          </p:cNvSpPr>
+          <p:nvPr>
+            <p:extLst>
+              <p:ext uri="{386F3935-93C4-4BCD-93E2-E3B085C9AB24}">
+                <p16:designElem xmlns:p16="http://schemas.microsoft.com/office/powerpoint/2015/main" val="1"/>
+              </p:ext>
+            </p:extLst>
+          </p:nvPr>
+        </p:nvSpPr>
+        <p:spPr>
+          <a:xfrm flipH="1">
+            <a:off x="1" y="6400800"/>
+            <a:ext cx="8153398" cy="456772"/>
+          </a:xfrm>
+          <a:prstGeom prst="rect">
+            <a:avLst/>
+          </a:prstGeom>
+          <a:gradFill>
+            <a:gsLst>
+              <a:gs pos="0">
+                <a:srgbClr val="000000">
+                  <a:alpha val="63000"/>
+                </a:srgbClr>
+              </a:gs>
+              <a:gs pos="100000">
+                <a:schemeClr val="accent1">
+                  <a:lumMod val="75000"/>
+                </a:schemeClr>
+              </a:gs>
+            </a:gsLst>
+            <a:lin ang="17400000" scaled="0"/>
+          </a:gradFill>
+          <a:ln>
+            <a:noFill/>
+          </a:ln>
+        </p:spPr>
+        <p:style>
+          <a:lnRef idx="2">
+            <a:schemeClr val="accent1">
+              <a:shade val="50000"/>
+            </a:schemeClr>
+          </a:lnRef>
+          <a:fillRef idx="1">
+            <a:schemeClr val="accent1"/>
+          </a:fillRef>
+          <a:effectRef idx="0">
+            <a:schemeClr val="accent1"/>
+          </a:effectRef>
+          <a:fontRef idx="minor">
+            <a:schemeClr val="lt1"/>
+          </a:fontRef>
+        </p:style>
+        <p:txBody>
+          <a:bodyPr rtlCol="0" anchor="ctr"/>
+          <a:lstStyle/>
+          <a:p>
+            <a:pPr algn="ctr"/>
+            <a:endParaRPr lang="en-US"/>
+          </a:p>
+        </p:txBody>
+      </p:sp>
+      <p:sp>
+        <p:nvSpPr>
+          <p:cNvPr id="3" name="Content Placeholder 2">
+            <a:extLst>
+              <a:ext uri="{FF2B5EF4-FFF2-40B4-BE49-F238E27FC236}">
+                <a16:creationId xmlns:a16="http://schemas.microsoft.com/office/drawing/2014/main" id="{22046145-0CE3-4D0C-9688-D6AC8D33DC2B}"/>
+              </a:ext>
+            </a:extLst>
+          </p:cNvPr>
+          <p:cNvSpPr>
+            <a:spLocks noGrp="1"/>
+          </p:cNvSpPr>
+          <p:nvPr>
+            <p:ph idx="1"/>
+          </p:nvPr>
+        </p:nvSpPr>
+        <p:spPr>
+          <a:xfrm>
+            <a:off x="1136396" y="2277036"/>
+            <a:ext cx="5814239" cy="3461155"/>
+          </a:xfrm>
+        </p:spPr>
+        <p:txBody>
+          <a:bodyPr>
+            <a:normAutofit/>
+          </a:bodyPr>
+          <a:lstStyle/>
+          <a:p>
+            <a:r>
+              <a:rPr lang="es-ES" sz="2000" dirty="0"/>
+              <a:t>A diferencia de un ciclo </a:t>
+            </a:r>
+            <a:r>
+              <a:rPr lang="es-ES" sz="2000" dirty="0" err="1"/>
+              <a:t>while</a:t>
+            </a:r>
+            <a:r>
+              <a:rPr lang="es-ES" sz="2000" dirty="0"/>
+              <a:t>, una sentencia </a:t>
+            </a:r>
+            <a:r>
+              <a:rPr lang="es-ES" sz="2000" dirty="0" err="1"/>
+              <a:t>for</a:t>
+            </a:r>
+            <a:r>
+              <a:rPr lang="es-ES" sz="2000" dirty="0"/>
+              <a:t> consume la inicialización, la condición y el incremento/decremento en una línea</a:t>
+            </a:r>
+          </a:p>
+          <a:p>
+            <a:r>
+              <a:rPr lang="es-ES" sz="2000" dirty="0"/>
+              <a:t>Se recomienda su uso cuando se conoce el número de veces a iterar</a:t>
+            </a:r>
+          </a:p>
+        </p:txBody>
+      </p:sp>
+    </p:spTree>
+    <p:extLst>
+      <p:ext uri="{BB962C8B-B14F-4D97-AF65-F5344CB8AC3E}">
+        <p14:creationId xmlns:p14="http://schemas.microsoft.com/office/powerpoint/2010/main" val="85598499"/>
+      </p:ext>
+    </p:extLst>
+  </p:cSld>
+  <p:clrMapOvr>
+    <a:masterClrMapping/>
+  </p:clrMapOvr>
+</p:sld>
+</file>
+
+<file path=ppt/slides/slide29.xml><?xml version="1.0" encoding="utf-8"?>
+<p:sld xmlns:a="http://schemas.openxmlformats.org/drawingml/2006/main" xmlns:r="http://schemas.openxmlformats.org/officeDocument/2006/relationships" xmlns:p="http://schemas.openxmlformats.org/presentationml/2006/main">
+  <p:cSld>
+    <p:bg>
+      <p:bgPr>
+        <a:solidFill>
+          <a:schemeClr val="bg1"/>
+        </a:solidFill>
+        <a:effectLst/>
+      </p:bgPr>
+    </p:bg>
+    <p:spTree>
+      <p:nvGrpSpPr>
+        <p:cNvPr id="1" name=""/>
+        <p:cNvGrpSpPr/>
+        <p:nvPr/>
+      </p:nvGrpSpPr>
+      <p:grpSpPr>
+        <a:xfrm>
+          <a:off x="0" y="0"/>
+          <a:ext cx="0" cy="0"/>
+          <a:chOff x="0" y="0"/>
+          <a:chExt cx="0" cy="0"/>
+        </a:xfrm>
+      </p:grpSpPr>
+      <p:sp useBgFill="1">
+        <p:nvSpPr>
+          <p:cNvPr id="71" name="Rectangle 70">
+            <a:extLst>
+              <a:ext uri="{FF2B5EF4-FFF2-40B4-BE49-F238E27FC236}">
+                <a16:creationId xmlns:a16="http://schemas.microsoft.com/office/drawing/2014/main" id="{B712E947-0734-45F9-9C4F-41114EC3A33E}"/>
+              </a:ext>
+              <a:ext uri="{C183D7F6-B498-43B3-948B-1728B52AA6E4}">
+                <adec:decorative xmlns:adec="http://schemas.microsoft.com/office/drawing/2017/decorative" val="1"/>
+              </a:ext>
+            </a:extLst>
+          </p:cNvPr>
+          <p:cNvSpPr>
+            <a:spLocks noGrp="1" noRot="1" noChangeAspect="1" noMove="1" noResize="1" noEditPoints="1" noAdjustHandles="1" noChangeArrowheads="1" noChangeShapeType="1" noTextEdit="1"/>
+          </p:cNvSpPr>
+          <p:nvPr>
+            <p:extLst>
+              <p:ext uri="{386F3935-93C4-4BCD-93E2-E3B085C9AB24}">
+                <p16:designElem xmlns:p16="http://schemas.microsoft.com/office/powerpoint/2015/main" val="1"/>
+              </p:ext>
+            </p:extLst>
+          </p:nvPr>
+        </p:nvSpPr>
+        <p:spPr>
+          <a:xfrm>
+            <a:off x="0" y="0"/>
+            <a:ext cx="12192000" cy="6858000"/>
+          </a:xfrm>
+          <a:prstGeom prst="rect">
+            <a:avLst/>
+          </a:prstGeom>
+          <a:ln w="12700" cap="flat" cmpd="sng" algn="ctr">
+            <a:noFill/>
+            <a:prstDash val="solid"/>
+            <a:miter lim="800000"/>
+          </a:ln>
+          <a:effectLst/>
+          <a:extLst>
+            <a:ext uri="{91240B29-F687-4F45-9708-019B960494DF}">
+              <a14:hiddenLine xmlns:a14="http://schemas.microsoft.com/office/drawing/2010/main" w="12700" cap="flat" cmpd="sng" algn="ctr">
+                <a:solidFill>
+                  <a:schemeClr val="accent1">
+                    <a:shade val="50000"/>
+                  </a:schemeClr>
+                </a:solidFill>
+                <a:prstDash val="solid"/>
+                <a:miter lim="800000"/>
+              </a14:hiddenLine>
+            </a:ext>
+          </a:extLst>
+        </p:spPr>
+        <p:style>
+          <a:lnRef idx="2">
+            <a:schemeClr val="accent1">
+              <a:shade val="50000"/>
+            </a:schemeClr>
+          </a:lnRef>
+          <a:fillRef idx="1">
+            <a:schemeClr val="accent1"/>
+          </a:fillRef>
+          <a:effectRef idx="0">
+            <a:schemeClr val="accent1"/>
+          </a:effectRef>
+          <a:fontRef idx="minor">
+            <a:schemeClr val="lt1"/>
+          </a:fontRef>
+        </p:style>
+        <p:txBody>
+          <a:bodyPr rtlCol="0" anchor="ctr"/>
+          <a:lstStyle/>
+          <a:p>
+            <a:pPr algn="ctr"/>
+            <a:endParaRPr lang="en-US"/>
+          </a:p>
+        </p:txBody>
+      </p:sp>
+      <p:sp>
+        <p:nvSpPr>
+          <p:cNvPr id="2" name="Title 1">
+            <a:extLst>
+              <a:ext uri="{FF2B5EF4-FFF2-40B4-BE49-F238E27FC236}">
+                <a16:creationId xmlns:a16="http://schemas.microsoft.com/office/drawing/2014/main" id="{58F02AB5-9A8D-44C3-93AC-B62DB340A058}"/>
+              </a:ext>
+            </a:extLst>
+          </p:cNvPr>
+          <p:cNvSpPr>
+            <a:spLocks noGrp="1"/>
+          </p:cNvSpPr>
+          <p:nvPr>
+            <p:ph type="title"/>
+          </p:nvPr>
+        </p:nvSpPr>
+        <p:spPr>
+          <a:xfrm>
+            <a:off x="1136396" y="457201"/>
+            <a:ext cx="5814240" cy="1556870"/>
+          </a:xfrm>
+        </p:spPr>
+        <p:txBody>
+          <a:bodyPr anchor="b">
+            <a:normAutofit/>
+          </a:bodyPr>
+          <a:lstStyle/>
+          <a:p>
+            <a:r>
+              <a:rPr lang="en-US" sz="4000" b="1" dirty="0"/>
+              <a:t>Foreach</a:t>
+            </a:r>
+          </a:p>
+        </p:txBody>
+      </p:sp>
+      <p:sp>
+        <p:nvSpPr>
+          <p:cNvPr id="73" name="Rectangle 72">
+            <a:extLst>
+              <a:ext uri="{FF2B5EF4-FFF2-40B4-BE49-F238E27FC236}">
+                <a16:creationId xmlns:a16="http://schemas.microsoft.com/office/drawing/2014/main" id="{5A65989E-BBD5-44D7-AA86-7AFD5D46BBC0}"/>
+              </a:ext>
+              <a:ext uri="{C183D7F6-B498-43B3-948B-1728B52AA6E4}">
+                <adec:decorative xmlns:adec="http://schemas.microsoft.com/office/drawing/2017/decorative" val="1"/>
+              </a:ext>
+            </a:extLst>
+          </p:cNvPr>
+          <p:cNvSpPr>
+            <a:spLocks noGrp="1" noRot="1" noChangeAspect="1" noMove="1" noResize="1" noEditPoints="1" noAdjustHandles="1" noChangeArrowheads="1" noChangeShapeType="1" noTextEdit="1"/>
+          </p:cNvSpPr>
+          <p:nvPr>
+            <p:extLst>
+              <p:ext uri="{386F3935-93C4-4BCD-93E2-E3B085C9AB24}">
+                <p16:designElem xmlns:p16="http://schemas.microsoft.com/office/powerpoint/2015/main" val="1"/>
+              </p:ext>
+            </p:extLst>
+          </p:nvPr>
+        </p:nvSpPr>
+        <p:spPr>
+          <a:xfrm rot="10800000" flipH="1">
+            <a:off x="0" y="6400799"/>
+            <a:ext cx="12192000" cy="456773"/>
+          </a:xfrm>
+          <a:prstGeom prst="rect">
+            <a:avLst/>
+          </a:prstGeom>
+          <a:gradFill>
+            <a:gsLst>
+              <a:gs pos="0">
+                <a:schemeClr val="accent1"/>
+              </a:gs>
+              <a:gs pos="66000">
+                <a:srgbClr val="000000"/>
+              </a:gs>
+            </a:gsLst>
+            <a:lin ang="10200000" scaled="0"/>
+          </a:gradFill>
+          <a:ln>
+            <a:noFill/>
+          </a:ln>
+        </p:spPr>
+        <p:style>
+          <a:lnRef idx="2">
+            <a:schemeClr val="accent1">
+              <a:shade val="50000"/>
+            </a:schemeClr>
+          </a:lnRef>
+          <a:fillRef idx="1">
+            <a:schemeClr val="accent1"/>
+          </a:fillRef>
+          <a:effectRef idx="0">
+            <a:schemeClr val="accent1"/>
+          </a:effectRef>
+          <a:fontRef idx="minor">
+            <a:schemeClr val="lt1"/>
+          </a:fontRef>
+        </p:style>
+        <p:txBody>
+          <a:bodyPr rtlCol="0" anchor="ctr"/>
+          <a:lstStyle/>
+          <a:p>
+            <a:pPr algn="ctr"/>
+            <a:endParaRPr lang="en-US"/>
+          </a:p>
+        </p:txBody>
+      </p:sp>
+      <p:sp>
+        <p:nvSpPr>
+          <p:cNvPr id="75" name="Rectangle 74">
+            <a:extLst>
+              <a:ext uri="{FF2B5EF4-FFF2-40B4-BE49-F238E27FC236}">
+                <a16:creationId xmlns:a16="http://schemas.microsoft.com/office/drawing/2014/main" id="{231A2881-D8D7-4A7D-ACA3-E9F849F853D8}"/>
+              </a:ext>
+              <a:ext uri="{C183D7F6-B498-43B3-948B-1728B52AA6E4}">
+                <adec:decorative xmlns:adec="http://schemas.microsoft.com/office/drawing/2017/decorative" val="1"/>
+              </a:ext>
+            </a:extLst>
+          </p:cNvPr>
+          <p:cNvSpPr>
+            <a:spLocks noGrp="1" noRot="1" noChangeAspect="1" noMove="1" noResize="1" noEditPoints="1" noAdjustHandles="1" noChangeArrowheads="1" noChangeShapeType="1" noTextEdit="1"/>
+          </p:cNvSpPr>
+          <p:nvPr>
+            <p:extLst>
+              <p:ext uri="{386F3935-93C4-4BCD-93E2-E3B085C9AB24}">
+                <p16:designElem xmlns:p16="http://schemas.microsoft.com/office/powerpoint/2015/main" val="1"/>
+              </p:ext>
+            </p:extLst>
+          </p:nvPr>
+        </p:nvSpPr>
+        <p:spPr>
+          <a:xfrm flipH="1">
+            <a:off x="1" y="6400800"/>
+            <a:ext cx="8153398" cy="456772"/>
+          </a:xfrm>
+          <a:prstGeom prst="rect">
+            <a:avLst/>
+          </a:prstGeom>
+          <a:gradFill>
+            <a:gsLst>
+              <a:gs pos="0">
+                <a:srgbClr val="000000">
+                  <a:alpha val="63000"/>
+                </a:srgbClr>
+              </a:gs>
+              <a:gs pos="100000">
+                <a:schemeClr val="accent1">
+                  <a:lumMod val="75000"/>
+                </a:schemeClr>
+              </a:gs>
+            </a:gsLst>
+            <a:lin ang="17400000" scaled="0"/>
+          </a:gradFill>
+          <a:ln>
+            <a:noFill/>
+          </a:ln>
+        </p:spPr>
+        <p:style>
+          <a:lnRef idx="2">
+            <a:schemeClr val="accent1">
+              <a:shade val="50000"/>
+            </a:schemeClr>
+          </a:lnRef>
+          <a:fillRef idx="1">
+            <a:schemeClr val="accent1"/>
+          </a:fillRef>
+          <a:effectRef idx="0">
+            <a:schemeClr val="accent1"/>
+          </a:effectRef>
+          <a:fontRef idx="minor">
+            <a:schemeClr val="lt1"/>
+          </a:fontRef>
+        </p:style>
+        <p:txBody>
+          <a:bodyPr rtlCol="0" anchor="ctr"/>
+          <a:lstStyle/>
+          <a:p>
+            <a:pPr algn="ctr"/>
+            <a:endParaRPr lang="en-US"/>
+          </a:p>
+        </p:txBody>
+      </p:sp>
+      <p:sp>
+        <p:nvSpPr>
+          <p:cNvPr id="3" name="Content Placeholder 2">
+            <a:extLst>
+              <a:ext uri="{FF2B5EF4-FFF2-40B4-BE49-F238E27FC236}">
+                <a16:creationId xmlns:a16="http://schemas.microsoft.com/office/drawing/2014/main" id="{22046145-0CE3-4D0C-9688-D6AC8D33DC2B}"/>
+              </a:ext>
+            </a:extLst>
+          </p:cNvPr>
+          <p:cNvSpPr>
+            <a:spLocks noGrp="1"/>
+          </p:cNvSpPr>
+          <p:nvPr>
+            <p:ph idx="1"/>
+          </p:nvPr>
+        </p:nvSpPr>
+        <p:spPr>
+          <a:xfrm>
+            <a:off x="1136396" y="2277037"/>
+            <a:ext cx="9700937" cy="1556870"/>
+          </a:xfrm>
+        </p:spPr>
+        <p:txBody>
+          <a:bodyPr>
+            <a:normAutofit/>
+          </a:bodyPr>
+          <a:lstStyle/>
+          <a:p>
+            <a:r>
+              <a:rPr lang="es-ES" sz="2000" dirty="0"/>
+              <a:t>Proporciona una forma más sencilla de iterar a través de los elementos de una colección o matriz</a:t>
+            </a:r>
+          </a:p>
+          <a:p>
+            <a:r>
+              <a:rPr lang="es-ES" sz="2000" dirty="0"/>
+              <a:t>debe usarse solo cuando existe la necesidad de recorrer los elementos de forma secuencial sin conocer el índice del elemento</a:t>
+            </a:r>
+          </a:p>
+        </p:txBody>
+      </p:sp>
+      <p:pic>
+        <p:nvPicPr>
+          <p:cNvPr id="9" name="Picture 8">
+            <a:extLst>
+              <a:ext uri="{FF2B5EF4-FFF2-40B4-BE49-F238E27FC236}">
+                <a16:creationId xmlns:a16="http://schemas.microsoft.com/office/drawing/2014/main" id="{4792BE46-6D91-1774-5FF3-34E40C8E967E}"/>
+              </a:ext>
+            </a:extLst>
+          </p:cNvPr>
+          <p:cNvPicPr>
+            <a:picLocks noChangeAspect="1"/>
+          </p:cNvPicPr>
+          <p:nvPr/>
+        </p:nvPicPr>
+        <p:blipFill>
+          <a:blip r:embed="rId3"/>
+          <a:stretch>
+            <a:fillRect/>
+          </a:stretch>
+        </p:blipFill>
+        <p:spPr>
+          <a:xfrm>
+            <a:off x="3104250" y="4291108"/>
+            <a:ext cx="5983500" cy="1282179"/>
+          </a:xfrm>
+          <a:prstGeom prst="rect">
+            <a:avLst/>
+          </a:prstGeom>
+        </p:spPr>
+      </p:pic>
+    </p:spTree>
+    <p:extLst>
+      <p:ext uri="{BB962C8B-B14F-4D97-AF65-F5344CB8AC3E}">
+        <p14:creationId xmlns:p14="http://schemas.microsoft.com/office/powerpoint/2010/main" val="1687906052"/>
+      </p:ext>
+    </p:extLst>
+  </p:cSld>
+  <p:clrMapOvr>
+    <a:masterClrMapping/>
+  </p:clrMapOvr>
+</p:sld>
+</file>
+
 <file path=ppt/slides/slide3.xml><?xml version="1.0" encoding="utf-8"?>
 <p:sld xmlns:a="http://schemas.openxmlformats.org/drawingml/2006/main" xmlns:r="http://schemas.openxmlformats.org/officeDocument/2006/relationships" xmlns:p="http://schemas.openxmlformats.org/presentationml/2006/main">
   <p:cSld>
@@ -17700,6 +25786,254 @@
     <p:extLst>
       <p:ext uri="{BB962C8B-B14F-4D97-AF65-F5344CB8AC3E}">
         <p14:creationId xmlns:p14="http://schemas.microsoft.com/office/powerpoint/2010/main" val="2248387529"/>
+      </p:ext>
+    </p:extLst>
+  </p:cSld>
+  <p:clrMapOvr>
+    <a:masterClrMapping/>
+  </p:clrMapOvr>
+</p:sld>
+</file>
+
+<file path=ppt/slides/slide30.xml><?xml version="1.0" encoding="utf-8"?>
+<p:sld xmlns:a="http://schemas.openxmlformats.org/drawingml/2006/main" xmlns:r="http://schemas.openxmlformats.org/officeDocument/2006/relationships" xmlns:p="http://schemas.openxmlformats.org/presentationml/2006/main">
+  <p:cSld>
+    <p:spTree>
+      <p:nvGrpSpPr>
+        <p:cNvPr id="1" name=""/>
+        <p:cNvGrpSpPr/>
+        <p:nvPr/>
+      </p:nvGrpSpPr>
+      <p:grpSpPr>
+        <a:xfrm>
+          <a:off x="0" y="0"/>
+          <a:ext cx="0" cy="0"/>
+          <a:chOff x="0" y="0"/>
+          <a:chExt cx="0" cy="0"/>
+        </a:xfrm>
+      </p:grpSpPr>
+      <p:sp>
+        <p:nvSpPr>
+          <p:cNvPr id="7" name="Content Placeholder 2">
+            <a:extLst>
+              <a:ext uri="{FF2B5EF4-FFF2-40B4-BE49-F238E27FC236}">
+                <a16:creationId xmlns:a16="http://schemas.microsoft.com/office/drawing/2014/main" id="{8AED0B5A-7AF2-4C28-A34E-B574DA64A9AE}"/>
+              </a:ext>
+            </a:extLst>
+          </p:cNvPr>
+          <p:cNvSpPr txBox="1">
+            <a:spLocks/>
+          </p:cNvSpPr>
+          <p:nvPr/>
+        </p:nvSpPr>
+        <p:spPr>
+          <a:xfrm>
+            <a:off x="838200" y="4264389"/>
+            <a:ext cx="10515600" cy="1603375"/>
+          </a:xfrm>
+          <a:prstGeom prst="rect">
+            <a:avLst/>
+          </a:prstGeom>
+        </p:spPr>
+        <p:txBody>
+          <a:bodyPr vert="horz" lIns="91440" tIns="45720" rIns="91440" bIns="45720" rtlCol="0">
+            <a:normAutofit/>
+          </a:bodyPr>
+          <a:lstStyle>
+            <a:lvl1pPr marL="228600" indent="-228600" algn="l" defTabSz="914400" rtl="0" eaLnBrk="1" latinLnBrk="0" hangingPunct="1">
+              <a:lnSpc>
+                <a:spcPct val="90000"/>
+              </a:lnSpc>
+              <a:spcBef>
+                <a:spcPts val="1000"/>
+              </a:spcBef>
+              <a:buFont typeface="Arial" panose="020B0604020202020204" pitchFamily="34" charset="0"/>
+              <a:buChar char="•"/>
+              <a:defRPr sz="2800" kern="1200">
+                <a:solidFill>
+                  <a:schemeClr val="tx1"/>
+                </a:solidFill>
+                <a:latin typeface="+mn-lt"/>
+                <a:ea typeface="+mn-ea"/>
+                <a:cs typeface="+mn-cs"/>
+              </a:defRPr>
+            </a:lvl1pPr>
+            <a:lvl2pPr marL="685800" indent="-228600" algn="l" defTabSz="914400" rtl="0" eaLnBrk="1" latinLnBrk="0" hangingPunct="1">
+              <a:lnSpc>
+                <a:spcPct val="90000"/>
+              </a:lnSpc>
+              <a:spcBef>
+                <a:spcPts val="500"/>
+              </a:spcBef>
+              <a:buFont typeface="Arial" panose="020B0604020202020204" pitchFamily="34" charset="0"/>
+              <a:buChar char="•"/>
+              <a:defRPr sz="2400" kern="1200">
+                <a:solidFill>
+                  <a:schemeClr val="tx1"/>
+                </a:solidFill>
+                <a:latin typeface="+mn-lt"/>
+                <a:ea typeface="+mn-ea"/>
+                <a:cs typeface="+mn-cs"/>
+              </a:defRPr>
+            </a:lvl2pPr>
+            <a:lvl3pPr marL="1143000" indent="-228600" algn="l" defTabSz="914400" rtl="0" eaLnBrk="1" latinLnBrk="0" hangingPunct="1">
+              <a:lnSpc>
+                <a:spcPct val="90000"/>
+              </a:lnSpc>
+              <a:spcBef>
+                <a:spcPts val="500"/>
+              </a:spcBef>
+              <a:buFont typeface="Arial" panose="020B0604020202020204" pitchFamily="34" charset="0"/>
+              <a:buChar char="•"/>
+              <a:defRPr sz="2000" kern="1200">
+                <a:solidFill>
+                  <a:schemeClr val="tx1"/>
+                </a:solidFill>
+                <a:latin typeface="+mn-lt"/>
+                <a:ea typeface="+mn-ea"/>
+                <a:cs typeface="+mn-cs"/>
+              </a:defRPr>
+            </a:lvl3pPr>
+            <a:lvl4pPr marL="1600200" indent="-228600" algn="l" defTabSz="914400" rtl="0" eaLnBrk="1" latinLnBrk="0" hangingPunct="1">
+              <a:lnSpc>
+                <a:spcPct val="90000"/>
+              </a:lnSpc>
+              <a:spcBef>
+                <a:spcPts val="500"/>
+              </a:spcBef>
+              <a:buFont typeface="Arial" panose="020B0604020202020204" pitchFamily="34" charset="0"/>
+              <a:buChar char="•"/>
+              <a:defRPr sz="1800" kern="1200">
+                <a:solidFill>
+                  <a:schemeClr val="tx1"/>
+                </a:solidFill>
+                <a:latin typeface="+mn-lt"/>
+                <a:ea typeface="+mn-ea"/>
+                <a:cs typeface="+mn-cs"/>
+              </a:defRPr>
+            </a:lvl4pPr>
+            <a:lvl5pPr marL="2057400" indent="-228600" algn="l" defTabSz="914400" rtl="0" eaLnBrk="1" latinLnBrk="0" hangingPunct="1">
+              <a:lnSpc>
+                <a:spcPct val="90000"/>
+              </a:lnSpc>
+              <a:spcBef>
+                <a:spcPts val="500"/>
+              </a:spcBef>
+              <a:buFont typeface="Arial" panose="020B0604020202020204" pitchFamily="34" charset="0"/>
+              <a:buChar char="•"/>
+              <a:defRPr sz="1800" kern="1200">
+                <a:solidFill>
+                  <a:schemeClr val="tx1"/>
+                </a:solidFill>
+                <a:latin typeface="+mn-lt"/>
+                <a:ea typeface="+mn-ea"/>
+                <a:cs typeface="+mn-cs"/>
+              </a:defRPr>
+            </a:lvl5pPr>
+            <a:lvl6pPr marL="2514600" indent="-228600" algn="l" defTabSz="914400" rtl="0" eaLnBrk="1" latinLnBrk="0" hangingPunct="1">
+              <a:lnSpc>
+                <a:spcPct val="90000"/>
+              </a:lnSpc>
+              <a:spcBef>
+                <a:spcPts val="500"/>
+              </a:spcBef>
+              <a:buFont typeface="Arial" panose="020B0604020202020204" pitchFamily="34" charset="0"/>
+              <a:buChar char="•"/>
+              <a:defRPr sz="1800" kern="1200">
+                <a:solidFill>
+                  <a:schemeClr val="tx1"/>
+                </a:solidFill>
+                <a:latin typeface="+mn-lt"/>
+                <a:ea typeface="+mn-ea"/>
+                <a:cs typeface="+mn-cs"/>
+              </a:defRPr>
+            </a:lvl6pPr>
+            <a:lvl7pPr marL="2971800" indent="-228600" algn="l" defTabSz="914400" rtl="0" eaLnBrk="1" latinLnBrk="0" hangingPunct="1">
+              <a:lnSpc>
+                <a:spcPct val="90000"/>
+              </a:lnSpc>
+              <a:spcBef>
+                <a:spcPts val="500"/>
+              </a:spcBef>
+              <a:buFont typeface="Arial" panose="020B0604020202020204" pitchFamily="34" charset="0"/>
+              <a:buChar char="•"/>
+              <a:defRPr sz="1800" kern="1200">
+                <a:solidFill>
+                  <a:schemeClr val="tx1"/>
+                </a:solidFill>
+                <a:latin typeface="+mn-lt"/>
+                <a:ea typeface="+mn-ea"/>
+                <a:cs typeface="+mn-cs"/>
+              </a:defRPr>
+            </a:lvl7pPr>
+            <a:lvl8pPr marL="3429000" indent="-228600" algn="l" defTabSz="914400" rtl="0" eaLnBrk="1" latinLnBrk="0" hangingPunct="1">
+              <a:lnSpc>
+                <a:spcPct val="90000"/>
+              </a:lnSpc>
+              <a:spcBef>
+                <a:spcPts val="500"/>
+              </a:spcBef>
+              <a:buFont typeface="Arial" panose="020B0604020202020204" pitchFamily="34" charset="0"/>
+              <a:buChar char="•"/>
+              <a:defRPr sz="1800" kern="1200">
+                <a:solidFill>
+                  <a:schemeClr val="tx1"/>
+                </a:solidFill>
+                <a:latin typeface="+mn-lt"/>
+                <a:ea typeface="+mn-ea"/>
+                <a:cs typeface="+mn-cs"/>
+              </a:defRPr>
+            </a:lvl8pPr>
+            <a:lvl9pPr marL="3886200" indent="-228600" algn="l" defTabSz="914400" rtl="0" eaLnBrk="1" latinLnBrk="0" hangingPunct="1">
+              <a:lnSpc>
+                <a:spcPct val="90000"/>
+              </a:lnSpc>
+              <a:spcBef>
+                <a:spcPts val="500"/>
+              </a:spcBef>
+              <a:buFont typeface="Arial" panose="020B0604020202020204" pitchFamily="34" charset="0"/>
+              <a:buChar char="•"/>
+              <a:defRPr sz="1800" kern="1200">
+                <a:solidFill>
+                  <a:schemeClr val="tx1"/>
+                </a:solidFill>
+                <a:latin typeface="+mn-lt"/>
+                <a:ea typeface="+mn-ea"/>
+                <a:cs typeface="+mn-cs"/>
+              </a:defRPr>
+            </a:lvl9pPr>
+          </a:lstStyle>
+          <a:p>
+            <a:endParaRPr lang="en-US" sz="2000" dirty="0"/>
+          </a:p>
+        </p:txBody>
+      </p:sp>
+      <p:graphicFrame>
+        <p:nvGraphicFramePr>
+          <p:cNvPr id="17" name="Diagram 16">
+            <a:extLst>
+              <a:ext uri="{FF2B5EF4-FFF2-40B4-BE49-F238E27FC236}">
+                <a16:creationId xmlns:a16="http://schemas.microsoft.com/office/drawing/2014/main" id="{83D2081F-026D-48EA-9C79-1A0C7AE4336E}"/>
+              </a:ext>
+            </a:extLst>
+          </p:cNvPr>
+          <p:cNvGraphicFramePr/>
+          <p:nvPr/>
+        </p:nvGraphicFramePr>
+        <p:xfrm>
+          <a:off x="1320086" y="846944"/>
+          <a:ext cx="9548780" cy="5020820"/>
+        </p:xfrm>
+        <a:graphic>
+          <a:graphicData uri="http://schemas.openxmlformats.org/drawingml/2006/diagram">
+            <dgm:relIds xmlns:dgm="http://schemas.openxmlformats.org/drawingml/2006/diagram" xmlns:r="http://schemas.openxmlformats.org/officeDocument/2006/relationships" r:dm="rId2" r:lo="rId3" r:qs="rId4" r:cs="rId5"/>
+          </a:graphicData>
+        </a:graphic>
+      </p:graphicFrame>
+    </p:spTree>
+    <p:extLst>
+      <p:ext uri="{BB962C8B-B14F-4D97-AF65-F5344CB8AC3E}">
+        <p14:creationId xmlns:p14="http://schemas.microsoft.com/office/powerpoint/2010/main" val="1221023912"/>
       </p:ext>
     </p:extLst>
   </p:cSld>
@@ -21879,4 +30213,47 @@
     </a:ext>
   </a:extLst>
 </a:theme>
+</file>
+
+<file path=ppt/theme/themeOverride1.xml><?xml version="1.0" encoding="utf-8"?>
+<a:themeOverride xmlns:a="http://schemas.openxmlformats.org/drawingml/2006/main">
+  <a:clrScheme name="Office">
+    <a:dk1>
+      <a:sysClr val="windowText" lastClr="000000"/>
+    </a:dk1>
+    <a:lt1>
+      <a:sysClr val="window" lastClr="FFFFFF"/>
+    </a:lt1>
+    <a:dk2>
+      <a:srgbClr val="44546A"/>
+    </a:dk2>
+    <a:lt2>
+      <a:srgbClr val="E7E6E6"/>
+    </a:lt2>
+    <a:accent1>
+      <a:srgbClr val="4472C4"/>
+    </a:accent1>
+    <a:accent2>
+      <a:srgbClr val="ED7D31"/>
+    </a:accent2>
+    <a:accent3>
+      <a:srgbClr val="A5A5A5"/>
+    </a:accent3>
+    <a:accent4>
+      <a:srgbClr val="FFC000"/>
+    </a:accent4>
+    <a:accent5>
+      <a:srgbClr val="5B9BD5"/>
+    </a:accent5>
+    <a:accent6>
+      <a:srgbClr val="70AD47"/>
+    </a:accent6>
+    <a:hlink>
+      <a:srgbClr val="0563C1"/>
+    </a:hlink>
+    <a:folHlink>
+      <a:srgbClr val="954F72"/>
+    </a:folHlink>
+  </a:clrScheme>
+</a:themeOverride>
 </file>
--- a/files/1. Java.pptx
+++ b/files/1. Java.pptx
@@ -147,7 +147,7 @@
 <file path=ppt/revisionInfo.xml><?xml version="1.0" encoding="utf-8"?>
 <p1510:revInfo xmlns:a="http://schemas.openxmlformats.org/drawingml/2006/main" xmlns:r="http://schemas.openxmlformats.org/officeDocument/2006/relationships" xmlns:p1510="http://schemas.microsoft.com/office/powerpoint/2015/10/main">
   <p1510:revLst>
-    <p1510:client id="{4803EBD7-409C-4E16-AFE5-0E5B7FBEBBC4}" v="87" dt="2022-05-06T21:06:41.066"/>
+    <p1510:client id="{4803EBD7-409C-4E16-AFE5-0E5B7FBEBBC4}" v="93" dt="2022-05-13T15:10:03.315"/>
   </p1510:revLst>
 </p1510:revInfo>
 </file>
@@ -157,7 +157,7 @@
   <pc:docChgLst>
     <pc:chgData name="Charris Bueno, Angela" userId="b8232014-281c-4726-a39a-713153e80496" providerId="ADAL" clId="{4803EBD7-409C-4E16-AFE5-0E5B7FBEBBC4}"/>
     <pc:docChg chg="undo custSel addSld delSld modSld sldOrd">
-      <pc:chgData name="Charris Bueno, Angela" userId="b8232014-281c-4726-a39a-713153e80496" providerId="ADAL" clId="{4803EBD7-409C-4E16-AFE5-0E5B7FBEBBC4}" dt="2022-05-06T21:06:41.065" v="923" actId="20577"/>
+      <pc:chgData name="Charris Bueno, Angela" userId="b8232014-281c-4726-a39a-713153e80496" providerId="ADAL" clId="{4803EBD7-409C-4E16-AFE5-0E5B7FBEBBC4}" dt="2022-05-13T15:10:03.315" v="931" actId="1076"/>
       <pc:docMkLst>
         <pc:docMk/>
       </pc:docMkLst>
@@ -419,6 +419,21 @@
           </ac:spMkLst>
         </pc:spChg>
       </pc:sldChg>
+      <pc:sldChg chg="modSp">
+        <pc:chgData name="Charris Bueno, Angela" userId="b8232014-281c-4726-a39a-713153e80496" providerId="ADAL" clId="{4803EBD7-409C-4E16-AFE5-0E5B7FBEBBC4}" dt="2022-05-13T15:09:44.929" v="927" actId="1076"/>
+        <pc:sldMkLst>
+          <pc:docMk/>
+          <pc:sldMk cId="2913070958" sldId="266"/>
+        </pc:sldMkLst>
+        <pc:picChg chg="mod">
+          <ac:chgData name="Charris Bueno, Angela" userId="b8232014-281c-4726-a39a-713153e80496" providerId="ADAL" clId="{4803EBD7-409C-4E16-AFE5-0E5B7FBEBBC4}" dt="2022-05-13T15:09:44.929" v="927" actId="1076"/>
+          <ac:picMkLst>
+            <pc:docMk/>
+            <pc:sldMk cId="2913070958" sldId="266"/>
+            <ac:picMk id="1026" creationId="{75E5AD75-D64E-499B-B0C8-2B9D46EAD15B}"/>
+          </ac:picMkLst>
+        </pc:picChg>
+      </pc:sldChg>
       <pc:sldChg chg="modSp add mod ord">
         <pc:chgData name="Charris Bueno, Angela" userId="b8232014-281c-4726-a39a-713153e80496" providerId="ADAL" clId="{4803EBD7-409C-4E16-AFE5-0E5B7FBEBBC4}" dt="2022-05-05T03:49:30.709" v="29" actId="14100"/>
         <pc:sldMkLst>
@@ -665,6 +680,51 @@
             <pc:docMk/>
             <pc:sldMk cId="2543550361" sldId="288"/>
             <ac:spMk id="21" creationId="{8D71EDA1-87BF-4D5D-AB79-F346FD19278A}"/>
+          </ac:spMkLst>
+        </pc:spChg>
+      </pc:sldChg>
+      <pc:sldChg chg="modSp">
+        <pc:chgData name="Charris Bueno, Angela" userId="b8232014-281c-4726-a39a-713153e80496" providerId="ADAL" clId="{4803EBD7-409C-4E16-AFE5-0E5B7FBEBBC4}" dt="2022-05-13T15:09:54.910" v="929" actId="1076"/>
+        <pc:sldMkLst>
+          <pc:docMk/>
+          <pc:sldMk cId="3376239614" sldId="290"/>
+        </pc:sldMkLst>
+        <pc:picChg chg="mod">
+          <ac:chgData name="Charris Bueno, Angela" userId="b8232014-281c-4726-a39a-713153e80496" providerId="ADAL" clId="{4803EBD7-409C-4E16-AFE5-0E5B7FBEBBC4}" dt="2022-05-13T15:09:54.910" v="929" actId="1076"/>
+          <ac:picMkLst>
+            <pc:docMk/>
+            <pc:sldMk cId="3376239614" sldId="290"/>
+            <ac:picMk id="11" creationId="{C6D0A716-96EF-4EA3-B9C0-9F41AC191D23}"/>
+          </ac:picMkLst>
+        </pc:picChg>
+      </pc:sldChg>
+      <pc:sldChg chg="modSp">
+        <pc:chgData name="Charris Bueno, Angela" userId="b8232014-281c-4726-a39a-713153e80496" providerId="ADAL" clId="{4803EBD7-409C-4E16-AFE5-0E5B7FBEBBC4}" dt="2022-05-13T15:10:03.315" v="931" actId="1076"/>
+        <pc:sldMkLst>
+          <pc:docMk/>
+          <pc:sldMk cId="85598499" sldId="291"/>
+        </pc:sldMkLst>
+        <pc:picChg chg="mod">
+          <ac:chgData name="Charris Bueno, Angela" userId="b8232014-281c-4726-a39a-713153e80496" providerId="ADAL" clId="{4803EBD7-409C-4E16-AFE5-0E5B7FBEBBC4}" dt="2022-05-13T15:10:03.315" v="931" actId="1076"/>
+          <ac:picMkLst>
+            <pc:docMk/>
+            <pc:sldMk cId="85598499" sldId="291"/>
+            <ac:picMk id="3074" creationId="{5B62FE78-EACC-4F47-898C-8972F3185928}"/>
+          </ac:picMkLst>
+        </pc:picChg>
+      </pc:sldChg>
+      <pc:sldChg chg="modSp mod">
+        <pc:chgData name="Charris Bueno, Angela" userId="b8232014-281c-4726-a39a-713153e80496" providerId="ADAL" clId="{4803EBD7-409C-4E16-AFE5-0E5B7FBEBBC4}" dt="2022-05-13T15:09:31.151" v="925" actId="20577"/>
+        <pc:sldMkLst>
+          <pc:docMk/>
+          <pc:sldMk cId="1687906052" sldId="293"/>
+        </pc:sldMkLst>
+        <pc:spChg chg="mod">
+          <ac:chgData name="Charris Bueno, Angela" userId="b8232014-281c-4726-a39a-713153e80496" providerId="ADAL" clId="{4803EBD7-409C-4E16-AFE5-0E5B7FBEBBC4}" dt="2022-05-13T15:09:31.151" v="925" actId="20577"/>
+          <ac:spMkLst>
+            <pc:docMk/>
+            <pc:sldMk cId="1687906052" sldId="293"/>
+            <ac:spMk id="3" creationId="{22046145-0CE3-4D0C-9688-D6AC8D33DC2B}"/>
           </ac:spMkLst>
         </pc:spChg>
       </pc:sldChg>
@@ -9941,7 +10001,7 @@
           <a:p>
             <a:fld id="{E88A9183-DCBA-4AB4-9BB9-35AFFC4231E9}" type="datetimeFigureOut">
               <a:rPr lang="en-US" smtClean="0"/>
-              <a:t>5/12/2022</a:t>
+              <a:t>5/13/2022</a:t>
             </a:fld>
             <a:endParaRPr lang="en-US"/>
           </a:p>
@@ -11898,7 +11958,7 @@
           <a:p>
             <a:fld id="{72345051-2045-45DA-935E-2E3CA1A69ADC}" type="datetimeFigureOut">
               <a:rPr lang="en-US" smtClean="0"/>
-              <a:t>5/12/2022</a:t>
+              <a:t>5/13/2022</a:t>
             </a:fld>
             <a:endParaRPr lang="en-US" dirty="0"/>
           </a:p>
@@ -12096,7 +12156,7 @@
           <a:p>
             <a:fld id="{72345051-2045-45DA-935E-2E3CA1A69ADC}" type="datetimeFigureOut">
               <a:rPr lang="en-US" smtClean="0"/>
-              <a:t>5/12/2022</a:t>
+              <a:t>5/13/2022</a:t>
             </a:fld>
             <a:endParaRPr lang="en-US"/>
           </a:p>
@@ -12304,7 +12364,7 @@
           <a:p>
             <a:fld id="{72345051-2045-45DA-935E-2E3CA1A69ADC}" type="datetimeFigureOut">
               <a:rPr lang="en-US" smtClean="0"/>
-              <a:t>5/12/2022</a:t>
+              <a:t>5/13/2022</a:t>
             </a:fld>
             <a:endParaRPr lang="en-US"/>
           </a:p>
@@ -12502,7 +12562,7 @@
           <a:p>
             <a:fld id="{72345051-2045-45DA-935E-2E3CA1A69ADC}" type="datetimeFigureOut">
               <a:rPr lang="en-US" smtClean="0"/>
-              <a:t>5/12/2022</a:t>
+              <a:t>5/13/2022</a:t>
             </a:fld>
             <a:endParaRPr lang="en-US"/>
           </a:p>
@@ -12777,7 +12837,7 @@
           <a:p>
             <a:fld id="{72345051-2045-45DA-935E-2E3CA1A69ADC}" type="datetimeFigureOut">
               <a:rPr lang="en-US" smtClean="0"/>
-              <a:t>5/12/2022</a:t>
+              <a:t>5/13/2022</a:t>
             </a:fld>
             <a:endParaRPr lang="en-US"/>
           </a:p>
@@ -13042,7 +13102,7 @@
           <a:p>
             <a:fld id="{72345051-2045-45DA-935E-2E3CA1A69ADC}" type="datetimeFigureOut">
               <a:rPr lang="en-US" smtClean="0"/>
-              <a:t>5/12/2022</a:t>
+              <a:t>5/13/2022</a:t>
             </a:fld>
             <a:endParaRPr lang="en-US"/>
           </a:p>
@@ -13454,7 +13514,7 @@
           <a:p>
             <a:fld id="{72345051-2045-45DA-935E-2E3CA1A69ADC}" type="datetimeFigureOut">
               <a:rPr lang="en-US" smtClean="0"/>
-              <a:t>5/12/2022</a:t>
+              <a:t>5/13/2022</a:t>
             </a:fld>
             <a:endParaRPr lang="en-US"/>
           </a:p>
@@ -13595,7 +13655,7 @@
           <a:p>
             <a:fld id="{72345051-2045-45DA-935E-2E3CA1A69ADC}" type="datetimeFigureOut">
               <a:rPr lang="en-US" smtClean="0"/>
-              <a:t>5/12/2022</a:t>
+              <a:t>5/13/2022</a:t>
             </a:fld>
             <a:endParaRPr lang="en-US"/>
           </a:p>
@@ -13708,7 +13768,7 @@
           <a:p>
             <a:fld id="{72345051-2045-45DA-935E-2E3CA1A69ADC}" type="datetimeFigureOut">
               <a:rPr lang="en-US" smtClean="0"/>
-              <a:t>5/12/2022</a:t>
+              <a:t>5/13/2022</a:t>
             </a:fld>
             <a:endParaRPr lang="en-US"/>
           </a:p>
@@ -14019,7 +14079,7 @@
           <a:p>
             <a:fld id="{72345051-2045-45DA-935E-2E3CA1A69ADC}" type="datetimeFigureOut">
               <a:rPr lang="en-US" smtClean="0"/>
-              <a:t>5/12/2022</a:t>
+              <a:t>5/13/2022</a:t>
             </a:fld>
             <a:endParaRPr lang="en-US"/>
           </a:p>
@@ -14307,7 +14367,7 @@
           <a:p>
             <a:fld id="{72345051-2045-45DA-935E-2E3CA1A69ADC}" type="datetimeFigureOut">
               <a:rPr lang="en-US" smtClean="0"/>
-              <a:t>5/12/2022</a:t>
+              <a:t>5/13/2022</a:t>
             </a:fld>
             <a:endParaRPr lang="en-US"/>
           </a:p>
@@ -14548,7 +14608,7 @@
           <a:p>
             <a:fld id="{72345051-2045-45DA-935E-2E3CA1A69ADC}" type="datetimeFigureOut">
               <a:rPr lang="en-US" smtClean="0"/>
-              <a:t>5/12/2022</a:t>
+              <a:t>5/13/2022</a:t>
             </a:fld>
             <a:endParaRPr lang="en-US" dirty="0"/>
           </a:p>
@@ -23655,8 +23715,8 @@
         </p:blipFill>
         <p:spPr bwMode="auto">
           <a:xfrm>
-            <a:off x="5144794" y="2573714"/>
-            <a:ext cx="6768679" cy="3758746"/>
+            <a:off x="5830443" y="3037856"/>
+            <a:ext cx="5562192" cy="3088766"/>
           </a:xfrm>
           <a:prstGeom prst="rect">
             <a:avLst/>
@@ -24068,7 +24128,7 @@
           <p:nvPr/>
         </p:nvPicPr>
         <p:blipFill>
-          <a:blip r:embed="rId4">
+          <a:blip r:embed="rId3">
             <a:extLst>
               <a:ext uri="{28A0092B-C50C-407E-A947-70E740481C1C}">
                 <a14:useLocalDpi xmlns:a14="http://schemas.microsoft.com/office/drawing/2010/main" val="0"/>
@@ -24081,8 +24141,8 @@
         </p:blipFill>
         <p:spPr bwMode="auto">
           <a:xfrm>
-            <a:off x="5921940" y="917023"/>
-            <a:ext cx="5791525" cy="4183635"/>
+            <a:off x="6440678" y="870750"/>
+            <a:ext cx="4614925" cy="3333692"/>
           </a:xfrm>
           <a:prstGeom prst="rect">
             <a:avLst/>
@@ -24273,19 +24333,19 @@
           <a:graphicData uri="http://schemas.openxmlformats.org/presentationml/2006/ole">
             <mc:AlternateContent xmlns:mc="http://schemas.openxmlformats.org/markup-compatibility/2006">
               <mc:Choice xmlns:v="urn:schemas-microsoft-com:vml" Requires="v">
-                <p:oleObj spid="_x0000_s1027" name="Bitmap Image" r:id="rId5" imgW="3562200" imgH="1104840" progId="Paint.Picture">
+                <p:oleObj name="Bitmap Image" r:id="rId4" imgW="3562200" imgH="1104840" progId="Paint.Picture">
                   <p:embed/>
                 </p:oleObj>
               </mc:Choice>
               <mc:Fallback>
-                <p:oleObj name="Bitmap Image" r:id="rId5" imgW="3562200" imgH="1104840" progId="Paint.Picture">
+                <p:oleObj name="Bitmap Image" r:id="rId4" imgW="3562200" imgH="1104840" progId="Paint.Picture">
                   <p:embed/>
                   <p:pic>
                     <p:nvPicPr>
-                      <p:cNvPr id="14" name="Object 13">
+                      <p:cNvPr id="15" name="Object 14">
                         <a:extLst>
                           <a:ext uri="{FF2B5EF4-FFF2-40B4-BE49-F238E27FC236}">
-                            <a16:creationId xmlns:a16="http://schemas.microsoft.com/office/drawing/2014/main" id="{83EDC0D9-0DED-4847-A527-DEB21D25F6B3}"/>
+                            <a16:creationId xmlns:a16="http://schemas.microsoft.com/office/drawing/2014/main" id="{42BFC6E5-2FE3-0E7E-5BD0-25D8E76AFAC6}"/>
                           </a:ext>
                         </a:extLst>
                       </p:cNvPr>
@@ -24293,7 +24353,7 @@
                       <p:nvPr/>
                     </p:nvPicPr>
                     <p:blipFill>
-                      <a:blip r:embed="rId6"/>
+                      <a:blip r:embed="rId5"/>
                       <a:stretch>
                         <a:fillRect/>
                       </a:stretch>
@@ -24521,8 +24581,8 @@
         </p:blipFill>
         <p:spPr bwMode="auto">
           <a:xfrm>
-            <a:off x="4420564" y="2584176"/>
-            <a:ext cx="7324745" cy="3668674"/>
+            <a:off x="4652224" y="3030972"/>
+            <a:ext cx="6403380" cy="3207199"/>
           </a:xfrm>
           <a:prstGeom prst="rect">
             <a:avLst/>
@@ -25073,7 +25133,7 @@
           <a:p>
             <a:r>
               <a:rPr lang="es-ES" sz="2000" dirty="0"/>
-              <a:t>debe usarse solo cuando existe la necesidad de recorrer los elementos de forma secuencial sin conocer el índice del elemento</a:t>
+              <a:t>Debe usarse solo cuando existe la necesidad de recorrer los elementos de forma secuencial sin conocer el índice del elemento</a:t>
             </a:r>
           </a:p>
         </p:txBody>

--- a/files/1. Java.pptx
+++ b/files/1. Java.pptx
@@ -5,7 +5,7 @@
     <p:sldMasterId id="2147483672" r:id="rId1"/>
   </p:sldMasterIdLst>
   <p:notesMasterIdLst>
-    <p:notesMasterId r:id="rId32"/>
+    <p:notesMasterId r:id="rId36"/>
   </p:notesMasterIdLst>
   <p:sldIdLst>
     <p:sldId id="256" r:id="rId2"/>
@@ -38,6 +38,10 @@
     <p:sldId id="291" r:id="rId29"/>
     <p:sldId id="293" r:id="rId30"/>
     <p:sldId id="274" r:id="rId31"/>
+    <p:sldId id="294" r:id="rId32"/>
+    <p:sldId id="295" r:id="rId33"/>
+    <p:sldId id="299" r:id="rId34"/>
+    <p:sldId id="296" r:id="rId35"/>
   </p:sldIdLst>
   <p:sldSz cx="12192000" cy="6858000"/>
   <p:notesSz cx="6858000" cy="9144000"/>
@@ -147,7 +151,7 @@
 <file path=ppt/revisionInfo.xml><?xml version="1.0" encoding="utf-8"?>
 <p1510:revInfo xmlns:a="http://schemas.openxmlformats.org/drawingml/2006/main" xmlns:r="http://schemas.openxmlformats.org/officeDocument/2006/relationships" xmlns:p1510="http://schemas.microsoft.com/office/powerpoint/2015/10/main">
   <p1510:revLst>
-    <p1510:client id="{4803EBD7-409C-4E16-AFE5-0E5B7FBEBBC4}" v="93" dt="2022-05-13T15:10:03.315"/>
+    <p1510:client id="{4803EBD7-409C-4E16-AFE5-0E5B7FBEBBC4}" v="402" dt="2022-05-20T16:59:44.730"/>
   </p1510:revLst>
 </p1510:revInfo>
 </file>
@@ -157,7 +161,7 @@
   <pc:docChgLst>
     <pc:chgData name="Charris Bueno, Angela" userId="b8232014-281c-4726-a39a-713153e80496" providerId="ADAL" clId="{4803EBD7-409C-4E16-AFE5-0E5B7FBEBBC4}"/>
     <pc:docChg chg="undo custSel addSld delSld modSld sldOrd">
-      <pc:chgData name="Charris Bueno, Angela" userId="b8232014-281c-4726-a39a-713153e80496" providerId="ADAL" clId="{4803EBD7-409C-4E16-AFE5-0E5B7FBEBBC4}" dt="2022-05-13T15:10:03.315" v="931" actId="1076"/>
+      <pc:chgData name="Charris Bueno, Angela" userId="b8232014-281c-4726-a39a-713153e80496" providerId="ADAL" clId="{4803EBD7-409C-4E16-AFE5-0E5B7FBEBBC4}" dt="2022-05-20T17:25:23.548" v="3076"/>
       <pc:docMkLst>
         <pc:docMk/>
       </pc:docMkLst>
@@ -728,6 +732,327 @@
           </ac:spMkLst>
         </pc:spChg>
       </pc:sldChg>
+      <pc:sldChg chg="modSp add mod ord modNotesTx">
+        <pc:chgData name="Charris Bueno, Angela" userId="b8232014-281c-4726-a39a-713153e80496" providerId="ADAL" clId="{4803EBD7-409C-4E16-AFE5-0E5B7FBEBBC4}" dt="2022-05-20T15:34:16.782" v="1671" actId="20577"/>
+        <pc:sldMkLst>
+          <pc:docMk/>
+          <pc:sldMk cId="2966891659" sldId="294"/>
+        </pc:sldMkLst>
+        <pc:spChg chg="mod">
+          <ac:chgData name="Charris Bueno, Angela" userId="b8232014-281c-4726-a39a-713153e80496" providerId="ADAL" clId="{4803EBD7-409C-4E16-AFE5-0E5B7FBEBBC4}" dt="2022-05-20T15:34:16.782" v="1671" actId="20577"/>
+          <ac:spMkLst>
+            <pc:docMk/>
+            <pc:sldMk cId="2966891659" sldId="294"/>
+            <ac:spMk id="4" creationId="{4C978CC2-0717-4B1E-8907-C92864CDA756}"/>
+          </ac:spMkLst>
+        </pc:spChg>
+      </pc:sldChg>
+      <pc:sldChg chg="addSp delSp modSp add mod ord modNotesTx">
+        <pc:chgData name="Charris Bueno, Angela" userId="b8232014-281c-4726-a39a-713153e80496" providerId="ADAL" clId="{4803EBD7-409C-4E16-AFE5-0E5B7FBEBBC4}" dt="2022-05-20T16:43:43.338" v="2730" actId="1038"/>
+        <pc:sldMkLst>
+          <pc:docMk/>
+          <pc:sldMk cId="332150709" sldId="295"/>
+        </pc:sldMkLst>
+        <pc:spChg chg="mod">
+          <ac:chgData name="Charris Bueno, Angela" userId="b8232014-281c-4726-a39a-713153e80496" providerId="ADAL" clId="{4803EBD7-409C-4E16-AFE5-0E5B7FBEBBC4}" dt="2022-05-20T15:31:48.557" v="1662" actId="20577"/>
+          <ac:spMkLst>
+            <pc:docMk/>
+            <pc:sldMk cId="332150709" sldId="295"/>
+            <ac:spMk id="2" creationId="{58F02AB5-9A8D-44C3-93AC-B62DB340A058}"/>
+          </ac:spMkLst>
+        </pc:spChg>
+        <pc:spChg chg="mod">
+          <ac:chgData name="Charris Bueno, Angela" userId="b8232014-281c-4726-a39a-713153e80496" providerId="ADAL" clId="{4803EBD7-409C-4E16-AFE5-0E5B7FBEBBC4}" dt="2022-05-20T15:48:05.618" v="1937" actId="14100"/>
+          <ac:spMkLst>
+            <pc:docMk/>
+            <pc:sldMk cId="332150709" sldId="295"/>
+            <ac:spMk id="3" creationId="{22046145-0CE3-4D0C-9688-D6AC8D33DC2B}"/>
+          </ac:spMkLst>
+        </pc:spChg>
+        <pc:spChg chg="add del">
+          <ac:chgData name="Charris Bueno, Angela" userId="b8232014-281c-4726-a39a-713153e80496" providerId="ADAL" clId="{4803EBD7-409C-4E16-AFE5-0E5B7FBEBBC4}" dt="2022-05-20T15:40:08.026" v="1788"/>
+          <ac:spMkLst>
+            <pc:docMk/>
+            <pc:sldMk cId="332150709" sldId="295"/>
+            <ac:spMk id="8" creationId="{90EE2055-C07A-4372-902E-62E8ADA99F27}"/>
+          </ac:spMkLst>
+        </pc:spChg>
+        <pc:spChg chg="add del mod">
+          <ac:chgData name="Charris Bueno, Angela" userId="b8232014-281c-4726-a39a-713153e80496" providerId="ADAL" clId="{4803EBD7-409C-4E16-AFE5-0E5B7FBEBBC4}" dt="2022-05-20T15:41:23.175" v="1793" actId="478"/>
+          <ac:spMkLst>
+            <pc:docMk/>
+            <pc:sldMk cId="332150709" sldId="295"/>
+            <ac:spMk id="11" creationId="{6CE471FD-DECC-46F9-A0A1-1E6C268DDB5E}"/>
+          </ac:spMkLst>
+        </pc:spChg>
+        <pc:spChg chg="add del mod">
+          <ac:chgData name="Charris Bueno, Angela" userId="b8232014-281c-4726-a39a-713153e80496" providerId="ADAL" clId="{4803EBD7-409C-4E16-AFE5-0E5B7FBEBBC4}" dt="2022-05-20T15:41:50.366" v="1799" actId="478"/>
+          <ac:spMkLst>
+            <pc:docMk/>
+            <pc:sldMk cId="332150709" sldId="295"/>
+            <ac:spMk id="16" creationId="{A00E439F-2B6E-4419-99C9-4E043B1DB0EA}"/>
+          </ac:spMkLst>
+        </pc:spChg>
+        <pc:spChg chg="add mod">
+          <ac:chgData name="Charris Bueno, Angela" userId="b8232014-281c-4726-a39a-713153e80496" providerId="ADAL" clId="{4803EBD7-409C-4E16-AFE5-0E5B7FBEBBC4}" dt="2022-05-20T16:43:38.319" v="2728"/>
+          <ac:spMkLst>
+            <pc:docMk/>
+            <pc:sldMk cId="332150709" sldId="295"/>
+            <ac:spMk id="17" creationId="{670C0A43-CCCE-4971-88A4-A45FC106CB91}"/>
+          </ac:spMkLst>
+        </pc:spChg>
+        <pc:spChg chg="add del mod">
+          <ac:chgData name="Charris Bueno, Angela" userId="b8232014-281c-4726-a39a-713153e80496" providerId="ADAL" clId="{4803EBD7-409C-4E16-AFE5-0E5B7FBEBBC4}" dt="2022-05-20T15:43:14.243" v="1807" actId="478"/>
+          <ac:spMkLst>
+            <pc:docMk/>
+            <pc:sldMk cId="332150709" sldId="295"/>
+            <ac:spMk id="18" creationId="{728F83FE-3C7A-4696-B4F2-01D730A6EBDC}"/>
+          </ac:spMkLst>
+        </pc:spChg>
+        <pc:spChg chg="add mod">
+          <ac:chgData name="Charris Bueno, Angela" userId="b8232014-281c-4726-a39a-713153e80496" providerId="ADAL" clId="{4803EBD7-409C-4E16-AFE5-0E5B7FBEBBC4}" dt="2022-05-20T16:43:43.338" v="2730" actId="1038"/>
+          <ac:spMkLst>
+            <pc:docMk/>
+            <pc:sldMk cId="332150709" sldId="295"/>
+            <ac:spMk id="19" creationId="{88D8534C-8982-4555-88C8-ED00ED1B6C62}"/>
+          </ac:spMkLst>
+        </pc:spChg>
+        <pc:grpChg chg="add mod">
+          <ac:chgData name="Charris Bueno, Angela" userId="b8232014-281c-4726-a39a-713153e80496" providerId="ADAL" clId="{4803EBD7-409C-4E16-AFE5-0E5B7FBEBBC4}" dt="2022-05-20T15:55:20.589" v="2520" actId="1076"/>
+          <ac:grpSpMkLst>
+            <pc:docMk/>
+            <pc:sldMk cId="332150709" sldId="295"/>
+            <ac:grpSpMk id="20" creationId="{60616045-AAD8-42C6-8C33-7F6B5B44D797}"/>
+          </ac:grpSpMkLst>
+        </pc:grpChg>
+        <pc:picChg chg="add del mod modCrop">
+          <ac:chgData name="Charris Bueno, Angela" userId="b8232014-281c-4726-a39a-713153e80496" providerId="ADAL" clId="{4803EBD7-409C-4E16-AFE5-0E5B7FBEBBC4}" dt="2022-05-20T14:16:22.415" v="1129" actId="478"/>
+          <ac:picMkLst>
+            <pc:docMk/>
+            <pc:sldMk cId="332150709" sldId="295"/>
+            <ac:picMk id="5" creationId="{062E5E82-254D-41ED-8F16-AD7DE294646E}"/>
+          </ac:picMkLst>
+        </pc:picChg>
+        <pc:picChg chg="add del">
+          <ac:chgData name="Charris Bueno, Angela" userId="b8232014-281c-4726-a39a-713153e80496" providerId="ADAL" clId="{4803EBD7-409C-4E16-AFE5-0E5B7FBEBBC4}" dt="2022-05-20T14:53:53.267" v="1559" actId="478"/>
+          <ac:picMkLst>
+            <pc:docMk/>
+            <pc:sldMk cId="332150709" sldId="295"/>
+            <ac:picMk id="7" creationId="{B6BD2C8C-237F-4DBA-9E54-4EE0FBD3D898}"/>
+          </ac:picMkLst>
+        </pc:picChg>
+        <pc:picChg chg="del">
+          <ac:chgData name="Charris Bueno, Angela" userId="b8232014-281c-4726-a39a-713153e80496" providerId="ADAL" clId="{4803EBD7-409C-4E16-AFE5-0E5B7FBEBBC4}" dt="2022-05-20T14:12:05.261" v="996" actId="478"/>
+          <ac:picMkLst>
+            <pc:docMk/>
+            <pc:sldMk cId="332150709" sldId="295"/>
+            <ac:picMk id="9" creationId="{4792BE46-6D91-1774-5FF3-34E40C8E967E}"/>
+          </ac:picMkLst>
+        </pc:picChg>
+        <pc:picChg chg="add del mod">
+          <ac:chgData name="Charris Bueno, Angela" userId="b8232014-281c-4726-a39a-713153e80496" providerId="ADAL" clId="{4803EBD7-409C-4E16-AFE5-0E5B7FBEBBC4}" dt="2022-05-20T15:30:58.486" v="1651" actId="478"/>
+          <ac:picMkLst>
+            <pc:docMk/>
+            <pc:sldMk cId="332150709" sldId="295"/>
+            <ac:picMk id="10" creationId="{86192032-8CA8-4964-80D4-1995F2F7A502}"/>
+          </ac:picMkLst>
+        </pc:picChg>
+        <pc:picChg chg="add del mod modCrop">
+          <ac:chgData name="Charris Bueno, Angela" userId="b8232014-281c-4726-a39a-713153e80496" providerId="ADAL" clId="{4803EBD7-409C-4E16-AFE5-0E5B7FBEBBC4}" dt="2022-05-20T15:45:17.846" v="1928" actId="478"/>
+          <ac:picMkLst>
+            <pc:docMk/>
+            <pc:sldMk cId="332150709" sldId="295"/>
+            <ac:picMk id="15" creationId="{9AB59B22-DB45-4E1D-B558-24B0B0388FC7}"/>
+          </ac:picMkLst>
+        </pc:picChg>
+      </pc:sldChg>
+      <pc:sldChg chg="addSp delSp modSp new mod ord setBg modNotesTx">
+        <pc:chgData name="Charris Bueno, Angela" userId="b8232014-281c-4726-a39a-713153e80496" providerId="ADAL" clId="{4803EBD7-409C-4E16-AFE5-0E5B7FBEBBC4}" dt="2022-05-20T17:25:23.548" v="3076"/>
+        <pc:sldMkLst>
+          <pc:docMk/>
+          <pc:sldMk cId="4048821719" sldId="296"/>
+        </pc:sldMkLst>
+        <pc:spChg chg="mod">
+          <ac:chgData name="Charris Bueno, Angela" userId="b8232014-281c-4726-a39a-713153e80496" providerId="ADAL" clId="{4803EBD7-409C-4E16-AFE5-0E5B7FBEBBC4}" dt="2022-05-20T14:29:06.917" v="1416" actId="26606"/>
+          <ac:spMkLst>
+            <pc:docMk/>
+            <pc:sldMk cId="4048821719" sldId="296"/>
+            <ac:spMk id="2" creationId="{151756C3-B16B-4C19-BA96-EB4E973ECB16}"/>
+          </ac:spMkLst>
+        </pc:spChg>
+        <pc:spChg chg="del">
+          <ac:chgData name="Charris Bueno, Angela" userId="b8232014-281c-4726-a39a-713153e80496" providerId="ADAL" clId="{4803EBD7-409C-4E16-AFE5-0E5B7FBEBBC4}" dt="2022-05-20T14:21:15.116" v="1258" actId="1032"/>
+          <ac:spMkLst>
+            <pc:docMk/>
+            <pc:sldMk cId="4048821719" sldId="296"/>
+            <ac:spMk id="3" creationId="{32DFAAC0-B450-4E76-A097-77F407FCDC42}"/>
+          </ac:spMkLst>
+        </pc:spChg>
+        <pc:spChg chg="add del mod">
+          <ac:chgData name="Charris Bueno, Angela" userId="b8232014-281c-4726-a39a-713153e80496" providerId="ADAL" clId="{4803EBD7-409C-4E16-AFE5-0E5B7FBEBBC4}" dt="2022-05-20T14:28:34.635" v="1399" actId="478"/>
+          <ac:spMkLst>
+            <pc:docMk/>
+            <pc:sldMk cId="4048821719" sldId="296"/>
+            <ac:spMk id="6" creationId="{CD637046-215D-4EF0-9F40-DC20E33C4182}"/>
+          </ac:spMkLst>
+        </pc:spChg>
+        <pc:spChg chg="add del">
+          <ac:chgData name="Charris Bueno, Angela" userId="b8232014-281c-4726-a39a-713153e80496" providerId="ADAL" clId="{4803EBD7-409C-4E16-AFE5-0E5B7FBEBBC4}" dt="2022-05-20T14:25:43.920" v="1395" actId="26606"/>
+          <ac:spMkLst>
+            <pc:docMk/>
+            <pc:sldMk cId="4048821719" sldId="296"/>
+            <ac:spMk id="9" creationId="{BACC6370-2D7E-4714-9D71-7542949D7D5D}"/>
+          </ac:spMkLst>
+        </pc:spChg>
+        <pc:spChg chg="add del">
+          <ac:chgData name="Charris Bueno, Angela" userId="b8232014-281c-4726-a39a-713153e80496" providerId="ADAL" clId="{4803EBD7-409C-4E16-AFE5-0E5B7FBEBBC4}" dt="2022-05-20T14:25:43.920" v="1395" actId="26606"/>
+          <ac:spMkLst>
+            <pc:docMk/>
+            <pc:sldMk cId="4048821719" sldId="296"/>
+            <ac:spMk id="11" creationId="{F68B3F68-107C-434F-AA38-110D5EA91B85}"/>
+          </ac:spMkLst>
+        </pc:spChg>
+        <pc:spChg chg="add del">
+          <ac:chgData name="Charris Bueno, Angela" userId="b8232014-281c-4726-a39a-713153e80496" providerId="ADAL" clId="{4803EBD7-409C-4E16-AFE5-0E5B7FBEBBC4}" dt="2022-05-20T14:25:43.920" v="1395" actId="26606"/>
+          <ac:spMkLst>
+            <pc:docMk/>
+            <pc:sldMk cId="4048821719" sldId="296"/>
+            <ac:spMk id="13" creationId="{AAD0DBB9-1A4B-4391-81D4-CB19F9AB918A}"/>
+          </ac:spMkLst>
+        </pc:spChg>
+        <pc:spChg chg="add del">
+          <ac:chgData name="Charris Bueno, Angela" userId="b8232014-281c-4726-a39a-713153e80496" providerId="ADAL" clId="{4803EBD7-409C-4E16-AFE5-0E5B7FBEBBC4}" dt="2022-05-20T14:25:43.920" v="1395" actId="26606"/>
+          <ac:spMkLst>
+            <pc:docMk/>
+            <pc:sldMk cId="4048821719" sldId="296"/>
+            <ac:spMk id="15" creationId="{063BBA22-50EA-4C4D-BE05-F1CE4E63AA56}"/>
+          </ac:spMkLst>
+        </pc:spChg>
+        <pc:spChg chg="add">
+          <ac:chgData name="Charris Bueno, Angela" userId="b8232014-281c-4726-a39a-713153e80496" providerId="ADAL" clId="{4803EBD7-409C-4E16-AFE5-0E5B7FBEBBC4}" dt="2022-05-20T14:29:06.917" v="1416" actId="26606"/>
+          <ac:spMkLst>
+            <pc:docMk/>
+            <pc:sldMk cId="4048821719" sldId="296"/>
+            <ac:spMk id="71" creationId="{F0A604E4-7307-451C-93BE-F1F7E1BF3BF8}"/>
+          </ac:spMkLst>
+        </pc:spChg>
+        <pc:spChg chg="add">
+          <ac:chgData name="Charris Bueno, Angela" userId="b8232014-281c-4726-a39a-713153e80496" providerId="ADAL" clId="{4803EBD7-409C-4E16-AFE5-0E5B7FBEBBC4}" dt="2022-05-20T14:29:06.917" v="1416" actId="26606"/>
+          <ac:spMkLst>
+            <pc:docMk/>
+            <pc:sldMk cId="4048821719" sldId="296"/>
+            <ac:spMk id="73" creationId="{F7F3A0AA-35E5-4085-942B-737839030604}"/>
+          </ac:spMkLst>
+        </pc:spChg>
+        <pc:spChg chg="add">
+          <ac:chgData name="Charris Bueno, Angela" userId="b8232014-281c-4726-a39a-713153e80496" providerId="ADAL" clId="{4803EBD7-409C-4E16-AFE5-0E5B7FBEBBC4}" dt="2022-05-20T14:29:06.917" v="1416" actId="26606"/>
+          <ac:spMkLst>
+            <pc:docMk/>
+            <pc:sldMk cId="4048821719" sldId="296"/>
+            <ac:spMk id="75" creationId="{402F5C38-C747-4173-ABBF-656E39E82130}"/>
+          </ac:spMkLst>
+        </pc:spChg>
+        <pc:spChg chg="add">
+          <ac:chgData name="Charris Bueno, Angela" userId="b8232014-281c-4726-a39a-713153e80496" providerId="ADAL" clId="{4803EBD7-409C-4E16-AFE5-0E5B7FBEBBC4}" dt="2022-05-20T14:29:06.917" v="1416" actId="26606"/>
+          <ac:spMkLst>
+            <pc:docMk/>
+            <pc:sldMk cId="4048821719" sldId="296"/>
+            <ac:spMk id="77" creationId="{E37EECFC-A684-4391-AE85-4CDAF5565F61}"/>
+          </ac:spMkLst>
+        </pc:spChg>
+        <pc:graphicFrameChg chg="add del mod modGraphic">
+          <ac:chgData name="Charris Bueno, Angela" userId="b8232014-281c-4726-a39a-713153e80496" providerId="ADAL" clId="{4803EBD7-409C-4E16-AFE5-0E5B7FBEBBC4}" dt="2022-05-20T14:28:32.827" v="1398" actId="478"/>
+          <ac:graphicFrameMkLst>
+            <pc:docMk/>
+            <pc:sldMk cId="4048821719" sldId="296"/>
+            <ac:graphicFrameMk id="4" creationId="{1484BCA6-658E-470C-BF28-D8C6ACF3E8CC}"/>
+          </ac:graphicFrameMkLst>
+        </pc:graphicFrameChg>
+        <pc:picChg chg="add mod">
+          <ac:chgData name="Charris Bueno, Angela" userId="b8232014-281c-4726-a39a-713153e80496" providerId="ADAL" clId="{4803EBD7-409C-4E16-AFE5-0E5B7FBEBBC4}" dt="2022-05-20T14:29:06.917" v="1416" actId="26606"/>
+          <ac:picMkLst>
+            <pc:docMk/>
+            <pc:sldMk cId="4048821719" sldId="296"/>
+            <ac:picMk id="1026" creationId="{1E007F3B-A2B9-41F2-B7C7-4533617BCFB9}"/>
+          </ac:picMkLst>
+        </pc:picChg>
+      </pc:sldChg>
+      <pc:sldChg chg="delSp modSp add del mod modNotesTx">
+        <pc:chgData name="Charris Bueno, Angela" userId="b8232014-281c-4726-a39a-713153e80496" providerId="ADAL" clId="{4803EBD7-409C-4E16-AFE5-0E5B7FBEBBC4}" dt="2022-05-20T17:15:31.171" v="3074" actId="2696"/>
+        <pc:sldMkLst>
+          <pc:docMk/>
+          <pc:sldMk cId="2850128237" sldId="297"/>
+        </pc:sldMkLst>
+        <pc:spChg chg="mod">
+          <ac:chgData name="Charris Bueno, Angela" userId="b8232014-281c-4726-a39a-713153e80496" providerId="ADAL" clId="{4803EBD7-409C-4E16-AFE5-0E5B7FBEBBC4}" dt="2022-05-20T15:23:48.390" v="1578" actId="20577"/>
+          <ac:spMkLst>
+            <pc:docMk/>
+            <pc:sldMk cId="2850128237" sldId="297"/>
+            <ac:spMk id="2" creationId="{151756C3-B16B-4C19-BA96-EB4E973ECB16}"/>
+          </ac:spMkLst>
+        </pc:spChg>
+        <pc:picChg chg="del">
+          <ac:chgData name="Charris Bueno, Angela" userId="b8232014-281c-4726-a39a-713153e80496" providerId="ADAL" clId="{4803EBD7-409C-4E16-AFE5-0E5B7FBEBBC4}" dt="2022-05-20T15:23:38.771" v="1562" actId="478"/>
+          <ac:picMkLst>
+            <pc:docMk/>
+            <pc:sldMk cId="2850128237" sldId="297"/>
+            <ac:picMk id="1026" creationId="{1E007F3B-A2B9-41F2-B7C7-4533617BCFB9}"/>
+          </ac:picMkLst>
+        </pc:picChg>
+      </pc:sldChg>
+      <pc:sldChg chg="add del">
+        <pc:chgData name="Charris Bueno, Angela" userId="b8232014-281c-4726-a39a-713153e80496" providerId="ADAL" clId="{4803EBD7-409C-4E16-AFE5-0E5B7FBEBBC4}" dt="2022-05-20T17:15:31.171" v="3074" actId="2696"/>
+        <pc:sldMkLst>
+          <pc:docMk/>
+          <pc:sldMk cId="550318359" sldId="298"/>
+        </pc:sldMkLst>
+      </pc:sldChg>
+      <pc:sldChg chg="addSp delSp modSp add mod modNotesTx">
+        <pc:chgData name="Charris Bueno, Angela" userId="b8232014-281c-4726-a39a-713153e80496" providerId="ADAL" clId="{4803EBD7-409C-4E16-AFE5-0E5B7FBEBBC4}" dt="2022-05-20T16:59:49.773" v="3073" actId="1076"/>
+        <pc:sldMkLst>
+          <pc:docMk/>
+          <pc:sldMk cId="2269377214" sldId="299"/>
+        </pc:sldMkLst>
+        <pc:spChg chg="mod">
+          <ac:chgData name="Charris Bueno, Angela" userId="b8232014-281c-4726-a39a-713153e80496" providerId="ADAL" clId="{4803EBD7-409C-4E16-AFE5-0E5B7FBEBBC4}" dt="2022-05-20T16:30:43.846" v="2541" actId="20577"/>
+          <ac:spMkLst>
+            <pc:docMk/>
+            <pc:sldMk cId="2269377214" sldId="299"/>
+            <ac:spMk id="2" creationId="{58F02AB5-9A8D-44C3-93AC-B62DB340A058}"/>
+          </ac:spMkLst>
+        </pc:spChg>
+        <pc:spChg chg="mod">
+          <ac:chgData name="Charris Bueno, Angela" userId="b8232014-281c-4726-a39a-713153e80496" providerId="ADAL" clId="{4803EBD7-409C-4E16-AFE5-0E5B7FBEBBC4}" dt="2022-05-20T16:54:10.874" v="2991" actId="20577"/>
+          <ac:spMkLst>
+            <pc:docMk/>
+            <pc:sldMk cId="2269377214" sldId="299"/>
+            <ac:spMk id="3" creationId="{22046145-0CE3-4D0C-9688-D6AC8D33DC2B}"/>
+          </ac:spMkLst>
+        </pc:spChg>
+        <pc:graphicFrameChg chg="add del modGraphic">
+          <ac:chgData name="Charris Bueno, Angela" userId="b8232014-281c-4726-a39a-713153e80496" providerId="ADAL" clId="{4803EBD7-409C-4E16-AFE5-0E5B7FBEBBC4}" dt="2022-05-20T16:54:52.875" v="2993" actId="1032"/>
+          <ac:graphicFrameMkLst>
+            <pc:docMk/>
+            <pc:sldMk cId="2269377214" sldId="299"/>
+            <ac:graphicFrameMk id="4" creationId="{28D89879-0BFE-44EA-A5AE-411264ADE186}"/>
+          </ac:graphicFrameMkLst>
+        </pc:graphicFrameChg>
+        <pc:graphicFrameChg chg="add mod modGraphic">
+          <ac:chgData name="Charris Bueno, Angela" userId="b8232014-281c-4726-a39a-713153e80496" providerId="ADAL" clId="{4803EBD7-409C-4E16-AFE5-0E5B7FBEBBC4}" dt="2022-05-20T16:59:49.773" v="3073" actId="1076"/>
+          <ac:graphicFrameMkLst>
+            <pc:docMk/>
+            <pc:sldMk cId="2269377214" sldId="299"/>
+            <ac:graphicFrameMk id="5" creationId="{3550A878-4CEB-424C-BCE1-08E11DD14265}"/>
+          </ac:graphicFrameMkLst>
+        </pc:graphicFrameChg>
+      </pc:sldChg>
+      <pc:sldChg chg="add del">
+        <pc:chgData name="Charris Bueno, Angela" userId="b8232014-281c-4726-a39a-713153e80496" providerId="ADAL" clId="{4803EBD7-409C-4E16-AFE5-0E5B7FBEBBC4}" dt="2022-05-20T17:15:31.171" v="3074" actId="2696"/>
+        <pc:sldMkLst>
+          <pc:docMk/>
+          <pc:sldMk cId="1703789153" sldId="300"/>
+        </pc:sldMkLst>
+      </pc:sldChg>
     </pc:docChg>
   </pc:docChgLst>
 </pc:chgInfo>
@@ -3098,6 +3423,753 @@
     <dgm:fillClrLst meth="repeat">
       <a:schemeClr val="accent2">
         <a:tint val="40000"/>
+      </a:schemeClr>
+    </dgm:fillClrLst>
+    <dgm:linClrLst meth="repeat">
+      <a:schemeClr val="lt1"/>
+    </dgm:linClrLst>
+    <dgm:effectClrLst/>
+    <dgm:txLinClrLst/>
+    <dgm:txFillClrLst meth="repeat">
+      <a:schemeClr val="dk1"/>
+    </dgm:txFillClrLst>
+    <dgm:txEffectClrLst/>
+  </dgm:styleLbl>
+  <dgm:styleLbl name="revTx">
+    <dgm:fillClrLst meth="repeat">
+      <a:schemeClr val="lt1">
+        <a:alpha val="0"/>
+      </a:schemeClr>
+    </dgm:fillClrLst>
+    <dgm:linClrLst meth="repeat">
+      <a:schemeClr val="dk1">
+        <a:alpha val="0"/>
+      </a:schemeClr>
+    </dgm:linClrLst>
+    <dgm:effectClrLst/>
+    <dgm:txLinClrLst/>
+    <dgm:txFillClrLst meth="repeat">
+      <a:schemeClr val="tx1"/>
+    </dgm:txFillClrLst>
+    <dgm:txEffectClrLst/>
+  </dgm:styleLbl>
+</dgm:colorsDef>
+</file>
+
+<file path=ppt/diagrams/colors4.xml><?xml version="1.0" encoding="utf-8"?>
+<dgm:colorsDef xmlns:dgm="http://schemas.openxmlformats.org/drawingml/2006/diagram" xmlns:a="http://schemas.openxmlformats.org/drawingml/2006/main" uniqueId="urn:microsoft.com/office/officeart/2005/8/colors/accent1_2">
+  <dgm:title val=""/>
+  <dgm:desc val=""/>
+  <dgm:catLst>
+    <dgm:cat type="accent1" pri="11200"/>
+  </dgm:catLst>
+  <dgm:styleLbl name="node0">
+    <dgm:fillClrLst meth="repeat">
+      <a:schemeClr val="accent1"/>
+    </dgm:fillClrLst>
+    <dgm:linClrLst meth="repeat">
+      <a:schemeClr val="lt1"/>
+    </dgm:linClrLst>
+    <dgm:effectClrLst/>
+    <dgm:txLinClrLst/>
+    <dgm:txFillClrLst/>
+    <dgm:txEffectClrLst/>
+  </dgm:styleLbl>
+  <dgm:styleLbl name="alignNode1">
+    <dgm:fillClrLst meth="repeat">
+      <a:schemeClr val="accent1"/>
+    </dgm:fillClrLst>
+    <dgm:linClrLst meth="repeat">
+      <a:schemeClr val="accent1"/>
+    </dgm:linClrLst>
+    <dgm:effectClrLst/>
+    <dgm:txLinClrLst/>
+    <dgm:txFillClrLst/>
+    <dgm:txEffectClrLst/>
+  </dgm:styleLbl>
+  <dgm:styleLbl name="node1">
+    <dgm:fillClrLst meth="repeat">
+      <a:schemeClr val="accent1"/>
+    </dgm:fillClrLst>
+    <dgm:linClrLst meth="repeat">
+      <a:schemeClr val="lt1"/>
+    </dgm:linClrLst>
+    <dgm:effectClrLst/>
+    <dgm:txLinClrLst/>
+    <dgm:txFillClrLst/>
+    <dgm:txEffectClrLst/>
+  </dgm:styleLbl>
+  <dgm:styleLbl name="lnNode1">
+    <dgm:fillClrLst meth="repeat">
+      <a:schemeClr val="accent1"/>
+    </dgm:fillClrLst>
+    <dgm:linClrLst meth="repeat">
+      <a:schemeClr val="lt1"/>
+    </dgm:linClrLst>
+    <dgm:effectClrLst/>
+    <dgm:txLinClrLst/>
+    <dgm:txFillClrLst/>
+    <dgm:txEffectClrLst/>
+  </dgm:styleLbl>
+  <dgm:styleLbl name="vennNode1">
+    <dgm:fillClrLst meth="repeat">
+      <a:schemeClr val="accent1">
+        <a:alpha val="50000"/>
+      </a:schemeClr>
+    </dgm:fillClrLst>
+    <dgm:linClrLst meth="repeat">
+      <a:schemeClr val="lt1"/>
+    </dgm:linClrLst>
+    <dgm:effectClrLst/>
+    <dgm:txLinClrLst/>
+    <dgm:txFillClrLst/>
+    <dgm:txEffectClrLst/>
+  </dgm:styleLbl>
+  <dgm:styleLbl name="node2">
+    <dgm:fillClrLst meth="repeat">
+      <a:schemeClr val="accent1"/>
+    </dgm:fillClrLst>
+    <dgm:linClrLst meth="repeat">
+      <a:schemeClr val="lt1"/>
+    </dgm:linClrLst>
+    <dgm:effectClrLst/>
+    <dgm:txLinClrLst/>
+    <dgm:txFillClrLst/>
+    <dgm:txEffectClrLst/>
+  </dgm:styleLbl>
+  <dgm:styleLbl name="node3">
+    <dgm:fillClrLst meth="repeat">
+      <a:schemeClr val="accent1"/>
+    </dgm:fillClrLst>
+    <dgm:linClrLst meth="repeat">
+      <a:schemeClr val="lt1"/>
+    </dgm:linClrLst>
+    <dgm:effectClrLst/>
+    <dgm:txLinClrLst/>
+    <dgm:txFillClrLst/>
+    <dgm:txEffectClrLst/>
+  </dgm:styleLbl>
+  <dgm:styleLbl name="node4">
+    <dgm:fillClrLst meth="repeat">
+      <a:schemeClr val="accent1"/>
+    </dgm:fillClrLst>
+    <dgm:linClrLst meth="repeat">
+      <a:schemeClr val="lt1"/>
+    </dgm:linClrLst>
+    <dgm:effectClrLst/>
+    <dgm:txLinClrLst/>
+    <dgm:txFillClrLst/>
+    <dgm:txEffectClrLst/>
+  </dgm:styleLbl>
+  <dgm:styleLbl name="fgImgPlace1">
+    <dgm:fillClrLst meth="repeat">
+      <a:schemeClr val="accent1">
+        <a:tint val="50000"/>
+      </a:schemeClr>
+    </dgm:fillClrLst>
+    <dgm:linClrLst meth="repeat">
+      <a:schemeClr val="lt1"/>
+    </dgm:linClrLst>
+    <dgm:effectClrLst/>
+    <dgm:txLinClrLst/>
+    <dgm:txFillClrLst meth="repeat">
+      <a:schemeClr val="lt1"/>
+    </dgm:txFillClrLst>
+    <dgm:txEffectClrLst/>
+  </dgm:styleLbl>
+  <dgm:styleLbl name="alignImgPlace1">
+    <dgm:fillClrLst meth="repeat">
+      <a:schemeClr val="accent1">
+        <a:tint val="50000"/>
+      </a:schemeClr>
+    </dgm:fillClrLst>
+    <dgm:linClrLst meth="repeat">
+      <a:schemeClr val="lt1"/>
+    </dgm:linClrLst>
+    <dgm:effectClrLst/>
+    <dgm:txLinClrLst/>
+    <dgm:txFillClrLst meth="repeat">
+      <a:schemeClr val="lt1"/>
+    </dgm:txFillClrLst>
+    <dgm:txEffectClrLst/>
+  </dgm:styleLbl>
+  <dgm:styleLbl name="bgImgPlace1">
+    <dgm:fillClrLst meth="repeat">
+      <a:schemeClr val="accent1">
+        <a:tint val="50000"/>
+      </a:schemeClr>
+    </dgm:fillClrLst>
+    <dgm:linClrLst meth="repeat">
+      <a:schemeClr val="lt1"/>
+    </dgm:linClrLst>
+    <dgm:effectClrLst/>
+    <dgm:txLinClrLst/>
+    <dgm:txFillClrLst meth="repeat">
+      <a:schemeClr val="lt1"/>
+    </dgm:txFillClrLst>
+    <dgm:txEffectClrLst/>
+  </dgm:styleLbl>
+  <dgm:styleLbl name="sibTrans2D1">
+    <dgm:fillClrLst meth="repeat">
+      <a:schemeClr val="accent1">
+        <a:tint val="60000"/>
+      </a:schemeClr>
+    </dgm:fillClrLst>
+    <dgm:linClrLst meth="repeat">
+      <a:schemeClr val="accent1">
+        <a:tint val="60000"/>
+      </a:schemeClr>
+    </dgm:linClrLst>
+    <dgm:effectClrLst/>
+    <dgm:txLinClrLst/>
+    <dgm:txFillClrLst/>
+    <dgm:txEffectClrLst/>
+  </dgm:styleLbl>
+  <dgm:styleLbl name="fgSibTrans2D1">
+    <dgm:fillClrLst meth="repeat">
+      <a:schemeClr val="accent1">
+        <a:tint val="60000"/>
+      </a:schemeClr>
+    </dgm:fillClrLst>
+    <dgm:linClrLst meth="repeat">
+      <a:schemeClr val="accent1">
+        <a:tint val="60000"/>
+      </a:schemeClr>
+    </dgm:linClrLst>
+    <dgm:effectClrLst/>
+    <dgm:txLinClrLst/>
+    <dgm:txFillClrLst/>
+    <dgm:txEffectClrLst/>
+  </dgm:styleLbl>
+  <dgm:styleLbl name="bgSibTrans2D1">
+    <dgm:fillClrLst meth="repeat">
+      <a:schemeClr val="accent1">
+        <a:tint val="60000"/>
+      </a:schemeClr>
+    </dgm:fillClrLst>
+    <dgm:linClrLst meth="repeat">
+      <a:schemeClr val="accent1">
+        <a:tint val="60000"/>
+      </a:schemeClr>
+    </dgm:linClrLst>
+    <dgm:effectClrLst/>
+    <dgm:txLinClrLst/>
+    <dgm:txFillClrLst/>
+    <dgm:txEffectClrLst/>
+  </dgm:styleLbl>
+  <dgm:styleLbl name="sibTrans1D1">
+    <dgm:fillClrLst meth="repeat">
+      <a:schemeClr val="accent1"/>
+    </dgm:fillClrLst>
+    <dgm:linClrLst meth="repeat">
+      <a:schemeClr val="accent1"/>
+    </dgm:linClrLst>
+    <dgm:effectClrLst/>
+    <dgm:txLinClrLst/>
+    <dgm:txFillClrLst meth="repeat">
+      <a:schemeClr val="tx1"/>
+    </dgm:txFillClrLst>
+    <dgm:txEffectClrLst/>
+  </dgm:styleLbl>
+  <dgm:styleLbl name="callout">
+    <dgm:fillClrLst meth="repeat">
+      <a:schemeClr val="accent1"/>
+    </dgm:fillClrLst>
+    <dgm:linClrLst meth="repeat">
+      <a:schemeClr val="accent1">
+        <a:tint val="50000"/>
+      </a:schemeClr>
+    </dgm:linClrLst>
+    <dgm:effectClrLst/>
+    <dgm:txLinClrLst/>
+    <dgm:txFillClrLst meth="repeat">
+      <a:schemeClr val="tx1"/>
+    </dgm:txFillClrLst>
+    <dgm:txEffectClrLst/>
+  </dgm:styleLbl>
+  <dgm:styleLbl name="asst0">
+    <dgm:fillClrLst meth="repeat">
+      <a:schemeClr val="accent1"/>
+    </dgm:fillClrLst>
+    <dgm:linClrLst meth="repeat">
+      <a:schemeClr val="lt1"/>
+    </dgm:linClrLst>
+    <dgm:effectClrLst/>
+    <dgm:txLinClrLst/>
+    <dgm:txFillClrLst/>
+    <dgm:txEffectClrLst/>
+  </dgm:styleLbl>
+  <dgm:styleLbl name="asst1">
+    <dgm:fillClrLst meth="repeat">
+      <a:schemeClr val="accent1"/>
+    </dgm:fillClrLst>
+    <dgm:linClrLst meth="repeat">
+      <a:schemeClr val="lt1"/>
+    </dgm:linClrLst>
+    <dgm:effectClrLst/>
+    <dgm:txLinClrLst/>
+    <dgm:txFillClrLst/>
+    <dgm:txEffectClrLst/>
+  </dgm:styleLbl>
+  <dgm:styleLbl name="asst2">
+    <dgm:fillClrLst meth="repeat">
+      <a:schemeClr val="accent1"/>
+    </dgm:fillClrLst>
+    <dgm:linClrLst meth="repeat">
+      <a:schemeClr val="lt1"/>
+    </dgm:linClrLst>
+    <dgm:effectClrLst/>
+    <dgm:txLinClrLst/>
+    <dgm:txFillClrLst/>
+    <dgm:txEffectClrLst/>
+  </dgm:styleLbl>
+  <dgm:styleLbl name="asst3">
+    <dgm:fillClrLst meth="repeat">
+      <a:schemeClr val="accent1"/>
+    </dgm:fillClrLst>
+    <dgm:linClrLst meth="repeat">
+      <a:schemeClr val="lt1"/>
+    </dgm:linClrLst>
+    <dgm:effectClrLst/>
+    <dgm:txLinClrLst/>
+    <dgm:txFillClrLst/>
+    <dgm:txEffectClrLst/>
+  </dgm:styleLbl>
+  <dgm:styleLbl name="asst4">
+    <dgm:fillClrLst meth="repeat">
+      <a:schemeClr val="accent1"/>
+    </dgm:fillClrLst>
+    <dgm:linClrLst meth="repeat">
+      <a:schemeClr val="lt1"/>
+    </dgm:linClrLst>
+    <dgm:effectClrLst/>
+    <dgm:txLinClrLst/>
+    <dgm:txFillClrLst/>
+    <dgm:txEffectClrLst/>
+  </dgm:styleLbl>
+  <dgm:styleLbl name="parChTrans2D1">
+    <dgm:fillClrLst meth="repeat">
+      <a:schemeClr val="accent1">
+        <a:tint val="60000"/>
+      </a:schemeClr>
+    </dgm:fillClrLst>
+    <dgm:linClrLst meth="repeat">
+      <a:schemeClr val="accent1">
+        <a:tint val="60000"/>
+      </a:schemeClr>
+    </dgm:linClrLst>
+    <dgm:effectClrLst/>
+    <dgm:txLinClrLst/>
+    <dgm:txFillClrLst meth="repeat">
+      <a:schemeClr val="lt1"/>
+    </dgm:txFillClrLst>
+    <dgm:txEffectClrLst/>
+  </dgm:styleLbl>
+  <dgm:styleLbl name="parChTrans2D2">
+    <dgm:fillClrLst meth="repeat">
+      <a:schemeClr val="accent1"/>
+    </dgm:fillClrLst>
+    <dgm:linClrLst meth="repeat">
+      <a:schemeClr val="accent1"/>
+    </dgm:linClrLst>
+    <dgm:effectClrLst/>
+    <dgm:txLinClrLst/>
+    <dgm:txFillClrLst meth="repeat">
+      <a:schemeClr val="lt1"/>
+    </dgm:txFillClrLst>
+    <dgm:txEffectClrLst/>
+  </dgm:styleLbl>
+  <dgm:styleLbl name="parChTrans2D3">
+    <dgm:fillClrLst meth="repeat">
+      <a:schemeClr val="accent1"/>
+    </dgm:fillClrLst>
+    <dgm:linClrLst meth="repeat">
+      <a:schemeClr val="accent1"/>
+    </dgm:linClrLst>
+    <dgm:effectClrLst/>
+    <dgm:txLinClrLst/>
+    <dgm:txFillClrLst meth="repeat">
+      <a:schemeClr val="lt1"/>
+    </dgm:txFillClrLst>
+    <dgm:txEffectClrLst/>
+  </dgm:styleLbl>
+  <dgm:styleLbl name="parChTrans2D4">
+    <dgm:fillClrLst meth="repeat">
+      <a:schemeClr val="accent1"/>
+    </dgm:fillClrLst>
+    <dgm:linClrLst meth="repeat">
+      <a:schemeClr val="accent1"/>
+    </dgm:linClrLst>
+    <dgm:effectClrLst/>
+    <dgm:txLinClrLst/>
+    <dgm:txFillClrLst meth="repeat">
+      <a:schemeClr val="lt1"/>
+    </dgm:txFillClrLst>
+    <dgm:txEffectClrLst/>
+  </dgm:styleLbl>
+  <dgm:styleLbl name="parChTrans1D1">
+    <dgm:fillClrLst meth="repeat">
+      <a:schemeClr val="accent1"/>
+    </dgm:fillClrLst>
+    <dgm:linClrLst meth="repeat">
+      <a:schemeClr val="accent1">
+        <a:shade val="60000"/>
+      </a:schemeClr>
+    </dgm:linClrLst>
+    <dgm:effectClrLst/>
+    <dgm:txLinClrLst/>
+    <dgm:txFillClrLst meth="repeat">
+      <a:schemeClr val="tx1"/>
+    </dgm:txFillClrLst>
+    <dgm:txEffectClrLst/>
+  </dgm:styleLbl>
+  <dgm:styleLbl name="parChTrans1D2">
+    <dgm:fillClrLst meth="repeat">
+      <a:schemeClr val="accent1"/>
+    </dgm:fillClrLst>
+    <dgm:linClrLst meth="repeat">
+      <a:schemeClr val="accent1">
+        <a:shade val="60000"/>
+      </a:schemeClr>
+    </dgm:linClrLst>
+    <dgm:effectClrLst/>
+    <dgm:txLinClrLst/>
+    <dgm:txFillClrLst meth="repeat">
+      <a:schemeClr val="tx1"/>
+    </dgm:txFillClrLst>
+    <dgm:txEffectClrLst/>
+  </dgm:styleLbl>
+  <dgm:styleLbl name="parChTrans1D3">
+    <dgm:fillClrLst meth="repeat">
+      <a:schemeClr val="accent1"/>
+    </dgm:fillClrLst>
+    <dgm:linClrLst meth="repeat">
+      <a:schemeClr val="accent1">
+        <a:shade val="80000"/>
+      </a:schemeClr>
+    </dgm:linClrLst>
+    <dgm:effectClrLst/>
+    <dgm:txLinClrLst/>
+    <dgm:txFillClrLst meth="repeat">
+      <a:schemeClr val="tx1"/>
+    </dgm:txFillClrLst>
+    <dgm:txEffectClrLst/>
+  </dgm:styleLbl>
+  <dgm:styleLbl name="parChTrans1D4">
+    <dgm:fillClrLst meth="repeat">
+      <a:schemeClr val="accent1"/>
+    </dgm:fillClrLst>
+    <dgm:linClrLst meth="repeat">
+      <a:schemeClr val="accent1">
+        <a:shade val="80000"/>
+      </a:schemeClr>
+    </dgm:linClrLst>
+    <dgm:effectClrLst/>
+    <dgm:txLinClrLst/>
+    <dgm:txFillClrLst meth="repeat">
+      <a:schemeClr val="tx1"/>
+    </dgm:txFillClrLst>
+    <dgm:txEffectClrLst/>
+  </dgm:styleLbl>
+  <dgm:styleLbl name="fgAcc1">
+    <dgm:fillClrLst meth="repeat">
+      <a:schemeClr val="lt1">
+        <a:alpha val="90000"/>
+      </a:schemeClr>
+    </dgm:fillClrLst>
+    <dgm:linClrLst meth="repeat">
+      <a:schemeClr val="accent1"/>
+    </dgm:linClrLst>
+    <dgm:effectClrLst/>
+    <dgm:txLinClrLst/>
+    <dgm:txFillClrLst meth="repeat">
+      <a:schemeClr val="dk1"/>
+    </dgm:txFillClrLst>
+    <dgm:txEffectClrLst/>
+  </dgm:styleLbl>
+  <dgm:styleLbl name="conFgAcc1">
+    <dgm:fillClrLst meth="repeat">
+      <a:schemeClr val="lt1">
+        <a:alpha val="90000"/>
+      </a:schemeClr>
+    </dgm:fillClrLst>
+    <dgm:linClrLst meth="repeat">
+      <a:schemeClr val="accent1"/>
+    </dgm:linClrLst>
+    <dgm:effectClrLst/>
+    <dgm:txLinClrLst/>
+    <dgm:txFillClrLst meth="repeat">
+      <a:schemeClr val="dk1"/>
+    </dgm:txFillClrLst>
+    <dgm:txEffectClrLst/>
+  </dgm:styleLbl>
+  <dgm:styleLbl name="alignAcc1">
+    <dgm:fillClrLst meth="repeat">
+      <a:schemeClr val="lt1">
+        <a:alpha val="90000"/>
+      </a:schemeClr>
+    </dgm:fillClrLst>
+    <dgm:linClrLst meth="repeat">
+      <a:schemeClr val="accent1"/>
+    </dgm:linClrLst>
+    <dgm:effectClrLst/>
+    <dgm:txLinClrLst/>
+    <dgm:txFillClrLst meth="repeat">
+      <a:schemeClr val="dk1"/>
+    </dgm:txFillClrLst>
+    <dgm:txEffectClrLst/>
+  </dgm:styleLbl>
+  <dgm:styleLbl name="trAlignAcc1">
+    <dgm:fillClrLst meth="repeat">
+      <a:schemeClr val="lt1">
+        <a:alpha val="40000"/>
+      </a:schemeClr>
+    </dgm:fillClrLst>
+    <dgm:linClrLst meth="repeat">
+      <a:schemeClr val="accent1"/>
+    </dgm:linClrLst>
+    <dgm:effectClrLst/>
+    <dgm:txLinClrLst/>
+    <dgm:txFillClrLst meth="repeat">
+      <a:schemeClr val="dk1"/>
+    </dgm:txFillClrLst>
+    <dgm:txEffectClrLst/>
+  </dgm:styleLbl>
+  <dgm:styleLbl name="bgAcc1">
+    <dgm:fillClrLst meth="repeat">
+      <a:schemeClr val="lt1">
+        <a:alpha val="90000"/>
+      </a:schemeClr>
+    </dgm:fillClrLst>
+    <dgm:linClrLst meth="repeat">
+      <a:schemeClr val="accent1"/>
+    </dgm:linClrLst>
+    <dgm:effectClrLst/>
+    <dgm:txLinClrLst/>
+    <dgm:txFillClrLst meth="repeat">
+      <a:schemeClr val="dk1"/>
+    </dgm:txFillClrLst>
+    <dgm:txEffectClrLst/>
+  </dgm:styleLbl>
+  <dgm:styleLbl name="solidFgAcc1">
+    <dgm:fillClrLst meth="repeat">
+      <a:schemeClr val="lt1"/>
+    </dgm:fillClrLst>
+    <dgm:linClrLst meth="repeat">
+      <a:schemeClr val="accent1"/>
+    </dgm:linClrLst>
+    <dgm:effectClrLst/>
+    <dgm:txLinClrLst/>
+    <dgm:txFillClrLst meth="repeat">
+      <a:schemeClr val="dk1"/>
+    </dgm:txFillClrLst>
+    <dgm:txEffectClrLst/>
+  </dgm:styleLbl>
+  <dgm:styleLbl name="solidAlignAcc1">
+    <dgm:fillClrLst meth="repeat">
+      <a:schemeClr val="lt1"/>
+    </dgm:fillClrLst>
+    <dgm:linClrLst meth="repeat">
+      <a:schemeClr val="accent1"/>
+    </dgm:linClrLst>
+    <dgm:effectClrLst/>
+    <dgm:txLinClrLst/>
+    <dgm:txFillClrLst meth="repeat">
+      <a:schemeClr val="dk1"/>
+    </dgm:txFillClrLst>
+    <dgm:txEffectClrLst/>
+  </dgm:styleLbl>
+  <dgm:styleLbl name="solidBgAcc1">
+    <dgm:fillClrLst meth="repeat">
+      <a:schemeClr val="lt1"/>
+    </dgm:fillClrLst>
+    <dgm:linClrLst meth="repeat">
+      <a:schemeClr val="accent1"/>
+    </dgm:linClrLst>
+    <dgm:effectClrLst/>
+    <dgm:txLinClrLst/>
+    <dgm:txFillClrLst meth="repeat">
+      <a:schemeClr val="dk1"/>
+    </dgm:txFillClrLst>
+    <dgm:txEffectClrLst/>
+  </dgm:styleLbl>
+  <dgm:styleLbl name="fgAccFollowNode1">
+    <dgm:fillClrLst meth="repeat">
+      <a:schemeClr val="accent1">
+        <a:alpha val="90000"/>
+        <a:tint val="40000"/>
+      </a:schemeClr>
+    </dgm:fillClrLst>
+    <dgm:linClrLst meth="repeat">
+      <a:schemeClr val="accent1">
+        <a:alpha val="90000"/>
+        <a:tint val="40000"/>
+      </a:schemeClr>
+    </dgm:linClrLst>
+    <dgm:effectClrLst/>
+    <dgm:txLinClrLst/>
+    <dgm:txFillClrLst meth="repeat">
+      <a:schemeClr val="dk1"/>
+    </dgm:txFillClrLst>
+    <dgm:txEffectClrLst/>
+  </dgm:styleLbl>
+  <dgm:styleLbl name="alignAccFollowNode1">
+    <dgm:fillClrLst meth="repeat">
+      <a:schemeClr val="accent1">
+        <a:alpha val="90000"/>
+        <a:tint val="40000"/>
+      </a:schemeClr>
+    </dgm:fillClrLst>
+    <dgm:linClrLst meth="repeat">
+      <a:schemeClr val="accent1">
+        <a:alpha val="90000"/>
+        <a:tint val="40000"/>
+      </a:schemeClr>
+    </dgm:linClrLst>
+    <dgm:effectClrLst/>
+    <dgm:txLinClrLst/>
+    <dgm:txFillClrLst meth="repeat">
+      <a:schemeClr val="dk1"/>
+    </dgm:txFillClrLst>
+    <dgm:txEffectClrLst/>
+  </dgm:styleLbl>
+  <dgm:styleLbl name="bgAccFollowNode1">
+    <dgm:fillClrLst meth="repeat">
+      <a:schemeClr val="accent1">
+        <a:alpha val="90000"/>
+        <a:tint val="40000"/>
+      </a:schemeClr>
+    </dgm:fillClrLst>
+    <dgm:linClrLst meth="repeat">
+      <a:schemeClr val="accent1">
+        <a:alpha val="90000"/>
+        <a:tint val="40000"/>
+      </a:schemeClr>
+    </dgm:linClrLst>
+    <dgm:effectClrLst/>
+    <dgm:txLinClrLst/>
+    <dgm:txFillClrLst meth="repeat">
+      <a:schemeClr val="dk1"/>
+    </dgm:txFillClrLst>
+    <dgm:txEffectClrLst/>
+  </dgm:styleLbl>
+  <dgm:styleLbl name="fgAcc0">
+    <dgm:fillClrLst meth="repeat">
+      <a:schemeClr val="lt1">
+        <a:alpha val="90000"/>
+      </a:schemeClr>
+    </dgm:fillClrLst>
+    <dgm:linClrLst meth="repeat">
+      <a:schemeClr val="accent1"/>
+    </dgm:linClrLst>
+    <dgm:effectClrLst/>
+    <dgm:txLinClrLst/>
+    <dgm:txFillClrLst meth="repeat">
+      <a:schemeClr val="dk1"/>
+    </dgm:txFillClrLst>
+    <dgm:txEffectClrLst/>
+  </dgm:styleLbl>
+  <dgm:styleLbl name="fgAcc2">
+    <dgm:fillClrLst meth="repeat">
+      <a:schemeClr val="lt1">
+        <a:alpha val="90000"/>
+      </a:schemeClr>
+    </dgm:fillClrLst>
+    <dgm:linClrLst meth="repeat">
+      <a:schemeClr val="accent1"/>
+    </dgm:linClrLst>
+    <dgm:effectClrLst/>
+    <dgm:txLinClrLst/>
+    <dgm:txFillClrLst meth="repeat">
+      <a:schemeClr val="dk1"/>
+    </dgm:txFillClrLst>
+    <dgm:txEffectClrLst/>
+  </dgm:styleLbl>
+  <dgm:styleLbl name="fgAcc3">
+    <dgm:fillClrLst meth="repeat">
+      <a:schemeClr val="lt1">
+        <a:alpha val="90000"/>
+      </a:schemeClr>
+    </dgm:fillClrLst>
+    <dgm:linClrLst meth="repeat">
+      <a:schemeClr val="accent1"/>
+    </dgm:linClrLst>
+    <dgm:effectClrLst/>
+    <dgm:txLinClrLst/>
+    <dgm:txFillClrLst meth="repeat">
+      <a:schemeClr val="dk1"/>
+    </dgm:txFillClrLst>
+    <dgm:txEffectClrLst/>
+  </dgm:styleLbl>
+  <dgm:styleLbl name="fgAcc4">
+    <dgm:fillClrLst meth="repeat">
+      <a:schemeClr val="lt1">
+        <a:alpha val="90000"/>
+      </a:schemeClr>
+    </dgm:fillClrLst>
+    <dgm:linClrLst meth="repeat">
+      <a:schemeClr val="accent1"/>
+    </dgm:linClrLst>
+    <dgm:effectClrLst/>
+    <dgm:txLinClrLst/>
+    <dgm:txFillClrLst meth="repeat">
+      <a:schemeClr val="dk1"/>
+    </dgm:txFillClrLst>
+    <dgm:txEffectClrLst/>
+  </dgm:styleLbl>
+  <dgm:styleLbl name="bgShp">
+    <dgm:fillClrLst meth="repeat">
+      <a:schemeClr val="accent1">
+        <a:tint val="40000"/>
+      </a:schemeClr>
+    </dgm:fillClrLst>
+    <dgm:linClrLst meth="repeat">
+      <a:schemeClr val="accent1"/>
+    </dgm:linClrLst>
+    <dgm:effectClrLst/>
+    <dgm:txLinClrLst/>
+    <dgm:txFillClrLst meth="repeat">
+      <a:schemeClr val="dk1"/>
+    </dgm:txFillClrLst>
+    <dgm:txEffectClrLst/>
+  </dgm:styleLbl>
+  <dgm:styleLbl name="dkBgShp">
+    <dgm:fillClrLst meth="repeat">
+      <a:schemeClr val="accent1">
+        <a:shade val="80000"/>
+      </a:schemeClr>
+    </dgm:fillClrLst>
+    <dgm:linClrLst meth="repeat">
+      <a:schemeClr val="accent1"/>
+    </dgm:linClrLst>
+    <dgm:effectClrLst/>
+    <dgm:txLinClrLst/>
+    <dgm:txFillClrLst meth="repeat">
+      <a:schemeClr val="lt1"/>
+    </dgm:txFillClrLst>
+    <dgm:txEffectClrLst/>
+  </dgm:styleLbl>
+  <dgm:styleLbl name="trBgShp">
+    <dgm:fillClrLst meth="repeat">
+      <a:schemeClr val="accent1">
+        <a:tint val="50000"/>
+        <a:alpha val="40000"/>
+      </a:schemeClr>
+    </dgm:fillClrLst>
+    <dgm:linClrLst meth="repeat">
+      <a:schemeClr val="accent1"/>
+    </dgm:linClrLst>
+    <dgm:effectClrLst/>
+    <dgm:txLinClrLst/>
+    <dgm:txFillClrLst meth="repeat">
+      <a:schemeClr val="lt1"/>
+    </dgm:txFillClrLst>
+    <dgm:txEffectClrLst/>
+  </dgm:styleLbl>
+  <dgm:styleLbl name="fgShp">
+    <dgm:fillClrLst meth="repeat">
+      <a:schemeClr val="accent1">
+        <a:tint val="60000"/>
       </a:schemeClr>
     </dgm:fillClrLst>
     <dgm:linClrLst meth="repeat">
@@ -4374,6 +5446,316 @@
   <dgm:extLst>
     <a:ext uri="http://schemas.microsoft.com/office/drawing/2008/diagram">
       <dsp:dataModelExt xmlns:dsp="http://schemas.microsoft.com/office/drawing/2008/diagram" relId="rId6" minVer="http://schemas.openxmlformats.org/drawingml/2006/diagram"/>
+    </a:ext>
+  </dgm:extLst>
+</dgm:dataModel>
+</file>
+
+<file path=ppt/diagrams/data4.xml><?xml version="1.0" encoding="utf-8"?>
+<dgm:dataModel xmlns:dgm="http://schemas.openxmlformats.org/drawingml/2006/diagram" xmlns:a="http://schemas.openxmlformats.org/drawingml/2006/main">
+  <dgm:ptLst>
+    <dgm:pt modelId="{D8AA61B9-3480-4A22-9855-8A4BF60A68C4}" type="doc">
+      <dgm:prSet loTypeId="urn:microsoft.com/office/officeart/2008/layout/HorizontalMultiLevelHierarchy" loCatId="hierarchy" qsTypeId="urn:microsoft.com/office/officeart/2005/8/quickstyle/simple1" qsCatId="simple" csTypeId="urn:microsoft.com/office/officeart/2005/8/colors/accent1_2" csCatId="accent1" phldr="1"/>
+      <dgm:spPr/>
+      <dgm:t>
+        <a:bodyPr/>
+        <a:lstStyle/>
+        <a:p>
+          <a:endParaRPr lang="es-CR"/>
+        </a:p>
+      </dgm:t>
+    </dgm:pt>
+    <dgm:pt modelId="{037A9F5D-62E7-47D4-B3A7-3C7C22CAA198}">
+      <dgm:prSet phldrT="[Text]"/>
+      <dgm:spPr/>
+      <dgm:t>
+        <a:bodyPr/>
+        <a:lstStyle/>
+        <a:p>
+          <a:r>
+            <a:rPr lang="en-US" dirty="0" err="1"/>
+            <a:t>Clase</a:t>
+          </a:r>
+          <a:endParaRPr lang="es-CR" dirty="0"/>
+        </a:p>
+      </dgm:t>
+    </dgm:pt>
+    <dgm:pt modelId="{362970E1-6B26-4D57-906F-BDB7BE579B4C}" type="parTrans" cxnId="{36EE2998-89CC-4C59-A4B7-7A9FA0C61DC8}">
+      <dgm:prSet/>
+      <dgm:spPr/>
+      <dgm:t>
+        <a:bodyPr/>
+        <a:lstStyle/>
+        <a:p>
+          <a:endParaRPr lang="es-CR"/>
+        </a:p>
+      </dgm:t>
+    </dgm:pt>
+    <dgm:pt modelId="{12DE7600-FF2F-48DA-B59F-3AB83CAFB998}" type="sibTrans" cxnId="{36EE2998-89CC-4C59-A4B7-7A9FA0C61DC8}">
+      <dgm:prSet/>
+      <dgm:spPr/>
+      <dgm:t>
+        <a:bodyPr/>
+        <a:lstStyle/>
+        <a:p>
+          <a:endParaRPr lang="es-CR"/>
+        </a:p>
+      </dgm:t>
+    </dgm:pt>
+    <dgm:pt modelId="{6C692CA9-30B2-492E-A83D-92D8D9D0969F}">
+      <dgm:prSet phldrT="[Text]"/>
+      <dgm:spPr/>
+      <dgm:t>
+        <a:bodyPr/>
+        <a:lstStyle/>
+        <a:p>
+          <a:r>
+            <a:rPr lang="es-CR" dirty="0"/>
+            <a:t>Variables Globales</a:t>
+          </a:r>
+        </a:p>
+      </dgm:t>
+    </dgm:pt>
+    <dgm:pt modelId="{727C20A0-F83A-4297-9CF3-7C618DDF4E98}" type="parTrans" cxnId="{63A86840-5C4E-4D35-A1CD-A3B3D5488DA3}">
+      <dgm:prSet/>
+      <dgm:spPr/>
+      <dgm:t>
+        <a:bodyPr/>
+        <a:lstStyle/>
+        <a:p>
+          <a:endParaRPr lang="es-CR"/>
+        </a:p>
+      </dgm:t>
+    </dgm:pt>
+    <dgm:pt modelId="{4D45945F-0D80-4751-BA05-CD9A26E7E9FE}" type="sibTrans" cxnId="{63A86840-5C4E-4D35-A1CD-A3B3D5488DA3}">
+      <dgm:prSet/>
+      <dgm:spPr/>
+      <dgm:t>
+        <a:bodyPr/>
+        <a:lstStyle/>
+        <a:p>
+          <a:endParaRPr lang="es-CR"/>
+        </a:p>
+      </dgm:t>
+    </dgm:pt>
+    <dgm:pt modelId="{980678FD-A16D-471C-AFE1-ACEE7ABE49FE}">
+      <dgm:prSet phldrT="[Text]"/>
+      <dgm:spPr/>
+      <dgm:t>
+        <a:bodyPr/>
+        <a:lstStyle/>
+        <a:p>
+          <a:r>
+            <a:rPr lang="en-US" dirty="0"/>
+            <a:t>M</a:t>
+          </a:r>
+          <a:r>
+            <a:rPr lang="es-CR" dirty="0" err="1"/>
+            <a:t>étodo</a:t>
+          </a:r>
+          <a:endParaRPr lang="es-CR" dirty="0"/>
+        </a:p>
+      </dgm:t>
+    </dgm:pt>
+    <dgm:pt modelId="{F939F53B-09E5-423D-872F-AEBB062DD02B}" type="parTrans" cxnId="{F9BD9944-5DEA-41B8-A60C-9A44FFC53620}">
+      <dgm:prSet/>
+      <dgm:spPr/>
+      <dgm:t>
+        <a:bodyPr/>
+        <a:lstStyle/>
+        <a:p>
+          <a:endParaRPr lang="es-CR"/>
+        </a:p>
+      </dgm:t>
+    </dgm:pt>
+    <dgm:pt modelId="{4AD929CB-F300-4208-BE9B-2388A80F1598}" type="sibTrans" cxnId="{F9BD9944-5DEA-41B8-A60C-9A44FFC53620}">
+      <dgm:prSet/>
+      <dgm:spPr/>
+      <dgm:t>
+        <a:bodyPr/>
+        <a:lstStyle/>
+        <a:p>
+          <a:endParaRPr lang="es-CR"/>
+        </a:p>
+      </dgm:t>
+    </dgm:pt>
+    <dgm:pt modelId="{0FF496F7-EE1C-4F9F-B74A-DE5F8D9DCB30}">
+      <dgm:prSet/>
+      <dgm:spPr/>
+      <dgm:t>
+        <a:bodyPr/>
+        <a:lstStyle/>
+        <a:p>
+          <a:r>
+            <a:rPr lang="es-CR" dirty="0"/>
+            <a:t>Variables Locales</a:t>
+          </a:r>
+        </a:p>
+      </dgm:t>
+    </dgm:pt>
+    <dgm:pt modelId="{6803FB72-8CBD-410C-8B01-6E116B4645CA}" type="parTrans" cxnId="{D4A9C004-91D7-45E6-AA0E-889C461D3F4A}">
+      <dgm:prSet/>
+      <dgm:spPr/>
+      <dgm:t>
+        <a:bodyPr/>
+        <a:lstStyle/>
+        <a:p>
+          <a:endParaRPr lang="es-CR"/>
+        </a:p>
+      </dgm:t>
+    </dgm:pt>
+    <dgm:pt modelId="{02201F06-7179-408D-A6EC-D8A0865FBBB7}" type="sibTrans" cxnId="{D4A9C004-91D7-45E6-AA0E-889C461D3F4A}">
+      <dgm:prSet/>
+      <dgm:spPr/>
+      <dgm:t>
+        <a:bodyPr/>
+        <a:lstStyle/>
+        <a:p>
+          <a:endParaRPr lang="es-CR"/>
+        </a:p>
+      </dgm:t>
+    </dgm:pt>
+    <dgm:pt modelId="{80075AF2-96DD-43DE-924A-6A37B650538C}" type="pres">
+      <dgm:prSet presAssocID="{D8AA61B9-3480-4A22-9855-8A4BF60A68C4}" presName="Name0" presStyleCnt="0">
+        <dgm:presLayoutVars>
+          <dgm:chPref val="1"/>
+          <dgm:dir/>
+          <dgm:animOne val="branch"/>
+          <dgm:animLvl val="lvl"/>
+          <dgm:resizeHandles val="exact"/>
+        </dgm:presLayoutVars>
+      </dgm:prSet>
+      <dgm:spPr/>
+    </dgm:pt>
+    <dgm:pt modelId="{A95C9FB0-F76A-4AE6-94B5-D55398540C53}" type="pres">
+      <dgm:prSet presAssocID="{037A9F5D-62E7-47D4-B3A7-3C7C22CAA198}" presName="root1" presStyleCnt="0"/>
+      <dgm:spPr/>
+    </dgm:pt>
+    <dgm:pt modelId="{97782952-9E16-4307-A1B1-0A50DB78DEE6}" type="pres">
+      <dgm:prSet presAssocID="{037A9F5D-62E7-47D4-B3A7-3C7C22CAA198}" presName="LevelOneTextNode" presStyleLbl="node0" presStyleIdx="0" presStyleCnt="1">
+        <dgm:presLayoutVars>
+          <dgm:chPref val="3"/>
+        </dgm:presLayoutVars>
+      </dgm:prSet>
+      <dgm:spPr/>
+    </dgm:pt>
+    <dgm:pt modelId="{B32F2174-D43C-46A1-8C34-91BDEEF516AC}" type="pres">
+      <dgm:prSet presAssocID="{037A9F5D-62E7-47D4-B3A7-3C7C22CAA198}" presName="level2hierChild" presStyleCnt="0"/>
+      <dgm:spPr/>
+    </dgm:pt>
+    <dgm:pt modelId="{1168B0EF-A0C4-4642-85C1-B32E09E05059}" type="pres">
+      <dgm:prSet presAssocID="{727C20A0-F83A-4297-9CF3-7C618DDF4E98}" presName="conn2-1" presStyleLbl="parChTrans1D2" presStyleIdx="0" presStyleCnt="2"/>
+      <dgm:spPr/>
+    </dgm:pt>
+    <dgm:pt modelId="{E8701E58-B281-4CCA-A171-776BE3902FA3}" type="pres">
+      <dgm:prSet presAssocID="{727C20A0-F83A-4297-9CF3-7C618DDF4E98}" presName="connTx" presStyleLbl="parChTrans1D2" presStyleIdx="0" presStyleCnt="2"/>
+      <dgm:spPr/>
+    </dgm:pt>
+    <dgm:pt modelId="{29184ECA-CB4F-44DD-9AB5-1EC05CAC07C0}" type="pres">
+      <dgm:prSet presAssocID="{6C692CA9-30B2-492E-A83D-92D8D9D0969F}" presName="root2" presStyleCnt="0"/>
+      <dgm:spPr/>
+    </dgm:pt>
+    <dgm:pt modelId="{7D35E497-92A2-45ED-A583-11E28FB0664A}" type="pres">
+      <dgm:prSet presAssocID="{6C692CA9-30B2-492E-A83D-92D8D9D0969F}" presName="LevelTwoTextNode" presStyleLbl="node2" presStyleIdx="0" presStyleCnt="2">
+        <dgm:presLayoutVars>
+          <dgm:chPref val="3"/>
+        </dgm:presLayoutVars>
+      </dgm:prSet>
+      <dgm:spPr/>
+    </dgm:pt>
+    <dgm:pt modelId="{C8ED1A63-55A6-4170-A7DB-CEE9905302D7}" type="pres">
+      <dgm:prSet presAssocID="{6C692CA9-30B2-492E-A83D-92D8D9D0969F}" presName="level3hierChild" presStyleCnt="0"/>
+      <dgm:spPr/>
+    </dgm:pt>
+    <dgm:pt modelId="{7805ECB8-EB30-4BAA-9C51-C154CAB7881C}" type="pres">
+      <dgm:prSet presAssocID="{F939F53B-09E5-423D-872F-AEBB062DD02B}" presName="conn2-1" presStyleLbl="parChTrans1D2" presStyleIdx="1" presStyleCnt="2"/>
+      <dgm:spPr/>
+    </dgm:pt>
+    <dgm:pt modelId="{391E073D-A116-4C7D-9891-869982A22C9F}" type="pres">
+      <dgm:prSet presAssocID="{F939F53B-09E5-423D-872F-AEBB062DD02B}" presName="connTx" presStyleLbl="parChTrans1D2" presStyleIdx="1" presStyleCnt="2"/>
+      <dgm:spPr/>
+    </dgm:pt>
+    <dgm:pt modelId="{38F8AABB-4449-4D44-AB8D-5CD8BF956E0A}" type="pres">
+      <dgm:prSet presAssocID="{980678FD-A16D-471C-AFE1-ACEE7ABE49FE}" presName="root2" presStyleCnt="0"/>
+      <dgm:spPr/>
+    </dgm:pt>
+    <dgm:pt modelId="{9AF86A57-6B22-4E4B-BA3A-B7C26B95EB84}" type="pres">
+      <dgm:prSet presAssocID="{980678FD-A16D-471C-AFE1-ACEE7ABE49FE}" presName="LevelTwoTextNode" presStyleLbl="node2" presStyleIdx="1" presStyleCnt="2">
+        <dgm:presLayoutVars>
+          <dgm:chPref val="3"/>
+        </dgm:presLayoutVars>
+      </dgm:prSet>
+      <dgm:spPr/>
+    </dgm:pt>
+    <dgm:pt modelId="{418ADD0F-2996-41D2-A50B-35663FAE9B44}" type="pres">
+      <dgm:prSet presAssocID="{980678FD-A16D-471C-AFE1-ACEE7ABE49FE}" presName="level3hierChild" presStyleCnt="0"/>
+      <dgm:spPr/>
+    </dgm:pt>
+    <dgm:pt modelId="{A199C3E1-DF33-4105-857C-F873D91748C0}" type="pres">
+      <dgm:prSet presAssocID="{6803FB72-8CBD-410C-8B01-6E116B4645CA}" presName="conn2-1" presStyleLbl="parChTrans1D3" presStyleIdx="0" presStyleCnt="1"/>
+      <dgm:spPr/>
+    </dgm:pt>
+    <dgm:pt modelId="{433D827B-88FF-4F8A-B973-0D12094CFE80}" type="pres">
+      <dgm:prSet presAssocID="{6803FB72-8CBD-410C-8B01-6E116B4645CA}" presName="connTx" presStyleLbl="parChTrans1D3" presStyleIdx="0" presStyleCnt="1"/>
+      <dgm:spPr/>
+    </dgm:pt>
+    <dgm:pt modelId="{86B54A96-655E-4947-9C5C-B52CE69CF33C}" type="pres">
+      <dgm:prSet presAssocID="{0FF496F7-EE1C-4F9F-B74A-DE5F8D9DCB30}" presName="root2" presStyleCnt="0"/>
+      <dgm:spPr/>
+    </dgm:pt>
+    <dgm:pt modelId="{43B69635-C755-4C57-A349-5733FFA6E0A6}" type="pres">
+      <dgm:prSet presAssocID="{0FF496F7-EE1C-4F9F-B74A-DE5F8D9DCB30}" presName="LevelTwoTextNode" presStyleLbl="node3" presStyleIdx="0" presStyleCnt="1">
+        <dgm:presLayoutVars>
+          <dgm:chPref val="3"/>
+        </dgm:presLayoutVars>
+      </dgm:prSet>
+      <dgm:spPr/>
+    </dgm:pt>
+    <dgm:pt modelId="{2E573E56-FC3B-4AE6-90D6-D966AEC17B74}" type="pres">
+      <dgm:prSet presAssocID="{0FF496F7-EE1C-4F9F-B74A-DE5F8D9DCB30}" presName="level3hierChild" presStyleCnt="0"/>
+      <dgm:spPr/>
+    </dgm:pt>
+  </dgm:ptLst>
+  <dgm:cxnLst>
+    <dgm:cxn modelId="{D4A9C004-91D7-45E6-AA0E-889C461D3F4A}" srcId="{980678FD-A16D-471C-AFE1-ACEE7ABE49FE}" destId="{0FF496F7-EE1C-4F9F-B74A-DE5F8D9DCB30}" srcOrd="0" destOrd="0" parTransId="{6803FB72-8CBD-410C-8B01-6E116B4645CA}" sibTransId="{02201F06-7179-408D-A6EC-D8A0865FBBB7}"/>
+    <dgm:cxn modelId="{12762D33-445D-42CA-9C4B-45FAF23EEAA6}" type="presOf" srcId="{0FF496F7-EE1C-4F9F-B74A-DE5F8D9DCB30}" destId="{43B69635-C755-4C57-A349-5733FFA6E0A6}" srcOrd="0" destOrd="0" presId="urn:microsoft.com/office/officeart/2008/layout/HorizontalMultiLevelHierarchy"/>
+    <dgm:cxn modelId="{63A86840-5C4E-4D35-A1CD-A3B3D5488DA3}" srcId="{037A9F5D-62E7-47D4-B3A7-3C7C22CAA198}" destId="{6C692CA9-30B2-492E-A83D-92D8D9D0969F}" srcOrd="0" destOrd="0" parTransId="{727C20A0-F83A-4297-9CF3-7C618DDF4E98}" sibTransId="{4D45945F-0D80-4751-BA05-CD9A26E7E9FE}"/>
+    <dgm:cxn modelId="{F9BD9944-5DEA-41B8-A60C-9A44FFC53620}" srcId="{037A9F5D-62E7-47D4-B3A7-3C7C22CAA198}" destId="{980678FD-A16D-471C-AFE1-ACEE7ABE49FE}" srcOrd="1" destOrd="0" parTransId="{F939F53B-09E5-423D-872F-AEBB062DD02B}" sibTransId="{4AD929CB-F300-4208-BE9B-2388A80F1598}"/>
+    <dgm:cxn modelId="{0E55E268-EE4E-4F70-8976-234E9B8D0578}" type="presOf" srcId="{6803FB72-8CBD-410C-8B01-6E116B4645CA}" destId="{433D827B-88FF-4F8A-B973-0D12094CFE80}" srcOrd="1" destOrd="0" presId="urn:microsoft.com/office/officeart/2008/layout/HorizontalMultiLevelHierarchy"/>
+    <dgm:cxn modelId="{26C3846A-81E5-48E7-894D-6AD53973FBEB}" type="presOf" srcId="{F939F53B-09E5-423D-872F-AEBB062DD02B}" destId="{7805ECB8-EB30-4BAA-9C51-C154CAB7881C}" srcOrd="0" destOrd="0" presId="urn:microsoft.com/office/officeart/2008/layout/HorizontalMultiLevelHierarchy"/>
+    <dgm:cxn modelId="{8A05EA7E-22B5-4B96-9434-8BC619C06BD4}" type="presOf" srcId="{037A9F5D-62E7-47D4-B3A7-3C7C22CAA198}" destId="{97782952-9E16-4307-A1B1-0A50DB78DEE6}" srcOrd="0" destOrd="0" presId="urn:microsoft.com/office/officeart/2008/layout/HorizontalMultiLevelHierarchy"/>
+    <dgm:cxn modelId="{C6CB7383-B45B-4B97-AA2A-7FB7ABDFC2BF}" type="presOf" srcId="{727C20A0-F83A-4297-9CF3-7C618DDF4E98}" destId="{E8701E58-B281-4CCA-A171-776BE3902FA3}" srcOrd="1" destOrd="0" presId="urn:microsoft.com/office/officeart/2008/layout/HorizontalMultiLevelHierarchy"/>
+    <dgm:cxn modelId="{C286648E-78D3-4990-87BB-479280FB2E25}" type="presOf" srcId="{6803FB72-8CBD-410C-8B01-6E116B4645CA}" destId="{A199C3E1-DF33-4105-857C-F873D91748C0}" srcOrd="0" destOrd="0" presId="urn:microsoft.com/office/officeart/2008/layout/HorizontalMultiLevelHierarchy"/>
+    <dgm:cxn modelId="{36EE2998-89CC-4C59-A4B7-7A9FA0C61DC8}" srcId="{D8AA61B9-3480-4A22-9855-8A4BF60A68C4}" destId="{037A9F5D-62E7-47D4-B3A7-3C7C22CAA198}" srcOrd="0" destOrd="0" parTransId="{362970E1-6B26-4D57-906F-BDB7BE579B4C}" sibTransId="{12DE7600-FF2F-48DA-B59F-3AB83CAFB998}"/>
+    <dgm:cxn modelId="{0A451499-5872-4735-BC5F-CB9AEEA3100A}" type="presOf" srcId="{727C20A0-F83A-4297-9CF3-7C618DDF4E98}" destId="{1168B0EF-A0C4-4642-85C1-B32E09E05059}" srcOrd="0" destOrd="0" presId="urn:microsoft.com/office/officeart/2008/layout/HorizontalMultiLevelHierarchy"/>
+    <dgm:cxn modelId="{7B9DC7C7-ECF0-41F6-9068-477FA021BBF3}" type="presOf" srcId="{F939F53B-09E5-423D-872F-AEBB062DD02B}" destId="{391E073D-A116-4C7D-9891-869982A22C9F}" srcOrd="1" destOrd="0" presId="urn:microsoft.com/office/officeart/2008/layout/HorizontalMultiLevelHierarchy"/>
+    <dgm:cxn modelId="{D1356FCC-BBC6-4A39-B208-FA6E11CC34AD}" type="presOf" srcId="{D8AA61B9-3480-4A22-9855-8A4BF60A68C4}" destId="{80075AF2-96DD-43DE-924A-6A37B650538C}" srcOrd="0" destOrd="0" presId="urn:microsoft.com/office/officeart/2008/layout/HorizontalMultiLevelHierarchy"/>
+    <dgm:cxn modelId="{39AACEE5-B113-4D3D-A0E0-EC6EB2DED052}" type="presOf" srcId="{6C692CA9-30B2-492E-A83D-92D8D9D0969F}" destId="{7D35E497-92A2-45ED-A583-11E28FB0664A}" srcOrd="0" destOrd="0" presId="urn:microsoft.com/office/officeart/2008/layout/HorizontalMultiLevelHierarchy"/>
+    <dgm:cxn modelId="{D14B28FB-19AF-475C-83EB-AE963976EA00}" type="presOf" srcId="{980678FD-A16D-471C-AFE1-ACEE7ABE49FE}" destId="{9AF86A57-6B22-4E4B-BA3A-B7C26B95EB84}" srcOrd="0" destOrd="0" presId="urn:microsoft.com/office/officeart/2008/layout/HorizontalMultiLevelHierarchy"/>
+    <dgm:cxn modelId="{3AACC3A2-9798-416B-A955-54EB0E521D84}" type="presParOf" srcId="{80075AF2-96DD-43DE-924A-6A37B650538C}" destId="{A95C9FB0-F76A-4AE6-94B5-D55398540C53}" srcOrd="0" destOrd="0" presId="urn:microsoft.com/office/officeart/2008/layout/HorizontalMultiLevelHierarchy"/>
+    <dgm:cxn modelId="{F7789F8E-6928-4597-BBED-4B86C0361D42}" type="presParOf" srcId="{A95C9FB0-F76A-4AE6-94B5-D55398540C53}" destId="{97782952-9E16-4307-A1B1-0A50DB78DEE6}" srcOrd="0" destOrd="0" presId="urn:microsoft.com/office/officeart/2008/layout/HorizontalMultiLevelHierarchy"/>
+    <dgm:cxn modelId="{3792E65B-0700-4B06-81D0-E1227AC9135C}" type="presParOf" srcId="{A95C9FB0-F76A-4AE6-94B5-D55398540C53}" destId="{B32F2174-D43C-46A1-8C34-91BDEEF516AC}" srcOrd="1" destOrd="0" presId="urn:microsoft.com/office/officeart/2008/layout/HorizontalMultiLevelHierarchy"/>
+    <dgm:cxn modelId="{C63F3E4B-5AFE-4CFF-979E-9F8B32ADDE11}" type="presParOf" srcId="{B32F2174-D43C-46A1-8C34-91BDEEF516AC}" destId="{1168B0EF-A0C4-4642-85C1-B32E09E05059}" srcOrd="0" destOrd="0" presId="urn:microsoft.com/office/officeart/2008/layout/HorizontalMultiLevelHierarchy"/>
+    <dgm:cxn modelId="{27749D30-99D3-4C9E-B337-2304FD72BDF4}" type="presParOf" srcId="{1168B0EF-A0C4-4642-85C1-B32E09E05059}" destId="{E8701E58-B281-4CCA-A171-776BE3902FA3}" srcOrd="0" destOrd="0" presId="urn:microsoft.com/office/officeart/2008/layout/HorizontalMultiLevelHierarchy"/>
+    <dgm:cxn modelId="{91C94FA6-FBCC-4EBE-9808-553E70D0E5BE}" type="presParOf" srcId="{B32F2174-D43C-46A1-8C34-91BDEEF516AC}" destId="{29184ECA-CB4F-44DD-9AB5-1EC05CAC07C0}" srcOrd="1" destOrd="0" presId="urn:microsoft.com/office/officeart/2008/layout/HorizontalMultiLevelHierarchy"/>
+    <dgm:cxn modelId="{CF4CAE34-B4A8-4AB9-9A2B-AD3360CFE8D1}" type="presParOf" srcId="{29184ECA-CB4F-44DD-9AB5-1EC05CAC07C0}" destId="{7D35E497-92A2-45ED-A583-11E28FB0664A}" srcOrd="0" destOrd="0" presId="urn:microsoft.com/office/officeart/2008/layout/HorizontalMultiLevelHierarchy"/>
+    <dgm:cxn modelId="{BCD419B5-8324-468C-B4C1-1E51BFE48BC7}" type="presParOf" srcId="{29184ECA-CB4F-44DD-9AB5-1EC05CAC07C0}" destId="{C8ED1A63-55A6-4170-A7DB-CEE9905302D7}" srcOrd="1" destOrd="0" presId="urn:microsoft.com/office/officeart/2008/layout/HorizontalMultiLevelHierarchy"/>
+    <dgm:cxn modelId="{E18E796F-CACC-47E4-8853-85C0B22B1D3F}" type="presParOf" srcId="{B32F2174-D43C-46A1-8C34-91BDEEF516AC}" destId="{7805ECB8-EB30-4BAA-9C51-C154CAB7881C}" srcOrd="2" destOrd="0" presId="urn:microsoft.com/office/officeart/2008/layout/HorizontalMultiLevelHierarchy"/>
+    <dgm:cxn modelId="{E9823C97-C802-47FA-AA01-AD9D6C107A86}" type="presParOf" srcId="{7805ECB8-EB30-4BAA-9C51-C154CAB7881C}" destId="{391E073D-A116-4C7D-9891-869982A22C9F}" srcOrd="0" destOrd="0" presId="urn:microsoft.com/office/officeart/2008/layout/HorizontalMultiLevelHierarchy"/>
+    <dgm:cxn modelId="{5A3288CC-FF8F-495A-B53C-ECB84F0F5D74}" type="presParOf" srcId="{B32F2174-D43C-46A1-8C34-91BDEEF516AC}" destId="{38F8AABB-4449-4D44-AB8D-5CD8BF956E0A}" srcOrd="3" destOrd="0" presId="urn:microsoft.com/office/officeart/2008/layout/HorizontalMultiLevelHierarchy"/>
+    <dgm:cxn modelId="{BE07C358-EC8F-4653-8160-9B9795F507D8}" type="presParOf" srcId="{38F8AABB-4449-4D44-AB8D-5CD8BF956E0A}" destId="{9AF86A57-6B22-4E4B-BA3A-B7C26B95EB84}" srcOrd="0" destOrd="0" presId="urn:microsoft.com/office/officeart/2008/layout/HorizontalMultiLevelHierarchy"/>
+    <dgm:cxn modelId="{A658DCC5-9FC3-4D5E-B933-E3216B88D112}" type="presParOf" srcId="{38F8AABB-4449-4D44-AB8D-5CD8BF956E0A}" destId="{418ADD0F-2996-41D2-A50B-35663FAE9B44}" srcOrd="1" destOrd="0" presId="urn:microsoft.com/office/officeart/2008/layout/HorizontalMultiLevelHierarchy"/>
+    <dgm:cxn modelId="{FE4F49EC-9BAC-4A4B-A2C7-4D83C7C9CD83}" type="presParOf" srcId="{418ADD0F-2996-41D2-A50B-35663FAE9B44}" destId="{A199C3E1-DF33-4105-857C-F873D91748C0}" srcOrd="0" destOrd="0" presId="urn:microsoft.com/office/officeart/2008/layout/HorizontalMultiLevelHierarchy"/>
+    <dgm:cxn modelId="{FE011C66-6899-494A-B576-195F2702F49D}" type="presParOf" srcId="{A199C3E1-DF33-4105-857C-F873D91748C0}" destId="{433D827B-88FF-4F8A-B973-0D12094CFE80}" srcOrd="0" destOrd="0" presId="urn:microsoft.com/office/officeart/2008/layout/HorizontalMultiLevelHierarchy"/>
+    <dgm:cxn modelId="{6D4D23E2-C72D-4A85-9F2B-8FEDE87DEBF6}" type="presParOf" srcId="{418ADD0F-2996-41D2-A50B-35663FAE9B44}" destId="{86B54A96-655E-4947-9C5C-B52CE69CF33C}" srcOrd="1" destOrd="0" presId="urn:microsoft.com/office/officeart/2008/layout/HorizontalMultiLevelHierarchy"/>
+    <dgm:cxn modelId="{EF591987-3340-49DF-8308-24E64F0D2276}" type="presParOf" srcId="{86B54A96-655E-4947-9C5C-B52CE69CF33C}" destId="{43B69635-C755-4C57-A349-5733FFA6E0A6}" srcOrd="0" destOrd="0" presId="urn:microsoft.com/office/officeart/2008/layout/HorizontalMultiLevelHierarchy"/>
+    <dgm:cxn modelId="{11197A01-4B11-44E2-B548-4592C4F86893}" type="presParOf" srcId="{86B54A96-655E-4947-9C5C-B52CE69CF33C}" destId="{2E573E56-FC3B-4AE6-90D6-D966AEC17B74}" srcOrd="1" destOrd="0" presId="urn:microsoft.com/office/officeart/2008/layout/HorizontalMultiLevelHierarchy"/>
+  </dgm:cxnLst>
+  <dgm:bg/>
+  <dgm:whole/>
+  <dgm:extLst>
+    <a:ext uri="http://schemas.microsoft.com/office/drawing/2008/diagram">
+      <dsp:dataModelExt xmlns:dsp="http://schemas.microsoft.com/office/drawing/2008/diagram" relId="rId7" minVer="http://schemas.openxmlformats.org/drawingml/2006/diagram"/>
     </a:ext>
   </dgm:extLst>
 </dgm:dataModel>
@@ -6231,6 +7613,591 @@
 </dsp:drawing>
 </file>
 
+<file path=ppt/diagrams/drawing4.xml><?xml version="1.0" encoding="utf-8"?>
+<dsp:drawing xmlns:dgm="http://schemas.openxmlformats.org/drawingml/2006/diagram" xmlns:dsp="http://schemas.microsoft.com/office/drawing/2008/diagram" xmlns:a="http://schemas.openxmlformats.org/drawingml/2006/main">
+  <dsp:spTree>
+    <dsp:nvGrpSpPr>
+      <dsp:cNvPr id="0" name=""/>
+      <dsp:cNvGrpSpPr/>
+    </dsp:nvGrpSpPr>
+    <dsp:grpSpPr/>
+    <dsp:sp modelId="{A199C3E1-DF33-4105-857C-F873D91748C0}">
+      <dsp:nvSpPr>
+        <dsp:cNvPr id="0" name=""/>
+        <dsp:cNvSpPr/>
+      </dsp:nvSpPr>
+      <dsp:spPr>
+        <a:xfrm>
+          <a:off x="3265276" y="1910122"/>
+          <a:ext cx="393981" cy="91440"/>
+        </a:xfrm>
+        <a:custGeom>
+          <a:avLst/>
+          <a:gdLst/>
+          <a:ahLst/>
+          <a:cxnLst/>
+          <a:rect l="0" t="0" r="0" b="0"/>
+          <a:pathLst>
+            <a:path>
+              <a:moveTo>
+                <a:pt x="0" y="45720"/>
+              </a:moveTo>
+              <a:lnTo>
+                <a:pt x="393981" y="45720"/>
+              </a:lnTo>
+            </a:path>
+          </a:pathLst>
+        </a:custGeom>
+        <a:noFill/>
+        <a:ln w="12700" cap="flat" cmpd="sng" algn="ctr">
+          <a:solidFill>
+            <a:schemeClr val="accent1">
+              <a:shade val="80000"/>
+              <a:hueOff val="0"/>
+              <a:satOff val="0"/>
+              <a:lumOff val="0"/>
+              <a:alphaOff val="0"/>
+            </a:schemeClr>
+          </a:solidFill>
+          <a:prstDash val="solid"/>
+          <a:miter lim="800000"/>
+        </a:ln>
+        <a:effectLst/>
+      </dsp:spPr>
+      <dsp:style>
+        <a:lnRef idx="2">
+          <a:scrgbClr r="0" g="0" b="0"/>
+        </a:lnRef>
+        <a:fillRef idx="0">
+          <a:scrgbClr r="0" g="0" b="0"/>
+        </a:fillRef>
+        <a:effectRef idx="0">
+          <a:scrgbClr r="0" g="0" b="0"/>
+        </a:effectRef>
+        <a:fontRef idx="minor"/>
+      </dsp:style>
+      <dsp:txBody>
+        <a:bodyPr spcFirstLastPara="0" vert="horz" wrap="square" lIns="12700" tIns="0" rIns="12700" bIns="0" numCol="1" spcCol="1270" anchor="ctr" anchorCtr="0">
+          <a:noAutofit/>
+        </a:bodyPr>
+        <a:lstStyle/>
+        <a:p>
+          <a:pPr marL="0" lvl="0" indent="0" algn="ctr" defTabSz="222250">
+            <a:lnSpc>
+              <a:spcPct val="90000"/>
+            </a:lnSpc>
+            <a:spcBef>
+              <a:spcPct val="0"/>
+            </a:spcBef>
+            <a:spcAft>
+              <a:spcPct val="35000"/>
+            </a:spcAft>
+            <a:buNone/>
+          </a:pPr>
+          <a:endParaRPr lang="es-CR" sz="500" kern="1200"/>
+        </a:p>
+      </dsp:txBody>
+      <dsp:txXfrm>
+        <a:off x="3452417" y="1945993"/>
+        <a:ext cx="19699" cy="19699"/>
+      </dsp:txXfrm>
+    </dsp:sp>
+    <dsp:sp modelId="{7805ECB8-EB30-4BAA-9C51-C154CAB7881C}">
+      <dsp:nvSpPr>
+        <dsp:cNvPr id="0" name=""/>
+        <dsp:cNvSpPr/>
+      </dsp:nvSpPr>
+      <dsp:spPr>
+        <a:xfrm>
+          <a:off x="901385" y="1580479"/>
+          <a:ext cx="393981" cy="375363"/>
+        </a:xfrm>
+        <a:custGeom>
+          <a:avLst/>
+          <a:gdLst/>
+          <a:ahLst/>
+          <a:cxnLst/>
+          <a:rect l="0" t="0" r="0" b="0"/>
+          <a:pathLst>
+            <a:path>
+              <a:moveTo>
+                <a:pt x="0" y="0"/>
+              </a:moveTo>
+              <a:lnTo>
+                <a:pt x="196990" y="0"/>
+              </a:lnTo>
+              <a:lnTo>
+                <a:pt x="196990" y="375363"/>
+              </a:lnTo>
+              <a:lnTo>
+                <a:pt x="393981" y="375363"/>
+              </a:lnTo>
+            </a:path>
+          </a:pathLst>
+        </a:custGeom>
+        <a:noFill/>
+        <a:ln w="12700" cap="flat" cmpd="sng" algn="ctr">
+          <a:solidFill>
+            <a:schemeClr val="accent1">
+              <a:shade val="60000"/>
+              <a:hueOff val="0"/>
+              <a:satOff val="0"/>
+              <a:lumOff val="0"/>
+              <a:alphaOff val="0"/>
+            </a:schemeClr>
+          </a:solidFill>
+          <a:prstDash val="solid"/>
+          <a:miter lim="800000"/>
+        </a:ln>
+        <a:effectLst/>
+      </dsp:spPr>
+      <dsp:style>
+        <a:lnRef idx="2">
+          <a:scrgbClr r="0" g="0" b="0"/>
+        </a:lnRef>
+        <a:fillRef idx="0">
+          <a:scrgbClr r="0" g="0" b="0"/>
+        </a:fillRef>
+        <a:effectRef idx="0">
+          <a:scrgbClr r="0" g="0" b="0"/>
+        </a:effectRef>
+        <a:fontRef idx="minor"/>
+      </dsp:style>
+      <dsp:txBody>
+        <a:bodyPr spcFirstLastPara="0" vert="horz" wrap="square" lIns="12700" tIns="0" rIns="12700" bIns="0" numCol="1" spcCol="1270" anchor="ctr" anchorCtr="0">
+          <a:noAutofit/>
+        </a:bodyPr>
+        <a:lstStyle/>
+        <a:p>
+          <a:pPr marL="0" lvl="0" indent="0" algn="ctr" defTabSz="222250">
+            <a:lnSpc>
+              <a:spcPct val="90000"/>
+            </a:lnSpc>
+            <a:spcBef>
+              <a:spcPct val="0"/>
+            </a:spcBef>
+            <a:spcAft>
+              <a:spcPct val="35000"/>
+            </a:spcAft>
+            <a:buNone/>
+          </a:pPr>
+          <a:endParaRPr lang="es-CR" sz="500" kern="1200"/>
+        </a:p>
+      </dsp:txBody>
+      <dsp:txXfrm>
+        <a:off x="1084772" y="1754556"/>
+        <a:ext cx="27208" cy="27208"/>
+      </dsp:txXfrm>
+    </dsp:sp>
+    <dsp:sp modelId="{1168B0EF-A0C4-4642-85C1-B32E09E05059}">
+      <dsp:nvSpPr>
+        <dsp:cNvPr id="0" name=""/>
+        <dsp:cNvSpPr/>
+      </dsp:nvSpPr>
+      <dsp:spPr>
+        <a:xfrm>
+          <a:off x="901385" y="1205115"/>
+          <a:ext cx="393981" cy="375363"/>
+        </a:xfrm>
+        <a:custGeom>
+          <a:avLst/>
+          <a:gdLst/>
+          <a:ahLst/>
+          <a:cxnLst/>
+          <a:rect l="0" t="0" r="0" b="0"/>
+          <a:pathLst>
+            <a:path>
+              <a:moveTo>
+                <a:pt x="0" y="375363"/>
+              </a:moveTo>
+              <a:lnTo>
+                <a:pt x="196990" y="375363"/>
+              </a:lnTo>
+              <a:lnTo>
+                <a:pt x="196990" y="0"/>
+              </a:lnTo>
+              <a:lnTo>
+                <a:pt x="393981" y="0"/>
+              </a:lnTo>
+            </a:path>
+          </a:pathLst>
+        </a:custGeom>
+        <a:noFill/>
+        <a:ln w="12700" cap="flat" cmpd="sng" algn="ctr">
+          <a:solidFill>
+            <a:schemeClr val="accent1">
+              <a:shade val="60000"/>
+              <a:hueOff val="0"/>
+              <a:satOff val="0"/>
+              <a:lumOff val="0"/>
+              <a:alphaOff val="0"/>
+            </a:schemeClr>
+          </a:solidFill>
+          <a:prstDash val="solid"/>
+          <a:miter lim="800000"/>
+        </a:ln>
+        <a:effectLst/>
+      </dsp:spPr>
+      <dsp:style>
+        <a:lnRef idx="2">
+          <a:scrgbClr r="0" g="0" b="0"/>
+        </a:lnRef>
+        <a:fillRef idx="0">
+          <a:scrgbClr r="0" g="0" b="0"/>
+        </a:fillRef>
+        <a:effectRef idx="0">
+          <a:scrgbClr r="0" g="0" b="0"/>
+        </a:effectRef>
+        <a:fontRef idx="minor"/>
+      </dsp:style>
+      <dsp:txBody>
+        <a:bodyPr spcFirstLastPara="0" vert="horz" wrap="square" lIns="12700" tIns="0" rIns="12700" bIns="0" numCol="1" spcCol="1270" anchor="ctr" anchorCtr="0">
+          <a:noAutofit/>
+        </a:bodyPr>
+        <a:lstStyle/>
+        <a:p>
+          <a:pPr marL="0" lvl="0" indent="0" algn="ctr" defTabSz="222250">
+            <a:lnSpc>
+              <a:spcPct val="90000"/>
+            </a:lnSpc>
+            <a:spcBef>
+              <a:spcPct val="0"/>
+            </a:spcBef>
+            <a:spcAft>
+              <a:spcPct val="35000"/>
+            </a:spcAft>
+            <a:buNone/>
+          </a:pPr>
+          <a:endParaRPr lang="es-CR" sz="500" kern="1200"/>
+        </a:p>
+      </dsp:txBody>
+      <dsp:txXfrm>
+        <a:off x="1084772" y="1379192"/>
+        <a:ext cx="27208" cy="27208"/>
+      </dsp:txXfrm>
+    </dsp:sp>
+    <dsp:sp modelId="{97782952-9E16-4307-A1B1-0A50DB78DEE6}">
+      <dsp:nvSpPr>
+        <dsp:cNvPr id="0" name=""/>
+        <dsp:cNvSpPr/>
+      </dsp:nvSpPr>
+      <dsp:spPr>
+        <a:xfrm rot="16200000">
+          <a:off x="-979384" y="1280187"/>
+          <a:ext cx="3160958" cy="600582"/>
+        </a:xfrm>
+        <a:prstGeom prst="rect">
+          <a:avLst/>
+        </a:prstGeom>
+        <a:solidFill>
+          <a:schemeClr val="accent1">
+            <a:hueOff val="0"/>
+            <a:satOff val="0"/>
+            <a:lumOff val="0"/>
+            <a:alphaOff val="0"/>
+          </a:schemeClr>
+        </a:solidFill>
+        <a:ln w="12700" cap="flat" cmpd="sng" algn="ctr">
+          <a:solidFill>
+            <a:schemeClr val="lt1">
+              <a:hueOff val="0"/>
+              <a:satOff val="0"/>
+              <a:lumOff val="0"/>
+              <a:alphaOff val="0"/>
+            </a:schemeClr>
+          </a:solidFill>
+          <a:prstDash val="solid"/>
+          <a:miter lim="800000"/>
+        </a:ln>
+        <a:effectLst/>
+      </dsp:spPr>
+      <dsp:style>
+        <a:lnRef idx="2">
+          <a:scrgbClr r="0" g="0" b="0"/>
+        </a:lnRef>
+        <a:fillRef idx="1">
+          <a:scrgbClr r="0" g="0" b="0"/>
+        </a:fillRef>
+        <a:effectRef idx="0">
+          <a:scrgbClr r="0" g="0" b="0"/>
+        </a:effectRef>
+        <a:fontRef idx="minor">
+          <a:schemeClr val="lt1"/>
+        </a:fontRef>
+      </dsp:style>
+      <dsp:txBody>
+        <a:bodyPr spcFirstLastPara="0" vert="horz" wrap="square" lIns="24765" tIns="24765" rIns="24765" bIns="24765" numCol="1" spcCol="1270" anchor="ctr" anchorCtr="0">
+          <a:noAutofit/>
+        </a:bodyPr>
+        <a:lstStyle/>
+        <a:p>
+          <a:pPr marL="0" lvl="0" indent="0" algn="ctr" defTabSz="1733550">
+            <a:lnSpc>
+              <a:spcPct val="90000"/>
+            </a:lnSpc>
+            <a:spcBef>
+              <a:spcPct val="0"/>
+            </a:spcBef>
+            <a:spcAft>
+              <a:spcPct val="35000"/>
+            </a:spcAft>
+            <a:buNone/>
+          </a:pPr>
+          <a:r>
+            <a:rPr lang="en-US" sz="3900" kern="1200" dirty="0" err="1"/>
+            <a:t>Clase</a:t>
+          </a:r>
+          <a:endParaRPr lang="es-CR" sz="3900" kern="1200" dirty="0"/>
+        </a:p>
+      </dsp:txBody>
+      <dsp:txXfrm>
+        <a:off x="-979384" y="1280187"/>
+        <a:ext cx="3160958" cy="600582"/>
+      </dsp:txXfrm>
+    </dsp:sp>
+    <dsp:sp modelId="{7D35E497-92A2-45ED-A583-11E28FB0664A}">
+      <dsp:nvSpPr>
+        <dsp:cNvPr id="0" name=""/>
+        <dsp:cNvSpPr/>
+      </dsp:nvSpPr>
+      <dsp:spPr>
+        <a:xfrm>
+          <a:off x="1295367" y="904824"/>
+          <a:ext cx="1969909" cy="600582"/>
+        </a:xfrm>
+        <a:prstGeom prst="rect">
+          <a:avLst/>
+        </a:prstGeom>
+        <a:solidFill>
+          <a:schemeClr val="accent1">
+            <a:hueOff val="0"/>
+            <a:satOff val="0"/>
+            <a:lumOff val="0"/>
+            <a:alphaOff val="0"/>
+          </a:schemeClr>
+        </a:solidFill>
+        <a:ln w="12700" cap="flat" cmpd="sng" algn="ctr">
+          <a:solidFill>
+            <a:schemeClr val="lt1">
+              <a:hueOff val="0"/>
+              <a:satOff val="0"/>
+              <a:lumOff val="0"/>
+              <a:alphaOff val="0"/>
+            </a:schemeClr>
+          </a:solidFill>
+          <a:prstDash val="solid"/>
+          <a:miter lim="800000"/>
+        </a:ln>
+        <a:effectLst/>
+      </dsp:spPr>
+      <dsp:style>
+        <a:lnRef idx="2">
+          <a:scrgbClr r="0" g="0" b="0"/>
+        </a:lnRef>
+        <a:fillRef idx="1">
+          <a:scrgbClr r="0" g="0" b="0"/>
+        </a:fillRef>
+        <a:effectRef idx="0">
+          <a:scrgbClr r="0" g="0" b="0"/>
+        </a:effectRef>
+        <a:fontRef idx="minor">
+          <a:schemeClr val="lt1"/>
+        </a:fontRef>
+      </dsp:style>
+      <dsp:txBody>
+        <a:bodyPr spcFirstLastPara="0" vert="horz" wrap="square" lIns="12700" tIns="12700" rIns="12700" bIns="12700" numCol="1" spcCol="1270" anchor="ctr" anchorCtr="0">
+          <a:noAutofit/>
+        </a:bodyPr>
+        <a:lstStyle/>
+        <a:p>
+          <a:pPr marL="0" lvl="0" indent="0" algn="ctr" defTabSz="889000">
+            <a:lnSpc>
+              <a:spcPct val="90000"/>
+            </a:lnSpc>
+            <a:spcBef>
+              <a:spcPct val="0"/>
+            </a:spcBef>
+            <a:spcAft>
+              <a:spcPct val="35000"/>
+            </a:spcAft>
+            <a:buNone/>
+          </a:pPr>
+          <a:r>
+            <a:rPr lang="es-CR" sz="2000" kern="1200" dirty="0"/>
+            <a:t>Variables Globales</a:t>
+          </a:r>
+        </a:p>
+      </dsp:txBody>
+      <dsp:txXfrm>
+        <a:off x="1295367" y="904824"/>
+        <a:ext cx="1969909" cy="600582"/>
+      </dsp:txXfrm>
+    </dsp:sp>
+    <dsp:sp modelId="{9AF86A57-6B22-4E4B-BA3A-B7C26B95EB84}">
+      <dsp:nvSpPr>
+        <dsp:cNvPr id="0" name=""/>
+        <dsp:cNvSpPr/>
+      </dsp:nvSpPr>
+      <dsp:spPr>
+        <a:xfrm>
+          <a:off x="1295367" y="1655551"/>
+          <a:ext cx="1969909" cy="600582"/>
+        </a:xfrm>
+        <a:prstGeom prst="rect">
+          <a:avLst/>
+        </a:prstGeom>
+        <a:solidFill>
+          <a:schemeClr val="accent1">
+            <a:hueOff val="0"/>
+            <a:satOff val="0"/>
+            <a:lumOff val="0"/>
+            <a:alphaOff val="0"/>
+          </a:schemeClr>
+        </a:solidFill>
+        <a:ln w="12700" cap="flat" cmpd="sng" algn="ctr">
+          <a:solidFill>
+            <a:schemeClr val="lt1">
+              <a:hueOff val="0"/>
+              <a:satOff val="0"/>
+              <a:lumOff val="0"/>
+              <a:alphaOff val="0"/>
+            </a:schemeClr>
+          </a:solidFill>
+          <a:prstDash val="solid"/>
+          <a:miter lim="800000"/>
+        </a:ln>
+        <a:effectLst/>
+      </dsp:spPr>
+      <dsp:style>
+        <a:lnRef idx="2">
+          <a:scrgbClr r="0" g="0" b="0"/>
+        </a:lnRef>
+        <a:fillRef idx="1">
+          <a:scrgbClr r="0" g="0" b="0"/>
+        </a:fillRef>
+        <a:effectRef idx="0">
+          <a:scrgbClr r="0" g="0" b="0"/>
+        </a:effectRef>
+        <a:fontRef idx="minor">
+          <a:schemeClr val="lt1"/>
+        </a:fontRef>
+      </dsp:style>
+      <dsp:txBody>
+        <a:bodyPr spcFirstLastPara="0" vert="horz" wrap="square" lIns="12700" tIns="12700" rIns="12700" bIns="12700" numCol="1" spcCol="1270" anchor="ctr" anchorCtr="0">
+          <a:noAutofit/>
+        </a:bodyPr>
+        <a:lstStyle/>
+        <a:p>
+          <a:pPr marL="0" lvl="0" indent="0" algn="ctr" defTabSz="889000">
+            <a:lnSpc>
+              <a:spcPct val="90000"/>
+            </a:lnSpc>
+            <a:spcBef>
+              <a:spcPct val="0"/>
+            </a:spcBef>
+            <a:spcAft>
+              <a:spcPct val="35000"/>
+            </a:spcAft>
+            <a:buNone/>
+          </a:pPr>
+          <a:r>
+            <a:rPr lang="en-US" sz="2000" kern="1200" dirty="0"/>
+            <a:t>M</a:t>
+          </a:r>
+          <a:r>
+            <a:rPr lang="es-CR" sz="2000" kern="1200" dirty="0" err="1"/>
+            <a:t>étodo</a:t>
+          </a:r>
+          <a:endParaRPr lang="es-CR" sz="2000" kern="1200" dirty="0"/>
+        </a:p>
+      </dsp:txBody>
+      <dsp:txXfrm>
+        <a:off x="1295367" y="1655551"/>
+        <a:ext cx="1969909" cy="600582"/>
+      </dsp:txXfrm>
+    </dsp:sp>
+    <dsp:sp modelId="{43B69635-C755-4C57-A349-5733FFA6E0A6}">
+      <dsp:nvSpPr>
+        <dsp:cNvPr id="0" name=""/>
+        <dsp:cNvSpPr/>
+      </dsp:nvSpPr>
+      <dsp:spPr>
+        <a:xfrm>
+          <a:off x="3659258" y="1655551"/>
+          <a:ext cx="1969909" cy="600582"/>
+        </a:xfrm>
+        <a:prstGeom prst="rect">
+          <a:avLst/>
+        </a:prstGeom>
+        <a:solidFill>
+          <a:schemeClr val="accent1">
+            <a:hueOff val="0"/>
+            <a:satOff val="0"/>
+            <a:lumOff val="0"/>
+            <a:alphaOff val="0"/>
+          </a:schemeClr>
+        </a:solidFill>
+        <a:ln w="12700" cap="flat" cmpd="sng" algn="ctr">
+          <a:solidFill>
+            <a:schemeClr val="lt1">
+              <a:hueOff val="0"/>
+              <a:satOff val="0"/>
+              <a:lumOff val="0"/>
+              <a:alphaOff val="0"/>
+            </a:schemeClr>
+          </a:solidFill>
+          <a:prstDash val="solid"/>
+          <a:miter lim="800000"/>
+        </a:ln>
+        <a:effectLst/>
+      </dsp:spPr>
+      <dsp:style>
+        <a:lnRef idx="2">
+          <a:scrgbClr r="0" g="0" b="0"/>
+        </a:lnRef>
+        <a:fillRef idx="1">
+          <a:scrgbClr r="0" g="0" b="0"/>
+        </a:fillRef>
+        <a:effectRef idx="0">
+          <a:scrgbClr r="0" g="0" b="0"/>
+        </a:effectRef>
+        <a:fontRef idx="minor">
+          <a:schemeClr val="lt1"/>
+        </a:fontRef>
+      </dsp:style>
+      <dsp:txBody>
+        <a:bodyPr spcFirstLastPara="0" vert="horz" wrap="square" lIns="12700" tIns="12700" rIns="12700" bIns="12700" numCol="1" spcCol="1270" anchor="ctr" anchorCtr="0">
+          <a:noAutofit/>
+        </a:bodyPr>
+        <a:lstStyle/>
+        <a:p>
+          <a:pPr marL="0" lvl="0" indent="0" algn="ctr" defTabSz="889000">
+            <a:lnSpc>
+              <a:spcPct val="90000"/>
+            </a:lnSpc>
+            <a:spcBef>
+              <a:spcPct val="0"/>
+            </a:spcBef>
+            <a:spcAft>
+              <a:spcPct val="35000"/>
+            </a:spcAft>
+            <a:buNone/>
+          </a:pPr>
+          <a:r>
+            <a:rPr lang="es-CR" sz="2000" kern="1200" dirty="0"/>
+            <a:t>Variables Locales</a:t>
+          </a:r>
+        </a:p>
+      </dsp:txBody>
+      <dsp:txXfrm>
+        <a:off x="3659258" y="1655551"/>
+        <a:ext cx="1969909" cy="600582"/>
+      </dsp:txXfrm>
+    </dsp:sp>
+  </dsp:spTree>
+</dsp:drawing>
+</file>
+
 <file path=ppt/diagrams/layout1.xml><?xml version="1.0" encoding="utf-8"?>
 <dgm:layoutDef xmlns:dgm="http://schemas.openxmlformats.org/drawingml/2006/diagram" xmlns:a="http://schemas.openxmlformats.org/drawingml/2006/main" uniqueId="urn:microsoft.com/office/officeart/2009/3/layout/StepUpProcess">
   <dgm:title val=""/>
@@ -6817,6 +8784,329 @@
 </dgm:layoutDef>
 </file>
 
+<file path=ppt/diagrams/layout4.xml><?xml version="1.0" encoding="utf-8"?>
+<dgm:layoutDef xmlns:dgm="http://schemas.openxmlformats.org/drawingml/2006/diagram" xmlns:a="http://schemas.openxmlformats.org/drawingml/2006/main" uniqueId="urn:microsoft.com/office/officeart/2008/layout/HorizontalMultiLevelHierarchy">
+  <dgm:title val=""/>
+  <dgm:desc val=""/>
+  <dgm:catLst>
+    <dgm:cat type="hierarchy" pri="4600"/>
+  </dgm:catLst>
+  <dgm:sampData>
+    <dgm:dataModel>
+      <dgm:ptLst>
+        <dgm:pt modelId="0" type="doc"/>
+        <dgm:pt modelId="1">
+          <dgm:prSet phldr="1"/>
+        </dgm:pt>
+        <dgm:pt modelId="11">
+          <dgm:prSet phldr="1"/>
+        </dgm:pt>
+        <dgm:pt modelId="12">
+          <dgm:prSet phldr="1"/>
+        </dgm:pt>
+        <dgm:pt modelId="13">
+          <dgm:prSet phldr="1"/>
+        </dgm:pt>
+      </dgm:ptLst>
+      <dgm:cxnLst>
+        <dgm:cxn modelId="2" srcId="0" destId="1" srcOrd="0" destOrd="0"/>
+        <dgm:cxn modelId="3" srcId="1" destId="11" srcOrd="0" destOrd="0"/>
+        <dgm:cxn modelId="4" srcId="1" destId="12" srcOrd="1" destOrd="0"/>
+        <dgm:cxn modelId="5" srcId="1" destId="13" srcOrd="2" destOrd="0"/>
+      </dgm:cxnLst>
+      <dgm:bg/>
+      <dgm:whole/>
+    </dgm:dataModel>
+  </dgm:sampData>
+  <dgm:styleData>
+    <dgm:dataModel>
+      <dgm:ptLst>
+        <dgm:pt modelId="0" type="doc"/>
+        <dgm:pt modelId="1">
+          <dgm:prSet phldr="1"/>
+        </dgm:pt>
+        <dgm:pt modelId="11">
+          <dgm:prSet phldr="1"/>
+        </dgm:pt>
+        <dgm:pt modelId="12">
+          <dgm:prSet phldr="1"/>
+        </dgm:pt>
+      </dgm:ptLst>
+      <dgm:cxnLst>
+        <dgm:cxn modelId="2" srcId="0" destId="1" srcOrd="0" destOrd="0"/>
+        <dgm:cxn modelId="3" srcId="1" destId="11" srcOrd="0" destOrd="0"/>
+        <dgm:cxn modelId="4" srcId="1" destId="12" srcOrd="1" destOrd="0"/>
+      </dgm:cxnLst>
+      <dgm:bg/>
+      <dgm:whole/>
+    </dgm:dataModel>
+  </dgm:styleData>
+  <dgm:clrData>
+    <dgm:dataModel>
+      <dgm:ptLst>
+        <dgm:pt modelId="0" type="doc"/>
+        <dgm:pt modelId="1">
+          <dgm:prSet phldr="1"/>
+        </dgm:pt>
+        <dgm:pt modelId="11">
+          <dgm:prSet phldr="1"/>
+        </dgm:pt>
+        <dgm:pt modelId="12">
+          <dgm:prSet phldr="1"/>
+        </dgm:pt>
+        <dgm:pt modelId="13">
+          <dgm:prSet phldr="1"/>
+        </dgm:pt>
+      </dgm:ptLst>
+      <dgm:cxnLst>
+        <dgm:cxn modelId="2" srcId="0" destId="1" srcOrd="0" destOrd="0"/>
+        <dgm:cxn modelId="3" srcId="1" destId="11" srcOrd="0" destOrd="0"/>
+        <dgm:cxn modelId="4" srcId="1" destId="12" srcOrd="1" destOrd="0"/>
+        <dgm:cxn modelId="5" srcId="1" destId="13" srcOrd="2" destOrd="0"/>
+      </dgm:cxnLst>
+      <dgm:bg/>
+      <dgm:whole/>
+    </dgm:dataModel>
+  </dgm:clrData>
+  <dgm:layoutNode name="Name0">
+    <dgm:varLst>
+      <dgm:chPref val="1"/>
+      <dgm:dir/>
+      <dgm:animOne val="branch"/>
+      <dgm:animLvl val="lvl"/>
+      <dgm:resizeHandles val="exact"/>
+    </dgm:varLst>
+    <dgm:choose name="Name1">
+      <dgm:if name="Name2" func="var" arg="dir" op="equ" val="norm">
+        <dgm:alg type="hierChild">
+          <dgm:param type="linDir" val="fromT"/>
+          <dgm:param type="chAlign" val="l"/>
+        </dgm:alg>
+      </dgm:if>
+      <dgm:else name="Name3">
+        <dgm:alg type="hierChild">
+          <dgm:param type="linDir" val="fromT"/>
+          <dgm:param type="chAlign" val="r"/>
+        </dgm:alg>
+      </dgm:else>
+    </dgm:choose>
+    <dgm:shape xmlns:r="http://schemas.openxmlformats.org/officeDocument/2006/relationships" r:blip="">
+      <dgm:adjLst/>
+    </dgm:shape>
+    <dgm:presOf/>
+    <dgm:constrLst>
+      <dgm:constr type="h" for="des" forName="LevelOneTextNode" refType="h"/>
+      <dgm:constr type="w" for="des" forName="LevelOneTextNode" refType="h" refFor="des" refForName="LevelOneTextNode" fact="0.19"/>
+      <dgm:constr type="h" for="des" forName="LevelTwoTextNode" refType="w" refFor="des" refForName="LevelOneTextNode"/>
+      <dgm:constr type="w" for="des" forName="LevelTwoTextNode" refType="h" refFor="des" refForName="LevelTwoTextNode" fact="3.28"/>
+      <dgm:constr type="sibSp" refType="h" refFor="des" refForName="LevelTwoTextNode" op="equ" fact="0.25"/>
+      <dgm:constr type="sibSp" for="des" forName="level2hierChild" refType="h" refFor="des" refForName="LevelTwoTextNode" op="equ" fact="0.25"/>
+      <dgm:constr type="sibSp" for="des" forName="level3hierChild" refType="h" refFor="des" refForName="LevelTwoTextNode" op="equ" fact="0.25"/>
+      <dgm:constr type="sp" for="des" forName="root1" refType="w" refFor="des" refForName="LevelTwoTextNode" fact="0.2"/>
+      <dgm:constr type="sp" for="des" forName="root2" refType="sp" refFor="des" refForName="root1" op="equ"/>
+      <dgm:constr type="primFontSz" for="des" forName="LevelOneTextNode" op="equ" val="65"/>
+      <dgm:constr type="primFontSz" for="des" forName="LevelTwoTextNode" op="equ" val="65"/>
+      <dgm:constr type="primFontSz" for="des" forName="LevelTwoTextNode" refType="primFontSz" refFor="des" refForName="LevelOneTextNode" op="lte"/>
+      <dgm:constr type="primFontSz" for="des" forName="connTx" op="equ" val="50"/>
+      <dgm:constr type="primFontSz" for="des" forName="connTx" refType="primFontSz" refFor="des" refForName="LevelOneTextNode" op="lte" fact="0.78"/>
+    </dgm:constrLst>
+    <dgm:forEach name="Name4" axis="ch">
+      <dgm:forEach name="Name5" axis="self" ptType="node">
+        <dgm:layoutNode name="root1">
+          <dgm:choose name="Name6">
+            <dgm:if name="Name7" func="var" arg="dir" op="equ" val="norm">
+              <dgm:alg type="hierRoot">
+                <dgm:param type="hierAlign" val="lCtrCh"/>
+              </dgm:alg>
+            </dgm:if>
+            <dgm:else name="Name8">
+              <dgm:alg type="hierRoot">
+                <dgm:param type="hierAlign" val="rCtrCh"/>
+              </dgm:alg>
+            </dgm:else>
+          </dgm:choose>
+          <dgm:shape xmlns:r="http://schemas.openxmlformats.org/officeDocument/2006/relationships" r:blip="">
+            <dgm:adjLst/>
+          </dgm:shape>
+          <dgm:presOf/>
+          <dgm:layoutNode name="LevelOneTextNode" styleLbl="node0">
+            <dgm:varLst>
+              <dgm:chPref val="3"/>
+            </dgm:varLst>
+            <dgm:alg type="tx">
+              <dgm:param type="autoTxRot" val="grav"/>
+            </dgm:alg>
+            <dgm:choose name="Name9">
+              <dgm:if name="Name10" func="var" arg="dir" op="equ" val="norm">
+                <dgm:shape xmlns:r="http://schemas.openxmlformats.org/officeDocument/2006/relationships" rot="270" type="rect" r:blip="">
+                  <dgm:adjLst/>
+                </dgm:shape>
+              </dgm:if>
+              <dgm:else name="Name11">
+                <dgm:shape xmlns:r="http://schemas.openxmlformats.org/officeDocument/2006/relationships" rot="90" type="rect" r:blip="">
+                  <dgm:adjLst/>
+                </dgm:shape>
+              </dgm:else>
+            </dgm:choose>
+            <dgm:presOf axis="self"/>
+            <dgm:constrLst>
+              <dgm:constr type="tMarg" refType="primFontSz" fact="0.05"/>
+              <dgm:constr type="bMarg" refType="primFontSz" fact="0.05"/>
+              <dgm:constr type="lMarg" refType="primFontSz" fact="0.05"/>
+              <dgm:constr type="rMarg" refType="primFontSz" fact="0.05"/>
+            </dgm:constrLst>
+            <dgm:ruleLst>
+              <dgm:rule type="primFontSz" val="2" fact="NaN" max="NaN"/>
+            </dgm:ruleLst>
+          </dgm:layoutNode>
+          <dgm:layoutNode name="level2hierChild">
+            <dgm:choose name="Name12">
+              <dgm:if name="Name13" func="var" arg="dir" op="equ" val="norm">
+                <dgm:alg type="hierChild">
+                  <dgm:param type="linDir" val="fromT"/>
+                  <dgm:param type="chAlign" val="l"/>
+                </dgm:alg>
+              </dgm:if>
+              <dgm:else name="Name14">
+                <dgm:alg type="hierChild">
+                  <dgm:param type="linDir" val="fromT"/>
+                  <dgm:param type="chAlign" val="r"/>
+                </dgm:alg>
+              </dgm:else>
+            </dgm:choose>
+            <dgm:shape xmlns:r="http://schemas.openxmlformats.org/officeDocument/2006/relationships" r:blip="">
+              <dgm:adjLst/>
+            </dgm:shape>
+            <dgm:presOf/>
+            <dgm:forEach name="repeat" axis="ch">
+              <dgm:forEach name="Name15" axis="self" ptType="parTrans" cnt="1">
+                <dgm:layoutNode name="conn2-1">
+                  <dgm:choose name="Name16">
+                    <dgm:if name="Name17" func="var" arg="dir" op="equ" val="norm">
+                      <dgm:alg type="conn">
+                        <dgm:param type="dim" val="1D"/>
+                        <dgm:param type="begPts" val="midR"/>
+                        <dgm:param type="endPts" val="midL"/>
+                        <dgm:param type="endSty" val="noArr"/>
+                        <dgm:param type="connRout" val="bend"/>
+                      </dgm:alg>
+                    </dgm:if>
+                    <dgm:else name="Name18">
+                      <dgm:alg type="conn">
+                        <dgm:param type="dim" val="1D"/>
+                        <dgm:param type="begPts" val="midL"/>
+                        <dgm:param type="endPts" val="midR"/>
+                        <dgm:param type="endSty" val="noArr"/>
+                        <dgm:param type="connRout" val="bend"/>
+                      </dgm:alg>
+                    </dgm:else>
+                  </dgm:choose>
+                  <dgm:shape xmlns:r="http://schemas.openxmlformats.org/officeDocument/2006/relationships" type="conn" r:blip="" zOrderOff="-99999">
+                    <dgm:adjLst/>
+                  </dgm:shape>
+                  <dgm:presOf axis="self"/>
+                  <dgm:constrLst>
+                    <dgm:constr type="w" val="1"/>
+                    <dgm:constr type="h" val="5"/>
+                    <dgm:constr type="connDist"/>
+                    <dgm:constr type="begPad"/>
+                    <dgm:constr type="endPad"/>
+                    <dgm:constr type="userA" for="ch" refType="connDist"/>
+                  </dgm:constrLst>
+                  <dgm:layoutNode name="connTx">
+                    <dgm:alg type="tx">
+                      <dgm:param type="autoTxRot" val="grav"/>
+                    </dgm:alg>
+                    <dgm:shape xmlns:r="http://schemas.openxmlformats.org/officeDocument/2006/relationships" type="rect" r:blip="" hideGeom="1">
+                      <dgm:adjLst/>
+                    </dgm:shape>
+                    <dgm:presOf axis="self"/>
+                    <dgm:constrLst>
+                      <dgm:constr type="userA"/>
+                      <dgm:constr type="w" refType="userA" fact="0.05"/>
+                      <dgm:constr type="h" refType="userA" fact="0.05"/>
+                      <dgm:constr type="lMarg" val="1"/>
+                      <dgm:constr type="rMarg" val="1"/>
+                      <dgm:constr type="tMarg"/>
+                      <dgm:constr type="bMarg"/>
+                    </dgm:constrLst>
+                    <dgm:ruleLst>
+                      <dgm:rule type="h" val="NaN" fact="0.25" max="NaN"/>
+                      <dgm:rule type="w" val="NaN" fact="0.8" max="NaN"/>
+                      <dgm:rule type="primFontSz" val="5" fact="NaN" max="NaN"/>
+                    </dgm:ruleLst>
+                  </dgm:layoutNode>
+                </dgm:layoutNode>
+              </dgm:forEach>
+              <dgm:forEach name="Name19" axis="self" ptType="node">
+                <dgm:layoutNode name="root2">
+                  <dgm:choose name="Name20">
+                    <dgm:if name="Name21" func="var" arg="dir" op="equ" val="norm">
+                      <dgm:alg type="hierRoot">
+                        <dgm:param type="hierAlign" val="lCtrCh"/>
+                      </dgm:alg>
+                    </dgm:if>
+                    <dgm:else name="Name22">
+                      <dgm:alg type="hierRoot">
+                        <dgm:param type="hierAlign" val="rCtrCh"/>
+                      </dgm:alg>
+                    </dgm:else>
+                  </dgm:choose>
+                  <dgm:shape xmlns:r="http://schemas.openxmlformats.org/officeDocument/2006/relationships" r:blip="">
+                    <dgm:adjLst/>
+                  </dgm:shape>
+                  <dgm:presOf/>
+                  <dgm:layoutNode name="LevelTwoTextNode">
+                    <dgm:varLst>
+                      <dgm:chPref val="3"/>
+                    </dgm:varLst>
+                    <dgm:alg type="tx"/>
+                    <dgm:shape xmlns:r="http://schemas.openxmlformats.org/officeDocument/2006/relationships" type="rect" r:blip="">
+                      <dgm:adjLst/>
+                    </dgm:shape>
+                    <dgm:presOf axis="self"/>
+                    <dgm:constrLst>
+                      <dgm:constr type="tMarg" refType="primFontSz" fact="0.05"/>
+                      <dgm:constr type="bMarg" refType="primFontSz" fact="0.05"/>
+                      <dgm:constr type="lMarg" refType="primFontSz" fact="0.05"/>
+                      <dgm:constr type="rMarg" refType="primFontSz" fact="0.05"/>
+                    </dgm:constrLst>
+                    <dgm:ruleLst>
+                      <dgm:rule type="primFontSz" val="2" fact="NaN" max="NaN"/>
+                    </dgm:ruleLst>
+                  </dgm:layoutNode>
+                  <dgm:layoutNode name="level3hierChild">
+                    <dgm:choose name="Name23">
+                      <dgm:if name="Name24" func="var" arg="dir" op="equ" val="norm">
+                        <dgm:alg type="hierChild">
+                          <dgm:param type="linDir" val="fromT"/>
+                          <dgm:param type="chAlign" val="l"/>
+                        </dgm:alg>
+                      </dgm:if>
+                      <dgm:else name="Name25">
+                        <dgm:alg type="hierChild">
+                          <dgm:param type="linDir" val="fromT"/>
+                          <dgm:param type="chAlign" val="r"/>
+                        </dgm:alg>
+                      </dgm:else>
+                    </dgm:choose>
+                    <dgm:shape xmlns:r="http://schemas.openxmlformats.org/officeDocument/2006/relationships" r:blip="">
+                      <dgm:adjLst/>
+                    </dgm:shape>
+                    <dgm:presOf/>
+                    <dgm:forEach name="Name26" ref="repeat"/>
+                  </dgm:layoutNode>
+                </dgm:layoutNode>
+              </dgm:forEach>
+            </dgm:forEach>
+          </dgm:layoutNode>
+        </dgm:layoutNode>
+      </dgm:forEach>
+    </dgm:forEach>
+  </dgm:layoutNode>
+</dgm:layoutDef>
+</file>
+
 <file path=ppt/diagrams/quickStyle1.xml><?xml version="1.0" encoding="utf-8"?>
 <dgm:styleDef xmlns:dgm="http://schemas.openxmlformats.org/drawingml/2006/diagram" xmlns:a="http://schemas.openxmlformats.org/drawingml/2006/main" uniqueId="urn:microsoft.com/office/officeart/2005/8/quickstyle/simple1">
   <dgm:title val=""/>
@@ -9891,6 +12181,1040 @@
         <a:scrgbClr r="0" g="0" b="0"/>
       </a:fillRef>
       <a:effectRef idx="1">
+        <a:scrgbClr r="0" g="0" b="0"/>
+      </a:effectRef>
+      <a:fontRef idx="minor"/>
+    </dgm:style>
+  </dgm:styleLbl>
+  <dgm:styleLbl name="revTx">
+    <dgm:scene3d>
+      <a:camera prst="orthographicFront"/>
+      <a:lightRig rig="threePt" dir="t"/>
+    </dgm:scene3d>
+    <dgm:sp3d/>
+    <dgm:txPr/>
+    <dgm:style>
+      <a:lnRef idx="0">
+        <a:scrgbClr r="0" g="0" b="0"/>
+      </a:lnRef>
+      <a:fillRef idx="0">
+        <a:scrgbClr r="0" g="0" b="0"/>
+      </a:fillRef>
+      <a:effectRef idx="0">
+        <a:scrgbClr r="0" g="0" b="0"/>
+      </a:effectRef>
+      <a:fontRef idx="minor"/>
+    </dgm:style>
+  </dgm:styleLbl>
+</dgm:styleDef>
+</file>
+
+<file path=ppt/diagrams/quickStyle4.xml><?xml version="1.0" encoding="utf-8"?>
+<dgm:styleDef xmlns:dgm="http://schemas.openxmlformats.org/drawingml/2006/diagram" xmlns:a="http://schemas.openxmlformats.org/drawingml/2006/main" uniqueId="urn:microsoft.com/office/officeart/2005/8/quickstyle/simple1">
+  <dgm:title val=""/>
+  <dgm:desc val=""/>
+  <dgm:catLst>
+    <dgm:cat type="simple" pri="10100"/>
+  </dgm:catLst>
+  <dgm:scene3d>
+    <a:camera prst="orthographicFront"/>
+    <a:lightRig rig="threePt" dir="t"/>
+  </dgm:scene3d>
+  <dgm:styleLbl name="node0">
+    <dgm:scene3d>
+      <a:camera prst="orthographicFront"/>
+      <a:lightRig rig="threePt" dir="t"/>
+    </dgm:scene3d>
+    <dgm:sp3d/>
+    <dgm:txPr/>
+    <dgm:style>
+      <a:lnRef idx="2">
+        <a:scrgbClr r="0" g="0" b="0"/>
+      </a:lnRef>
+      <a:fillRef idx="1">
+        <a:scrgbClr r="0" g="0" b="0"/>
+      </a:fillRef>
+      <a:effectRef idx="0">
+        <a:scrgbClr r="0" g="0" b="0"/>
+      </a:effectRef>
+      <a:fontRef idx="minor">
+        <a:schemeClr val="lt1"/>
+      </a:fontRef>
+    </dgm:style>
+  </dgm:styleLbl>
+  <dgm:styleLbl name="lnNode1">
+    <dgm:scene3d>
+      <a:camera prst="orthographicFront"/>
+      <a:lightRig rig="threePt" dir="t"/>
+    </dgm:scene3d>
+    <dgm:sp3d/>
+    <dgm:txPr/>
+    <dgm:style>
+      <a:lnRef idx="2">
+        <a:scrgbClr r="0" g="0" b="0"/>
+      </a:lnRef>
+      <a:fillRef idx="1">
+        <a:scrgbClr r="0" g="0" b="0"/>
+      </a:fillRef>
+      <a:effectRef idx="0">
+        <a:scrgbClr r="0" g="0" b="0"/>
+      </a:effectRef>
+      <a:fontRef idx="minor">
+        <a:schemeClr val="lt1"/>
+      </a:fontRef>
+    </dgm:style>
+  </dgm:styleLbl>
+  <dgm:styleLbl name="vennNode1">
+    <dgm:scene3d>
+      <a:camera prst="orthographicFront"/>
+      <a:lightRig rig="threePt" dir="t"/>
+    </dgm:scene3d>
+    <dgm:sp3d/>
+    <dgm:txPr/>
+    <dgm:style>
+      <a:lnRef idx="2">
+        <a:scrgbClr r="0" g="0" b="0"/>
+      </a:lnRef>
+      <a:fillRef idx="1">
+        <a:scrgbClr r="0" g="0" b="0"/>
+      </a:fillRef>
+      <a:effectRef idx="0">
+        <a:scrgbClr r="0" g="0" b="0"/>
+      </a:effectRef>
+      <a:fontRef idx="minor">
+        <a:schemeClr val="tx1"/>
+      </a:fontRef>
+    </dgm:style>
+  </dgm:styleLbl>
+  <dgm:styleLbl name="alignNode1">
+    <dgm:scene3d>
+      <a:camera prst="orthographicFront"/>
+      <a:lightRig rig="threePt" dir="t"/>
+    </dgm:scene3d>
+    <dgm:sp3d/>
+    <dgm:txPr/>
+    <dgm:style>
+      <a:lnRef idx="2">
+        <a:scrgbClr r="0" g="0" b="0"/>
+      </a:lnRef>
+      <a:fillRef idx="1">
+        <a:scrgbClr r="0" g="0" b="0"/>
+      </a:fillRef>
+      <a:effectRef idx="0">
+        <a:scrgbClr r="0" g="0" b="0"/>
+      </a:effectRef>
+      <a:fontRef idx="minor">
+        <a:schemeClr val="lt1"/>
+      </a:fontRef>
+    </dgm:style>
+  </dgm:styleLbl>
+  <dgm:styleLbl name="node1">
+    <dgm:scene3d>
+      <a:camera prst="orthographicFront"/>
+      <a:lightRig rig="threePt" dir="t"/>
+    </dgm:scene3d>
+    <dgm:sp3d/>
+    <dgm:txPr/>
+    <dgm:style>
+      <a:lnRef idx="2">
+        <a:scrgbClr r="0" g="0" b="0"/>
+      </a:lnRef>
+      <a:fillRef idx="1">
+        <a:scrgbClr r="0" g="0" b="0"/>
+      </a:fillRef>
+      <a:effectRef idx="0">
+        <a:scrgbClr r="0" g="0" b="0"/>
+      </a:effectRef>
+      <a:fontRef idx="minor">
+        <a:schemeClr val="lt1"/>
+      </a:fontRef>
+    </dgm:style>
+  </dgm:styleLbl>
+  <dgm:styleLbl name="node2">
+    <dgm:scene3d>
+      <a:camera prst="orthographicFront"/>
+      <a:lightRig rig="threePt" dir="t"/>
+    </dgm:scene3d>
+    <dgm:sp3d/>
+    <dgm:txPr/>
+    <dgm:style>
+      <a:lnRef idx="2">
+        <a:scrgbClr r="0" g="0" b="0"/>
+      </a:lnRef>
+      <a:fillRef idx="1">
+        <a:scrgbClr r="0" g="0" b="0"/>
+      </a:fillRef>
+      <a:effectRef idx="0">
+        <a:scrgbClr r="0" g="0" b="0"/>
+      </a:effectRef>
+      <a:fontRef idx="minor">
+        <a:schemeClr val="lt1"/>
+      </a:fontRef>
+    </dgm:style>
+  </dgm:styleLbl>
+  <dgm:styleLbl name="node3">
+    <dgm:scene3d>
+      <a:camera prst="orthographicFront"/>
+      <a:lightRig rig="threePt" dir="t"/>
+    </dgm:scene3d>
+    <dgm:sp3d/>
+    <dgm:txPr/>
+    <dgm:style>
+      <a:lnRef idx="2">
+        <a:scrgbClr r="0" g="0" b="0"/>
+      </a:lnRef>
+      <a:fillRef idx="1">
+        <a:scrgbClr r="0" g="0" b="0"/>
+      </a:fillRef>
+      <a:effectRef idx="0">
+        <a:scrgbClr r="0" g="0" b="0"/>
+      </a:effectRef>
+      <a:fontRef idx="minor">
+        <a:schemeClr val="lt1"/>
+      </a:fontRef>
+    </dgm:style>
+  </dgm:styleLbl>
+  <dgm:styleLbl name="node4">
+    <dgm:scene3d>
+      <a:camera prst="orthographicFront"/>
+      <a:lightRig rig="threePt" dir="t"/>
+    </dgm:scene3d>
+    <dgm:sp3d/>
+    <dgm:txPr/>
+    <dgm:style>
+      <a:lnRef idx="2">
+        <a:scrgbClr r="0" g="0" b="0"/>
+      </a:lnRef>
+      <a:fillRef idx="1">
+        <a:scrgbClr r="0" g="0" b="0"/>
+      </a:fillRef>
+      <a:effectRef idx="0">
+        <a:scrgbClr r="0" g="0" b="0"/>
+      </a:effectRef>
+      <a:fontRef idx="minor">
+        <a:schemeClr val="lt1"/>
+      </a:fontRef>
+    </dgm:style>
+  </dgm:styleLbl>
+  <dgm:styleLbl name="fgImgPlace1">
+    <dgm:scene3d>
+      <a:camera prst="orthographicFront"/>
+      <a:lightRig rig="threePt" dir="t"/>
+    </dgm:scene3d>
+    <dgm:sp3d/>
+    <dgm:txPr/>
+    <dgm:style>
+      <a:lnRef idx="2">
+        <a:scrgbClr r="0" g="0" b="0"/>
+      </a:lnRef>
+      <a:fillRef idx="1">
+        <a:scrgbClr r="0" g="0" b="0"/>
+      </a:fillRef>
+      <a:effectRef idx="0">
+        <a:scrgbClr r="0" g="0" b="0"/>
+      </a:effectRef>
+      <a:fontRef idx="minor"/>
+    </dgm:style>
+  </dgm:styleLbl>
+  <dgm:styleLbl name="alignImgPlace1">
+    <dgm:scene3d>
+      <a:camera prst="orthographicFront"/>
+      <a:lightRig rig="threePt" dir="t"/>
+    </dgm:scene3d>
+    <dgm:sp3d/>
+    <dgm:txPr/>
+    <dgm:style>
+      <a:lnRef idx="2">
+        <a:scrgbClr r="0" g="0" b="0"/>
+      </a:lnRef>
+      <a:fillRef idx="1">
+        <a:scrgbClr r="0" g="0" b="0"/>
+      </a:fillRef>
+      <a:effectRef idx="0">
+        <a:scrgbClr r="0" g="0" b="0"/>
+      </a:effectRef>
+      <a:fontRef idx="minor"/>
+    </dgm:style>
+  </dgm:styleLbl>
+  <dgm:styleLbl name="bgImgPlace1">
+    <dgm:scene3d>
+      <a:camera prst="orthographicFront"/>
+      <a:lightRig rig="threePt" dir="t"/>
+    </dgm:scene3d>
+    <dgm:sp3d/>
+    <dgm:txPr/>
+    <dgm:style>
+      <a:lnRef idx="2">
+        <a:scrgbClr r="0" g="0" b="0"/>
+      </a:lnRef>
+      <a:fillRef idx="1">
+        <a:scrgbClr r="0" g="0" b="0"/>
+      </a:fillRef>
+      <a:effectRef idx="0">
+        <a:scrgbClr r="0" g="0" b="0"/>
+      </a:effectRef>
+      <a:fontRef idx="minor"/>
+    </dgm:style>
+  </dgm:styleLbl>
+  <dgm:styleLbl name="sibTrans2D1">
+    <dgm:scene3d>
+      <a:camera prst="orthographicFront"/>
+      <a:lightRig rig="threePt" dir="t"/>
+    </dgm:scene3d>
+    <dgm:sp3d/>
+    <dgm:txPr/>
+    <dgm:style>
+      <a:lnRef idx="0">
+        <a:scrgbClr r="0" g="0" b="0"/>
+      </a:lnRef>
+      <a:fillRef idx="1">
+        <a:scrgbClr r="0" g="0" b="0"/>
+      </a:fillRef>
+      <a:effectRef idx="0">
+        <a:scrgbClr r="0" g="0" b="0"/>
+      </a:effectRef>
+      <a:fontRef idx="minor">
+        <a:schemeClr val="lt1"/>
+      </a:fontRef>
+    </dgm:style>
+  </dgm:styleLbl>
+  <dgm:styleLbl name="fgSibTrans2D1">
+    <dgm:scene3d>
+      <a:camera prst="orthographicFront"/>
+      <a:lightRig rig="threePt" dir="t"/>
+    </dgm:scene3d>
+    <dgm:sp3d/>
+    <dgm:txPr/>
+    <dgm:style>
+      <a:lnRef idx="0">
+        <a:scrgbClr r="0" g="0" b="0"/>
+      </a:lnRef>
+      <a:fillRef idx="1">
+        <a:scrgbClr r="0" g="0" b="0"/>
+      </a:fillRef>
+      <a:effectRef idx="0">
+        <a:scrgbClr r="0" g="0" b="0"/>
+      </a:effectRef>
+      <a:fontRef idx="minor">
+        <a:schemeClr val="lt1"/>
+      </a:fontRef>
+    </dgm:style>
+  </dgm:styleLbl>
+  <dgm:styleLbl name="bgSibTrans2D1">
+    <dgm:scene3d>
+      <a:camera prst="orthographicFront"/>
+      <a:lightRig rig="threePt" dir="t"/>
+    </dgm:scene3d>
+    <dgm:sp3d/>
+    <dgm:txPr/>
+    <dgm:style>
+      <a:lnRef idx="0">
+        <a:scrgbClr r="0" g="0" b="0"/>
+      </a:lnRef>
+      <a:fillRef idx="1">
+        <a:scrgbClr r="0" g="0" b="0"/>
+      </a:fillRef>
+      <a:effectRef idx="0">
+        <a:scrgbClr r="0" g="0" b="0"/>
+      </a:effectRef>
+      <a:fontRef idx="minor">
+        <a:schemeClr val="lt1"/>
+      </a:fontRef>
+    </dgm:style>
+  </dgm:styleLbl>
+  <dgm:styleLbl name="sibTrans1D1">
+    <dgm:scene3d>
+      <a:camera prst="orthographicFront"/>
+      <a:lightRig rig="threePt" dir="t"/>
+    </dgm:scene3d>
+    <dgm:sp3d/>
+    <dgm:txPr/>
+    <dgm:style>
+      <a:lnRef idx="1">
+        <a:scrgbClr r="0" g="0" b="0"/>
+      </a:lnRef>
+      <a:fillRef idx="0">
+        <a:scrgbClr r="0" g="0" b="0"/>
+      </a:fillRef>
+      <a:effectRef idx="0">
+        <a:scrgbClr r="0" g="0" b="0"/>
+      </a:effectRef>
+      <a:fontRef idx="minor"/>
+    </dgm:style>
+  </dgm:styleLbl>
+  <dgm:styleLbl name="callout">
+    <dgm:scene3d>
+      <a:camera prst="orthographicFront"/>
+      <a:lightRig rig="threePt" dir="t"/>
+    </dgm:scene3d>
+    <dgm:sp3d/>
+    <dgm:txPr/>
+    <dgm:style>
+      <a:lnRef idx="2">
+        <a:scrgbClr r="0" g="0" b="0"/>
+      </a:lnRef>
+      <a:fillRef idx="1">
+        <a:scrgbClr r="0" g="0" b="0"/>
+      </a:fillRef>
+      <a:effectRef idx="0">
+        <a:scrgbClr r="0" g="0" b="0"/>
+      </a:effectRef>
+      <a:fontRef idx="minor"/>
+    </dgm:style>
+  </dgm:styleLbl>
+  <dgm:styleLbl name="asst0">
+    <dgm:scene3d>
+      <a:camera prst="orthographicFront"/>
+      <a:lightRig rig="threePt" dir="t"/>
+    </dgm:scene3d>
+    <dgm:sp3d/>
+    <dgm:txPr/>
+    <dgm:style>
+      <a:lnRef idx="2">
+        <a:scrgbClr r="0" g="0" b="0"/>
+      </a:lnRef>
+      <a:fillRef idx="1">
+        <a:scrgbClr r="0" g="0" b="0"/>
+      </a:fillRef>
+      <a:effectRef idx="0">
+        <a:scrgbClr r="0" g="0" b="0"/>
+      </a:effectRef>
+      <a:fontRef idx="minor">
+        <a:schemeClr val="lt1"/>
+      </a:fontRef>
+    </dgm:style>
+  </dgm:styleLbl>
+  <dgm:styleLbl name="asst1">
+    <dgm:scene3d>
+      <a:camera prst="orthographicFront"/>
+      <a:lightRig rig="threePt" dir="t"/>
+    </dgm:scene3d>
+    <dgm:sp3d/>
+    <dgm:txPr/>
+    <dgm:style>
+      <a:lnRef idx="2">
+        <a:scrgbClr r="0" g="0" b="0"/>
+      </a:lnRef>
+      <a:fillRef idx="1">
+        <a:scrgbClr r="0" g="0" b="0"/>
+      </a:fillRef>
+      <a:effectRef idx="0">
+        <a:scrgbClr r="0" g="0" b="0"/>
+      </a:effectRef>
+      <a:fontRef idx="minor">
+        <a:schemeClr val="lt1"/>
+      </a:fontRef>
+    </dgm:style>
+  </dgm:styleLbl>
+  <dgm:styleLbl name="asst2">
+    <dgm:scene3d>
+      <a:camera prst="orthographicFront"/>
+      <a:lightRig rig="threePt" dir="t"/>
+    </dgm:scene3d>
+    <dgm:sp3d/>
+    <dgm:txPr/>
+    <dgm:style>
+      <a:lnRef idx="2">
+        <a:scrgbClr r="0" g="0" b="0"/>
+      </a:lnRef>
+      <a:fillRef idx="1">
+        <a:scrgbClr r="0" g="0" b="0"/>
+      </a:fillRef>
+      <a:effectRef idx="0">
+        <a:scrgbClr r="0" g="0" b="0"/>
+      </a:effectRef>
+      <a:fontRef idx="minor">
+        <a:schemeClr val="lt1"/>
+      </a:fontRef>
+    </dgm:style>
+  </dgm:styleLbl>
+  <dgm:styleLbl name="asst3">
+    <dgm:scene3d>
+      <a:camera prst="orthographicFront"/>
+      <a:lightRig rig="threePt" dir="t"/>
+    </dgm:scene3d>
+    <dgm:sp3d/>
+    <dgm:txPr/>
+    <dgm:style>
+      <a:lnRef idx="2">
+        <a:scrgbClr r="0" g="0" b="0"/>
+      </a:lnRef>
+      <a:fillRef idx="1">
+        <a:scrgbClr r="0" g="0" b="0"/>
+      </a:fillRef>
+      <a:effectRef idx="0">
+        <a:scrgbClr r="0" g="0" b="0"/>
+      </a:effectRef>
+      <a:fontRef idx="minor">
+        <a:schemeClr val="lt1"/>
+      </a:fontRef>
+    </dgm:style>
+  </dgm:styleLbl>
+  <dgm:styleLbl name="asst4">
+    <dgm:scene3d>
+      <a:camera prst="orthographicFront"/>
+      <a:lightRig rig="threePt" dir="t"/>
+    </dgm:scene3d>
+    <dgm:sp3d/>
+    <dgm:txPr/>
+    <dgm:style>
+      <a:lnRef idx="2">
+        <a:scrgbClr r="0" g="0" b="0"/>
+      </a:lnRef>
+      <a:fillRef idx="1">
+        <a:scrgbClr r="0" g="0" b="0"/>
+      </a:fillRef>
+      <a:effectRef idx="0">
+        <a:scrgbClr r="0" g="0" b="0"/>
+      </a:effectRef>
+      <a:fontRef idx="minor">
+        <a:schemeClr val="lt1"/>
+      </a:fontRef>
+    </dgm:style>
+  </dgm:styleLbl>
+  <dgm:styleLbl name="parChTrans2D1">
+    <dgm:scene3d>
+      <a:camera prst="orthographicFront"/>
+      <a:lightRig rig="threePt" dir="t"/>
+    </dgm:scene3d>
+    <dgm:sp3d/>
+    <dgm:txPr/>
+    <dgm:style>
+      <a:lnRef idx="2">
+        <a:scrgbClr r="0" g="0" b="0"/>
+      </a:lnRef>
+      <a:fillRef idx="1">
+        <a:scrgbClr r="0" g="0" b="0"/>
+      </a:fillRef>
+      <a:effectRef idx="0">
+        <a:scrgbClr r="0" g="0" b="0"/>
+      </a:effectRef>
+      <a:fontRef idx="minor">
+        <a:schemeClr val="lt1"/>
+      </a:fontRef>
+    </dgm:style>
+  </dgm:styleLbl>
+  <dgm:styleLbl name="parChTrans2D2">
+    <dgm:scene3d>
+      <a:camera prst="orthographicFront"/>
+      <a:lightRig rig="threePt" dir="t"/>
+    </dgm:scene3d>
+    <dgm:sp3d/>
+    <dgm:txPr/>
+    <dgm:style>
+      <a:lnRef idx="2">
+        <a:scrgbClr r="0" g="0" b="0"/>
+      </a:lnRef>
+      <a:fillRef idx="1">
+        <a:scrgbClr r="0" g="0" b="0"/>
+      </a:fillRef>
+      <a:effectRef idx="0">
+        <a:scrgbClr r="0" g="0" b="0"/>
+      </a:effectRef>
+      <a:fontRef idx="minor">
+        <a:schemeClr val="lt1"/>
+      </a:fontRef>
+    </dgm:style>
+  </dgm:styleLbl>
+  <dgm:styleLbl name="parChTrans2D3">
+    <dgm:scene3d>
+      <a:camera prst="orthographicFront"/>
+      <a:lightRig rig="threePt" dir="t"/>
+    </dgm:scene3d>
+    <dgm:sp3d/>
+    <dgm:txPr/>
+    <dgm:style>
+      <a:lnRef idx="2">
+        <a:scrgbClr r="0" g="0" b="0"/>
+      </a:lnRef>
+      <a:fillRef idx="1">
+        <a:scrgbClr r="0" g="0" b="0"/>
+      </a:fillRef>
+      <a:effectRef idx="0">
+        <a:scrgbClr r="0" g="0" b="0"/>
+      </a:effectRef>
+      <a:fontRef idx="minor">
+        <a:schemeClr val="lt1"/>
+      </a:fontRef>
+    </dgm:style>
+  </dgm:styleLbl>
+  <dgm:styleLbl name="parChTrans2D4">
+    <dgm:scene3d>
+      <a:camera prst="orthographicFront"/>
+      <a:lightRig rig="threePt" dir="t"/>
+    </dgm:scene3d>
+    <dgm:sp3d/>
+    <dgm:txPr/>
+    <dgm:style>
+      <a:lnRef idx="2">
+        <a:scrgbClr r="0" g="0" b="0"/>
+      </a:lnRef>
+      <a:fillRef idx="1">
+        <a:scrgbClr r="0" g="0" b="0"/>
+      </a:fillRef>
+      <a:effectRef idx="0">
+        <a:scrgbClr r="0" g="0" b="0"/>
+      </a:effectRef>
+      <a:fontRef idx="minor">
+        <a:schemeClr val="lt1"/>
+      </a:fontRef>
+    </dgm:style>
+  </dgm:styleLbl>
+  <dgm:styleLbl name="parChTrans1D1">
+    <dgm:scene3d>
+      <a:camera prst="orthographicFront"/>
+      <a:lightRig rig="threePt" dir="t"/>
+    </dgm:scene3d>
+    <dgm:sp3d/>
+    <dgm:txPr/>
+    <dgm:style>
+      <a:lnRef idx="2">
+        <a:scrgbClr r="0" g="0" b="0"/>
+      </a:lnRef>
+      <a:fillRef idx="0">
+        <a:scrgbClr r="0" g="0" b="0"/>
+      </a:fillRef>
+      <a:effectRef idx="0">
+        <a:scrgbClr r="0" g="0" b="0"/>
+      </a:effectRef>
+      <a:fontRef idx="minor"/>
+    </dgm:style>
+  </dgm:styleLbl>
+  <dgm:styleLbl name="parChTrans1D2">
+    <dgm:scene3d>
+      <a:camera prst="orthographicFront"/>
+      <a:lightRig rig="threePt" dir="t"/>
+    </dgm:scene3d>
+    <dgm:sp3d/>
+    <dgm:txPr/>
+    <dgm:style>
+      <a:lnRef idx="2">
+        <a:scrgbClr r="0" g="0" b="0"/>
+      </a:lnRef>
+      <a:fillRef idx="0">
+        <a:scrgbClr r="0" g="0" b="0"/>
+      </a:fillRef>
+      <a:effectRef idx="0">
+        <a:scrgbClr r="0" g="0" b="0"/>
+      </a:effectRef>
+      <a:fontRef idx="minor"/>
+    </dgm:style>
+  </dgm:styleLbl>
+  <dgm:styleLbl name="parChTrans1D3">
+    <dgm:scene3d>
+      <a:camera prst="orthographicFront"/>
+      <a:lightRig rig="threePt" dir="t"/>
+    </dgm:scene3d>
+    <dgm:sp3d/>
+    <dgm:txPr/>
+    <dgm:style>
+      <a:lnRef idx="2">
+        <a:scrgbClr r="0" g="0" b="0"/>
+      </a:lnRef>
+      <a:fillRef idx="0">
+        <a:scrgbClr r="0" g="0" b="0"/>
+      </a:fillRef>
+      <a:effectRef idx="0">
+        <a:scrgbClr r="0" g="0" b="0"/>
+      </a:effectRef>
+      <a:fontRef idx="minor"/>
+    </dgm:style>
+  </dgm:styleLbl>
+  <dgm:styleLbl name="parChTrans1D4">
+    <dgm:scene3d>
+      <a:camera prst="orthographicFront"/>
+      <a:lightRig rig="threePt" dir="t"/>
+    </dgm:scene3d>
+    <dgm:sp3d/>
+    <dgm:txPr/>
+    <dgm:style>
+      <a:lnRef idx="2">
+        <a:scrgbClr r="0" g="0" b="0"/>
+      </a:lnRef>
+      <a:fillRef idx="0">
+        <a:scrgbClr r="0" g="0" b="0"/>
+      </a:fillRef>
+      <a:effectRef idx="0">
+        <a:scrgbClr r="0" g="0" b="0"/>
+      </a:effectRef>
+      <a:fontRef idx="minor"/>
+    </dgm:style>
+  </dgm:styleLbl>
+  <dgm:styleLbl name="fgAcc1">
+    <dgm:scene3d>
+      <a:camera prst="orthographicFront"/>
+      <a:lightRig rig="threePt" dir="t"/>
+    </dgm:scene3d>
+    <dgm:sp3d/>
+    <dgm:txPr/>
+    <dgm:style>
+      <a:lnRef idx="2">
+        <a:scrgbClr r="0" g="0" b="0"/>
+      </a:lnRef>
+      <a:fillRef idx="1">
+        <a:scrgbClr r="0" g="0" b="0"/>
+      </a:fillRef>
+      <a:effectRef idx="0">
+        <a:scrgbClr r="0" g="0" b="0"/>
+      </a:effectRef>
+      <a:fontRef idx="minor"/>
+    </dgm:style>
+  </dgm:styleLbl>
+  <dgm:styleLbl name="conFgAcc1">
+    <dgm:scene3d>
+      <a:camera prst="orthographicFront"/>
+      <a:lightRig rig="threePt" dir="t"/>
+    </dgm:scene3d>
+    <dgm:sp3d/>
+    <dgm:txPr/>
+    <dgm:style>
+      <a:lnRef idx="2">
+        <a:scrgbClr r="0" g="0" b="0"/>
+      </a:lnRef>
+      <a:fillRef idx="1">
+        <a:scrgbClr r="0" g="0" b="0"/>
+      </a:fillRef>
+      <a:effectRef idx="0">
+        <a:scrgbClr r="0" g="0" b="0"/>
+      </a:effectRef>
+      <a:fontRef idx="minor"/>
+    </dgm:style>
+  </dgm:styleLbl>
+  <dgm:styleLbl name="alignAcc1">
+    <dgm:scene3d>
+      <a:camera prst="orthographicFront"/>
+      <a:lightRig rig="threePt" dir="t"/>
+    </dgm:scene3d>
+    <dgm:sp3d/>
+    <dgm:txPr/>
+    <dgm:style>
+      <a:lnRef idx="2">
+        <a:scrgbClr r="0" g="0" b="0"/>
+      </a:lnRef>
+      <a:fillRef idx="1">
+        <a:scrgbClr r="0" g="0" b="0"/>
+      </a:fillRef>
+      <a:effectRef idx="0">
+        <a:scrgbClr r="0" g="0" b="0"/>
+      </a:effectRef>
+      <a:fontRef idx="minor"/>
+    </dgm:style>
+  </dgm:styleLbl>
+  <dgm:styleLbl name="trAlignAcc1">
+    <dgm:scene3d>
+      <a:camera prst="orthographicFront"/>
+      <a:lightRig rig="threePt" dir="t"/>
+    </dgm:scene3d>
+    <dgm:sp3d/>
+    <dgm:txPr/>
+    <dgm:style>
+      <a:lnRef idx="1">
+        <a:scrgbClr r="0" g="0" b="0"/>
+      </a:lnRef>
+      <a:fillRef idx="1">
+        <a:scrgbClr r="0" g="0" b="0"/>
+      </a:fillRef>
+      <a:effectRef idx="0">
+        <a:scrgbClr r="0" g="0" b="0"/>
+      </a:effectRef>
+      <a:fontRef idx="minor"/>
+    </dgm:style>
+  </dgm:styleLbl>
+  <dgm:styleLbl name="bgAcc1">
+    <dgm:scene3d>
+      <a:camera prst="orthographicFront"/>
+      <a:lightRig rig="threePt" dir="t"/>
+    </dgm:scene3d>
+    <dgm:sp3d/>
+    <dgm:txPr/>
+    <dgm:style>
+      <a:lnRef idx="2">
+        <a:scrgbClr r="0" g="0" b="0"/>
+      </a:lnRef>
+      <a:fillRef idx="1">
+        <a:scrgbClr r="0" g="0" b="0"/>
+      </a:fillRef>
+      <a:effectRef idx="0">
+        <a:scrgbClr r="0" g="0" b="0"/>
+      </a:effectRef>
+      <a:fontRef idx="minor"/>
+    </dgm:style>
+  </dgm:styleLbl>
+  <dgm:styleLbl name="solidFgAcc1">
+    <dgm:scene3d>
+      <a:camera prst="orthographicFront"/>
+      <a:lightRig rig="threePt" dir="t"/>
+    </dgm:scene3d>
+    <dgm:sp3d/>
+    <dgm:txPr/>
+    <dgm:style>
+      <a:lnRef idx="2">
+        <a:scrgbClr r="0" g="0" b="0"/>
+      </a:lnRef>
+      <a:fillRef idx="1">
+        <a:scrgbClr r="0" g="0" b="0"/>
+      </a:fillRef>
+      <a:effectRef idx="0">
+        <a:scrgbClr r="0" g="0" b="0"/>
+      </a:effectRef>
+      <a:fontRef idx="minor"/>
+    </dgm:style>
+  </dgm:styleLbl>
+  <dgm:styleLbl name="solidAlignAcc1">
+    <dgm:scene3d>
+      <a:camera prst="orthographicFront"/>
+      <a:lightRig rig="threePt" dir="t"/>
+    </dgm:scene3d>
+    <dgm:sp3d/>
+    <dgm:txPr/>
+    <dgm:style>
+      <a:lnRef idx="2">
+        <a:scrgbClr r="0" g="0" b="0"/>
+      </a:lnRef>
+      <a:fillRef idx="1">
+        <a:scrgbClr r="0" g="0" b="0"/>
+      </a:fillRef>
+      <a:effectRef idx="0">
+        <a:scrgbClr r="0" g="0" b="0"/>
+      </a:effectRef>
+      <a:fontRef idx="minor"/>
+    </dgm:style>
+  </dgm:styleLbl>
+  <dgm:styleLbl name="solidBgAcc1">
+    <dgm:scene3d>
+      <a:camera prst="orthographicFront"/>
+      <a:lightRig rig="threePt" dir="t"/>
+    </dgm:scene3d>
+    <dgm:sp3d/>
+    <dgm:txPr/>
+    <dgm:style>
+      <a:lnRef idx="2">
+        <a:scrgbClr r="0" g="0" b="0"/>
+      </a:lnRef>
+      <a:fillRef idx="1">
+        <a:scrgbClr r="0" g="0" b="0"/>
+      </a:fillRef>
+      <a:effectRef idx="0">
+        <a:scrgbClr r="0" g="0" b="0"/>
+      </a:effectRef>
+      <a:fontRef idx="minor"/>
+    </dgm:style>
+  </dgm:styleLbl>
+  <dgm:styleLbl name="fgAccFollowNode1">
+    <dgm:scene3d>
+      <a:camera prst="orthographicFront"/>
+      <a:lightRig rig="threePt" dir="t"/>
+    </dgm:scene3d>
+    <dgm:sp3d/>
+    <dgm:txPr/>
+    <dgm:style>
+      <a:lnRef idx="2">
+        <a:scrgbClr r="0" g="0" b="0"/>
+      </a:lnRef>
+      <a:fillRef idx="1">
+        <a:scrgbClr r="0" g="0" b="0"/>
+      </a:fillRef>
+      <a:effectRef idx="0">
+        <a:scrgbClr r="0" g="0" b="0"/>
+      </a:effectRef>
+      <a:fontRef idx="minor"/>
+    </dgm:style>
+  </dgm:styleLbl>
+  <dgm:styleLbl name="alignAccFollowNode1">
+    <dgm:scene3d>
+      <a:camera prst="orthographicFront"/>
+      <a:lightRig rig="threePt" dir="t"/>
+    </dgm:scene3d>
+    <dgm:sp3d/>
+    <dgm:txPr/>
+    <dgm:style>
+      <a:lnRef idx="2">
+        <a:scrgbClr r="0" g="0" b="0"/>
+      </a:lnRef>
+      <a:fillRef idx="1">
+        <a:scrgbClr r="0" g="0" b="0"/>
+      </a:fillRef>
+      <a:effectRef idx="0">
+        <a:scrgbClr r="0" g="0" b="0"/>
+      </a:effectRef>
+      <a:fontRef idx="minor"/>
+    </dgm:style>
+  </dgm:styleLbl>
+  <dgm:styleLbl name="bgAccFollowNode1">
+    <dgm:scene3d>
+      <a:camera prst="orthographicFront"/>
+      <a:lightRig rig="threePt" dir="t"/>
+    </dgm:scene3d>
+    <dgm:sp3d/>
+    <dgm:txPr/>
+    <dgm:style>
+      <a:lnRef idx="2">
+        <a:scrgbClr r="0" g="0" b="0"/>
+      </a:lnRef>
+      <a:fillRef idx="1">
+        <a:scrgbClr r="0" g="0" b="0"/>
+      </a:fillRef>
+      <a:effectRef idx="0">
+        <a:scrgbClr r="0" g="0" b="0"/>
+      </a:effectRef>
+      <a:fontRef idx="minor"/>
+    </dgm:style>
+  </dgm:styleLbl>
+  <dgm:styleLbl name="fgAcc0">
+    <dgm:scene3d>
+      <a:camera prst="orthographicFront"/>
+      <a:lightRig rig="threePt" dir="t"/>
+    </dgm:scene3d>
+    <dgm:sp3d/>
+    <dgm:txPr/>
+    <dgm:style>
+      <a:lnRef idx="2">
+        <a:scrgbClr r="0" g="0" b="0"/>
+      </a:lnRef>
+      <a:fillRef idx="1">
+        <a:scrgbClr r="0" g="0" b="0"/>
+      </a:fillRef>
+      <a:effectRef idx="0">
+        <a:scrgbClr r="0" g="0" b="0"/>
+      </a:effectRef>
+      <a:fontRef idx="minor"/>
+    </dgm:style>
+  </dgm:styleLbl>
+  <dgm:styleLbl name="fgAcc2">
+    <dgm:scene3d>
+      <a:camera prst="orthographicFront"/>
+      <a:lightRig rig="threePt" dir="t"/>
+    </dgm:scene3d>
+    <dgm:sp3d/>
+    <dgm:txPr/>
+    <dgm:style>
+      <a:lnRef idx="2">
+        <a:scrgbClr r="0" g="0" b="0"/>
+      </a:lnRef>
+      <a:fillRef idx="1">
+        <a:scrgbClr r="0" g="0" b="0"/>
+      </a:fillRef>
+      <a:effectRef idx="0">
+        <a:scrgbClr r="0" g="0" b="0"/>
+      </a:effectRef>
+      <a:fontRef idx="minor"/>
+    </dgm:style>
+  </dgm:styleLbl>
+  <dgm:styleLbl name="fgAcc3">
+    <dgm:scene3d>
+      <a:camera prst="orthographicFront"/>
+      <a:lightRig rig="threePt" dir="t"/>
+    </dgm:scene3d>
+    <dgm:sp3d/>
+    <dgm:txPr/>
+    <dgm:style>
+      <a:lnRef idx="2">
+        <a:scrgbClr r="0" g="0" b="0"/>
+      </a:lnRef>
+      <a:fillRef idx="1">
+        <a:scrgbClr r="0" g="0" b="0"/>
+      </a:fillRef>
+      <a:effectRef idx="0">
+        <a:scrgbClr r="0" g="0" b="0"/>
+      </a:effectRef>
+      <a:fontRef idx="minor"/>
+    </dgm:style>
+  </dgm:styleLbl>
+  <dgm:styleLbl name="fgAcc4">
+    <dgm:scene3d>
+      <a:camera prst="orthographicFront"/>
+      <a:lightRig rig="threePt" dir="t"/>
+    </dgm:scene3d>
+    <dgm:sp3d/>
+    <dgm:txPr/>
+    <dgm:style>
+      <a:lnRef idx="2">
+        <a:scrgbClr r="0" g="0" b="0"/>
+      </a:lnRef>
+      <a:fillRef idx="1">
+        <a:scrgbClr r="0" g="0" b="0"/>
+      </a:fillRef>
+      <a:effectRef idx="0">
+        <a:scrgbClr r="0" g="0" b="0"/>
+      </a:effectRef>
+      <a:fontRef idx="minor"/>
+    </dgm:style>
+  </dgm:styleLbl>
+  <dgm:styleLbl name="bgShp">
+    <dgm:scene3d>
+      <a:camera prst="orthographicFront"/>
+      <a:lightRig rig="threePt" dir="t"/>
+    </dgm:scene3d>
+    <dgm:sp3d/>
+    <dgm:txPr/>
+    <dgm:style>
+      <a:lnRef idx="0">
+        <a:scrgbClr r="0" g="0" b="0"/>
+      </a:lnRef>
+      <a:fillRef idx="1">
+        <a:scrgbClr r="0" g="0" b="0"/>
+      </a:fillRef>
+      <a:effectRef idx="0">
+        <a:scrgbClr r="0" g="0" b="0"/>
+      </a:effectRef>
+      <a:fontRef idx="minor"/>
+    </dgm:style>
+  </dgm:styleLbl>
+  <dgm:styleLbl name="dkBgShp">
+    <dgm:scene3d>
+      <a:camera prst="orthographicFront"/>
+      <a:lightRig rig="threePt" dir="t"/>
+    </dgm:scene3d>
+    <dgm:sp3d/>
+    <dgm:txPr/>
+    <dgm:style>
+      <a:lnRef idx="0">
+        <a:scrgbClr r="0" g="0" b="0"/>
+      </a:lnRef>
+      <a:fillRef idx="1">
+        <a:scrgbClr r="0" g="0" b="0"/>
+      </a:fillRef>
+      <a:effectRef idx="0">
+        <a:scrgbClr r="0" g="0" b="0"/>
+      </a:effectRef>
+      <a:fontRef idx="minor"/>
+    </dgm:style>
+  </dgm:styleLbl>
+  <dgm:styleLbl name="trBgShp">
+    <dgm:scene3d>
+      <a:camera prst="orthographicFront"/>
+      <a:lightRig rig="threePt" dir="t"/>
+    </dgm:scene3d>
+    <dgm:sp3d/>
+    <dgm:txPr/>
+    <dgm:style>
+      <a:lnRef idx="0">
+        <a:scrgbClr r="0" g="0" b="0"/>
+      </a:lnRef>
+      <a:fillRef idx="1">
+        <a:scrgbClr r="0" g="0" b="0"/>
+      </a:fillRef>
+      <a:effectRef idx="0">
+        <a:scrgbClr r="0" g="0" b="0"/>
+      </a:effectRef>
+      <a:fontRef idx="minor"/>
+    </dgm:style>
+  </dgm:styleLbl>
+  <dgm:styleLbl name="fgShp">
+    <dgm:scene3d>
+      <a:camera prst="orthographicFront"/>
+      <a:lightRig rig="threePt" dir="t"/>
+    </dgm:scene3d>
+    <dgm:sp3d/>
+    <dgm:txPr/>
+    <dgm:style>
+      <a:lnRef idx="2">
+        <a:scrgbClr r="0" g="0" b="0"/>
+      </a:lnRef>
+      <a:fillRef idx="1">
+        <a:scrgbClr r="0" g="0" b="0"/>
+      </a:fillRef>
+      <a:effectRef idx="0">
         <a:scrgbClr r="0" g="0" b="0"/>
       </a:effectRef>
       <a:fontRef idx="minor"/>
@@ -10001,7 +13325,7 @@
           <a:p>
             <a:fld id="{E88A9183-DCBA-4AB4-9BB9-35AFFC4231E9}" type="datetimeFigureOut">
               <a:rPr lang="en-US" smtClean="0"/>
-              <a:t>5/13/2022</a:t>
+              <a:t>5/20/2022</a:t>
             </a:fld>
             <a:endParaRPr lang="en-US"/>
           </a:p>
@@ -10881,6 +14205,1693 @@
 </p:notes>
 </file>
 
+<file path=ppt/notesSlides/notesSlide13.xml><?xml version="1.0" encoding="utf-8"?>
+<p:notes xmlns:a="http://schemas.openxmlformats.org/drawingml/2006/main" xmlns:r="http://schemas.openxmlformats.org/officeDocument/2006/relationships" xmlns:p="http://schemas.openxmlformats.org/presentationml/2006/main">
+  <p:cSld>
+    <p:spTree>
+      <p:nvGrpSpPr>
+        <p:cNvPr id="1" name=""/>
+        <p:cNvGrpSpPr/>
+        <p:nvPr/>
+      </p:nvGrpSpPr>
+      <p:grpSpPr>
+        <a:xfrm>
+          <a:off x="0" y="0"/>
+          <a:ext cx="0" cy="0"/>
+          <a:chOff x="0" y="0"/>
+          <a:chExt cx="0" cy="0"/>
+        </a:xfrm>
+      </p:grpSpPr>
+      <p:sp>
+        <p:nvSpPr>
+          <p:cNvPr id="2" name="Slide Image Placeholder 1"/>
+          <p:cNvSpPr>
+            <a:spLocks noGrp="1" noRot="1" noChangeAspect="1"/>
+          </p:cNvSpPr>
+          <p:nvPr>
+            <p:ph type="sldImg"/>
+          </p:nvPr>
+        </p:nvSpPr>
+        <p:spPr/>
+      </p:sp>
+      <p:sp>
+        <p:nvSpPr>
+          <p:cNvPr id="3" name="Notes Placeholder 2"/>
+          <p:cNvSpPr>
+            <a:spLocks noGrp="1"/>
+          </p:cNvSpPr>
+          <p:nvPr>
+            <p:ph type="body" idx="1"/>
+          </p:nvPr>
+        </p:nvSpPr>
+        <p:spPr/>
+        <p:txBody>
+          <a:bodyPr/>
+          <a:lstStyle/>
+          <a:p>
+            <a:pPr marL="0" marR="0">
+              <a:lnSpc>
+                <a:spcPct val="107000"/>
+              </a:lnSpc>
+              <a:spcBef>
+                <a:spcPts val="0"/>
+              </a:spcBef>
+              <a:spcAft>
+                <a:spcPts val="800"/>
+              </a:spcAft>
+            </a:pPr>
+            <a:r>
+              <a:rPr lang="es-ES" b="0" i="0" dirty="0">
+                <a:solidFill>
+                  <a:srgbClr val="000000"/>
+                </a:solidFill>
+                <a:effectLst/>
+                <a:latin typeface="Roboto" panose="02000000000000000000" pitchFamily="2" charset="0"/>
+              </a:rPr>
+              <a:t> Paradigma de la programación o una manera de programar específica, donde se organiza el código en unidades denominadas clases, de las cuales se crean objetos que se relacionan entre sí para conseguir los objetivos de las aplicaciones</a:t>
+            </a:r>
+            <a:endParaRPr lang="es-CR" sz="1800" b="0" dirty="0">
+              <a:effectLst/>
+              <a:latin typeface="Calibri" panose="020F0502020204030204" pitchFamily="34" charset="0"/>
+              <a:ea typeface="Calibri" panose="020F0502020204030204" pitchFamily="34" charset="0"/>
+              <a:cs typeface="Times New Roman" panose="02020603050405020304" pitchFamily="18" charset="0"/>
+            </a:endParaRPr>
+          </a:p>
+        </p:txBody>
+      </p:sp>
+      <p:sp>
+        <p:nvSpPr>
+          <p:cNvPr id="4" name="Slide Number Placeholder 3"/>
+          <p:cNvSpPr>
+            <a:spLocks noGrp="1"/>
+          </p:cNvSpPr>
+          <p:nvPr>
+            <p:ph type="sldNum" sz="quarter" idx="5"/>
+          </p:nvPr>
+        </p:nvSpPr>
+        <p:spPr/>
+        <p:txBody>
+          <a:bodyPr/>
+          <a:lstStyle/>
+          <a:p>
+            <a:fld id="{AB04AA61-7569-4972-B621-E1719B307E51}" type="slidenum">
+              <a:rPr lang="en-US" smtClean="0"/>
+              <a:t>31</a:t>
+            </a:fld>
+            <a:endParaRPr lang="en-US"/>
+          </a:p>
+        </p:txBody>
+      </p:sp>
+    </p:spTree>
+    <p:extLst>
+      <p:ext uri="{BB962C8B-B14F-4D97-AF65-F5344CB8AC3E}">
+        <p14:creationId xmlns:p14="http://schemas.microsoft.com/office/powerpoint/2010/main" val="1038095429"/>
+      </p:ext>
+    </p:extLst>
+  </p:cSld>
+  <p:clrMapOvr>
+    <a:masterClrMapping/>
+  </p:clrMapOvr>
+</p:notes>
+</file>
+
+<file path=ppt/notesSlides/notesSlide14.xml><?xml version="1.0" encoding="utf-8"?>
+<p:notes xmlns:a="http://schemas.openxmlformats.org/drawingml/2006/main" xmlns:r="http://schemas.openxmlformats.org/officeDocument/2006/relationships" xmlns:p="http://schemas.openxmlformats.org/presentationml/2006/main">
+  <p:cSld>
+    <p:spTree>
+      <p:nvGrpSpPr>
+        <p:cNvPr id="1" name=""/>
+        <p:cNvGrpSpPr/>
+        <p:nvPr/>
+      </p:nvGrpSpPr>
+      <p:grpSpPr>
+        <a:xfrm>
+          <a:off x="0" y="0"/>
+          <a:ext cx="0" cy="0"/>
+          <a:chOff x="0" y="0"/>
+          <a:chExt cx="0" cy="0"/>
+        </a:xfrm>
+      </p:grpSpPr>
+      <p:sp>
+        <p:nvSpPr>
+          <p:cNvPr id="2" name="Slide Image Placeholder 1"/>
+          <p:cNvSpPr>
+            <a:spLocks noGrp="1" noRot="1" noChangeAspect="1"/>
+          </p:cNvSpPr>
+          <p:nvPr>
+            <p:ph type="sldImg"/>
+          </p:nvPr>
+        </p:nvSpPr>
+        <p:spPr/>
+      </p:sp>
+      <p:sp>
+        <p:nvSpPr>
+          <p:cNvPr id="3" name="Notes Placeholder 2"/>
+          <p:cNvSpPr>
+            <a:spLocks noGrp="1"/>
+          </p:cNvSpPr>
+          <p:nvPr>
+            <p:ph type="body" idx="1"/>
+          </p:nvPr>
+        </p:nvSpPr>
+        <p:spPr/>
+        <p:txBody>
+          <a:bodyPr/>
+          <a:lstStyle/>
+          <a:p>
+            <a:pPr marL="171450" indent="-171450" algn="l" fontAlgn="base">
+              <a:buFont typeface="Arial" panose="020B0604020202020204" pitchFamily="34" charset="0"/>
+              <a:buChar char="•"/>
+            </a:pPr>
+            <a:r>
+              <a:rPr lang="en-US" b="0" i="0" dirty="0" err="1">
+                <a:solidFill>
+                  <a:srgbClr val="FFFFFF"/>
+                </a:solidFill>
+                <a:effectLst/>
+                <a:latin typeface="urw-din"/>
+              </a:rPr>
+              <a:t>Metodos</a:t>
+            </a:r>
+            <a:r>
+              <a:rPr lang="en-US" b="0" i="0" dirty="0">
+                <a:solidFill>
+                  <a:srgbClr val="FFFFFF"/>
+                </a:solidFill>
+                <a:effectLst/>
+                <a:latin typeface="urw-din"/>
+              </a:rPr>
+              <a:t> solo </a:t>
+            </a:r>
+            <a:r>
+              <a:rPr lang="en-US" b="0" i="0" dirty="0" err="1">
+                <a:solidFill>
+                  <a:srgbClr val="FFFFFF"/>
+                </a:solidFill>
+                <a:effectLst/>
+                <a:latin typeface="urw-din"/>
+              </a:rPr>
+              <a:t>retornan</a:t>
+            </a:r>
+            <a:r>
+              <a:rPr lang="en-US" b="0" i="0" dirty="0">
+                <a:solidFill>
+                  <a:srgbClr val="FFFFFF"/>
+                </a:solidFill>
+                <a:effectLst/>
+                <a:latin typeface="urw-din"/>
+              </a:rPr>
+              <a:t> un valor</a:t>
+            </a:r>
+          </a:p>
+          <a:p>
+            <a:pPr marL="171450" indent="-171450" algn="l" fontAlgn="base">
+              <a:buFont typeface="Arial" panose="020B0604020202020204" pitchFamily="34" charset="0"/>
+              <a:buChar char="•"/>
+            </a:pPr>
+            <a:r>
+              <a:rPr lang="en-US" b="0" i="0" dirty="0" err="1">
+                <a:solidFill>
+                  <a:srgbClr val="FFFFFF"/>
+                </a:solidFill>
+                <a:effectLst/>
+                <a:latin typeface="urw-din"/>
+              </a:rPr>
+              <a:t>Nombre</a:t>
+            </a:r>
+            <a:r>
+              <a:rPr lang="en-US" b="0" i="0" dirty="0">
+                <a:solidFill>
+                  <a:srgbClr val="FFFFFF"/>
+                </a:solidFill>
+                <a:effectLst/>
+                <a:latin typeface="urw-din"/>
+              </a:rPr>
+              <a:t> </a:t>
+            </a:r>
+            <a:r>
+              <a:rPr lang="en-US" b="0" i="0" dirty="0" err="1">
+                <a:solidFill>
+                  <a:srgbClr val="FFFFFF"/>
+                </a:solidFill>
+                <a:effectLst/>
+                <a:latin typeface="urw-din"/>
+              </a:rPr>
+              <a:t>convenccion</a:t>
+            </a:r>
+            <a:r>
+              <a:rPr lang="en-US" b="0" i="0" dirty="0">
+                <a:solidFill>
+                  <a:srgbClr val="FFFFFF"/>
+                </a:solidFill>
+                <a:effectLst/>
+                <a:latin typeface="urw-din"/>
+              </a:rPr>
+              <a:t>:</a:t>
+            </a:r>
+          </a:p>
+          <a:p>
+            <a:pPr marL="628650" lvl="1" indent="-171450" algn="l" fontAlgn="base">
+              <a:buFont typeface="Arial" panose="020B0604020202020204" pitchFamily="34" charset="0"/>
+              <a:buChar char="•"/>
+            </a:pPr>
+            <a:r>
+              <a:rPr lang="en-US" b="0" i="0" dirty="0" err="1">
+                <a:solidFill>
+                  <a:srgbClr val="FFFFFF"/>
+                </a:solidFill>
+                <a:effectLst/>
+                <a:latin typeface="urw-din"/>
+              </a:rPr>
+              <a:t>Camelcase</a:t>
+            </a:r>
+            <a:endParaRPr lang="en-US" b="0" i="0" dirty="0">
+              <a:solidFill>
+                <a:srgbClr val="FFFFFF"/>
+              </a:solidFill>
+              <a:effectLst/>
+              <a:latin typeface="urw-din"/>
+            </a:endParaRPr>
+          </a:p>
+          <a:p>
+            <a:pPr marL="628650" lvl="1" indent="-171450" algn="l" fontAlgn="base">
+              <a:buFont typeface="Arial" panose="020B0604020202020204" pitchFamily="34" charset="0"/>
+              <a:buChar char="•"/>
+            </a:pPr>
+            <a:r>
+              <a:rPr lang="en-US" b="0" i="0" dirty="0" err="1">
+                <a:solidFill>
+                  <a:srgbClr val="FFFFFF"/>
+                </a:solidFill>
+                <a:effectLst/>
+                <a:latin typeface="urw-din"/>
+              </a:rPr>
+              <a:t>Iniciar</a:t>
+            </a:r>
+            <a:r>
+              <a:rPr lang="en-US" b="0" i="0" dirty="0">
+                <a:solidFill>
+                  <a:srgbClr val="FFFFFF"/>
+                </a:solidFill>
+                <a:effectLst/>
+                <a:latin typeface="urw-din"/>
+              </a:rPr>
+              <a:t> con un verbo</a:t>
+            </a:r>
+          </a:p>
+          <a:p>
+            <a:pPr marL="628650" lvl="1" indent="-171450" algn="l" fontAlgn="base">
+              <a:buFont typeface="Arial" panose="020B0604020202020204" pitchFamily="34" charset="0"/>
+              <a:buChar char="•"/>
+            </a:pPr>
+            <a:r>
+              <a:rPr lang="en-US" b="0" i="0" dirty="0" err="1">
+                <a:solidFill>
+                  <a:srgbClr val="FFFFFF"/>
+                </a:solidFill>
+                <a:effectLst/>
+                <a:latin typeface="urw-din"/>
+              </a:rPr>
+              <a:t>Descriptivo</a:t>
+            </a:r>
+            <a:r>
+              <a:rPr lang="en-US" b="0" i="0" dirty="0">
+                <a:solidFill>
+                  <a:srgbClr val="FFFFFF"/>
+                </a:solidFill>
+                <a:effectLst/>
+                <a:latin typeface="urw-din"/>
+              </a:rPr>
+              <a:t> </a:t>
+            </a:r>
+            <a:r>
+              <a:rPr lang="en-US" b="0" i="0" dirty="0" err="1">
+                <a:solidFill>
+                  <a:srgbClr val="FFFFFF"/>
+                </a:solidFill>
+                <a:effectLst/>
+                <a:latin typeface="urw-din"/>
+              </a:rPr>
+              <a:t>sobre</a:t>
+            </a:r>
+            <a:r>
+              <a:rPr lang="en-US" b="0" i="0" dirty="0">
+                <a:solidFill>
+                  <a:srgbClr val="FFFFFF"/>
+                </a:solidFill>
+                <a:effectLst/>
+                <a:latin typeface="urw-din"/>
+              </a:rPr>
+              <a:t> lo que </a:t>
+            </a:r>
+            <a:r>
+              <a:rPr lang="en-US" b="0" i="0" dirty="0" err="1">
+                <a:solidFill>
+                  <a:srgbClr val="FFFFFF"/>
+                </a:solidFill>
+                <a:effectLst/>
+                <a:latin typeface="urw-din"/>
+              </a:rPr>
+              <a:t>hace</a:t>
+            </a:r>
+            <a:endParaRPr lang="en-US" b="0" i="0" dirty="0">
+              <a:solidFill>
+                <a:srgbClr val="FFFFFF"/>
+              </a:solidFill>
+              <a:effectLst/>
+              <a:latin typeface="urw-din"/>
+            </a:endParaRPr>
+          </a:p>
+          <a:p>
+            <a:pPr marL="171450" lvl="0" indent="-171450" algn="l" fontAlgn="base">
+              <a:buFont typeface="Arial" panose="020B0604020202020204" pitchFamily="34" charset="0"/>
+              <a:buChar char="•"/>
+            </a:pPr>
+            <a:r>
+              <a:rPr lang="en-US" b="0" i="0" dirty="0">
+                <a:solidFill>
+                  <a:srgbClr val="FFFFFF"/>
+                </a:solidFill>
+                <a:effectLst/>
+                <a:latin typeface="urw-din"/>
+              </a:rPr>
+              <a:t>La </a:t>
+            </a:r>
+            <a:r>
+              <a:rPr lang="en-US" b="0" i="0" dirty="0" err="1">
+                <a:solidFill>
+                  <a:srgbClr val="FFFFFF"/>
+                </a:solidFill>
+                <a:effectLst/>
+                <a:latin typeface="urw-din"/>
+              </a:rPr>
+              <a:t>firma</a:t>
+            </a:r>
+            <a:r>
+              <a:rPr lang="en-US" b="0" i="0" dirty="0">
+                <a:solidFill>
+                  <a:srgbClr val="FFFFFF"/>
+                </a:solidFill>
+                <a:effectLst/>
+                <a:latin typeface="urw-din"/>
+              </a:rPr>
+              <a:t> del </a:t>
+            </a:r>
+            <a:r>
+              <a:rPr lang="en-US" b="0" i="0" dirty="0" err="1">
+                <a:solidFill>
+                  <a:srgbClr val="FFFFFF"/>
+                </a:solidFill>
+                <a:effectLst/>
+                <a:latin typeface="urw-din"/>
+              </a:rPr>
+              <a:t>metodo</a:t>
+            </a:r>
+            <a:r>
+              <a:rPr lang="en-US" b="0" i="0" dirty="0">
+                <a:solidFill>
+                  <a:srgbClr val="FFFFFF"/>
+                </a:solidFill>
+                <a:effectLst/>
+                <a:latin typeface="urw-din"/>
+              </a:rPr>
+              <a:t> es </a:t>
+            </a:r>
+            <a:r>
+              <a:rPr lang="en-US" b="0" i="0" dirty="0" err="1">
+                <a:solidFill>
+                  <a:srgbClr val="FFFFFF"/>
+                </a:solidFill>
+                <a:effectLst/>
+                <a:latin typeface="urw-din"/>
+              </a:rPr>
+              <a:t>como</a:t>
+            </a:r>
+            <a:r>
+              <a:rPr lang="en-US" b="0" i="0" dirty="0">
+                <a:solidFill>
+                  <a:srgbClr val="FFFFFF"/>
+                </a:solidFill>
+                <a:effectLst/>
+                <a:latin typeface="urw-din"/>
+              </a:rPr>
+              <a:t> se </a:t>
+            </a:r>
+            <a:r>
+              <a:rPr lang="en-US" b="0" i="0" dirty="0" err="1">
+                <a:solidFill>
+                  <a:srgbClr val="FFFFFF"/>
+                </a:solidFill>
+                <a:effectLst/>
+                <a:latin typeface="urw-din"/>
+              </a:rPr>
+              <a:t>identifica</a:t>
+            </a:r>
+            <a:r>
+              <a:rPr lang="en-US" b="0" i="0" dirty="0">
+                <a:solidFill>
+                  <a:srgbClr val="FFFFFF"/>
+                </a:solidFill>
+                <a:effectLst/>
+                <a:latin typeface="urw-din"/>
+              </a:rPr>
+              <a:t> por lo que debe ser unica </a:t>
+            </a:r>
+            <a:r>
+              <a:rPr lang="en-US" b="0" i="0" dirty="0" err="1">
+                <a:solidFill>
+                  <a:srgbClr val="FFFFFF"/>
+                </a:solidFill>
+                <a:effectLst/>
+                <a:latin typeface="urw-din"/>
+              </a:rPr>
+              <a:t>en</a:t>
+            </a:r>
+            <a:r>
+              <a:rPr lang="en-US" b="0" i="0" dirty="0">
+                <a:solidFill>
+                  <a:srgbClr val="FFFFFF"/>
+                </a:solidFill>
+                <a:effectLst/>
+                <a:latin typeface="urw-din"/>
+              </a:rPr>
+              <a:t> una </a:t>
+            </a:r>
+            <a:r>
+              <a:rPr lang="en-US" b="0" i="0" dirty="0" err="1">
+                <a:solidFill>
+                  <a:srgbClr val="FFFFFF"/>
+                </a:solidFill>
+                <a:effectLst/>
+                <a:latin typeface="urw-din"/>
+              </a:rPr>
+              <a:t>clase</a:t>
+            </a:r>
+            <a:r>
+              <a:rPr lang="en-US" b="0" i="0" dirty="0">
+                <a:solidFill>
+                  <a:srgbClr val="FFFFFF"/>
+                </a:solidFill>
+                <a:effectLst/>
+                <a:latin typeface="urw-din"/>
+              </a:rPr>
+              <a:t> y </a:t>
+            </a:r>
+            <a:r>
+              <a:rPr lang="en-US" b="0" i="0" dirty="0" err="1">
+                <a:solidFill>
+                  <a:srgbClr val="FFFFFF"/>
+                </a:solidFill>
+                <a:effectLst/>
+                <a:latin typeface="urw-din"/>
+              </a:rPr>
+              <a:t>esta</a:t>
+            </a:r>
+            <a:r>
+              <a:rPr lang="en-US" b="0" i="0" dirty="0">
+                <a:solidFill>
+                  <a:srgbClr val="FFFFFF"/>
+                </a:solidFill>
+                <a:effectLst/>
+                <a:latin typeface="urw-din"/>
+              </a:rPr>
+              <a:t> </a:t>
+            </a:r>
+            <a:r>
+              <a:rPr lang="en-US" b="0" i="0" dirty="0" err="1">
+                <a:solidFill>
+                  <a:srgbClr val="FFFFFF"/>
+                </a:solidFill>
+                <a:effectLst/>
+                <a:latin typeface="urw-din"/>
+              </a:rPr>
+              <a:t>compuesta</a:t>
+            </a:r>
+            <a:r>
+              <a:rPr lang="en-US" b="0" i="0" dirty="0">
+                <a:solidFill>
+                  <a:srgbClr val="FFFFFF"/>
+                </a:solidFill>
+                <a:effectLst/>
+                <a:latin typeface="urw-din"/>
+              </a:rPr>
+              <a:t> por </a:t>
+            </a:r>
+            <a:r>
+              <a:rPr lang="en-US" b="0" i="0" dirty="0" err="1">
+                <a:solidFill>
+                  <a:srgbClr val="FFFFFF"/>
+                </a:solidFill>
+                <a:effectLst/>
+                <a:latin typeface="urw-din"/>
+              </a:rPr>
+              <a:t>el</a:t>
+            </a:r>
+            <a:r>
+              <a:rPr lang="en-US" b="0" i="0" dirty="0">
+                <a:solidFill>
+                  <a:srgbClr val="FFFFFF"/>
+                </a:solidFill>
+                <a:effectLst/>
+                <a:latin typeface="urw-din"/>
+              </a:rPr>
+              <a:t> </a:t>
+            </a:r>
+            <a:r>
+              <a:rPr lang="en-US" b="0" i="0" dirty="0" err="1">
+                <a:solidFill>
+                  <a:srgbClr val="FFFFFF"/>
+                </a:solidFill>
+                <a:effectLst/>
+                <a:latin typeface="urw-din"/>
+              </a:rPr>
+              <a:t>nombre</a:t>
+            </a:r>
+            <a:r>
+              <a:rPr lang="en-US" b="0" i="0" dirty="0">
+                <a:solidFill>
+                  <a:srgbClr val="FFFFFF"/>
+                </a:solidFill>
+                <a:effectLst/>
+                <a:latin typeface="urw-din"/>
+              </a:rPr>
+              <a:t> del </a:t>
+            </a:r>
+            <a:r>
+              <a:rPr lang="en-US" b="0" i="0" dirty="0" err="1">
+                <a:solidFill>
+                  <a:srgbClr val="FFFFFF"/>
+                </a:solidFill>
+                <a:effectLst/>
+                <a:latin typeface="urw-din"/>
+              </a:rPr>
+              <a:t>metodo</a:t>
+            </a:r>
+            <a:r>
+              <a:rPr lang="en-US" b="0" i="0" dirty="0">
+                <a:solidFill>
+                  <a:srgbClr val="FFFFFF"/>
+                </a:solidFill>
+                <a:effectLst/>
+                <a:latin typeface="urw-din"/>
+              </a:rPr>
+              <a:t> y la </a:t>
+            </a:r>
+            <a:r>
+              <a:rPr lang="en-US" b="0" i="0" dirty="0" err="1">
+                <a:solidFill>
+                  <a:srgbClr val="FFFFFF"/>
+                </a:solidFill>
+                <a:effectLst/>
+                <a:latin typeface="urw-din"/>
+              </a:rPr>
+              <a:t>lista</a:t>
+            </a:r>
+            <a:r>
+              <a:rPr lang="en-US" b="0" i="0" dirty="0">
+                <a:solidFill>
+                  <a:srgbClr val="FFFFFF"/>
+                </a:solidFill>
+                <a:effectLst/>
+                <a:latin typeface="urw-din"/>
+              </a:rPr>
+              <a:t> de </a:t>
+            </a:r>
+            <a:r>
+              <a:rPr lang="en-US" b="0" i="0" dirty="0" err="1">
+                <a:solidFill>
+                  <a:srgbClr val="FFFFFF"/>
+                </a:solidFill>
+                <a:effectLst/>
+                <a:latin typeface="urw-din"/>
+              </a:rPr>
+              <a:t>parametros</a:t>
+            </a:r>
+            <a:endParaRPr lang="en-US" b="0" i="0" dirty="0">
+              <a:solidFill>
+                <a:srgbClr val="FFFFFF"/>
+              </a:solidFill>
+              <a:effectLst/>
+              <a:latin typeface="urw-din"/>
+            </a:endParaRPr>
+          </a:p>
+          <a:p>
+            <a:pPr marL="171450" lvl="0" indent="-171450" algn="l" fontAlgn="base">
+              <a:buFont typeface="Arial" panose="020B0604020202020204" pitchFamily="34" charset="0"/>
+              <a:buChar char="•"/>
+            </a:pPr>
+            <a:r>
+              <a:rPr lang="en-US" b="0" i="0" dirty="0" err="1">
+                <a:solidFill>
+                  <a:srgbClr val="FFFFFF"/>
+                </a:solidFill>
+                <a:effectLst/>
+                <a:latin typeface="urw-din"/>
+              </a:rPr>
+              <a:t>Cuando</a:t>
+            </a:r>
+            <a:r>
+              <a:rPr lang="en-US" b="0" i="0" dirty="0">
+                <a:solidFill>
+                  <a:srgbClr val="FFFFFF"/>
+                </a:solidFill>
+                <a:effectLst/>
+                <a:latin typeface="urw-din"/>
+              </a:rPr>
+              <a:t> se indica un </a:t>
+            </a:r>
+            <a:r>
+              <a:rPr lang="en-US" b="0" i="0" dirty="0" err="1">
+                <a:solidFill>
+                  <a:srgbClr val="FFFFFF"/>
+                </a:solidFill>
+                <a:effectLst/>
+                <a:latin typeface="urw-din"/>
+              </a:rPr>
+              <a:t>tipo</a:t>
+            </a:r>
+            <a:r>
+              <a:rPr lang="en-US" b="0" i="0" dirty="0">
+                <a:solidFill>
+                  <a:srgbClr val="FFFFFF"/>
+                </a:solidFill>
+                <a:effectLst/>
+                <a:latin typeface="urw-din"/>
+              </a:rPr>
+              <a:t> de </a:t>
+            </a:r>
+            <a:r>
+              <a:rPr lang="en-US" b="0" i="0" dirty="0" err="1">
+                <a:solidFill>
+                  <a:srgbClr val="FFFFFF"/>
+                </a:solidFill>
+                <a:effectLst/>
+                <a:latin typeface="urw-din"/>
+              </a:rPr>
+              <a:t>dato</a:t>
+            </a:r>
+            <a:r>
+              <a:rPr lang="en-US" b="0" i="0" dirty="0">
+                <a:solidFill>
+                  <a:srgbClr val="FFFFFF"/>
+                </a:solidFill>
+                <a:effectLst/>
+                <a:latin typeface="urw-din"/>
+              </a:rPr>
+              <a:t> de </a:t>
+            </a:r>
+            <a:r>
+              <a:rPr lang="en-US" b="0" i="0" dirty="0" err="1">
+                <a:solidFill>
+                  <a:srgbClr val="FFFFFF"/>
+                </a:solidFill>
+                <a:effectLst/>
+                <a:latin typeface="urw-din"/>
+              </a:rPr>
+              <a:t>retorno</a:t>
+            </a:r>
+            <a:r>
+              <a:rPr lang="en-US" b="0" i="0" dirty="0">
+                <a:solidFill>
+                  <a:srgbClr val="FFFFFF"/>
+                </a:solidFill>
+                <a:effectLst/>
+                <a:latin typeface="urw-din"/>
+              </a:rPr>
+              <a:t> se debe </a:t>
+            </a:r>
+            <a:r>
+              <a:rPr lang="en-US" b="0" i="0" dirty="0" err="1">
+                <a:solidFill>
+                  <a:srgbClr val="FFFFFF"/>
+                </a:solidFill>
+                <a:effectLst/>
+                <a:latin typeface="urw-din"/>
+              </a:rPr>
+              <a:t>incluir</a:t>
+            </a:r>
+            <a:r>
+              <a:rPr lang="en-US" b="0" i="0" dirty="0">
+                <a:solidFill>
+                  <a:srgbClr val="FFFFFF"/>
+                </a:solidFill>
+                <a:effectLst/>
+                <a:latin typeface="urw-din"/>
+              </a:rPr>
+              <a:t> al final del </a:t>
+            </a:r>
+            <a:r>
+              <a:rPr lang="en-US" b="0" i="0" dirty="0" err="1">
+                <a:solidFill>
+                  <a:srgbClr val="FFFFFF"/>
+                </a:solidFill>
+                <a:effectLst/>
+                <a:latin typeface="urw-din"/>
+              </a:rPr>
+              <a:t>metodo</a:t>
+            </a:r>
+            <a:r>
+              <a:rPr lang="en-US" b="0" i="0" dirty="0">
+                <a:solidFill>
+                  <a:srgbClr val="FFFFFF"/>
+                </a:solidFill>
+                <a:effectLst/>
+                <a:latin typeface="urw-din"/>
+              </a:rPr>
+              <a:t> “return”</a:t>
+            </a:r>
+          </a:p>
+        </p:txBody>
+      </p:sp>
+      <p:sp>
+        <p:nvSpPr>
+          <p:cNvPr id="4" name="Slide Number Placeholder 3"/>
+          <p:cNvSpPr>
+            <a:spLocks noGrp="1"/>
+          </p:cNvSpPr>
+          <p:nvPr>
+            <p:ph type="sldNum" sz="quarter" idx="5"/>
+          </p:nvPr>
+        </p:nvSpPr>
+        <p:spPr/>
+        <p:txBody>
+          <a:bodyPr/>
+          <a:lstStyle/>
+          <a:p>
+            <a:fld id="{AB04AA61-7569-4972-B621-E1719B307E51}" type="slidenum">
+              <a:rPr lang="en-US" smtClean="0"/>
+              <a:t>32</a:t>
+            </a:fld>
+            <a:endParaRPr lang="en-US"/>
+          </a:p>
+        </p:txBody>
+      </p:sp>
+    </p:spTree>
+    <p:extLst>
+      <p:ext uri="{BB962C8B-B14F-4D97-AF65-F5344CB8AC3E}">
+        <p14:creationId xmlns:p14="http://schemas.microsoft.com/office/powerpoint/2010/main" val="2755372955"/>
+      </p:ext>
+    </p:extLst>
+  </p:cSld>
+  <p:clrMapOvr>
+    <a:masterClrMapping/>
+  </p:clrMapOvr>
+</p:notes>
+</file>
+
+<file path=ppt/notesSlides/notesSlide15.xml><?xml version="1.0" encoding="utf-8"?>
+<p:notes xmlns:a="http://schemas.openxmlformats.org/drawingml/2006/main" xmlns:r="http://schemas.openxmlformats.org/officeDocument/2006/relationships" xmlns:p="http://schemas.openxmlformats.org/presentationml/2006/main">
+  <p:cSld>
+    <p:spTree>
+      <p:nvGrpSpPr>
+        <p:cNvPr id="1" name=""/>
+        <p:cNvGrpSpPr/>
+        <p:nvPr/>
+      </p:nvGrpSpPr>
+      <p:grpSpPr>
+        <a:xfrm>
+          <a:off x="0" y="0"/>
+          <a:ext cx="0" cy="0"/>
+          <a:chOff x="0" y="0"/>
+          <a:chExt cx="0" cy="0"/>
+        </a:xfrm>
+      </p:grpSpPr>
+      <p:sp>
+        <p:nvSpPr>
+          <p:cNvPr id="2" name="Slide Image Placeholder 1"/>
+          <p:cNvSpPr>
+            <a:spLocks noGrp="1" noRot="1" noChangeAspect="1"/>
+          </p:cNvSpPr>
+          <p:nvPr>
+            <p:ph type="sldImg"/>
+          </p:nvPr>
+        </p:nvSpPr>
+        <p:spPr/>
+      </p:sp>
+      <p:sp>
+        <p:nvSpPr>
+          <p:cNvPr id="3" name="Notes Placeholder 2"/>
+          <p:cNvSpPr>
+            <a:spLocks noGrp="1"/>
+          </p:cNvSpPr>
+          <p:nvPr>
+            <p:ph type="body" idx="1"/>
+          </p:nvPr>
+        </p:nvSpPr>
+        <p:spPr/>
+        <p:txBody>
+          <a:bodyPr/>
+          <a:lstStyle/>
+          <a:p>
+            <a:pPr marL="171450" indent="-171450" algn="l" fontAlgn="base">
+              <a:buFont typeface="Arial" panose="020B0604020202020204" pitchFamily="34" charset="0"/>
+              <a:buChar char="•"/>
+            </a:pPr>
+            <a:r>
+              <a:rPr lang="en-US" b="0" i="0" dirty="0">
+                <a:solidFill>
+                  <a:srgbClr val="FFFFFF"/>
+                </a:solidFill>
+                <a:effectLst/>
+                <a:latin typeface="urw-din"/>
+              </a:rPr>
+              <a:t>A </a:t>
+            </a:r>
+            <a:r>
+              <a:rPr lang="en-US" b="0" i="0" dirty="0" err="1">
+                <a:solidFill>
+                  <a:srgbClr val="FFFFFF"/>
+                </a:solidFill>
+                <a:effectLst/>
+                <a:latin typeface="urw-din"/>
+              </a:rPr>
+              <a:t>nivel</a:t>
+            </a:r>
+            <a:r>
+              <a:rPr lang="en-US" b="0" i="0" dirty="0">
+                <a:solidFill>
+                  <a:srgbClr val="FFFFFF"/>
+                </a:solidFill>
+                <a:effectLst/>
+                <a:latin typeface="urw-din"/>
+              </a:rPr>
+              <a:t> de </a:t>
+            </a:r>
+            <a:r>
+              <a:rPr lang="en-US" b="0" i="0" dirty="0" err="1">
+                <a:solidFill>
+                  <a:srgbClr val="FFFFFF"/>
+                </a:solidFill>
+                <a:effectLst/>
+                <a:latin typeface="urw-din"/>
+              </a:rPr>
+              <a:t>clases</a:t>
+            </a:r>
+            <a:r>
+              <a:rPr lang="en-US" b="0" i="0" dirty="0">
+                <a:solidFill>
+                  <a:srgbClr val="FFFFFF"/>
+                </a:solidFill>
+                <a:effectLst/>
+                <a:latin typeface="urw-din"/>
+              </a:rPr>
+              <a:t> – variables </a:t>
+            </a:r>
+            <a:r>
+              <a:rPr lang="en-US" b="0" i="0" dirty="0" err="1">
+                <a:solidFill>
+                  <a:srgbClr val="FFFFFF"/>
+                </a:solidFill>
+                <a:effectLst/>
+                <a:latin typeface="urw-din"/>
+              </a:rPr>
+              <a:t>globales</a:t>
+            </a:r>
+            <a:endParaRPr lang="en-US" b="0" i="0" dirty="0">
+              <a:solidFill>
+                <a:srgbClr val="FFFFFF"/>
+              </a:solidFill>
+              <a:effectLst/>
+              <a:latin typeface="urw-din"/>
+            </a:endParaRPr>
+          </a:p>
+          <a:p>
+            <a:pPr marL="171450" indent="-171450" algn="l" fontAlgn="base">
+              <a:buFont typeface="Arial" panose="020B0604020202020204" pitchFamily="34" charset="0"/>
+              <a:buChar char="•"/>
+            </a:pPr>
+            <a:r>
+              <a:rPr lang="en-US" b="0" i="0" dirty="0">
+                <a:solidFill>
+                  <a:srgbClr val="FFFFFF"/>
+                </a:solidFill>
+                <a:effectLst/>
+                <a:latin typeface="urw-din"/>
+              </a:rPr>
+              <a:t>A </a:t>
+            </a:r>
+            <a:r>
+              <a:rPr lang="en-US" b="0" i="0" dirty="0" err="1">
+                <a:solidFill>
+                  <a:srgbClr val="FFFFFF"/>
+                </a:solidFill>
+                <a:effectLst/>
+                <a:latin typeface="urw-din"/>
+              </a:rPr>
+              <a:t>nivel</a:t>
+            </a:r>
+            <a:r>
+              <a:rPr lang="en-US" b="0" i="0" dirty="0">
+                <a:solidFill>
+                  <a:srgbClr val="FFFFFF"/>
+                </a:solidFill>
+                <a:effectLst/>
+                <a:latin typeface="urw-din"/>
+              </a:rPr>
+              <a:t> de </a:t>
+            </a:r>
+            <a:r>
+              <a:rPr lang="en-US" b="0" i="0" dirty="0" err="1">
+                <a:solidFill>
+                  <a:srgbClr val="FFFFFF"/>
+                </a:solidFill>
+                <a:effectLst/>
+                <a:latin typeface="urw-din"/>
+              </a:rPr>
+              <a:t>metodo</a:t>
+            </a:r>
+            <a:r>
+              <a:rPr lang="en-US" b="0" i="0" dirty="0">
+                <a:solidFill>
+                  <a:srgbClr val="FFFFFF"/>
+                </a:solidFill>
+                <a:effectLst/>
+                <a:latin typeface="urw-din"/>
+              </a:rPr>
+              <a:t> – variables locales</a:t>
+            </a:r>
+          </a:p>
+          <a:p>
+            <a:pPr marL="171450" indent="-171450" algn="l" fontAlgn="base">
+              <a:buFont typeface="Arial" panose="020B0604020202020204" pitchFamily="34" charset="0"/>
+              <a:buChar char="•"/>
+            </a:pPr>
+            <a:r>
+              <a:rPr lang="en-US" b="0" i="0" dirty="0" err="1">
+                <a:solidFill>
+                  <a:srgbClr val="FFFFFF"/>
+                </a:solidFill>
+                <a:effectLst/>
+                <a:latin typeface="urw-din"/>
+              </a:rPr>
+              <a:t>Cuando</a:t>
+            </a:r>
+            <a:r>
+              <a:rPr lang="en-US" b="0" i="0" dirty="0">
+                <a:solidFill>
+                  <a:srgbClr val="FFFFFF"/>
+                </a:solidFill>
+                <a:effectLst/>
+                <a:latin typeface="urw-din"/>
+              </a:rPr>
+              <a:t> </a:t>
+            </a:r>
+            <a:r>
+              <a:rPr lang="en-US" b="0" i="0" dirty="0" err="1">
+                <a:solidFill>
+                  <a:srgbClr val="FFFFFF"/>
+                </a:solidFill>
+                <a:effectLst/>
+                <a:latin typeface="urw-din"/>
+              </a:rPr>
+              <a:t>el</a:t>
+            </a:r>
+            <a:r>
+              <a:rPr lang="en-US" b="0" i="0" dirty="0">
+                <a:solidFill>
+                  <a:srgbClr val="FFFFFF"/>
+                </a:solidFill>
+                <a:effectLst/>
+                <a:latin typeface="urw-din"/>
+              </a:rPr>
+              <a:t> </a:t>
+            </a:r>
+            <a:r>
+              <a:rPr lang="en-US" b="0" i="0" dirty="0" err="1">
+                <a:solidFill>
+                  <a:srgbClr val="FFFFFF"/>
+                </a:solidFill>
+                <a:effectLst/>
+                <a:latin typeface="urw-din"/>
+              </a:rPr>
+              <a:t>metodo</a:t>
+            </a:r>
+            <a:r>
+              <a:rPr lang="en-US" b="0" i="0" dirty="0">
+                <a:solidFill>
+                  <a:srgbClr val="FFFFFF"/>
+                </a:solidFill>
+                <a:effectLst/>
+                <a:latin typeface="urw-din"/>
+              </a:rPr>
+              <a:t> </a:t>
+            </a:r>
+            <a:r>
+              <a:rPr lang="en-US" b="0" i="0" dirty="0" err="1">
+                <a:solidFill>
+                  <a:srgbClr val="FFFFFF"/>
+                </a:solidFill>
+                <a:effectLst/>
+                <a:latin typeface="urw-din"/>
+              </a:rPr>
+              <a:t>esta</a:t>
+            </a:r>
+            <a:r>
+              <a:rPr lang="en-US" b="0" i="0" dirty="0">
+                <a:solidFill>
+                  <a:srgbClr val="FFFFFF"/>
+                </a:solidFill>
+                <a:effectLst/>
+                <a:latin typeface="urw-din"/>
+              </a:rPr>
+              <a:t> </a:t>
+            </a:r>
+            <a:r>
+              <a:rPr lang="en-US" b="0" i="0" dirty="0" err="1">
+                <a:solidFill>
+                  <a:srgbClr val="FFFFFF"/>
+                </a:solidFill>
+                <a:effectLst/>
+                <a:latin typeface="urw-din"/>
+              </a:rPr>
+              <a:t>haciendo</a:t>
+            </a:r>
+            <a:r>
+              <a:rPr lang="en-US" b="0" i="0" dirty="0">
+                <a:solidFill>
+                  <a:srgbClr val="FFFFFF"/>
+                </a:solidFill>
+                <a:effectLst/>
+                <a:latin typeface="urw-din"/>
+              </a:rPr>
+              <a:t> un </a:t>
+            </a:r>
+            <a:r>
+              <a:rPr lang="en-US" b="0" i="0" dirty="0" err="1">
+                <a:solidFill>
+                  <a:srgbClr val="FFFFFF"/>
+                </a:solidFill>
+                <a:effectLst/>
+                <a:latin typeface="urw-din"/>
+              </a:rPr>
+              <a:t>llamada</a:t>
+            </a:r>
+            <a:r>
+              <a:rPr lang="en-US" b="0" i="0" dirty="0">
+                <a:solidFill>
+                  <a:srgbClr val="FFFFFF"/>
+                </a:solidFill>
+                <a:effectLst/>
+                <a:latin typeface="urw-din"/>
+              </a:rPr>
+              <a:t> a </a:t>
+            </a:r>
+            <a:r>
+              <a:rPr lang="en-US" b="0" i="0" dirty="0" err="1">
+                <a:solidFill>
+                  <a:srgbClr val="FFFFFF"/>
+                </a:solidFill>
+                <a:effectLst/>
+                <a:latin typeface="urw-din"/>
+              </a:rPr>
+              <a:t>otro</a:t>
+            </a:r>
+            <a:r>
+              <a:rPr lang="en-US" b="0" i="0" dirty="0">
+                <a:solidFill>
+                  <a:srgbClr val="FFFFFF"/>
+                </a:solidFill>
+                <a:effectLst/>
+                <a:latin typeface="urw-din"/>
+              </a:rPr>
+              <a:t> </a:t>
+            </a:r>
+            <a:r>
+              <a:rPr lang="en-US" b="0" i="0" dirty="0" err="1">
+                <a:solidFill>
+                  <a:srgbClr val="FFFFFF"/>
+                </a:solidFill>
+                <a:effectLst/>
+                <a:latin typeface="urw-din"/>
+              </a:rPr>
+              <a:t>metodo</a:t>
+            </a:r>
+            <a:r>
+              <a:rPr lang="en-US" b="0" i="0" dirty="0">
+                <a:solidFill>
+                  <a:srgbClr val="FFFFFF"/>
+                </a:solidFill>
+                <a:effectLst/>
+                <a:latin typeface="urw-din"/>
+              </a:rPr>
+              <a:t> lo que se </a:t>
+            </a:r>
+            <a:r>
+              <a:rPr lang="en-US" b="0" i="0" dirty="0" err="1">
+                <a:solidFill>
+                  <a:srgbClr val="FFFFFF"/>
+                </a:solidFill>
+                <a:effectLst/>
+                <a:latin typeface="urw-din"/>
+              </a:rPr>
+              <a:t>envian</a:t>
+            </a:r>
+            <a:r>
+              <a:rPr lang="en-US" b="0" i="0" dirty="0">
+                <a:solidFill>
+                  <a:srgbClr val="FFFFFF"/>
+                </a:solidFill>
+                <a:effectLst/>
+                <a:latin typeface="urw-din"/>
+              </a:rPr>
+              <a:t> son </a:t>
+            </a:r>
+            <a:r>
+              <a:rPr lang="en-US" b="0" i="0" dirty="0" err="1">
+                <a:solidFill>
+                  <a:srgbClr val="FFFFFF"/>
+                </a:solidFill>
+                <a:effectLst/>
+                <a:latin typeface="urw-din"/>
+              </a:rPr>
+              <a:t>argumentos</a:t>
+            </a:r>
+            <a:endParaRPr lang="en-US" b="0" i="0" dirty="0">
+              <a:solidFill>
+                <a:srgbClr val="FFFFFF"/>
+              </a:solidFill>
+              <a:effectLst/>
+              <a:latin typeface="urw-din"/>
+            </a:endParaRPr>
+          </a:p>
+          <a:p>
+            <a:pPr marL="171450" indent="-171450" algn="l" fontAlgn="base">
+              <a:buFont typeface="Arial" panose="020B0604020202020204" pitchFamily="34" charset="0"/>
+              <a:buChar char="•"/>
+            </a:pPr>
+            <a:r>
+              <a:rPr lang="en-US" b="0" i="0" dirty="0">
+                <a:solidFill>
+                  <a:srgbClr val="FFFFFF"/>
+                </a:solidFill>
+                <a:effectLst/>
+                <a:latin typeface="urw-din"/>
+              </a:rPr>
+              <a:t>Lo que </a:t>
+            </a:r>
+            <a:r>
+              <a:rPr lang="en-US" b="0" i="0" dirty="0" err="1">
+                <a:solidFill>
+                  <a:srgbClr val="FFFFFF"/>
+                </a:solidFill>
+                <a:effectLst/>
+                <a:latin typeface="urw-din"/>
+              </a:rPr>
+              <a:t>el</a:t>
+            </a:r>
+            <a:r>
+              <a:rPr lang="en-US" b="0" i="0" dirty="0">
+                <a:solidFill>
+                  <a:srgbClr val="FFFFFF"/>
+                </a:solidFill>
+                <a:effectLst/>
+                <a:latin typeface="urw-din"/>
+              </a:rPr>
+              <a:t> </a:t>
+            </a:r>
+            <a:r>
+              <a:rPr lang="en-US" b="0" i="0" dirty="0" err="1">
+                <a:solidFill>
+                  <a:srgbClr val="FFFFFF"/>
+                </a:solidFill>
+                <a:effectLst/>
+                <a:latin typeface="urw-din"/>
+              </a:rPr>
+              <a:t>metodo</a:t>
+            </a:r>
+            <a:r>
+              <a:rPr lang="en-US" b="0" i="0" dirty="0">
+                <a:solidFill>
+                  <a:srgbClr val="FFFFFF"/>
+                </a:solidFill>
+                <a:effectLst/>
+                <a:latin typeface="urw-din"/>
+              </a:rPr>
+              <a:t> </a:t>
+            </a:r>
+            <a:r>
+              <a:rPr lang="en-US" b="0" i="0" dirty="0" err="1">
+                <a:solidFill>
+                  <a:srgbClr val="FFFFFF"/>
+                </a:solidFill>
+                <a:effectLst/>
+                <a:latin typeface="urw-din"/>
+              </a:rPr>
+              <a:t>recibe</a:t>
+            </a:r>
+            <a:r>
+              <a:rPr lang="en-US" b="0" i="0" dirty="0">
+                <a:solidFill>
+                  <a:srgbClr val="FFFFFF"/>
+                </a:solidFill>
+                <a:effectLst/>
+                <a:latin typeface="urw-din"/>
+              </a:rPr>
+              <a:t> </a:t>
+            </a:r>
+            <a:r>
+              <a:rPr lang="en-US" b="0" i="0" dirty="0" err="1">
+                <a:solidFill>
+                  <a:srgbClr val="FFFFFF"/>
+                </a:solidFill>
+                <a:effectLst/>
+                <a:latin typeface="urw-din"/>
+              </a:rPr>
+              <a:t>en</a:t>
+            </a:r>
+            <a:r>
+              <a:rPr lang="en-US" b="0" i="0" dirty="0">
+                <a:solidFill>
+                  <a:srgbClr val="FFFFFF"/>
+                </a:solidFill>
+                <a:effectLst/>
+                <a:latin typeface="urw-din"/>
+              </a:rPr>
+              <a:t> </a:t>
+            </a:r>
+            <a:r>
+              <a:rPr lang="en-US" b="0" i="0" dirty="0" err="1">
+                <a:solidFill>
+                  <a:srgbClr val="FFFFFF"/>
+                </a:solidFill>
+                <a:effectLst/>
+                <a:latin typeface="urw-din"/>
+              </a:rPr>
+              <a:t>su</a:t>
+            </a:r>
+            <a:r>
+              <a:rPr lang="en-US" b="0" i="0" dirty="0">
+                <a:solidFill>
+                  <a:srgbClr val="FFFFFF"/>
+                </a:solidFill>
+                <a:effectLst/>
+                <a:latin typeface="urw-din"/>
+              </a:rPr>
+              <a:t> </a:t>
+            </a:r>
+            <a:r>
+              <a:rPr lang="en-US" b="0" i="0" dirty="0" err="1">
+                <a:solidFill>
+                  <a:srgbClr val="FFFFFF"/>
+                </a:solidFill>
+                <a:effectLst/>
+                <a:latin typeface="urw-din"/>
+              </a:rPr>
+              <a:t>firma</a:t>
+            </a:r>
+            <a:r>
+              <a:rPr lang="en-US" b="0" i="0" dirty="0">
+                <a:solidFill>
+                  <a:srgbClr val="FFFFFF"/>
+                </a:solidFill>
+                <a:effectLst/>
+                <a:latin typeface="urw-din"/>
+              </a:rPr>
+              <a:t> son </a:t>
+            </a:r>
+            <a:r>
+              <a:rPr lang="en-US" b="0" i="0" dirty="0" err="1">
+                <a:solidFill>
+                  <a:srgbClr val="FFFFFF"/>
+                </a:solidFill>
+                <a:effectLst/>
+                <a:latin typeface="urw-din"/>
+              </a:rPr>
+              <a:t>parametros</a:t>
+            </a:r>
+            <a:endParaRPr lang="en-US" b="0" i="0" dirty="0">
+              <a:solidFill>
+                <a:srgbClr val="FFFFFF"/>
+              </a:solidFill>
+              <a:effectLst/>
+              <a:latin typeface="urw-din"/>
+            </a:endParaRPr>
+          </a:p>
+        </p:txBody>
+      </p:sp>
+      <p:sp>
+        <p:nvSpPr>
+          <p:cNvPr id="4" name="Slide Number Placeholder 3"/>
+          <p:cNvSpPr>
+            <a:spLocks noGrp="1"/>
+          </p:cNvSpPr>
+          <p:nvPr>
+            <p:ph type="sldNum" sz="quarter" idx="5"/>
+          </p:nvPr>
+        </p:nvSpPr>
+        <p:spPr/>
+        <p:txBody>
+          <a:bodyPr/>
+          <a:lstStyle/>
+          <a:p>
+            <a:fld id="{AB04AA61-7569-4972-B621-E1719B307E51}" type="slidenum">
+              <a:rPr lang="en-US" smtClean="0"/>
+              <a:t>33</a:t>
+            </a:fld>
+            <a:endParaRPr lang="en-US"/>
+          </a:p>
+        </p:txBody>
+      </p:sp>
+    </p:spTree>
+    <p:extLst>
+      <p:ext uri="{BB962C8B-B14F-4D97-AF65-F5344CB8AC3E}">
+        <p14:creationId xmlns:p14="http://schemas.microsoft.com/office/powerpoint/2010/main" val="3720145780"/>
+      </p:ext>
+    </p:extLst>
+  </p:cSld>
+  <p:clrMapOvr>
+    <a:masterClrMapping/>
+  </p:clrMapOvr>
+</p:notes>
+</file>
+
+<file path=ppt/notesSlides/notesSlide16.xml><?xml version="1.0" encoding="utf-8"?>
+<p:notes xmlns:a="http://schemas.openxmlformats.org/drawingml/2006/main" xmlns:r="http://schemas.openxmlformats.org/officeDocument/2006/relationships" xmlns:p="http://schemas.openxmlformats.org/presentationml/2006/main">
+  <p:cSld>
+    <p:spTree>
+      <p:nvGrpSpPr>
+        <p:cNvPr id="1" name=""/>
+        <p:cNvGrpSpPr/>
+        <p:nvPr/>
+      </p:nvGrpSpPr>
+      <p:grpSpPr>
+        <a:xfrm>
+          <a:off x="0" y="0"/>
+          <a:ext cx="0" cy="0"/>
+          <a:chOff x="0" y="0"/>
+          <a:chExt cx="0" cy="0"/>
+        </a:xfrm>
+      </p:grpSpPr>
+      <p:sp>
+        <p:nvSpPr>
+          <p:cNvPr id="2" name="Slide Image Placeholder 1"/>
+          <p:cNvSpPr>
+            <a:spLocks noGrp="1" noRot="1" noChangeAspect="1"/>
+          </p:cNvSpPr>
+          <p:nvPr>
+            <p:ph type="sldImg"/>
+          </p:nvPr>
+        </p:nvSpPr>
+        <p:spPr/>
+      </p:sp>
+      <p:sp>
+        <p:nvSpPr>
+          <p:cNvPr id="3" name="Notes Placeholder 2"/>
+          <p:cNvSpPr>
+            <a:spLocks noGrp="1"/>
+          </p:cNvSpPr>
+          <p:nvPr>
+            <p:ph type="body" idx="1"/>
+          </p:nvPr>
+        </p:nvSpPr>
+        <p:spPr/>
+        <p:txBody>
+          <a:bodyPr/>
+          <a:lstStyle/>
+          <a:p>
+            <a:pPr marL="0" marR="0">
+              <a:lnSpc>
+                <a:spcPct val="107000"/>
+              </a:lnSpc>
+              <a:spcBef>
+                <a:spcPts val="0"/>
+              </a:spcBef>
+              <a:spcAft>
+                <a:spcPts val="800"/>
+              </a:spcAft>
+            </a:pPr>
+            <a:r>
+              <a:rPr lang="es-CR" sz="1800" dirty="0">
+                <a:effectLst/>
+                <a:latin typeface="Calibri" panose="020F0502020204030204" pitchFamily="34" charset="0"/>
+                <a:ea typeface="Calibri" panose="020F0502020204030204" pitchFamily="34" charset="0"/>
+                <a:cs typeface="Times New Roman" panose="02020603050405020304" pitchFamily="18" charset="0"/>
+              </a:rPr>
+              <a:t>Los modificadores son palabras clave con las que se pueden realizar cambios en las características de una variable, método o clase y limitar su alcance. </a:t>
+            </a:r>
+            <a:endParaRPr lang="en-US" sz="1800" dirty="0">
+              <a:effectLst/>
+              <a:latin typeface="Calibri" panose="020F0502020204030204" pitchFamily="34" charset="0"/>
+              <a:ea typeface="Calibri" panose="020F0502020204030204" pitchFamily="34" charset="0"/>
+              <a:cs typeface="Times New Roman" panose="02020603050405020304" pitchFamily="18" charset="0"/>
+            </a:endParaRPr>
+          </a:p>
+          <a:p>
+            <a:pPr marL="0" marR="0">
+              <a:lnSpc>
+                <a:spcPct val="107000"/>
+              </a:lnSpc>
+              <a:spcBef>
+                <a:spcPts val="0"/>
+              </a:spcBef>
+              <a:spcAft>
+                <a:spcPts val="800"/>
+              </a:spcAft>
+            </a:pPr>
+            <a:r>
+              <a:rPr lang="es-CR" sz="1800" dirty="0">
+                <a:effectLst/>
+                <a:latin typeface="Calibri" panose="020F0502020204030204" pitchFamily="34" charset="0"/>
+                <a:ea typeface="Calibri" panose="020F0502020204030204" pitchFamily="34" charset="0"/>
+                <a:cs typeface="Times New Roman" panose="02020603050405020304" pitchFamily="18" charset="0"/>
+              </a:rPr>
+              <a:t>Se dividen en dos tipos: modificadores de acceso y modificadores de no acceso.</a:t>
+            </a:r>
+            <a:endParaRPr lang="en-US" sz="1800" dirty="0">
+              <a:effectLst/>
+              <a:latin typeface="Calibri" panose="020F0502020204030204" pitchFamily="34" charset="0"/>
+              <a:ea typeface="Calibri" panose="020F0502020204030204" pitchFamily="34" charset="0"/>
+              <a:cs typeface="Times New Roman" panose="02020603050405020304" pitchFamily="18" charset="0"/>
+            </a:endParaRPr>
+          </a:p>
+          <a:p>
+            <a:pPr marL="342900" marR="0" indent="-342900">
+              <a:lnSpc>
+                <a:spcPct val="107000"/>
+              </a:lnSpc>
+              <a:spcBef>
+                <a:spcPts val="0"/>
+              </a:spcBef>
+              <a:spcAft>
+                <a:spcPts val="800"/>
+              </a:spcAft>
+              <a:buFont typeface="+mj-lt"/>
+              <a:buAutoNum type="arabicPeriod"/>
+            </a:pPr>
+            <a:r>
+              <a:rPr lang="es-CR" sz="1800" b="1" dirty="0">
+                <a:effectLst/>
+                <a:latin typeface="Calibri" panose="020F0502020204030204" pitchFamily="34" charset="0"/>
+                <a:ea typeface="Calibri" panose="020F0502020204030204" pitchFamily="34" charset="0"/>
+                <a:cs typeface="Times New Roman" panose="02020603050405020304" pitchFamily="18" charset="0"/>
+              </a:rPr>
+              <a:t>Los modificadores de acceso </a:t>
+            </a:r>
+            <a:r>
+              <a:rPr lang="es-CR" sz="1800" dirty="0">
+                <a:effectLst/>
+                <a:latin typeface="Calibri" panose="020F0502020204030204" pitchFamily="34" charset="0"/>
+                <a:ea typeface="Calibri" panose="020F0502020204030204" pitchFamily="34" charset="0"/>
+                <a:cs typeface="Times New Roman" panose="02020603050405020304" pitchFamily="18" charset="0"/>
+              </a:rPr>
+              <a:t>ayudan a restringir el alcance de una variable, método, clase.</a:t>
+            </a:r>
+          </a:p>
+          <a:p>
+            <a:pPr marL="800100" marR="0" lvl="1" indent="-342900">
+              <a:lnSpc>
+                <a:spcPct val="107000"/>
+              </a:lnSpc>
+              <a:spcBef>
+                <a:spcPts val="0"/>
+              </a:spcBef>
+              <a:spcAft>
+                <a:spcPts val="800"/>
+              </a:spcAft>
+              <a:buFont typeface="Arial" panose="020B0604020202020204" pitchFamily="34" charset="0"/>
+              <a:buChar char="•"/>
+            </a:pPr>
+            <a:r>
+              <a:rPr lang="es-ES" sz="1800" dirty="0">
+                <a:effectLst/>
+                <a:latin typeface="Calibri" panose="020F0502020204030204" pitchFamily="34" charset="0"/>
+                <a:ea typeface="Calibri" panose="020F0502020204030204" pitchFamily="34" charset="0"/>
+                <a:cs typeface="Times New Roman" panose="02020603050405020304" pitchFamily="18" charset="0"/>
+              </a:rPr>
+              <a:t>público (accesible desde cualquier clase)</a:t>
+            </a:r>
+          </a:p>
+          <a:p>
+            <a:pPr marL="800100" marR="0" lvl="1" indent="-342900">
+              <a:lnSpc>
+                <a:spcPct val="107000"/>
+              </a:lnSpc>
+              <a:spcBef>
+                <a:spcPts val="0"/>
+              </a:spcBef>
+              <a:spcAft>
+                <a:spcPts val="800"/>
+              </a:spcAft>
+              <a:buFont typeface="Arial" panose="020B0604020202020204" pitchFamily="34" charset="0"/>
+              <a:buChar char="•"/>
+            </a:pPr>
+            <a:r>
+              <a:rPr lang="es-ES" sz="1800" dirty="0">
+                <a:effectLst/>
+                <a:latin typeface="Calibri" panose="020F0502020204030204" pitchFamily="34" charset="0"/>
+                <a:ea typeface="Calibri" panose="020F0502020204030204" pitchFamily="34" charset="0"/>
+                <a:cs typeface="Times New Roman" panose="02020603050405020304" pitchFamily="18" charset="0"/>
+              </a:rPr>
+              <a:t>privado (accesible dentro de la clase donde se define)</a:t>
+            </a:r>
+          </a:p>
+          <a:p>
+            <a:pPr marL="800100" marR="0" lvl="1" indent="-342900">
+              <a:lnSpc>
+                <a:spcPct val="107000"/>
+              </a:lnSpc>
+              <a:spcBef>
+                <a:spcPts val="0"/>
+              </a:spcBef>
+              <a:spcAft>
+                <a:spcPts val="800"/>
+              </a:spcAft>
+              <a:buFont typeface="Arial" panose="020B0604020202020204" pitchFamily="34" charset="0"/>
+              <a:buChar char="•"/>
+            </a:pPr>
+            <a:r>
+              <a:rPr lang="es-ES" sz="1800" dirty="0">
+                <a:effectLst/>
+                <a:latin typeface="Calibri" panose="020F0502020204030204" pitchFamily="34" charset="0"/>
+                <a:ea typeface="Calibri" panose="020F0502020204030204" pitchFamily="34" charset="0"/>
+                <a:cs typeface="Times New Roman" panose="02020603050405020304" pitchFamily="18" charset="0"/>
+              </a:rPr>
+              <a:t>protegido (accesible solo para subclases o el mismo paquete)</a:t>
+            </a:r>
+          </a:p>
+          <a:p>
+            <a:pPr marL="800100" marR="0" lvl="1" indent="-342900">
+              <a:lnSpc>
+                <a:spcPct val="107000"/>
+              </a:lnSpc>
+              <a:spcBef>
+                <a:spcPts val="0"/>
+              </a:spcBef>
+              <a:spcAft>
+                <a:spcPts val="800"/>
+              </a:spcAft>
+              <a:buFont typeface="Arial" panose="020B0604020202020204" pitchFamily="34" charset="0"/>
+              <a:buChar char="•"/>
+            </a:pPr>
+            <a:r>
+              <a:rPr lang="es-ES" sz="1800" dirty="0">
+                <a:effectLst/>
+                <a:latin typeface="Calibri" panose="020F0502020204030204" pitchFamily="34" charset="0"/>
+                <a:ea typeface="Calibri" panose="020F0502020204030204" pitchFamily="34" charset="0"/>
+                <a:cs typeface="Times New Roman" panose="02020603050405020304" pitchFamily="18" charset="0"/>
+              </a:rPr>
+              <a:t>Default (accesible solo desde el mismo paquete)</a:t>
+            </a:r>
+            <a:endParaRPr lang="en-US" sz="1800" dirty="0">
+              <a:effectLst/>
+              <a:latin typeface="Calibri" panose="020F0502020204030204" pitchFamily="34" charset="0"/>
+              <a:ea typeface="Calibri" panose="020F0502020204030204" pitchFamily="34" charset="0"/>
+              <a:cs typeface="Times New Roman" panose="02020603050405020304" pitchFamily="18" charset="0"/>
+            </a:endParaRPr>
+          </a:p>
+          <a:p>
+            <a:pPr marL="342900" marR="0" lvl="0" indent="-342900" algn="l" defTabSz="914400" rtl="0" eaLnBrk="1" fontAlgn="auto" latinLnBrk="0" hangingPunct="1">
+              <a:lnSpc>
+                <a:spcPct val="100000"/>
+              </a:lnSpc>
+              <a:spcBef>
+                <a:spcPts val="0"/>
+              </a:spcBef>
+              <a:spcAft>
+                <a:spcPts val="0"/>
+              </a:spcAft>
+              <a:buClrTx/>
+              <a:buSzTx/>
+              <a:buFont typeface="+mj-lt"/>
+              <a:buAutoNum type="arabicPeriod"/>
+              <a:tabLst/>
+              <a:defRPr/>
+            </a:pPr>
+            <a:r>
+              <a:rPr lang="es-CR" sz="1800" dirty="0">
+                <a:effectLst/>
+                <a:latin typeface="Calibri" panose="020F0502020204030204" pitchFamily="34" charset="0"/>
+                <a:ea typeface="Calibri" panose="020F0502020204030204" pitchFamily="34" charset="0"/>
+                <a:cs typeface="Times New Roman" panose="02020603050405020304" pitchFamily="18" charset="0"/>
+              </a:rPr>
+              <a:t>Los modificadores de no-</a:t>
+            </a:r>
+            <a:r>
+              <a:rPr lang="es-CR" sz="1800" dirty="0" err="1">
+                <a:effectLst/>
+                <a:latin typeface="Calibri" panose="020F0502020204030204" pitchFamily="34" charset="0"/>
+                <a:ea typeface="Calibri" panose="020F0502020204030204" pitchFamily="34" charset="0"/>
+                <a:cs typeface="Times New Roman" panose="02020603050405020304" pitchFamily="18" charset="0"/>
+              </a:rPr>
+              <a:t>accesso</a:t>
+            </a:r>
+            <a:r>
+              <a:rPr lang="es-CR" sz="1800" dirty="0">
+                <a:effectLst/>
+                <a:latin typeface="Calibri" panose="020F0502020204030204" pitchFamily="34" charset="0"/>
+                <a:ea typeface="Calibri" panose="020F0502020204030204" pitchFamily="34" charset="0"/>
+                <a:cs typeface="Times New Roman" panose="02020603050405020304" pitchFamily="18" charset="0"/>
+              </a:rPr>
+              <a:t> (Especificadores): proporcionar información sobre el  comportamiento de una clase, método o variable a la JVM.</a:t>
+            </a:r>
+            <a:endParaRPr lang="en-US" sz="1800" dirty="0">
+              <a:effectLst/>
+              <a:latin typeface="Calibri" panose="020F0502020204030204" pitchFamily="34" charset="0"/>
+              <a:ea typeface="Calibri" panose="020F0502020204030204" pitchFamily="34" charset="0"/>
+              <a:cs typeface="Times New Roman" panose="02020603050405020304" pitchFamily="18" charset="0"/>
+            </a:endParaRPr>
+          </a:p>
+          <a:p>
+            <a:endParaRPr lang="es-CR" dirty="0"/>
+          </a:p>
+        </p:txBody>
+      </p:sp>
+      <p:sp>
+        <p:nvSpPr>
+          <p:cNvPr id="4" name="Slide Number Placeholder 3"/>
+          <p:cNvSpPr>
+            <a:spLocks noGrp="1"/>
+          </p:cNvSpPr>
+          <p:nvPr>
+            <p:ph type="sldNum" sz="quarter" idx="5"/>
+          </p:nvPr>
+        </p:nvSpPr>
+        <p:spPr/>
+        <p:txBody>
+          <a:bodyPr/>
+          <a:lstStyle/>
+          <a:p>
+            <a:fld id="{AB04AA61-7569-4972-B621-E1719B307E51}" type="slidenum">
+              <a:rPr lang="en-US" smtClean="0"/>
+              <a:t>34</a:t>
+            </a:fld>
+            <a:endParaRPr lang="en-US"/>
+          </a:p>
+        </p:txBody>
+      </p:sp>
+    </p:spTree>
+    <p:extLst>
+      <p:ext uri="{BB962C8B-B14F-4D97-AF65-F5344CB8AC3E}">
+        <p14:creationId xmlns:p14="http://schemas.microsoft.com/office/powerpoint/2010/main" val="3154835003"/>
+      </p:ext>
+    </p:extLst>
+  </p:cSld>
+  <p:clrMapOvr>
+    <a:masterClrMapping/>
+  </p:clrMapOvr>
+</p:notes>
+</file>
+
 <file path=ppt/notesSlides/notesSlide2.xml><?xml version="1.0" encoding="utf-8"?>
 <p:notes xmlns:a="http://schemas.openxmlformats.org/drawingml/2006/main" xmlns:r="http://schemas.openxmlformats.org/officeDocument/2006/relationships" xmlns:p="http://schemas.openxmlformats.org/presentationml/2006/main">
   <p:cSld>
@@ -11958,7 +16969,7 @@
           <a:p>
             <a:fld id="{72345051-2045-45DA-935E-2E3CA1A69ADC}" type="datetimeFigureOut">
               <a:rPr lang="en-US" smtClean="0"/>
-              <a:t>5/13/2022</a:t>
+              <a:t>5/20/2022</a:t>
             </a:fld>
             <a:endParaRPr lang="en-US" dirty="0"/>
           </a:p>
@@ -12156,7 +17167,7 @@
           <a:p>
             <a:fld id="{72345051-2045-45DA-935E-2E3CA1A69ADC}" type="datetimeFigureOut">
               <a:rPr lang="en-US" smtClean="0"/>
-              <a:t>5/13/2022</a:t>
+              <a:t>5/20/2022</a:t>
             </a:fld>
             <a:endParaRPr lang="en-US"/>
           </a:p>
@@ -12364,7 +17375,7 @@
           <a:p>
             <a:fld id="{72345051-2045-45DA-935E-2E3CA1A69ADC}" type="datetimeFigureOut">
               <a:rPr lang="en-US" smtClean="0"/>
-              <a:t>5/13/2022</a:t>
+              <a:t>5/20/2022</a:t>
             </a:fld>
             <a:endParaRPr lang="en-US"/>
           </a:p>
@@ -12562,7 +17573,7 @@
           <a:p>
             <a:fld id="{72345051-2045-45DA-935E-2E3CA1A69ADC}" type="datetimeFigureOut">
               <a:rPr lang="en-US" smtClean="0"/>
-              <a:t>5/13/2022</a:t>
+              <a:t>5/20/2022</a:t>
             </a:fld>
             <a:endParaRPr lang="en-US"/>
           </a:p>
@@ -12837,7 +17848,7 @@
           <a:p>
             <a:fld id="{72345051-2045-45DA-935E-2E3CA1A69ADC}" type="datetimeFigureOut">
               <a:rPr lang="en-US" smtClean="0"/>
-              <a:t>5/13/2022</a:t>
+              <a:t>5/20/2022</a:t>
             </a:fld>
             <a:endParaRPr lang="en-US"/>
           </a:p>
@@ -13102,7 +18113,7 @@
           <a:p>
             <a:fld id="{72345051-2045-45DA-935E-2E3CA1A69ADC}" type="datetimeFigureOut">
               <a:rPr lang="en-US" smtClean="0"/>
-              <a:t>5/13/2022</a:t>
+              <a:t>5/20/2022</a:t>
             </a:fld>
             <a:endParaRPr lang="en-US"/>
           </a:p>
@@ -13514,7 +18525,7 @@
           <a:p>
             <a:fld id="{72345051-2045-45DA-935E-2E3CA1A69ADC}" type="datetimeFigureOut">
               <a:rPr lang="en-US" smtClean="0"/>
-              <a:t>5/13/2022</a:t>
+              <a:t>5/20/2022</a:t>
             </a:fld>
             <a:endParaRPr lang="en-US"/>
           </a:p>
@@ -13655,7 +18666,7 @@
           <a:p>
             <a:fld id="{72345051-2045-45DA-935E-2E3CA1A69ADC}" type="datetimeFigureOut">
               <a:rPr lang="en-US" smtClean="0"/>
-              <a:t>5/13/2022</a:t>
+              <a:t>5/20/2022</a:t>
             </a:fld>
             <a:endParaRPr lang="en-US"/>
           </a:p>
@@ -13768,7 +18779,7 @@
           <a:p>
             <a:fld id="{72345051-2045-45DA-935E-2E3CA1A69ADC}" type="datetimeFigureOut">
               <a:rPr lang="en-US" smtClean="0"/>
-              <a:t>5/13/2022</a:t>
+              <a:t>5/20/2022</a:t>
             </a:fld>
             <a:endParaRPr lang="en-US"/>
           </a:p>
@@ -14079,7 +19090,7 @@
           <a:p>
             <a:fld id="{72345051-2045-45DA-935E-2E3CA1A69ADC}" type="datetimeFigureOut">
               <a:rPr lang="en-US" smtClean="0"/>
-              <a:t>5/13/2022</a:t>
+              <a:t>5/20/2022</a:t>
             </a:fld>
             <a:endParaRPr lang="en-US"/>
           </a:p>
@@ -14367,7 +19378,7 @@
           <a:p>
             <a:fld id="{72345051-2045-45DA-935E-2E3CA1A69ADC}" type="datetimeFigureOut">
               <a:rPr lang="en-US" smtClean="0"/>
-              <a:t>5/13/2022</a:t>
+              <a:t>5/20/2022</a:t>
             </a:fld>
             <a:endParaRPr lang="en-US"/>
           </a:p>
@@ -14608,7 +19619,7 @@
           <a:p>
             <a:fld id="{72345051-2045-45DA-935E-2E3CA1A69ADC}" type="datetimeFigureOut">
               <a:rPr lang="en-US" smtClean="0"/>
-              <a:t>5/13/2022</a:t>
+              <a:t>5/20/2022</a:t>
             </a:fld>
             <a:endParaRPr lang="en-US" dirty="0"/>
           </a:p>
@@ -26094,6 +31105,2266 @@
     <p:extLst>
       <p:ext uri="{BB962C8B-B14F-4D97-AF65-F5344CB8AC3E}">
         <p14:creationId xmlns:p14="http://schemas.microsoft.com/office/powerpoint/2010/main" val="1221023912"/>
+      </p:ext>
+    </p:extLst>
+  </p:cSld>
+  <p:clrMapOvr>
+    <a:masterClrMapping/>
+  </p:clrMapOvr>
+</p:sld>
+</file>
+
+<file path=ppt/slides/slide31.xml><?xml version="1.0" encoding="utf-8"?>
+<p:sld xmlns:a="http://schemas.openxmlformats.org/drawingml/2006/main" xmlns:r="http://schemas.openxmlformats.org/officeDocument/2006/relationships" xmlns:p="http://schemas.openxmlformats.org/presentationml/2006/main">
+  <p:cSld>
+    <p:bg>
+      <p:bgPr>
+        <a:solidFill>
+          <a:schemeClr val="bg1"/>
+        </a:solidFill>
+        <a:effectLst/>
+      </p:bgPr>
+    </p:bg>
+    <p:spTree>
+      <p:nvGrpSpPr>
+        <p:cNvPr id="1" name=""/>
+        <p:cNvGrpSpPr/>
+        <p:nvPr/>
+      </p:nvGrpSpPr>
+      <p:grpSpPr>
+        <a:xfrm>
+          <a:off x="0" y="0"/>
+          <a:ext cx="0" cy="0"/>
+          <a:chOff x="0" y="0"/>
+          <a:chExt cx="0" cy="0"/>
+        </a:xfrm>
+      </p:grpSpPr>
+      <p:sp useBgFill="1">
+        <p:nvSpPr>
+          <p:cNvPr id="9" name="Rectangle 8">
+            <a:extLst>
+              <a:ext uri="{FF2B5EF4-FFF2-40B4-BE49-F238E27FC236}">
+                <a16:creationId xmlns:a16="http://schemas.microsoft.com/office/drawing/2014/main" id="{577D6B2E-37A3-429E-A37C-F30ED6487282}"/>
+              </a:ext>
+              <a:ext uri="{C183D7F6-B498-43B3-948B-1728B52AA6E4}">
+                <adec:decorative xmlns:adec="http://schemas.microsoft.com/office/drawing/2017/decorative" val="1"/>
+              </a:ext>
+            </a:extLst>
+          </p:cNvPr>
+          <p:cNvSpPr>
+            <a:spLocks noGrp="1" noRot="1" noChangeAspect="1" noMove="1" noResize="1" noEditPoints="1" noAdjustHandles="1" noChangeArrowheads="1" noChangeShapeType="1" noTextEdit="1"/>
+          </p:cNvSpPr>
+          <p:nvPr>
+            <p:extLst>
+              <p:ext uri="{386F3935-93C4-4BCD-93E2-E3B085C9AB24}">
+                <p16:designElem xmlns:p16="http://schemas.microsoft.com/office/powerpoint/2015/main" val="1"/>
+              </p:ext>
+            </p:extLst>
+          </p:nvPr>
+        </p:nvSpPr>
+        <p:spPr>
+          <a:xfrm>
+            <a:off x="0" y="0"/>
+            <a:ext cx="12192000" cy="6858000"/>
+          </a:xfrm>
+          <a:prstGeom prst="rect">
+            <a:avLst/>
+          </a:prstGeom>
+          <a:ln w="12700" cap="flat" cmpd="sng" algn="ctr">
+            <a:noFill/>
+            <a:prstDash val="solid"/>
+            <a:miter lim="800000"/>
+          </a:ln>
+          <a:effectLst/>
+          <a:extLst>
+            <a:ext uri="{91240B29-F687-4F45-9708-019B960494DF}">
+              <a14:hiddenLine xmlns:a14="http://schemas.microsoft.com/office/drawing/2010/main" w="12700" cap="flat" cmpd="sng" algn="ctr">
+                <a:solidFill>
+                  <a:schemeClr val="accent1">
+                    <a:shade val="50000"/>
+                  </a:schemeClr>
+                </a:solidFill>
+                <a:prstDash val="solid"/>
+                <a:miter lim="800000"/>
+              </a14:hiddenLine>
+            </a:ext>
+          </a:extLst>
+        </p:spPr>
+        <p:style>
+          <a:lnRef idx="2">
+            <a:schemeClr val="accent1">
+              <a:shade val="50000"/>
+            </a:schemeClr>
+          </a:lnRef>
+          <a:fillRef idx="1">
+            <a:schemeClr val="accent1"/>
+          </a:fillRef>
+          <a:effectRef idx="0">
+            <a:schemeClr val="accent1"/>
+          </a:effectRef>
+          <a:fontRef idx="minor">
+            <a:schemeClr val="lt1"/>
+          </a:fontRef>
+        </p:style>
+        <p:txBody>
+          <a:bodyPr rtlCol="0" anchor="ctr"/>
+          <a:lstStyle/>
+          <a:p>
+            <a:pPr algn="ctr"/>
+            <a:endParaRPr lang="en-US"/>
+          </a:p>
+        </p:txBody>
+      </p:sp>
+      <p:sp>
+        <p:nvSpPr>
+          <p:cNvPr id="11" name="Rectangle 10">
+            <a:extLst>
+              <a:ext uri="{FF2B5EF4-FFF2-40B4-BE49-F238E27FC236}">
+                <a16:creationId xmlns:a16="http://schemas.microsoft.com/office/drawing/2014/main" id="{5CEAD642-85CF-4750-8432-7C80C901F001}"/>
+              </a:ext>
+              <a:ext uri="{C183D7F6-B498-43B3-948B-1728B52AA6E4}">
+                <adec:decorative xmlns:adec="http://schemas.microsoft.com/office/drawing/2017/decorative" val="1"/>
+              </a:ext>
+            </a:extLst>
+          </p:cNvPr>
+          <p:cNvSpPr>
+            <a:spLocks noGrp="1" noRot="1" noChangeAspect="1" noMove="1" noResize="1" noEditPoints="1" noAdjustHandles="1" noChangeArrowheads="1" noChangeShapeType="1" noTextEdit="1"/>
+          </p:cNvSpPr>
+          <p:nvPr>
+            <p:extLst>
+              <p:ext uri="{386F3935-93C4-4BCD-93E2-E3B085C9AB24}">
+                <p16:designElem xmlns:p16="http://schemas.microsoft.com/office/powerpoint/2015/main" val="1"/>
+              </p:ext>
+            </p:extLst>
+          </p:nvPr>
+        </p:nvSpPr>
+        <p:spPr>
+          <a:xfrm rot="10800000">
+            <a:off x="-11723" y="-1"/>
+            <a:ext cx="12225953" cy="6868071"/>
+          </a:xfrm>
+          <a:prstGeom prst="rect">
+            <a:avLst/>
+          </a:prstGeom>
+          <a:gradFill>
+            <a:gsLst>
+              <a:gs pos="0">
+                <a:srgbClr val="000000"/>
+              </a:gs>
+              <a:gs pos="100000">
+                <a:schemeClr val="accent1">
+                  <a:lumMod val="75000"/>
+                </a:schemeClr>
+              </a:gs>
+            </a:gsLst>
+            <a:lin ang="4200000" scaled="0"/>
+          </a:gradFill>
+          <a:ln>
+            <a:noFill/>
+          </a:ln>
+        </p:spPr>
+        <p:style>
+          <a:lnRef idx="2">
+            <a:schemeClr val="accent1">
+              <a:shade val="50000"/>
+            </a:schemeClr>
+          </a:lnRef>
+          <a:fillRef idx="1">
+            <a:schemeClr val="accent1"/>
+          </a:fillRef>
+          <a:effectRef idx="0">
+            <a:schemeClr val="accent1"/>
+          </a:effectRef>
+          <a:fontRef idx="minor">
+            <a:schemeClr val="lt1"/>
+          </a:fontRef>
+        </p:style>
+        <p:txBody>
+          <a:bodyPr rtlCol="0" anchor="ctr"/>
+          <a:lstStyle/>
+          <a:p>
+            <a:pPr algn="ctr"/>
+            <a:endParaRPr lang="en-US"/>
+          </a:p>
+        </p:txBody>
+      </p:sp>
+      <p:sp>
+        <p:nvSpPr>
+          <p:cNvPr id="13" name="Rectangle 12">
+            <a:extLst>
+              <a:ext uri="{FF2B5EF4-FFF2-40B4-BE49-F238E27FC236}">
+                <a16:creationId xmlns:a16="http://schemas.microsoft.com/office/drawing/2014/main" id="{FA33EEAE-15D5-4119-8C1E-89D943F911EF}"/>
+              </a:ext>
+              <a:ext uri="{C183D7F6-B498-43B3-948B-1728B52AA6E4}">
+                <adec:decorative xmlns:adec="http://schemas.microsoft.com/office/drawing/2017/decorative" val="1"/>
+              </a:ext>
+            </a:extLst>
+          </p:cNvPr>
+          <p:cNvSpPr>
+            <a:spLocks noGrp="1" noRot="1" noChangeAspect="1" noMove="1" noResize="1" noEditPoints="1" noAdjustHandles="1" noChangeArrowheads="1" noChangeShapeType="1" noTextEdit="1"/>
+          </p:cNvSpPr>
+          <p:nvPr>
+            <p:extLst>
+              <p:ext uri="{386F3935-93C4-4BCD-93E2-E3B085C9AB24}">
+                <p16:designElem xmlns:p16="http://schemas.microsoft.com/office/powerpoint/2015/main" val="1"/>
+              </p:ext>
+            </p:extLst>
+          </p:nvPr>
+        </p:nvSpPr>
+        <p:spPr>
+          <a:xfrm rot="10800000" flipH="1">
+            <a:off x="441959" y="-3"/>
+            <a:ext cx="11772269" cy="6868074"/>
+          </a:xfrm>
+          <a:prstGeom prst="rect">
+            <a:avLst/>
+          </a:prstGeom>
+          <a:gradFill>
+            <a:gsLst>
+              <a:gs pos="21000">
+                <a:schemeClr val="accent1">
+                  <a:lumMod val="50000"/>
+                  <a:alpha val="83000"/>
+                </a:schemeClr>
+              </a:gs>
+              <a:gs pos="100000">
+                <a:schemeClr val="accent1">
+                  <a:alpha val="0"/>
+                </a:schemeClr>
+              </a:gs>
+            </a:gsLst>
+            <a:lin ang="8400000" scaled="0"/>
+          </a:gradFill>
+          <a:ln>
+            <a:noFill/>
+          </a:ln>
+        </p:spPr>
+        <p:style>
+          <a:lnRef idx="2">
+            <a:schemeClr val="accent1">
+              <a:shade val="50000"/>
+            </a:schemeClr>
+          </a:lnRef>
+          <a:fillRef idx="1">
+            <a:schemeClr val="accent1"/>
+          </a:fillRef>
+          <a:effectRef idx="0">
+            <a:schemeClr val="accent1"/>
+          </a:effectRef>
+          <a:fontRef idx="minor">
+            <a:schemeClr val="lt1"/>
+          </a:fontRef>
+        </p:style>
+        <p:txBody>
+          <a:bodyPr rtlCol="0" anchor="ctr"/>
+          <a:lstStyle/>
+          <a:p>
+            <a:pPr algn="ctr"/>
+            <a:endParaRPr lang="en-US"/>
+          </a:p>
+        </p:txBody>
+      </p:sp>
+      <p:sp>
+        <p:nvSpPr>
+          <p:cNvPr id="15" name="Rectangle 14">
+            <a:extLst>
+              <a:ext uri="{FF2B5EF4-FFF2-40B4-BE49-F238E27FC236}">
+                <a16:creationId xmlns:a16="http://schemas.microsoft.com/office/drawing/2014/main" id="{730D8B3B-9B80-4025-B934-26DC7D7CD231}"/>
+              </a:ext>
+              <a:ext uri="{C183D7F6-B498-43B3-948B-1728B52AA6E4}">
+                <adec:decorative xmlns:adec="http://schemas.microsoft.com/office/drawing/2017/decorative" val="1"/>
+              </a:ext>
+            </a:extLst>
+          </p:cNvPr>
+          <p:cNvSpPr>
+            <a:spLocks noGrp="1" noRot="1" noChangeAspect="1" noMove="1" noResize="1" noEditPoints="1" noAdjustHandles="1" noChangeArrowheads="1" noChangeShapeType="1" noTextEdit="1"/>
+          </p:cNvSpPr>
+          <p:nvPr>
+            <p:extLst>
+              <p:ext uri="{386F3935-93C4-4BCD-93E2-E3B085C9AB24}">
+                <p16:designElem xmlns:p16="http://schemas.microsoft.com/office/powerpoint/2015/main" val="1"/>
+              </p:ext>
+            </p:extLst>
+          </p:nvPr>
+        </p:nvSpPr>
+        <p:spPr>
+          <a:xfrm rot="10800000">
+            <a:off x="-15200" y="0"/>
+            <a:ext cx="3623374" cy="6868072"/>
+          </a:xfrm>
+          <a:prstGeom prst="rect">
+            <a:avLst/>
+          </a:prstGeom>
+          <a:gradFill>
+            <a:gsLst>
+              <a:gs pos="0">
+                <a:schemeClr val="accent1">
+                  <a:lumMod val="75000"/>
+                  <a:alpha val="0"/>
+                </a:schemeClr>
+              </a:gs>
+              <a:gs pos="99000">
+                <a:srgbClr val="000000">
+                  <a:alpha val="41000"/>
+                </a:srgbClr>
+              </a:gs>
+            </a:gsLst>
+            <a:lin ang="13200000" scaled="0"/>
+          </a:gradFill>
+          <a:ln>
+            <a:noFill/>
+          </a:ln>
+        </p:spPr>
+        <p:style>
+          <a:lnRef idx="2">
+            <a:schemeClr val="accent1">
+              <a:shade val="50000"/>
+            </a:schemeClr>
+          </a:lnRef>
+          <a:fillRef idx="1">
+            <a:schemeClr val="accent1"/>
+          </a:fillRef>
+          <a:effectRef idx="0">
+            <a:schemeClr val="accent1"/>
+          </a:effectRef>
+          <a:fontRef idx="minor">
+            <a:schemeClr val="lt1"/>
+          </a:fontRef>
+        </p:style>
+        <p:txBody>
+          <a:bodyPr rtlCol="0" anchor="ctr"/>
+          <a:lstStyle/>
+          <a:p>
+            <a:pPr algn="ctr"/>
+            <a:endParaRPr lang="en-US"/>
+          </a:p>
+        </p:txBody>
+      </p:sp>
+      <p:sp>
+        <p:nvSpPr>
+          <p:cNvPr id="17" name="Rectangle 16">
+            <a:extLst>
+              <a:ext uri="{FF2B5EF4-FFF2-40B4-BE49-F238E27FC236}">
+                <a16:creationId xmlns:a16="http://schemas.microsoft.com/office/drawing/2014/main" id="{1064D5D5-227B-4F66-9AEA-46F570E793BD}"/>
+              </a:ext>
+              <a:ext uri="{C183D7F6-B498-43B3-948B-1728B52AA6E4}">
+                <adec:decorative xmlns:adec="http://schemas.microsoft.com/office/drawing/2017/decorative" val="1"/>
+              </a:ext>
+            </a:extLst>
+          </p:cNvPr>
+          <p:cNvSpPr>
+            <a:spLocks noGrp="1" noRot="1" noChangeAspect="1" noMove="1" noResize="1" noEditPoints="1" noAdjustHandles="1" noChangeArrowheads="1" noChangeShapeType="1" noTextEdit="1"/>
+          </p:cNvSpPr>
+          <p:nvPr>
+            <p:extLst>
+              <p:ext uri="{386F3935-93C4-4BCD-93E2-E3B085C9AB24}">
+                <p16:designElem xmlns:p16="http://schemas.microsoft.com/office/powerpoint/2015/main" val="1"/>
+              </p:ext>
+            </p:extLst>
+          </p:nvPr>
+        </p:nvSpPr>
+        <p:spPr>
+          <a:xfrm flipH="1">
+            <a:off x="-15875" y="-3"/>
+            <a:ext cx="12233581" cy="6868076"/>
+          </a:xfrm>
+          <a:prstGeom prst="rect">
+            <a:avLst/>
+          </a:prstGeom>
+          <a:gradFill>
+            <a:gsLst>
+              <a:gs pos="3000">
+                <a:schemeClr val="accent1">
+                  <a:lumMod val="75000"/>
+                  <a:alpha val="0"/>
+                </a:schemeClr>
+              </a:gs>
+              <a:gs pos="100000">
+                <a:srgbClr val="000000">
+                  <a:alpha val="73000"/>
+                </a:srgbClr>
+              </a:gs>
+            </a:gsLst>
+            <a:lin ang="17400000" scaled="0"/>
+          </a:gradFill>
+          <a:ln>
+            <a:noFill/>
+          </a:ln>
+        </p:spPr>
+        <p:style>
+          <a:lnRef idx="2">
+            <a:schemeClr val="accent1">
+              <a:shade val="50000"/>
+            </a:schemeClr>
+          </a:lnRef>
+          <a:fillRef idx="1">
+            <a:schemeClr val="accent1"/>
+          </a:fillRef>
+          <a:effectRef idx="0">
+            <a:schemeClr val="accent1"/>
+          </a:effectRef>
+          <a:fontRef idx="minor">
+            <a:schemeClr val="lt1"/>
+          </a:fontRef>
+        </p:style>
+        <p:txBody>
+          <a:bodyPr rtlCol="0" anchor="ctr"/>
+          <a:lstStyle/>
+          <a:p>
+            <a:pPr algn="ctr"/>
+            <a:endParaRPr lang="en-US"/>
+          </a:p>
+        </p:txBody>
+      </p:sp>
+      <p:sp>
+        <p:nvSpPr>
+          <p:cNvPr id="19" name="Rectangle 18">
+            <a:extLst>
+              <a:ext uri="{FF2B5EF4-FFF2-40B4-BE49-F238E27FC236}">
+                <a16:creationId xmlns:a16="http://schemas.microsoft.com/office/drawing/2014/main" id="{646B67A4-D328-4747-A82B-65E84FA46368}"/>
+              </a:ext>
+              <a:ext uri="{C183D7F6-B498-43B3-948B-1728B52AA6E4}">
+                <adec:decorative xmlns:adec="http://schemas.microsoft.com/office/drawing/2017/decorative" val="1"/>
+              </a:ext>
+            </a:extLst>
+          </p:cNvPr>
+          <p:cNvSpPr>
+            <a:spLocks noGrp="1" noRot="1" noChangeAspect="1" noMove="1" noResize="1" noEditPoints="1" noAdjustHandles="1" noChangeArrowheads="1" noChangeShapeType="1" noTextEdit="1"/>
+          </p:cNvSpPr>
+          <p:nvPr>
+            <p:extLst>
+              <p:ext uri="{386F3935-93C4-4BCD-93E2-E3B085C9AB24}">
+                <p16:designElem xmlns:p16="http://schemas.microsoft.com/office/powerpoint/2015/main" val="1"/>
+              </p:ext>
+            </p:extLst>
+          </p:nvPr>
+        </p:nvSpPr>
+        <p:spPr>
+          <a:xfrm rot="5400000" flipH="1">
+            <a:off x="4484334" y="-861824"/>
+            <a:ext cx="6861931" cy="8597859"/>
+          </a:xfrm>
+          <a:prstGeom prst="rect">
+            <a:avLst/>
+          </a:prstGeom>
+          <a:gradFill>
+            <a:gsLst>
+              <a:gs pos="3000">
+                <a:schemeClr val="accent1">
+                  <a:lumMod val="75000"/>
+                  <a:alpha val="0"/>
+                </a:schemeClr>
+              </a:gs>
+              <a:gs pos="100000">
+                <a:srgbClr val="000000">
+                  <a:alpha val="27000"/>
+                </a:srgbClr>
+              </a:gs>
+            </a:gsLst>
+            <a:lin ang="13800000" scaled="0"/>
+          </a:gradFill>
+          <a:ln>
+            <a:noFill/>
+          </a:ln>
+        </p:spPr>
+        <p:style>
+          <a:lnRef idx="2">
+            <a:schemeClr val="accent1">
+              <a:shade val="50000"/>
+            </a:schemeClr>
+          </a:lnRef>
+          <a:fillRef idx="1">
+            <a:schemeClr val="accent1"/>
+          </a:fillRef>
+          <a:effectRef idx="0">
+            <a:schemeClr val="accent1"/>
+          </a:effectRef>
+          <a:fontRef idx="minor">
+            <a:schemeClr val="lt1"/>
+          </a:fontRef>
+        </p:style>
+        <p:txBody>
+          <a:bodyPr rtlCol="0" anchor="ctr"/>
+          <a:lstStyle/>
+          <a:p>
+            <a:pPr algn="ctr"/>
+            <a:endParaRPr lang="en-US"/>
+          </a:p>
+        </p:txBody>
+      </p:sp>
+      <p:sp>
+        <p:nvSpPr>
+          <p:cNvPr id="21" name="Oval 20">
+            <a:extLst>
+              <a:ext uri="{FF2B5EF4-FFF2-40B4-BE49-F238E27FC236}">
+                <a16:creationId xmlns:a16="http://schemas.microsoft.com/office/drawing/2014/main" id="{B5A1B09C-1565-46F8-B70F-621C5EB48A09}"/>
+              </a:ext>
+              <a:ext uri="{C183D7F6-B498-43B3-948B-1728B52AA6E4}">
+                <adec:decorative xmlns:adec="http://schemas.microsoft.com/office/drawing/2017/decorative" val="1"/>
+              </a:ext>
+            </a:extLst>
+          </p:cNvPr>
+          <p:cNvSpPr>
+            <a:spLocks noGrp="1" noRot="1" noChangeAspect="1" noMove="1" noResize="1" noEditPoints="1" noAdjustHandles="1" noChangeArrowheads="1" noChangeShapeType="1" noTextEdit="1"/>
+          </p:cNvSpPr>
+          <p:nvPr>
+            <p:extLst>
+              <p:ext uri="{386F3935-93C4-4BCD-93E2-E3B085C9AB24}">
+                <p16:designElem xmlns:p16="http://schemas.microsoft.com/office/powerpoint/2015/main" val="1"/>
+              </p:ext>
+            </p:extLst>
+          </p:nvPr>
+        </p:nvSpPr>
+        <p:spPr>
+          <a:xfrm rot="5993193">
+            <a:off x="1186972" y="1089049"/>
+            <a:ext cx="4967533" cy="4988390"/>
+          </a:xfrm>
+          <a:prstGeom prst="ellipse">
+            <a:avLst/>
+          </a:prstGeom>
+          <a:gradFill>
+            <a:gsLst>
+              <a:gs pos="0">
+                <a:schemeClr val="accent1">
+                  <a:alpha val="26000"/>
+                </a:schemeClr>
+              </a:gs>
+              <a:gs pos="85000">
+                <a:schemeClr val="accent1">
+                  <a:lumMod val="60000"/>
+                  <a:lumOff val="40000"/>
+                  <a:alpha val="0"/>
+                </a:schemeClr>
+              </a:gs>
+            </a:gsLst>
+            <a:lin ang="14400000" scaled="0"/>
+          </a:gradFill>
+          <a:ln>
+            <a:noFill/>
+          </a:ln>
+        </p:spPr>
+        <p:style>
+          <a:lnRef idx="2">
+            <a:schemeClr val="accent1">
+              <a:shade val="50000"/>
+            </a:schemeClr>
+          </a:lnRef>
+          <a:fillRef idx="1">
+            <a:schemeClr val="accent1"/>
+          </a:fillRef>
+          <a:effectRef idx="0">
+            <a:schemeClr val="accent1"/>
+          </a:effectRef>
+          <a:fontRef idx="minor">
+            <a:schemeClr val="lt1"/>
+          </a:fontRef>
+        </p:style>
+        <p:txBody>
+          <a:bodyPr rtlCol="0" anchor="ctr"/>
+          <a:lstStyle/>
+          <a:p>
+            <a:pPr algn="ctr"/>
+            <a:endParaRPr lang="en-US" dirty="0"/>
+          </a:p>
+        </p:txBody>
+      </p:sp>
+      <p:sp>
+        <p:nvSpPr>
+          <p:cNvPr id="4" name="Title 3">
+            <a:extLst>
+              <a:ext uri="{FF2B5EF4-FFF2-40B4-BE49-F238E27FC236}">
+                <a16:creationId xmlns:a16="http://schemas.microsoft.com/office/drawing/2014/main" id="{4C978CC2-0717-4B1E-8907-C92864CDA756}"/>
+              </a:ext>
+            </a:extLst>
+          </p:cNvPr>
+          <p:cNvSpPr>
+            <a:spLocks noGrp="1"/>
+          </p:cNvSpPr>
+          <p:nvPr>
+            <p:ph type="title"/>
+          </p:nvPr>
+        </p:nvSpPr>
+        <p:spPr>
+          <a:xfrm>
+            <a:off x="679815" y="1799571"/>
+            <a:ext cx="10832370" cy="3275068"/>
+          </a:xfrm>
+        </p:spPr>
+        <p:txBody>
+          <a:bodyPr vert="horz" lIns="91440" tIns="45720" rIns="91440" bIns="45720" rtlCol="0" anchor="b">
+            <a:normAutofit fontScale="90000"/>
+          </a:bodyPr>
+          <a:lstStyle/>
+          <a:p>
+            <a:pPr algn="ctr"/>
+            <a:r>
+              <a:rPr lang="en-US" sz="8000" b="1" kern="1200" dirty="0">
+                <a:solidFill>
+                  <a:srgbClr val="FFFFFF"/>
+                </a:solidFill>
+                <a:latin typeface="+mj-lt"/>
+                <a:ea typeface="+mj-ea"/>
+                <a:cs typeface="+mj-cs"/>
+              </a:rPr>
+              <a:t>POO</a:t>
+            </a:r>
+            <a:br>
+              <a:rPr lang="en-US" sz="8000" b="1" kern="1200" dirty="0">
+                <a:solidFill>
+                  <a:srgbClr val="FFFFFF"/>
+                </a:solidFill>
+                <a:latin typeface="+mj-lt"/>
+                <a:ea typeface="+mj-ea"/>
+                <a:cs typeface="+mj-cs"/>
+              </a:rPr>
+            </a:br>
+            <a:r>
+              <a:rPr lang="en-US" sz="8000" b="1" kern="1200" dirty="0" err="1">
+                <a:solidFill>
+                  <a:srgbClr val="FFFFFF"/>
+                </a:solidFill>
+                <a:latin typeface="+mj-lt"/>
+                <a:ea typeface="+mj-ea"/>
+                <a:cs typeface="+mj-cs"/>
+              </a:rPr>
+              <a:t>Programación</a:t>
+            </a:r>
+            <a:r>
+              <a:rPr lang="en-US" sz="8000" b="1" kern="1200" dirty="0">
+                <a:solidFill>
+                  <a:srgbClr val="FFFFFF"/>
+                </a:solidFill>
+                <a:latin typeface="+mj-lt"/>
+                <a:ea typeface="+mj-ea"/>
+                <a:cs typeface="+mj-cs"/>
+              </a:rPr>
+              <a:t> </a:t>
+            </a:r>
+            <a:r>
+              <a:rPr lang="en-US" sz="8000" b="1" kern="1200" dirty="0" err="1">
+                <a:solidFill>
+                  <a:srgbClr val="FFFFFF"/>
+                </a:solidFill>
+                <a:latin typeface="+mj-lt"/>
+                <a:ea typeface="+mj-ea"/>
+                <a:cs typeface="+mj-cs"/>
+              </a:rPr>
+              <a:t>Orientada</a:t>
+            </a:r>
+            <a:r>
+              <a:rPr lang="en-US" sz="8000" b="1" kern="1200" dirty="0">
+                <a:solidFill>
+                  <a:srgbClr val="FFFFFF"/>
+                </a:solidFill>
+                <a:latin typeface="+mj-lt"/>
+                <a:ea typeface="+mj-ea"/>
+                <a:cs typeface="+mj-cs"/>
+              </a:rPr>
+              <a:t> a </a:t>
+            </a:r>
+            <a:r>
+              <a:rPr lang="en-US" sz="8000" b="1" kern="1200" dirty="0" err="1">
+                <a:solidFill>
+                  <a:srgbClr val="FFFFFF"/>
+                </a:solidFill>
+                <a:latin typeface="+mj-lt"/>
+                <a:ea typeface="+mj-ea"/>
+                <a:cs typeface="+mj-cs"/>
+              </a:rPr>
+              <a:t>Objectos</a:t>
+            </a:r>
+            <a:endParaRPr lang="en-US" sz="8000" b="1" kern="1200" dirty="0">
+              <a:solidFill>
+                <a:srgbClr val="FFFFFF"/>
+              </a:solidFill>
+              <a:latin typeface="+mj-lt"/>
+              <a:ea typeface="+mj-ea"/>
+              <a:cs typeface="+mj-cs"/>
+            </a:endParaRPr>
+          </a:p>
+        </p:txBody>
+      </p:sp>
+      <p:sp>
+        <p:nvSpPr>
+          <p:cNvPr id="23" name="Rectangle 22">
+            <a:extLst>
+              <a:ext uri="{FF2B5EF4-FFF2-40B4-BE49-F238E27FC236}">
+                <a16:creationId xmlns:a16="http://schemas.microsoft.com/office/drawing/2014/main" id="{8C516CC8-80AC-446C-A56E-9F54B7210402}"/>
+              </a:ext>
+              <a:ext uri="{C183D7F6-B498-43B3-948B-1728B52AA6E4}">
+                <adec:decorative xmlns:adec="http://schemas.microsoft.com/office/drawing/2017/decorative" val="1"/>
+              </a:ext>
+            </a:extLst>
+          </p:cNvPr>
+          <p:cNvSpPr>
+            <a:spLocks noGrp="1" noRot="1" noChangeAspect="1" noMove="1" noResize="1" noEditPoints="1" noAdjustHandles="1" noChangeArrowheads="1" noChangeShapeType="1" noTextEdit="1"/>
+          </p:cNvSpPr>
+          <p:nvPr>
+            <p:extLst>
+              <p:ext uri="{386F3935-93C4-4BCD-93E2-E3B085C9AB24}">
+                <p16:designElem xmlns:p16="http://schemas.microsoft.com/office/powerpoint/2015/main" val="1"/>
+              </p:ext>
+            </p:extLst>
+          </p:nvPr>
+        </p:nvSpPr>
+        <p:spPr>
+          <a:xfrm flipH="1">
+            <a:off x="-3" y="4490110"/>
+            <a:ext cx="12217710" cy="2377962"/>
+          </a:xfrm>
+          <a:prstGeom prst="rect">
+            <a:avLst/>
+          </a:prstGeom>
+          <a:gradFill>
+            <a:gsLst>
+              <a:gs pos="0">
+                <a:schemeClr val="accent1">
+                  <a:lumMod val="75000"/>
+                  <a:alpha val="50000"/>
+                </a:schemeClr>
+              </a:gs>
+              <a:gs pos="99000">
+                <a:srgbClr val="000000">
+                  <a:alpha val="34000"/>
+                </a:srgbClr>
+              </a:gs>
+            </a:gsLst>
+            <a:lin ang="13200000" scaled="0"/>
+          </a:gradFill>
+          <a:ln>
+            <a:noFill/>
+          </a:ln>
+        </p:spPr>
+        <p:style>
+          <a:lnRef idx="2">
+            <a:schemeClr val="accent1">
+              <a:shade val="50000"/>
+            </a:schemeClr>
+          </a:lnRef>
+          <a:fillRef idx="1">
+            <a:schemeClr val="accent1"/>
+          </a:fillRef>
+          <a:effectRef idx="0">
+            <a:schemeClr val="accent1"/>
+          </a:effectRef>
+          <a:fontRef idx="minor">
+            <a:schemeClr val="lt1"/>
+          </a:fontRef>
+        </p:style>
+        <p:txBody>
+          <a:bodyPr rtlCol="0" anchor="ctr"/>
+          <a:lstStyle/>
+          <a:p>
+            <a:pPr algn="ctr"/>
+            <a:endParaRPr lang="en-US"/>
+          </a:p>
+        </p:txBody>
+      </p:sp>
+    </p:spTree>
+    <p:extLst>
+      <p:ext uri="{BB962C8B-B14F-4D97-AF65-F5344CB8AC3E}">
+        <p14:creationId xmlns:p14="http://schemas.microsoft.com/office/powerpoint/2010/main" val="2966891659"/>
+      </p:ext>
+    </p:extLst>
+  </p:cSld>
+  <p:clrMapOvr>
+    <a:masterClrMapping/>
+  </p:clrMapOvr>
+  <p:timing>
+    <p:tnLst>
+      <p:par>
+        <p:cTn id="1" dur="indefinite" restart="never" nodeType="tmRoot">
+          <p:childTnLst>
+            <p:seq concurrent="1" nextAc="seek">
+              <p:cTn id="2" dur="indefinite" nodeType="mainSeq">
+                <p:childTnLst>
+                  <p:par>
+                    <p:cTn id="3" fill="hold">
+                      <p:stCondLst>
+                        <p:cond delay="indefinite"/>
+                        <p:cond evt="onBegin" delay="0">
+                          <p:tn val="2"/>
+                        </p:cond>
+                      </p:stCondLst>
+                      <p:childTnLst>
+                        <p:par>
+                          <p:cTn id="4" fill="hold">
+                            <p:stCondLst>
+                              <p:cond delay="0"/>
+                            </p:stCondLst>
+                            <p:childTnLst>
+                              <p:par>
+                                <p:cTn id="5" presetID="10" presetClass="entr" presetSubtype="0" fill="hold" grpId="0" nodeType="withEffect">
+                                  <p:stCondLst>
+                                    <p:cond delay="500"/>
+                                  </p:stCondLst>
+                                  <p:iterate>
+                                    <p:tmPct val="10000"/>
+                                  </p:iterate>
+                                  <p:childTnLst>
+                                    <p:set>
+                                      <p:cBhvr>
+                                        <p:cTn id="6" dur="1" fill="hold">
+                                          <p:stCondLst>
+                                            <p:cond delay="0"/>
+                                          </p:stCondLst>
+                                        </p:cTn>
+                                        <p:tgtEl>
+                                          <p:spTgt spid="4"/>
+                                        </p:tgtEl>
+                                        <p:attrNameLst>
+                                          <p:attrName>style.visibility</p:attrName>
+                                        </p:attrNameLst>
+                                      </p:cBhvr>
+                                      <p:to>
+                                        <p:strVal val="visible"/>
+                                      </p:to>
+                                    </p:set>
+                                    <p:animEffect transition="in" filter="fade">
+                                      <p:cBhvr>
+                                        <p:cTn id="7" dur="700"/>
+                                        <p:tgtEl>
+                                          <p:spTgt spid="4"/>
+                                        </p:tgtEl>
+                                      </p:cBhvr>
+                                    </p:animEffect>
+                                  </p:childTnLst>
+                                </p:cTn>
+                              </p:par>
+                            </p:childTnLst>
+                          </p:cTn>
+                        </p:par>
+                      </p:childTnLst>
+                    </p:cTn>
+                  </p:par>
+                </p:childTnLst>
+              </p:cTn>
+              <p:prevCondLst>
+                <p:cond evt="onPrev" delay="0">
+                  <p:tgtEl>
+                    <p:sldTgt/>
+                  </p:tgtEl>
+                </p:cond>
+              </p:prevCondLst>
+              <p:nextCondLst>
+                <p:cond evt="onNext" delay="0">
+                  <p:tgtEl>
+                    <p:sldTgt/>
+                  </p:tgtEl>
+                </p:cond>
+              </p:nextCondLst>
+            </p:seq>
+          </p:childTnLst>
+        </p:cTn>
+      </p:par>
+    </p:tnLst>
+    <p:bldLst>
+      <p:bldP spid="4" grpId="0"/>
+    </p:bldLst>
+  </p:timing>
+</p:sld>
+</file>
+
+<file path=ppt/slides/slide32.xml><?xml version="1.0" encoding="utf-8"?>
+<p:sld xmlns:a="http://schemas.openxmlformats.org/drawingml/2006/main" xmlns:r="http://schemas.openxmlformats.org/officeDocument/2006/relationships" xmlns:p="http://schemas.openxmlformats.org/presentationml/2006/main">
+  <p:cSld>
+    <p:bg>
+      <p:bgPr>
+        <a:solidFill>
+          <a:schemeClr val="bg1"/>
+        </a:solidFill>
+        <a:effectLst/>
+      </p:bgPr>
+    </p:bg>
+    <p:spTree>
+      <p:nvGrpSpPr>
+        <p:cNvPr id="1" name=""/>
+        <p:cNvGrpSpPr/>
+        <p:nvPr/>
+      </p:nvGrpSpPr>
+      <p:grpSpPr>
+        <a:xfrm>
+          <a:off x="0" y="0"/>
+          <a:ext cx="0" cy="0"/>
+          <a:chOff x="0" y="0"/>
+          <a:chExt cx="0" cy="0"/>
+        </a:xfrm>
+      </p:grpSpPr>
+      <p:sp useBgFill="1">
+        <p:nvSpPr>
+          <p:cNvPr id="71" name="Rectangle 70">
+            <a:extLst>
+              <a:ext uri="{FF2B5EF4-FFF2-40B4-BE49-F238E27FC236}">
+                <a16:creationId xmlns:a16="http://schemas.microsoft.com/office/drawing/2014/main" id="{B712E947-0734-45F9-9C4F-41114EC3A33E}"/>
+              </a:ext>
+              <a:ext uri="{C183D7F6-B498-43B3-948B-1728B52AA6E4}">
+                <adec:decorative xmlns:adec="http://schemas.microsoft.com/office/drawing/2017/decorative" val="1"/>
+              </a:ext>
+            </a:extLst>
+          </p:cNvPr>
+          <p:cNvSpPr>
+            <a:spLocks noGrp="1" noRot="1" noChangeAspect="1" noMove="1" noResize="1" noEditPoints="1" noAdjustHandles="1" noChangeArrowheads="1" noChangeShapeType="1" noTextEdit="1"/>
+          </p:cNvSpPr>
+          <p:nvPr>
+            <p:extLst>
+              <p:ext uri="{386F3935-93C4-4BCD-93E2-E3B085C9AB24}">
+                <p16:designElem xmlns:p16="http://schemas.microsoft.com/office/powerpoint/2015/main" val="1"/>
+              </p:ext>
+            </p:extLst>
+          </p:nvPr>
+        </p:nvSpPr>
+        <p:spPr>
+          <a:xfrm>
+            <a:off x="0" y="0"/>
+            <a:ext cx="12192000" cy="6858000"/>
+          </a:xfrm>
+          <a:prstGeom prst="rect">
+            <a:avLst/>
+          </a:prstGeom>
+          <a:ln w="12700" cap="flat" cmpd="sng" algn="ctr">
+            <a:noFill/>
+            <a:prstDash val="solid"/>
+            <a:miter lim="800000"/>
+          </a:ln>
+          <a:effectLst/>
+          <a:extLst>
+            <a:ext uri="{91240B29-F687-4F45-9708-019B960494DF}">
+              <a14:hiddenLine xmlns:a14="http://schemas.microsoft.com/office/drawing/2010/main" w="12700" cap="flat" cmpd="sng" algn="ctr">
+                <a:solidFill>
+                  <a:schemeClr val="accent1">
+                    <a:shade val="50000"/>
+                  </a:schemeClr>
+                </a:solidFill>
+                <a:prstDash val="solid"/>
+                <a:miter lim="800000"/>
+              </a14:hiddenLine>
+            </a:ext>
+          </a:extLst>
+        </p:spPr>
+        <p:style>
+          <a:lnRef idx="2">
+            <a:schemeClr val="accent1">
+              <a:shade val="50000"/>
+            </a:schemeClr>
+          </a:lnRef>
+          <a:fillRef idx="1">
+            <a:schemeClr val="accent1"/>
+          </a:fillRef>
+          <a:effectRef idx="0">
+            <a:schemeClr val="accent1"/>
+          </a:effectRef>
+          <a:fontRef idx="minor">
+            <a:schemeClr val="lt1"/>
+          </a:fontRef>
+        </p:style>
+        <p:txBody>
+          <a:bodyPr rtlCol="0" anchor="ctr"/>
+          <a:lstStyle/>
+          <a:p>
+            <a:pPr algn="ctr"/>
+            <a:endParaRPr lang="en-US"/>
+          </a:p>
+        </p:txBody>
+      </p:sp>
+      <p:sp>
+        <p:nvSpPr>
+          <p:cNvPr id="2" name="Title 1">
+            <a:extLst>
+              <a:ext uri="{FF2B5EF4-FFF2-40B4-BE49-F238E27FC236}">
+                <a16:creationId xmlns:a16="http://schemas.microsoft.com/office/drawing/2014/main" id="{58F02AB5-9A8D-44C3-93AC-B62DB340A058}"/>
+              </a:ext>
+            </a:extLst>
+          </p:cNvPr>
+          <p:cNvSpPr>
+            <a:spLocks noGrp="1"/>
+          </p:cNvSpPr>
+          <p:nvPr>
+            <p:ph type="title"/>
+          </p:nvPr>
+        </p:nvSpPr>
+        <p:spPr>
+          <a:xfrm>
+            <a:off x="1136396" y="223023"/>
+            <a:ext cx="5814240" cy="828521"/>
+          </a:xfrm>
+        </p:spPr>
+        <p:txBody>
+          <a:bodyPr anchor="b">
+            <a:normAutofit/>
+          </a:bodyPr>
+          <a:lstStyle/>
+          <a:p>
+            <a:r>
+              <a:rPr lang="en-US" sz="4000" b="1" dirty="0" err="1"/>
+              <a:t>Método</a:t>
+            </a:r>
+            <a:endParaRPr lang="en-US" sz="4000" b="1" dirty="0"/>
+          </a:p>
+        </p:txBody>
+      </p:sp>
+      <p:sp>
+        <p:nvSpPr>
+          <p:cNvPr id="73" name="Rectangle 72">
+            <a:extLst>
+              <a:ext uri="{FF2B5EF4-FFF2-40B4-BE49-F238E27FC236}">
+                <a16:creationId xmlns:a16="http://schemas.microsoft.com/office/drawing/2014/main" id="{5A65989E-BBD5-44D7-AA86-7AFD5D46BBC0}"/>
+              </a:ext>
+              <a:ext uri="{C183D7F6-B498-43B3-948B-1728B52AA6E4}">
+                <adec:decorative xmlns:adec="http://schemas.microsoft.com/office/drawing/2017/decorative" val="1"/>
+              </a:ext>
+            </a:extLst>
+          </p:cNvPr>
+          <p:cNvSpPr>
+            <a:spLocks noGrp="1" noRot="1" noChangeAspect="1" noMove="1" noResize="1" noEditPoints="1" noAdjustHandles="1" noChangeArrowheads="1" noChangeShapeType="1" noTextEdit="1"/>
+          </p:cNvSpPr>
+          <p:nvPr>
+            <p:extLst>
+              <p:ext uri="{386F3935-93C4-4BCD-93E2-E3B085C9AB24}">
+                <p16:designElem xmlns:p16="http://schemas.microsoft.com/office/powerpoint/2015/main" val="1"/>
+              </p:ext>
+            </p:extLst>
+          </p:nvPr>
+        </p:nvSpPr>
+        <p:spPr>
+          <a:xfrm rot="10800000" flipH="1">
+            <a:off x="0" y="6400799"/>
+            <a:ext cx="12192000" cy="456773"/>
+          </a:xfrm>
+          <a:prstGeom prst="rect">
+            <a:avLst/>
+          </a:prstGeom>
+          <a:gradFill>
+            <a:gsLst>
+              <a:gs pos="0">
+                <a:schemeClr val="accent1"/>
+              </a:gs>
+              <a:gs pos="66000">
+                <a:srgbClr val="000000"/>
+              </a:gs>
+            </a:gsLst>
+            <a:lin ang="10200000" scaled="0"/>
+          </a:gradFill>
+          <a:ln>
+            <a:noFill/>
+          </a:ln>
+        </p:spPr>
+        <p:style>
+          <a:lnRef idx="2">
+            <a:schemeClr val="accent1">
+              <a:shade val="50000"/>
+            </a:schemeClr>
+          </a:lnRef>
+          <a:fillRef idx="1">
+            <a:schemeClr val="accent1"/>
+          </a:fillRef>
+          <a:effectRef idx="0">
+            <a:schemeClr val="accent1"/>
+          </a:effectRef>
+          <a:fontRef idx="minor">
+            <a:schemeClr val="lt1"/>
+          </a:fontRef>
+        </p:style>
+        <p:txBody>
+          <a:bodyPr rtlCol="0" anchor="ctr"/>
+          <a:lstStyle/>
+          <a:p>
+            <a:pPr algn="ctr"/>
+            <a:endParaRPr lang="en-US"/>
+          </a:p>
+        </p:txBody>
+      </p:sp>
+      <p:sp>
+        <p:nvSpPr>
+          <p:cNvPr id="75" name="Rectangle 74">
+            <a:extLst>
+              <a:ext uri="{FF2B5EF4-FFF2-40B4-BE49-F238E27FC236}">
+                <a16:creationId xmlns:a16="http://schemas.microsoft.com/office/drawing/2014/main" id="{231A2881-D8D7-4A7D-ACA3-E9F849F853D8}"/>
+              </a:ext>
+              <a:ext uri="{C183D7F6-B498-43B3-948B-1728B52AA6E4}">
+                <adec:decorative xmlns:adec="http://schemas.microsoft.com/office/drawing/2017/decorative" val="1"/>
+              </a:ext>
+            </a:extLst>
+          </p:cNvPr>
+          <p:cNvSpPr>
+            <a:spLocks noGrp="1" noRot="1" noChangeAspect="1" noMove="1" noResize="1" noEditPoints="1" noAdjustHandles="1" noChangeArrowheads="1" noChangeShapeType="1" noTextEdit="1"/>
+          </p:cNvSpPr>
+          <p:nvPr>
+            <p:extLst>
+              <p:ext uri="{386F3935-93C4-4BCD-93E2-E3B085C9AB24}">
+                <p16:designElem xmlns:p16="http://schemas.microsoft.com/office/powerpoint/2015/main" val="1"/>
+              </p:ext>
+            </p:extLst>
+          </p:nvPr>
+        </p:nvSpPr>
+        <p:spPr>
+          <a:xfrm flipH="1">
+            <a:off x="1" y="6400800"/>
+            <a:ext cx="8153398" cy="456772"/>
+          </a:xfrm>
+          <a:prstGeom prst="rect">
+            <a:avLst/>
+          </a:prstGeom>
+          <a:gradFill>
+            <a:gsLst>
+              <a:gs pos="0">
+                <a:srgbClr val="000000">
+                  <a:alpha val="63000"/>
+                </a:srgbClr>
+              </a:gs>
+              <a:gs pos="100000">
+                <a:schemeClr val="accent1">
+                  <a:lumMod val="75000"/>
+                </a:schemeClr>
+              </a:gs>
+            </a:gsLst>
+            <a:lin ang="17400000" scaled="0"/>
+          </a:gradFill>
+          <a:ln>
+            <a:noFill/>
+          </a:ln>
+        </p:spPr>
+        <p:style>
+          <a:lnRef idx="2">
+            <a:schemeClr val="accent1">
+              <a:shade val="50000"/>
+            </a:schemeClr>
+          </a:lnRef>
+          <a:fillRef idx="1">
+            <a:schemeClr val="accent1"/>
+          </a:fillRef>
+          <a:effectRef idx="0">
+            <a:schemeClr val="accent1"/>
+          </a:effectRef>
+          <a:fontRef idx="minor">
+            <a:schemeClr val="lt1"/>
+          </a:fontRef>
+        </p:style>
+        <p:txBody>
+          <a:bodyPr rtlCol="0" anchor="ctr"/>
+          <a:lstStyle/>
+          <a:p>
+            <a:pPr algn="ctr"/>
+            <a:endParaRPr lang="en-US"/>
+          </a:p>
+        </p:txBody>
+      </p:sp>
+      <p:sp>
+        <p:nvSpPr>
+          <p:cNvPr id="3" name="Content Placeholder 2">
+            <a:extLst>
+              <a:ext uri="{FF2B5EF4-FFF2-40B4-BE49-F238E27FC236}">
+                <a16:creationId xmlns:a16="http://schemas.microsoft.com/office/drawing/2014/main" id="{22046145-0CE3-4D0C-9688-D6AC8D33DC2B}"/>
+              </a:ext>
+            </a:extLst>
+          </p:cNvPr>
+          <p:cNvSpPr>
+            <a:spLocks noGrp="1"/>
+          </p:cNvSpPr>
+          <p:nvPr>
+            <p:ph idx="1"/>
+          </p:nvPr>
+        </p:nvSpPr>
+        <p:spPr>
+          <a:xfrm>
+            <a:off x="1136396" y="1314510"/>
+            <a:ext cx="9700937" cy="2320787"/>
+          </a:xfrm>
+        </p:spPr>
+        <p:txBody>
+          <a:bodyPr>
+            <a:normAutofit lnSpcReduction="10000"/>
+          </a:bodyPr>
+          <a:lstStyle/>
+          <a:p>
+            <a:pPr>
+              <a:lnSpc>
+                <a:spcPct val="150000"/>
+              </a:lnSpc>
+            </a:pPr>
+            <a:r>
+              <a:rPr lang="es-ES" sz="2000" dirty="0"/>
+              <a:t>Conjunto de instrucciones definidas dentro de una clase, que realizan una determinada tarea y a las que podemos invocar mediante un nombre.</a:t>
+            </a:r>
+          </a:p>
+          <a:p>
+            <a:endParaRPr lang="es-ES" sz="2000" dirty="0"/>
+          </a:p>
+          <a:p>
+            <a:r>
+              <a:rPr lang="es-ES" sz="2000" dirty="0"/>
+              <a:t>Ejemplos:</a:t>
+            </a:r>
+          </a:p>
+          <a:p>
+            <a:pPr lvl="1"/>
+            <a:r>
+              <a:rPr lang="es-CR" sz="1600" dirty="0" err="1"/>
+              <a:t>main</a:t>
+            </a:r>
+            <a:endParaRPr lang="es-CR" sz="1600" dirty="0"/>
+          </a:p>
+          <a:p>
+            <a:pPr lvl="1"/>
+            <a:r>
+              <a:rPr lang="es-CR" sz="1600" dirty="0" err="1"/>
+              <a:t>System.out.println</a:t>
+            </a:r>
+            <a:r>
+              <a:rPr lang="es-CR" sz="1600" dirty="0"/>
+              <a:t>()</a:t>
+            </a:r>
+          </a:p>
+        </p:txBody>
+      </p:sp>
+      <p:grpSp>
+        <p:nvGrpSpPr>
+          <p:cNvPr id="20" name="Group 19">
+            <a:extLst>
+              <a:ext uri="{FF2B5EF4-FFF2-40B4-BE49-F238E27FC236}">
+                <a16:creationId xmlns:a16="http://schemas.microsoft.com/office/drawing/2014/main" id="{60616045-AAD8-42C6-8C33-7F6B5B44D797}"/>
+              </a:ext>
+            </a:extLst>
+          </p:cNvPr>
+          <p:cNvGrpSpPr/>
+          <p:nvPr/>
+        </p:nvGrpSpPr>
+        <p:grpSpPr>
+          <a:xfrm>
+            <a:off x="1425911" y="4025590"/>
+            <a:ext cx="9340178" cy="738870"/>
+            <a:chOff x="1425911" y="3724507"/>
+            <a:chExt cx="9340178" cy="738870"/>
+          </a:xfrm>
+        </p:grpSpPr>
+        <p:sp>
+          <p:nvSpPr>
+            <p:cNvPr id="17" name="TextBox 16">
+              <a:extLst>
+                <a:ext uri="{FF2B5EF4-FFF2-40B4-BE49-F238E27FC236}">
+                  <a16:creationId xmlns:a16="http://schemas.microsoft.com/office/drawing/2014/main" id="{670C0A43-CCCE-4971-88A4-A45FC106CB91}"/>
+                </a:ext>
+              </a:extLst>
+            </p:cNvPr>
+            <p:cNvSpPr txBox="1"/>
+            <p:nvPr/>
+          </p:nvSpPr>
+          <p:spPr>
+            <a:xfrm>
+              <a:off x="1425911" y="3817046"/>
+              <a:ext cx="9340178" cy="646331"/>
+            </a:xfrm>
+            <a:prstGeom prst="rect">
+              <a:avLst/>
+            </a:prstGeom>
+            <a:noFill/>
+          </p:spPr>
+          <p:txBody>
+            <a:bodyPr wrap="square" rtlCol="0">
+              <a:spAutoFit/>
+            </a:bodyPr>
+            <a:lstStyle/>
+            <a:p>
+              <a:r>
+                <a:rPr lang="en-US" sz="1200" dirty="0">
+                  <a:latin typeface="Courier New" panose="02070309020205020404" pitchFamily="49" charset="0"/>
+                  <a:cs typeface="Courier New" panose="02070309020205020404" pitchFamily="49" charset="0"/>
+                </a:rPr>
+                <a:t>[</a:t>
+              </a:r>
+              <a:r>
+                <a:rPr lang="en-US" sz="1200" dirty="0" err="1">
+                  <a:latin typeface="Courier New" panose="02070309020205020404" pitchFamily="49" charset="0"/>
+                  <a:cs typeface="Courier New" panose="02070309020205020404" pitchFamily="49" charset="0"/>
+                </a:rPr>
+                <a:t>access_modifier</a:t>
+              </a:r>
+              <a:r>
+                <a:rPr lang="en-US" sz="1200" dirty="0">
+                  <a:latin typeface="Courier New" panose="02070309020205020404" pitchFamily="49" charset="0"/>
+                  <a:cs typeface="Courier New" panose="02070309020205020404" pitchFamily="49" charset="0"/>
+                </a:rPr>
+                <a:t>] [</a:t>
+              </a:r>
+              <a:r>
+                <a:rPr lang="en-US" sz="1200" dirty="0" err="1">
+                  <a:latin typeface="Courier New" panose="02070309020205020404" pitchFamily="49" charset="0"/>
+                  <a:cs typeface="Courier New" panose="02070309020205020404" pitchFamily="49" charset="0"/>
+                </a:rPr>
+                <a:t>access_non</a:t>
+              </a:r>
+              <a:r>
+                <a:rPr lang="en-US" sz="1200" dirty="0">
+                  <a:latin typeface="Courier New" panose="02070309020205020404" pitchFamily="49" charset="0"/>
+                  <a:cs typeface="Courier New" panose="02070309020205020404" pitchFamily="49" charset="0"/>
+                </a:rPr>
+                <a:t>-modifier] </a:t>
+              </a:r>
+              <a:r>
+                <a:rPr lang="en-US" sz="1200" dirty="0" err="1">
+                  <a:solidFill>
+                    <a:schemeClr val="accent1">
+                      <a:lumMod val="75000"/>
+                    </a:schemeClr>
+                  </a:solidFill>
+                  <a:latin typeface="Courier New" panose="02070309020205020404" pitchFamily="49" charset="0"/>
+                  <a:cs typeface="Courier New" panose="02070309020205020404" pitchFamily="49" charset="0"/>
+                </a:rPr>
+                <a:t>return_type</a:t>
+              </a:r>
+              <a:r>
+                <a:rPr lang="en-US" sz="1200" dirty="0">
+                  <a:solidFill>
+                    <a:schemeClr val="accent1">
+                      <a:lumMod val="75000"/>
+                    </a:schemeClr>
+                  </a:solidFill>
+                  <a:latin typeface="Courier New" panose="02070309020205020404" pitchFamily="49" charset="0"/>
+                  <a:cs typeface="Courier New" panose="02070309020205020404" pitchFamily="49" charset="0"/>
+                </a:rPr>
+                <a:t> </a:t>
+              </a:r>
+              <a:r>
+                <a:rPr lang="en-US" sz="1200" dirty="0" err="1">
+                  <a:solidFill>
+                    <a:schemeClr val="accent1">
+                      <a:lumMod val="75000"/>
+                    </a:schemeClr>
+                  </a:solidFill>
+                  <a:latin typeface="Courier New" panose="02070309020205020404" pitchFamily="49" charset="0"/>
+                  <a:cs typeface="Courier New" panose="02070309020205020404" pitchFamily="49" charset="0"/>
+                </a:rPr>
+                <a:t>method_name</a:t>
+              </a:r>
+              <a:r>
+                <a:rPr lang="en-US" sz="1200" dirty="0">
+                  <a:solidFill>
+                    <a:schemeClr val="accent1">
+                      <a:lumMod val="75000"/>
+                    </a:schemeClr>
+                  </a:solidFill>
+                  <a:latin typeface="Courier New" panose="02070309020205020404" pitchFamily="49" charset="0"/>
+                  <a:cs typeface="Courier New" panose="02070309020205020404" pitchFamily="49" charset="0"/>
+                </a:rPr>
+                <a:t> </a:t>
+              </a:r>
+              <a:r>
+                <a:rPr lang="en-US" sz="1200" dirty="0">
+                  <a:latin typeface="Courier New" panose="02070309020205020404" pitchFamily="49" charset="0"/>
+                  <a:cs typeface="Courier New" panose="02070309020205020404" pitchFamily="49" charset="0"/>
+                </a:rPr>
+                <a:t>(parameter, parameter … parameter){</a:t>
+              </a:r>
+            </a:p>
+            <a:p>
+              <a:pPr lvl="1"/>
+              <a:r>
+                <a:rPr lang="en-US" sz="1200" dirty="0">
+                  <a:latin typeface="Courier New" panose="02070309020205020404" pitchFamily="49" charset="0"/>
+                  <a:cs typeface="Courier New" panose="02070309020205020404" pitchFamily="49" charset="0"/>
+                </a:rPr>
+                <a:t>body</a:t>
+              </a:r>
+            </a:p>
+            <a:p>
+              <a:r>
+                <a:rPr lang="en-US" sz="1200" dirty="0">
+                  <a:latin typeface="Courier New" panose="02070309020205020404" pitchFamily="49" charset="0"/>
+                  <a:cs typeface="Courier New" panose="02070309020205020404" pitchFamily="49" charset="0"/>
+                </a:rPr>
+                <a:t>}</a:t>
+              </a:r>
+              <a:endParaRPr lang="es-CR" sz="1200" dirty="0">
+                <a:latin typeface="Courier New" panose="02070309020205020404" pitchFamily="49" charset="0"/>
+                <a:cs typeface="Courier New" panose="02070309020205020404" pitchFamily="49" charset="0"/>
+              </a:endParaRPr>
+            </a:p>
+          </p:txBody>
+        </p:sp>
+        <p:sp>
+          <p:nvSpPr>
+            <p:cNvPr id="19" name="Rectangle 18">
+              <a:extLst>
+                <a:ext uri="{FF2B5EF4-FFF2-40B4-BE49-F238E27FC236}">
+                  <a16:creationId xmlns:a16="http://schemas.microsoft.com/office/drawing/2014/main" id="{88D8534C-8982-4555-88C8-ED00ED1B6C62}"/>
+                </a:ext>
+              </a:extLst>
+            </p:cNvPr>
+            <p:cNvSpPr/>
+            <p:nvPr/>
+          </p:nvSpPr>
+          <p:spPr>
+            <a:xfrm>
+              <a:off x="6266985" y="3724507"/>
+              <a:ext cx="4204010" cy="412595"/>
+            </a:xfrm>
+            <a:prstGeom prst="rect">
+              <a:avLst/>
+            </a:prstGeom>
+            <a:noFill/>
+            <a:ln w="19050">
+              <a:solidFill>
+                <a:srgbClr val="D47B22"/>
+              </a:solidFill>
+            </a:ln>
+          </p:spPr>
+          <p:style>
+            <a:lnRef idx="2">
+              <a:schemeClr val="accent1">
+                <a:shade val="50000"/>
+              </a:schemeClr>
+            </a:lnRef>
+            <a:fillRef idx="1">
+              <a:schemeClr val="accent1"/>
+            </a:fillRef>
+            <a:effectRef idx="0">
+              <a:schemeClr val="accent1"/>
+            </a:effectRef>
+            <a:fontRef idx="minor">
+              <a:schemeClr val="lt1"/>
+            </a:fontRef>
+          </p:style>
+          <p:txBody>
+            <a:bodyPr rtlCol="0" anchor="ctr"/>
+            <a:lstStyle/>
+            <a:p>
+              <a:pPr algn="ctr"/>
+              <a:endParaRPr lang="es-CR"/>
+            </a:p>
+          </p:txBody>
+        </p:sp>
+      </p:grpSp>
+    </p:spTree>
+    <p:extLst>
+      <p:ext uri="{BB962C8B-B14F-4D97-AF65-F5344CB8AC3E}">
+        <p14:creationId xmlns:p14="http://schemas.microsoft.com/office/powerpoint/2010/main" val="332150709"/>
+      </p:ext>
+    </p:extLst>
+  </p:cSld>
+  <p:clrMapOvr>
+    <a:masterClrMapping/>
+  </p:clrMapOvr>
+</p:sld>
+</file>
+
+<file path=ppt/slides/slide33.xml><?xml version="1.0" encoding="utf-8"?>
+<p:sld xmlns:a="http://schemas.openxmlformats.org/drawingml/2006/main" xmlns:r="http://schemas.openxmlformats.org/officeDocument/2006/relationships" xmlns:p="http://schemas.openxmlformats.org/presentationml/2006/main">
+  <p:cSld>
+    <p:bg>
+      <p:bgPr>
+        <a:solidFill>
+          <a:schemeClr val="bg1"/>
+        </a:solidFill>
+        <a:effectLst/>
+      </p:bgPr>
+    </p:bg>
+    <p:spTree>
+      <p:nvGrpSpPr>
+        <p:cNvPr id="1" name=""/>
+        <p:cNvGrpSpPr/>
+        <p:nvPr/>
+      </p:nvGrpSpPr>
+      <p:grpSpPr>
+        <a:xfrm>
+          <a:off x="0" y="0"/>
+          <a:ext cx="0" cy="0"/>
+          <a:chOff x="0" y="0"/>
+          <a:chExt cx="0" cy="0"/>
+        </a:xfrm>
+      </p:grpSpPr>
+      <p:sp useBgFill="1">
+        <p:nvSpPr>
+          <p:cNvPr id="71" name="Rectangle 70">
+            <a:extLst>
+              <a:ext uri="{FF2B5EF4-FFF2-40B4-BE49-F238E27FC236}">
+                <a16:creationId xmlns:a16="http://schemas.microsoft.com/office/drawing/2014/main" id="{B712E947-0734-45F9-9C4F-41114EC3A33E}"/>
+              </a:ext>
+              <a:ext uri="{C183D7F6-B498-43B3-948B-1728B52AA6E4}">
+                <adec:decorative xmlns:adec="http://schemas.microsoft.com/office/drawing/2017/decorative" val="1"/>
+              </a:ext>
+            </a:extLst>
+          </p:cNvPr>
+          <p:cNvSpPr>
+            <a:spLocks noGrp="1" noRot="1" noChangeAspect="1" noMove="1" noResize="1" noEditPoints="1" noAdjustHandles="1" noChangeArrowheads="1" noChangeShapeType="1" noTextEdit="1"/>
+          </p:cNvSpPr>
+          <p:nvPr>
+            <p:extLst>
+              <p:ext uri="{386F3935-93C4-4BCD-93E2-E3B085C9AB24}">
+                <p16:designElem xmlns:p16="http://schemas.microsoft.com/office/powerpoint/2015/main" val="1"/>
+              </p:ext>
+            </p:extLst>
+          </p:nvPr>
+        </p:nvSpPr>
+        <p:spPr>
+          <a:xfrm>
+            <a:off x="0" y="0"/>
+            <a:ext cx="12192000" cy="6858000"/>
+          </a:xfrm>
+          <a:prstGeom prst="rect">
+            <a:avLst/>
+          </a:prstGeom>
+          <a:ln w="12700" cap="flat" cmpd="sng" algn="ctr">
+            <a:noFill/>
+            <a:prstDash val="solid"/>
+            <a:miter lim="800000"/>
+          </a:ln>
+          <a:effectLst/>
+          <a:extLst>
+            <a:ext uri="{91240B29-F687-4F45-9708-019B960494DF}">
+              <a14:hiddenLine xmlns:a14="http://schemas.microsoft.com/office/drawing/2010/main" w="12700" cap="flat" cmpd="sng" algn="ctr">
+                <a:solidFill>
+                  <a:schemeClr val="accent1">
+                    <a:shade val="50000"/>
+                  </a:schemeClr>
+                </a:solidFill>
+                <a:prstDash val="solid"/>
+                <a:miter lim="800000"/>
+              </a14:hiddenLine>
+            </a:ext>
+          </a:extLst>
+        </p:spPr>
+        <p:style>
+          <a:lnRef idx="2">
+            <a:schemeClr val="accent1">
+              <a:shade val="50000"/>
+            </a:schemeClr>
+          </a:lnRef>
+          <a:fillRef idx="1">
+            <a:schemeClr val="accent1"/>
+          </a:fillRef>
+          <a:effectRef idx="0">
+            <a:schemeClr val="accent1"/>
+          </a:effectRef>
+          <a:fontRef idx="minor">
+            <a:schemeClr val="lt1"/>
+          </a:fontRef>
+        </p:style>
+        <p:txBody>
+          <a:bodyPr rtlCol="0" anchor="ctr"/>
+          <a:lstStyle/>
+          <a:p>
+            <a:pPr algn="ctr"/>
+            <a:endParaRPr lang="en-US"/>
+          </a:p>
+        </p:txBody>
+      </p:sp>
+      <p:sp>
+        <p:nvSpPr>
+          <p:cNvPr id="2" name="Title 1">
+            <a:extLst>
+              <a:ext uri="{FF2B5EF4-FFF2-40B4-BE49-F238E27FC236}">
+                <a16:creationId xmlns:a16="http://schemas.microsoft.com/office/drawing/2014/main" id="{58F02AB5-9A8D-44C3-93AC-B62DB340A058}"/>
+              </a:ext>
+            </a:extLst>
+          </p:cNvPr>
+          <p:cNvSpPr>
+            <a:spLocks noGrp="1"/>
+          </p:cNvSpPr>
+          <p:nvPr>
+            <p:ph type="title"/>
+          </p:nvPr>
+        </p:nvSpPr>
+        <p:spPr>
+          <a:xfrm>
+            <a:off x="1136396" y="223023"/>
+            <a:ext cx="5814240" cy="828521"/>
+          </a:xfrm>
+        </p:spPr>
+        <p:txBody>
+          <a:bodyPr anchor="b">
+            <a:normAutofit/>
+          </a:bodyPr>
+          <a:lstStyle/>
+          <a:p>
+            <a:r>
+              <a:rPr lang="en-US" sz="4000" b="1" dirty="0" err="1"/>
+              <a:t>Alcance</a:t>
+            </a:r>
+            <a:r>
+              <a:rPr lang="en-US" sz="4000" b="1" dirty="0"/>
+              <a:t> de Variables</a:t>
+            </a:r>
+          </a:p>
+        </p:txBody>
+      </p:sp>
+      <p:sp>
+        <p:nvSpPr>
+          <p:cNvPr id="73" name="Rectangle 72">
+            <a:extLst>
+              <a:ext uri="{FF2B5EF4-FFF2-40B4-BE49-F238E27FC236}">
+                <a16:creationId xmlns:a16="http://schemas.microsoft.com/office/drawing/2014/main" id="{5A65989E-BBD5-44D7-AA86-7AFD5D46BBC0}"/>
+              </a:ext>
+              <a:ext uri="{C183D7F6-B498-43B3-948B-1728B52AA6E4}">
+                <adec:decorative xmlns:adec="http://schemas.microsoft.com/office/drawing/2017/decorative" val="1"/>
+              </a:ext>
+            </a:extLst>
+          </p:cNvPr>
+          <p:cNvSpPr>
+            <a:spLocks noGrp="1" noRot="1" noChangeAspect="1" noMove="1" noResize="1" noEditPoints="1" noAdjustHandles="1" noChangeArrowheads="1" noChangeShapeType="1" noTextEdit="1"/>
+          </p:cNvSpPr>
+          <p:nvPr>
+            <p:extLst>
+              <p:ext uri="{386F3935-93C4-4BCD-93E2-E3B085C9AB24}">
+                <p16:designElem xmlns:p16="http://schemas.microsoft.com/office/powerpoint/2015/main" val="1"/>
+              </p:ext>
+            </p:extLst>
+          </p:nvPr>
+        </p:nvSpPr>
+        <p:spPr>
+          <a:xfrm rot="10800000" flipH="1">
+            <a:off x="0" y="6400799"/>
+            <a:ext cx="12192000" cy="456773"/>
+          </a:xfrm>
+          <a:prstGeom prst="rect">
+            <a:avLst/>
+          </a:prstGeom>
+          <a:gradFill>
+            <a:gsLst>
+              <a:gs pos="0">
+                <a:schemeClr val="accent1"/>
+              </a:gs>
+              <a:gs pos="66000">
+                <a:srgbClr val="000000"/>
+              </a:gs>
+            </a:gsLst>
+            <a:lin ang="10200000" scaled="0"/>
+          </a:gradFill>
+          <a:ln>
+            <a:noFill/>
+          </a:ln>
+        </p:spPr>
+        <p:style>
+          <a:lnRef idx="2">
+            <a:schemeClr val="accent1">
+              <a:shade val="50000"/>
+            </a:schemeClr>
+          </a:lnRef>
+          <a:fillRef idx="1">
+            <a:schemeClr val="accent1"/>
+          </a:fillRef>
+          <a:effectRef idx="0">
+            <a:schemeClr val="accent1"/>
+          </a:effectRef>
+          <a:fontRef idx="minor">
+            <a:schemeClr val="lt1"/>
+          </a:fontRef>
+        </p:style>
+        <p:txBody>
+          <a:bodyPr rtlCol="0" anchor="ctr"/>
+          <a:lstStyle/>
+          <a:p>
+            <a:pPr algn="ctr"/>
+            <a:endParaRPr lang="en-US"/>
+          </a:p>
+        </p:txBody>
+      </p:sp>
+      <p:sp>
+        <p:nvSpPr>
+          <p:cNvPr id="75" name="Rectangle 74">
+            <a:extLst>
+              <a:ext uri="{FF2B5EF4-FFF2-40B4-BE49-F238E27FC236}">
+                <a16:creationId xmlns:a16="http://schemas.microsoft.com/office/drawing/2014/main" id="{231A2881-D8D7-4A7D-ACA3-E9F849F853D8}"/>
+              </a:ext>
+              <a:ext uri="{C183D7F6-B498-43B3-948B-1728B52AA6E4}">
+                <adec:decorative xmlns:adec="http://schemas.microsoft.com/office/drawing/2017/decorative" val="1"/>
+              </a:ext>
+            </a:extLst>
+          </p:cNvPr>
+          <p:cNvSpPr>
+            <a:spLocks noGrp="1" noRot="1" noChangeAspect="1" noMove="1" noResize="1" noEditPoints="1" noAdjustHandles="1" noChangeArrowheads="1" noChangeShapeType="1" noTextEdit="1"/>
+          </p:cNvSpPr>
+          <p:nvPr>
+            <p:extLst>
+              <p:ext uri="{386F3935-93C4-4BCD-93E2-E3B085C9AB24}">
+                <p16:designElem xmlns:p16="http://schemas.microsoft.com/office/powerpoint/2015/main" val="1"/>
+              </p:ext>
+            </p:extLst>
+          </p:nvPr>
+        </p:nvSpPr>
+        <p:spPr>
+          <a:xfrm flipH="1">
+            <a:off x="1" y="6400800"/>
+            <a:ext cx="8153398" cy="456772"/>
+          </a:xfrm>
+          <a:prstGeom prst="rect">
+            <a:avLst/>
+          </a:prstGeom>
+          <a:gradFill>
+            <a:gsLst>
+              <a:gs pos="0">
+                <a:srgbClr val="000000">
+                  <a:alpha val="63000"/>
+                </a:srgbClr>
+              </a:gs>
+              <a:gs pos="100000">
+                <a:schemeClr val="accent1">
+                  <a:lumMod val="75000"/>
+                </a:schemeClr>
+              </a:gs>
+            </a:gsLst>
+            <a:lin ang="17400000" scaled="0"/>
+          </a:gradFill>
+          <a:ln>
+            <a:noFill/>
+          </a:ln>
+        </p:spPr>
+        <p:style>
+          <a:lnRef idx="2">
+            <a:schemeClr val="accent1">
+              <a:shade val="50000"/>
+            </a:schemeClr>
+          </a:lnRef>
+          <a:fillRef idx="1">
+            <a:schemeClr val="accent1"/>
+          </a:fillRef>
+          <a:effectRef idx="0">
+            <a:schemeClr val="accent1"/>
+          </a:effectRef>
+          <a:fontRef idx="minor">
+            <a:schemeClr val="lt1"/>
+          </a:fontRef>
+        </p:style>
+        <p:txBody>
+          <a:bodyPr rtlCol="0" anchor="ctr"/>
+          <a:lstStyle/>
+          <a:p>
+            <a:pPr algn="ctr"/>
+            <a:endParaRPr lang="en-US"/>
+          </a:p>
+        </p:txBody>
+      </p:sp>
+      <p:sp>
+        <p:nvSpPr>
+          <p:cNvPr id="3" name="Content Placeholder 2">
+            <a:extLst>
+              <a:ext uri="{FF2B5EF4-FFF2-40B4-BE49-F238E27FC236}">
+                <a16:creationId xmlns:a16="http://schemas.microsoft.com/office/drawing/2014/main" id="{22046145-0CE3-4D0C-9688-D6AC8D33DC2B}"/>
+              </a:ext>
+            </a:extLst>
+          </p:cNvPr>
+          <p:cNvSpPr>
+            <a:spLocks noGrp="1"/>
+          </p:cNvSpPr>
+          <p:nvPr>
+            <p:ph idx="1"/>
+          </p:nvPr>
+        </p:nvSpPr>
+        <p:spPr>
+          <a:xfrm>
+            <a:off x="1136396" y="1314511"/>
+            <a:ext cx="9700937" cy="1698198"/>
+          </a:xfrm>
+        </p:spPr>
+        <p:txBody>
+          <a:bodyPr>
+            <a:normAutofit/>
+          </a:bodyPr>
+          <a:lstStyle/>
+          <a:p>
+            <a:r>
+              <a:rPr lang="en-US" sz="2000" dirty="0"/>
+              <a:t>Una variable solo </a:t>
+            </a:r>
+            <a:r>
+              <a:rPr lang="en-US" sz="2000" dirty="0" err="1"/>
+              <a:t>está</a:t>
+            </a:r>
+            <a:r>
+              <a:rPr lang="en-US" sz="2000" dirty="0"/>
+              <a:t> disponible dentro de las </a:t>
+            </a:r>
+            <a:r>
+              <a:rPr lang="en-US" sz="2000" dirty="0" err="1"/>
+              <a:t>llaves</a:t>
+            </a:r>
+            <a:r>
+              <a:rPr lang="en-US" sz="2000" dirty="0"/>
+              <a:t> {} </a:t>
+            </a:r>
+            <a:r>
+              <a:rPr lang="en-US" sz="2000" dirty="0" err="1"/>
+              <a:t>donde</a:t>
+            </a:r>
+            <a:r>
+              <a:rPr lang="en-US" sz="2000" dirty="0"/>
+              <a:t> </a:t>
+            </a:r>
+            <a:r>
+              <a:rPr lang="en-US" sz="2000" dirty="0" err="1"/>
+              <a:t>fue</a:t>
+            </a:r>
+            <a:r>
+              <a:rPr lang="en-US" sz="2000" dirty="0"/>
+              <a:t> </a:t>
+            </a:r>
+            <a:r>
+              <a:rPr lang="en-US" sz="2000" dirty="0" err="1"/>
+              <a:t>definida</a:t>
+            </a:r>
+            <a:endParaRPr lang="en-US" sz="2000" dirty="0"/>
+          </a:p>
+          <a:p>
+            <a:endParaRPr lang="en-US" sz="2000" dirty="0"/>
+          </a:p>
+          <a:p>
+            <a:r>
+              <a:rPr lang="es-ES" sz="2000" dirty="0"/>
+              <a:t>Variables globales</a:t>
+            </a:r>
+          </a:p>
+          <a:p>
+            <a:r>
+              <a:rPr lang="es-ES" sz="2000" dirty="0"/>
+              <a:t>Variables locales</a:t>
+            </a:r>
+          </a:p>
+          <a:p>
+            <a:endParaRPr lang="es-CR" sz="2000" dirty="0"/>
+          </a:p>
+        </p:txBody>
+      </p:sp>
+      <p:graphicFrame>
+        <p:nvGraphicFramePr>
+          <p:cNvPr id="5" name="Diagram 4">
+            <a:extLst>
+              <a:ext uri="{FF2B5EF4-FFF2-40B4-BE49-F238E27FC236}">
+                <a16:creationId xmlns:a16="http://schemas.microsoft.com/office/drawing/2014/main" id="{3550A878-4CEB-424C-BCE1-08E11DD14265}"/>
+              </a:ext>
+            </a:extLst>
+          </p:cNvPr>
+          <p:cNvGraphicFramePr/>
+          <p:nvPr>
+            <p:extLst>
+              <p:ext uri="{D42A27DB-BD31-4B8C-83A1-F6EECF244321}">
+                <p14:modId xmlns:p14="http://schemas.microsoft.com/office/powerpoint/2010/main" val="2211974233"/>
+              </p:ext>
+            </p:extLst>
+          </p:nvPr>
+        </p:nvGraphicFramePr>
+        <p:xfrm>
+          <a:off x="3021878" y="3012709"/>
+          <a:ext cx="5929971" cy="3160958"/>
+        </p:xfrm>
+        <a:graphic>
+          <a:graphicData uri="http://schemas.openxmlformats.org/drawingml/2006/diagram">
+            <dgm:relIds xmlns:dgm="http://schemas.openxmlformats.org/drawingml/2006/diagram" xmlns:r="http://schemas.openxmlformats.org/officeDocument/2006/relationships" r:dm="rId3" r:lo="rId4" r:qs="rId5" r:cs="rId6"/>
+          </a:graphicData>
+        </a:graphic>
+      </p:graphicFrame>
+    </p:spTree>
+    <p:extLst>
+      <p:ext uri="{BB962C8B-B14F-4D97-AF65-F5344CB8AC3E}">
+        <p14:creationId xmlns:p14="http://schemas.microsoft.com/office/powerpoint/2010/main" val="2269377214"/>
+      </p:ext>
+    </p:extLst>
+  </p:cSld>
+  <p:clrMapOvr>
+    <a:masterClrMapping/>
+  </p:clrMapOvr>
+</p:sld>
+</file>
+
+<file path=ppt/slides/slide34.xml><?xml version="1.0" encoding="utf-8"?>
+<p:sld xmlns:a="http://schemas.openxmlformats.org/drawingml/2006/main" xmlns:r="http://schemas.openxmlformats.org/officeDocument/2006/relationships" xmlns:p="http://schemas.openxmlformats.org/presentationml/2006/main">
+  <p:cSld>
+    <p:bg>
+      <p:bgPr>
+        <a:solidFill>
+          <a:schemeClr val="bg1"/>
+        </a:solidFill>
+        <a:effectLst/>
+      </p:bgPr>
+    </p:bg>
+    <p:spTree>
+      <p:nvGrpSpPr>
+        <p:cNvPr id="1" name=""/>
+        <p:cNvGrpSpPr/>
+        <p:nvPr/>
+      </p:nvGrpSpPr>
+      <p:grpSpPr>
+        <a:xfrm>
+          <a:off x="0" y="0"/>
+          <a:ext cx="0" cy="0"/>
+          <a:chOff x="0" y="0"/>
+          <a:chExt cx="0" cy="0"/>
+        </a:xfrm>
+      </p:grpSpPr>
+      <p:sp useBgFill="1">
+        <p:nvSpPr>
+          <p:cNvPr id="71" name="Rectangle 70">
+            <a:extLst>
+              <a:ext uri="{FF2B5EF4-FFF2-40B4-BE49-F238E27FC236}">
+                <a16:creationId xmlns:a16="http://schemas.microsoft.com/office/drawing/2014/main" id="{F0A604E4-7307-451C-93BE-F1F7E1BF3BF8}"/>
+              </a:ext>
+              <a:ext uri="{C183D7F6-B498-43B3-948B-1728B52AA6E4}">
+                <adec:decorative xmlns:adec="http://schemas.microsoft.com/office/drawing/2017/decorative" val="1"/>
+              </a:ext>
+            </a:extLst>
+          </p:cNvPr>
+          <p:cNvSpPr>
+            <a:spLocks noGrp="1" noRot="1" noChangeAspect="1" noMove="1" noResize="1" noEditPoints="1" noAdjustHandles="1" noChangeArrowheads="1" noChangeShapeType="1" noTextEdit="1"/>
+          </p:cNvSpPr>
+          <p:nvPr>
+            <p:extLst>
+              <p:ext uri="{386F3935-93C4-4BCD-93E2-E3B085C9AB24}">
+                <p16:designElem xmlns:p16="http://schemas.microsoft.com/office/powerpoint/2015/main" val="1"/>
+              </p:ext>
+            </p:extLst>
+          </p:nvPr>
+        </p:nvSpPr>
+        <p:spPr>
+          <a:xfrm>
+            <a:off x="-2" y="0"/>
+            <a:ext cx="12192004" cy="6858000"/>
+          </a:xfrm>
+          <a:prstGeom prst="rect">
+            <a:avLst/>
+          </a:prstGeom>
+          <a:ln>
+            <a:noFill/>
+          </a:ln>
+        </p:spPr>
+        <p:style>
+          <a:lnRef idx="2">
+            <a:schemeClr val="accent1">
+              <a:shade val="50000"/>
+            </a:schemeClr>
+          </a:lnRef>
+          <a:fillRef idx="1">
+            <a:schemeClr val="accent1"/>
+          </a:fillRef>
+          <a:effectRef idx="0">
+            <a:schemeClr val="accent1"/>
+          </a:effectRef>
+          <a:fontRef idx="minor">
+            <a:schemeClr val="lt1"/>
+          </a:fontRef>
+        </p:style>
+        <p:txBody>
+          <a:bodyPr rtlCol="0" anchor="ctr"/>
+          <a:lstStyle/>
+          <a:p>
+            <a:pPr algn="ctr"/>
+            <a:endParaRPr lang="en-US"/>
+          </a:p>
+        </p:txBody>
+      </p:sp>
+      <p:sp>
+        <p:nvSpPr>
+          <p:cNvPr id="73" name="Rectangle 72">
+            <a:extLst>
+              <a:ext uri="{FF2B5EF4-FFF2-40B4-BE49-F238E27FC236}">
+                <a16:creationId xmlns:a16="http://schemas.microsoft.com/office/drawing/2014/main" id="{F7F3A0AA-35E5-4085-942B-737839030604}"/>
+              </a:ext>
+              <a:ext uri="{C183D7F6-B498-43B3-948B-1728B52AA6E4}">
+                <adec:decorative xmlns:adec="http://schemas.microsoft.com/office/drawing/2017/decorative" val="1"/>
+              </a:ext>
+            </a:extLst>
+          </p:cNvPr>
+          <p:cNvSpPr>
+            <a:spLocks noGrp="1" noRot="1" noChangeAspect="1" noMove="1" noResize="1" noEditPoints="1" noAdjustHandles="1" noChangeArrowheads="1" noChangeShapeType="1" noTextEdit="1"/>
+          </p:cNvSpPr>
+          <p:nvPr>
+            <p:extLst>
+              <p:ext uri="{386F3935-93C4-4BCD-93E2-E3B085C9AB24}">
+                <p16:designElem xmlns:p16="http://schemas.microsoft.com/office/powerpoint/2015/main" val="1"/>
+              </p:ext>
+            </p:extLst>
+          </p:nvPr>
+        </p:nvSpPr>
+        <p:spPr>
+          <a:xfrm flipH="1">
+            <a:off x="-1" y="5282344"/>
+            <a:ext cx="12191998" cy="1590742"/>
+          </a:xfrm>
+          <a:prstGeom prst="rect">
+            <a:avLst/>
+          </a:prstGeom>
+          <a:gradFill>
+            <a:gsLst>
+              <a:gs pos="34000">
+                <a:srgbClr val="000000">
+                  <a:alpha val="96000"/>
+                </a:srgbClr>
+              </a:gs>
+              <a:gs pos="100000">
+                <a:schemeClr val="accent1"/>
+              </a:gs>
+            </a:gsLst>
+            <a:lin ang="8400000" scaled="0"/>
+          </a:gradFill>
+          <a:ln>
+            <a:noFill/>
+          </a:ln>
+        </p:spPr>
+        <p:style>
+          <a:lnRef idx="2">
+            <a:schemeClr val="accent1">
+              <a:shade val="50000"/>
+            </a:schemeClr>
+          </a:lnRef>
+          <a:fillRef idx="1">
+            <a:schemeClr val="accent1"/>
+          </a:fillRef>
+          <a:effectRef idx="0">
+            <a:schemeClr val="accent1"/>
+          </a:effectRef>
+          <a:fontRef idx="minor">
+            <a:schemeClr val="lt1"/>
+          </a:fontRef>
+        </p:style>
+        <p:txBody>
+          <a:bodyPr rtlCol="0" anchor="ctr"/>
+          <a:lstStyle/>
+          <a:p>
+            <a:pPr algn="ctr"/>
+            <a:endParaRPr lang="en-US"/>
+          </a:p>
+        </p:txBody>
+      </p:sp>
+      <p:sp>
+        <p:nvSpPr>
+          <p:cNvPr id="75" name="Rectangle 74">
+            <a:extLst>
+              <a:ext uri="{FF2B5EF4-FFF2-40B4-BE49-F238E27FC236}">
+                <a16:creationId xmlns:a16="http://schemas.microsoft.com/office/drawing/2014/main" id="{402F5C38-C747-4173-ABBF-656E39E82130}"/>
+              </a:ext>
+              <a:ext uri="{C183D7F6-B498-43B3-948B-1728B52AA6E4}">
+                <adec:decorative xmlns:adec="http://schemas.microsoft.com/office/drawing/2017/decorative" val="1"/>
+              </a:ext>
+            </a:extLst>
+          </p:cNvPr>
+          <p:cNvSpPr>
+            <a:spLocks noGrp="1" noRot="1" noChangeAspect="1" noMove="1" noResize="1" noEditPoints="1" noAdjustHandles="1" noChangeArrowheads="1" noChangeShapeType="1" noTextEdit="1"/>
+          </p:cNvSpPr>
+          <p:nvPr>
+            <p:extLst>
+              <p:ext uri="{386F3935-93C4-4BCD-93E2-E3B085C9AB24}">
+                <p16:designElem xmlns:p16="http://schemas.microsoft.com/office/powerpoint/2015/main" val="1"/>
+              </p:ext>
+            </p:extLst>
+          </p:nvPr>
+        </p:nvSpPr>
+        <p:spPr>
+          <a:xfrm flipH="1">
+            <a:off x="-4" y="5282344"/>
+            <a:ext cx="8115300" cy="1590742"/>
+          </a:xfrm>
+          <a:prstGeom prst="rect">
+            <a:avLst/>
+          </a:prstGeom>
+          <a:gradFill>
+            <a:gsLst>
+              <a:gs pos="28000">
+                <a:schemeClr val="accent1">
+                  <a:lumMod val="75000"/>
+                  <a:alpha val="59000"/>
+                </a:schemeClr>
+              </a:gs>
+              <a:gs pos="100000">
+                <a:srgbClr val="000000">
+                  <a:alpha val="70000"/>
+                </a:srgbClr>
+              </a:gs>
+            </a:gsLst>
+            <a:lin ang="11400000" scaled="0"/>
+          </a:gradFill>
+          <a:ln>
+            <a:noFill/>
+          </a:ln>
+        </p:spPr>
+        <p:style>
+          <a:lnRef idx="2">
+            <a:schemeClr val="accent1">
+              <a:shade val="50000"/>
+            </a:schemeClr>
+          </a:lnRef>
+          <a:fillRef idx="1">
+            <a:schemeClr val="accent1"/>
+          </a:fillRef>
+          <a:effectRef idx="0">
+            <a:schemeClr val="accent1"/>
+          </a:effectRef>
+          <a:fontRef idx="minor">
+            <a:schemeClr val="lt1"/>
+          </a:fontRef>
+        </p:style>
+        <p:txBody>
+          <a:bodyPr rtlCol="0" anchor="ctr"/>
+          <a:lstStyle/>
+          <a:p>
+            <a:pPr algn="ctr"/>
+            <a:endParaRPr lang="en-US"/>
+          </a:p>
+        </p:txBody>
+      </p:sp>
+      <p:sp>
+        <p:nvSpPr>
+          <p:cNvPr id="77" name="Rectangle 76">
+            <a:extLst>
+              <a:ext uri="{FF2B5EF4-FFF2-40B4-BE49-F238E27FC236}">
+                <a16:creationId xmlns:a16="http://schemas.microsoft.com/office/drawing/2014/main" id="{E37EECFC-A684-4391-AE85-4CDAF5565F61}"/>
+              </a:ext>
+              <a:ext uri="{C183D7F6-B498-43B3-948B-1728B52AA6E4}">
+                <adec:decorative xmlns:adec="http://schemas.microsoft.com/office/drawing/2017/decorative" val="1"/>
+              </a:ext>
+            </a:extLst>
+          </p:cNvPr>
+          <p:cNvSpPr>
+            <a:spLocks noGrp="1" noRot="1" noChangeAspect="1" noMove="1" noResize="1" noEditPoints="1" noAdjustHandles="1" noChangeArrowheads="1" noChangeShapeType="1" noTextEdit="1"/>
+          </p:cNvSpPr>
+          <p:nvPr>
+            <p:extLst>
+              <p:ext uri="{386F3935-93C4-4BCD-93E2-E3B085C9AB24}">
+                <p16:designElem xmlns:p16="http://schemas.microsoft.com/office/powerpoint/2015/main" val="1"/>
+              </p:ext>
+            </p:extLst>
+          </p:nvPr>
+        </p:nvSpPr>
+        <p:spPr>
+          <a:xfrm flipH="1">
+            <a:off x="-4" y="5282344"/>
+            <a:ext cx="12191998" cy="1590742"/>
+          </a:xfrm>
+          <a:prstGeom prst="rect">
+            <a:avLst/>
+          </a:prstGeom>
+          <a:gradFill>
+            <a:gsLst>
+              <a:gs pos="0">
+                <a:srgbClr val="000000">
+                  <a:alpha val="71765"/>
+                </a:srgbClr>
+              </a:gs>
+              <a:gs pos="100000">
+                <a:schemeClr val="accent1">
+                  <a:alpha val="0"/>
+                </a:schemeClr>
+              </a:gs>
+            </a:gsLst>
+            <a:lin ang="15600000" scaled="0"/>
+          </a:gradFill>
+          <a:ln>
+            <a:noFill/>
+          </a:ln>
+        </p:spPr>
+        <p:style>
+          <a:lnRef idx="2">
+            <a:schemeClr val="accent1">
+              <a:shade val="50000"/>
+            </a:schemeClr>
+          </a:lnRef>
+          <a:fillRef idx="1">
+            <a:schemeClr val="accent1"/>
+          </a:fillRef>
+          <a:effectRef idx="0">
+            <a:schemeClr val="accent1"/>
+          </a:effectRef>
+          <a:fontRef idx="minor">
+            <a:schemeClr val="lt1"/>
+          </a:fontRef>
+        </p:style>
+        <p:txBody>
+          <a:bodyPr rtlCol="0" anchor="ctr"/>
+          <a:lstStyle/>
+          <a:p>
+            <a:pPr algn="ctr"/>
+            <a:endParaRPr lang="en-US"/>
+          </a:p>
+        </p:txBody>
+      </p:sp>
+      <p:sp>
+        <p:nvSpPr>
+          <p:cNvPr id="2" name="Title 1">
+            <a:extLst>
+              <a:ext uri="{FF2B5EF4-FFF2-40B4-BE49-F238E27FC236}">
+                <a16:creationId xmlns:a16="http://schemas.microsoft.com/office/drawing/2014/main" id="{151756C3-B16B-4C19-BA96-EB4E973ECB16}"/>
+              </a:ext>
+            </a:extLst>
+          </p:cNvPr>
+          <p:cNvSpPr>
+            <a:spLocks noGrp="1"/>
+          </p:cNvSpPr>
+          <p:nvPr>
+            <p:ph type="title"/>
+          </p:nvPr>
+        </p:nvSpPr>
+        <p:spPr>
+          <a:xfrm>
+            <a:off x="699714" y="5490971"/>
+            <a:ext cx="6962072" cy="1159200"/>
+          </a:xfrm>
+        </p:spPr>
+        <p:txBody>
+          <a:bodyPr vert="horz" lIns="91440" tIns="45720" rIns="91440" bIns="45720" rtlCol="0" anchor="ctr">
+            <a:normAutofit/>
+          </a:bodyPr>
+          <a:lstStyle/>
+          <a:p>
+            <a:r>
+              <a:rPr lang="en-US" sz="4000" kern="1200">
+                <a:solidFill>
+                  <a:srgbClr val="FFFFFF"/>
+                </a:solidFill>
+                <a:latin typeface="+mj-lt"/>
+                <a:ea typeface="+mj-ea"/>
+                <a:cs typeface="+mj-cs"/>
+              </a:rPr>
+              <a:t>Modificadores</a:t>
+            </a:r>
+          </a:p>
+        </p:txBody>
+      </p:sp>
+      <p:pic>
+        <p:nvPicPr>
+          <p:cNvPr id="1026" name="Picture 2" descr="What is Modifiers and types of modifiers in Java?">
+            <a:extLst>
+              <a:ext uri="{FF2B5EF4-FFF2-40B4-BE49-F238E27FC236}">
+                <a16:creationId xmlns:a16="http://schemas.microsoft.com/office/drawing/2014/main" id="{1E007F3B-A2B9-41F2-B7C7-4533617BCFB9}"/>
+              </a:ext>
+            </a:extLst>
+          </p:cNvPr>
+          <p:cNvPicPr>
+            <a:picLocks noChangeAspect="1" noChangeArrowheads="1"/>
+          </p:cNvPicPr>
+          <p:nvPr/>
+        </p:nvPicPr>
+        <p:blipFill>
+          <a:blip r:embed="rId3">
+            <a:extLst>
+              <a:ext uri="{28A0092B-C50C-407E-A947-70E740481C1C}">
+                <a14:useLocalDpi xmlns:a14="http://schemas.microsoft.com/office/drawing/2010/main" val="0"/>
+              </a:ext>
+            </a:extLst>
+          </a:blip>
+          <a:stretch>
+            <a:fillRect/>
+          </a:stretch>
+        </p:blipFill>
+        <p:spPr bwMode="auto">
+          <a:xfrm>
+            <a:off x="2611751" y="390832"/>
+            <a:ext cx="7061117" cy="4519114"/>
+          </a:xfrm>
+          <a:prstGeom prst="rect">
+            <a:avLst/>
+          </a:prstGeom>
+          <a:noFill/>
+          <a:extLst>
+            <a:ext uri="{909E8E84-426E-40DD-AFC4-6F175D3DCCD1}">
+              <a14:hiddenFill xmlns:a14="http://schemas.microsoft.com/office/drawing/2010/main">
+                <a:solidFill>
+                  <a:srgbClr val="FFFFFF"/>
+                </a:solidFill>
+              </a14:hiddenFill>
+            </a:ext>
+          </a:extLst>
+        </p:spPr>
+      </p:pic>
+    </p:spTree>
+    <p:extLst>
+      <p:ext uri="{BB962C8B-B14F-4D97-AF65-F5344CB8AC3E}">
+        <p14:creationId xmlns:p14="http://schemas.microsoft.com/office/powerpoint/2010/main" val="4048821719"/>
       </p:ext>
     </p:extLst>
   </p:cSld>

--- a/files/1. Java.pptx
+++ b/files/1. Java.pptx
@@ -5,7 +5,7 @@
     <p:sldMasterId id="2147483672" r:id="rId1"/>
   </p:sldMasterIdLst>
   <p:notesMasterIdLst>
-    <p:notesMasterId r:id="rId36"/>
+    <p:notesMasterId r:id="rId41"/>
   </p:notesMasterIdLst>
   <p:sldIdLst>
     <p:sldId id="256" r:id="rId2"/>
@@ -42,6 +42,11 @@
     <p:sldId id="295" r:id="rId33"/>
     <p:sldId id="299" r:id="rId34"/>
     <p:sldId id="296" r:id="rId35"/>
+    <p:sldId id="300" r:id="rId36"/>
+    <p:sldId id="302" r:id="rId37"/>
+    <p:sldId id="301" r:id="rId38"/>
+    <p:sldId id="303" r:id="rId39"/>
+    <p:sldId id="304" r:id="rId40"/>
   </p:sldIdLst>
   <p:sldSz cx="12192000" cy="6858000"/>
   <p:notesSz cx="6858000" cy="9144000"/>
@@ -151,7 +156,7 @@
 <file path=ppt/revisionInfo.xml><?xml version="1.0" encoding="utf-8"?>
 <p1510:revInfo xmlns:a="http://schemas.openxmlformats.org/drawingml/2006/main" xmlns:r="http://schemas.openxmlformats.org/officeDocument/2006/relationships" xmlns:p1510="http://schemas.microsoft.com/office/powerpoint/2015/10/main">
   <p1510:revLst>
-    <p1510:client id="{4803EBD7-409C-4E16-AFE5-0E5B7FBEBBC4}" v="402" dt="2022-05-20T16:59:44.730"/>
+    <p1510:client id="{4803EBD7-409C-4E16-AFE5-0E5B7FBEBBC4}" v="488" dt="2022-05-27T19:29:13.674"/>
   </p1510:revLst>
 </p1510:revInfo>
 </file>
@@ -161,7 +166,7 @@
   <pc:docChgLst>
     <pc:chgData name="Charris Bueno, Angela" userId="b8232014-281c-4726-a39a-713153e80496" providerId="ADAL" clId="{4803EBD7-409C-4E16-AFE5-0E5B7FBEBBC4}"/>
     <pc:docChg chg="undo custSel addSld delSld modSld sldOrd">
-      <pc:chgData name="Charris Bueno, Angela" userId="b8232014-281c-4726-a39a-713153e80496" providerId="ADAL" clId="{4803EBD7-409C-4E16-AFE5-0E5B7FBEBBC4}" dt="2022-05-20T17:25:23.548" v="3076"/>
+      <pc:chgData name="Charris Bueno, Angela" userId="b8232014-281c-4726-a39a-713153e80496" providerId="ADAL" clId="{4803EBD7-409C-4E16-AFE5-0E5B7FBEBBC4}" dt="2022-05-27T19:29:17.484" v="3904" actId="1076"/>
       <pc:docMkLst>
         <pc:docMk/>
       </pc:docMkLst>
@@ -1053,6 +1058,708 @@
           <pc:sldMk cId="1703789153" sldId="300"/>
         </pc:sldMkLst>
       </pc:sldChg>
+      <pc:sldChg chg="addSp delSp modSp add mod ord modNotesTx">
+        <pc:chgData name="Charris Bueno, Angela" userId="b8232014-281c-4726-a39a-713153e80496" providerId="ADAL" clId="{4803EBD7-409C-4E16-AFE5-0E5B7FBEBBC4}" dt="2022-05-26T16:01:44.810" v="3464" actId="14100"/>
+        <pc:sldMkLst>
+          <pc:docMk/>
+          <pc:sldMk cId="3037069273" sldId="300"/>
+        </pc:sldMkLst>
+        <pc:spChg chg="mod">
+          <ac:chgData name="Charris Bueno, Angela" userId="b8232014-281c-4726-a39a-713153e80496" providerId="ADAL" clId="{4803EBD7-409C-4E16-AFE5-0E5B7FBEBBC4}" dt="2022-05-26T15:54:03.710" v="3442" actId="20577"/>
+          <ac:spMkLst>
+            <pc:docMk/>
+            <pc:sldMk cId="3037069273" sldId="300"/>
+            <ac:spMk id="2" creationId="{58F02AB5-9A8D-44C3-93AC-B62DB340A058}"/>
+          </ac:spMkLst>
+        </pc:spChg>
+        <pc:spChg chg="del mod">
+          <ac:chgData name="Charris Bueno, Angela" userId="b8232014-281c-4726-a39a-713153e80496" providerId="ADAL" clId="{4803EBD7-409C-4E16-AFE5-0E5B7FBEBBC4}" dt="2022-05-26T15:43:37.612" v="3263" actId="478"/>
+          <ac:spMkLst>
+            <pc:docMk/>
+            <pc:sldMk cId="3037069273" sldId="300"/>
+            <ac:spMk id="3" creationId="{22046145-0CE3-4D0C-9688-D6AC8D33DC2B}"/>
+          </ac:spMkLst>
+        </pc:spChg>
+        <pc:spChg chg="add del mod">
+          <ac:chgData name="Charris Bueno, Angela" userId="b8232014-281c-4726-a39a-713153e80496" providerId="ADAL" clId="{4803EBD7-409C-4E16-AFE5-0E5B7FBEBBC4}" dt="2022-05-26T15:48:34.197" v="3337" actId="478"/>
+          <ac:spMkLst>
+            <pc:docMk/>
+            <pc:sldMk cId="3037069273" sldId="300"/>
+            <ac:spMk id="8" creationId="{D3BD7EDD-EEFD-4B51-A6C8-208C59961CF6}"/>
+          </ac:spMkLst>
+        </pc:spChg>
+        <pc:spChg chg="add del">
+          <ac:chgData name="Charris Bueno, Angela" userId="b8232014-281c-4726-a39a-713153e80496" providerId="ADAL" clId="{4803EBD7-409C-4E16-AFE5-0E5B7FBEBBC4}" dt="2022-05-26T15:43:52.080" v="3266"/>
+          <ac:spMkLst>
+            <pc:docMk/>
+            <pc:sldMk cId="3037069273" sldId="300"/>
+            <ac:spMk id="9" creationId="{95FF100D-7D40-4057-A966-5E1339884939}"/>
+          </ac:spMkLst>
+        </pc:spChg>
+        <pc:spChg chg="add del mod">
+          <ac:chgData name="Charris Bueno, Angela" userId="b8232014-281c-4726-a39a-713153e80496" providerId="ADAL" clId="{4803EBD7-409C-4E16-AFE5-0E5B7FBEBBC4}" dt="2022-05-26T15:48:36.509" v="3339" actId="478"/>
+          <ac:spMkLst>
+            <pc:docMk/>
+            <pc:sldMk cId="3037069273" sldId="300"/>
+            <ac:spMk id="11" creationId="{6ECF9641-DC4F-4BFD-B052-4061DB9CDE3B}"/>
+          </ac:spMkLst>
+        </pc:spChg>
+        <pc:spChg chg="add del mod">
+          <ac:chgData name="Charris Bueno, Angela" userId="b8232014-281c-4726-a39a-713153e80496" providerId="ADAL" clId="{4803EBD7-409C-4E16-AFE5-0E5B7FBEBBC4}" dt="2022-05-26T15:53:39.359" v="3440" actId="478"/>
+          <ac:spMkLst>
+            <pc:docMk/>
+            <pc:sldMk cId="3037069273" sldId="300"/>
+            <ac:spMk id="25" creationId="{F6B79292-FB47-48A5-A191-BDFA3224D468}"/>
+          </ac:spMkLst>
+        </pc:spChg>
+        <pc:grpChg chg="add del mod">
+          <ac:chgData name="Charris Bueno, Angela" userId="b8232014-281c-4726-a39a-713153e80496" providerId="ADAL" clId="{4803EBD7-409C-4E16-AFE5-0E5B7FBEBBC4}" dt="2022-05-26T15:43:34.187" v="3262" actId="478"/>
+          <ac:grpSpMkLst>
+            <pc:docMk/>
+            <pc:sldMk cId="3037069273" sldId="300"/>
+            <ac:grpSpMk id="6" creationId="{B3D8F642-95D5-4BB0-8F8D-0B04B9840E88}"/>
+          </ac:grpSpMkLst>
+        </pc:grpChg>
+        <pc:grpChg chg="del">
+          <ac:chgData name="Charris Bueno, Angela" userId="b8232014-281c-4726-a39a-713153e80496" providerId="ADAL" clId="{4803EBD7-409C-4E16-AFE5-0E5B7FBEBBC4}" dt="2022-05-25T20:03:54.804" v="3082" actId="478"/>
+          <ac:grpSpMkLst>
+            <pc:docMk/>
+            <pc:sldMk cId="3037069273" sldId="300"/>
+            <ac:grpSpMk id="20" creationId="{60616045-AAD8-42C6-8C33-7F6B5B44D797}"/>
+          </ac:grpSpMkLst>
+        </pc:grpChg>
+        <pc:picChg chg="add mod ord modCrop">
+          <ac:chgData name="Charris Bueno, Angela" userId="b8232014-281c-4726-a39a-713153e80496" providerId="ADAL" clId="{4803EBD7-409C-4E16-AFE5-0E5B7FBEBBC4}" dt="2022-05-26T15:41:15.569" v="3252" actId="164"/>
+          <ac:picMkLst>
+            <pc:docMk/>
+            <pc:sldMk cId="3037069273" sldId="300"/>
+            <ac:picMk id="4" creationId="{94117067-10F2-44F9-B8CE-A039DA14023A}"/>
+          </ac:picMkLst>
+        </pc:picChg>
+        <pc:picChg chg="add mod ord">
+          <ac:chgData name="Charris Bueno, Angela" userId="b8232014-281c-4726-a39a-713153e80496" providerId="ADAL" clId="{4803EBD7-409C-4E16-AFE5-0E5B7FBEBBC4}" dt="2022-05-26T15:41:15.569" v="3252" actId="164"/>
+          <ac:picMkLst>
+            <pc:docMk/>
+            <pc:sldMk cId="3037069273" sldId="300"/>
+            <ac:picMk id="5" creationId="{F47734D4-D250-4EE0-AAC4-077355BC61C7}"/>
+          </ac:picMkLst>
+        </pc:picChg>
+        <pc:picChg chg="add del mod">
+          <ac:chgData name="Charris Bueno, Angela" userId="b8232014-281c-4726-a39a-713153e80496" providerId="ADAL" clId="{4803EBD7-409C-4E16-AFE5-0E5B7FBEBBC4}" dt="2022-05-26T16:00:46.929" v="3452" actId="478"/>
+          <ac:picMkLst>
+            <pc:docMk/>
+            <pc:sldMk cId="3037069273" sldId="300"/>
+            <ac:picMk id="13" creationId="{05500DBF-30C3-42DB-A732-CA359CE1757C}"/>
+          </ac:picMkLst>
+        </pc:picChg>
+        <pc:picChg chg="add del mod">
+          <ac:chgData name="Charris Bueno, Angela" userId="b8232014-281c-4726-a39a-713153e80496" providerId="ADAL" clId="{4803EBD7-409C-4E16-AFE5-0E5B7FBEBBC4}" dt="2022-05-26T16:01:15.410" v="3458" actId="478"/>
+          <ac:picMkLst>
+            <pc:docMk/>
+            <pc:sldMk cId="3037069273" sldId="300"/>
+            <ac:picMk id="15" creationId="{B7FB7F9E-68F3-4D0E-85BA-F3092DC9AADD}"/>
+          </ac:picMkLst>
+        </pc:picChg>
+        <pc:picChg chg="add mod">
+          <ac:chgData name="Charris Bueno, Angela" userId="b8232014-281c-4726-a39a-713153e80496" providerId="ADAL" clId="{4803EBD7-409C-4E16-AFE5-0E5B7FBEBBC4}" dt="2022-05-26T16:01:09.546" v="3456" actId="1076"/>
+          <ac:picMkLst>
+            <pc:docMk/>
+            <pc:sldMk cId="3037069273" sldId="300"/>
+            <ac:picMk id="27" creationId="{060805EC-18B7-4C69-8DFE-F4BDE93C9E06}"/>
+          </ac:picMkLst>
+        </pc:picChg>
+        <pc:picChg chg="add mod modCrop">
+          <ac:chgData name="Charris Bueno, Angela" userId="b8232014-281c-4726-a39a-713153e80496" providerId="ADAL" clId="{4803EBD7-409C-4E16-AFE5-0E5B7FBEBBC4}" dt="2022-05-26T16:01:41.437" v="3463" actId="1076"/>
+          <ac:picMkLst>
+            <pc:docMk/>
+            <pc:sldMk cId="3037069273" sldId="300"/>
+            <ac:picMk id="30" creationId="{CF6EBA8E-95C3-42FB-857A-C84240F9E021}"/>
+          </ac:picMkLst>
+        </pc:picChg>
+        <pc:cxnChg chg="add del mod">
+          <ac:chgData name="Charris Bueno, Angela" userId="b8232014-281c-4726-a39a-713153e80496" providerId="ADAL" clId="{4803EBD7-409C-4E16-AFE5-0E5B7FBEBBC4}" dt="2022-05-26T15:49:52.407" v="3351" actId="478"/>
+          <ac:cxnSpMkLst>
+            <pc:docMk/>
+            <pc:sldMk cId="3037069273" sldId="300"/>
+            <ac:cxnSpMk id="18" creationId="{6080C180-D748-4D4B-8CE7-621C6B317D1C}"/>
+          </ac:cxnSpMkLst>
+        </pc:cxnChg>
+        <pc:cxnChg chg="add mod">
+          <ac:chgData name="Charris Bueno, Angela" userId="b8232014-281c-4726-a39a-713153e80496" providerId="ADAL" clId="{4803EBD7-409C-4E16-AFE5-0E5B7FBEBBC4}" dt="2022-05-26T16:01:44.810" v="3464" actId="14100"/>
+          <ac:cxnSpMkLst>
+            <pc:docMk/>
+            <pc:sldMk cId="3037069273" sldId="300"/>
+            <ac:cxnSpMk id="24" creationId="{DFC0B90A-537B-4E7C-AF26-0C2B7F7BC10F}"/>
+          </ac:cxnSpMkLst>
+        </pc:cxnChg>
+      </pc:sldChg>
+      <pc:sldChg chg="addSp delSp modSp add mod ord modNotesTx">
+        <pc:chgData name="Charris Bueno, Angela" userId="b8232014-281c-4726-a39a-713153e80496" providerId="ADAL" clId="{4803EBD7-409C-4E16-AFE5-0E5B7FBEBBC4}" dt="2022-05-26T16:34:25.719" v="3630" actId="1076"/>
+        <pc:sldMkLst>
+          <pc:docMk/>
+          <pc:sldMk cId="1381790480" sldId="301"/>
+        </pc:sldMkLst>
+        <pc:spChg chg="mod">
+          <ac:chgData name="Charris Bueno, Angela" userId="b8232014-281c-4726-a39a-713153e80496" providerId="ADAL" clId="{4803EBD7-409C-4E16-AFE5-0E5B7FBEBBC4}" dt="2022-05-26T16:19:03.458" v="3499" actId="1076"/>
+          <ac:spMkLst>
+            <pc:docMk/>
+            <pc:sldMk cId="1381790480" sldId="301"/>
+            <ac:spMk id="2" creationId="{58F02AB5-9A8D-44C3-93AC-B62DB340A058}"/>
+          </ac:spMkLst>
+        </pc:spChg>
+        <pc:spChg chg="mod">
+          <ac:chgData name="Charris Bueno, Angela" userId="b8232014-281c-4726-a39a-713153e80496" providerId="ADAL" clId="{4803EBD7-409C-4E16-AFE5-0E5B7FBEBBC4}" dt="2022-05-26T16:18:58.083" v="3498" actId="12"/>
+          <ac:spMkLst>
+            <pc:docMk/>
+            <pc:sldMk cId="1381790480" sldId="301"/>
+            <ac:spMk id="3" creationId="{22046145-0CE3-4D0C-9688-D6AC8D33DC2B}"/>
+          </ac:spMkLst>
+        </pc:spChg>
+        <pc:spChg chg="add">
+          <ac:chgData name="Charris Bueno, Angela" userId="b8232014-281c-4726-a39a-713153e80496" providerId="ADAL" clId="{4803EBD7-409C-4E16-AFE5-0E5B7FBEBBC4}" dt="2022-05-26T16:18:10.877" v="3487"/>
+          <ac:spMkLst>
+            <pc:docMk/>
+            <pc:sldMk cId="1381790480" sldId="301"/>
+            <ac:spMk id="7" creationId="{810B622B-A47D-422A-8E75-D37C29D454E6}"/>
+          </ac:spMkLst>
+        </pc:spChg>
+        <pc:spChg chg="add del">
+          <ac:chgData name="Charris Bueno, Angela" userId="b8232014-281c-4726-a39a-713153e80496" providerId="ADAL" clId="{4803EBD7-409C-4E16-AFE5-0E5B7FBEBBC4}" dt="2022-05-26T16:18:45.790" v="3494" actId="26606"/>
+          <ac:spMkLst>
+            <pc:docMk/>
+            <pc:sldMk cId="1381790480" sldId="301"/>
+            <ac:spMk id="71" creationId="{B712E947-0734-45F9-9C4F-41114EC3A33E}"/>
+          </ac:spMkLst>
+        </pc:spChg>
+        <pc:spChg chg="add del">
+          <ac:chgData name="Charris Bueno, Angela" userId="b8232014-281c-4726-a39a-713153e80496" providerId="ADAL" clId="{4803EBD7-409C-4E16-AFE5-0E5B7FBEBBC4}" dt="2022-05-26T16:18:45.790" v="3494" actId="26606"/>
+          <ac:spMkLst>
+            <pc:docMk/>
+            <pc:sldMk cId="1381790480" sldId="301"/>
+            <ac:spMk id="73" creationId="{5A65989E-BBD5-44D7-AA86-7AFD5D46BBC0}"/>
+          </ac:spMkLst>
+        </pc:spChg>
+        <pc:spChg chg="add del">
+          <ac:chgData name="Charris Bueno, Angela" userId="b8232014-281c-4726-a39a-713153e80496" providerId="ADAL" clId="{4803EBD7-409C-4E16-AFE5-0E5B7FBEBBC4}" dt="2022-05-26T16:18:45.790" v="3494" actId="26606"/>
+          <ac:spMkLst>
+            <pc:docMk/>
+            <pc:sldMk cId="1381790480" sldId="301"/>
+            <ac:spMk id="75" creationId="{231A2881-D8D7-4A7D-ACA3-E9F849F853D8}"/>
+          </ac:spMkLst>
+        </pc:spChg>
+        <pc:spChg chg="add del">
+          <ac:chgData name="Charris Bueno, Angela" userId="b8232014-281c-4726-a39a-713153e80496" providerId="ADAL" clId="{4803EBD7-409C-4E16-AFE5-0E5B7FBEBBC4}" dt="2022-05-26T16:18:45.790" v="3494" actId="26606"/>
+          <ac:spMkLst>
+            <pc:docMk/>
+            <pc:sldMk cId="1381790480" sldId="301"/>
+            <ac:spMk id="80" creationId="{1C574E90-1949-4924-B663-AEA13DB7910B}"/>
+          </ac:spMkLst>
+        </pc:spChg>
+        <pc:spChg chg="add del">
+          <ac:chgData name="Charris Bueno, Angela" userId="b8232014-281c-4726-a39a-713153e80496" providerId="ADAL" clId="{4803EBD7-409C-4E16-AFE5-0E5B7FBEBBC4}" dt="2022-05-26T16:18:45.790" v="3494" actId="26606"/>
+          <ac:spMkLst>
+            <pc:docMk/>
+            <pc:sldMk cId="1381790480" sldId="301"/>
+            <ac:spMk id="82" creationId="{3CD1EA40-7116-4FCB-9369-70F29FAA91EC}"/>
+          </ac:spMkLst>
+        </pc:spChg>
+        <pc:spChg chg="add del">
+          <ac:chgData name="Charris Bueno, Angela" userId="b8232014-281c-4726-a39a-713153e80496" providerId="ADAL" clId="{4803EBD7-409C-4E16-AFE5-0E5B7FBEBBC4}" dt="2022-05-26T16:18:45.790" v="3494" actId="26606"/>
+          <ac:spMkLst>
+            <pc:docMk/>
+            <pc:sldMk cId="1381790480" sldId="301"/>
+            <ac:spMk id="84" creationId="{D9F5512A-48E1-4C07-B75E-3CCC517B6804}"/>
+          </ac:spMkLst>
+        </pc:spChg>
+        <pc:spChg chg="add del">
+          <ac:chgData name="Charris Bueno, Angela" userId="b8232014-281c-4726-a39a-713153e80496" providerId="ADAL" clId="{4803EBD7-409C-4E16-AFE5-0E5B7FBEBBC4}" dt="2022-05-26T16:18:45.790" v="3494" actId="26606"/>
+          <ac:spMkLst>
+            <pc:docMk/>
+            <pc:sldMk cId="1381790480" sldId="301"/>
+            <ac:spMk id="108" creationId="{A5271697-90F1-4A23-8EF2-0179F2EAFACB}"/>
+          </ac:spMkLst>
+        </pc:spChg>
+        <pc:grpChg chg="del">
+          <ac:chgData name="Charris Bueno, Angela" userId="b8232014-281c-4726-a39a-713153e80496" providerId="ADAL" clId="{4803EBD7-409C-4E16-AFE5-0E5B7FBEBBC4}" dt="2022-05-26T15:42:13.691" v="3260" actId="478"/>
+          <ac:grpSpMkLst>
+            <pc:docMk/>
+            <pc:sldMk cId="1381790480" sldId="301"/>
+            <ac:grpSpMk id="6" creationId="{B3D8F642-95D5-4BB0-8F8D-0B04B9840E88}"/>
+          </ac:grpSpMkLst>
+        </pc:grpChg>
+        <pc:grpChg chg="add del mod">
+          <ac:chgData name="Charris Bueno, Angela" userId="b8232014-281c-4726-a39a-713153e80496" providerId="ADAL" clId="{4803EBD7-409C-4E16-AFE5-0E5B7FBEBBC4}" dt="2022-05-26T16:34:17.825" v="3628" actId="478"/>
+          <ac:grpSpMkLst>
+            <pc:docMk/>
+            <pc:sldMk cId="1381790480" sldId="301"/>
+            <ac:grpSpMk id="10" creationId="{F3B81255-F3FC-4B5C-8363-9B41DAECACA4}"/>
+          </ac:grpSpMkLst>
+        </pc:grpChg>
+        <pc:grpChg chg="add del">
+          <ac:chgData name="Charris Bueno, Angela" userId="b8232014-281c-4726-a39a-713153e80496" providerId="ADAL" clId="{4803EBD7-409C-4E16-AFE5-0E5B7FBEBBC4}" dt="2022-05-26T16:18:45.790" v="3494" actId="26606"/>
+          <ac:grpSpMkLst>
+            <pc:docMk/>
+            <pc:sldMk cId="1381790480" sldId="301"/>
+            <ac:grpSpMk id="86" creationId="{9CF1CD8B-D430-49E7-8630-84152C414EAC}"/>
+          </ac:grpSpMkLst>
+        </pc:grpChg>
+        <pc:graphicFrameChg chg="add del mod modGraphic">
+          <ac:chgData name="Charris Bueno, Angela" userId="b8232014-281c-4726-a39a-713153e80496" providerId="ADAL" clId="{4803EBD7-409C-4E16-AFE5-0E5B7FBEBBC4}" dt="2022-05-26T16:21:24.784" v="3542" actId="478"/>
+          <ac:graphicFrameMkLst>
+            <pc:docMk/>
+            <pc:sldMk cId="1381790480" sldId="301"/>
+            <ac:graphicFrameMk id="8" creationId="{BAAD19AB-0EA1-4F79-9A96-94AD31B7E6B7}"/>
+          </ac:graphicFrameMkLst>
+        </pc:graphicFrameChg>
+        <pc:picChg chg="add mod modCrop">
+          <ac:chgData name="Charris Bueno, Angela" userId="b8232014-281c-4726-a39a-713153e80496" providerId="ADAL" clId="{4803EBD7-409C-4E16-AFE5-0E5B7FBEBBC4}" dt="2022-05-26T16:34:03.076" v="3625" actId="164"/>
+          <ac:picMkLst>
+            <pc:docMk/>
+            <pc:sldMk cId="1381790480" sldId="301"/>
+            <ac:picMk id="9" creationId="{4AD68587-6423-43BE-A9D1-9EF3538B3969}"/>
+          </ac:picMkLst>
+        </pc:picChg>
+        <pc:picChg chg="add del mod ord">
+          <ac:chgData name="Charris Bueno, Angela" userId="b8232014-281c-4726-a39a-713153e80496" providerId="ADAL" clId="{4803EBD7-409C-4E16-AFE5-0E5B7FBEBBC4}" dt="2022-05-26T16:19:47.215" v="3501" actId="478"/>
+          <ac:picMkLst>
+            <pc:docMk/>
+            <pc:sldMk cId="1381790480" sldId="301"/>
+            <ac:picMk id="11" creationId="{6E818830-8B3F-4BB4-87F1-457CCCA6EB5E}"/>
+          </ac:picMkLst>
+        </pc:picChg>
+        <pc:picChg chg="add del mod">
+          <ac:chgData name="Charris Bueno, Angela" userId="b8232014-281c-4726-a39a-713153e80496" providerId="ADAL" clId="{4803EBD7-409C-4E16-AFE5-0E5B7FBEBBC4}" dt="2022-05-26T16:22:41.584" v="3546" actId="478"/>
+          <ac:picMkLst>
+            <pc:docMk/>
+            <pc:sldMk cId="1381790480" sldId="301"/>
+            <ac:picMk id="38" creationId="{FDF85FF7-C57F-436A-9B38-117F2B57A833}"/>
+          </ac:picMkLst>
+        </pc:picChg>
+        <pc:picChg chg="add mod modCrop">
+          <ac:chgData name="Charris Bueno, Angela" userId="b8232014-281c-4726-a39a-713153e80496" providerId="ADAL" clId="{4803EBD7-409C-4E16-AFE5-0E5B7FBEBBC4}" dt="2022-05-26T16:34:03.076" v="3625" actId="164"/>
+          <ac:picMkLst>
+            <pc:docMk/>
+            <pc:sldMk cId="1381790480" sldId="301"/>
+            <ac:picMk id="40" creationId="{969929BE-3029-447A-99CA-18E4F9CDC156}"/>
+          </ac:picMkLst>
+        </pc:picChg>
+        <pc:picChg chg="add mod">
+          <ac:chgData name="Charris Bueno, Angela" userId="b8232014-281c-4726-a39a-713153e80496" providerId="ADAL" clId="{4803EBD7-409C-4E16-AFE5-0E5B7FBEBBC4}" dt="2022-05-26T16:34:25.719" v="3630" actId="1076"/>
+          <ac:picMkLst>
+            <pc:docMk/>
+            <pc:sldMk cId="1381790480" sldId="301"/>
+            <ac:picMk id="42" creationId="{A83B56A9-E7FB-4061-A158-4E16636F8866}"/>
+          </ac:picMkLst>
+        </pc:picChg>
+      </pc:sldChg>
+      <pc:sldChg chg="modSp add mod">
+        <pc:chgData name="Charris Bueno, Angela" userId="b8232014-281c-4726-a39a-713153e80496" providerId="ADAL" clId="{4803EBD7-409C-4E16-AFE5-0E5B7FBEBBC4}" dt="2022-05-26T16:17:55.027" v="3486" actId="1076"/>
+        <pc:sldMkLst>
+          <pc:docMk/>
+          <pc:sldMk cId="42245209" sldId="302"/>
+        </pc:sldMkLst>
+        <pc:spChg chg="mod">
+          <ac:chgData name="Charris Bueno, Angela" userId="b8232014-281c-4726-a39a-713153e80496" providerId="ADAL" clId="{4803EBD7-409C-4E16-AFE5-0E5B7FBEBBC4}" dt="2022-05-26T16:17:19.815" v="3482" actId="20577"/>
+          <ac:spMkLst>
+            <pc:docMk/>
+            <pc:sldMk cId="42245209" sldId="302"/>
+            <ac:spMk id="3" creationId="{22046145-0CE3-4D0C-9688-D6AC8D33DC2B}"/>
+          </ac:spMkLst>
+        </pc:spChg>
+        <pc:grpChg chg="mod">
+          <ac:chgData name="Charris Bueno, Angela" userId="b8232014-281c-4726-a39a-713153e80496" providerId="ADAL" clId="{4803EBD7-409C-4E16-AFE5-0E5B7FBEBBC4}" dt="2022-05-26T16:17:55.027" v="3486" actId="1076"/>
+          <ac:grpSpMkLst>
+            <pc:docMk/>
+            <pc:sldMk cId="42245209" sldId="302"/>
+            <ac:grpSpMk id="6" creationId="{B3D8F642-95D5-4BB0-8F8D-0B04B9840E88}"/>
+          </ac:grpSpMkLst>
+        </pc:grpChg>
+      </pc:sldChg>
+      <pc:sldChg chg="addSp delSp modSp add del mod">
+        <pc:chgData name="Charris Bueno, Angela" userId="b8232014-281c-4726-a39a-713153e80496" providerId="ADAL" clId="{4803EBD7-409C-4E16-AFE5-0E5B7FBEBBC4}" dt="2022-05-26T16:34:30.452" v="3631" actId="47"/>
+        <pc:sldMkLst>
+          <pc:docMk/>
+          <pc:sldMk cId="246087078" sldId="303"/>
+        </pc:sldMkLst>
+        <pc:spChg chg="mod">
+          <ac:chgData name="Charris Bueno, Angela" userId="b8232014-281c-4726-a39a-713153e80496" providerId="ADAL" clId="{4803EBD7-409C-4E16-AFE5-0E5B7FBEBBC4}" dt="2022-05-26T16:28:57.646" v="3561" actId="20577"/>
+          <ac:spMkLst>
+            <pc:docMk/>
+            <pc:sldMk cId="246087078" sldId="303"/>
+            <ac:spMk id="2" creationId="{58F02AB5-9A8D-44C3-93AC-B62DB340A058}"/>
+          </ac:spMkLst>
+        </pc:spChg>
+        <pc:spChg chg="del">
+          <ac:chgData name="Charris Bueno, Angela" userId="b8232014-281c-4726-a39a-713153e80496" providerId="ADAL" clId="{4803EBD7-409C-4E16-AFE5-0E5B7FBEBBC4}" dt="2022-05-26T15:54:20.173" v="3445" actId="478"/>
+          <ac:spMkLst>
+            <pc:docMk/>
+            <pc:sldMk cId="246087078" sldId="303"/>
+            <ac:spMk id="3" creationId="{22046145-0CE3-4D0C-9688-D6AC8D33DC2B}"/>
+          </ac:spMkLst>
+        </pc:spChg>
+        <pc:spChg chg="add del mod">
+          <ac:chgData name="Charris Bueno, Angela" userId="b8232014-281c-4726-a39a-713153e80496" providerId="ADAL" clId="{4803EBD7-409C-4E16-AFE5-0E5B7FBEBBC4}" dt="2022-05-26T15:54:23.360" v="3446" actId="478"/>
+          <ac:spMkLst>
+            <pc:docMk/>
+            <pc:sldMk cId="246087078" sldId="303"/>
+            <ac:spMk id="8" creationId="{196ED8B7-115E-4377-A2A2-CB627005F3B3}"/>
+          </ac:spMkLst>
+        </pc:spChg>
+        <pc:grpChg chg="del">
+          <ac:chgData name="Charris Bueno, Angela" userId="b8232014-281c-4726-a39a-713153e80496" providerId="ADAL" clId="{4803EBD7-409C-4E16-AFE5-0E5B7FBEBBC4}" dt="2022-05-26T15:54:18.275" v="3444" actId="478"/>
+          <ac:grpSpMkLst>
+            <pc:docMk/>
+            <pc:sldMk cId="246087078" sldId="303"/>
+            <ac:grpSpMk id="6" creationId="{B3D8F642-95D5-4BB0-8F8D-0B04B9840E88}"/>
+          </ac:grpSpMkLst>
+        </pc:grpChg>
+        <pc:picChg chg="add del mod">
+          <ac:chgData name="Charris Bueno, Angela" userId="b8232014-281c-4726-a39a-713153e80496" providerId="ADAL" clId="{4803EBD7-409C-4E16-AFE5-0E5B7FBEBBC4}" dt="2022-05-26T15:57:37.163" v="3449" actId="478"/>
+          <ac:picMkLst>
+            <pc:docMk/>
+            <pc:sldMk cId="246087078" sldId="303"/>
+            <ac:picMk id="10" creationId="{A3F172EB-E3E5-4FC4-A601-71B306755795}"/>
+          </ac:picMkLst>
+        </pc:picChg>
+        <pc:picChg chg="add del mod">
+          <ac:chgData name="Charris Bueno, Angela" userId="b8232014-281c-4726-a39a-713153e80496" providerId="ADAL" clId="{4803EBD7-409C-4E16-AFE5-0E5B7FBEBBC4}" dt="2022-05-26T16:28:46.967" v="3550" actId="478"/>
+          <ac:picMkLst>
+            <pc:docMk/>
+            <pc:sldMk cId="246087078" sldId="303"/>
+            <ac:picMk id="12" creationId="{DF19C540-D1F3-430C-B983-20DC2A0AA763}"/>
+          </ac:picMkLst>
+        </pc:picChg>
+        <pc:picChg chg="add mod">
+          <ac:chgData name="Charris Bueno, Angela" userId="b8232014-281c-4726-a39a-713153e80496" providerId="ADAL" clId="{4803EBD7-409C-4E16-AFE5-0E5B7FBEBBC4}" dt="2022-05-26T16:29:01.634" v="3562" actId="1076"/>
+          <ac:picMkLst>
+            <pc:docMk/>
+            <pc:sldMk cId="246087078" sldId="303"/>
+            <ac:picMk id="14" creationId="{80565B95-914E-4FEF-9219-A9351CDEA512}"/>
+          </ac:picMkLst>
+        </pc:picChg>
+      </pc:sldChg>
+      <pc:sldChg chg="delSp add del mod">
+        <pc:chgData name="Charris Bueno, Angela" userId="b8232014-281c-4726-a39a-713153e80496" providerId="ADAL" clId="{4803EBD7-409C-4E16-AFE5-0E5B7FBEBBC4}" dt="2022-05-26T16:35:09.920" v="3634" actId="47"/>
+        <pc:sldMkLst>
+          <pc:docMk/>
+          <pc:sldMk cId="359042198" sldId="303"/>
+        </pc:sldMkLst>
+        <pc:picChg chg="del">
+          <ac:chgData name="Charris Bueno, Angela" userId="b8232014-281c-4726-a39a-713153e80496" providerId="ADAL" clId="{4803EBD7-409C-4E16-AFE5-0E5B7FBEBBC4}" dt="2022-05-26T16:35:07.278" v="3633" actId="478"/>
+          <ac:picMkLst>
+            <pc:docMk/>
+            <pc:sldMk cId="359042198" sldId="303"/>
+            <ac:picMk id="42" creationId="{A83B56A9-E7FB-4061-A158-4E16636F8866}"/>
+          </ac:picMkLst>
+        </pc:picChg>
+      </pc:sldChg>
+      <pc:sldChg chg="addSp delSp modSp add mod ord modNotesTx">
+        <pc:chgData name="Charris Bueno, Angela" userId="b8232014-281c-4726-a39a-713153e80496" providerId="ADAL" clId="{4803EBD7-409C-4E16-AFE5-0E5B7FBEBBC4}" dt="2022-05-26T17:19:29.401" v="3858" actId="20577"/>
+        <pc:sldMkLst>
+          <pc:docMk/>
+          <pc:sldMk cId="632887388" sldId="303"/>
+        </pc:sldMkLst>
+        <pc:spChg chg="mod">
+          <ac:chgData name="Charris Bueno, Angela" userId="b8232014-281c-4726-a39a-713153e80496" providerId="ADAL" clId="{4803EBD7-409C-4E16-AFE5-0E5B7FBEBBC4}" dt="2022-05-26T16:35:18.722" v="3646" actId="20577"/>
+          <ac:spMkLst>
+            <pc:docMk/>
+            <pc:sldMk cId="632887388" sldId="303"/>
+            <ac:spMk id="2" creationId="{58F02AB5-9A8D-44C3-93AC-B62DB340A058}"/>
+          </ac:spMkLst>
+        </pc:spChg>
+        <pc:spChg chg="mod">
+          <ac:chgData name="Charris Bueno, Angela" userId="b8232014-281c-4726-a39a-713153e80496" providerId="ADAL" clId="{4803EBD7-409C-4E16-AFE5-0E5B7FBEBBC4}" dt="2022-05-26T17:09:23.610" v="3679" actId="14100"/>
+          <ac:spMkLst>
+            <pc:docMk/>
+            <pc:sldMk cId="632887388" sldId="303"/>
+            <ac:spMk id="3" creationId="{22046145-0CE3-4D0C-9688-D6AC8D33DC2B}"/>
+          </ac:spMkLst>
+        </pc:spChg>
+        <pc:spChg chg="add del mod">
+          <ac:chgData name="Charris Bueno, Angela" userId="b8232014-281c-4726-a39a-713153e80496" providerId="ADAL" clId="{4803EBD7-409C-4E16-AFE5-0E5B7FBEBBC4}" dt="2022-05-26T17:13:03.456" v="3716" actId="478"/>
+          <ac:spMkLst>
+            <pc:docMk/>
+            <pc:sldMk cId="632887388" sldId="303"/>
+            <ac:spMk id="9" creationId="{F3BBD0DE-93DA-40A5-935A-08EC94E788BF}"/>
+          </ac:spMkLst>
+        </pc:spChg>
+        <pc:spChg chg="mod">
+          <ac:chgData name="Charris Bueno, Angela" userId="b8232014-281c-4726-a39a-713153e80496" providerId="ADAL" clId="{4803EBD7-409C-4E16-AFE5-0E5B7FBEBBC4}" dt="2022-05-26T17:10:07.217" v="3688" actId="20577"/>
+          <ac:spMkLst>
+            <pc:docMk/>
+            <pc:sldMk cId="632887388" sldId="303"/>
+            <ac:spMk id="11" creationId="{65D21D52-40FC-44A1-BA23-05E40D327972}"/>
+          </ac:spMkLst>
+        </pc:spChg>
+        <pc:spChg chg="mod">
+          <ac:chgData name="Charris Bueno, Angela" userId="b8232014-281c-4726-a39a-713153e80496" providerId="ADAL" clId="{4803EBD7-409C-4E16-AFE5-0E5B7FBEBBC4}" dt="2022-05-26T17:09:44.140" v="3680"/>
+          <ac:spMkLst>
+            <pc:docMk/>
+            <pc:sldMk cId="632887388" sldId="303"/>
+            <ac:spMk id="12" creationId="{E4FA65AF-86F7-4489-800C-A94F687A78B5}"/>
+          </ac:spMkLst>
+        </pc:spChg>
+        <pc:spChg chg="add del">
+          <ac:chgData name="Charris Bueno, Angela" userId="b8232014-281c-4726-a39a-713153e80496" providerId="ADAL" clId="{4803EBD7-409C-4E16-AFE5-0E5B7FBEBBC4}" dt="2022-05-26T17:14:38.346" v="3747"/>
+          <ac:spMkLst>
+            <pc:docMk/>
+            <pc:sldMk cId="632887388" sldId="303"/>
+            <ac:spMk id="14" creationId="{168CCF7D-DC97-4CD5-9634-D0E930215EF1}"/>
+          </ac:spMkLst>
+        </pc:spChg>
+        <pc:spChg chg="add del mod">
+          <ac:chgData name="Charris Bueno, Angela" userId="b8232014-281c-4726-a39a-713153e80496" providerId="ADAL" clId="{4803EBD7-409C-4E16-AFE5-0E5B7FBEBBC4}" dt="2022-05-26T17:14:38.016" v="3746"/>
+          <ac:spMkLst>
+            <pc:docMk/>
+            <pc:sldMk cId="632887388" sldId="303"/>
+            <ac:spMk id="15" creationId="{2AC1C319-34ED-42BB-90BA-EEBA325B6095}"/>
+          </ac:spMkLst>
+        </pc:spChg>
+        <pc:spChg chg="mod topLvl">
+          <ac:chgData name="Charris Bueno, Angela" userId="b8232014-281c-4726-a39a-713153e80496" providerId="ADAL" clId="{4803EBD7-409C-4E16-AFE5-0E5B7FBEBBC4}" dt="2022-05-26T17:17:25.709" v="3842" actId="164"/>
+          <ac:spMkLst>
+            <pc:docMk/>
+            <pc:sldMk cId="632887388" sldId="303"/>
+            <ac:spMk id="18" creationId="{D33A511D-47D9-45E6-BD7A-C5811D348F76}"/>
+          </ac:spMkLst>
+        </pc:spChg>
+        <pc:spChg chg="mod topLvl">
+          <ac:chgData name="Charris Bueno, Angela" userId="b8232014-281c-4726-a39a-713153e80496" providerId="ADAL" clId="{4803EBD7-409C-4E16-AFE5-0E5B7FBEBBC4}" dt="2022-05-26T17:17:25.709" v="3842" actId="164"/>
+          <ac:spMkLst>
+            <pc:docMk/>
+            <pc:sldMk cId="632887388" sldId="303"/>
+            <ac:spMk id="19" creationId="{F4FC95B5-3221-4AF1-BEEE-6806BAAB53D9}"/>
+          </ac:spMkLst>
+        </pc:spChg>
+        <pc:spChg chg="add mod">
+          <ac:chgData name="Charris Bueno, Angela" userId="b8232014-281c-4726-a39a-713153e80496" providerId="ADAL" clId="{4803EBD7-409C-4E16-AFE5-0E5B7FBEBBC4}" dt="2022-05-26T17:17:25.709" v="3842" actId="164"/>
+          <ac:spMkLst>
+            <pc:docMk/>
+            <pc:sldMk cId="632887388" sldId="303"/>
+            <ac:spMk id="25" creationId="{4F52A467-F374-4EAA-8706-EBCD17F12DF2}"/>
+          </ac:spMkLst>
+        </pc:spChg>
+        <pc:spChg chg="mod">
+          <ac:chgData name="Charris Bueno, Angela" userId="b8232014-281c-4726-a39a-713153e80496" providerId="ADAL" clId="{4803EBD7-409C-4E16-AFE5-0E5B7FBEBBC4}" dt="2022-05-26T17:19:19.726" v="3852" actId="20577"/>
+          <ac:spMkLst>
+            <pc:docMk/>
+            <pc:sldMk cId="632887388" sldId="303"/>
+            <ac:spMk id="36" creationId="{AC804BD3-8598-4076-BBEF-53907D2CA15B}"/>
+          </ac:spMkLst>
+        </pc:spChg>
+        <pc:spChg chg="mod">
+          <ac:chgData name="Charris Bueno, Angela" userId="b8232014-281c-4726-a39a-713153e80496" providerId="ADAL" clId="{4803EBD7-409C-4E16-AFE5-0E5B7FBEBBC4}" dt="2022-05-26T17:19:29.401" v="3858" actId="20577"/>
+          <ac:spMkLst>
+            <pc:docMk/>
+            <pc:sldMk cId="632887388" sldId="303"/>
+            <ac:spMk id="37" creationId="{FAA88E7D-ABAD-4BFE-9D51-AE85EDB97EE4}"/>
+          </ac:spMkLst>
+        </pc:spChg>
+        <pc:grpChg chg="del">
+          <ac:chgData name="Charris Bueno, Angela" userId="b8232014-281c-4726-a39a-713153e80496" providerId="ADAL" clId="{4803EBD7-409C-4E16-AFE5-0E5B7FBEBBC4}" dt="2022-05-26T16:35:20.600" v="3647" actId="478"/>
+          <ac:grpSpMkLst>
+            <pc:docMk/>
+            <pc:sldMk cId="632887388" sldId="303"/>
+            <ac:grpSpMk id="6" creationId="{B3D8F642-95D5-4BB0-8F8D-0B04B9840E88}"/>
+          </ac:grpSpMkLst>
+        </pc:grpChg>
+        <pc:grpChg chg="add del mod">
+          <ac:chgData name="Charris Bueno, Angela" userId="b8232014-281c-4726-a39a-713153e80496" providerId="ADAL" clId="{4803EBD7-409C-4E16-AFE5-0E5B7FBEBBC4}" dt="2022-05-26T17:11:07.683" v="3689" actId="478"/>
+          <ac:grpSpMkLst>
+            <pc:docMk/>
+            <pc:sldMk cId="632887388" sldId="303"/>
+            <ac:grpSpMk id="10" creationId="{A44FE58F-F4A0-4EAC-97DF-3825AD684AAB}"/>
+          </ac:grpSpMkLst>
+        </pc:grpChg>
+        <pc:grpChg chg="add del mod">
+          <ac:chgData name="Charris Bueno, Angela" userId="b8232014-281c-4726-a39a-713153e80496" providerId="ADAL" clId="{4803EBD7-409C-4E16-AFE5-0E5B7FBEBBC4}" dt="2022-05-26T17:15:44.307" v="3788" actId="165"/>
+          <ac:grpSpMkLst>
+            <pc:docMk/>
+            <pc:sldMk cId="632887388" sldId="303"/>
+            <ac:grpSpMk id="17" creationId="{B2665144-9CEE-4353-8FB3-6771C0DA3C6B}"/>
+          </ac:grpSpMkLst>
+        </pc:grpChg>
+        <pc:grpChg chg="add mod">
+          <ac:chgData name="Charris Bueno, Angela" userId="b8232014-281c-4726-a39a-713153e80496" providerId="ADAL" clId="{4803EBD7-409C-4E16-AFE5-0E5B7FBEBBC4}" dt="2022-05-26T17:17:31.985" v="3844" actId="1076"/>
+          <ac:grpSpMkLst>
+            <pc:docMk/>
+            <pc:sldMk cId="632887388" sldId="303"/>
+            <ac:grpSpMk id="31" creationId="{4FB70655-F6C1-421D-B2A5-7FCD21B71A90}"/>
+          </ac:grpSpMkLst>
+        </pc:grpChg>
+        <pc:grpChg chg="add mod">
+          <ac:chgData name="Charris Bueno, Angela" userId="b8232014-281c-4726-a39a-713153e80496" providerId="ADAL" clId="{4803EBD7-409C-4E16-AFE5-0E5B7FBEBBC4}" dt="2022-05-26T17:17:39.719" v="3846" actId="1076"/>
+          <ac:grpSpMkLst>
+            <pc:docMk/>
+            <pc:sldMk cId="632887388" sldId="303"/>
+            <ac:grpSpMk id="35" creationId="{C347ECB3-EEC8-47CB-8E4E-458049859CAD}"/>
+          </ac:grpSpMkLst>
+        </pc:grpChg>
+        <pc:picChg chg="add del mod modCrop">
+          <ac:chgData name="Charris Bueno, Angela" userId="b8232014-281c-4726-a39a-713153e80496" providerId="ADAL" clId="{4803EBD7-409C-4E16-AFE5-0E5B7FBEBBC4}" dt="2022-05-26T17:14:20.120" v="3741" actId="478"/>
+          <ac:picMkLst>
+            <pc:docMk/>
+            <pc:sldMk cId="632887388" sldId="303"/>
+            <ac:picMk id="8" creationId="{E0EFED90-3367-4ECE-8184-ABE1DEF6ADD6}"/>
+          </ac:picMkLst>
+        </pc:picChg>
+        <pc:cxnChg chg="mod">
+          <ac:chgData name="Charris Bueno, Angela" userId="b8232014-281c-4726-a39a-713153e80496" providerId="ADAL" clId="{4803EBD7-409C-4E16-AFE5-0E5B7FBEBBC4}" dt="2022-05-26T17:11:07.683" v="3689" actId="478"/>
+          <ac:cxnSpMkLst>
+            <pc:docMk/>
+            <pc:sldMk cId="632887388" sldId="303"/>
+            <ac:cxnSpMk id="13" creationId="{8AAA7AF7-785C-4765-8531-E0B1D244F2BC}"/>
+          </ac:cxnSpMkLst>
+        </pc:cxnChg>
+        <pc:cxnChg chg="mod topLvl">
+          <ac:chgData name="Charris Bueno, Angela" userId="b8232014-281c-4726-a39a-713153e80496" providerId="ADAL" clId="{4803EBD7-409C-4E16-AFE5-0E5B7FBEBBC4}" dt="2022-05-26T17:17:25.709" v="3842" actId="164"/>
+          <ac:cxnSpMkLst>
+            <pc:docMk/>
+            <pc:sldMk cId="632887388" sldId="303"/>
+            <ac:cxnSpMk id="20" creationId="{C1A00A91-F3E6-4227-9ABC-1C6721568D85}"/>
+          </ac:cxnSpMkLst>
+        </pc:cxnChg>
+        <pc:cxnChg chg="add mod">
+          <ac:chgData name="Charris Bueno, Angela" userId="b8232014-281c-4726-a39a-713153e80496" providerId="ADAL" clId="{4803EBD7-409C-4E16-AFE5-0E5B7FBEBBC4}" dt="2022-05-26T17:17:25.709" v="3842" actId="164"/>
+          <ac:cxnSpMkLst>
+            <pc:docMk/>
+            <pc:sldMk cId="632887388" sldId="303"/>
+            <ac:cxnSpMk id="27" creationId="{39A2A0B5-15F4-4757-BB44-7E5EFBF03FFF}"/>
+          </ac:cxnSpMkLst>
+        </pc:cxnChg>
+        <pc:cxnChg chg="mod">
+          <ac:chgData name="Charris Bueno, Angela" userId="b8232014-281c-4726-a39a-713153e80496" providerId="ADAL" clId="{4803EBD7-409C-4E16-AFE5-0E5B7FBEBBC4}" dt="2022-05-26T17:17:35.609" v="3845"/>
+          <ac:cxnSpMkLst>
+            <pc:docMk/>
+            <pc:sldMk cId="632887388" sldId="303"/>
+            <ac:cxnSpMk id="38" creationId="{83B2367B-139E-4AFB-870D-7DDC3D6E879E}"/>
+          </ac:cxnSpMkLst>
+        </pc:cxnChg>
+      </pc:sldChg>
+      <pc:sldChg chg="delSp modSp add del mod ord">
+        <pc:chgData name="Charris Bueno, Angela" userId="b8232014-281c-4726-a39a-713153e80496" providerId="ADAL" clId="{4803EBD7-409C-4E16-AFE5-0E5B7FBEBBC4}" dt="2022-05-27T14:59:53.955" v="3881" actId="2696"/>
+        <pc:sldMkLst>
+          <pc:docMk/>
+          <pc:sldMk cId="745213420" sldId="304"/>
+        </pc:sldMkLst>
+        <pc:spChg chg="mod">
+          <ac:chgData name="Charris Bueno, Angela" userId="b8232014-281c-4726-a39a-713153e80496" providerId="ADAL" clId="{4803EBD7-409C-4E16-AFE5-0E5B7FBEBBC4}" dt="2022-05-27T14:58:36.090" v="3879" actId="20577"/>
+          <ac:spMkLst>
+            <pc:docMk/>
+            <pc:sldMk cId="745213420" sldId="304"/>
+            <ac:spMk id="2" creationId="{58F02AB5-9A8D-44C3-93AC-B62DB340A058}"/>
+          </ac:spMkLst>
+        </pc:spChg>
+        <pc:grpChg chg="del">
+          <ac:chgData name="Charris Bueno, Angela" userId="b8232014-281c-4726-a39a-713153e80496" providerId="ADAL" clId="{4803EBD7-409C-4E16-AFE5-0E5B7FBEBBC4}" dt="2022-05-27T14:58:38.059" v="3880" actId="478"/>
+          <ac:grpSpMkLst>
+            <pc:docMk/>
+            <pc:sldMk cId="745213420" sldId="304"/>
+            <ac:grpSpMk id="6" creationId="{B3D8F642-95D5-4BB0-8F8D-0B04B9840E88}"/>
+          </ac:grpSpMkLst>
+        </pc:grpChg>
+      </pc:sldChg>
+      <pc:sldChg chg="new del">
+        <pc:chgData name="Charris Bueno, Angela" userId="b8232014-281c-4726-a39a-713153e80496" providerId="ADAL" clId="{4803EBD7-409C-4E16-AFE5-0E5B7FBEBBC4}" dt="2022-05-27T14:58:23.299" v="3862" actId="47"/>
+        <pc:sldMkLst>
+          <pc:docMk/>
+          <pc:sldMk cId="924663540" sldId="304"/>
+        </pc:sldMkLst>
+      </pc:sldChg>
+      <pc:sldChg chg="addSp delSp modSp add mod">
+        <pc:chgData name="Charris Bueno, Angela" userId="b8232014-281c-4726-a39a-713153e80496" providerId="ADAL" clId="{4803EBD7-409C-4E16-AFE5-0E5B7FBEBBC4}" dt="2022-05-27T19:29:17.484" v="3904" actId="1076"/>
+        <pc:sldMkLst>
+          <pc:docMk/>
+          <pc:sldMk cId="1733965660" sldId="304"/>
+        </pc:sldMkLst>
+        <pc:spChg chg="mod">
+          <ac:chgData name="Charris Bueno, Angela" userId="b8232014-281c-4726-a39a-713153e80496" providerId="ADAL" clId="{4803EBD7-409C-4E16-AFE5-0E5B7FBEBBC4}" dt="2022-05-27T19:29:00.234" v="3898" actId="20577"/>
+          <ac:spMkLst>
+            <pc:docMk/>
+            <pc:sldMk cId="1733965660" sldId="304"/>
+            <ac:spMk id="2" creationId="{58F02AB5-9A8D-44C3-93AC-B62DB340A058}"/>
+          </ac:spMkLst>
+        </pc:spChg>
+        <pc:spChg chg="del">
+          <ac:chgData name="Charris Bueno, Angela" userId="b8232014-281c-4726-a39a-713153e80496" providerId="ADAL" clId="{4803EBD7-409C-4E16-AFE5-0E5B7FBEBBC4}" dt="2022-05-27T19:29:03.089" v="3899" actId="478"/>
+          <ac:spMkLst>
+            <pc:docMk/>
+            <pc:sldMk cId="1733965660" sldId="304"/>
+            <ac:spMk id="3" creationId="{22046145-0CE3-4D0C-9688-D6AC8D33DC2B}"/>
+          </ac:spMkLst>
+        </pc:spChg>
+        <pc:spChg chg="add del mod">
+          <ac:chgData name="Charris Bueno, Angela" userId="b8232014-281c-4726-a39a-713153e80496" providerId="ADAL" clId="{4803EBD7-409C-4E16-AFE5-0E5B7FBEBBC4}" dt="2022-05-27T19:29:04.453" v="3900" actId="478"/>
+          <ac:spMkLst>
+            <pc:docMk/>
+            <pc:sldMk cId="1733965660" sldId="304"/>
+            <ac:spMk id="5" creationId="{545E36DF-1C20-473E-8CA9-043E051E932F}"/>
+          </ac:spMkLst>
+        </pc:spChg>
+        <pc:grpChg chg="del">
+          <ac:chgData name="Charris Bueno, Angela" userId="b8232014-281c-4726-a39a-713153e80496" providerId="ADAL" clId="{4803EBD7-409C-4E16-AFE5-0E5B7FBEBBC4}" dt="2022-05-27T19:29:06.148" v="3901" actId="478"/>
+          <ac:grpSpMkLst>
+            <pc:docMk/>
+            <pc:sldMk cId="1733965660" sldId="304"/>
+            <ac:grpSpMk id="31" creationId="{4FB70655-F6C1-421D-B2A5-7FCD21B71A90}"/>
+          </ac:grpSpMkLst>
+        </pc:grpChg>
+        <pc:grpChg chg="del">
+          <ac:chgData name="Charris Bueno, Angela" userId="b8232014-281c-4726-a39a-713153e80496" providerId="ADAL" clId="{4803EBD7-409C-4E16-AFE5-0E5B7FBEBBC4}" dt="2022-05-27T19:29:08.990" v="3902" actId="478"/>
+          <ac:grpSpMkLst>
+            <pc:docMk/>
+            <pc:sldMk cId="1733965660" sldId="304"/>
+            <ac:grpSpMk id="35" creationId="{C347ECB3-EEC8-47CB-8E4E-458049859CAD}"/>
+          </ac:grpSpMkLst>
+        </pc:grpChg>
+        <pc:graphicFrameChg chg="add mod">
+          <ac:chgData name="Charris Bueno, Angela" userId="b8232014-281c-4726-a39a-713153e80496" providerId="ADAL" clId="{4803EBD7-409C-4E16-AFE5-0E5B7FBEBBC4}" dt="2022-05-27T19:29:17.484" v="3904" actId="1076"/>
+          <ac:graphicFrameMkLst>
+            <pc:docMk/>
+            <pc:sldMk cId="1733965660" sldId="304"/>
+            <ac:graphicFrameMk id="21" creationId="{837D6AA6-216F-4068-8470-B08EF2CF01EC}"/>
+          </ac:graphicFrameMkLst>
+        </pc:graphicFrameChg>
+        <pc:cxnChg chg="mod">
+          <ac:chgData name="Charris Bueno, Angela" userId="b8232014-281c-4726-a39a-713153e80496" providerId="ADAL" clId="{4803EBD7-409C-4E16-AFE5-0E5B7FBEBBC4}" dt="2022-05-27T19:29:08.990" v="3902" actId="478"/>
+          <ac:cxnSpMkLst>
+            <pc:docMk/>
+            <pc:sldMk cId="1733965660" sldId="304"/>
+            <ac:cxnSpMk id="38" creationId="{83B2367B-139E-4AFB-870D-7DDC3D6E879E}"/>
+          </ac:cxnSpMkLst>
+        </pc:cxnChg>
+      </pc:sldChg>
+      <pc:sldChg chg="delSp add del setBg delDesignElem">
+        <pc:chgData name="Charris Bueno, Angela" userId="b8232014-281c-4726-a39a-713153e80496" providerId="ADAL" clId="{4803EBD7-409C-4E16-AFE5-0E5B7FBEBBC4}" dt="2022-05-27T14:58:24.867" v="3863" actId="47"/>
+        <pc:sldMkLst>
+          <pc:docMk/>
+          <pc:sldMk cId="3047303877" sldId="305"/>
+        </pc:sldMkLst>
+        <pc:spChg chg="del">
+          <ac:chgData name="Charris Bueno, Angela" userId="b8232014-281c-4726-a39a-713153e80496" providerId="ADAL" clId="{4803EBD7-409C-4E16-AFE5-0E5B7FBEBBC4}" dt="2022-05-27T14:58:20.890" v="3861"/>
+          <ac:spMkLst>
+            <pc:docMk/>
+            <pc:sldMk cId="3047303877" sldId="305"/>
+            <ac:spMk id="71" creationId="{B712E947-0734-45F9-9C4F-41114EC3A33E}"/>
+          </ac:spMkLst>
+        </pc:spChg>
+        <pc:spChg chg="del">
+          <ac:chgData name="Charris Bueno, Angela" userId="b8232014-281c-4726-a39a-713153e80496" providerId="ADAL" clId="{4803EBD7-409C-4E16-AFE5-0E5B7FBEBBC4}" dt="2022-05-27T14:58:20.890" v="3861"/>
+          <ac:spMkLst>
+            <pc:docMk/>
+            <pc:sldMk cId="3047303877" sldId="305"/>
+            <ac:spMk id="73" creationId="{5A65989E-BBD5-44D7-AA86-7AFD5D46BBC0}"/>
+          </ac:spMkLst>
+        </pc:spChg>
+        <pc:spChg chg="del">
+          <ac:chgData name="Charris Bueno, Angela" userId="b8232014-281c-4726-a39a-713153e80496" providerId="ADAL" clId="{4803EBD7-409C-4E16-AFE5-0E5B7FBEBBC4}" dt="2022-05-27T14:58:20.890" v="3861"/>
+          <ac:spMkLst>
+            <pc:docMk/>
+            <pc:sldMk cId="3047303877" sldId="305"/>
+            <ac:spMk id="75" creationId="{231A2881-D8D7-4A7D-ACA3-E9F849F853D8}"/>
+          </ac:spMkLst>
+        </pc:spChg>
+      </pc:sldChg>
     </pc:docChg>
   </pc:docChgLst>
 </pc:chgInfo>
@@ -4170,6 +4877,925 @@
     <dgm:fillClrLst meth="repeat">
       <a:schemeClr val="accent1">
         <a:tint val="60000"/>
+      </a:schemeClr>
+    </dgm:fillClrLst>
+    <dgm:linClrLst meth="repeat">
+      <a:schemeClr val="lt1"/>
+    </dgm:linClrLst>
+    <dgm:effectClrLst/>
+    <dgm:txLinClrLst/>
+    <dgm:txFillClrLst meth="repeat">
+      <a:schemeClr val="dk1"/>
+    </dgm:txFillClrLst>
+    <dgm:txEffectClrLst/>
+  </dgm:styleLbl>
+  <dgm:styleLbl name="revTx">
+    <dgm:fillClrLst meth="repeat">
+      <a:schemeClr val="lt1">
+        <a:alpha val="0"/>
+      </a:schemeClr>
+    </dgm:fillClrLst>
+    <dgm:linClrLst meth="repeat">
+      <a:schemeClr val="dk1">
+        <a:alpha val="0"/>
+      </a:schemeClr>
+    </dgm:linClrLst>
+    <dgm:effectClrLst/>
+    <dgm:txLinClrLst/>
+    <dgm:txFillClrLst meth="repeat">
+      <a:schemeClr val="tx1"/>
+    </dgm:txFillClrLst>
+    <dgm:txEffectClrLst/>
+  </dgm:styleLbl>
+</dgm:colorsDef>
+</file>
+
+<file path=ppt/diagrams/colors5.xml><?xml version="1.0" encoding="utf-8"?>
+<dgm:colorsDef xmlns:dgm="http://schemas.openxmlformats.org/drawingml/2006/diagram" xmlns:a="http://schemas.openxmlformats.org/drawingml/2006/main" uniqueId="urn:microsoft.com/office/officeart/2005/8/colors/colorful1">
+  <dgm:title val=""/>
+  <dgm:desc val=""/>
+  <dgm:catLst>
+    <dgm:cat type="colorful" pri="10100"/>
+  </dgm:catLst>
+  <dgm:styleLbl name="node0">
+    <dgm:fillClrLst meth="repeat">
+      <a:schemeClr val="accent1"/>
+    </dgm:fillClrLst>
+    <dgm:linClrLst meth="repeat">
+      <a:schemeClr val="lt1"/>
+    </dgm:linClrLst>
+    <dgm:effectClrLst/>
+    <dgm:txLinClrLst/>
+    <dgm:txFillClrLst/>
+    <dgm:txEffectClrLst/>
+  </dgm:styleLbl>
+  <dgm:styleLbl name="node1">
+    <dgm:fillClrLst meth="repeat">
+      <a:schemeClr val="accent2"/>
+      <a:schemeClr val="accent3"/>
+      <a:schemeClr val="accent4"/>
+      <a:schemeClr val="accent5"/>
+      <a:schemeClr val="accent6"/>
+    </dgm:fillClrLst>
+    <dgm:linClrLst meth="repeat">
+      <a:schemeClr val="lt1"/>
+    </dgm:linClrLst>
+    <dgm:effectClrLst/>
+    <dgm:txLinClrLst/>
+    <dgm:txFillClrLst/>
+    <dgm:txEffectClrLst/>
+  </dgm:styleLbl>
+  <dgm:styleLbl name="alignNode1">
+    <dgm:fillClrLst meth="repeat">
+      <a:schemeClr val="accent2"/>
+      <a:schemeClr val="accent3"/>
+      <a:schemeClr val="accent4"/>
+      <a:schemeClr val="accent5"/>
+      <a:schemeClr val="accent6"/>
+    </dgm:fillClrLst>
+    <dgm:linClrLst meth="repeat">
+      <a:schemeClr val="accent2"/>
+      <a:schemeClr val="accent3"/>
+      <a:schemeClr val="accent4"/>
+      <a:schemeClr val="accent5"/>
+      <a:schemeClr val="accent6"/>
+    </dgm:linClrLst>
+    <dgm:effectClrLst/>
+    <dgm:txLinClrLst/>
+    <dgm:txFillClrLst/>
+    <dgm:txEffectClrLst/>
+  </dgm:styleLbl>
+  <dgm:styleLbl name="lnNode1">
+    <dgm:fillClrLst meth="repeat">
+      <a:schemeClr val="accent2"/>
+      <a:schemeClr val="accent3"/>
+      <a:schemeClr val="accent4"/>
+      <a:schemeClr val="accent5"/>
+      <a:schemeClr val="accent6"/>
+    </dgm:fillClrLst>
+    <dgm:linClrLst meth="repeat">
+      <a:schemeClr val="lt1"/>
+    </dgm:linClrLst>
+    <dgm:effectClrLst/>
+    <dgm:txLinClrLst/>
+    <dgm:txFillClrLst/>
+    <dgm:txEffectClrLst/>
+  </dgm:styleLbl>
+  <dgm:styleLbl name="vennNode1">
+    <dgm:fillClrLst meth="repeat">
+      <a:schemeClr val="accent2">
+        <a:alpha val="50000"/>
+      </a:schemeClr>
+      <a:schemeClr val="accent3">
+        <a:alpha val="50000"/>
+      </a:schemeClr>
+      <a:schemeClr val="accent4">
+        <a:alpha val="50000"/>
+      </a:schemeClr>
+      <a:schemeClr val="accent5">
+        <a:alpha val="50000"/>
+      </a:schemeClr>
+      <a:schemeClr val="accent6">
+        <a:alpha val="50000"/>
+      </a:schemeClr>
+    </dgm:fillClrLst>
+    <dgm:linClrLst meth="repeat">
+      <a:schemeClr val="lt1"/>
+    </dgm:linClrLst>
+    <dgm:effectClrLst/>
+    <dgm:txLinClrLst/>
+    <dgm:txFillClrLst/>
+    <dgm:txEffectClrLst/>
+  </dgm:styleLbl>
+  <dgm:styleLbl name="node2">
+    <dgm:fillClrLst>
+      <a:schemeClr val="accent2"/>
+    </dgm:fillClrLst>
+    <dgm:linClrLst meth="repeat">
+      <a:schemeClr val="lt1"/>
+    </dgm:linClrLst>
+    <dgm:effectClrLst/>
+    <dgm:txLinClrLst/>
+    <dgm:txFillClrLst/>
+    <dgm:txEffectClrLst/>
+  </dgm:styleLbl>
+  <dgm:styleLbl name="node3">
+    <dgm:fillClrLst>
+      <a:schemeClr val="accent3"/>
+    </dgm:fillClrLst>
+    <dgm:linClrLst meth="repeat">
+      <a:schemeClr val="lt1"/>
+    </dgm:linClrLst>
+    <dgm:effectClrLst/>
+    <dgm:txLinClrLst/>
+    <dgm:txFillClrLst/>
+    <dgm:txEffectClrLst/>
+  </dgm:styleLbl>
+  <dgm:styleLbl name="node4">
+    <dgm:fillClrLst>
+      <a:schemeClr val="accent4"/>
+    </dgm:fillClrLst>
+    <dgm:linClrLst meth="repeat">
+      <a:schemeClr val="lt1"/>
+    </dgm:linClrLst>
+    <dgm:effectClrLst/>
+    <dgm:txLinClrLst/>
+    <dgm:txFillClrLst/>
+    <dgm:txEffectClrLst/>
+  </dgm:styleLbl>
+  <dgm:styleLbl name="fgImgPlace1">
+    <dgm:fillClrLst meth="repeat">
+      <a:schemeClr val="accent2">
+        <a:tint val="50000"/>
+      </a:schemeClr>
+      <a:schemeClr val="accent3">
+        <a:tint val="50000"/>
+      </a:schemeClr>
+      <a:schemeClr val="accent4">
+        <a:tint val="50000"/>
+      </a:schemeClr>
+      <a:schemeClr val="accent5">
+        <a:tint val="50000"/>
+      </a:schemeClr>
+      <a:schemeClr val="accent6">
+        <a:tint val="50000"/>
+      </a:schemeClr>
+    </dgm:fillClrLst>
+    <dgm:linClrLst meth="repeat">
+      <a:schemeClr val="lt1"/>
+    </dgm:linClrLst>
+    <dgm:effectClrLst/>
+    <dgm:txLinClrLst/>
+    <dgm:txFillClrLst meth="repeat">
+      <a:schemeClr val="lt1"/>
+    </dgm:txFillClrLst>
+    <dgm:txEffectClrLst/>
+  </dgm:styleLbl>
+  <dgm:styleLbl name="alignImgPlace1">
+    <dgm:fillClrLst>
+      <a:schemeClr val="accent1">
+        <a:tint val="50000"/>
+      </a:schemeClr>
+      <a:schemeClr val="accent2">
+        <a:tint val="20000"/>
+      </a:schemeClr>
+    </dgm:fillClrLst>
+    <dgm:linClrLst meth="repeat">
+      <a:schemeClr val="lt1"/>
+    </dgm:linClrLst>
+    <dgm:effectClrLst/>
+    <dgm:txLinClrLst/>
+    <dgm:txFillClrLst meth="repeat">
+      <a:schemeClr val="lt1"/>
+    </dgm:txFillClrLst>
+    <dgm:txEffectClrLst/>
+  </dgm:styleLbl>
+  <dgm:styleLbl name="bgImgPlace1">
+    <dgm:fillClrLst>
+      <a:schemeClr val="accent1">
+        <a:tint val="50000"/>
+      </a:schemeClr>
+      <a:schemeClr val="accent2">
+        <a:tint val="20000"/>
+      </a:schemeClr>
+    </dgm:fillClrLst>
+    <dgm:linClrLst meth="repeat">
+      <a:schemeClr val="lt1"/>
+    </dgm:linClrLst>
+    <dgm:effectClrLst/>
+    <dgm:txLinClrLst/>
+    <dgm:txFillClrLst meth="repeat">
+      <a:schemeClr val="lt1"/>
+    </dgm:txFillClrLst>
+    <dgm:txEffectClrLst/>
+  </dgm:styleLbl>
+  <dgm:styleLbl name="sibTrans2D1">
+    <dgm:fillClrLst meth="repeat">
+      <a:schemeClr val="accent2"/>
+      <a:schemeClr val="accent3"/>
+      <a:schemeClr val="accent4"/>
+      <a:schemeClr val="accent5"/>
+      <a:schemeClr val="accent6"/>
+    </dgm:fillClrLst>
+    <dgm:linClrLst meth="cycle">
+      <a:schemeClr val="lt1"/>
+    </dgm:linClrLst>
+    <dgm:effectClrLst/>
+    <dgm:txLinClrLst/>
+    <dgm:txFillClrLst/>
+    <dgm:txEffectClrLst/>
+  </dgm:styleLbl>
+  <dgm:styleLbl name="fgSibTrans2D1">
+    <dgm:fillClrLst meth="repeat">
+      <a:schemeClr val="accent2"/>
+      <a:schemeClr val="accent3"/>
+      <a:schemeClr val="accent4"/>
+      <a:schemeClr val="accent5"/>
+      <a:schemeClr val="accent6"/>
+    </dgm:fillClrLst>
+    <dgm:linClrLst meth="cycle">
+      <a:schemeClr val="lt1"/>
+    </dgm:linClrLst>
+    <dgm:effectClrLst/>
+    <dgm:txLinClrLst/>
+    <dgm:txFillClrLst meth="repeat">
+      <a:schemeClr val="lt1"/>
+    </dgm:txFillClrLst>
+    <dgm:txEffectClrLst/>
+  </dgm:styleLbl>
+  <dgm:styleLbl name="bgSibTrans2D1">
+    <dgm:fillClrLst meth="repeat">
+      <a:schemeClr val="accent2"/>
+      <a:schemeClr val="accent3"/>
+      <a:schemeClr val="accent4"/>
+      <a:schemeClr val="accent5"/>
+      <a:schemeClr val="accent6"/>
+    </dgm:fillClrLst>
+    <dgm:linClrLst meth="cycle">
+      <a:schemeClr val="lt1"/>
+    </dgm:linClrLst>
+    <dgm:effectClrLst/>
+    <dgm:txLinClrLst/>
+    <dgm:txFillClrLst meth="repeat">
+      <a:schemeClr val="lt1"/>
+    </dgm:txFillClrLst>
+    <dgm:txEffectClrLst/>
+  </dgm:styleLbl>
+  <dgm:styleLbl name="sibTrans1D1">
+    <dgm:fillClrLst meth="repeat">
+      <a:schemeClr val="accent2"/>
+      <a:schemeClr val="accent3"/>
+      <a:schemeClr val="accent4"/>
+      <a:schemeClr val="accent5"/>
+      <a:schemeClr val="accent6"/>
+    </dgm:fillClrLst>
+    <dgm:linClrLst meth="repeat">
+      <a:schemeClr val="accent2"/>
+      <a:schemeClr val="accent3"/>
+      <a:schemeClr val="accent4"/>
+      <a:schemeClr val="accent5"/>
+      <a:schemeClr val="accent6"/>
+    </dgm:linClrLst>
+    <dgm:effectClrLst/>
+    <dgm:txLinClrLst/>
+    <dgm:txFillClrLst meth="repeat">
+      <a:schemeClr val="tx1"/>
+    </dgm:txFillClrLst>
+    <dgm:txEffectClrLst/>
+  </dgm:styleLbl>
+  <dgm:styleLbl name="callout">
+    <dgm:fillClrLst meth="repeat">
+      <a:schemeClr val="accent2"/>
+    </dgm:fillClrLst>
+    <dgm:linClrLst meth="repeat">
+      <a:schemeClr val="accent2">
+        <a:tint val="50000"/>
+      </a:schemeClr>
+    </dgm:linClrLst>
+    <dgm:effectClrLst/>
+    <dgm:txLinClrLst/>
+    <dgm:txFillClrLst meth="repeat">
+      <a:schemeClr val="tx1"/>
+    </dgm:txFillClrLst>
+    <dgm:txEffectClrLst/>
+  </dgm:styleLbl>
+  <dgm:styleLbl name="asst0">
+    <dgm:fillClrLst meth="repeat">
+      <a:schemeClr val="accent1"/>
+    </dgm:fillClrLst>
+    <dgm:linClrLst meth="repeat">
+      <a:schemeClr val="lt1"/>
+    </dgm:linClrLst>
+    <dgm:effectClrLst/>
+    <dgm:txLinClrLst/>
+    <dgm:txFillClrLst/>
+    <dgm:txEffectClrLst/>
+  </dgm:styleLbl>
+  <dgm:styleLbl name="asst1">
+    <dgm:fillClrLst meth="repeat">
+      <a:schemeClr val="accent2"/>
+    </dgm:fillClrLst>
+    <dgm:linClrLst meth="repeat">
+      <a:schemeClr val="lt1"/>
+    </dgm:linClrLst>
+    <dgm:effectClrLst/>
+    <dgm:txLinClrLst/>
+    <dgm:txFillClrLst/>
+    <dgm:txEffectClrLst/>
+  </dgm:styleLbl>
+  <dgm:styleLbl name="asst2">
+    <dgm:fillClrLst>
+      <a:schemeClr val="accent3"/>
+    </dgm:fillClrLst>
+    <dgm:linClrLst meth="repeat">
+      <a:schemeClr val="lt1"/>
+    </dgm:linClrLst>
+    <dgm:effectClrLst/>
+    <dgm:txLinClrLst/>
+    <dgm:txFillClrLst/>
+    <dgm:txEffectClrLst/>
+  </dgm:styleLbl>
+  <dgm:styleLbl name="asst3">
+    <dgm:fillClrLst>
+      <a:schemeClr val="accent4"/>
+    </dgm:fillClrLst>
+    <dgm:linClrLst meth="repeat">
+      <a:schemeClr val="lt1"/>
+    </dgm:linClrLst>
+    <dgm:effectClrLst/>
+    <dgm:txLinClrLst/>
+    <dgm:txFillClrLst/>
+    <dgm:txEffectClrLst/>
+  </dgm:styleLbl>
+  <dgm:styleLbl name="asst4">
+    <dgm:fillClrLst>
+      <a:schemeClr val="accent5"/>
+    </dgm:fillClrLst>
+    <dgm:linClrLst meth="repeat">
+      <a:schemeClr val="lt1"/>
+    </dgm:linClrLst>
+    <dgm:effectClrLst/>
+    <dgm:txLinClrLst/>
+    <dgm:txFillClrLst/>
+    <dgm:txEffectClrLst/>
+  </dgm:styleLbl>
+  <dgm:styleLbl name="parChTrans2D1">
+    <dgm:fillClrLst meth="repeat">
+      <a:schemeClr val="accent2"/>
+    </dgm:fillClrLst>
+    <dgm:linClrLst meth="repeat">
+      <a:schemeClr val="lt1"/>
+    </dgm:linClrLst>
+    <dgm:effectClrLst/>
+    <dgm:txLinClrLst/>
+    <dgm:txFillClrLst meth="repeat">
+      <a:schemeClr val="lt1"/>
+    </dgm:txFillClrLst>
+    <dgm:txEffectClrLst/>
+  </dgm:styleLbl>
+  <dgm:styleLbl name="parChTrans2D2">
+    <dgm:fillClrLst meth="repeat">
+      <a:schemeClr val="accent3"/>
+    </dgm:fillClrLst>
+    <dgm:linClrLst meth="repeat">
+      <a:schemeClr val="lt1"/>
+    </dgm:linClrLst>
+    <dgm:effectClrLst/>
+    <dgm:txLinClrLst/>
+    <dgm:txFillClrLst/>
+    <dgm:txEffectClrLst/>
+  </dgm:styleLbl>
+  <dgm:styleLbl name="parChTrans2D3">
+    <dgm:fillClrLst meth="repeat">
+      <a:schemeClr val="accent4"/>
+    </dgm:fillClrLst>
+    <dgm:linClrLst meth="repeat">
+      <a:schemeClr val="lt1"/>
+    </dgm:linClrLst>
+    <dgm:effectClrLst/>
+    <dgm:txLinClrLst/>
+    <dgm:txFillClrLst/>
+    <dgm:txEffectClrLst/>
+  </dgm:styleLbl>
+  <dgm:styleLbl name="parChTrans2D4">
+    <dgm:fillClrLst meth="repeat">
+      <a:schemeClr val="accent5"/>
+    </dgm:fillClrLst>
+    <dgm:linClrLst meth="repeat">
+      <a:schemeClr val="lt1"/>
+    </dgm:linClrLst>
+    <dgm:effectClrLst/>
+    <dgm:txLinClrLst/>
+    <dgm:txFillClrLst meth="repeat">
+      <a:schemeClr val="lt1"/>
+    </dgm:txFillClrLst>
+    <dgm:txEffectClrLst/>
+  </dgm:styleLbl>
+  <dgm:styleLbl name="parChTrans1D1">
+    <dgm:fillClrLst meth="repeat">
+      <a:schemeClr val="accent2"/>
+    </dgm:fillClrLst>
+    <dgm:linClrLst meth="repeat">
+      <a:schemeClr val="accent1"/>
+    </dgm:linClrLst>
+    <dgm:effectClrLst/>
+    <dgm:txLinClrLst/>
+    <dgm:txFillClrLst meth="repeat">
+      <a:schemeClr val="tx1"/>
+    </dgm:txFillClrLst>
+    <dgm:txEffectClrLst/>
+  </dgm:styleLbl>
+  <dgm:styleLbl name="parChTrans1D2">
+    <dgm:fillClrLst meth="repeat">
+      <a:schemeClr val="accent3">
+        <a:tint val="90000"/>
+      </a:schemeClr>
+    </dgm:fillClrLst>
+    <dgm:linClrLst meth="repeat">
+      <a:schemeClr val="accent2"/>
+    </dgm:linClrLst>
+    <dgm:effectClrLst/>
+    <dgm:txLinClrLst/>
+    <dgm:txFillClrLst meth="repeat">
+      <a:schemeClr val="tx1"/>
+    </dgm:txFillClrLst>
+    <dgm:txEffectClrLst/>
+  </dgm:styleLbl>
+  <dgm:styleLbl name="parChTrans1D3">
+    <dgm:fillClrLst meth="repeat">
+      <a:schemeClr val="accent4">
+        <a:tint val="70000"/>
+      </a:schemeClr>
+    </dgm:fillClrLst>
+    <dgm:linClrLst meth="repeat">
+      <a:schemeClr val="accent3"/>
+    </dgm:linClrLst>
+    <dgm:effectClrLst/>
+    <dgm:txLinClrLst/>
+    <dgm:txFillClrLst meth="repeat">
+      <a:schemeClr val="tx1"/>
+    </dgm:txFillClrLst>
+    <dgm:txEffectClrLst/>
+  </dgm:styleLbl>
+  <dgm:styleLbl name="parChTrans1D4">
+    <dgm:fillClrLst meth="repeat">
+      <a:schemeClr val="accent5">
+        <a:tint val="50000"/>
+      </a:schemeClr>
+    </dgm:fillClrLst>
+    <dgm:linClrLst meth="repeat">
+      <a:schemeClr val="accent4"/>
+    </dgm:linClrLst>
+    <dgm:effectClrLst/>
+    <dgm:txLinClrLst/>
+    <dgm:txFillClrLst meth="repeat">
+      <a:schemeClr val="tx1"/>
+    </dgm:txFillClrLst>
+    <dgm:txEffectClrLst/>
+  </dgm:styleLbl>
+  <dgm:styleLbl name="fgAcc1">
+    <dgm:fillClrLst meth="repeat">
+      <a:schemeClr val="lt1">
+        <a:alpha val="90000"/>
+      </a:schemeClr>
+    </dgm:fillClrLst>
+    <dgm:linClrLst meth="repeat">
+      <a:schemeClr val="accent2"/>
+      <a:schemeClr val="accent3"/>
+      <a:schemeClr val="accent4"/>
+      <a:schemeClr val="accent5"/>
+      <a:schemeClr val="accent6"/>
+    </dgm:linClrLst>
+    <dgm:effectClrLst/>
+    <dgm:txLinClrLst/>
+    <dgm:txFillClrLst meth="repeat">
+      <a:schemeClr val="dk1"/>
+    </dgm:txFillClrLst>
+    <dgm:txEffectClrLst/>
+  </dgm:styleLbl>
+  <dgm:styleLbl name="conFgAcc1">
+    <dgm:fillClrLst meth="repeat">
+      <a:schemeClr val="lt1">
+        <a:alpha val="90000"/>
+      </a:schemeClr>
+    </dgm:fillClrLst>
+    <dgm:linClrLst meth="repeat">
+      <a:schemeClr val="accent2"/>
+      <a:schemeClr val="accent3"/>
+      <a:schemeClr val="accent4"/>
+      <a:schemeClr val="accent5"/>
+      <a:schemeClr val="accent6"/>
+    </dgm:linClrLst>
+    <dgm:effectClrLst/>
+    <dgm:txLinClrLst/>
+    <dgm:txFillClrLst meth="repeat">
+      <a:schemeClr val="dk1"/>
+    </dgm:txFillClrLst>
+    <dgm:txEffectClrLst/>
+  </dgm:styleLbl>
+  <dgm:styleLbl name="alignAcc1">
+    <dgm:fillClrLst meth="repeat">
+      <a:schemeClr val="lt1">
+        <a:alpha val="90000"/>
+      </a:schemeClr>
+    </dgm:fillClrLst>
+    <dgm:linClrLst meth="repeat">
+      <a:schemeClr val="accent2"/>
+      <a:schemeClr val="accent3"/>
+      <a:schemeClr val="accent4"/>
+      <a:schemeClr val="accent5"/>
+      <a:schemeClr val="accent6"/>
+    </dgm:linClrLst>
+    <dgm:effectClrLst/>
+    <dgm:txLinClrLst/>
+    <dgm:txFillClrLst meth="repeat">
+      <a:schemeClr val="dk1"/>
+    </dgm:txFillClrLst>
+    <dgm:txEffectClrLst/>
+  </dgm:styleLbl>
+  <dgm:styleLbl name="trAlignAcc1">
+    <dgm:fillClrLst meth="repeat">
+      <a:schemeClr val="lt1">
+        <a:alpha val="40000"/>
+      </a:schemeClr>
+    </dgm:fillClrLst>
+    <dgm:linClrLst meth="repeat">
+      <a:schemeClr val="accent1"/>
+    </dgm:linClrLst>
+    <dgm:effectClrLst/>
+    <dgm:txLinClrLst/>
+    <dgm:txFillClrLst meth="repeat">
+      <a:schemeClr val="dk1"/>
+    </dgm:txFillClrLst>
+    <dgm:txEffectClrLst/>
+  </dgm:styleLbl>
+  <dgm:styleLbl name="bgAcc1">
+    <dgm:fillClrLst meth="repeat">
+      <a:schemeClr val="lt1">
+        <a:alpha val="90000"/>
+      </a:schemeClr>
+    </dgm:fillClrLst>
+    <dgm:linClrLst meth="repeat">
+      <a:schemeClr val="accent2"/>
+      <a:schemeClr val="accent3"/>
+      <a:schemeClr val="accent4"/>
+      <a:schemeClr val="accent5"/>
+      <a:schemeClr val="accent6"/>
+    </dgm:linClrLst>
+    <dgm:effectClrLst/>
+    <dgm:txLinClrLst/>
+    <dgm:txFillClrLst meth="repeat">
+      <a:schemeClr val="dk1"/>
+    </dgm:txFillClrLst>
+    <dgm:txEffectClrLst/>
+  </dgm:styleLbl>
+  <dgm:styleLbl name="solidFgAcc1">
+    <dgm:fillClrLst meth="repeat">
+      <a:schemeClr val="lt1"/>
+    </dgm:fillClrLst>
+    <dgm:linClrLst meth="repeat">
+      <a:schemeClr val="accent2"/>
+      <a:schemeClr val="accent3"/>
+      <a:schemeClr val="accent4"/>
+      <a:schemeClr val="accent5"/>
+      <a:schemeClr val="accent6"/>
+    </dgm:linClrLst>
+    <dgm:effectClrLst/>
+    <dgm:txLinClrLst/>
+    <dgm:txFillClrLst meth="repeat">
+      <a:schemeClr val="dk1"/>
+    </dgm:txFillClrLst>
+    <dgm:txEffectClrLst/>
+  </dgm:styleLbl>
+  <dgm:styleLbl name="solidAlignAcc1">
+    <dgm:fillClrLst meth="repeat">
+      <a:schemeClr val="lt1"/>
+    </dgm:fillClrLst>
+    <dgm:linClrLst meth="repeat">
+      <a:schemeClr val="accent2"/>
+      <a:schemeClr val="accent3"/>
+      <a:schemeClr val="accent4"/>
+      <a:schemeClr val="accent5"/>
+      <a:schemeClr val="accent6"/>
+    </dgm:linClrLst>
+    <dgm:effectClrLst/>
+    <dgm:txLinClrLst/>
+    <dgm:txFillClrLst meth="repeat">
+      <a:schemeClr val="dk1"/>
+    </dgm:txFillClrLst>
+    <dgm:txEffectClrLst/>
+  </dgm:styleLbl>
+  <dgm:styleLbl name="solidBgAcc1">
+    <dgm:fillClrLst meth="repeat">
+      <a:schemeClr val="lt1"/>
+    </dgm:fillClrLst>
+    <dgm:linClrLst meth="repeat">
+      <a:schemeClr val="accent2"/>
+      <a:schemeClr val="accent3"/>
+      <a:schemeClr val="accent4"/>
+      <a:schemeClr val="accent5"/>
+      <a:schemeClr val="accent6"/>
+    </dgm:linClrLst>
+    <dgm:effectClrLst/>
+    <dgm:txLinClrLst/>
+    <dgm:txFillClrLst meth="repeat">
+      <a:schemeClr val="dk1"/>
+    </dgm:txFillClrLst>
+    <dgm:txEffectClrLst/>
+  </dgm:styleLbl>
+  <dgm:styleLbl name="fgAccFollowNode1">
+    <dgm:fillClrLst meth="repeat">
+      <a:schemeClr val="accent2">
+        <a:tint val="40000"/>
+        <a:alpha val="90000"/>
+      </a:schemeClr>
+      <a:schemeClr val="accent3">
+        <a:tint val="40000"/>
+        <a:alpha val="90000"/>
+      </a:schemeClr>
+      <a:schemeClr val="accent4">
+        <a:tint val="40000"/>
+        <a:alpha val="90000"/>
+      </a:schemeClr>
+      <a:schemeClr val="accent5">
+        <a:tint val="40000"/>
+        <a:alpha val="90000"/>
+      </a:schemeClr>
+      <a:schemeClr val="accent6">
+        <a:tint val="40000"/>
+        <a:alpha val="90000"/>
+      </a:schemeClr>
+    </dgm:fillClrLst>
+    <dgm:linClrLst meth="repeat">
+      <a:schemeClr val="accent2">
+        <a:tint val="40000"/>
+        <a:alpha val="90000"/>
+      </a:schemeClr>
+      <a:schemeClr val="accent3">
+        <a:tint val="40000"/>
+        <a:alpha val="90000"/>
+      </a:schemeClr>
+      <a:schemeClr val="accent4">
+        <a:tint val="40000"/>
+        <a:alpha val="90000"/>
+      </a:schemeClr>
+      <a:schemeClr val="accent5">
+        <a:tint val="40000"/>
+        <a:alpha val="90000"/>
+      </a:schemeClr>
+      <a:schemeClr val="accent6">
+        <a:tint val="40000"/>
+        <a:alpha val="90000"/>
+      </a:schemeClr>
+    </dgm:linClrLst>
+    <dgm:effectClrLst/>
+    <dgm:txLinClrLst/>
+    <dgm:txFillClrLst meth="repeat">
+      <a:schemeClr val="dk1"/>
+    </dgm:txFillClrLst>
+    <dgm:txEffectClrLst/>
+  </dgm:styleLbl>
+  <dgm:styleLbl name="alignAccFollowNode1">
+    <dgm:fillClrLst meth="repeat">
+      <a:schemeClr val="accent2">
+        <a:tint val="40000"/>
+        <a:alpha val="90000"/>
+      </a:schemeClr>
+      <a:schemeClr val="accent3">
+        <a:tint val="40000"/>
+        <a:alpha val="90000"/>
+      </a:schemeClr>
+      <a:schemeClr val="accent4">
+        <a:tint val="40000"/>
+        <a:alpha val="90000"/>
+      </a:schemeClr>
+      <a:schemeClr val="accent5">
+        <a:tint val="40000"/>
+        <a:alpha val="90000"/>
+      </a:schemeClr>
+      <a:schemeClr val="accent6">
+        <a:tint val="40000"/>
+        <a:alpha val="90000"/>
+      </a:schemeClr>
+    </dgm:fillClrLst>
+    <dgm:linClrLst meth="repeat">
+      <a:schemeClr val="accent2">
+        <a:tint val="40000"/>
+        <a:alpha val="90000"/>
+      </a:schemeClr>
+      <a:schemeClr val="accent3">
+        <a:tint val="40000"/>
+        <a:alpha val="90000"/>
+      </a:schemeClr>
+      <a:schemeClr val="accent4">
+        <a:tint val="40000"/>
+        <a:alpha val="90000"/>
+      </a:schemeClr>
+      <a:schemeClr val="accent5">
+        <a:tint val="40000"/>
+        <a:alpha val="90000"/>
+      </a:schemeClr>
+      <a:schemeClr val="accent6">
+        <a:tint val="40000"/>
+        <a:alpha val="90000"/>
+      </a:schemeClr>
+    </dgm:linClrLst>
+    <dgm:effectClrLst/>
+    <dgm:txLinClrLst/>
+    <dgm:txFillClrLst meth="repeat">
+      <a:schemeClr val="dk1"/>
+    </dgm:txFillClrLst>
+    <dgm:txEffectClrLst/>
+  </dgm:styleLbl>
+  <dgm:styleLbl name="bgAccFollowNode1">
+    <dgm:fillClrLst meth="repeat">
+      <a:schemeClr val="accent2">
+        <a:tint val="40000"/>
+        <a:alpha val="90000"/>
+      </a:schemeClr>
+      <a:schemeClr val="accent3">
+        <a:tint val="40000"/>
+        <a:alpha val="90000"/>
+      </a:schemeClr>
+      <a:schemeClr val="accent4">
+        <a:tint val="40000"/>
+        <a:alpha val="90000"/>
+      </a:schemeClr>
+      <a:schemeClr val="accent5">
+        <a:tint val="40000"/>
+        <a:alpha val="90000"/>
+      </a:schemeClr>
+      <a:schemeClr val="accent6">
+        <a:tint val="40000"/>
+        <a:alpha val="90000"/>
+      </a:schemeClr>
+    </dgm:fillClrLst>
+    <dgm:linClrLst meth="repeat">
+      <a:schemeClr val="accent2">
+        <a:tint val="40000"/>
+        <a:alpha val="90000"/>
+      </a:schemeClr>
+      <a:schemeClr val="accent3">
+        <a:tint val="40000"/>
+        <a:alpha val="90000"/>
+      </a:schemeClr>
+      <a:schemeClr val="accent4">
+        <a:tint val="40000"/>
+        <a:alpha val="90000"/>
+      </a:schemeClr>
+      <a:schemeClr val="accent5">
+        <a:tint val="40000"/>
+        <a:alpha val="90000"/>
+      </a:schemeClr>
+      <a:schemeClr val="accent6">
+        <a:tint val="40000"/>
+        <a:alpha val="90000"/>
+      </a:schemeClr>
+    </dgm:linClrLst>
+    <dgm:effectClrLst/>
+    <dgm:txLinClrLst/>
+    <dgm:txFillClrLst meth="repeat">
+      <a:schemeClr val="dk1"/>
+    </dgm:txFillClrLst>
+    <dgm:txEffectClrLst/>
+  </dgm:styleLbl>
+  <dgm:styleLbl name="fgAcc0">
+    <dgm:fillClrLst meth="repeat">
+      <a:schemeClr val="lt1">
+        <a:alpha val="90000"/>
+      </a:schemeClr>
+    </dgm:fillClrLst>
+    <dgm:linClrLst>
+      <a:schemeClr val="accent1"/>
+    </dgm:linClrLst>
+    <dgm:effectClrLst/>
+    <dgm:txLinClrLst/>
+    <dgm:txFillClrLst meth="repeat">
+      <a:schemeClr val="dk1"/>
+    </dgm:txFillClrLst>
+    <dgm:txEffectClrLst/>
+  </dgm:styleLbl>
+  <dgm:styleLbl name="fgAcc2">
+    <dgm:fillClrLst meth="repeat">
+      <a:schemeClr val="lt1">
+        <a:alpha val="90000"/>
+      </a:schemeClr>
+    </dgm:fillClrLst>
+    <dgm:linClrLst>
+      <a:schemeClr val="accent2"/>
+    </dgm:linClrLst>
+    <dgm:effectClrLst/>
+    <dgm:txLinClrLst/>
+    <dgm:txFillClrLst meth="repeat">
+      <a:schemeClr val="dk1"/>
+    </dgm:txFillClrLst>
+    <dgm:txEffectClrLst/>
+  </dgm:styleLbl>
+  <dgm:styleLbl name="fgAcc3">
+    <dgm:fillClrLst meth="repeat">
+      <a:schemeClr val="lt1">
+        <a:alpha val="90000"/>
+      </a:schemeClr>
+    </dgm:fillClrLst>
+    <dgm:linClrLst>
+      <a:schemeClr val="accent3"/>
+    </dgm:linClrLst>
+    <dgm:effectClrLst/>
+    <dgm:txLinClrLst/>
+    <dgm:txFillClrLst meth="repeat">
+      <a:schemeClr val="dk1"/>
+    </dgm:txFillClrLst>
+    <dgm:txEffectClrLst/>
+  </dgm:styleLbl>
+  <dgm:styleLbl name="fgAcc4">
+    <dgm:fillClrLst meth="repeat">
+      <a:schemeClr val="lt1">
+        <a:alpha val="90000"/>
+      </a:schemeClr>
+    </dgm:fillClrLst>
+    <dgm:linClrLst>
+      <a:schemeClr val="accent4"/>
+    </dgm:linClrLst>
+    <dgm:effectClrLst/>
+    <dgm:txLinClrLst/>
+    <dgm:txFillClrLst meth="repeat">
+      <a:schemeClr val="dk1"/>
+    </dgm:txFillClrLst>
+    <dgm:txEffectClrLst/>
+  </dgm:styleLbl>
+  <dgm:styleLbl name="bgShp">
+    <dgm:fillClrLst meth="repeat">
+      <a:schemeClr val="accent2">
+        <a:tint val="40000"/>
+      </a:schemeClr>
+    </dgm:fillClrLst>
+    <dgm:linClrLst meth="repeat">
+      <a:schemeClr val="dk1"/>
+    </dgm:linClrLst>
+    <dgm:effectClrLst/>
+    <dgm:txLinClrLst/>
+    <dgm:txFillClrLst meth="repeat">
+      <a:schemeClr val="dk1"/>
+    </dgm:txFillClrLst>
+    <dgm:txEffectClrLst/>
+  </dgm:styleLbl>
+  <dgm:styleLbl name="dkBgShp">
+    <dgm:fillClrLst meth="repeat">
+      <a:schemeClr val="accent2">
+        <a:shade val="90000"/>
+      </a:schemeClr>
+    </dgm:fillClrLst>
+    <dgm:linClrLst meth="repeat">
+      <a:schemeClr val="dk1"/>
+    </dgm:linClrLst>
+    <dgm:effectClrLst/>
+    <dgm:txLinClrLst/>
+    <dgm:txFillClrLst meth="repeat">
+      <a:schemeClr val="lt1"/>
+    </dgm:txFillClrLst>
+    <dgm:txEffectClrLst/>
+  </dgm:styleLbl>
+  <dgm:styleLbl name="trBgShp">
+    <dgm:fillClrLst meth="repeat">
+      <a:schemeClr val="accent1">
+        <a:tint val="50000"/>
+        <a:alpha val="40000"/>
+      </a:schemeClr>
+    </dgm:fillClrLst>
+    <dgm:linClrLst meth="repeat">
+      <a:schemeClr val="accent2"/>
+    </dgm:linClrLst>
+    <dgm:effectClrLst/>
+    <dgm:txLinClrLst/>
+    <dgm:txFillClrLst meth="repeat">
+      <a:schemeClr val="lt1"/>
+    </dgm:txFillClrLst>
+    <dgm:txEffectClrLst/>
+  </dgm:styleLbl>
+  <dgm:styleLbl name="fgShp">
+    <dgm:fillClrLst meth="repeat">
+      <a:schemeClr val="accent2">
+        <a:tint val="40000"/>
       </a:schemeClr>
     </dgm:fillClrLst>
     <dgm:linClrLst meth="repeat">
@@ -5750,6 +7376,249 @@
     <dgm:cxn modelId="{6D4D23E2-C72D-4A85-9F2B-8FEDE87DEBF6}" type="presParOf" srcId="{418ADD0F-2996-41D2-A50B-35663FAE9B44}" destId="{86B54A96-655E-4947-9C5C-B52CE69CF33C}" srcOrd="1" destOrd="0" presId="urn:microsoft.com/office/officeart/2008/layout/HorizontalMultiLevelHierarchy"/>
     <dgm:cxn modelId="{EF591987-3340-49DF-8308-24E64F0D2276}" type="presParOf" srcId="{86B54A96-655E-4947-9C5C-B52CE69CF33C}" destId="{43B69635-C755-4C57-A349-5733FFA6E0A6}" srcOrd="0" destOrd="0" presId="urn:microsoft.com/office/officeart/2008/layout/HorizontalMultiLevelHierarchy"/>
     <dgm:cxn modelId="{11197A01-4B11-44E2-B548-4592C4F86893}" type="presParOf" srcId="{86B54A96-655E-4947-9C5C-B52CE69CF33C}" destId="{2E573E56-FC3B-4AE6-90D6-D966AEC17B74}" srcOrd="1" destOrd="0" presId="urn:microsoft.com/office/officeart/2008/layout/HorizontalMultiLevelHierarchy"/>
+  </dgm:cxnLst>
+  <dgm:bg/>
+  <dgm:whole/>
+  <dgm:extLst>
+    <a:ext uri="http://schemas.microsoft.com/office/drawing/2008/diagram">
+      <dsp:dataModelExt xmlns:dsp="http://schemas.microsoft.com/office/drawing/2008/diagram" relId="rId7" minVer="http://schemas.openxmlformats.org/drawingml/2006/diagram"/>
+    </a:ext>
+  </dgm:extLst>
+</dgm:dataModel>
+</file>
+
+<file path=ppt/diagrams/data5.xml><?xml version="1.0" encoding="utf-8"?>
+<dgm:dataModel xmlns:dgm="http://schemas.openxmlformats.org/drawingml/2006/diagram" xmlns:a="http://schemas.openxmlformats.org/drawingml/2006/main">
+  <dgm:ptLst>
+    <dgm:pt modelId="{658357C4-74B8-4962-94CC-8D2C4E9EF5C4}" type="doc">
+      <dgm:prSet loTypeId="urn:microsoft.com/office/officeart/2005/8/layout/matrix3" loCatId="matrix" qsTypeId="urn:microsoft.com/office/officeart/2005/8/quickstyle/simple1" qsCatId="simple" csTypeId="urn:microsoft.com/office/officeart/2005/8/colors/colorful1" csCatId="colorful" phldr="1"/>
+      <dgm:spPr/>
+      <dgm:t>
+        <a:bodyPr/>
+        <a:lstStyle/>
+        <a:p>
+          <a:endParaRPr lang="en-US"/>
+        </a:p>
+      </dgm:t>
+    </dgm:pt>
+    <dgm:pt modelId="{30BB4B44-93E4-4042-8C0C-F8F2535685AD}">
+      <dgm:prSet/>
+      <dgm:spPr/>
+      <dgm:t>
+        <a:bodyPr/>
+        <a:lstStyle/>
+        <a:p>
+          <a:r>
+            <a:rPr lang="es-CR"/>
+            <a:t>Encapsulación</a:t>
+          </a:r>
+          <a:endParaRPr lang="en-US"/>
+        </a:p>
+      </dgm:t>
+    </dgm:pt>
+    <dgm:pt modelId="{C70B2858-9578-4F79-BE73-50DA06BB8E0F}" type="parTrans" cxnId="{5B66C86F-B0C7-4D80-8F75-891B315A4ED8}">
+      <dgm:prSet/>
+      <dgm:spPr/>
+      <dgm:t>
+        <a:bodyPr/>
+        <a:lstStyle/>
+        <a:p>
+          <a:endParaRPr lang="en-US"/>
+        </a:p>
+      </dgm:t>
+    </dgm:pt>
+    <dgm:pt modelId="{8EC527B8-9D68-4091-953F-757A76E8ED2D}" type="sibTrans" cxnId="{5B66C86F-B0C7-4D80-8F75-891B315A4ED8}">
+      <dgm:prSet/>
+      <dgm:spPr/>
+      <dgm:t>
+        <a:bodyPr/>
+        <a:lstStyle/>
+        <a:p>
+          <a:endParaRPr lang="en-US"/>
+        </a:p>
+      </dgm:t>
+    </dgm:pt>
+    <dgm:pt modelId="{0A75EF2E-1F3C-4AF7-8F46-2D352B1E8193}">
+      <dgm:prSet/>
+      <dgm:spPr/>
+      <dgm:t>
+        <a:bodyPr/>
+        <a:lstStyle/>
+        <a:p>
+          <a:r>
+            <a:rPr lang="es-CR" dirty="0"/>
+            <a:t>Abstracción</a:t>
+          </a:r>
+          <a:endParaRPr lang="en-US" dirty="0"/>
+        </a:p>
+      </dgm:t>
+    </dgm:pt>
+    <dgm:pt modelId="{A79DAD8D-E66D-41A9-9D85-DF233503B4AC}" type="parTrans" cxnId="{9E7A1022-352A-4F9B-A93D-57B9D96D0B6B}">
+      <dgm:prSet/>
+      <dgm:spPr/>
+      <dgm:t>
+        <a:bodyPr/>
+        <a:lstStyle/>
+        <a:p>
+          <a:endParaRPr lang="en-US"/>
+        </a:p>
+      </dgm:t>
+    </dgm:pt>
+    <dgm:pt modelId="{912256BC-E44D-498F-BD93-6986967638CC}" type="sibTrans" cxnId="{9E7A1022-352A-4F9B-A93D-57B9D96D0B6B}">
+      <dgm:prSet/>
+      <dgm:spPr/>
+      <dgm:t>
+        <a:bodyPr/>
+        <a:lstStyle/>
+        <a:p>
+          <a:endParaRPr lang="en-US"/>
+        </a:p>
+      </dgm:t>
+    </dgm:pt>
+    <dgm:pt modelId="{4A8E0FFA-3D28-43A6-B5BF-16AB9148F23B}">
+      <dgm:prSet/>
+      <dgm:spPr/>
+      <dgm:t>
+        <a:bodyPr/>
+        <a:lstStyle/>
+        <a:p>
+          <a:r>
+            <a:rPr lang="es-CR" dirty="0"/>
+            <a:t>Herencia</a:t>
+          </a:r>
+          <a:endParaRPr lang="en-US" dirty="0"/>
+        </a:p>
+      </dgm:t>
+    </dgm:pt>
+    <dgm:pt modelId="{7CB16817-73BC-43DC-A7E4-841811C4A5EA}" type="parTrans" cxnId="{9E752F16-DFA0-4D7A-B168-0B0A0EFDDF7D}">
+      <dgm:prSet/>
+      <dgm:spPr/>
+      <dgm:t>
+        <a:bodyPr/>
+        <a:lstStyle/>
+        <a:p>
+          <a:endParaRPr lang="en-US"/>
+        </a:p>
+      </dgm:t>
+    </dgm:pt>
+    <dgm:pt modelId="{44F0DE5D-7766-4FBE-B298-E0E39F610C08}" type="sibTrans" cxnId="{9E752F16-DFA0-4D7A-B168-0B0A0EFDDF7D}">
+      <dgm:prSet/>
+      <dgm:spPr/>
+      <dgm:t>
+        <a:bodyPr/>
+        <a:lstStyle/>
+        <a:p>
+          <a:endParaRPr lang="en-US"/>
+        </a:p>
+      </dgm:t>
+    </dgm:pt>
+    <dgm:pt modelId="{B82E4CDE-85AB-4FF3-9266-00E8A5040C02}">
+      <dgm:prSet/>
+      <dgm:spPr/>
+      <dgm:t>
+        <a:bodyPr/>
+        <a:lstStyle/>
+        <a:p>
+          <a:r>
+            <a:rPr lang="es-CR" dirty="0"/>
+            <a:t>Polimorfismo</a:t>
+          </a:r>
+          <a:endParaRPr lang="en-US" dirty="0"/>
+        </a:p>
+      </dgm:t>
+    </dgm:pt>
+    <dgm:pt modelId="{81E5CC8A-051B-4717-9748-49563A389198}" type="parTrans" cxnId="{1726AA7D-05C2-4AC9-B586-FF2FCB558CE2}">
+      <dgm:prSet/>
+      <dgm:spPr/>
+      <dgm:t>
+        <a:bodyPr/>
+        <a:lstStyle/>
+        <a:p>
+          <a:endParaRPr lang="en-US"/>
+        </a:p>
+      </dgm:t>
+    </dgm:pt>
+    <dgm:pt modelId="{03DCACAC-EE04-487A-A10C-DCB054AF747F}" type="sibTrans" cxnId="{1726AA7D-05C2-4AC9-B586-FF2FCB558CE2}">
+      <dgm:prSet/>
+      <dgm:spPr/>
+      <dgm:t>
+        <a:bodyPr/>
+        <a:lstStyle/>
+        <a:p>
+          <a:endParaRPr lang="en-US"/>
+        </a:p>
+      </dgm:t>
+    </dgm:pt>
+    <dgm:pt modelId="{02768EB9-0165-4AA7-AA6C-08650EA0BF96}" type="pres">
+      <dgm:prSet presAssocID="{658357C4-74B8-4962-94CC-8D2C4E9EF5C4}" presName="matrix" presStyleCnt="0">
+        <dgm:presLayoutVars>
+          <dgm:chMax val="1"/>
+          <dgm:dir/>
+          <dgm:resizeHandles val="exact"/>
+        </dgm:presLayoutVars>
+      </dgm:prSet>
+      <dgm:spPr/>
+    </dgm:pt>
+    <dgm:pt modelId="{E8F45C47-9017-481A-9A31-038899CA5011}" type="pres">
+      <dgm:prSet presAssocID="{658357C4-74B8-4962-94CC-8D2C4E9EF5C4}" presName="diamond" presStyleLbl="bgShp" presStyleIdx="0" presStyleCnt="1"/>
+      <dgm:spPr/>
+    </dgm:pt>
+    <dgm:pt modelId="{3F13B249-6635-4A01-9B27-C67B2992581F}" type="pres">
+      <dgm:prSet presAssocID="{658357C4-74B8-4962-94CC-8D2C4E9EF5C4}" presName="quad1" presStyleLbl="node1" presStyleIdx="0" presStyleCnt="4">
+        <dgm:presLayoutVars>
+          <dgm:chMax val="0"/>
+          <dgm:chPref val="0"/>
+          <dgm:bulletEnabled val="1"/>
+        </dgm:presLayoutVars>
+      </dgm:prSet>
+      <dgm:spPr/>
+    </dgm:pt>
+    <dgm:pt modelId="{E936D3D2-4963-4EB5-8547-B9B14DB6CBEE}" type="pres">
+      <dgm:prSet presAssocID="{658357C4-74B8-4962-94CC-8D2C4E9EF5C4}" presName="quad2" presStyleLbl="node1" presStyleIdx="1" presStyleCnt="4">
+        <dgm:presLayoutVars>
+          <dgm:chMax val="0"/>
+          <dgm:chPref val="0"/>
+          <dgm:bulletEnabled val="1"/>
+        </dgm:presLayoutVars>
+      </dgm:prSet>
+      <dgm:spPr/>
+    </dgm:pt>
+    <dgm:pt modelId="{18E82FC1-6EF5-4DE1-9F5A-AB1B6C46EA6C}" type="pres">
+      <dgm:prSet presAssocID="{658357C4-74B8-4962-94CC-8D2C4E9EF5C4}" presName="quad3" presStyleLbl="node1" presStyleIdx="2" presStyleCnt="4">
+        <dgm:presLayoutVars>
+          <dgm:chMax val="0"/>
+          <dgm:chPref val="0"/>
+          <dgm:bulletEnabled val="1"/>
+        </dgm:presLayoutVars>
+      </dgm:prSet>
+      <dgm:spPr/>
+    </dgm:pt>
+    <dgm:pt modelId="{C90F5A85-829B-4A7F-92D3-D46EA9DD2B3A}" type="pres">
+      <dgm:prSet presAssocID="{658357C4-74B8-4962-94CC-8D2C4E9EF5C4}" presName="quad4" presStyleLbl="node1" presStyleIdx="3" presStyleCnt="4">
+        <dgm:presLayoutVars>
+          <dgm:chMax val="0"/>
+          <dgm:chPref val="0"/>
+          <dgm:bulletEnabled val="1"/>
+        </dgm:presLayoutVars>
+      </dgm:prSet>
+      <dgm:spPr/>
+    </dgm:pt>
+  </dgm:ptLst>
+  <dgm:cxnLst>
+    <dgm:cxn modelId="{1310B806-CEE3-404F-A7C2-01D08D119E55}" type="presOf" srcId="{B82E4CDE-85AB-4FF3-9266-00E8A5040C02}" destId="{18E82FC1-6EF5-4DE1-9F5A-AB1B6C46EA6C}" srcOrd="0" destOrd="0" presId="urn:microsoft.com/office/officeart/2005/8/layout/matrix3"/>
+    <dgm:cxn modelId="{9E752F16-DFA0-4D7A-B168-0B0A0EFDDF7D}" srcId="{658357C4-74B8-4962-94CC-8D2C4E9EF5C4}" destId="{4A8E0FFA-3D28-43A6-B5BF-16AB9148F23B}" srcOrd="1" destOrd="0" parTransId="{7CB16817-73BC-43DC-A7E4-841811C4A5EA}" sibTransId="{44F0DE5D-7766-4FBE-B298-E0E39F610C08}"/>
+    <dgm:cxn modelId="{9E7A1022-352A-4F9B-A93D-57B9D96D0B6B}" srcId="{658357C4-74B8-4962-94CC-8D2C4E9EF5C4}" destId="{0A75EF2E-1F3C-4AF7-8F46-2D352B1E8193}" srcOrd="3" destOrd="0" parTransId="{A79DAD8D-E66D-41A9-9D85-DF233503B4AC}" sibTransId="{912256BC-E44D-498F-BD93-6986967638CC}"/>
+    <dgm:cxn modelId="{1025104A-C2E8-4A86-A149-105B3C42932D}" type="presOf" srcId="{658357C4-74B8-4962-94CC-8D2C4E9EF5C4}" destId="{02768EB9-0165-4AA7-AA6C-08650EA0BF96}" srcOrd="0" destOrd="0" presId="urn:microsoft.com/office/officeart/2005/8/layout/matrix3"/>
+    <dgm:cxn modelId="{5B66C86F-B0C7-4D80-8F75-891B315A4ED8}" srcId="{658357C4-74B8-4962-94CC-8D2C4E9EF5C4}" destId="{30BB4B44-93E4-4042-8C0C-F8F2535685AD}" srcOrd="0" destOrd="0" parTransId="{C70B2858-9578-4F79-BE73-50DA06BB8E0F}" sibTransId="{8EC527B8-9D68-4091-953F-757A76E8ED2D}"/>
+    <dgm:cxn modelId="{29579E70-8646-47F3-A9C5-87AF10DA48D3}" type="presOf" srcId="{30BB4B44-93E4-4042-8C0C-F8F2535685AD}" destId="{3F13B249-6635-4A01-9B27-C67B2992581F}" srcOrd="0" destOrd="0" presId="urn:microsoft.com/office/officeart/2005/8/layout/matrix3"/>
+    <dgm:cxn modelId="{1726AA7D-05C2-4AC9-B586-FF2FCB558CE2}" srcId="{658357C4-74B8-4962-94CC-8D2C4E9EF5C4}" destId="{B82E4CDE-85AB-4FF3-9266-00E8A5040C02}" srcOrd="2" destOrd="0" parTransId="{81E5CC8A-051B-4717-9748-49563A389198}" sibTransId="{03DCACAC-EE04-487A-A10C-DCB054AF747F}"/>
+    <dgm:cxn modelId="{8DF1B5EE-A7DB-4762-9F99-3C4014262AA8}" type="presOf" srcId="{4A8E0FFA-3D28-43A6-B5BF-16AB9148F23B}" destId="{E936D3D2-4963-4EB5-8547-B9B14DB6CBEE}" srcOrd="0" destOrd="0" presId="urn:microsoft.com/office/officeart/2005/8/layout/matrix3"/>
+    <dgm:cxn modelId="{6836E7F7-A82C-46BA-93C8-35674032D4DA}" type="presOf" srcId="{0A75EF2E-1F3C-4AF7-8F46-2D352B1E8193}" destId="{C90F5A85-829B-4A7F-92D3-D46EA9DD2B3A}" srcOrd="0" destOrd="0" presId="urn:microsoft.com/office/officeart/2005/8/layout/matrix3"/>
+    <dgm:cxn modelId="{6D235425-C64E-48E5-AB47-5F9C9C5783CC}" type="presParOf" srcId="{02768EB9-0165-4AA7-AA6C-08650EA0BF96}" destId="{E8F45C47-9017-481A-9A31-038899CA5011}" srcOrd="0" destOrd="0" presId="urn:microsoft.com/office/officeart/2005/8/layout/matrix3"/>
+    <dgm:cxn modelId="{F1F5AEE5-BE8A-4A3B-9595-458DD53269F8}" type="presParOf" srcId="{02768EB9-0165-4AA7-AA6C-08650EA0BF96}" destId="{3F13B249-6635-4A01-9B27-C67B2992581F}" srcOrd="1" destOrd="0" presId="urn:microsoft.com/office/officeart/2005/8/layout/matrix3"/>
+    <dgm:cxn modelId="{10396317-97AD-4D59-9560-221EC5F5E064}" type="presParOf" srcId="{02768EB9-0165-4AA7-AA6C-08650EA0BF96}" destId="{E936D3D2-4963-4EB5-8547-B9B14DB6CBEE}" srcOrd="2" destOrd="0" presId="urn:microsoft.com/office/officeart/2005/8/layout/matrix3"/>
+    <dgm:cxn modelId="{7736643E-4CB4-4574-8E35-8BC934560E39}" type="presParOf" srcId="{02768EB9-0165-4AA7-AA6C-08650EA0BF96}" destId="{18E82FC1-6EF5-4DE1-9F5A-AB1B6C46EA6C}" srcOrd="3" destOrd="0" presId="urn:microsoft.com/office/officeart/2005/8/layout/matrix3"/>
+    <dgm:cxn modelId="{47E31CC3-2424-4C42-8A02-49D639D13391}" type="presParOf" srcId="{02768EB9-0165-4AA7-AA6C-08650EA0BF96}" destId="{C90F5A85-829B-4A7F-92D3-D46EA9DD2B3A}" srcOrd="4" destOrd="0" presId="urn:microsoft.com/office/officeart/2005/8/layout/matrix3"/>
   </dgm:cxnLst>
   <dgm:bg/>
   <dgm:whole/>
@@ -8198,6 +10067,374 @@
 </dsp:drawing>
 </file>
 
+<file path=ppt/diagrams/drawing5.xml><?xml version="1.0" encoding="utf-8"?>
+<dsp:drawing xmlns:dgm="http://schemas.openxmlformats.org/drawingml/2006/diagram" xmlns:dsp="http://schemas.microsoft.com/office/drawing/2008/diagram" xmlns:a="http://schemas.openxmlformats.org/drawingml/2006/main">
+  <dsp:spTree>
+    <dsp:nvGrpSpPr>
+      <dsp:cNvPr id="0" name=""/>
+      <dsp:cNvGrpSpPr/>
+    </dsp:nvGrpSpPr>
+    <dsp:grpSpPr/>
+    <dsp:sp modelId="{E8F45C47-9017-481A-9A31-038899CA5011}">
+      <dsp:nvSpPr>
+        <dsp:cNvPr id="0" name=""/>
+        <dsp:cNvSpPr/>
+      </dsp:nvSpPr>
+      <dsp:spPr>
+        <a:xfrm>
+          <a:off x="981074" y="0"/>
+          <a:ext cx="4516438" cy="4516438"/>
+        </a:xfrm>
+        <a:prstGeom prst="diamond">
+          <a:avLst/>
+        </a:prstGeom>
+        <a:solidFill>
+          <a:schemeClr val="accent2">
+            <a:tint val="40000"/>
+            <a:hueOff val="0"/>
+            <a:satOff val="0"/>
+            <a:lumOff val="0"/>
+            <a:alphaOff val="0"/>
+          </a:schemeClr>
+        </a:solidFill>
+        <a:ln>
+          <a:noFill/>
+        </a:ln>
+        <a:effectLst/>
+      </dsp:spPr>
+      <dsp:style>
+        <a:lnRef idx="0">
+          <a:scrgbClr r="0" g="0" b="0"/>
+        </a:lnRef>
+        <a:fillRef idx="1">
+          <a:scrgbClr r="0" g="0" b="0"/>
+        </a:fillRef>
+        <a:effectRef idx="0">
+          <a:scrgbClr r="0" g="0" b="0"/>
+        </a:effectRef>
+        <a:fontRef idx="minor"/>
+      </dsp:style>
+    </dsp:sp>
+    <dsp:sp modelId="{3F13B249-6635-4A01-9B27-C67B2992581F}">
+      <dsp:nvSpPr>
+        <dsp:cNvPr id="0" name=""/>
+        <dsp:cNvSpPr/>
+      </dsp:nvSpPr>
+      <dsp:spPr>
+        <a:xfrm>
+          <a:off x="1410136" y="429061"/>
+          <a:ext cx="1761410" cy="1761410"/>
+        </a:xfrm>
+        <a:prstGeom prst="roundRect">
+          <a:avLst/>
+        </a:prstGeom>
+        <a:solidFill>
+          <a:schemeClr val="accent2">
+            <a:hueOff val="0"/>
+            <a:satOff val="0"/>
+            <a:lumOff val="0"/>
+            <a:alphaOff val="0"/>
+          </a:schemeClr>
+        </a:solidFill>
+        <a:ln w="12700" cap="flat" cmpd="sng" algn="ctr">
+          <a:solidFill>
+            <a:schemeClr val="lt1">
+              <a:hueOff val="0"/>
+              <a:satOff val="0"/>
+              <a:lumOff val="0"/>
+              <a:alphaOff val="0"/>
+            </a:schemeClr>
+          </a:solidFill>
+          <a:prstDash val="solid"/>
+          <a:miter lim="800000"/>
+        </a:ln>
+        <a:effectLst/>
+      </dsp:spPr>
+      <dsp:style>
+        <a:lnRef idx="2">
+          <a:scrgbClr r="0" g="0" b="0"/>
+        </a:lnRef>
+        <a:fillRef idx="1">
+          <a:scrgbClr r="0" g="0" b="0"/>
+        </a:fillRef>
+        <a:effectRef idx="0">
+          <a:scrgbClr r="0" g="0" b="0"/>
+        </a:effectRef>
+        <a:fontRef idx="minor">
+          <a:schemeClr val="lt1"/>
+        </a:fontRef>
+      </dsp:style>
+      <dsp:txBody>
+        <a:bodyPr spcFirstLastPara="0" vert="horz" wrap="square" lIns="72390" tIns="72390" rIns="72390" bIns="72390" numCol="1" spcCol="1270" anchor="ctr" anchorCtr="0">
+          <a:noAutofit/>
+        </a:bodyPr>
+        <a:lstStyle/>
+        <a:p>
+          <a:pPr marL="0" lvl="0" indent="0" algn="ctr" defTabSz="844550">
+            <a:lnSpc>
+              <a:spcPct val="90000"/>
+            </a:lnSpc>
+            <a:spcBef>
+              <a:spcPct val="0"/>
+            </a:spcBef>
+            <a:spcAft>
+              <a:spcPct val="35000"/>
+            </a:spcAft>
+            <a:buNone/>
+          </a:pPr>
+          <a:r>
+            <a:rPr lang="es-CR" sz="1900" kern="1200"/>
+            <a:t>Encapsulación</a:t>
+          </a:r>
+          <a:endParaRPr lang="en-US" sz="1900" kern="1200"/>
+        </a:p>
+      </dsp:txBody>
+      <dsp:txXfrm>
+        <a:off x="1496121" y="515046"/>
+        <a:ext cx="1589440" cy="1589440"/>
+      </dsp:txXfrm>
+    </dsp:sp>
+    <dsp:sp modelId="{E936D3D2-4963-4EB5-8547-B9B14DB6CBEE}">
+      <dsp:nvSpPr>
+        <dsp:cNvPr id="0" name=""/>
+        <dsp:cNvSpPr/>
+      </dsp:nvSpPr>
+      <dsp:spPr>
+        <a:xfrm>
+          <a:off x="3307040" y="429061"/>
+          <a:ext cx="1761410" cy="1761410"/>
+        </a:xfrm>
+        <a:prstGeom prst="roundRect">
+          <a:avLst/>
+        </a:prstGeom>
+        <a:solidFill>
+          <a:schemeClr val="accent3">
+            <a:hueOff val="0"/>
+            <a:satOff val="0"/>
+            <a:lumOff val="0"/>
+            <a:alphaOff val="0"/>
+          </a:schemeClr>
+        </a:solidFill>
+        <a:ln w="12700" cap="flat" cmpd="sng" algn="ctr">
+          <a:solidFill>
+            <a:schemeClr val="lt1">
+              <a:hueOff val="0"/>
+              <a:satOff val="0"/>
+              <a:lumOff val="0"/>
+              <a:alphaOff val="0"/>
+            </a:schemeClr>
+          </a:solidFill>
+          <a:prstDash val="solid"/>
+          <a:miter lim="800000"/>
+        </a:ln>
+        <a:effectLst/>
+      </dsp:spPr>
+      <dsp:style>
+        <a:lnRef idx="2">
+          <a:scrgbClr r="0" g="0" b="0"/>
+        </a:lnRef>
+        <a:fillRef idx="1">
+          <a:scrgbClr r="0" g="0" b="0"/>
+        </a:fillRef>
+        <a:effectRef idx="0">
+          <a:scrgbClr r="0" g="0" b="0"/>
+        </a:effectRef>
+        <a:fontRef idx="minor">
+          <a:schemeClr val="lt1"/>
+        </a:fontRef>
+      </dsp:style>
+      <dsp:txBody>
+        <a:bodyPr spcFirstLastPara="0" vert="horz" wrap="square" lIns="72390" tIns="72390" rIns="72390" bIns="72390" numCol="1" spcCol="1270" anchor="ctr" anchorCtr="0">
+          <a:noAutofit/>
+        </a:bodyPr>
+        <a:lstStyle/>
+        <a:p>
+          <a:pPr marL="0" lvl="0" indent="0" algn="ctr" defTabSz="844550">
+            <a:lnSpc>
+              <a:spcPct val="90000"/>
+            </a:lnSpc>
+            <a:spcBef>
+              <a:spcPct val="0"/>
+            </a:spcBef>
+            <a:spcAft>
+              <a:spcPct val="35000"/>
+            </a:spcAft>
+            <a:buNone/>
+          </a:pPr>
+          <a:r>
+            <a:rPr lang="es-CR" sz="1900" kern="1200" dirty="0"/>
+            <a:t>Herencia</a:t>
+          </a:r>
+          <a:endParaRPr lang="en-US" sz="1900" kern="1200" dirty="0"/>
+        </a:p>
+      </dsp:txBody>
+      <dsp:txXfrm>
+        <a:off x="3393025" y="515046"/>
+        <a:ext cx="1589440" cy="1589440"/>
+      </dsp:txXfrm>
+    </dsp:sp>
+    <dsp:sp modelId="{18E82FC1-6EF5-4DE1-9F5A-AB1B6C46EA6C}">
+      <dsp:nvSpPr>
+        <dsp:cNvPr id="0" name=""/>
+        <dsp:cNvSpPr/>
+      </dsp:nvSpPr>
+      <dsp:spPr>
+        <a:xfrm>
+          <a:off x="1410136" y="2325965"/>
+          <a:ext cx="1761410" cy="1761410"/>
+        </a:xfrm>
+        <a:prstGeom prst="roundRect">
+          <a:avLst/>
+        </a:prstGeom>
+        <a:solidFill>
+          <a:schemeClr val="accent4">
+            <a:hueOff val="0"/>
+            <a:satOff val="0"/>
+            <a:lumOff val="0"/>
+            <a:alphaOff val="0"/>
+          </a:schemeClr>
+        </a:solidFill>
+        <a:ln w="12700" cap="flat" cmpd="sng" algn="ctr">
+          <a:solidFill>
+            <a:schemeClr val="lt1">
+              <a:hueOff val="0"/>
+              <a:satOff val="0"/>
+              <a:lumOff val="0"/>
+              <a:alphaOff val="0"/>
+            </a:schemeClr>
+          </a:solidFill>
+          <a:prstDash val="solid"/>
+          <a:miter lim="800000"/>
+        </a:ln>
+        <a:effectLst/>
+      </dsp:spPr>
+      <dsp:style>
+        <a:lnRef idx="2">
+          <a:scrgbClr r="0" g="0" b="0"/>
+        </a:lnRef>
+        <a:fillRef idx="1">
+          <a:scrgbClr r="0" g="0" b="0"/>
+        </a:fillRef>
+        <a:effectRef idx="0">
+          <a:scrgbClr r="0" g="0" b="0"/>
+        </a:effectRef>
+        <a:fontRef idx="minor">
+          <a:schemeClr val="lt1"/>
+        </a:fontRef>
+      </dsp:style>
+      <dsp:txBody>
+        <a:bodyPr spcFirstLastPara="0" vert="horz" wrap="square" lIns="72390" tIns="72390" rIns="72390" bIns="72390" numCol="1" spcCol="1270" anchor="ctr" anchorCtr="0">
+          <a:noAutofit/>
+        </a:bodyPr>
+        <a:lstStyle/>
+        <a:p>
+          <a:pPr marL="0" lvl="0" indent="0" algn="ctr" defTabSz="844550">
+            <a:lnSpc>
+              <a:spcPct val="90000"/>
+            </a:lnSpc>
+            <a:spcBef>
+              <a:spcPct val="0"/>
+            </a:spcBef>
+            <a:spcAft>
+              <a:spcPct val="35000"/>
+            </a:spcAft>
+            <a:buNone/>
+          </a:pPr>
+          <a:r>
+            <a:rPr lang="es-CR" sz="1900" kern="1200" dirty="0"/>
+            <a:t>Polimorfismo</a:t>
+          </a:r>
+          <a:endParaRPr lang="en-US" sz="1900" kern="1200" dirty="0"/>
+        </a:p>
+      </dsp:txBody>
+      <dsp:txXfrm>
+        <a:off x="1496121" y="2411950"/>
+        <a:ext cx="1589440" cy="1589440"/>
+      </dsp:txXfrm>
+    </dsp:sp>
+    <dsp:sp modelId="{C90F5A85-829B-4A7F-92D3-D46EA9DD2B3A}">
+      <dsp:nvSpPr>
+        <dsp:cNvPr id="0" name=""/>
+        <dsp:cNvSpPr/>
+      </dsp:nvSpPr>
+      <dsp:spPr>
+        <a:xfrm>
+          <a:off x="3307040" y="2325965"/>
+          <a:ext cx="1761410" cy="1761410"/>
+        </a:xfrm>
+        <a:prstGeom prst="roundRect">
+          <a:avLst/>
+        </a:prstGeom>
+        <a:solidFill>
+          <a:schemeClr val="accent5">
+            <a:hueOff val="0"/>
+            <a:satOff val="0"/>
+            <a:lumOff val="0"/>
+            <a:alphaOff val="0"/>
+          </a:schemeClr>
+        </a:solidFill>
+        <a:ln w="12700" cap="flat" cmpd="sng" algn="ctr">
+          <a:solidFill>
+            <a:schemeClr val="lt1">
+              <a:hueOff val="0"/>
+              <a:satOff val="0"/>
+              <a:lumOff val="0"/>
+              <a:alphaOff val="0"/>
+            </a:schemeClr>
+          </a:solidFill>
+          <a:prstDash val="solid"/>
+          <a:miter lim="800000"/>
+        </a:ln>
+        <a:effectLst/>
+      </dsp:spPr>
+      <dsp:style>
+        <a:lnRef idx="2">
+          <a:scrgbClr r="0" g="0" b="0"/>
+        </a:lnRef>
+        <a:fillRef idx="1">
+          <a:scrgbClr r="0" g="0" b="0"/>
+        </a:fillRef>
+        <a:effectRef idx="0">
+          <a:scrgbClr r="0" g="0" b="0"/>
+        </a:effectRef>
+        <a:fontRef idx="minor">
+          <a:schemeClr val="lt1"/>
+        </a:fontRef>
+      </dsp:style>
+      <dsp:txBody>
+        <a:bodyPr spcFirstLastPara="0" vert="horz" wrap="square" lIns="72390" tIns="72390" rIns="72390" bIns="72390" numCol="1" spcCol="1270" anchor="ctr" anchorCtr="0">
+          <a:noAutofit/>
+        </a:bodyPr>
+        <a:lstStyle/>
+        <a:p>
+          <a:pPr marL="0" lvl="0" indent="0" algn="ctr" defTabSz="844550">
+            <a:lnSpc>
+              <a:spcPct val="90000"/>
+            </a:lnSpc>
+            <a:spcBef>
+              <a:spcPct val="0"/>
+            </a:spcBef>
+            <a:spcAft>
+              <a:spcPct val="35000"/>
+            </a:spcAft>
+            <a:buNone/>
+          </a:pPr>
+          <a:r>
+            <a:rPr lang="es-CR" sz="1900" kern="1200" dirty="0"/>
+            <a:t>Abstracción</a:t>
+          </a:r>
+          <a:endParaRPr lang="en-US" sz="1900" kern="1200" dirty="0"/>
+        </a:p>
+      </dsp:txBody>
+      <dsp:txXfrm>
+        <a:off x="3393025" y="2411950"/>
+        <a:ext cx="1589440" cy="1589440"/>
+      </dsp:txXfrm>
+    </dsp:sp>
+  </dsp:spTree>
+</dsp:drawing>
+</file>
+
 <file path=ppt/diagrams/layout1.xml><?xml version="1.0" encoding="utf-8"?>
 <dgm:layoutDef xmlns:dgm="http://schemas.openxmlformats.org/drawingml/2006/diagram" xmlns:a="http://schemas.openxmlformats.org/drawingml/2006/main" uniqueId="urn:microsoft.com/office/officeart/2009/3/layout/StepUpProcess">
   <dgm:title val=""/>
@@ -9107,6 +11344,225 @@
 </dgm:layoutDef>
 </file>
 
+<file path=ppt/diagrams/layout5.xml><?xml version="1.0" encoding="utf-8"?>
+<dgm:layoutDef xmlns:dgm="http://schemas.openxmlformats.org/drawingml/2006/diagram" xmlns:a="http://schemas.openxmlformats.org/drawingml/2006/main" uniqueId="urn:microsoft.com/office/officeart/2005/8/layout/matrix3">
+  <dgm:title val=""/>
+  <dgm:desc val=""/>
+  <dgm:catLst>
+    <dgm:cat type="matrix" pri="1000"/>
+    <dgm:cat type="convert" pri="18000"/>
+  </dgm:catLst>
+  <dgm:sampData>
+    <dgm:dataModel>
+      <dgm:ptLst>
+        <dgm:pt modelId="0" type="doc"/>
+        <dgm:pt modelId="1">
+          <dgm:prSet phldr="1"/>
+        </dgm:pt>
+        <dgm:pt modelId="2">
+          <dgm:prSet phldr="1"/>
+        </dgm:pt>
+        <dgm:pt modelId="3">
+          <dgm:prSet phldr="1"/>
+        </dgm:pt>
+        <dgm:pt modelId="4">
+          <dgm:prSet phldr="1"/>
+        </dgm:pt>
+      </dgm:ptLst>
+      <dgm:cxnLst>
+        <dgm:cxn modelId="5" srcId="0" destId="1" srcOrd="0" destOrd="0"/>
+        <dgm:cxn modelId="6" srcId="0" destId="2" srcOrd="1" destOrd="0"/>
+        <dgm:cxn modelId="7" srcId="0" destId="3" srcOrd="0" destOrd="0"/>
+        <dgm:cxn modelId="8" srcId="0" destId="4" srcOrd="1" destOrd="0"/>
+      </dgm:cxnLst>
+      <dgm:bg/>
+      <dgm:whole/>
+    </dgm:dataModel>
+  </dgm:sampData>
+  <dgm:styleData useDef="1">
+    <dgm:dataModel>
+      <dgm:ptLst/>
+      <dgm:bg/>
+      <dgm:whole/>
+    </dgm:dataModel>
+  </dgm:styleData>
+  <dgm:clrData useDef="1">
+    <dgm:dataModel>
+      <dgm:ptLst/>
+      <dgm:bg/>
+      <dgm:whole/>
+    </dgm:dataModel>
+  </dgm:clrData>
+  <dgm:layoutNode name="matrix">
+    <dgm:varLst>
+      <dgm:chMax val="1"/>
+      <dgm:dir/>
+      <dgm:resizeHandles val="exact"/>
+    </dgm:varLst>
+    <dgm:alg type="composite">
+      <dgm:param type="ar" val="1"/>
+    </dgm:alg>
+    <dgm:shape xmlns:r="http://schemas.openxmlformats.org/officeDocument/2006/relationships" r:blip="">
+      <dgm:adjLst/>
+    </dgm:shape>
+    <dgm:presOf/>
+    <dgm:choose name="Name0">
+      <dgm:if name="Name1" func="var" arg="dir" op="equ" val="norm">
+        <dgm:constrLst>
+          <dgm:constr type="w" for="ch" forName="diamond" refType="w"/>
+          <dgm:constr type="h" for="ch" forName="diamond" refType="h"/>
+          <dgm:constr type="w" for="ch" forName="quad1" refType="w" fact="0.39"/>
+          <dgm:constr type="h" for="ch" forName="quad1" refType="h" fact="0.39"/>
+          <dgm:constr type="ctrX" for="ch" forName="quad1" refType="w" fact="0.29"/>
+          <dgm:constr type="ctrY" for="ch" forName="quad1" refType="h" fact="0.29"/>
+          <dgm:constr type="w" for="ch" forName="quad2" refType="w" fact="0.39"/>
+          <dgm:constr type="h" for="ch" forName="quad2" refType="h" fact="0.39"/>
+          <dgm:constr type="ctrX" for="ch" forName="quad2" refType="w" fact="0.71"/>
+          <dgm:constr type="ctrY" for="ch" forName="quad2" refType="h" fact="0.29"/>
+          <dgm:constr type="w" for="ch" forName="quad3" refType="w" fact="0.39"/>
+          <dgm:constr type="h" for="ch" forName="quad3" refType="h" fact="0.39"/>
+          <dgm:constr type="ctrX" for="ch" forName="quad3" refType="w" fact="0.29"/>
+          <dgm:constr type="ctrY" for="ch" forName="quad3" refType="h" fact="0.71"/>
+          <dgm:constr type="w" for="ch" forName="quad4" refType="w" fact="0.39"/>
+          <dgm:constr type="h" for="ch" forName="quad4" refType="h" fact="0.39"/>
+          <dgm:constr type="ctrX" for="ch" forName="quad4" refType="w" fact="0.71"/>
+          <dgm:constr type="ctrY" for="ch" forName="quad4" refType="h" fact="0.71"/>
+          <dgm:constr type="primFontSz" for="des" ptType="node" op="equ" val="65"/>
+        </dgm:constrLst>
+      </dgm:if>
+      <dgm:else name="Name2">
+        <dgm:constrLst>
+          <dgm:constr type="w" for="ch" forName="diamond" refType="w"/>
+          <dgm:constr type="h" for="ch" forName="diamond" refType="h"/>
+          <dgm:constr type="w" for="ch" forName="quad1" refType="w" fact="0.39"/>
+          <dgm:constr type="h" for="ch" forName="quad1" refType="h" fact="0.39"/>
+          <dgm:constr type="ctrX" for="ch" forName="quad1" refType="w" fact="0.71"/>
+          <dgm:constr type="ctrY" for="ch" forName="quad1" refType="h" fact="0.29"/>
+          <dgm:constr type="w" for="ch" forName="quad2" refType="w" fact="0.39"/>
+          <dgm:constr type="h" for="ch" forName="quad2" refType="h" fact="0.39"/>
+          <dgm:constr type="ctrX" for="ch" forName="quad2" refType="w" fact="0.29"/>
+          <dgm:constr type="ctrY" for="ch" forName="quad2" refType="h" fact="0.29"/>
+          <dgm:constr type="w" for="ch" forName="quad3" refType="w" fact="0.39"/>
+          <dgm:constr type="h" for="ch" forName="quad3" refType="h" fact="0.39"/>
+          <dgm:constr type="ctrX" for="ch" forName="quad3" refType="w" fact="0.71"/>
+          <dgm:constr type="ctrY" for="ch" forName="quad3" refType="h" fact="0.71"/>
+          <dgm:constr type="w" for="ch" forName="quad4" refType="w" fact="0.39"/>
+          <dgm:constr type="h" for="ch" forName="quad4" refType="h" fact="0.39"/>
+          <dgm:constr type="ctrX" for="ch" forName="quad4" refType="w" fact="0.29"/>
+          <dgm:constr type="ctrY" for="ch" forName="quad4" refType="h" fact="0.71"/>
+          <dgm:constr type="primFontSz" for="des" ptType="node" op="equ" val="65"/>
+        </dgm:constrLst>
+      </dgm:else>
+    </dgm:choose>
+    <dgm:ruleLst/>
+    <dgm:choose name="Name3">
+      <dgm:if name="Name4" axis="ch" ptType="node" func="cnt" op="gte" val="1">
+        <dgm:layoutNode name="diamond" styleLbl="bgShp">
+          <dgm:alg type="sp"/>
+          <dgm:shape xmlns:r="http://schemas.openxmlformats.org/officeDocument/2006/relationships" type="diamond" r:blip="">
+            <dgm:adjLst/>
+          </dgm:shape>
+          <dgm:presOf/>
+          <dgm:constrLst>
+            <dgm:constr type="w" refType="h" op="equ"/>
+          </dgm:constrLst>
+          <dgm:ruleLst/>
+        </dgm:layoutNode>
+        <dgm:layoutNode name="quad1">
+          <dgm:varLst>
+            <dgm:chMax val="0"/>
+            <dgm:chPref val="0"/>
+            <dgm:bulletEnabled val="1"/>
+          </dgm:varLst>
+          <dgm:alg type="tx"/>
+          <dgm:shape xmlns:r="http://schemas.openxmlformats.org/officeDocument/2006/relationships" type="roundRect" r:blip="">
+            <dgm:adjLst/>
+          </dgm:shape>
+          <dgm:presOf axis="ch desOrSelf" ptType="node node" st="1 1" cnt="1 0"/>
+          <dgm:constrLst>
+            <dgm:constr type="w" refType="h" op="equ"/>
+            <dgm:constr type="tMarg" refType="primFontSz" fact="0.3"/>
+            <dgm:constr type="bMarg" refType="primFontSz" fact="0.3"/>
+            <dgm:constr type="lMarg" refType="primFontSz" fact="0.3"/>
+            <dgm:constr type="rMarg" refType="primFontSz" fact="0.3"/>
+          </dgm:constrLst>
+          <dgm:ruleLst>
+            <dgm:rule type="primFontSz" val="5" fact="NaN" max="NaN"/>
+          </dgm:ruleLst>
+        </dgm:layoutNode>
+        <dgm:layoutNode name="quad2">
+          <dgm:varLst>
+            <dgm:chMax val="0"/>
+            <dgm:chPref val="0"/>
+            <dgm:bulletEnabled val="1"/>
+          </dgm:varLst>
+          <dgm:alg type="tx"/>
+          <dgm:shape xmlns:r="http://schemas.openxmlformats.org/officeDocument/2006/relationships" type="roundRect" r:blip="">
+            <dgm:adjLst/>
+          </dgm:shape>
+          <dgm:presOf axis="ch desOrSelf" ptType="node node" st="2 1" cnt="1 0"/>
+          <dgm:constrLst>
+            <dgm:constr type="w" refType="h" op="equ"/>
+            <dgm:constr type="tMarg" refType="primFontSz" fact="0.3"/>
+            <dgm:constr type="bMarg" refType="primFontSz" fact="0.3"/>
+            <dgm:constr type="lMarg" refType="primFontSz" fact="0.3"/>
+            <dgm:constr type="rMarg" refType="primFontSz" fact="0.3"/>
+          </dgm:constrLst>
+          <dgm:ruleLst>
+            <dgm:rule type="primFontSz" val="5" fact="NaN" max="NaN"/>
+          </dgm:ruleLst>
+        </dgm:layoutNode>
+        <dgm:layoutNode name="quad3">
+          <dgm:varLst>
+            <dgm:chMax val="0"/>
+            <dgm:chPref val="0"/>
+            <dgm:bulletEnabled val="1"/>
+          </dgm:varLst>
+          <dgm:alg type="tx"/>
+          <dgm:shape xmlns:r="http://schemas.openxmlformats.org/officeDocument/2006/relationships" type="roundRect" r:blip="">
+            <dgm:adjLst/>
+          </dgm:shape>
+          <dgm:presOf axis="ch desOrSelf" ptType="node node" st="3 1" cnt="1 0"/>
+          <dgm:constrLst>
+            <dgm:constr type="w" refType="h" op="equ"/>
+            <dgm:constr type="tMarg" refType="primFontSz" fact="0.3"/>
+            <dgm:constr type="bMarg" refType="primFontSz" fact="0.3"/>
+            <dgm:constr type="lMarg" refType="primFontSz" fact="0.3"/>
+            <dgm:constr type="rMarg" refType="primFontSz" fact="0.3"/>
+          </dgm:constrLst>
+          <dgm:ruleLst>
+            <dgm:rule type="primFontSz" val="5" fact="NaN" max="NaN"/>
+          </dgm:ruleLst>
+        </dgm:layoutNode>
+        <dgm:layoutNode name="quad4">
+          <dgm:varLst>
+            <dgm:chMax val="0"/>
+            <dgm:chPref val="0"/>
+            <dgm:bulletEnabled val="1"/>
+          </dgm:varLst>
+          <dgm:alg type="tx"/>
+          <dgm:shape xmlns:r="http://schemas.openxmlformats.org/officeDocument/2006/relationships" type="roundRect" r:blip="">
+            <dgm:adjLst/>
+          </dgm:shape>
+          <dgm:presOf axis="ch desOrSelf" ptType="node node" st="4 1" cnt="1 0"/>
+          <dgm:constrLst>
+            <dgm:constr type="w" refType="h" op="equ"/>
+            <dgm:constr type="tMarg" refType="primFontSz" fact="0.3"/>
+            <dgm:constr type="bMarg" refType="primFontSz" fact="0.3"/>
+            <dgm:constr type="lMarg" refType="primFontSz" fact="0.3"/>
+            <dgm:constr type="rMarg" refType="primFontSz" fact="0.3"/>
+          </dgm:constrLst>
+          <dgm:ruleLst>
+            <dgm:rule type="primFontSz" val="5" fact="NaN" max="NaN"/>
+          </dgm:ruleLst>
+        </dgm:layoutNode>
+      </dgm:if>
+      <dgm:else name="Name5"/>
+    </dgm:choose>
+  </dgm:layoutNode>
+</dgm:layoutDef>
+</file>
+
 <file path=ppt/diagrams/quickStyle1.xml><?xml version="1.0" encoding="utf-8"?>
 <dgm:styleDef xmlns:dgm="http://schemas.openxmlformats.org/drawingml/2006/diagram" xmlns:a="http://schemas.openxmlformats.org/drawingml/2006/main" uniqueId="urn:microsoft.com/office/officeart/2005/8/quickstyle/simple1">
   <dgm:title val=""/>
@@ -12210,6 +14666,1040 @@
 </file>
 
 <file path=ppt/diagrams/quickStyle4.xml><?xml version="1.0" encoding="utf-8"?>
+<dgm:styleDef xmlns:dgm="http://schemas.openxmlformats.org/drawingml/2006/diagram" xmlns:a="http://schemas.openxmlformats.org/drawingml/2006/main" uniqueId="urn:microsoft.com/office/officeart/2005/8/quickstyle/simple1">
+  <dgm:title val=""/>
+  <dgm:desc val=""/>
+  <dgm:catLst>
+    <dgm:cat type="simple" pri="10100"/>
+  </dgm:catLst>
+  <dgm:scene3d>
+    <a:camera prst="orthographicFront"/>
+    <a:lightRig rig="threePt" dir="t"/>
+  </dgm:scene3d>
+  <dgm:styleLbl name="node0">
+    <dgm:scene3d>
+      <a:camera prst="orthographicFront"/>
+      <a:lightRig rig="threePt" dir="t"/>
+    </dgm:scene3d>
+    <dgm:sp3d/>
+    <dgm:txPr/>
+    <dgm:style>
+      <a:lnRef idx="2">
+        <a:scrgbClr r="0" g="0" b="0"/>
+      </a:lnRef>
+      <a:fillRef idx="1">
+        <a:scrgbClr r="0" g="0" b="0"/>
+      </a:fillRef>
+      <a:effectRef idx="0">
+        <a:scrgbClr r="0" g="0" b="0"/>
+      </a:effectRef>
+      <a:fontRef idx="minor">
+        <a:schemeClr val="lt1"/>
+      </a:fontRef>
+    </dgm:style>
+  </dgm:styleLbl>
+  <dgm:styleLbl name="lnNode1">
+    <dgm:scene3d>
+      <a:camera prst="orthographicFront"/>
+      <a:lightRig rig="threePt" dir="t"/>
+    </dgm:scene3d>
+    <dgm:sp3d/>
+    <dgm:txPr/>
+    <dgm:style>
+      <a:lnRef idx="2">
+        <a:scrgbClr r="0" g="0" b="0"/>
+      </a:lnRef>
+      <a:fillRef idx="1">
+        <a:scrgbClr r="0" g="0" b="0"/>
+      </a:fillRef>
+      <a:effectRef idx="0">
+        <a:scrgbClr r="0" g="0" b="0"/>
+      </a:effectRef>
+      <a:fontRef idx="minor">
+        <a:schemeClr val="lt1"/>
+      </a:fontRef>
+    </dgm:style>
+  </dgm:styleLbl>
+  <dgm:styleLbl name="vennNode1">
+    <dgm:scene3d>
+      <a:camera prst="orthographicFront"/>
+      <a:lightRig rig="threePt" dir="t"/>
+    </dgm:scene3d>
+    <dgm:sp3d/>
+    <dgm:txPr/>
+    <dgm:style>
+      <a:lnRef idx="2">
+        <a:scrgbClr r="0" g="0" b="0"/>
+      </a:lnRef>
+      <a:fillRef idx="1">
+        <a:scrgbClr r="0" g="0" b="0"/>
+      </a:fillRef>
+      <a:effectRef idx="0">
+        <a:scrgbClr r="0" g="0" b="0"/>
+      </a:effectRef>
+      <a:fontRef idx="minor">
+        <a:schemeClr val="tx1"/>
+      </a:fontRef>
+    </dgm:style>
+  </dgm:styleLbl>
+  <dgm:styleLbl name="alignNode1">
+    <dgm:scene3d>
+      <a:camera prst="orthographicFront"/>
+      <a:lightRig rig="threePt" dir="t"/>
+    </dgm:scene3d>
+    <dgm:sp3d/>
+    <dgm:txPr/>
+    <dgm:style>
+      <a:lnRef idx="2">
+        <a:scrgbClr r="0" g="0" b="0"/>
+      </a:lnRef>
+      <a:fillRef idx="1">
+        <a:scrgbClr r="0" g="0" b="0"/>
+      </a:fillRef>
+      <a:effectRef idx="0">
+        <a:scrgbClr r="0" g="0" b="0"/>
+      </a:effectRef>
+      <a:fontRef idx="minor">
+        <a:schemeClr val="lt1"/>
+      </a:fontRef>
+    </dgm:style>
+  </dgm:styleLbl>
+  <dgm:styleLbl name="node1">
+    <dgm:scene3d>
+      <a:camera prst="orthographicFront"/>
+      <a:lightRig rig="threePt" dir="t"/>
+    </dgm:scene3d>
+    <dgm:sp3d/>
+    <dgm:txPr/>
+    <dgm:style>
+      <a:lnRef idx="2">
+        <a:scrgbClr r="0" g="0" b="0"/>
+      </a:lnRef>
+      <a:fillRef idx="1">
+        <a:scrgbClr r="0" g="0" b="0"/>
+      </a:fillRef>
+      <a:effectRef idx="0">
+        <a:scrgbClr r="0" g="0" b="0"/>
+      </a:effectRef>
+      <a:fontRef idx="minor">
+        <a:schemeClr val="lt1"/>
+      </a:fontRef>
+    </dgm:style>
+  </dgm:styleLbl>
+  <dgm:styleLbl name="node2">
+    <dgm:scene3d>
+      <a:camera prst="orthographicFront"/>
+      <a:lightRig rig="threePt" dir="t"/>
+    </dgm:scene3d>
+    <dgm:sp3d/>
+    <dgm:txPr/>
+    <dgm:style>
+      <a:lnRef idx="2">
+        <a:scrgbClr r="0" g="0" b="0"/>
+      </a:lnRef>
+      <a:fillRef idx="1">
+        <a:scrgbClr r="0" g="0" b="0"/>
+      </a:fillRef>
+      <a:effectRef idx="0">
+        <a:scrgbClr r="0" g="0" b="0"/>
+      </a:effectRef>
+      <a:fontRef idx="minor">
+        <a:schemeClr val="lt1"/>
+      </a:fontRef>
+    </dgm:style>
+  </dgm:styleLbl>
+  <dgm:styleLbl name="node3">
+    <dgm:scene3d>
+      <a:camera prst="orthographicFront"/>
+      <a:lightRig rig="threePt" dir="t"/>
+    </dgm:scene3d>
+    <dgm:sp3d/>
+    <dgm:txPr/>
+    <dgm:style>
+      <a:lnRef idx="2">
+        <a:scrgbClr r="0" g="0" b="0"/>
+      </a:lnRef>
+      <a:fillRef idx="1">
+        <a:scrgbClr r="0" g="0" b="0"/>
+      </a:fillRef>
+      <a:effectRef idx="0">
+        <a:scrgbClr r="0" g="0" b="0"/>
+      </a:effectRef>
+      <a:fontRef idx="minor">
+        <a:schemeClr val="lt1"/>
+      </a:fontRef>
+    </dgm:style>
+  </dgm:styleLbl>
+  <dgm:styleLbl name="node4">
+    <dgm:scene3d>
+      <a:camera prst="orthographicFront"/>
+      <a:lightRig rig="threePt" dir="t"/>
+    </dgm:scene3d>
+    <dgm:sp3d/>
+    <dgm:txPr/>
+    <dgm:style>
+      <a:lnRef idx="2">
+        <a:scrgbClr r="0" g="0" b="0"/>
+      </a:lnRef>
+      <a:fillRef idx="1">
+        <a:scrgbClr r="0" g="0" b="0"/>
+      </a:fillRef>
+      <a:effectRef idx="0">
+        <a:scrgbClr r="0" g="0" b="0"/>
+      </a:effectRef>
+      <a:fontRef idx="minor">
+        <a:schemeClr val="lt1"/>
+      </a:fontRef>
+    </dgm:style>
+  </dgm:styleLbl>
+  <dgm:styleLbl name="fgImgPlace1">
+    <dgm:scene3d>
+      <a:camera prst="orthographicFront"/>
+      <a:lightRig rig="threePt" dir="t"/>
+    </dgm:scene3d>
+    <dgm:sp3d/>
+    <dgm:txPr/>
+    <dgm:style>
+      <a:lnRef idx="2">
+        <a:scrgbClr r="0" g="0" b="0"/>
+      </a:lnRef>
+      <a:fillRef idx="1">
+        <a:scrgbClr r="0" g="0" b="0"/>
+      </a:fillRef>
+      <a:effectRef idx="0">
+        <a:scrgbClr r="0" g="0" b="0"/>
+      </a:effectRef>
+      <a:fontRef idx="minor"/>
+    </dgm:style>
+  </dgm:styleLbl>
+  <dgm:styleLbl name="alignImgPlace1">
+    <dgm:scene3d>
+      <a:camera prst="orthographicFront"/>
+      <a:lightRig rig="threePt" dir="t"/>
+    </dgm:scene3d>
+    <dgm:sp3d/>
+    <dgm:txPr/>
+    <dgm:style>
+      <a:lnRef idx="2">
+        <a:scrgbClr r="0" g="0" b="0"/>
+      </a:lnRef>
+      <a:fillRef idx="1">
+        <a:scrgbClr r="0" g="0" b="0"/>
+      </a:fillRef>
+      <a:effectRef idx="0">
+        <a:scrgbClr r="0" g="0" b="0"/>
+      </a:effectRef>
+      <a:fontRef idx="minor"/>
+    </dgm:style>
+  </dgm:styleLbl>
+  <dgm:styleLbl name="bgImgPlace1">
+    <dgm:scene3d>
+      <a:camera prst="orthographicFront"/>
+      <a:lightRig rig="threePt" dir="t"/>
+    </dgm:scene3d>
+    <dgm:sp3d/>
+    <dgm:txPr/>
+    <dgm:style>
+      <a:lnRef idx="2">
+        <a:scrgbClr r="0" g="0" b="0"/>
+      </a:lnRef>
+      <a:fillRef idx="1">
+        <a:scrgbClr r="0" g="0" b="0"/>
+      </a:fillRef>
+      <a:effectRef idx="0">
+        <a:scrgbClr r="0" g="0" b="0"/>
+      </a:effectRef>
+      <a:fontRef idx="minor"/>
+    </dgm:style>
+  </dgm:styleLbl>
+  <dgm:styleLbl name="sibTrans2D1">
+    <dgm:scene3d>
+      <a:camera prst="orthographicFront"/>
+      <a:lightRig rig="threePt" dir="t"/>
+    </dgm:scene3d>
+    <dgm:sp3d/>
+    <dgm:txPr/>
+    <dgm:style>
+      <a:lnRef idx="0">
+        <a:scrgbClr r="0" g="0" b="0"/>
+      </a:lnRef>
+      <a:fillRef idx="1">
+        <a:scrgbClr r="0" g="0" b="0"/>
+      </a:fillRef>
+      <a:effectRef idx="0">
+        <a:scrgbClr r="0" g="0" b="0"/>
+      </a:effectRef>
+      <a:fontRef idx="minor">
+        <a:schemeClr val="lt1"/>
+      </a:fontRef>
+    </dgm:style>
+  </dgm:styleLbl>
+  <dgm:styleLbl name="fgSibTrans2D1">
+    <dgm:scene3d>
+      <a:camera prst="orthographicFront"/>
+      <a:lightRig rig="threePt" dir="t"/>
+    </dgm:scene3d>
+    <dgm:sp3d/>
+    <dgm:txPr/>
+    <dgm:style>
+      <a:lnRef idx="0">
+        <a:scrgbClr r="0" g="0" b="0"/>
+      </a:lnRef>
+      <a:fillRef idx="1">
+        <a:scrgbClr r="0" g="0" b="0"/>
+      </a:fillRef>
+      <a:effectRef idx="0">
+        <a:scrgbClr r="0" g="0" b="0"/>
+      </a:effectRef>
+      <a:fontRef idx="minor">
+        <a:schemeClr val="lt1"/>
+      </a:fontRef>
+    </dgm:style>
+  </dgm:styleLbl>
+  <dgm:styleLbl name="bgSibTrans2D1">
+    <dgm:scene3d>
+      <a:camera prst="orthographicFront"/>
+      <a:lightRig rig="threePt" dir="t"/>
+    </dgm:scene3d>
+    <dgm:sp3d/>
+    <dgm:txPr/>
+    <dgm:style>
+      <a:lnRef idx="0">
+        <a:scrgbClr r="0" g="0" b="0"/>
+      </a:lnRef>
+      <a:fillRef idx="1">
+        <a:scrgbClr r="0" g="0" b="0"/>
+      </a:fillRef>
+      <a:effectRef idx="0">
+        <a:scrgbClr r="0" g="0" b="0"/>
+      </a:effectRef>
+      <a:fontRef idx="minor">
+        <a:schemeClr val="lt1"/>
+      </a:fontRef>
+    </dgm:style>
+  </dgm:styleLbl>
+  <dgm:styleLbl name="sibTrans1D1">
+    <dgm:scene3d>
+      <a:camera prst="orthographicFront"/>
+      <a:lightRig rig="threePt" dir="t"/>
+    </dgm:scene3d>
+    <dgm:sp3d/>
+    <dgm:txPr/>
+    <dgm:style>
+      <a:lnRef idx="1">
+        <a:scrgbClr r="0" g="0" b="0"/>
+      </a:lnRef>
+      <a:fillRef idx="0">
+        <a:scrgbClr r="0" g="0" b="0"/>
+      </a:fillRef>
+      <a:effectRef idx="0">
+        <a:scrgbClr r="0" g="0" b="0"/>
+      </a:effectRef>
+      <a:fontRef idx="minor"/>
+    </dgm:style>
+  </dgm:styleLbl>
+  <dgm:styleLbl name="callout">
+    <dgm:scene3d>
+      <a:camera prst="orthographicFront"/>
+      <a:lightRig rig="threePt" dir="t"/>
+    </dgm:scene3d>
+    <dgm:sp3d/>
+    <dgm:txPr/>
+    <dgm:style>
+      <a:lnRef idx="2">
+        <a:scrgbClr r="0" g="0" b="0"/>
+      </a:lnRef>
+      <a:fillRef idx="1">
+        <a:scrgbClr r="0" g="0" b="0"/>
+      </a:fillRef>
+      <a:effectRef idx="0">
+        <a:scrgbClr r="0" g="0" b="0"/>
+      </a:effectRef>
+      <a:fontRef idx="minor"/>
+    </dgm:style>
+  </dgm:styleLbl>
+  <dgm:styleLbl name="asst0">
+    <dgm:scene3d>
+      <a:camera prst="orthographicFront"/>
+      <a:lightRig rig="threePt" dir="t"/>
+    </dgm:scene3d>
+    <dgm:sp3d/>
+    <dgm:txPr/>
+    <dgm:style>
+      <a:lnRef idx="2">
+        <a:scrgbClr r="0" g="0" b="0"/>
+      </a:lnRef>
+      <a:fillRef idx="1">
+        <a:scrgbClr r="0" g="0" b="0"/>
+      </a:fillRef>
+      <a:effectRef idx="0">
+        <a:scrgbClr r="0" g="0" b="0"/>
+      </a:effectRef>
+      <a:fontRef idx="minor">
+        <a:schemeClr val="lt1"/>
+      </a:fontRef>
+    </dgm:style>
+  </dgm:styleLbl>
+  <dgm:styleLbl name="asst1">
+    <dgm:scene3d>
+      <a:camera prst="orthographicFront"/>
+      <a:lightRig rig="threePt" dir="t"/>
+    </dgm:scene3d>
+    <dgm:sp3d/>
+    <dgm:txPr/>
+    <dgm:style>
+      <a:lnRef idx="2">
+        <a:scrgbClr r="0" g="0" b="0"/>
+      </a:lnRef>
+      <a:fillRef idx="1">
+        <a:scrgbClr r="0" g="0" b="0"/>
+      </a:fillRef>
+      <a:effectRef idx="0">
+        <a:scrgbClr r="0" g="0" b="0"/>
+      </a:effectRef>
+      <a:fontRef idx="minor">
+        <a:schemeClr val="lt1"/>
+      </a:fontRef>
+    </dgm:style>
+  </dgm:styleLbl>
+  <dgm:styleLbl name="asst2">
+    <dgm:scene3d>
+      <a:camera prst="orthographicFront"/>
+      <a:lightRig rig="threePt" dir="t"/>
+    </dgm:scene3d>
+    <dgm:sp3d/>
+    <dgm:txPr/>
+    <dgm:style>
+      <a:lnRef idx="2">
+        <a:scrgbClr r="0" g="0" b="0"/>
+      </a:lnRef>
+      <a:fillRef idx="1">
+        <a:scrgbClr r="0" g="0" b="0"/>
+      </a:fillRef>
+      <a:effectRef idx="0">
+        <a:scrgbClr r="0" g="0" b="0"/>
+      </a:effectRef>
+      <a:fontRef idx="minor">
+        <a:schemeClr val="lt1"/>
+      </a:fontRef>
+    </dgm:style>
+  </dgm:styleLbl>
+  <dgm:styleLbl name="asst3">
+    <dgm:scene3d>
+      <a:camera prst="orthographicFront"/>
+      <a:lightRig rig="threePt" dir="t"/>
+    </dgm:scene3d>
+    <dgm:sp3d/>
+    <dgm:txPr/>
+    <dgm:style>
+      <a:lnRef idx="2">
+        <a:scrgbClr r="0" g="0" b="0"/>
+      </a:lnRef>
+      <a:fillRef idx="1">
+        <a:scrgbClr r="0" g="0" b="0"/>
+      </a:fillRef>
+      <a:effectRef idx="0">
+        <a:scrgbClr r="0" g="0" b="0"/>
+      </a:effectRef>
+      <a:fontRef idx="minor">
+        <a:schemeClr val="lt1"/>
+      </a:fontRef>
+    </dgm:style>
+  </dgm:styleLbl>
+  <dgm:styleLbl name="asst4">
+    <dgm:scene3d>
+      <a:camera prst="orthographicFront"/>
+      <a:lightRig rig="threePt" dir="t"/>
+    </dgm:scene3d>
+    <dgm:sp3d/>
+    <dgm:txPr/>
+    <dgm:style>
+      <a:lnRef idx="2">
+        <a:scrgbClr r="0" g="0" b="0"/>
+      </a:lnRef>
+      <a:fillRef idx="1">
+        <a:scrgbClr r="0" g="0" b="0"/>
+      </a:fillRef>
+      <a:effectRef idx="0">
+        <a:scrgbClr r="0" g="0" b="0"/>
+      </a:effectRef>
+      <a:fontRef idx="minor">
+        <a:schemeClr val="lt1"/>
+      </a:fontRef>
+    </dgm:style>
+  </dgm:styleLbl>
+  <dgm:styleLbl name="parChTrans2D1">
+    <dgm:scene3d>
+      <a:camera prst="orthographicFront"/>
+      <a:lightRig rig="threePt" dir="t"/>
+    </dgm:scene3d>
+    <dgm:sp3d/>
+    <dgm:txPr/>
+    <dgm:style>
+      <a:lnRef idx="2">
+        <a:scrgbClr r="0" g="0" b="0"/>
+      </a:lnRef>
+      <a:fillRef idx="1">
+        <a:scrgbClr r="0" g="0" b="0"/>
+      </a:fillRef>
+      <a:effectRef idx="0">
+        <a:scrgbClr r="0" g="0" b="0"/>
+      </a:effectRef>
+      <a:fontRef idx="minor">
+        <a:schemeClr val="lt1"/>
+      </a:fontRef>
+    </dgm:style>
+  </dgm:styleLbl>
+  <dgm:styleLbl name="parChTrans2D2">
+    <dgm:scene3d>
+      <a:camera prst="orthographicFront"/>
+      <a:lightRig rig="threePt" dir="t"/>
+    </dgm:scene3d>
+    <dgm:sp3d/>
+    <dgm:txPr/>
+    <dgm:style>
+      <a:lnRef idx="2">
+        <a:scrgbClr r="0" g="0" b="0"/>
+      </a:lnRef>
+      <a:fillRef idx="1">
+        <a:scrgbClr r="0" g="0" b="0"/>
+      </a:fillRef>
+      <a:effectRef idx="0">
+        <a:scrgbClr r="0" g="0" b="0"/>
+      </a:effectRef>
+      <a:fontRef idx="minor">
+        <a:schemeClr val="lt1"/>
+      </a:fontRef>
+    </dgm:style>
+  </dgm:styleLbl>
+  <dgm:styleLbl name="parChTrans2D3">
+    <dgm:scene3d>
+      <a:camera prst="orthographicFront"/>
+      <a:lightRig rig="threePt" dir="t"/>
+    </dgm:scene3d>
+    <dgm:sp3d/>
+    <dgm:txPr/>
+    <dgm:style>
+      <a:lnRef idx="2">
+        <a:scrgbClr r="0" g="0" b="0"/>
+      </a:lnRef>
+      <a:fillRef idx="1">
+        <a:scrgbClr r="0" g="0" b="0"/>
+      </a:fillRef>
+      <a:effectRef idx="0">
+        <a:scrgbClr r="0" g="0" b="0"/>
+      </a:effectRef>
+      <a:fontRef idx="minor">
+        <a:schemeClr val="lt1"/>
+      </a:fontRef>
+    </dgm:style>
+  </dgm:styleLbl>
+  <dgm:styleLbl name="parChTrans2D4">
+    <dgm:scene3d>
+      <a:camera prst="orthographicFront"/>
+      <a:lightRig rig="threePt" dir="t"/>
+    </dgm:scene3d>
+    <dgm:sp3d/>
+    <dgm:txPr/>
+    <dgm:style>
+      <a:lnRef idx="2">
+        <a:scrgbClr r="0" g="0" b="0"/>
+      </a:lnRef>
+      <a:fillRef idx="1">
+        <a:scrgbClr r="0" g="0" b="0"/>
+      </a:fillRef>
+      <a:effectRef idx="0">
+        <a:scrgbClr r="0" g="0" b="0"/>
+      </a:effectRef>
+      <a:fontRef idx="minor">
+        <a:schemeClr val="lt1"/>
+      </a:fontRef>
+    </dgm:style>
+  </dgm:styleLbl>
+  <dgm:styleLbl name="parChTrans1D1">
+    <dgm:scene3d>
+      <a:camera prst="orthographicFront"/>
+      <a:lightRig rig="threePt" dir="t"/>
+    </dgm:scene3d>
+    <dgm:sp3d/>
+    <dgm:txPr/>
+    <dgm:style>
+      <a:lnRef idx="2">
+        <a:scrgbClr r="0" g="0" b="0"/>
+      </a:lnRef>
+      <a:fillRef idx="0">
+        <a:scrgbClr r="0" g="0" b="0"/>
+      </a:fillRef>
+      <a:effectRef idx="0">
+        <a:scrgbClr r="0" g="0" b="0"/>
+      </a:effectRef>
+      <a:fontRef idx="minor"/>
+    </dgm:style>
+  </dgm:styleLbl>
+  <dgm:styleLbl name="parChTrans1D2">
+    <dgm:scene3d>
+      <a:camera prst="orthographicFront"/>
+      <a:lightRig rig="threePt" dir="t"/>
+    </dgm:scene3d>
+    <dgm:sp3d/>
+    <dgm:txPr/>
+    <dgm:style>
+      <a:lnRef idx="2">
+        <a:scrgbClr r="0" g="0" b="0"/>
+      </a:lnRef>
+      <a:fillRef idx="0">
+        <a:scrgbClr r="0" g="0" b="0"/>
+      </a:fillRef>
+      <a:effectRef idx="0">
+        <a:scrgbClr r="0" g="0" b="0"/>
+      </a:effectRef>
+      <a:fontRef idx="minor"/>
+    </dgm:style>
+  </dgm:styleLbl>
+  <dgm:styleLbl name="parChTrans1D3">
+    <dgm:scene3d>
+      <a:camera prst="orthographicFront"/>
+      <a:lightRig rig="threePt" dir="t"/>
+    </dgm:scene3d>
+    <dgm:sp3d/>
+    <dgm:txPr/>
+    <dgm:style>
+      <a:lnRef idx="2">
+        <a:scrgbClr r="0" g="0" b="0"/>
+      </a:lnRef>
+      <a:fillRef idx="0">
+        <a:scrgbClr r="0" g="0" b="0"/>
+      </a:fillRef>
+      <a:effectRef idx="0">
+        <a:scrgbClr r="0" g="0" b="0"/>
+      </a:effectRef>
+      <a:fontRef idx="minor"/>
+    </dgm:style>
+  </dgm:styleLbl>
+  <dgm:styleLbl name="parChTrans1D4">
+    <dgm:scene3d>
+      <a:camera prst="orthographicFront"/>
+      <a:lightRig rig="threePt" dir="t"/>
+    </dgm:scene3d>
+    <dgm:sp3d/>
+    <dgm:txPr/>
+    <dgm:style>
+      <a:lnRef idx="2">
+        <a:scrgbClr r="0" g="0" b="0"/>
+      </a:lnRef>
+      <a:fillRef idx="0">
+        <a:scrgbClr r="0" g="0" b="0"/>
+      </a:fillRef>
+      <a:effectRef idx="0">
+        <a:scrgbClr r="0" g="0" b="0"/>
+      </a:effectRef>
+      <a:fontRef idx="minor"/>
+    </dgm:style>
+  </dgm:styleLbl>
+  <dgm:styleLbl name="fgAcc1">
+    <dgm:scene3d>
+      <a:camera prst="orthographicFront"/>
+      <a:lightRig rig="threePt" dir="t"/>
+    </dgm:scene3d>
+    <dgm:sp3d/>
+    <dgm:txPr/>
+    <dgm:style>
+      <a:lnRef idx="2">
+        <a:scrgbClr r="0" g="0" b="0"/>
+      </a:lnRef>
+      <a:fillRef idx="1">
+        <a:scrgbClr r="0" g="0" b="0"/>
+      </a:fillRef>
+      <a:effectRef idx="0">
+        <a:scrgbClr r="0" g="0" b="0"/>
+      </a:effectRef>
+      <a:fontRef idx="minor"/>
+    </dgm:style>
+  </dgm:styleLbl>
+  <dgm:styleLbl name="conFgAcc1">
+    <dgm:scene3d>
+      <a:camera prst="orthographicFront"/>
+      <a:lightRig rig="threePt" dir="t"/>
+    </dgm:scene3d>
+    <dgm:sp3d/>
+    <dgm:txPr/>
+    <dgm:style>
+      <a:lnRef idx="2">
+        <a:scrgbClr r="0" g="0" b="0"/>
+      </a:lnRef>
+      <a:fillRef idx="1">
+        <a:scrgbClr r="0" g="0" b="0"/>
+      </a:fillRef>
+      <a:effectRef idx="0">
+        <a:scrgbClr r="0" g="0" b="0"/>
+      </a:effectRef>
+      <a:fontRef idx="minor"/>
+    </dgm:style>
+  </dgm:styleLbl>
+  <dgm:styleLbl name="alignAcc1">
+    <dgm:scene3d>
+      <a:camera prst="orthographicFront"/>
+      <a:lightRig rig="threePt" dir="t"/>
+    </dgm:scene3d>
+    <dgm:sp3d/>
+    <dgm:txPr/>
+    <dgm:style>
+      <a:lnRef idx="2">
+        <a:scrgbClr r="0" g="0" b="0"/>
+      </a:lnRef>
+      <a:fillRef idx="1">
+        <a:scrgbClr r="0" g="0" b="0"/>
+      </a:fillRef>
+      <a:effectRef idx="0">
+        <a:scrgbClr r="0" g="0" b="0"/>
+      </a:effectRef>
+      <a:fontRef idx="minor"/>
+    </dgm:style>
+  </dgm:styleLbl>
+  <dgm:styleLbl name="trAlignAcc1">
+    <dgm:scene3d>
+      <a:camera prst="orthographicFront"/>
+      <a:lightRig rig="threePt" dir="t"/>
+    </dgm:scene3d>
+    <dgm:sp3d/>
+    <dgm:txPr/>
+    <dgm:style>
+      <a:lnRef idx="1">
+        <a:scrgbClr r="0" g="0" b="0"/>
+      </a:lnRef>
+      <a:fillRef idx="1">
+        <a:scrgbClr r="0" g="0" b="0"/>
+      </a:fillRef>
+      <a:effectRef idx="0">
+        <a:scrgbClr r="0" g="0" b="0"/>
+      </a:effectRef>
+      <a:fontRef idx="minor"/>
+    </dgm:style>
+  </dgm:styleLbl>
+  <dgm:styleLbl name="bgAcc1">
+    <dgm:scene3d>
+      <a:camera prst="orthographicFront"/>
+      <a:lightRig rig="threePt" dir="t"/>
+    </dgm:scene3d>
+    <dgm:sp3d/>
+    <dgm:txPr/>
+    <dgm:style>
+      <a:lnRef idx="2">
+        <a:scrgbClr r="0" g="0" b="0"/>
+      </a:lnRef>
+      <a:fillRef idx="1">
+        <a:scrgbClr r="0" g="0" b="0"/>
+      </a:fillRef>
+      <a:effectRef idx="0">
+        <a:scrgbClr r="0" g="0" b="0"/>
+      </a:effectRef>
+      <a:fontRef idx="minor"/>
+    </dgm:style>
+  </dgm:styleLbl>
+  <dgm:styleLbl name="solidFgAcc1">
+    <dgm:scene3d>
+      <a:camera prst="orthographicFront"/>
+      <a:lightRig rig="threePt" dir="t"/>
+    </dgm:scene3d>
+    <dgm:sp3d/>
+    <dgm:txPr/>
+    <dgm:style>
+      <a:lnRef idx="2">
+        <a:scrgbClr r="0" g="0" b="0"/>
+      </a:lnRef>
+      <a:fillRef idx="1">
+        <a:scrgbClr r="0" g="0" b="0"/>
+      </a:fillRef>
+      <a:effectRef idx="0">
+        <a:scrgbClr r="0" g="0" b="0"/>
+      </a:effectRef>
+      <a:fontRef idx="minor"/>
+    </dgm:style>
+  </dgm:styleLbl>
+  <dgm:styleLbl name="solidAlignAcc1">
+    <dgm:scene3d>
+      <a:camera prst="orthographicFront"/>
+      <a:lightRig rig="threePt" dir="t"/>
+    </dgm:scene3d>
+    <dgm:sp3d/>
+    <dgm:txPr/>
+    <dgm:style>
+      <a:lnRef idx="2">
+        <a:scrgbClr r="0" g="0" b="0"/>
+      </a:lnRef>
+      <a:fillRef idx="1">
+        <a:scrgbClr r="0" g="0" b="0"/>
+      </a:fillRef>
+      <a:effectRef idx="0">
+        <a:scrgbClr r="0" g="0" b="0"/>
+      </a:effectRef>
+      <a:fontRef idx="minor"/>
+    </dgm:style>
+  </dgm:styleLbl>
+  <dgm:styleLbl name="solidBgAcc1">
+    <dgm:scene3d>
+      <a:camera prst="orthographicFront"/>
+      <a:lightRig rig="threePt" dir="t"/>
+    </dgm:scene3d>
+    <dgm:sp3d/>
+    <dgm:txPr/>
+    <dgm:style>
+      <a:lnRef idx="2">
+        <a:scrgbClr r="0" g="0" b="0"/>
+      </a:lnRef>
+      <a:fillRef idx="1">
+        <a:scrgbClr r="0" g="0" b="0"/>
+      </a:fillRef>
+      <a:effectRef idx="0">
+        <a:scrgbClr r="0" g="0" b="0"/>
+      </a:effectRef>
+      <a:fontRef idx="minor"/>
+    </dgm:style>
+  </dgm:styleLbl>
+  <dgm:styleLbl name="fgAccFollowNode1">
+    <dgm:scene3d>
+      <a:camera prst="orthographicFront"/>
+      <a:lightRig rig="threePt" dir="t"/>
+    </dgm:scene3d>
+    <dgm:sp3d/>
+    <dgm:txPr/>
+    <dgm:style>
+      <a:lnRef idx="2">
+        <a:scrgbClr r="0" g="0" b="0"/>
+      </a:lnRef>
+      <a:fillRef idx="1">
+        <a:scrgbClr r="0" g="0" b="0"/>
+      </a:fillRef>
+      <a:effectRef idx="0">
+        <a:scrgbClr r="0" g="0" b="0"/>
+      </a:effectRef>
+      <a:fontRef idx="minor"/>
+    </dgm:style>
+  </dgm:styleLbl>
+  <dgm:styleLbl name="alignAccFollowNode1">
+    <dgm:scene3d>
+      <a:camera prst="orthographicFront"/>
+      <a:lightRig rig="threePt" dir="t"/>
+    </dgm:scene3d>
+    <dgm:sp3d/>
+    <dgm:txPr/>
+    <dgm:style>
+      <a:lnRef idx="2">
+        <a:scrgbClr r="0" g="0" b="0"/>
+      </a:lnRef>
+      <a:fillRef idx="1">
+        <a:scrgbClr r="0" g="0" b="0"/>
+      </a:fillRef>
+      <a:effectRef idx="0">
+        <a:scrgbClr r="0" g="0" b="0"/>
+      </a:effectRef>
+      <a:fontRef idx="minor"/>
+    </dgm:style>
+  </dgm:styleLbl>
+  <dgm:styleLbl name="bgAccFollowNode1">
+    <dgm:scene3d>
+      <a:camera prst="orthographicFront"/>
+      <a:lightRig rig="threePt" dir="t"/>
+    </dgm:scene3d>
+    <dgm:sp3d/>
+    <dgm:txPr/>
+    <dgm:style>
+      <a:lnRef idx="2">
+        <a:scrgbClr r="0" g="0" b="0"/>
+      </a:lnRef>
+      <a:fillRef idx="1">
+        <a:scrgbClr r="0" g="0" b="0"/>
+      </a:fillRef>
+      <a:effectRef idx="0">
+        <a:scrgbClr r="0" g="0" b="0"/>
+      </a:effectRef>
+      <a:fontRef idx="minor"/>
+    </dgm:style>
+  </dgm:styleLbl>
+  <dgm:styleLbl name="fgAcc0">
+    <dgm:scene3d>
+      <a:camera prst="orthographicFront"/>
+      <a:lightRig rig="threePt" dir="t"/>
+    </dgm:scene3d>
+    <dgm:sp3d/>
+    <dgm:txPr/>
+    <dgm:style>
+      <a:lnRef idx="2">
+        <a:scrgbClr r="0" g="0" b="0"/>
+      </a:lnRef>
+      <a:fillRef idx="1">
+        <a:scrgbClr r="0" g="0" b="0"/>
+      </a:fillRef>
+      <a:effectRef idx="0">
+        <a:scrgbClr r="0" g="0" b="0"/>
+      </a:effectRef>
+      <a:fontRef idx="minor"/>
+    </dgm:style>
+  </dgm:styleLbl>
+  <dgm:styleLbl name="fgAcc2">
+    <dgm:scene3d>
+      <a:camera prst="orthographicFront"/>
+      <a:lightRig rig="threePt" dir="t"/>
+    </dgm:scene3d>
+    <dgm:sp3d/>
+    <dgm:txPr/>
+    <dgm:style>
+      <a:lnRef idx="2">
+        <a:scrgbClr r="0" g="0" b="0"/>
+      </a:lnRef>
+      <a:fillRef idx="1">
+        <a:scrgbClr r="0" g="0" b="0"/>
+      </a:fillRef>
+      <a:effectRef idx="0">
+        <a:scrgbClr r="0" g="0" b="0"/>
+      </a:effectRef>
+      <a:fontRef idx="minor"/>
+    </dgm:style>
+  </dgm:styleLbl>
+  <dgm:styleLbl name="fgAcc3">
+    <dgm:scene3d>
+      <a:camera prst="orthographicFront"/>
+      <a:lightRig rig="threePt" dir="t"/>
+    </dgm:scene3d>
+    <dgm:sp3d/>
+    <dgm:txPr/>
+    <dgm:style>
+      <a:lnRef idx="2">
+        <a:scrgbClr r="0" g="0" b="0"/>
+      </a:lnRef>
+      <a:fillRef idx="1">
+        <a:scrgbClr r="0" g="0" b="0"/>
+      </a:fillRef>
+      <a:effectRef idx="0">
+        <a:scrgbClr r="0" g="0" b="0"/>
+      </a:effectRef>
+      <a:fontRef idx="minor"/>
+    </dgm:style>
+  </dgm:styleLbl>
+  <dgm:styleLbl name="fgAcc4">
+    <dgm:scene3d>
+      <a:camera prst="orthographicFront"/>
+      <a:lightRig rig="threePt" dir="t"/>
+    </dgm:scene3d>
+    <dgm:sp3d/>
+    <dgm:txPr/>
+    <dgm:style>
+      <a:lnRef idx="2">
+        <a:scrgbClr r="0" g="0" b="0"/>
+      </a:lnRef>
+      <a:fillRef idx="1">
+        <a:scrgbClr r="0" g="0" b="0"/>
+      </a:fillRef>
+      <a:effectRef idx="0">
+        <a:scrgbClr r="0" g="0" b="0"/>
+      </a:effectRef>
+      <a:fontRef idx="minor"/>
+    </dgm:style>
+  </dgm:styleLbl>
+  <dgm:styleLbl name="bgShp">
+    <dgm:scene3d>
+      <a:camera prst="orthographicFront"/>
+      <a:lightRig rig="threePt" dir="t"/>
+    </dgm:scene3d>
+    <dgm:sp3d/>
+    <dgm:txPr/>
+    <dgm:style>
+      <a:lnRef idx="0">
+        <a:scrgbClr r="0" g="0" b="0"/>
+      </a:lnRef>
+      <a:fillRef idx="1">
+        <a:scrgbClr r="0" g="0" b="0"/>
+      </a:fillRef>
+      <a:effectRef idx="0">
+        <a:scrgbClr r="0" g="0" b="0"/>
+      </a:effectRef>
+      <a:fontRef idx="minor"/>
+    </dgm:style>
+  </dgm:styleLbl>
+  <dgm:styleLbl name="dkBgShp">
+    <dgm:scene3d>
+      <a:camera prst="orthographicFront"/>
+      <a:lightRig rig="threePt" dir="t"/>
+    </dgm:scene3d>
+    <dgm:sp3d/>
+    <dgm:txPr/>
+    <dgm:style>
+      <a:lnRef idx="0">
+        <a:scrgbClr r="0" g="0" b="0"/>
+      </a:lnRef>
+      <a:fillRef idx="1">
+        <a:scrgbClr r="0" g="0" b="0"/>
+      </a:fillRef>
+      <a:effectRef idx="0">
+        <a:scrgbClr r="0" g="0" b="0"/>
+      </a:effectRef>
+      <a:fontRef idx="minor"/>
+    </dgm:style>
+  </dgm:styleLbl>
+  <dgm:styleLbl name="trBgShp">
+    <dgm:scene3d>
+      <a:camera prst="orthographicFront"/>
+      <a:lightRig rig="threePt" dir="t"/>
+    </dgm:scene3d>
+    <dgm:sp3d/>
+    <dgm:txPr/>
+    <dgm:style>
+      <a:lnRef idx="0">
+        <a:scrgbClr r="0" g="0" b="0"/>
+      </a:lnRef>
+      <a:fillRef idx="1">
+        <a:scrgbClr r="0" g="0" b="0"/>
+      </a:fillRef>
+      <a:effectRef idx="0">
+        <a:scrgbClr r="0" g="0" b="0"/>
+      </a:effectRef>
+      <a:fontRef idx="minor"/>
+    </dgm:style>
+  </dgm:styleLbl>
+  <dgm:styleLbl name="fgShp">
+    <dgm:scene3d>
+      <a:camera prst="orthographicFront"/>
+      <a:lightRig rig="threePt" dir="t"/>
+    </dgm:scene3d>
+    <dgm:sp3d/>
+    <dgm:txPr/>
+    <dgm:style>
+      <a:lnRef idx="2">
+        <a:scrgbClr r="0" g="0" b="0"/>
+      </a:lnRef>
+      <a:fillRef idx="1">
+        <a:scrgbClr r="0" g="0" b="0"/>
+      </a:fillRef>
+      <a:effectRef idx="0">
+        <a:scrgbClr r="0" g="0" b="0"/>
+      </a:effectRef>
+      <a:fontRef idx="minor"/>
+    </dgm:style>
+  </dgm:styleLbl>
+  <dgm:styleLbl name="revTx">
+    <dgm:scene3d>
+      <a:camera prst="orthographicFront"/>
+      <a:lightRig rig="threePt" dir="t"/>
+    </dgm:scene3d>
+    <dgm:sp3d/>
+    <dgm:txPr/>
+    <dgm:style>
+      <a:lnRef idx="0">
+        <a:scrgbClr r="0" g="0" b="0"/>
+      </a:lnRef>
+      <a:fillRef idx="0">
+        <a:scrgbClr r="0" g="0" b="0"/>
+      </a:fillRef>
+      <a:effectRef idx="0">
+        <a:scrgbClr r="0" g="0" b="0"/>
+      </a:effectRef>
+      <a:fontRef idx="minor"/>
+    </dgm:style>
+  </dgm:styleLbl>
+</dgm:styleDef>
+</file>
+
+<file path=ppt/diagrams/quickStyle5.xml><?xml version="1.0" encoding="utf-8"?>
 <dgm:styleDef xmlns:dgm="http://schemas.openxmlformats.org/drawingml/2006/diagram" xmlns:a="http://schemas.openxmlformats.org/drawingml/2006/main" uniqueId="urn:microsoft.com/office/officeart/2005/8/quickstyle/simple1">
   <dgm:title val=""/>
   <dgm:desc val=""/>
@@ -13325,7 +16815,7 @@
           <a:p>
             <a:fld id="{E88A9183-DCBA-4AB4-9BB9-35AFFC4231E9}" type="datetimeFigureOut">
               <a:rPr lang="en-US" smtClean="0"/>
-              <a:t>5/20/2022</a:t>
+              <a:t>5/27/2022</a:t>
             </a:fld>
             <a:endParaRPr lang="en-US"/>
           </a:p>
@@ -15892,6 +19382,328 @@
 </p:notes>
 </file>
 
+<file path=ppt/notesSlides/notesSlide17.xml><?xml version="1.0" encoding="utf-8"?>
+<p:notes xmlns:a="http://schemas.openxmlformats.org/drawingml/2006/main" xmlns:r="http://schemas.openxmlformats.org/officeDocument/2006/relationships" xmlns:p="http://schemas.openxmlformats.org/presentationml/2006/main">
+  <p:cSld>
+    <p:spTree>
+      <p:nvGrpSpPr>
+        <p:cNvPr id="1" name=""/>
+        <p:cNvGrpSpPr/>
+        <p:nvPr/>
+      </p:nvGrpSpPr>
+      <p:grpSpPr>
+        <a:xfrm>
+          <a:off x="0" y="0"/>
+          <a:ext cx="0" cy="0"/>
+          <a:chOff x="0" y="0"/>
+          <a:chExt cx="0" cy="0"/>
+        </a:xfrm>
+      </p:grpSpPr>
+      <p:sp>
+        <p:nvSpPr>
+          <p:cNvPr id="2" name="Slide Image Placeholder 1"/>
+          <p:cNvSpPr>
+            <a:spLocks noGrp="1" noRot="1" noChangeAspect="1"/>
+          </p:cNvSpPr>
+          <p:nvPr>
+            <p:ph type="sldImg"/>
+          </p:nvPr>
+        </p:nvSpPr>
+        <p:spPr/>
+      </p:sp>
+      <p:sp>
+        <p:nvSpPr>
+          <p:cNvPr id="3" name="Notes Placeholder 2"/>
+          <p:cNvSpPr>
+            <a:spLocks noGrp="1"/>
+          </p:cNvSpPr>
+          <p:nvPr>
+            <p:ph type="body" idx="1"/>
+          </p:nvPr>
+        </p:nvSpPr>
+        <p:spPr/>
+        <p:txBody>
+          <a:bodyPr/>
+          <a:lstStyle/>
+          <a:p>
+            <a:pPr marL="0" marR="0" lvl="0" indent="0" algn="l" defTabSz="914400" rtl="0" eaLnBrk="1" fontAlgn="base" latinLnBrk="0" hangingPunct="1">
+              <a:lnSpc>
+                <a:spcPct val="100000"/>
+              </a:lnSpc>
+              <a:spcBef>
+                <a:spcPts val="0"/>
+              </a:spcBef>
+              <a:spcAft>
+                <a:spcPts val="0"/>
+              </a:spcAft>
+              <a:buClrTx/>
+              <a:buSzTx/>
+              <a:buFont typeface="Arial" panose="020B0604020202020204" pitchFamily="34" charset="0"/>
+              <a:buNone/>
+              <a:tabLst/>
+              <a:defRPr/>
+            </a:pPr>
+            <a:r>
+              <a:rPr lang="es-CR" dirty="0"/>
+              <a:t>¿Cómo almacenar la información de 30 perros? </a:t>
+            </a:r>
+          </a:p>
+        </p:txBody>
+      </p:sp>
+      <p:sp>
+        <p:nvSpPr>
+          <p:cNvPr id="4" name="Slide Number Placeholder 3"/>
+          <p:cNvSpPr>
+            <a:spLocks noGrp="1"/>
+          </p:cNvSpPr>
+          <p:nvPr>
+            <p:ph type="sldNum" sz="quarter" idx="5"/>
+          </p:nvPr>
+        </p:nvSpPr>
+        <p:spPr/>
+        <p:txBody>
+          <a:bodyPr/>
+          <a:lstStyle/>
+          <a:p>
+            <a:fld id="{AB04AA61-7569-4972-B621-E1719B307E51}" type="slidenum">
+              <a:rPr lang="en-US" smtClean="0"/>
+              <a:t>35</a:t>
+            </a:fld>
+            <a:endParaRPr lang="en-US"/>
+          </a:p>
+        </p:txBody>
+      </p:sp>
+    </p:spTree>
+    <p:extLst>
+      <p:ext uri="{BB962C8B-B14F-4D97-AF65-F5344CB8AC3E}">
+        <p14:creationId xmlns:p14="http://schemas.microsoft.com/office/powerpoint/2010/main" val="4201987395"/>
+      </p:ext>
+    </p:extLst>
+  </p:cSld>
+  <p:clrMapOvr>
+    <a:masterClrMapping/>
+  </p:clrMapOvr>
+</p:notes>
+</file>
+
+<file path=ppt/notesSlides/notesSlide18.xml><?xml version="1.0" encoding="utf-8"?>
+<p:notes xmlns:a="http://schemas.openxmlformats.org/drawingml/2006/main" xmlns:r="http://schemas.openxmlformats.org/officeDocument/2006/relationships" xmlns:p="http://schemas.openxmlformats.org/presentationml/2006/main">
+  <p:cSld>
+    <p:spTree>
+      <p:nvGrpSpPr>
+        <p:cNvPr id="1" name=""/>
+        <p:cNvGrpSpPr/>
+        <p:nvPr/>
+      </p:nvGrpSpPr>
+      <p:grpSpPr>
+        <a:xfrm>
+          <a:off x="0" y="0"/>
+          <a:ext cx="0" cy="0"/>
+          <a:chOff x="0" y="0"/>
+          <a:chExt cx="0" cy="0"/>
+        </a:xfrm>
+      </p:grpSpPr>
+      <p:sp>
+        <p:nvSpPr>
+          <p:cNvPr id="2" name="Slide Image Placeholder 1"/>
+          <p:cNvSpPr>
+            <a:spLocks noGrp="1" noRot="1" noChangeAspect="1"/>
+          </p:cNvSpPr>
+          <p:nvPr>
+            <p:ph type="sldImg"/>
+          </p:nvPr>
+        </p:nvSpPr>
+        <p:spPr/>
+      </p:sp>
+      <p:sp>
+        <p:nvSpPr>
+          <p:cNvPr id="3" name="Notes Placeholder 2"/>
+          <p:cNvSpPr>
+            <a:spLocks noGrp="1"/>
+          </p:cNvSpPr>
+          <p:nvPr>
+            <p:ph type="body" idx="1"/>
+          </p:nvPr>
+        </p:nvSpPr>
+        <p:spPr/>
+        <p:txBody>
+          <a:bodyPr/>
+          <a:lstStyle/>
+          <a:p>
+            <a:pPr marL="0" indent="0" algn="l" fontAlgn="base">
+              <a:buFont typeface="Arial" panose="020B0604020202020204" pitchFamily="34" charset="0"/>
+              <a:buNone/>
+            </a:pPr>
+            <a:endParaRPr lang="en-US" b="0" i="0" dirty="0">
+              <a:solidFill>
+                <a:srgbClr val="FFFFFF"/>
+              </a:solidFill>
+              <a:effectLst/>
+              <a:latin typeface="urw-din"/>
+            </a:endParaRPr>
+          </a:p>
+        </p:txBody>
+      </p:sp>
+      <p:sp>
+        <p:nvSpPr>
+          <p:cNvPr id="4" name="Slide Number Placeholder 3"/>
+          <p:cNvSpPr>
+            <a:spLocks noGrp="1"/>
+          </p:cNvSpPr>
+          <p:nvPr>
+            <p:ph type="sldNum" sz="quarter" idx="5"/>
+          </p:nvPr>
+        </p:nvSpPr>
+        <p:spPr/>
+        <p:txBody>
+          <a:bodyPr/>
+          <a:lstStyle/>
+          <a:p>
+            <a:fld id="{AB04AA61-7569-4972-B621-E1719B307E51}" type="slidenum">
+              <a:rPr lang="en-US" smtClean="0"/>
+              <a:t>36</a:t>
+            </a:fld>
+            <a:endParaRPr lang="en-US"/>
+          </a:p>
+        </p:txBody>
+      </p:sp>
+    </p:spTree>
+    <p:extLst>
+      <p:ext uri="{BB962C8B-B14F-4D97-AF65-F5344CB8AC3E}">
+        <p14:creationId xmlns:p14="http://schemas.microsoft.com/office/powerpoint/2010/main" val="2043114363"/>
+      </p:ext>
+    </p:extLst>
+  </p:cSld>
+  <p:clrMapOvr>
+    <a:masterClrMapping/>
+  </p:clrMapOvr>
+</p:notes>
+</file>
+
+<file path=ppt/notesSlides/notesSlide19.xml><?xml version="1.0" encoding="utf-8"?>
+<p:notes xmlns:a="http://schemas.openxmlformats.org/drawingml/2006/main" xmlns:r="http://schemas.openxmlformats.org/officeDocument/2006/relationships" xmlns:p="http://schemas.openxmlformats.org/presentationml/2006/main">
+  <p:cSld>
+    <p:spTree>
+      <p:nvGrpSpPr>
+        <p:cNvPr id="1" name=""/>
+        <p:cNvGrpSpPr/>
+        <p:nvPr/>
+      </p:nvGrpSpPr>
+      <p:grpSpPr>
+        <a:xfrm>
+          <a:off x="0" y="0"/>
+          <a:ext cx="0" cy="0"/>
+          <a:chOff x="0" y="0"/>
+          <a:chExt cx="0" cy="0"/>
+        </a:xfrm>
+      </p:grpSpPr>
+      <p:sp>
+        <p:nvSpPr>
+          <p:cNvPr id="2" name="Slide Image Placeholder 1"/>
+          <p:cNvSpPr>
+            <a:spLocks noGrp="1" noRot="1" noChangeAspect="1"/>
+          </p:cNvSpPr>
+          <p:nvPr>
+            <p:ph type="sldImg"/>
+          </p:nvPr>
+        </p:nvSpPr>
+        <p:spPr/>
+      </p:sp>
+      <p:sp>
+        <p:nvSpPr>
+          <p:cNvPr id="3" name="Notes Placeholder 2"/>
+          <p:cNvSpPr>
+            <a:spLocks noGrp="1"/>
+          </p:cNvSpPr>
+          <p:nvPr>
+            <p:ph type="body" idx="1"/>
+          </p:nvPr>
+        </p:nvSpPr>
+        <p:spPr/>
+        <p:txBody>
+          <a:bodyPr/>
+          <a:lstStyle/>
+          <a:p>
+            <a:pPr marL="0" indent="0" algn="l" fontAlgn="base">
+              <a:buFont typeface="Arial" panose="020B0604020202020204" pitchFamily="34" charset="0"/>
+              <a:buNone/>
+            </a:pPr>
+            <a:r>
+              <a:rPr lang="en-US" b="0" i="0" dirty="0" err="1">
+                <a:solidFill>
+                  <a:srgbClr val="FFFFFF"/>
+                </a:solidFill>
+                <a:effectLst/>
+                <a:latin typeface="urw-din"/>
+              </a:rPr>
+              <a:t>Representacion</a:t>
+            </a:r>
+            <a:r>
+              <a:rPr lang="en-US" b="0" i="0" dirty="0">
+                <a:solidFill>
+                  <a:srgbClr val="FFFFFF"/>
+                </a:solidFill>
+                <a:effectLst/>
+                <a:latin typeface="urw-din"/>
+              </a:rPr>
+              <a:t> general de un </a:t>
+            </a:r>
+            <a:r>
+              <a:rPr lang="en-US" b="0" i="0" dirty="0" err="1">
+                <a:solidFill>
+                  <a:srgbClr val="FFFFFF"/>
+                </a:solidFill>
+                <a:effectLst/>
+                <a:latin typeface="urw-din"/>
+              </a:rPr>
+              <a:t>objeto</a:t>
+            </a:r>
+            <a:endParaRPr lang="en-US" b="0" i="0" dirty="0">
+              <a:solidFill>
+                <a:srgbClr val="FFFFFF"/>
+              </a:solidFill>
+              <a:effectLst/>
+              <a:latin typeface="urw-din"/>
+            </a:endParaRPr>
+          </a:p>
+        </p:txBody>
+      </p:sp>
+      <p:sp>
+        <p:nvSpPr>
+          <p:cNvPr id="4" name="Slide Number Placeholder 3"/>
+          <p:cNvSpPr>
+            <a:spLocks noGrp="1"/>
+          </p:cNvSpPr>
+          <p:nvPr>
+            <p:ph type="sldNum" sz="quarter" idx="5"/>
+          </p:nvPr>
+        </p:nvSpPr>
+        <p:spPr/>
+        <p:txBody>
+          <a:bodyPr/>
+          <a:lstStyle/>
+          <a:p>
+            <a:fld id="{AB04AA61-7569-4972-B621-E1719B307E51}" type="slidenum">
+              <a:rPr lang="en-US" smtClean="0"/>
+              <a:t>37</a:t>
+            </a:fld>
+            <a:endParaRPr lang="en-US"/>
+          </a:p>
+        </p:txBody>
+      </p:sp>
+    </p:spTree>
+    <p:extLst>
+      <p:ext uri="{BB962C8B-B14F-4D97-AF65-F5344CB8AC3E}">
+        <p14:creationId xmlns:p14="http://schemas.microsoft.com/office/powerpoint/2010/main" val="2229286487"/>
+      </p:ext>
+    </p:extLst>
+  </p:cSld>
+  <p:clrMapOvr>
+    <a:masterClrMapping/>
+  </p:clrMapOvr>
+</p:notes>
+</file>
+
 <file path=ppt/notesSlides/notesSlide2.xml><?xml version="1.0" encoding="utf-8"?>
 <p:notes xmlns:a="http://schemas.openxmlformats.org/drawingml/2006/main" xmlns:r="http://schemas.openxmlformats.org/officeDocument/2006/relationships" xmlns:p="http://schemas.openxmlformats.org/presentationml/2006/main">
   <p:cSld>
@@ -16137,6 +19949,312 @@
     <p:extLst>
       <p:ext uri="{BB962C8B-B14F-4D97-AF65-F5344CB8AC3E}">
         <p14:creationId xmlns:p14="http://schemas.microsoft.com/office/powerpoint/2010/main" val="1083979499"/>
+      </p:ext>
+    </p:extLst>
+  </p:cSld>
+  <p:clrMapOvr>
+    <a:masterClrMapping/>
+  </p:clrMapOvr>
+</p:notes>
+</file>
+
+<file path=ppt/notesSlides/notesSlide20.xml><?xml version="1.0" encoding="utf-8"?>
+<p:notes xmlns:a="http://schemas.openxmlformats.org/drawingml/2006/main" xmlns:r="http://schemas.openxmlformats.org/officeDocument/2006/relationships" xmlns:p="http://schemas.openxmlformats.org/presentationml/2006/main">
+  <p:cSld>
+    <p:spTree>
+      <p:nvGrpSpPr>
+        <p:cNvPr id="1" name=""/>
+        <p:cNvGrpSpPr/>
+        <p:nvPr/>
+      </p:nvGrpSpPr>
+      <p:grpSpPr>
+        <a:xfrm>
+          <a:off x="0" y="0"/>
+          <a:ext cx="0" cy="0"/>
+          <a:chOff x="0" y="0"/>
+          <a:chExt cx="0" cy="0"/>
+        </a:xfrm>
+      </p:grpSpPr>
+      <p:sp>
+        <p:nvSpPr>
+          <p:cNvPr id="2" name="Slide Image Placeholder 1"/>
+          <p:cNvSpPr>
+            <a:spLocks noGrp="1" noRot="1" noChangeAspect="1"/>
+          </p:cNvSpPr>
+          <p:nvPr>
+            <p:ph type="sldImg"/>
+          </p:nvPr>
+        </p:nvSpPr>
+        <p:spPr/>
+      </p:sp>
+      <p:sp>
+        <p:nvSpPr>
+          <p:cNvPr id="3" name="Notes Placeholder 2"/>
+          <p:cNvSpPr>
+            <a:spLocks noGrp="1"/>
+          </p:cNvSpPr>
+          <p:nvPr>
+            <p:ph type="body" idx="1"/>
+          </p:nvPr>
+        </p:nvSpPr>
+        <p:spPr/>
+        <p:txBody>
+          <a:bodyPr/>
+          <a:lstStyle/>
+          <a:p>
+            <a:pPr marL="228600" indent="-228600" algn="l" fontAlgn="base">
+              <a:buFont typeface="Arial" panose="020B0604020202020204" pitchFamily="34" charset="0"/>
+              <a:buAutoNum type="arabicPeriod"/>
+            </a:pPr>
+            <a:r>
+              <a:rPr lang="es-ES" b="0" i="0" dirty="0">
+                <a:solidFill>
+                  <a:srgbClr val="75715E"/>
+                </a:solidFill>
+                <a:effectLst/>
+                <a:latin typeface="jetbrainsmono"/>
+              </a:rPr>
+              <a:t>Declaramos una variable del tipo de la clase</a:t>
+            </a:r>
+          </a:p>
+          <a:p>
+            <a:pPr marL="228600" indent="-228600" algn="l" fontAlgn="base">
+              <a:buFont typeface="Arial" panose="020B0604020202020204" pitchFamily="34" charset="0"/>
+              <a:buAutoNum type="arabicPeriod"/>
+            </a:pPr>
+            <a:r>
+              <a:rPr lang="es-ES" b="0" i="0" dirty="0">
+                <a:solidFill>
+                  <a:srgbClr val="75715E"/>
+                </a:solidFill>
+                <a:effectLst/>
+                <a:latin typeface="jetbrainsmono"/>
+              </a:rPr>
+              <a:t>Aquí ya hemos creado un objeto de </a:t>
+            </a:r>
+            <a:r>
+              <a:rPr lang="es-ES" b="0" i="0" dirty="0" err="1">
+                <a:solidFill>
+                  <a:srgbClr val="75715E"/>
+                </a:solidFill>
+                <a:effectLst/>
+                <a:latin typeface="jetbrainsmono"/>
+              </a:rPr>
+              <a:t>Dog</a:t>
+            </a:r>
+            <a:endParaRPr lang="es-ES" b="0" i="0" dirty="0">
+              <a:solidFill>
+                <a:srgbClr val="75715E"/>
+              </a:solidFill>
+              <a:effectLst/>
+              <a:latin typeface="jetbrainsmono"/>
+            </a:endParaRPr>
+          </a:p>
+          <a:p>
+            <a:pPr marL="228600" indent="-228600" algn="l" fontAlgn="base">
+              <a:buFont typeface="Arial" panose="020B0604020202020204" pitchFamily="34" charset="0"/>
+              <a:buAutoNum type="arabicPeriod"/>
+            </a:pPr>
+            <a:r>
+              <a:rPr lang="es-ES" b="0" i="0" dirty="0">
+                <a:solidFill>
+                  <a:srgbClr val="75715E"/>
+                </a:solidFill>
+                <a:effectLst/>
+                <a:latin typeface="jetbrainsmono"/>
+              </a:rPr>
+              <a:t>Declaramos y creamos el objeto en una línea</a:t>
+            </a:r>
+            <a:endParaRPr lang="en-US" b="0" i="0" dirty="0">
+              <a:solidFill>
+                <a:srgbClr val="FFFFFF"/>
+              </a:solidFill>
+              <a:effectLst/>
+              <a:latin typeface="urw-din"/>
+            </a:endParaRPr>
+          </a:p>
+        </p:txBody>
+      </p:sp>
+      <p:sp>
+        <p:nvSpPr>
+          <p:cNvPr id="4" name="Slide Number Placeholder 3"/>
+          <p:cNvSpPr>
+            <a:spLocks noGrp="1"/>
+          </p:cNvSpPr>
+          <p:nvPr>
+            <p:ph type="sldNum" sz="quarter" idx="5"/>
+          </p:nvPr>
+        </p:nvSpPr>
+        <p:spPr/>
+        <p:txBody>
+          <a:bodyPr/>
+          <a:lstStyle/>
+          <a:p>
+            <a:fld id="{AB04AA61-7569-4972-B621-E1719B307E51}" type="slidenum">
+              <a:rPr lang="en-US" smtClean="0"/>
+              <a:t>38</a:t>
+            </a:fld>
+            <a:endParaRPr lang="en-US"/>
+          </a:p>
+        </p:txBody>
+      </p:sp>
+    </p:spTree>
+    <p:extLst>
+      <p:ext uri="{BB962C8B-B14F-4D97-AF65-F5344CB8AC3E}">
+        <p14:creationId xmlns:p14="http://schemas.microsoft.com/office/powerpoint/2010/main" val="3324247103"/>
+      </p:ext>
+    </p:extLst>
+  </p:cSld>
+  <p:clrMapOvr>
+    <a:masterClrMapping/>
+  </p:clrMapOvr>
+</p:notes>
+</file>
+
+<file path=ppt/notesSlides/notesSlide21.xml><?xml version="1.0" encoding="utf-8"?>
+<p:notes xmlns:a="http://schemas.openxmlformats.org/drawingml/2006/main" xmlns:r="http://schemas.openxmlformats.org/officeDocument/2006/relationships" xmlns:p="http://schemas.openxmlformats.org/presentationml/2006/main">
+  <p:cSld>
+    <p:spTree>
+      <p:nvGrpSpPr>
+        <p:cNvPr id="1" name=""/>
+        <p:cNvGrpSpPr/>
+        <p:nvPr/>
+      </p:nvGrpSpPr>
+      <p:grpSpPr>
+        <a:xfrm>
+          <a:off x="0" y="0"/>
+          <a:ext cx="0" cy="0"/>
+          <a:chOff x="0" y="0"/>
+          <a:chExt cx="0" cy="0"/>
+        </a:xfrm>
+      </p:grpSpPr>
+      <p:sp>
+        <p:nvSpPr>
+          <p:cNvPr id="2" name="Slide Image Placeholder 1"/>
+          <p:cNvSpPr>
+            <a:spLocks noGrp="1" noRot="1" noChangeAspect="1"/>
+          </p:cNvSpPr>
+          <p:nvPr>
+            <p:ph type="sldImg"/>
+          </p:nvPr>
+        </p:nvSpPr>
+        <p:spPr/>
+      </p:sp>
+      <p:sp>
+        <p:nvSpPr>
+          <p:cNvPr id="3" name="Notes Placeholder 2"/>
+          <p:cNvSpPr>
+            <a:spLocks noGrp="1"/>
+          </p:cNvSpPr>
+          <p:nvPr>
+            <p:ph type="body" idx="1"/>
+          </p:nvPr>
+        </p:nvSpPr>
+        <p:spPr/>
+        <p:txBody>
+          <a:bodyPr/>
+          <a:lstStyle/>
+          <a:p>
+            <a:pPr marL="228600" indent="-228600" algn="l" fontAlgn="base">
+              <a:buFont typeface="Arial" panose="020B0604020202020204" pitchFamily="34" charset="0"/>
+              <a:buAutoNum type="arabicPeriod"/>
+            </a:pPr>
+            <a:r>
+              <a:rPr lang="es-ES" b="0" i="0" dirty="0">
+                <a:solidFill>
+                  <a:srgbClr val="75715E"/>
+                </a:solidFill>
+                <a:effectLst/>
+                <a:latin typeface="jetbrainsmono"/>
+              </a:rPr>
+              <a:t>Declaramos una variable del tipo de la clase</a:t>
+            </a:r>
+          </a:p>
+          <a:p>
+            <a:pPr marL="228600" indent="-228600" algn="l" fontAlgn="base">
+              <a:buFont typeface="Arial" panose="020B0604020202020204" pitchFamily="34" charset="0"/>
+              <a:buAutoNum type="arabicPeriod"/>
+            </a:pPr>
+            <a:r>
+              <a:rPr lang="es-ES" b="0" i="0" dirty="0">
+                <a:solidFill>
+                  <a:srgbClr val="75715E"/>
+                </a:solidFill>
+                <a:effectLst/>
+                <a:latin typeface="jetbrainsmono"/>
+              </a:rPr>
+              <a:t>Aquí ya hemos creado un objeto de </a:t>
+            </a:r>
+            <a:r>
+              <a:rPr lang="es-ES" b="0" i="0" dirty="0" err="1">
+                <a:solidFill>
+                  <a:srgbClr val="75715E"/>
+                </a:solidFill>
+                <a:effectLst/>
+                <a:latin typeface="jetbrainsmono"/>
+              </a:rPr>
+              <a:t>Dog</a:t>
+            </a:r>
+            <a:endParaRPr lang="es-ES" b="0" i="0" dirty="0">
+              <a:solidFill>
+                <a:srgbClr val="75715E"/>
+              </a:solidFill>
+              <a:effectLst/>
+              <a:latin typeface="jetbrainsmono"/>
+            </a:endParaRPr>
+          </a:p>
+          <a:p>
+            <a:pPr marL="228600" indent="-228600" algn="l" fontAlgn="base">
+              <a:buFont typeface="Arial" panose="020B0604020202020204" pitchFamily="34" charset="0"/>
+              <a:buAutoNum type="arabicPeriod"/>
+            </a:pPr>
+            <a:r>
+              <a:rPr lang="es-ES" b="0" i="0" dirty="0">
+                <a:solidFill>
+                  <a:srgbClr val="75715E"/>
+                </a:solidFill>
+                <a:effectLst/>
+                <a:latin typeface="jetbrainsmono"/>
+              </a:rPr>
+              <a:t>Declaramos y creamos el objeto en una línea</a:t>
+            </a:r>
+            <a:endParaRPr lang="en-US" b="0" i="0" dirty="0">
+              <a:solidFill>
+                <a:srgbClr val="FFFFFF"/>
+              </a:solidFill>
+              <a:effectLst/>
+              <a:latin typeface="urw-din"/>
+            </a:endParaRPr>
+          </a:p>
+        </p:txBody>
+      </p:sp>
+      <p:sp>
+        <p:nvSpPr>
+          <p:cNvPr id="4" name="Slide Number Placeholder 3"/>
+          <p:cNvSpPr>
+            <a:spLocks noGrp="1"/>
+          </p:cNvSpPr>
+          <p:nvPr>
+            <p:ph type="sldNum" sz="quarter" idx="5"/>
+          </p:nvPr>
+        </p:nvSpPr>
+        <p:spPr/>
+        <p:txBody>
+          <a:bodyPr/>
+          <a:lstStyle/>
+          <a:p>
+            <a:fld id="{AB04AA61-7569-4972-B621-E1719B307E51}" type="slidenum">
+              <a:rPr lang="en-US" smtClean="0"/>
+              <a:t>39</a:t>
+            </a:fld>
+            <a:endParaRPr lang="en-US"/>
+          </a:p>
+        </p:txBody>
+      </p:sp>
+    </p:spTree>
+    <p:extLst>
+      <p:ext uri="{BB962C8B-B14F-4D97-AF65-F5344CB8AC3E}">
+        <p14:creationId xmlns:p14="http://schemas.microsoft.com/office/powerpoint/2010/main" val="1488491156"/>
       </p:ext>
     </p:extLst>
   </p:cSld>
@@ -16969,7 +21087,7 @@
           <a:p>
             <a:fld id="{72345051-2045-45DA-935E-2E3CA1A69ADC}" type="datetimeFigureOut">
               <a:rPr lang="en-US" smtClean="0"/>
-              <a:t>5/20/2022</a:t>
+              <a:t>5/27/2022</a:t>
             </a:fld>
             <a:endParaRPr lang="en-US" dirty="0"/>
           </a:p>
@@ -17167,7 +21285,7 @@
           <a:p>
             <a:fld id="{72345051-2045-45DA-935E-2E3CA1A69ADC}" type="datetimeFigureOut">
               <a:rPr lang="en-US" smtClean="0"/>
-              <a:t>5/20/2022</a:t>
+              <a:t>5/27/2022</a:t>
             </a:fld>
             <a:endParaRPr lang="en-US"/>
           </a:p>
@@ -17375,7 +21493,7 @@
           <a:p>
             <a:fld id="{72345051-2045-45DA-935E-2E3CA1A69ADC}" type="datetimeFigureOut">
               <a:rPr lang="en-US" smtClean="0"/>
-              <a:t>5/20/2022</a:t>
+              <a:t>5/27/2022</a:t>
             </a:fld>
             <a:endParaRPr lang="en-US"/>
           </a:p>
@@ -17573,7 +21691,7 @@
           <a:p>
             <a:fld id="{72345051-2045-45DA-935E-2E3CA1A69ADC}" type="datetimeFigureOut">
               <a:rPr lang="en-US" smtClean="0"/>
-              <a:t>5/20/2022</a:t>
+              <a:t>5/27/2022</a:t>
             </a:fld>
             <a:endParaRPr lang="en-US"/>
           </a:p>
@@ -17848,7 +21966,7 @@
           <a:p>
             <a:fld id="{72345051-2045-45DA-935E-2E3CA1A69ADC}" type="datetimeFigureOut">
               <a:rPr lang="en-US" smtClean="0"/>
-              <a:t>5/20/2022</a:t>
+              <a:t>5/27/2022</a:t>
             </a:fld>
             <a:endParaRPr lang="en-US"/>
           </a:p>
@@ -18113,7 +22231,7 @@
           <a:p>
             <a:fld id="{72345051-2045-45DA-935E-2E3CA1A69ADC}" type="datetimeFigureOut">
               <a:rPr lang="en-US" smtClean="0"/>
-              <a:t>5/20/2022</a:t>
+              <a:t>5/27/2022</a:t>
             </a:fld>
             <a:endParaRPr lang="en-US"/>
           </a:p>
@@ -18525,7 +22643,7 @@
           <a:p>
             <a:fld id="{72345051-2045-45DA-935E-2E3CA1A69ADC}" type="datetimeFigureOut">
               <a:rPr lang="en-US" smtClean="0"/>
-              <a:t>5/20/2022</a:t>
+              <a:t>5/27/2022</a:t>
             </a:fld>
             <a:endParaRPr lang="en-US"/>
           </a:p>
@@ -18666,7 +22784,7 @@
           <a:p>
             <a:fld id="{72345051-2045-45DA-935E-2E3CA1A69ADC}" type="datetimeFigureOut">
               <a:rPr lang="en-US" smtClean="0"/>
-              <a:t>5/20/2022</a:t>
+              <a:t>5/27/2022</a:t>
             </a:fld>
             <a:endParaRPr lang="en-US"/>
           </a:p>
@@ -18779,7 +22897,7 @@
           <a:p>
             <a:fld id="{72345051-2045-45DA-935E-2E3CA1A69ADC}" type="datetimeFigureOut">
               <a:rPr lang="en-US" smtClean="0"/>
-              <a:t>5/20/2022</a:t>
+              <a:t>5/27/2022</a:t>
             </a:fld>
             <a:endParaRPr lang="en-US"/>
           </a:p>
@@ -19090,7 +23208,7 @@
           <a:p>
             <a:fld id="{72345051-2045-45DA-935E-2E3CA1A69ADC}" type="datetimeFigureOut">
               <a:rPr lang="en-US" smtClean="0"/>
-              <a:t>5/20/2022</a:t>
+              <a:t>5/27/2022</a:t>
             </a:fld>
             <a:endParaRPr lang="en-US"/>
           </a:p>
@@ -19378,7 +23496,7 @@
           <a:p>
             <a:fld id="{72345051-2045-45DA-935E-2E3CA1A69ADC}" type="datetimeFigureOut">
               <a:rPr lang="en-US" smtClean="0"/>
-              <a:t>5/20/2022</a:t>
+              <a:t>5/27/2022</a:t>
             </a:fld>
             <a:endParaRPr lang="en-US"/>
           </a:p>
@@ -19619,7 +23737,7 @@
           <a:p>
             <a:fld id="{72345051-2045-45DA-935E-2E3CA1A69ADC}" type="datetimeFigureOut">
               <a:rPr lang="en-US" smtClean="0"/>
-              <a:t>5/20/2022</a:t>
+              <a:t>5/27/2022</a:t>
             </a:fld>
             <a:endParaRPr lang="en-US" dirty="0"/>
           </a:p>
@@ -33365,6 +37483,2920 @@
     <p:extLst>
       <p:ext uri="{BB962C8B-B14F-4D97-AF65-F5344CB8AC3E}">
         <p14:creationId xmlns:p14="http://schemas.microsoft.com/office/powerpoint/2010/main" val="4048821719"/>
+      </p:ext>
+    </p:extLst>
+  </p:cSld>
+  <p:clrMapOvr>
+    <a:masterClrMapping/>
+  </p:clrMapOvr>
+</p:sld>
+</file>
+
+<file path=ppt/slides/slide35.xml><?xml version="1.0" encoding="utf-8"?>
+<p:sld xmlns:a="http://schemas.openxmlformats.org/drawingml/2006/main" xmlns:r="http://schemas.openxmlformats.org/officeDocument/2006/relationships" xmlns:p="http://schemas.openxmlformats.org/presentationml/2006/main">
+  <p:cSld>
+    <p:bg>
+      <p:bgPr>
+        <a:solidFill>
+          <a:schemeClr val="bg1"/>
+        </a:solidFill>
+        <a:effectLst/>
+      </p:bgPr>
+    </p:bg>
+    <p:spTree>
+      <p:nvGrpSpPr>
+        <p:cNvPr id="1" name=""/>
+        <p:cNvGrpSpPr/>
+        <p:nvPr/>
+      </p:nvGrpSpPr>
+      <p:grpSpPr>
+        <a:xfrm>
+          <a:off x="0" y="0"/>
+          <a:ext cx="0" cy="0"/>
+          <a:chOff x="0" y="0"/>
+          <a:chExt cx="0" cy="0"/>
+        </a:xfrm>
+      </p:grpSpPr>
+      <p:sp useBgFill="1">
+        <p:nvSpPr>
+          <p:cNvPr id="71" name="Rectangle 70">
+            <a:extLst>
+              <a:ext uri="{FF2B5EF4-FFF2-40B4-BE49-F238E27FC236}">
+                <a16:creationId xmlns:a16="http://schemas.microsoft.com/office/drawing/2014/main" id="{B712E947-0734-45F9-9C4F-41114EC3A33E}"/>
+              </a:ext>
+              <a:ext uri="{C183D7F6-B498-43B3-948B-1728B52AA6E4}">
+                <adec:decorative xmlns:adec="http://schemas.microsoft.com/office/drawing/2017/decorative" val="1"/>
+              </a:ext>
+            </a:extLst>
+          </p:cNvPr>
+          <p:cNvSpPr>
+            <a:spLocks noGrp="1" noRot="1" noChangeAspect="1" noMove="1" noResize="1" noEditPoints="1" noAdjustHandles="1" noChangeArrowheads="1" noChangeShapeType="1" noTextEdit="1"/>
+          </p:cNvSpPr>
+          <p:nvPr>
+            <p:extLst>
+              <p:ext uri="{386F3935-93C4-4BCD-93E2-E3B085C9AB24}">
+                <p16:designElem xmlns:p16="http://schemas.microsoft.com/office/powerpoint/2015/main" val="1"/>
+              </p:ext>
+            </p:extLst>
+          </p:nvPr>
+        </p:nvSpPr>
+        <p:spPr>
+          <a:xfrm>
+            <a:off x="0" y="0"/>
+            <a:ext cx="12192000" cy="6858000"/>
+          </a:xfrm>
+          <a:prstGeom prst="rect">
+            <a:avLst/>
+          </a:prstGeom>
+          <a:ln w="12700" cap="flat" cmpd="sng" algn="ctr">
+            <a:noFill/>
+            <a:prstDash val="solid"/>
+            <a:miter lim="800000"/>
+          </a:ln>
+          <a:effectLst/>
+          <a:extLst>
+            <a:ext uri="{91240B29-F687-4F45-9708-019B960494DF}">
+              <a14:hiddenLine xmlns:a14="http://schemas.microsoft.com/office/drawing/2010/main" w="12700" cap="flat" cmpd="sng" algn="ctr">
+                <a:solidFill>
+                  <a:schemeClr val="accent1">
+                    <a:shade val="50000"/>
+                  </a:schemeClr>
+                </a:solidFill>
+                <a:prstDash val="solid"/>
+                <a:miter lim="800000"/>
+              </a14:hiddenLine>
+            </a:ext>
+          </a:extLst>
+        </p:spPr>
+        <p:style>
+          <a:lnRef idx="2">
+            <a:schemeClr val="accent1">
+              <a:shade val="50000"/>
+            </a:schemeClr>
+          </a:lnRef>
+          <a:fillRef idx="1">
+            <a:schemeClr val="accent1"/>
+          </a:fillRef>
+          <a:effectRef idx="0">
+            <a:schemeClr val="accent1"/>
+          </a:effectRef>
+          <a:fontRef idx="minor">
+            <a:schemeClr val="lt1"/>
+          </a:fontRef>
+        </p:style>
+        <p:txBody>
+          <a:bodyPr rtlCol="0" anchor="ctr"/>
+          <a:lstStyle/>
+          <a:p>
+            <a:pPr algn="ctr"/>
+            <a:endParaRPr lang="en-US"/>
+          </a:p>
+        </p:txBody>
+      </p:sp>
+      <p:sp>
+        <p:nvSpPr>
+          <p:cNvPr id="2" name="Title 1">
+            <a:extLst>
+              <a:ext uri="{FF2B5EF4-FFF2-40B4-BE49-F238E27FC236}">
+                <a16:creationId xmlns:a16="http://schemas.microsoft.com/office/drawing/2014/main" id="{58F02AB5-9A8D-44C3-93AC-B62DB340A058}"/>
+              </a:ext>
+            </a:extLst>
+          </p:cNvPr>
+          <p:cNvSpPr>
+            <a:spLocks noGrp="1"/>
+          </p:cNvSpPr>
+          <p:nvPr>
+            <p:ph type="title"/>
+          </p:nvPr>
+        </p:nvSpPr>
+        <p:spPr>
+          <a:xfrm>
+            <a:off x="1136396" y="223023"/>
+            <a:ext cx="5814240" cy="828521"/>
+          </a:xfrm>
+        </p:spPr>
+        <p:txBody>
+          <a:bodyPr anchor="b">
+            <a:normAutofit/>
+          </a:bodyPr>
+          <a:lstStyle/>
+          <a:p>
+            <a:r>
+              <a:rPr lang="en-US" sz="4000" b="1" dirty="0" err="1"/>
+              <a:t>Objeto</a:t>
+            </a:r>
+            <a:endParaRPr lang="en-US" sz="4000" b="1" dirty="0"/>
+          </a:p>
+        </p:txBody>
+      </p:sp>
+      <p:sp>
+        <p:nvSpPr>
+          <p:cNvPr id="73" name="Rectangle 72">
+            <a:extLst>
+              <a:ext uri="{FF2B5EF4-FFF2-40B4-BE49-F238E27FC236}">
+                <a16:creationId xmlns:a16="http://schemas.microsoft.com/office/drawing/2014/main" id="{5A65989E-BBD5-44D7-AA86-7AFD5D46BBC0}"/>
+              </a:ext>
+              <a:ext uri="{C183D7F6-B498-43B3-948B-1728B52AA6E4}">
+                <adec:decorative xmlns:adec="http://schemas.microsoft.com/office/drawing/2017/decorative" val="1"/>
+              </a:ext>
+            </a:extLst>
+          </p:cNvPr>
+          <p:cNvSpPr>
+            <a:spLocks noGrp="1" noRot="1" noChangeAspect="1" noMove="1" noResize="1" noEditPoints="1" noAdjustHandles="1" noChangeArrowheads="1" noChangeShapeType="1" noTextEdit="1"/>
+          </p:cNvSpPr>
+          <p:nvPr>
+            <p:extLst>
+              <p:ext uri="{386F3935-93C4-4BCD-93E2-E3B085C9AB24}">
+                <p16:designElem xmlns:p16="http://schemas.microsoft.com/office/powerpoint/2015/main" val="1"/>
+              </p:ext>
+            </p:extLst>
+          </p:nvPr>
+        </p:nvSpPr>
+        <p:spPr>
+          <a:xfrm rot="10800000" flipH="1">
+            <a:off x="0" y="6400799"/>
+            <a:ext cx="12192000" cy="456773"/>
+          </a:xfrm>
+          <a:prstGeom prst="rect">
+            <a:avLst/>
+          </a:prstGeom>
+          <a:gradFill>
+            <a:gsLst>
+              <a:gs pos="0">
+                <a:schemeClr val="accent1"/>
+              </a:gs>
+              <a:gs pos="66000">
+                <a:srgbClr val="000000"/>
+              </a:gs>
+            </a:gsLst>
+            <a:lin ang="10200000" scaled="0"/>
+          </a:gradFill>
+          <a:ln>
+            <a:noFill/>
+          </a:ln>
+        </p:spPr>
+        <p:style>
+          <a:lnRef idx="2">
+            <a:schemeClr val="accent1">
+              <a:shade val="50000"/>
+            </a:schemeClr>
+          </a:lnRef>
+          <a:fillRef idx="1">
+            <a:schemeClr val="accent1"/>
+          </a:fillRef>
+          <a:effectRef idx="0">
+            <a:schemeClr val="accent1"/>
+          </a:effectRef>
+          <a:fontRef idx="minor">
+            <a:schemeClr val="lt1"/>
+          </a:fontRef>
+        </p:style>
+        <p:txBody>
+          <a:bodyPr rtlCol="0" anchor="ctr"/>
+          <a:lstStyle/>
+          <a:p>
+            <a:pPr algn="ctr"/>
+            <a:endParaRPr lang="en-US"/>
+          </a:p>
+        </p:txBody>
+      </p:sp>
+      <p:sp>
+        <p:nvSpPr>
+          <p:cNvPr id="75" name="Rectangle 74">
+            <a:extLst>
+              <a:ext uri="{FF2B5EF4-FFF2-40B4-BE49-F238E27FC236}">
+                <a16:creationId xmlns:a16="http://schemas.microsoft.com/office/drawing/2014/main" id="{231A2881-D8D7-4A7D-ACA3-E9F849F853D8}"/>
+              </a:ext>
+              <a:ext uri="{C183D7F6-B498-43B3-948B-1728B52AA6E4}">
+                <adec:decorative xmlns:adec="http://schemas.microsoft.com/office/drawing/2017/decorative" val="1"/>
+              </a:ext>
+            </a:extLst>
+          </p:cNvPr>
+          <p:cNvSpPr>
+            <a:spLocks noGrp="1" noRot="1" noChangeAspect="1" noMove="1" noResize="1" noEditPoints="1" noAdjustHandles="1" noChangeArrowheads="1" noChangeShapeType="1" noTextEdit="1"/>
+          </p:cNvSpPr>
+          <p:nvPr>
+            <p:extLst>
+              <p:ext uri="{386F3935-93C4-4BCD-93E2-E3B085C9AB24}">
+                <p16:designElem xmlns:p16="http://schemas.microsoft.com/office/powerpoint/2015/main" val="1"/>
+              </p:ext>
+            </p:extLst>
+          </p:nvPr>
+        </p:nvSpPr>
+        <p:spPr>
+          <a:xfrm flipH="1">
+            <a:off x="1" y="6400800"/>
+            <a:ext cx="8153398" cy="456772"/>
+          </a:xfrm>
+          <a:prstGeom prst="rect">
+            <a:avLst/>
+          </a:prstGeom>
+          <a:gradFill>
+            <a:gsLst>
+              <a:gs pos="0">
+                <a:srgbClr val="000000">
+                  <a:alpha val="63000"/>
+                </a:srgbClr>
+              </a:gs>
+              <a:gs pos="100000">
+                <a:schemeClr val="accent1">
+                  <a:lumMod val="75000"/>
+                </a:schemeClr>
+              </a:gs>
+            </a:gsLst>
+            <a:lin ang="17400000" scaled="0"/>
+          </a:gradFill>
+          <a:ln>
+            <a:noFill/>
+          </a:ln>
+        </p:spPr>
+        <p:style>
+          <a:lnRef idx="2">
+            <a:schemeClr val="accent1">
+              <a:shade val="50000"/>
+            </a:schemeClr>
+          </a:lnRef>
+          <a:fillRef idx="1">
+            <a:schemeClr val="accent1"/>
+          </a:fillRef>
+          <a:effectRef idx="0">
+            <a:schemeClr val="accent1"/>
+          </a:effectRef>
+          <a:fontRef idx="minor">
+            <a:schemeClr val="lt1"/>
+          </a:fontRef>
+        </p:style>
+        <p:txBody>
+          <a:bodyPr rtlCol="0" anchor="ctr"/>
+          <a:lstStyle/>
+          <a:p>
+            <a:pPr algn="ctr"/>
+            <a:endParaRPr lang="en-US"/>
+          </a:p>
+        </p:txBody>
+      </p:sp>
+      <p:cxnSp>
+        <p:nvCxnSpPr>
+          <p:cNvPr id="24" name="Connector: Curved 23">
+            <a:extLst>
+              <a:ext uri="{FF2B5EF4-FFF2-40B4-BE49-F238E27FC236}">
+                <a16:creationId xmlns:a16="http://schemas.microsoft.com/office/drawing/2014/main" id="{DFC0B90A-537B-4E7C-AF26-0C2B7F7BC10F}"/>
+              </a:ext>
+            </a:extLst>
+          </p:cNvPr>
+          <p:cNvCxnSpPr>
+            <a:cxnSpLocks/>
+            <a:stCxn id="27" idx="2"/>
+            <a:endCxn id="30" idx="1"/>
+          </p:cNvCxnSpPr>
+          <p:nvPr/>
+        </p:nvCxnSpPr>
+        <p:spPr>
+          <a:xfrm rot="16200000" flipH="1">
+            <a:off x="6198232" y="4086299"/>
+            <a:ext cx="776990" cy="2719075"/>
+          </a:xfrm>
+          <a:prstGeom prst="curvedConnector2">
+            <a:avLst/>
+          </a:prstGeom>
+          <a:ln w="19050">
+            <a:solidFill>
+              <a:srgbClr val="C00000"/>
+            </a:solidFill>
+            <a:headEnd type="none" w="med" len="med"/>
+            <a:tailEnd type="arrow" w="med" len="med"/>
+          </a:ln>
+        </p:spPr>
+        <p:style>
+          <a:lnRef idx="1">
+            <a:schemeClr val="accent1"/>
+          </a:lnRef>
+          <a:fillRef idx="0">
+            <a:schemeClr val="accent1"/>
+          </a:fillRef>
+          <a:effectRef idx="0">
+            <a:schemeClr val="accent1"/>
+          </a:effectRef>
+          <a:fontRef idx="minor">
+            <a:schemeClr val="tx1"/>
+          </a:fontRef>
+        </p:style>
+      </p:cxnSp>
+      <p:pic>
+        <p:nvPicPr>
+          <p:cNvPr id="27" name="Picture 26">
+            <a:extLst>
+              <a:ext uri="{FF2B5EF4-FFF2-40B4-BE49-F238E27FC236}">
+                <a16:creationId xmlns:a16="http://schemas.microsoft.com/office/drawing/2014/main" id="{060805EC-18B7-4C69-8DFE-F4BDE93C9E06}"/>
+              </a:ext>
+            </a:extLst>
+          </p:cNvPr>
+          <p:cNvPicPr>
+            <a:picLocks noChangeAspect="1"/>
+          </p:cNvPicPr>
+          <p:nvPr/>
+        </p:nvPicPr>
+        <p:blipFill>
+          <a:blip r:embed="rId3"/>
+          <a:stretch>
+            <a:fillRect/>
+          </a:stretch>
+        </p:blipFill>
+        <p:spPr>
+          <a:xfrm>
+            <a:off x="1610886" y="1081301"/>
+            <a:ext cx="7232607" cy="3976041"/>
+          </a:xfrm>
+          <a:prstGeom prst="rect">
+            <a:avLst/>
+          </a:prstGeom>
+        </p:spPr>
+      </p:pic>
+      <p:pic>
+        <p:nvPicPr>
+          <p:cNvPr id="30" name="Picture 29">
+            <a:extLst>
+              <a:ext uri="{FF2B5EF4-FFF2-40B4-BE49-F238E27FC236}">
+                <a16:creationId xmlns:a16="http://schemas.microsoft.com/office/drawing/2014/main" id="{CF6EBA8E-95C3-42FB-857A-C84240F9E021}"/>
+              </a:ext>
+            </a:extLst>
+          </p:cNvPr>
+          <p:cNvPicPr>
+            <a:picLocks noChangeAspect="1"/>
+          </p:cNvPicPr>
+          <p:nvPr/>
+        </p:nvPicPr>
+        <p:blipFill rotWithShape="1">
+          <a:blip r:embed="rId4"/>
+          <a:srcRect l="1081" r="1"/>
+          <a:stretch/>
+        </p:blipFill>
+        <p:spPr>
+          <a:xfrm>
+            <a:off x="7946265" y="5357611"/>
+            <a:ext cx="3726522" cy="953441"/>
+          </a:xfrm>
+          <a:prstGeom prst="rect">
+            <a:avLst/>
+          </a:prstGeom>
+        </p:spPr>
+      </p:pic>
+    </p:spTree>
+    <p:extLst>
+      <p:ext uri="{BB962C8B-B14F-4D97-AF65-F5344CB8AC3E}">
+        <p14:creationId xmlns:p14="http://schemas.microsoft.com/office/powerpoint/2010/main" val="3037069273"/>
+      </p:ext>
+    </p:extLst>
+  </p:cSld>
+  <p:clrMapOvr>
+    <a:masterClrMapping/>
+  </p:clrMapOvr>
+</p:sld>
+</file>
+
+<file path=ppt/slides/slide36.xml><?xml version="1.0" encoding="utf-8"?>
+<p:sld xmlns:a="http://schemas.openxmlformats.org/drawingml/2006/main" xmlns:r="http://schemas.openxmlformats.org/officeDocument/2006/relationships" xmlns:p="http://schemas.openxmlformats.org/presentationml/2006/main">
+  <p:cSld>
+    <p:bg>
+      <p:bgPr>
+        <a:solidFill>
+          <a:schemeClr val="bg1"/>
+        </a:solidFill>
+        <a:effectLst/>
+      </p:bgPr>
+    </p:bg>
+    <p:spTree>
+      <p:nvGrpSpPr>
+        <p:cNvPr id="1" name=""/>
+        <p:cNvGrpSpPr/>
+        <p:nvPr/>
+      </p:nvGrpSpPr>
+      <p:grpSpPr>
+        <a:xfrm>
+          <a:off x="0" y="0"/>
+          <a:ext cx="0" cy="0"/>
+          <a:chOff x="0" y="0"/>
+          <a:chExt cx="0" cy="0"/>
+        </a:xfrm>
+      </p:grpSpPr>
+      <p:sp useBgFill="1">
+        <p:nvSpPr>
+          <p:cNvPr id="71" name="Rectangle 70">
+            <a:extLst>
+              <a:ext uri="{FF2B5EF4-FFF2-40B4-BE49-F238E27FC236}">
+                <a16:creationId xmlns:a16="http://schemas.microsoft.com/office/drawing/2014/main" id="{B712E947-0734-45F9-9C4F-41114EC3A33E}"/>
+              </a:ext>
+              <a:ext uri="{C183D7F6-B498-43B3-948B-1728B52AA6E4}">
+                <adec:decorative xmlns:adec="http://schemas.microsoft.com/office/drawing/2017/decorative" val="1"/>
+              </a:ext>
+            </a:extLst>
+          </p:cNvPr>
+          <p:cNvSpPr>
+            <a:spLocks noGrp="1" noRot="1" noChangeAspect="1" noMove="1" noResize="1" noEditPoints="1" noAdjustHandles="1" noChangeArrowheads="1" noChangeShapeType="1" noTextEdit="1"/>
+          </p:cNvSpPr>
+          <p:nvPr>
+            <p:extLst>
+              <p:ext uri="{386F3935-93C4-4BCD-93E2-E3B085C9AB24}">
+                <p16:designElem xmlns:p16="http://schemas.microsoft.com/office/powerpoint/2015/main" val="1"/>
+              </p:ext>
+            </p:extLst>
+          </p:nvPr>
+        </p:nvSpPr>
+        <p:spPr>
+          <a:xfrm>
+            <a:off x="0" y="0"/>
+            <a:ext cx="12192000" cy="6858000"/>
+          </a:xfrm>
+          <a:prstGeom prst="rect">
+            <a:avLst/>
+          </a:prstGeom>
+          <a:ln w="12700" cap="flat" cmpd="sng" algn="ctr">
+            <a:noFill/>
+            <a:prstDash val="solid"/>
+            <a:miter lim="800000"/>
+          </a:ln>
+          <a:effectLst/>
+          <a:extLst>
+            <a:ext uri="{91240B29-F687-4F45-9708-019B960494DF}">
+              <a14:hiddenLine xmlns:a14="http://schemas.microsoft.com/office/drawing/2010/main" w="12700" cap="flat" cmpd="sng" algn="ctr">
+                <a:solidFill>
+                  <a:schemeClr val="accent1">
+                    <a:shade val="50000"/>
+                  </a:schemeClr>
+                </a:solidFill>
+                <a:prstDash val="solid"/>
+                <a:miter lim="800000"/>
+              </a14:hiddenLine>
+            </a:ext>
+          </a:extLst>
+        </p:spPr>
+        <p:style>
+          <a:lnRef idx="2">
+            <a:schemeClr val="accent1">
+              <a:shade val="50000"/>
+            </a:schemeClr>
+          </a:lnRef>
+          <a:fillRef idx="1">
+            <a:schemeClr val="accent1"/>
+          </a:fillRef>
+          <a:effectRef idx="0">
+            <a:schemeClr val="accent1"/>
+          </a:effectRef>
+          <a:fontRef idx="minor">
+            <a:schemeClr val="lt1"/>
+          </a:fontRef>
+        </p:style>
+        <p:txBody>
+          <a:bodyPr rtlCol="0" anchor="ctr"/>
+          <a:lstStyle/>
+          <a:p>
+            <a:pPr algn="ctr"/>
+            <a:endParaRPr lang="en-US"/>
+          </a:p>
+        </p:txBody>
+      </p:sp>
+      <p:sp>
+        <p:nvSpPr>
+          <p:cNvPr id="2" name="Title 1">
+            <a:extLst>
+              <a:ext uri="{FF2B5EF4-FFF2-40B4-BE49-F238E27FC236}">
+                <a16:creationId xmlns:a16="http://schemas.microsoft.com/office/drawing/2014/main" id="{58F02AB5-9A8D-44C3-93AC-B62DB340A058}"/>
+              </a:ext>
+            </a:extLst>
+          </p:cNvPr>
+          <p:cNvSpPr>
+            <a:spLocks noGrp="1"/>
+          </p:cNvSpPr>
+          <p:nvPr>
+            <p:ph type="title"/>
+          </p:nvPr>
+        </p:nvSpPr>
+        <p:spPr>
+          <a:xfrm>
+            <a:off x="1136396" y="223023"/>
+            <a:ext cx="5814240" cy="828521"/>
+          </a:xfrm>
+        </p:spPr>
+        <p:txBody>
+          <a:bodyPr anchor="b">
+            <a:normAutofit/>
+          </a:bodyPr>
+          <a:lstStyle/>
+          <a:p>
+            <a:r>
+              <a:rPr lang="en-US" sz="4000" b="1" dirty="0" err="1"/>
+              <a:t>Objeto</a:t>
+            </a:r>
+            <a:endParaRPr lang="en-US" sz="4000" b="1" dirty="0"/>
+          </a:p>
+        </p:txBody>
+      </p:sp>
+      <p:sp>
+        <p:nvSpPr>
+          <p:cNvPr id="73" name="Rectangle 72">
+            <a:extLst>
+              <a:ext uri="{FF2B5EF4-FFF2-40B4-BE49-F238E27FC236}">
+                <a16:creationId xmlns:a16="http://schemas.microsoft.com/office/drawing/2014/main" id="{5A65989E-BBD5-44D7-AA86-7AFD5D46BBC0}"/>
+              </a:ext>
+              <a:ext uri="{C183D7F6-B498-43B3-948B-1728B52AA6E4}">
+                <adec:decorative xmlns:adec="http://schemas.microsoft.com/office/drawing/2017/decorative" val="1"/>
+              </a:ext>
+            </a:extLst>
+          </p:cNvPr>
+          <p:cNvSpPr>
+            <a:spLocks noGrp="1" noRot="1" noChangeAspect="1" noMove="1" noResize="1" noEditPoints="1" noAdjustHandles="1" noChangeArrowheads="1" noChangeShapeType="1" noTextEdit="1"/>
+          </p:cNvSpPr>
+          <p:nvPr>
+            <p:extLst>
+              <p:ext uri="{386F3935-93C4-4BCD-93E2-E3B085C9AB24}">
+                <p16:designElem xmlns:p16="http://schemas.microsoft.com/office/powerpoint/2015/main" val="1"/>
+              </p:ext>
+            </p:extLst>
+          </p:nvPr>
+        </p:nvSpPr>
+        <p:spPr>
+          <a:xfrm rot="10800000" flipH="1">
+            <a:off x="0" y="6400799"/>
+            <a:ext cx="12192000" cy="456773"/>
+          </a:xfrm>
+          <a:prstGeom prst="rect">
+            <a:avLst/>
+          </a:prstGeom>
+          <a:gradFill>
+            <a:gsLst>
+              <a:gs pos="0">
+                <a:schemeClr val="accent1"/>
+              </a:gs>
+              <a:gs pos="66000">
+                <a:srgbClr val="000000"/>
+              </a:gs>
+            </a:gsLst>
+            <a:lin ang="10200000" scaled="0"/>
+          </a:gradFill>
+          <a:ln>
+            <a:noFill/>
+          </a:ln>
+        </p:spPr>
+        <p:style>
+          <a:lnRef idx="2">
+            <a:schemeClr val="accent1">
+              <a:shade val="50000"/>
+            </a:schemeClr>
+          </a:lnRef>
+          <a:fillRef idx="1">
+            <a:schemeClr val="accent1"/>
+          </a:fillRef>
+          <a:effectRef idx="0">
+            <a:schemeClr val="accent1"/>
+          </a:effectRef>
+          <a:fontRef idx="minor">
+            <a:schemeClr val="lt1"/>
+          </a:fontRef>
+        </p:style>
+        <p:txBody>
+          <a:bodyPr rtlCol="0" anchor="ctr"/>
+          <a:lstStyle/>
+          <a:p>
+            <a:pPr algn="ctr"/>
+            <a:endParaRPr lang="en-US"/>
+          </a:p>
+        </p:txBody>
+      </p:sp>
+      <p:sp>
+        <p:nvSpPr>
+          <p:cNvPr id="75" name="Rectangle 74">
+            <a:extLst>
+              <a:ext uri="{FF2B5EF4-FFF2-40B4-BE49-F238E27FC236}">
+                <a16:creationId xmlns:a16="http://schemas.microsoft.com/office/drawing/2014/main" id="{231A2881-D8D7-4A7D-ACA3-E9F849F853D8}"/>
+              </a:ext>
+              <a:ext uri="{C183D7F6-B498-43B3-948B-1728B52AA6E4}">
+                <adec:decorative xmlns:adec="http://schemas.microsoft.com/office/drawing/2017/decorative" val="1"/>
+              </a:ext>
+            </a:extLst>
+          </p:cNvPr>
+          <p:cNvSpPr>
+            <a:spLocks noGrp="1" noRot="1" noChangeAspect="1" noMove="1" noResize="1" noEditPoints="1" noAdjustHandles="1" noChangeArrowheads="1" noChangeShapeType="1" noTextEdit="1"/>
+          </p:cNvSpPr>
+          <p:nvPr>
+            <p:extLst>
+              <p:ext uri="{386F3935-93C4-4BCD-93E2-E3B085C9AB24}">
+                <p16:designElem xmlns:p16="http://schemas.microsoft.com/office/powerpoint/2015/main" val="1"/>
+              </p:ext>
+            </p:extLst>
+          </p:nvPr>
+        </p:nvSpPr>
+        <p:spPr>
+          <a:xfrm flipH="1">
+            <a:off x="1" y="6400800"/>
+            <a:ext cx="8153398" cy="456772"/>
+          </a:xfrm>
+          <a:prstGeom prst="rect">
+            <a:avLst/>
+          </a:prstGeom>
+          <a:gradFill>
+            <a:gsLst>
+              <a:gs pos="0">
+                <a:srgbClr val="000000">
+                  <a:alpha val="63000"/>
+                </a:srgbClr>
+              </a:gs>
+              <a:gs pos="100000">
+                <a:schemeClr val="accent1">
+                  <a:lumMod val="75000"/>
+                </a:schemeClr>
+              </a:gs>
+            </a:gsLst>
+            <a:lin ang="17400000" scaled="0"/>
+          </a:gradFill>
+          <a:ln>
+            <a:noFill/>
+          </a:ln>
+        </p:spPr>
+        <p:style>
+          <a:lnRef idx="2">
+            <a:schemeClr val="accent1">
+              <a:shade val="50000"/>
+            </a:schemeClr>
+          </a:lnRef>
+          <a:fillRef idx="1">
+            <a:schemeClr val="accent1"/>
+          </a:fillRef>
+          <a:effectRef idx="0">
+            <a:schemeClr val="accent1"/>
+          </a:effectRef>
+          <a:fontRef idx="minor">
+            <a:schemeClr val="lt1"/>
+          </a:fontRef>
+        </p:style>
+        <p:txBody>
+          <a:bodyPr rtlCol="0" anchor="ctr"/>
+          <a:lstStyle/>
+          <a:p>
+            <a:pPr algn="ctr"/>
+            <a:endParaRPr lang="en-US"/>
+          </a:p>
+        </p:txBody>
+      </p:sp>
+      <p:sp>
+        <p:nvSpPr>
+          <p:cNvPr id="3" name="Content Placeholder 2">
+            <a:extLst>
+              <a:ext uri="{FF2B5EF4-FFF2-40B4-BE49-F238E27FC236}">
+                <a16:creationId xmlns:a16="http://schemas.microsoft.com/office/drawing/2014/main" id="{22046145-0CE3-4D0C-9688-D6AC8D33DC2B}"/>
+              </a:ext>
+            </a:extLst>
+          </p:cNvPr>
+          <p:cNvSpPr>
+            <a:spLocks noGrp="1"/>
+          </p:cNvSpPr>
+          <p:nvPr>
+            <p:ph idx="1"/>
+          </p:nvPr>
+        </p:nvSpPr>
+        <p:spPr>
+          <a:xfrm>
+            <a:off x="1136396" y="1314509"/>
+            <a:ext cx="9700937" cy="2919557"/>
+          </a:xfrm>
+        </p:spPr>
+        <p:txBody>
+          <a:bodyPr>
+            <a:normAutofit fontScale="85000" lnSpcReduction="10000"/>
+          </a:bodyPr>
+          <a:lstStyle/>
+          <a:p>
+            <a:pPr>
+              <a:lnSpc>
+                <a:spcPct val="150000"/>
+              </a:lnSpc>
+            </a:pPr>
+            <a:r>
+              <a:rPr lang="es-ES" sz="2000" dirty="0"/>
+              <a:t>Es una unidad básica de la POO y representa las entidades de la vida real. </a:t>
+            </a:r>
+          </a:p>
+          <a:p>
+            <a:pPr>
+              <a:lnSpc>
+                <a:spcPct val="150000"/>
+              </a:lnSpc>
+            </a:pPr>
+            <a:r>
+              <a:rPr lang="es-ES" sz="2000" dirty="0"/>
+              <a:t>En programación, un objeto puede ser una estructura de datos, una variable o una función. Tiene una ubicación de memoria asignada. </a:t>
+            </a:r>
+          </a:p>
+          <a:p>
+            <a:pPr>
+              <a:lnSpc>
+                <a:spcPct val="150000"/>
+              </a:lnSpc>
+            </a:pPr>
+            <a:r>
+              <a:rPr lang="es-ES" sz="2000" dirty="0"/>
+              <a:t>Un objeto consta de:</a:t>
+            </a:r>
+          </a:p>
+          <a:p>
+            <a:pPr lvl="1">
+              <a:lnSpc>
+                <a:spcPct val="150000"/>
+              </a:lnSpc>
+            </a:pPr>
+            <a:r>
+              <a:rPr lang="es-ES" sz="1800" dirty="0"/>
+              <a:t>Estado - atributos</a:t>
+            </a:r>
+          </a:p>
+          <a:p>
+            <a:pPr lvl="1">
+              <a:lnSpc>
+                <a:spcPct val="150000"/>
+              </a:lnSpc>
+            </a:pPr>
+            <a:r>
+              <a:rPr lang="es-ES" sz="1800" dirty="0"/>
+              <a:t>Comportamiento - métodos </a:t>
+            </a:r>
+          </a:p>
+          <a:p>
+            <a:pPr lvl="1">
+              <a:lnSpc>
+                <a:spcPct val="150000"/>
+              </a:lnSpc>
+            </a:pPr>
+            <a:r>
+              <a:rPr lang="es-ES" sz="1800" dirty="0"/>
+              <a:t>Identidad - nombre único que permite que un objeto interactúe con otros objetos</a:t>
+            </a:r>
+            <a:endParaRPr lang="es-CR" sz="1800" dirty="0"/>
+          </a:p>
+        </p:txBody>
+      </p:sp>
+      <p:grpSp>
+        <p:nvGrpSpPr>
+          <p:cNvPr id="6" name="Group 5">
+            <a:extLst>
+              <a:ext uri="{FF2B5EF4-FFF2-40B4-BE49-F238E27FC236}">
+                <a16:creationId xmlns:a16="http://schemas.microsoft.com/office/drawing/2014/main" id="{B3D8F642-95D5-4BB0-8F8D-0B04B9840E88}"/>
+              </a:ext>
+            </a:extLst>
+          </p:cNvPr>
+          <p:cNvGrpSpPr/>
+          <p:nvPr/>
+        </p:nvGrpSpPr>
+        <p:grpSpPr>
+          <a:xfrm>
+            <a:off x="2711556" y="4609706"/>
+            <a:ext cx="6768888" cy="1338607"/>
+            <a:chOff x="1683371" y="4260476"/>
+            <a:chExt cx="8180048" cy="1522260"/>
+          </a:xfrm>
+        </p:grpSpPr>
+        <p:pic>
+          <p:nvPicPr>
+            <p:cNvPr id="4" name="Picture 3">
+              <a:extLst>
+                <a:ext uri="{FF2B5EF4-FFF2-40B4-BE49-F238E27FC236}">
+                  <a16:creationId xmlns:a16="http://schemas.microsoft.com/office/drawing/2014/main" id="{94117067-10F2-44F9-B8CE-A039DA14023A}"/>
+                </a:ext>
+              </a:extLst>
+            </p:cNvPr>
+            <p:cNvPicPr>
+              <a:picLocks noChangeAspect="1"/>
+            </p:cNvPicPr>
+            <p:nvPr/>
+          </p:nvPicPr>
+          <p:blipFill rotWithShape="1">
+            <a:blip r:embed="rId3"/>
+            <a:srcRect l="2702" t="16168" r="-54" b="13915"/>
+            <a:stretch/>
+          </p:blipFill>
+          <p:spPr>
+            <a:xfrm>
+              <a:off x="2328580" y="4260476"/>
+              <a:ext cx="7534839" cy="1522260"/>
+            </a:xfrm>
+            <a:prstGeom prst="rect">
+              <a:avLst/>
+            </a:prstGeom>
+          </p:spPr>
+        </p:pic>
+        <p:pic>
+          <p:nvPicPr>
+            <p:cNvPr id="5" name="Picture 4">
+              <a:extLst>
+                <a:ext uri="{FF2B5EF4-FFF2-40B4-BE49-F238E27FC236}">
+                  <a16:creationId xmlns:a16="http://schemas.microsoft.com/office/drawing/2014/main" id="{F47734D4-D250-4EE0-AAC4-077355BC61C7}"/>
+                </a:ext>
+              </a:extLst>
+            </p:cNvPr>
+            <p:cNvPicPr>
+              <a:picLocks noChangeAspect="1"/>
+            </p:cNvPicPr>
+            <p:nvPr/>
+          </p:nvPicPr>
+          <p:blipFill>
+            <a:blip r:embed="rId4">
+              <a:extLst>
+                <a:ext uri="{BEBA8EAE-BF5A-486C-A8C5-ECC9F3942E4B}">
+                  <a14:imgProps xmlns:a14="http://schemas.microsoft.com/office/drawing/2010/main">
+                    <a14:imgLayer r:embed="rId5">
+                      <a14:imgEffect>
+                        <a14:backgroundRemoval t="3333" b="94167" l="10000" r="90000">
+                          <a14:foregroundMark x1="17619" y1="45000" x2="25714" y2="45000"/>
+                          <a14:foregroundMark x1="61905" y1="47917" x2="60476" y2="47083"/>
+                          <a14:foregroundMark x1="44762" y1="93333" x2="48571" y2="93333"/>
+                          <a14:foregroundMark x1="51429" y1="94583" x2="43810" y2="94583"/>
+                          <a14:foregroundMark x1="66190" y1="88750" x2="69524" y2="94167"/>
+                          <a14:foregroundMark x1="63333" y1="9167" x2="56190" y2="13333"/>
+                          <a14:foregroundMark x1="57619" y1="3333" x2="57619" y2="3333"/>
+                          <a14:foregroundMark x1="34762" y1="27917" x2="34762" y2="27917"/>
+                          <a14:foregroundMark x1="49524" y1="26250" x2="49524" y2="32083"/>
+                          <a14:foregroundMark x1="34762" y1="27083" x2="33333" y2="34167"/>
+                        </a14:backgroundRemoval>
+                      </a14:imgEffect>
+                    </a14:imgLayer>
+                  </a14:imgProps>
+                </a:ext>
+              </a:extLst>
+            </a:blip>
+            <a:stretch>
+              <a:fillRect/>
+            </a:stretch>
+          </p:blipFill>
+          <p:spPr>
+            <a:xfrm>
+              <a:off x="1683371" y="4465115"/>
+              <a:ext cx="1148331" cy="1312378"/>
+            </a:xfrm>
+            <a:prstGeom prst="rect">
+              <a:avLst/>
+            </a:prstGeom>
+          </p:spPr>
+        </p:pic>
+      </p:grpSp>
+    </p:spTree>
+    <p:extLst>
+      <p:ext uri="{BB962C8B-B14F-4D97-AF65-F5344CB8AC3E}">
+        <p14:creationId xmlns:p14="http://schemas.microsoft.com/office/powerpoint/2010/main" val="42245209"/>
+      </p:ext>
+    </p:extLst>
+  </p:cSld>
+  <p:clrMapOvr>
+    <a:masterClrMapping/>
+  </p:clrMapOvr>
+</p:sld>
+</file>
+
+<file path=ppt/slides/slide37.xml><?xml version="1.0" encoding="utf-8"?>
+<p:sld xmlns:a="http://schemas.openxmlformats.org/drawingml/2006/main" xmlns:r="http://schemas.openxmlformats.org/officeDocument/2006/relationships" xmlns:p="http://schemas.openxmlformats.org/presentationml/2006/main">
+  <p:cSld>
+    <p:bg>
+      <p:bgPr>
+        <a:solidFill>
+          <a:schemeClr val="bg1"/>
+        </a:solidFill>
+        <a:effectLst/>
+      </p:bgPr>
+    </p:bg>
+    <p:spTree>
+      <p:nvGrpSpPr>
+        <p:cNvPr id="1" name=""/>
+        <p:cNvGrpSpPr/>
+        <p:nvPr/>
+      </p:nvGrpSpPr>
+      <p:grpSpPr>
+        <a:xfrm>
+          <a:off x="0" y="0"/>
+          <a:ext cx="0" cy="0"/>
+          <a:chOff x="0" y="0"/>
+          <a:chExt cx="0" cy="0"/>
+        </a:xfrm>
+      </p:grpSpPr>
+      <p:sp useBgFill="1">
+        <p:nvSpPr>
+          <p:cNvPr id="71" name="Rectangle 70">
+            <a:extLst>
+              <a:ext uri="{FF2B5EF4-FFF2-40B4-BE49-F238E27FC236}">
+                <a16:creationId xmlns:a16="http://schemas.microsoft.com/office/drawing/2014/main" id="{B712E947-0734-45F9-9C4F-41114EC3A33E}"/>
+              </a:ext>
+              <a:ext uri="{C183D7F6-B498-43B3-948B-1728B52AA6E4}">
+                <adec:decorative xmlns:adec="http://schemas.microsoft.com/office/drawing/2017/decorative" val="1"/>
+              </a:ext>
+            </a:extLst>
+          </p:cNvPr>
+          <p:cNvSpPr>
+            <a:spLocks noGrp="1" noRot="1" noChangeAspect="1" noMove="1" noResize="1" noEditPoints="1" noAdjustHandles="1" noChangeArrowheads="1" noChangeShapeType="1" noTextEdit="1"/>
+          </p:cNvSpPr>
+          <p:nvPr>
+            <p:extLst>
+              <p:ext uri="{386F3935-93C4-4BCD-93E2-E3B085C9AB24}">
+                <p16:designElem xmlns:p16="http://schemas.microsoft.com/office/powerpoint/2015/main" val="1"/>
+              </p:ext>
+            </p:extLst>
+          </p:nvPr>
+        </p:nvSpPr>
+        <p:spPr>
+          <a:xfrm>
+            <a:off x="0" y="0"/>
+            <a:ext cx="12192000" cy="6858000"/>
+          </a:xfrm>
+          <a:prstGeom prst="rect">
+            <a:avLst/>
+          </a:prstGeom>
+          <a:ln w="12700" cap="flat" cmpd="sng" algn="ctr">
+            <a:noFill/>
+            <a:prstDash val="solid"/>
+            <a:miter lim="800000"/>
+          </a:ln>
+          <a:effectLst/>
+          <a:extLst>
+            <a:ext uri="{91240B29-F687-4F45-9708-019B960494DF}">
+              <a14:hiddenLine xmlns:a14="http://schemas.microsoft.com/office/drawing/2010/main" w="12700" cap="flat" cmpd="sng" algn="ctr">
+                <a:solidFill>
+                  <a:schemeClr val="accent1">
+                    <a:shade val="50000"/>
+                  </a:schemeClr>
+                </a:solidFill>
+                <a:prstDash val="solid"/>
+                <a:miter lim="800000"/>
+              </a14:hiddenLine>
+            </a:ext>
+          </a:extLst>
+        </p:spPr>
+        <p:style>
+          <a:lnRef idx="2">
+            <a:schemeClr val="accent1">
+              <a:shade val="50000"/>
+            </a:schemeClr>
+          </a:lnRef>
+          <a:fillRef idx="1">
+            <a:schemeClr val="accent1"/>
+          </a:fillRef>
+          <a:effectRef idx="0">
+            <a:schemeClr val="accent1"/>
+          </a:effectRef>
+          <a:fontRef idx="minor">
+            <a:schemeClr val="lt1"/>
+          </a:fontRef>
+        </p:style>
+        <p:txBody>
+          <a:bodyPr rtlCol="0" anchor="ctr"/>
+          <a:lstStyle/>
+          <a:p>
+            <a:pPr algn="ctr"/>
+            <a:endParaRPr lang="en-US"/>
+          </a:p>
+        </p:txBody>
+      </p:sp>
+      <p:sp>
+        <p:nvSpPr>
+          <p:cNvPr id="2" name="Title 1">
+            <a:extLst>
+              <a:ext uri="{FF2B5EF4-FFF2-40B4-BE49-F238E27FC236}">
+                <a16:creationId xmlns:a16="http://schemas.microsoft.com/office/drawing/2014/main" id="{58F02AB5-9A8D-44C3-93AC-B62DB340A058}"/>
+              </a:ext>
+            </a:extLst>
+          </p:cNvPr>
+          <p:cNvSpPr>
+            <a:spLocks noGrp="1"/>
+          </p:cNvSpPr>
+          <p:nvPr>
+            <p:ph type="title"/>
+          </p:nvPr>
+        </p:nvSpPr>
+        <p:spPr>
+          <a:xfrm>
+            <a:off x="1258945" y="1170141"/>
+            <a:ext cx="5814240" cy="828521"/>
+          </a:xfrm>
+        </p:spPr>
+        <p:txBody>
+          <a:bodyPr anchor="b">
+            <a:normAutofit/>
+          </a:bodyPr>
+          <a:lstStyle/>
+          <a:p>
+            <a:r>
+              <a:rPr lang="en-US" sz="4000" b="1" dirty="0" err="1"/>
+              <a:t>Clase</a:t>
+            </a:r>
+            <a:endParaRPr lang="en-US" sz="4000" b="1" dirty="0"/>
+          </a:p>
+        </p:txBody>
+      </p:sp>
+      <p:sp>
+        <p:nvSpPr>
+          <p:cNvPr id="73" name="Rectangle 72">
+            <a:extLst>
+              <a:ext uri="{FF2B5EF4-FFF2-40B4-BE49-F238E27FC236}">
+                <a16:creationId xmlns:a16="http://schemas.microsoft.com/office/drawing/2014/main" id="{5A65989E-BBD5-44D7-AA86-7AFD5D46BBC0}"/>
+              </a:ext>
+              <a:ext uri="{C183D7F6-B498-43B3-948B-1728B52AA6E4}">
+                <adec:decorative xmlns:adec="http://schemas.microsoft.com/office/drawing/2017/decorative" val="1"/>
+              </a:ext>
+            </a:extLst>
+          </p:cNvPr>
+          <p:cNvSpPr>
+            <a:spLocks noGrp="1" noRot="1" noChangeAspect="1" noMove="1" noResize="1" noEditPoints="1" noAdjustHandles="1" noChangeArrowheads="1" noChangeShapeType="1" noTextEdit="1"/>
+          </p:cNvSpPr>
+          <p:nvPr>
+            <p:extLst>
+              <p:ext uri="{386F3935-93C4-4BCD-93E2-E3B085C9AB24}">
+                <p16:designElem xmlns:p16="http://schemas.microsoft.com/office/powerpoint/2015/main" val="1"/>
+              </p:ext>
+            </p:extLst>
+          </p:nvPr>
+        </p:nvSpPr>
+        <p:spPr>
+          <a:xfrm rot="10800000" flipH="1">
+            <a:off x="0" y="6400799"/>
+            <a:ext cx="12192000" cy="456773"/>
+          </a:xfrm>
+          <a:prstGeom prst="rect">
+            <a:avLst/>
+          </a:prstGeom>
+          <a:gradFill>
+            <a:gsLst>
+              <a:gs pos="0">
+                <a:schemeClr val="accent1"/>
+              </a:gs>
+              <a:gs pos="66000">
+                <a:srgbClr val="000000"/>
+              </a:gs>
+            </a:gsLst>
+            <a:lin ang="10200000" scaled="0"/>
+          </a:gradFill>
+          <a:ln>
+            <a:noFill/>
+          </a:ln>
+        </p:spPr>
+        <p:style>
+          <a:lnRef idx="2">
+            <a:schemeClr val="accent1">
+              <a:shade val="50000"/>
+            </a:schemeClr>
+          </a:lnRef>
+          <a:fillRef idx="1">
+            <a:schemeClr val="accent1"/>
+          </a:fillRef>
+          <a:effectRef idx="0">
+            <a:schemeClr val="accent1"/>
+          </a:effectRef>
+          <a:fontRef idx="minor">
+            <a:schemeClr val="lt1"/>
+          </a:fontRef>
+        </p:style>
+        <p:txBody>
+          <a:bodyPr rtlCol="0" anchor="ctr"/>
+          <a:lstStyle/>
+          <a:p>
+            <a:pPr algn="ctr"/>
+            <a:endParaRPr lang="en-US"/>
+          </a:p>
+        </p:txBody>
+      </p:sp>
+      <p:sp>
+        <p:nvSpPr>
+          <p:cNvPr id="75" name="Rectangle 74">
+            <a:extLst>
+              <a:ext uri="{FF2B5EF4-FFF2-40B4-BE49-F238E27FC236}">
+                <a16:creationId xmlns:a16="http://schemas.microsoft.com/office/drawing/2014/main" id="{231A2881-D8D7-4A7D-ACA3-E9F849F853D8}"/>
+              </a:ext>
+              <a:ext uri="{C183D7F6-B498-43B3-948B-1728B52AA6E4}">
+                <adec:decorative xmlns:adec="http://schemas.microsoft.com/office/drawing/2017/decorative" val="1"/>
+              </a:ext>
+            </a:extLst>
+          </p:cNvPr>
+          <p:cNvSpPr>
+            <a:spLocks noGrp="1" noRot="1" noChangeAspect="1" noMove="1" noResize="1" noEditPoints="1" noAdjustHandles="1" noChangeArrowheads="1" noChangeShapeType="1" noTextEdit="1"/>
+          </p:cNvSpPr>
+          <p:nvPr>
+            <p:extLst>
+              <p:ext uri="{386F3935-93C4-4BCD-93E2-E3B085C9AB24}">
+                <p16:designElem xmlns:p16="http://schemas.microsoft.com/office/powerpoint/2015/main" val="1"/>
+              </p:ext>
+            </p:extLst>
+          </p:nvPr>
+        </p:nvSpPr>
+        <p:spPr>
+          <a:xfrm flipH="1">
+            <a:off x="1" y="6400800"/>
+            <a:ext cx="8153398" cy="456772"/>
+          </a:xfrm>
+          <a:prstGeom prst="rect">
+            <a:avLst/>
+          </a:prstGeom>
+          <a:gradFill>
+            <a:gsLst>
+              <a:gs pos="0">
+                <a:srgbClr val="000000">
+                  <a:alpha val="63000"/>
+                </a:srgbClr>
+              </a:gs>
+              <a:gs pos="100000">
+                <a:schemeClr val="accent1">
+                  <a:lumMod val="75000"/>
+                </a:schemeClr>
+              </a:gs>
+            </a:gsLst>
+            <a:lin ang="17400000" scaled="0"/>
+          </a:gradFill>
+          <a:ln>
+            <a:noFill/>
+          </a:ln>
+        </p:spPr>
+        <p:style>
+          <a:lnRef idx="2">
+            <a:schemeClr val="accent1">
+              <a:shade val="50000"/>
+            </a:schemeClr>
+          </a:lnRef>
+          <a:fillRef idx="1">
+            <a:schemeClr val="accent1"/>
+          </a:fillRef>
+          <a:effectRef idx="0">
+            <a:schemeClr val="accent1"/>
+          </a:effectRef>
+          <a:fontRef idx="minor">
+            <a:schemeClr val="lt1"/>
+          </a:fontRef>
+        </p:style>
+        <p:txBody>
+          <a:bodyPr rtlCol="0" anchor="ctr"/>
+          <a:lstStyle/>
+          <a:p>
+            <a:pPr algn="ctr"/>
+            <a:endParaRPr lang="en-US"/>
+          </a:p>
+        </p:txBody>
+      </p:sp>
+      <p:sp>
+        <p:nvSpPr>
+          <p:cNvPr id="3" name="Content Placeholder 2">
+            <a:extLst>
+              <a:ext uri="{FF2B5EF4-FFF2-40B4-BE49-F238E27FC236}">
+                <a16:creationId xmlns:a16="http://schemas.microsoft.com/office/drawing/2014/main" id="{22046145-0CE3-4D0C-9688-D6AC8D33DC2B}"/>
+              </a:ext>
+            </a:extLst>
+          </p:cNvPr>
+          <p:cNvSpPr>
+            <a:spLocks noGrp="1"/>
+          </p:cNvSpPr>
+          <p:nvPr>
+            <p:ph idx="1"/>
+          </p:nvPr>
+        </p:nvSpPr>
+        <p:spPr>
+          <a:xfrm>
+            <a:off x="1136396" y="2402699"/>
+            <a:ext cx="3812676" cy="2720162"/>
+          </a:xfrm>
+        </p:spPr>
+        <p:txBody>
+          <a:bodyPr>
+            <a:normAutofit/>
+          </a:bodyPr>
+          <a:lstStyle/>
+          <a:p>
+            <a:pPr marL="0" indent="0">
+              <a:lnSpc>
+                <a:spcPct val="150000"/>
+              </a:lnSpc>
+              <a:buNone/>
+            </a:pPr>
+            <a:r>
+              <a:rPr lang="es-ES" sz="2000" dirty="0"/>
+              <a:t>Una clase es una plantilla que define de manera genérica cómo van a ser los objetos de un determinado tipo. Contiene atributos y métodos (funciones).</a:t>
+            </a:r>
+          </a:p>
+        </p:txBody>
+      </p:sp>
+      <p:sp>
+        <p:nvSpPr>
+          <p:cNvPr id="7" name="AutoShape 2" descr="Programación Orientada a Objetos">
+            <a:extLst>
+              <a:ext uri="{FF2B5EF4-FFF2-40B4-BE49-F238E27FC236}">
+                <a16:creationId xmlns:a16="http://schemas.microsoft.com/office/drawing/2014/main" id="{810B622B-A47D-422A-8E75-D37C29D454E6}"/>
+              </a:ext>
+            </a:extLst>
+          </p:cNvPr>
+          <p:cNvSpPr>
+            <a:spLocks noChangeAspect="1" noChangeArrowheads="1"/>
+          </p:cNvSpPr>
+          <p:nvPr/>
+        </p:nvSpPr>
+        <p:spPr bwMode="auto">
+          <a:xfrm>
+            <a:off x="5943600" y="3276600"/>
+            <a:ext cx="304800" cy="304800"/>
+          </a:xfrm>
+          <a:prstGeom prst="rect">
+            <a:avLst/>
+          </a:prstGeom>
+          <a:noFill/>
+          <a:extLst>
+            <a:ext uri="{909E8E84-426E-40DD-AFC4-6F175D3DCCD1}">
+              <a14:hiddenFill xmlns:a14="http://schemas.microsoft.com/office/drawing/2010/main">
+                <a:solidFill>
+                  <a:srgbClr val="FFFFFF"/>
+                </a:solidFill>
+              </a14:hiddenFill>
+            </a:ext>
+          </a:extLst>
+        </p:spPr>
+        <p:txBody>
+          <a:bodyPr vert="horz" wrap="square" lIns="91440" tIns="45720" rIns="91440" bIns="45720" numCol="1" anchor="t" anchorCtr="0" compatLnSpc="1">
+            <a:prstTxWarp prst="textNoShape">
+              <a:avLst/>
+            </a:prstTxWarp>
+          </a:bodyPr>
+          <a:lstStyle/>
+          <a:p>
+            <a:endParaRPr lang="es-CR"/>
+          </a:p>
+        </p:txBody>
+      </p:sp>
+      <p:pic>
+        <p:nvPicPr>
+          <p:cNvPr id="42" name="Picture 41">
+            <a:extLst>
+              <a:ext uri="{FF2B5EF4-FFF2-40B4-BE49-F238E27FC236}">
+                <a16:creationId xmlns:a16="http://schemas.microsoft.com/office/drawing/2014/main" id="{A83B56A9-E7FB-4061-A158-4E16636F8866}"/>
+              </a:ext>
+            </a:extLst>
+          </p:cNvPr>
+          <p:cNvPicPr>
+            <a:picLocks noChangeAspect="1"/>
+          </p:cNvPicPr>
+          <p:nvPr/>
+        </p:nvPicPr>
+        <p:blipFill>
+          <a:blip r:embed="rId3"/>
+          <a:stretch>
+            <a:fillRect/>
+          </a:stretch>
+        </p:blipFill>
+        <p:spPr>
+          <a:xfrm>
+            <a:off x="5393938" y="771479"/>
+            <a:ext cx="6417271" cy="4894332"/>
+          </a:xfrm>
+          <a:prstGeom prst="rect">
+            <a:avLst/>
+          </a:prstGeom>
+        </p:spPr>
+      </p:pic>
+    </p:spTree>
+    <p:extLst>
+      <p:ext uri="{BB962C8B-B14F-4D97-AF65-F5344CB8AC3E}">
+        <p14:creationId xmlns:p14="http://schemas.microsoft.com/office/powerpoint/2010/main" val="1381790480"/>
+      </p:ext>
+    </p:extLst>
+  </p:cSld>
+  <p:clrMapOvr>
+    <a:masterClrMapping/>
+  </p:clrMapOvr>
+</p:sld>
+</file>
+
+<file path=ppt/slides/slide38.xml><?xml version="1.0" encoding="utf-8"?>
+<p:sld xmlns:a="http://schemas.openxmlformats.org/drawingml/2006/main" xmlns:r="http://schemas.openxmlformats.org/officeDocument/2006/relationships" xmlns:p="http://schemas.openxmlformats.org/presentationml/2006/main">
+  <p:cSld>
+    <p:bg>
+      <p:bgPr>
+        <a:solidFill>
+          <a:schemeClr val="bg1"/>
+        </a:solidFill>
+        <a:effectLst/>
+      </p:bgPr>
+    </p:bg>
+    <p:spTree>
+      <p:nvGrpSpPr>
+        <p:cNvPr id="1" name=""/>
+        <p:cNvGrpSpPr/>
+        <p:nvPr/>
+      </p:nvGrpSpPr>
+      <p:grpSpPr>
+        <a:xfrm>
+          <a:off x="0" y="0"/>
+          <a:ext cx="0" cy="0"/>
+          <a:chOff x="0" y="0"/>
+          <a:chExt cx="0" cy="0"/>
+        </a:xfrm>
+      </p:grpSpPr>
+      <p:sp useBgFill="1">
+        <p:nvSpPr>
+          <p:cNvPr id="71" name="Rectangle 70">
+            <a:extLst>
+              <a:ext uri="{FF2B5EF4-FFF2-40B4-BE49-F238E27FC236}">
+                <a16:creationId xmlns:a16="http://schemas.microsoft.com/office/drawing/2014/main" id="{B712E947-0734-45F9-9C4F-41114EC3A33E}"/>
+              </a:ext>
+              <a:ext uri="{C183D7F6-B498-43B3-948B-1728B52AA6E4}">
+                <adec:decorative xmlns:adec="http://schemas.microsoft.com/office/drawing/2017/decorative" val="1"/>
+              </a:ext>
+            </a:extLst>
+          </p:cNvPr>
+          <p:cNvSpPr>
+            <a:spLocks noGrp="1" noRot="1" noChangeAspect="1" noMove="1" noResize="1" noEditPoints="1" noAdjustHandles="1" noChangeArrowheads="1" noChangeShapeType="1" noTextEdit="1"/>
+          </p:cNvSpPr>
+          <p:nvPr>
+            <p:extLst>
+              <p:ext uri="{386F3935-93C4-4BCD-93E2-E3B085C9AB24}">
+                <p16:designElem xmlns:p16="http://schemas.microsoft.com/office/powerpoint/2015/main" val="1"/>
+              </p:ext>
+            </p:extLst>
+          </p:nvPr>
+        </p:nvSpPr>
+        <p:spPr>
+          <a:xfrm>
+            <a:off x="0" y="0"/>
+            <a:ext cx="12192000" cy="6858000"/>
+          </a:xfrm>
+          <a:prstGeom prst="rect">
+            <a:avLst/>
+          </a:prstGeom>
+          <a:ln w="12700" cap="flat" cmpd="sng" algn="ctr">
+            <a:noFill/>
+            <a:prstDash val="solid"/>
+            <a:miter lim="800000"/>
+          </a:ln>
+          <a:effectLst/>
+          <a:extLst>
+            <a:ext uri="{91240B29-F687-4F45-9708-019B960494DF}">
+              <a14:hiddenLine xmlns:a14="http://schemas.microsoft.com/office/drawing/2010/main" w="12700" cap="flat" cmpd="sng" algn="ctr">
+                <a:solidFill>
+                  <a:schemeClr val="accent1">
+                    <a:shade val="50000"/>
+                  </a:schemeClr>
+                </a:solidFill>
+                <a:prstDash val="solid"/>
+                <a:miter lim="800000"/>
+              </a14:hiddenLine>
+            </a:ext>
+          </a:extLst>
+        </p:spPr>
+        <p:style>
+          <a:lnRef idx="2">
+            <a:schemeClr val="accent1">
+              <a:shade val="50000"/>
+            </a:schemeClr>
+          </a:lnRef>
+          <a:fillRef idx="1">
+            <a:schemeClr val="accent1"/>
+          </a:fillRef>
+          <a:effectRef idx="0">
+            <a:schemeClr val="accent1"/>
+          </a:effectRef>
+          <a:fontRef idx="minor">
+            <a:schemeClr val="lt1"/>
+          </a:fontRef>
+        </p:style>
+        <p:txBody>
+          <a:bodyPr rtlCol="0" anchor="ctr"/>
+          <a:lstStyle/>
+          <a:p>
+            <a:pPr algn="ctr"/>
+            <a:endParaRPr lang="en-US"/>
+          </a:p>
+        </p:txBody>
+      </p:sp>
+      <p:sp>
+        <p:nvSpPr>
+          <p:cNvPr id="2" name="Title 1">
+            <a:extLst>
+              <a:ext uri="{FF2B5EF4-FFF2-40B4-BE49-F238E27FC236}">
+                <a16:creationId xmlns:a16="http://schemas.microsoft.com/office/drawing/2014/main" id="{58F02AB5-9A8D-44C3-93AC-B62DB340A058}"/>
+              </a:ext>
+            </a:extLst>
+          </p:cNvPr>
+          <p:cNvSpPr>
+            <a:spLocks noGrp="1"/>
+          </p:cNvSpPr>
+          <p:nvPr>
+            <p:ph type="title"/>
+          </p:nvPr>
+        </p:nvSpPr>
+        <p:spPr>
+          <a:xfrm>
+            <a:off x="1136396" y="223023"/>
+            <a:ext cx="5814240" cy="828521"/>
+          </a:xfrm>
+        </p:spPr>
+        <p:txBody>
+          <a:bodyPr anchor="b">
+            <a:normAutofit/>
+          </a:bodyPr>
+          <a:lstStyle/>
+          <a:p>
+            <a:r>
+              <a:rPr lang="en-US" sz="4000" b="1" dirty="0" err="1"/>
+              <a:t>Instancia</a:t>
+            </a:r>
+            <a:endParaRPr lang="en-US" sz="4000" b="1" dirty="0"/>
+          </a:p>
+        </p:txBody>
+      </p:sp>
+      <p:sp>
+        <p:nvSpPr>
+          <p:cNvPr id="73" name="Rectangle 72">
+            <a:extLst>
+              <a:ext uri="{FF2B5EF4-FFF2-40B4-BE49-F238E27FC236}">
+                <a16:creationId xmlns:a16="http://schemas.microsoft.com/office/drawing/2014/main" id="{5A65989E-BBD5-44D7-AA86-7AFD5D46BBC0}"/>
+              </a:ext>
+              <a:ext uri="{C183D7F6-B498-43B3-948B-1728B52AA6E4}">
+                <adec:decorative xmlns:adec="http://schemas.microsoft.com/office/drawing/2017/decorative" val="1"/>
+              </a:ext>
+            </a:extLst>
+          </p:cNvPr>
+          <p:cNvSpPr>
+            <a:spLocks noGrp="1" noRot="1" noChangeAspect="1" noMove="1" noResize="1" noEditPoints="1" noAdjustHandles="1" noChangeArrowheads="1" noChangeShapeType="1" noTextEdit="1"/>
+          </p:cNvSpPr>
+          <p:nvPr>
+            <p:extLst>
+              <p:ext uri="{386F3935-93C4-4BCD-93E2-E3B085C9AB24}">
+                <p16:designElem xmlns:p16="http://schemas.microsoft.com/office/powerpoint/2015/main" val="1"/>
+              </p:ext>
+            </p:extLst>
+          </p:nvPr>
+        </p:nvSpPr>
+        <p:spPr>
+          <a:xfrm rot="10800000" flipH="1">
+            <a:off x="0" y="6400799"/>
+            <a:ext cx="12192000" cy="456773"/>
+          </a:xfrm>
+          <a:prstGeom prst="rect">
+            <a:avLst/>
+          </a:prstGeom>
+          <a:gradFill>
+            <a:gsLst>
+              <a:gs pos="0">
+                <a:schemeClr val="accent1"/>
+              </a:gs>
+              <a:gs pos="66000">
+                <a:srgbClr val="000000"/>
+              </a:gs>
+            </a:gsLst>
+            <a:lin ang="10200000" scaled="0"/>
+          </a:gradFill>
+          <a:ln>
+            <a:noFill/>
+          </a:ln>
+        </p:spPr>
+        <p:style>
+          <a:lnRef idx="2">
+            <a:schemeClr val="accent1">
+              <a:shade val="50000"/>
+            </a:schemeClr>
+          </a:lnRef>
+          <a:fillRef idx="1">
+            <a:schemeClr val="accent1"/>
+          </a:fillRef>
+          <a:effectRef idx="0">
+            <a:schemeClr val="accent1"/>
+          </a:effectRef>
+          <a:fontRef idx="minor">
+            <a:schemeClr val="lt1"/>
+          </a:fontRef>
+        </p:style>
+        <p:txBody>
+          <a:bodyPr rtlCol="0" anchor="ctr"/>
+          <a:lstStyle/>
+          <a:p>
+            <a:pPr algn="ctr"/>
+            <a:endParaRPr lang="en-US"/>
+          </a:p>
+        </p:txBody>
+      </p:sp>
+      <p:sp>
+        <p:nvSpPr>
+          <p:cNvPr id="75" name="Rectangle 74">
+            <a:extLst>
+              <a:ext uri="{FF2B5EF4-FFF2-40B4-BE49-F238E27FC236}">
+                <a16:creationId xmlns:a16="http://schemas.microsoft.com/office/drawing/2014/main" id="{231A2881-D8D7-4A7D-ACA3-E9F849F853D8}"/>
+              </a:ext>
+              <a:ext uri="{C183D7F6-B498-43B3-948B-1728B52AA6E4}">
+                <adec:decorative xmlns:adec="http://schemas.microsoft.com/office/drawing/2017/decorative" val="1"/>
+              </a:ext>
+            </a:extLst>
+          </p:cNvPr>
+          <p:cNvSpPr>
+            <a:spLocks noGrp="1" noRot="1" noChangeAspect="1" noMove="1" noResize="1" noEditPoints="1" noAdjustHandles="1" noChangeArrowheads="1" noChangeShapeType="1" noTextEdit="1"/>
+          </p:cNvSpPr>
+          <p:nvPr>
+            <p:extLst>
+              <p:ext uri="{386F3935-93C4-4BCD-93E2-E3B085C9AB24}">
+                <p16:designElem xmlns:p16="http://schemas.microsoft.com/office/powerpoint/2015/main" val="1"/>
+              </p:ext>
+            </p:extLst>
+          </p:nvPr>
+        </p:nvSpPr>
+        <p:spPr>
+          <a:xfrm flipH="1">
+            <a:off x="1" y="6400800"/>
+            <a:ext cx="8153398" cy="456772"/>
+          </a:xfrm>
+          <a:prstGeom prst="rect">
+            <a:avLst/>
+          </a:prstGeom>
+          <a:gradFill>
+            <a:gsLst>
+              <a:gs pos="0">
+                <a:srgbClr val="000000">
+                  <a:alpha val="63000"/>
+                </a:srgbClr>
+              </a:gs>
+              <a:gs pos="100000">
+                <a:schemeClr val="accent1">
+                  <a:lumMod val="75000"/>
+                </a:schemeClr>
+              </a:gs>
+            </a:gsLst>
+            <a:lin ang="17400000" scaled="0"/>
+          </a:gradFill>
+          <a:ln>
+            <a:noFill/>
+          </a:ln>
+        </p:spPr>
+        <p:style>
+          <a:lnRef idx="2">
+            <a:schemeClr val="accent1">
+              <a:shade val="50000"/>
+            </a:schemeClr>
+          </a:lnRef>
+          <a:fillRef idx="1">
+            <a:schemeClr val="accent1"/>
+          </a:fillRef>
+          <a:effectRef idx="0">
+            <a:schemeClr val="accent1"/>
+          </a:effectRef>
+          <a:fontRef idx="minor">
+            <a:schemeClr val="lt1"/>
+          </a:fontRef>
+        </p:style>
+        <p:txBody>
+          <a:bodyPr rtlCol="0" anchor="ctr"/>
+          <a:lstStyle/>
+          <a:p>
+            <a:pPr algn="ctr"/>
+            <a:endParaRPr lang="en-US"/>
+          </a:p>
+        </p:txBody>
+      </p:sp>
+      <p:sp>
+        <p:nvSpPr>
+          <p:cNvPr id="3" name="Content Placeholder 2">
+            <a:extLst>
+              <a:ext uri="{FF2B5EF4-FFF2-40B4-BE49-F238E27FC236}">
+                <a16:creationId xmlns:a16="http://schemas.microsoft.com/office/drawing/2014/main" id="{22046145-0CE3-4D0C-9688-D6AC8D33DC2B}"/>
+              </a:ext>
+            </a:extLst>
+          </p:cNvPr>
+          <p:cNvSpPr>
+            <a:spLocks noGrp="1"/>
+          </p:cNvSpPr>
+          <p:nvPr>
+            <p:ph idx="1"/>
+          </p:nvPr>
+        </p:nvSpPr>
+        <p:spPr>
+          <a:xfrm>
+            <a:off x="1136396" y="1314509"/>
+            <a:ext cx="9700937" cy="1193021"/>
+          </a:xfrm>
+        </p:spPr>
+        <p:txBody>
+          <a:bodyPr>
+            <a:normAutofit/>
+          </a:bodyPr>
+          <a:lstStyle/>
+          <a:p>
+            <a:pPr>
+              <a:lnSpc>
+                <a:spcPct val="150000"/>
+              </a:lnSpc>
+            </a:pPr>
+            <a:r>
+              <a:rPr lang="es-ES" sz="2000" dirty="0"/>
+              <a:t>Sirve para definir los objetos y ejecutar sus atributos de forma correcta dentro de un programa.</a:t>
+            </a:r>
+          </a:p>
+          <a:p>
+            <a:pPr>
+              <a:lnSpc>
+                <a:spcPct val="150000"/>
+              </a:lnSpc>
+            </a:pPr>
+            <a:endParaRPr lang="es-ES" sz="2000" dirty="0"/>
+          </a:p>
+          <a:p>
+            <a:pPr>
+              <a:lnSpc>
+                <a:spcPct val="150000"/>
+              </a:lnSpc>
+            </a:pPr>
+            <a:endParaRPr lang="es-CR" sz="1800" dirty="0"/>
+          </a:p>
+        </p:txBody>
+      </p:sp>
+      <p:grpSp>
+        <p:nvGrpSpPr>
+          <p:cNvPr id="31" name="Group 30">
+            <a:extLst>
+              <a:ext uri="{FF2B5EF4-FFF2-40B4-BE49-F238E27FC236}">
+                <a16:creationId xmlns:a16="http://schemas.microsoft.com/office/drawing/2014/main" id="{4FB70655-F6C1-421D-B2A5-7FCD21B71A90}"/>
+              </a:ext>
+            </a:extLst>
+          </p:cNvPr>
+          <p:cNvGrpSpPr/>
+          <p:nvPr/>
+        </p:nvGrpSpPr>
+        <p:grpSpPr>
+          <a:xfrm>
+            <a:off x="1335699" y="2877968"/>
+            <a:ext cx="4760301" cy="2066845"/>
+            <a:chOff x="1392375" y="2421354"/>
+            <a:chExt cx="4760301" cy="2066845"/>
+          </a:xfrm>
+        </p:grpSpPr>
+        <p:sp>
+          <p:nvSpPr>
+            <p:cNvPr id="18" name="TextBox 17">
+              <a:extLst>
+                <a:ext uri="{FF2B5EF4-FFF2-40B4-BE49-F238E27FC236}">
+                  <a16:creationId xmlns:a16="http://schemas.microsoft.com/office/drawing/2014/main" id="{D33A511D-47D9-45E6-BD7A-C5811D348F76}"/>
+                </a:ext>
+              </a:extLst>
+            </p:cNvPr>
+            <p:cNvSpPr txBox="1"/>
+            <p:nvPr/>
+          </p:nvSpPr>
+          <p:spPr>
+            <a:xfrm>
+              <a:off x="1392375" y="3120306"/>
+              <a:ext cx="2500896" cy="584775"/>
+            </a:xfrm>
+            <a:prstGeom prst="rect">
+              <a:avLst/>
+            </a:prstGeom>
+            <a:solidFill>
+              <a:schemeClr val="accent4">
+                <a:lumMod val="20000"/>
+                <a:lumOff val="80000"/>
+              </a:schemeClr>
+            </a:solidFill>
+          </p:spPr>
+          <p:txBody>
+            <a:bodyPr wrap="square" rtlCol="0">
+              <a:spAutoFit/>
+            </a:bodyPr>
+            <a:lstStyle/>
+            <a:p>
+              <a:r>
+                <a:rPr lang="es-CR" sz="1600" dirty="0" err="1"/>
+                <a:t>Dog</a:t>
+              </a:r>
+              <a:r>
+                <a:rPr lang="es-CR" sz="1600" dirty="0"/>
+                <a:t> perro;</a:t>
+              </a:r>
+            </a:p>
+            <a:p>
+              <a:r>
+                <a:rPr lang="es-CR" sz="1600" dirty="0"/>
+                <a:t>perro = </a:t>
+              </a:r>
+              <a:r>
+                <a:rPr lang="es-CR" sz="1600" b="1" dirty="0"/>
+                <a:t>new</a:t>
+              </a:r>
+              <a:r>
+                <a:rPr lang="es-CR" sz="1600" dirty="0"/>
+                <a:t> </a:t>
+              </a:r>
+              <a:r>
+                <a:rPr lang="es-CR" sz="1600" dirty="0" err="1"/>
+                <a:t>Dog</a:t>
+              </a:r>
+              <a:r>
+                <a:rPr lang="es-CR" sz="1600" dirty="0"/>
+                <a:t>();</a:t>
+              </a:r>
+            </a:p>
+          </p:txBody>
+        </p:sp>
+        <p:sp>
+          <p:nvSpPr>
+            <p:cNvPr id="19" name="Content Placeholder 2">
+              <a:extLst>
+                <a:ext uri="{FF2B5EF4-FFF2-40B4-BE49-F238E27FC236}">
+                  <a16:creationId xmlns:a16="http://schemas.microsoft.com/office/drawing/2014/main" id="{F4FC95B5-3221-4AF1-BEEE-6806BAAB53D9}"/>
+                </a:ext>
+              </a:extLst>
+            </p:cNvPr>
+            <p:cNvSpPr txBox="1">
+              <a:spLocks/>
+            </p:cNvSpPr>
+            <p:nvPr/>
+          </p:nvSpPr>
+          <p:spPr>
+            <a:xfrm>
+              <a:off x="1920504" y="4008199"/>
+              <a:ext cx="4232171" cy="480000"/>
+            </a:xfrm>
+            <a:prstGeom prst="rect">
+              <a:avLst/>
+            </a:prstGeom>
+          </p:spPr>
+          <p:txBody>
+            <a:bodyPr vert="horz" lIns="91440" tIns="45720" rIns="91440" bIns="45720" rtlCol="0" anchor="ctr">
+              <a:noAutofit/>
+            </a:bodyPr>
+            <a:lstStyle>
+              <a:lvl1pPr marL="228600" indent="-228600" algn="l" defTabSz="914400" rtl="0" eaLnBrk="1" latinLnBrk="0" hangingPunct="1">
+                <a:lnSpc>
+                  <a:spcPct val="90000"/>
+                </a:lnSpc>
+                <a:spcBef>
+                  <a:spcPts val="1000"/>
+                </a:spcBef>
+                <a:buFont typeface="Arial" panose="020B0604020202020204" pitchFamily="34" charset="0"/>
+                <a:buChar char="•"/>
+                <a:defRPr sz="2800" kern="1200">
+                  <a:solidFill>
+                    <a:schemeClr val="tx1"/>
+                  </a:solidFill>
+                  <a:latin typeface="+mn-lt"/>
+                  <a:ea typeface="+mn-ea"/>
+                  <a:cs typeface="+mn-cs"/>
+                </a:defRPr>
+              </a:lvl1pPr>
+              <a:lvl2pPr marL="685800" indent="-228600" algn="l" defTabSz="914400" rtl="0" eaLnBrk="1" latinLnBrk="0" hangingPunct="1">
+                <a:lnSpc>
+                  <a:spcPct val="90000"/>
+                </a:lnSpc>
+                <a:spcBef>
+                  <a:spcPts val="500"/>
+                </a:spcBef>
+                <a:buFont typeface="Arial" panose="020B0604020202020204" pitchFamily="34" charset="0"/>
+                <a:buChar char="•"/>
+                <a:defRPr sz="2400" kern="1200">
+                  <a:solidFill>
+                    <a:schemeClr val="tx1"/>
+                  </a:solidFill>
+                  <a:latin typeface="+mn-lt"/>
+                  <a:ea typeface="+mn-ea"/>
+                  <a:cs typeface="+mn-cs"/>
+                </a:defRPr>
+              </a:lvl2pPr>
+              <a:lvl3pPr marL="1143000" indent="-228600" algn="l" defTabSz="914400" rtl="0" eaLnBrk="1" latinLnBrk="0" hangingPunct="1">
+                <a:lnSpc>
+                  <a:spcPct val="90000"/>
+                </a:lnSpc>
+                <a:spcBef>
+                  <a:spcPts val="500"/>
+                </a:spcBef>
+                <a:buFont typeface="Arial" panose="020B0604020202020204" pitchFamily="34" charset="0"/>
+                <a:buChar char="•"/>
+                <a:defRPr sz="2000" kern="1200">
+                  <a:solidFill>
+                    <a:schemeClr val="tx1"/>
+                  </a:solidFill>
+                  <a:latin typeface="+mn-lt"/>
+                  <a:ea typeface="+mn-ea"/>
+                  <a:cs typeface="+mn-cs"/>
+                </a:defRPr>
+              </a:lvl3pPr>
+              <a:lvl4pPr marL="1600200" indent="-228600" algn="l" defTabSz="914400" rtl="0" eaLnBrk="1" latinLnBrk="0" hangingPunct="1">
+                <a:lnSpc>
+                  <a:spcPct val="90000"/>
+                </a:lnSpc>
+                <a:spcBef>
+                  <a:spcPts val="500"/>
+                </a:spcBef>
+                <a:buFont typeface="Arial" panose="020B0604020202020204" pitchFamily="34" charset="0"/>
+                <a:buChar char="•"/>
+                <a:defRPr sz="1800" kern="1200">
+                  <a:solidFill>
+                    <a:schemeClr val="tx1"/>
+                  </a:solidFill>
+                  <a:latin typeface="+mn-lt"/>
+                  <a:ea typeface="+mn-ea"/>
+                  <a:cs typeface="+mn-cs"/>
+                </a:defRPr>
+              </a:lvl4pPr>
+              <a:lvl5pPr marL="2057400" indent="-228600" algn="l" defTabSz="914400" rtl="0" eaLnBrk="1" latinLnBrk="0" hangingPunct="1">
+                <a:lnSpc>
+                  <a:spcPct val="90000"/>
+                </a:lnSpc>
+                <a:spcBef>
+                  <a:spcPts val="500"/>
+                </a:spcBef>
+                <a:buFont typeface="Arial" panose="020B0604020202020204" pitchFamily="34" charset="0"/>
+                <a:buChar char="•"/>
+                <a:defRPr sz="1800" kern="1200">
+                  <a:solidFill>
+                    <a:schemeClr val="tx1"/>
+                  </a:solidFill>
+                  <a:latin typeface="+mn-lt"/>
+                  <a:ea typeface="+mn-ea"/>
+                  <a:cs typeface="+mn-cs"/>
+                </a:defRPr>
+              </a:lvl5pPr>
+              <a:lvl6pPr marL="2514600" indent="-228600" algn="l" defTabSz="914400" rtl="0" eaLnBrk="1" latinLnBrk="0" hangingPunct="1">
+                <a:lnSpc>
+                  <a:spcPct val="90000"/>
+                </a:lnSpc>
+                <a:spcBef>
+                  <a:spcPts val="500"/>
+                </a:spcBef>
+                <a:buFont typeface="Arial" panose="020B0604020202020204" pitchFamily="34" charset="0"/>
+                <a:buChar char="•"/>
+                <a:defRPr sz="1800" kern="1200">
+                  <a:solidFill>
+                    <a:schemeClr val="tx1"/>
+                  </a:solidFill>
+                  <a:latin typeface="+mn-lt"/>
+                  <a:ea typeface="+mn-ea"/>
+                  <a:cs typeface="+mn-cs"/>
+                </a:defRPr>
+              </a:lvl6pPr>
+              <a:lvl7pPr marL="2971800" indent="-228600" algn="l" defTabSz="914400" rtl="0" eaLnBrk="1" latinLnBrk="0" hangingPunct="1">
+                <a:lnSpc>
+                  <a:spcPct val="90000"/>
+                </a:lnSpc>
+                <a:spcBef>
+                  <a:spcPts val="500"/>
+                </a:spcBef>
+                <a:buFont typeface="Arial" panose="020B0604020202020204" pitchFamily="34" charset="0"/>
+                <a:buChar char="•"/>
+                <a:defRPr sz="1800" kern="1200">
+                  <a:solidFill>
+                    <a:schemeClr val="tx1"/>
+                  </a:solidFill>
+                  <a:latin typeface="+mn-lt"/>
+                  <a:ea typeface="+mn-ea"/>
+                  <a:cs typeface="+mn-cs"/>
+                </a:defRPr>
+              </a:lvl7pPr>
+              <a:lvl8pPr marL="3429000" indent="-228600" algn="l" defTabSz="914400" rtl="0" eaLnBrk="1" latinLnBrk="0" hangingPunct="1">
+                <a:lnSpc>
+                  <a:spcPct val="90000"/>
+                </a:lnSpc>
+                <a:spcBef>
+                  <a:spcPts val="500"/>
+                </a:spcBef>
+                <a:buFont typeface="Arial" panose="020B0604020202020204" pitchFamily="34" charset="0"/>
+                <a:buChar char="•"/>
+                <a:defRPr sz="1800" kern="1200">
+                  <a:solidFill>
+                    <a:schemeClr val="tx1"/>
+                  </a:solidFill>
+                  <a:latin typeface="+mn-lt"/>
+                  <a:ea typeface="+mn-ea"/>
+                  <a:cs typeface="+mn-cs"/>
+                </a:defRPr>
+              </a:lvl8pPr>
+              <a:lvl9pPr marL="3886200" indent="-228600" algn="l" defTabSz="914400" rtl="0" eaLnBrk="1" latinLnBrk="0" hangingPunct="1">
+                <a:lnSpc>
+                  <a:spcPct val="90000"/>
+                </a:lnSpc>
+                <a:spcBef>
+                  <a:spcPts val="500"/>
+                </a:spcBef>
+                <a:buFont typeface="Arial" panose="020B0604020202020204" pitchFamily="34" charset="0"/>
+                <a:buChar char="•"/>
+                <a:defRPr sz="1800" kern="1200">
+                  <a:solidFill>
+                    <a:schemeClr val="tx1"/>
+                  </a:solidFill>
+                  <a:latin typeface="+mn-lt"/>
+                  <a:ea typeface="+mn-ea"/>
+                  <a:cs typeface="+mn-cs"/>
+                </a:defRPr>
+              </a:lvl9pPr>
+            </a:lstStyle>
+            <a:p>
+              <a:pPr marL="0" indent="0">
+                <a:buFont typeface="Arial" panose="020B0604020202020204" pitchFamily="34" charset="0"/>
+                <a:buNone/>
+              </a:pPr>
+              <a:r>
+                <a:rPr lang="es-CR" sz="1400" dirty="0"/>
+                <a:t>Indica que se ha creado un objeto </a:t>
+              </a:r>
+              <a:r>
+                <a:rPr lang="es-CR" sz="1400" dirty="0" err="1"/>
+                <a:t>Dog</a:t>
+              </a:r>
+              <a:r>
+                <a:rPr lang="es-CR" sz="1400" dirty="0"/>
+                <a:t>.</a:t>
+              </a:r>
+            </a:p>
+          </p:txBody>
+        </p:sp>
+        <p:cxnSp>
+          <p:nvCxnSpPr>
+            <p:cNvPr id="20" name="Connector: Curved 19">
+              <a:extLst>
+                <a:ext uri="{FF2B5EF4-FFF2-40B4-BE49-F238E27FC236}">
+                  <a16:creationId xmlns:a16="http://schemas.microsoft.com/office/drawing/2014/main" id="{C1A00A91-F3E6-4227-9ABC-1C6721568D85}"/>
+                </a:ext>
+              </a:extLst>
+            </p:cNvPr>
+            <p:cNvCxnSpPr>
+              <a:cxnSpLocks/>
+            </p:cNvCxnSpPr>
+            <p:nvPr/>
+          </p:nvCxnSpPr>
+          <p:spPr>
+            <a:xfrm rot="16200000" flipV="1">
+              <a:off x="2190143" y="3842700"/>
+              <a:ext cx="386699" cy="134954"/>
+            </a:xfrm>
+            <a:prstGeom prst="curvedConnector3">
+              <a:avLst>
+                <a:gd name="adj1" fmla="val 50000"/>
+              </a:avLst>
+            </a:prstGeom>
+            <a:ln w="19050">
+              <a:solidFill>
+                <a:srgbClr val="FF0000"/>
+              </a:solidFill>
+              <a:headEnd type="none" w="med" len="med"/>
+              <a:tailEnd type="arrow" w="med" len="med"/>
+            </a:ln>
+          </p:spPr>
+          <p:style>
+            <a:lnRef idx="1">
+              <a:schemeClr val="accent1"/>
+            </a:lnRef>
+            <a:fillRef idx="0">
+              <a:schemeClr val="accent1"/>
+            </a:fillRef>
+            <a:effectRef idx="0">
+              <a:schemeClr val="accent1"/>
+            </a:effectRef>
+            <a:fontRef idx="minor">
+              <a:schemeClr val="tx1"/>
+            </a:fontRef>
+          </p:style>
+        </p:cxnSp>
+        <p:sp>
+          <p:nvSpPr>
+            <p:cNvPr id="25" name="Content Placeholder 2">
+              <a:extLst>
+                <a:ext uri="{FF2B5EF4-FFF2-40B4-BE49-F238E27FC236}">
+                  <a16:creationId xmlns:a16="http://schemas.microsoft.com/office/drawing/2014/main" id="{4F52A467-F374-4EAA-8706-EBCD17F12DF2}"/>
+                </a:ext>
+              </a:extLst>
+            </p:cNvPr>
+            <p:cNvSpPr txBox="1">
+              <a:spLocks/>
+            </p:cNvSpPr>
+            <p:nvPr/>
+          </p:nvSpPr>
+          <p:spPr>
+            <a:xfrm>
+              <a:off x="1920505" y="2421354"/>
+              <a:ext cx="4232171" cy="480000"/>
+            </a:xfrm>
+            <a:prstGeom prst="rect">
+              <a:avLst/>
+            </a:prstGeom>
+          </p:spPr>
+          <p:txBody>
+            <a:bodyPr vert="horz" lIns="91440" tIns="45720" rIns="91440" bIns="45720" rtlCol="0" anchor="ctr">
+              <a:noAutofit/>
+            </a:bodyPr>
+            <a:lstStyle>
+              <a:lvl1pPr marL="228600" indent="-228600" algn="l" defTabSz="914400" rtl="0" eaLnBrk="1" latinLnBrk="0" hangingPunct="1">
+                <a:lnSpc>
+                  <a:spcPct val="90000"/>
+                </a:lnSpc>
+                <a:spcBef>
+                  <a:spcPts val="1000"/>
+                </a:spcBef>
+                <a:buFont typeface="Arial" panose="020B0604020202020204" pitchFamily="34" charset="0"/>
+                <a:buChar char="•"/>
+                <a:defRPr sz="2800" kern="1200">
+                  <a:solidFill>
+                    <a:schemeClr val="tx1"/>
+                  </a:solidFill>
+                  <a:latin typeface="+mn-lt"/>
+                  <a:ea typeface="+mn-ea"/>
+                  <a:cs typeface="+mn-cs"/>
+                </a:defRPr>
+              </a:lvl1pPr>
+              <a:lvl2pPr marL="685800" indent="-228600" algn="l" defTabSz="914400" rtl="0" eaLnBrk="1" latinLnBrk="0" hangingPunct="1">
+                <a:lnSpc>
+                  <a:spcPct val="90000"/>
+                </a:lnSpc>
+                <a:spcBef>
+                  <a:spcPts val="500"/>
+                </a:spcBef>
+                <a:buFont typeface="Arial" panose="020B0604020202020204" pitchFamily="34" charset="0"/>
+                <a:buChar char="•"/>
+                <a:defRPr sz="2400" kern="1200">
+                  <a:solidFill>
+                    <a:schemeClr val="tx1"/>
+                  </a:solidFill>
+                  <a:latin typeface="+mn-lt"/>
+                  <a:ea typeface="+mn-ea"/>
+                  <a:cs typeface="+mn-cs"/>
+                </a:defRPr>
+              </a:lvl2pPr>
+              <a:lvl3pPr marL="1143000" indent="-228600" algn="l" defTabSz="914400" rtl="0" eaLnBrk="1" latinLnBrk="0" hangingPunct="1">
+                <a:lnSpc>
+                  <a:spcPct val="90000"/>
+                </a:lnSpc>
+                <a:spcBef>
+                  <a:spcPts val="500"/>
+                </a:spcBef>
+                <a:buFont typeface="Arial" panose="020B0604020202020204" pitchFamily="34" charset="0"/>
+                <a:buChar char="•"/>
+                <a:defRPr sz="2000" kern="1200">
+                  <a:solidFill>
+                    <a:schemeClr val="tx1"/>
+                  </a:solidFill>
+                  <a:latin typeface="+mn-lt"/>
+                  <a:ea typeface="+mn-ea"/>
+                  <a:cs typeface="+mn-cs"/>
+                </a:defRPr>
+              </a:lvl3pPr>
+              <a:lvl4pPr marL="1600200" indent="-228600" algn="l" defTabSz="914400" rtl="0" eaLnBrk="1" latinLnBrk="0" hangingPunct="1">
+                <a:lnSpc>
+                  <a:spcPct val="90000"/>
+                </a:lnSpc>
+                <a:spcBef>
+                  <a:spcPts val="500"/>
+                </a:spcBef>
+                <a:buFont typeface="Arial" panose="020B0604020202020204" pitchFamily="34" charset="0"/>
+                <a:buChar char="•"/>
+                <a:defRPr sz="1800" kern="1200">
+                  <a:solidFill>
+                    <a:schemeClr val="tx1"/>
+                  </a:solidFill>
+                  <a:latin typeface="+mn-lt"/>
+                  <a:ea typeface="+mn-ea"/>
+                  <a:cs typeface="+mn-cs"/>
+                </a:defRPr>
+              </a:lvl4pPr>
+              <a:lvl5pPr marL="2057400" indent="-228600" algn="l" defTabSz="914400" rtl="0" eaLnBrk="1" latinLnBrk="0" hangingPunct="1">
+                <a:lnSpc>
+                  <a:spcPct val="90000"/>
+                </a:lnSpc>
+                <a:spcBef>
+                  <a:spcPts val="500"/>
+                </a:spcBef>
+                <a:buFont typeface="Arial" panose="020B0604020202020204" pitchFamily="34" charset="0"/>
+                <a:buChar char="•"/>
+                <a:defRPr sz="1800" kern="1200">
+                  <a:solidFill>
+                    <a:schemeClr val="tx1"/>
+                  </a:solidFill>
+                  <a:latin typeface="+mn-lt"/>
+                  <a:ea typeface="+mn-ea"/>
+                  <a:cs typeface="+mn-cs"/>
+                </a:defRPr>
+              </a:lvl5pPr>
+              <a:lvl6pPr marL="2514600" indent="-228600" algn="l" defTabSz="914400" rtl="0" eaLnBrk="1" latinLnBrk="0" hangingPunct="1">
+                <a:lnSpc>
+                  <a:spcPct val="90000"/>
+                </a:lnSpc>
+                <a:spcBef>
+                  <a:spcPts val="500"/>
+                </a:spcBef>
+                <a:buFont typeface="Arial" panose="020B0604020202020204" pitchFamily="34" charset="0"/>
+                <a:buChar char="•"/>
+                <a:defRPr sz="1800" kern="1200">
+                  <a:solidFill>
+                    <a:schemeClr val="tx1"/>
+                  </a:solidFill>
+                  <a:latin typeface="+mn-lt"/>
+                  <a:ea typeface="+mn-ea"/>
+                  <a:cs typeface="+mn-cs"/>
+                </a:defRPr>
+              </a:lvl6pPr>
+              <a:lvl7pPr marL="2971800" indent="-228600" algn="l" defTabSz="914400" rtl="0" eaLnBrk="1" latinLnBrk="0" hangingPunct="1">
+                <a:lnSpc>
+                  <a:spcPct val="90000"/>
+                </a:lnSpc>
+                <a:spcBef>
+                  <a:spcPts val="500"/>
+                </a:spcBef>
+                <a:buFont typeface="Arial" panose="020B0604020202020204" pitchFamily="34" charset="0"/>
+                <a:buChar char="•"/>
+                <a:defRPr sz="1800" kern="1200">
+                  <a:solidFill>
+                    <a:schemeClr val="tx1"/>
+                  </a:solidFill>
+                  <a:latin typeface="+mn-lt"/>
+                  <a:ea typeface="+mn-ea"/>
+                  <a:cs typeface="+mn-cs"/>
+                </a:defRPr>
+              </a:lvl7pPr>
+              <a:lvl8pPr marL="3429000" indent="-228600" algn="l" defTabSz="914400" rtl="0" eaLnBrk="1" latinLnBrk="0" hangingPunct="1">
+                <a:lnSpc>
+                  <a:spcPct val="90000"/>
+                </a:lnSpc>
+                <a:spcBef>
+                  <a:spcPts val="500"/>
+                </a:spcBef>
+                <a:buFont typeface="Arial" panose="020B0604020202020204" pitchFamily="34" charset="0"/>
+                <a:buChar char="•"/>
+                <a:defRPr sz="1800" kern="1200">
+                  <a:solidFill>
+                    <a:schemeClr val="tx1"/>
+                  </a:solidFill>
+                  <a:latin typeface="+mn-lt"/>
+                  <a:ea typeface="+mn-ea"/>
+                  <a:cs typeface="+mn-cs"/>
+                </a:defRPr>
+              </a:lvl8pPr>
+              <a:lvl9pPr marL="3886200" indent="-228600" algn="l" defTabSz="914400" rtl="0" eaLnBrk="1" latinLnBrk="0" hangingPunct="1">
+                <a:lnSpc>
+                  <a:spcPct val="90000"/>
+                </a:lnSpc>
+                <a:spcBef>
+                  <a:spcPts val="500"/>
+                </a:spcBef>
+                <a:buFont typeface="Arial" panose="020B0604020202020204" pitchFamily="34" charset="0"/>
+                <a:buChar char="•"/>
+                <a:defRPr sz="1800" kern="1200">
+                  <a:solidFill>
+                    <a:schemeClr val="tx1"/>
+                  </a:solidFill>
+                  <a:latin typeface="+mn-lt"/>
+                  <a:ea typeface="+mn-ea"/>
+                  <a:cs typeface="+mn-cs"/>
+                </a:defRPr>
+              </a:lvl9pPr>
+            </a:lstStyle>
+            <a:p>
+              <a:pPr marL="0" indent="0">
+                <a:buFont typeface="Arial" panose="020B0604020202020204" pitchFamily="34" charset="0"/>
+                <a:buNone/>
+              </a:pPr>
+              <a:r>
+                <a:rPr lang="es-CR" sz="1400" dirty="0"/>
+                <a:t>Declaración de una variable tipo </a:t>
+              </a:r>
+              <a:r>
+                <a:rPr lang="es-CR" sz="1400" dirty="0" err="1"/>
+                <a:t>Dog</a:t>
+              </a:r>
+              <a:endParaRPr lang="es-CR" sz="1400" dirty="0"/>
+            </a:p>
+          </p:txBody>
+        </p:sp>
+        <p:cxnSp>
+          <p:nvCxnSpPr>
+            <p:cNvPr id="27" name="Connector: Curved 26">
+              <a:extLst>
+                <a:ext uri="{FF2B5EF4-FFF2-40B4-BE49-F238E27FC236}">
+                  <a16:creationId xmlns:a16="http://schemas.microsoft.com/office/drawing/2014/main" id="{39A2A0B5-15F4-4757-BB44-7E5EFBF03FFF}"/>
+                </a:ext>
+              </a:extLst>
+            </p:cNvPr>
+            <p:cNvCxnSpPr>
+              <a:cxnSpLocks/>
+            </p:cNvCxnSpPr>
+            <p:nvPr/>
+          </p:nvCxnSpPr>
+          <p:spPr>
+            <a:xfrm rot="5400000">
+              <a:off x="1869528" y="2859027"/>
+              <a:ext cx="370327" cy="179110"/>
+            </a:xfrm>
+            <a:prstGeom prst="curvedConnector3">
+              <a:avLst>
+                <a:gd name="adj1" fmla="val 50000"/>
+              </a:avLst>
+            </a:prstGeom>
+            <a:ln w="19050">
+              <a:solidFill>
+                <a:srgbClr val="FF0000"/>
+              </a:solidFill>
+              <a:headEnd type="none" w="med" len="med"/>
+              <a:tailEnd type="arrow" w="med" len="med"/>
+            </a:ln>
+          </p:spPr>
+          <p:style>
+            <a:lnRef idx="1">
+              <a:schemeClr val="accent1"/>
+            </a:lnRef>
+            <a:fillRef idx="0">
+              <a:schemeClr val="accent1"/>
+            </a:fillRef>
+            <a:effectRef idx="0">
+              <a:schemeClr val="accent1"/>
+            </a:effectRef>
+            <a:fontRef idx="minor">
+              <a:schemeClr val="tx1"/>
+            </a:fontRef>
+          </p:style>
+        </p:cxnSp>
+      </p:grpSp>
+      <p:grpSp>
+        <p:nvGrpSpPr>
+          <p:cNvPr id="35" name="Group 34">
+            <a:extLst>
+              <a:ext uri="{FF2B5EF4-FFF2-40B4-BE49-F238E27FC236}">
+                <a16:creationId xmlns:a16="http://schemas.microsoft.com/office/drawing/2014/main" id="{C347ECB3-EEC8-47CB-8E4E-458049859CAD}"/>
+              </a:ext>
+            </a:extLst>
+          </p:cNvPr>
+          <p:cNvGrpSpPr/>
+          <p:nvPr/>
+        </p:nvGrpSpPr>
+        <p:grpSpPr>
+          <a:xfrm>
+            <a:off x="5471810" y="3391299"/>
+            <a:ext cx="5959990" cy="1147089"/>
+            <a:chOff x="2483514" y="5378075"/>
+            <a:chExt cx="5959990" cy="1147089"/>
+          </a:xfrm>
+        </p:grpSpPr>
+        <p:sp>
+          <p:nvSpPr>
+            <p:cNvPr id="36" name="TextBox 35">
+              <a:extLst>
+                <a:ext uri="{FF2B5EF4-FFF2-40B4-BE49-F238E27FC236}">
+                  <a16:creationId xmlns:a16="http://schemas.microsoft.com/office/drawing/2014/main" id="{AC804BD3-8598-4076-BBEF-53907D2CA15B}"/>
+                </a:ext>
+              </a:extLst>
+            </p:cNvPr>
+            <p:cNvSpPr txBox="1"/>
+            <p:nvPr/>
+          </p:nvSpPr>
+          <p:spPr>
+            <a:xfrm>
+              <a:off x="2483514" y="5378075"/>
+              <a:ext cx="3237722" cy="338554"/>
+            </a:xfrm>
+            <a:prstGeom prst="rect">
+              <a:avLst/>
+            </a:prstGeom>
+            <a:solidFill>
+              <a:schemeClr val="accent4">
+                <a:lumMod val="20000"/>
+                <a:lumOff val="80000"/>
+              </a:schemeClr>
+            </a:solidFill>
+          </p:spPr>
+          <p:txBody>
+            <a:bodyPr wrap="square" rtlCol="0">
+              <a:spAutoFit/>
+            </a:bodyPr>
+            <a:lstStyle/>
+            <a:p>
+              <a:pPr algn="ctr"/>
+              <a:r>
+                <a:rPr lang="es-CR" sz="1600" dirty="0" err="1"/>
+                <a:t>perro.age</a:t>
+              </a:r>
+              <a:r>
+                <a:rPr lang="es-CR" sz="1600" dirty="0"/>
+                <a:t> = 1.5</a:t>
+              </a:r>
+            </a:p>
+          </p:txBody>
+        </p:sp>
+        <p:sp>
+          <p:nvSpPr>
+            <p:cNvPr id="37" name="Content Placeholder 2">
+              <a:extLst>
+                <a:ext uri="{FF2B5EF4-FFF2-40B4-BE49-F238E27FC236}">
+                  <a16:creationId xmlns:a16="http://schemas.microsoft.com/office/drawing/2014/main" id="{FAA88E7D-ABAD-4BFE-9D51-AE85EDB97EE4}"/>
+                </a:ext>
+              </a:extLst>
+            </p:cNvPr>
+            <p:cNvSpPr txBox="1">
+              <a:spLocks/>
+            </p:cNvSpPr>
+            <p:nvPr/>
+          </p:nvSpPr>
+          <p:spPr>
+            <a:xfrm>
+              <a:off x="4211333" y="6045164"/>
+              <a:ext cx="4232171" cy="480000"/>
+            </a:xfrm>
+            <a:prstGeom prst="rect">
+              <a:avLst/>
+            </a:prstGeom>
+          </p:spPr>
+          <p:txBody>
+            <a:bodyPr vert="horz" lIns="91440" tIns="45720" rIns="91440" bIns="45720" rtlCol="0" anchor="ctr">
+              <a:noAutofit/>
+            </a:bodyPr>
+            <a:lstStyle>
+              <a:lvl1pPr marL="228600" indent="-228600" algn="l" defTabSz="914400" rtl="0" eaLnBrk="1" latinLnBrk="0" hangingPunct="1">
+                <a:lnSpc>
+                  <a:spcPct val="90000"/>
+                </a:lnSpc>
+                <a:spcBef>
+                  <a:spcPts val="1000"/>
+                </a:spcBef>
+                <a:buFont typeface="Arial" panose="020B0604020202020204" pitchFamily="34" charset="0"/>
+                <a:buChar char="•"/>
+                <a:defRPr sz="2800" kern="1200">
+                  <a:solidFill>
+                    <a:schemeClr val="tx1"/>
+                  </a:solidFill>
+                  <a:latin typeface="+mn-lt"/>
+                  <a:ea typeface="+mn-ea"/>
+                  <a:cs typeface="+mn-cs"/>
+                </a:defRPr>
+              </a:lvl1pPr>
+              <a:lvl2pPr marL="685800" indent="-228600" algn="l" defTabSz="914400" rtl="0" eaLnBrk="1" latinLnBrk="0" hangingPunct="1">
+                <a:lnSpc>
+                  <a:spcPct val="90000"/>
+                </a:lnSpc>
+                <a:spcBef>
+                  <a:spcPts val="500"/>
+                </a:spcBef>
+                <a:buFont typeface="Arial" panose="020B0604020202020204" pitchFamily="34" charset="0"/>
+                <a:buChar char="•"/>
+                <a:defRPr sz="2400" kern="1200">
+                  <a:solidFill>
+                    <a:schemeClr val="tx1"/>
+                  </a:solidFill>
+                  <a:latin typeface="+mn-lt"/>
+                  <a:ea typeface="+mn-ea"/>
+                  <a:cs typeface="+mn-cs"/>
+                </a:defRPr>
+              </a:lvl2pPr>
+              <a:lvl3pPr marL="1143000" indent="-228600" algn="l" defTabSz="914400" rtl="0" eaLnBrk="1" latinLnBrk="0" hangingPunct="1">
+                <a:lnSpc>
+                  <a:spcPct val="90000"/>
+                </a:lnSpc>
+                <a:spcBef>
+                  <a:spcPts val="500"/>
+                </a:spcBef>
+                <a:buFont typeface="Arial" panose="020B0604020202020204" pitchFamily="34" charset="0"/>
+                <a:buChar char="•"/>
+                <a:defRPr sz="2000" kern="1200">
+                  <a:solidFill>
+                    <a:schemeClr val="tx1"/>
+                  </a:solidFill>
+                  <a:latin typeface="+mn-lt"/>
+                  <a:ea typeface="+mn-ea"/>
+                  <a:cs typeface="+mn-cs"/>
+                </a:defRPr>
+              </a:lvl3pPr>
+              <a:lvl4pPr marL="1600200" indent="-228600" algn="l" defTabSz="914400" rtl="0" eaLnBrk="1" latinLnBrk="0" hangingPunct="1">
+                <a:lnSpc>
+                  <a:spcPct val="90000"/>
+                </a:lnSpc>
+                <a:spcBef>
+                  <a:spcPts val="500"/>
+                </a:spcBef>
+                <a:buFont typeface="Arial" panose="020B0604020202020204" pitchFamily="34" charset="0"/>
+                <a:buChar char="•"/>
+                <a:defRPr sz="1800" kern="1200">
+                  <a:solidFill>
+                    <a:schemeClr val="tx1"/>
+                  </a:solidFill>
+                  <a:latin typeface="+mn-lt"/>
+                  <a:ea typeface="+mn-ea"/>
+                  <a:cs typeface="+mn-cs"/>
+                </a:defRPr>
+              </a:lvl4pPr>
+              <a:lvl5pPr marL="2057400" indent="-228600" algn="l" defTabSz="914400" rtl="0" eaLnBrk="1" latinLnBrk="0" hangingPunct="1">
+                <a:lnSpc>
+                  <a:spcPct val="90000"/>
+                </a:lnSpc>
+                <a:spcBef>
+                  <a:spcPts val="500"/>
+                </a:spcBef>
+                <a:buFont typeface="Arial" panose="020B0604020202020204" pitchFamily="34" charset="0"/>
+                <a:buChar char="•"/>
+                <a:defRPr sz="1800" kern="1200">
+                  <a:solidFill>
+                    <a:schemeClr val="tx1"/>
+                  </a:solidFill>
+                  <a:latin typeface="+mn-lt"/>
+                  <a:ea typeface="+mn-ea"/>
+                  <a:cs typeface="+mn-cs"/>
+                </a:defRPr>
+              </a:lvl5pPr>
+              <a:lvl6pPr marL="2514600" indent="-228600" algn="l" defTabSz="914400" rtl="0" eaLnBrk="1" latinLnBrk="0" hangingPunct="1">
+                <a:lnSpc>
+                  <a:spcPct val="90000"/>
+                </a:lnSpc>
+                <a:spcBef>
+                  <a:spcPts val="500"/>
+                </a:spcBef>
+                <a:buFont typeface="Arial" panose="020B0604020202020204" pitchFamily="34" charset="0"/>
+                <a:buChar char="•"/>
+                <a:defRPr sz="1800" kern="1200">
+                  <a:solidFill>
+                    <a:schemeClr val="tx1"/>
+                  </a:solidFill>
+                  <a:latin typeface="+mn-lt"/>
+                  <a:ea typeface="+mn-ea"/>
+                  <a:cs typeface="+mn-cs"/>
+                </a:defRPr>
+              </a:lvl6pPr>
+              <a:lvl7pPr marL="2971800" indent="-228600" algn="l" defTabSz="914400" rtl="0" eaLnBrk="1" latinLnBrk="0" hangingPunct="1">
+                <a:lnSpc>
+                  <a:spcPct val="90000"/>
+                </a:lnSpc>
+                <a:spcBef>
+                  <a:spcPts val="500"/>
+                </a:spcBef>
+                <a:buFont typeface="Arial" panose="020B0604020202020204" pitchFamily="34" charset="0"/>
+                <a:buChar char="•"/>
+                <a:defRPr sz="1800" kern="1200">
+                  <a:solidFill>
+                    <a:schemeClr val="tx1"/>
+                  </a:solidFill>
+                  <a:latin typeface="+mn-lt"/>
+                  <a:ea typeface="+mn-ea"/>
+                  <a:cs typeface="+mn-cs"/>
+                </a:defRPr>
+              </a:lvl7pPr>
+              <a:lvl8pPr marL="3429000" indent="-228600" algn="l" defTabSz="914400" rtl="0" eaLnBrk="1" latinLnBrk="0" hangingPunct="1">
+                <a:lnSpc>
+                  <a:spcPct val="90000"/>
+                </a:lnSpc>
+                <a:spcBef>
+                  <a:spcPts val="500"/>
+                </a:spcBef>
+                <a:buFont typeface="Arial" panose="020B0604020202020204" pitchFamily="34" charset="0"/>
+                <a:buChar char="•"/>
+                <a:defRPr sz="1800" kern="1200">
+                  <a:solidFill>
+                    <a:schemeClr val="tx1"/>
+                  </a:solidFill>
+                  <a:latin typeface="+mn-lt"/>
+                  <a:ea typeface="+mn-ea"/>
+                  <a:cs typeface="+mn-cs"/>
+                </a:defRPr>
+              </a:lvl8pPr>
+              <a:lvl9pPr marL="3886200" indent="-228600" algn="l" defTabSz="914400" rtl="0" eaLnBrk="1" latinLnBrk="0" hangingPunct="1">
+                <a:lnSpc>
+                  <a:spcPct val="90000"/>
+                </a:lnSpc>
+                <a:spcBef>
+                  <a:spcPts val="500"/>
+                </a:spcBef>
+                <a:buFont typeface="Arial" panose="020B0604020202020204" pitchFamily="34" charset="0"/>
+                <a:buChar char="•"/>
+                <a:defRPr sz="1800" kern="1200">
+                  <a:solidFill>
+                    <a:schemeClr val="tx1"/>
+                  </a:solidFill>
+                  <a:latin typeface="+mn-lt"/>
+                  <a:ea typeface="+mn-ea"/>
+                  <a:cs typeface="+mn-cs"/>
+                </a:defRPr>
+              </a:lvl9pPr>
+            </a:lstStyle>
+            <a:p>
+              <a:pPr marL="0" indent="0">
+                <a:buFont typeface="Arial" panose="020B0604020202020204" pitchFamily="34" charset="0"/>
+                <a:buNone/>
+              </a:pPr>
+              <a:r>
+                <a:rPr lang="es-CR" sz="1400" dirty="0"/>
+                <a:t>Cambiamos el estado de la propiedad “</a:t>
+              </a:r>
+              <a:r>
+                <a:rPr lang="es-CR" sz="1400" dirty="0" err="1"/>
+                <a:t>age</a:t>
+              </a:r>
+              <a:r>
+                <a:rPr lang="es-CR" sz="1400" dirty="0"/>
+                <a:t>” al valor 1.5</a:t>
+              </a:r>
+            </a:p>
+          </p:txBody>
+        </p:sp>
+        <p:cxnSp>
+          <p:nvCxnSpPr>
+            <p:cNvPr id="38" name="Connector: Curved 37">
+              <a:extLst>
+                <a:ext uri="{FF2B5EF4-FFF2-40B4-BE49-F238E27FC236}">
+                  <a16:creationId xmlns:a16="http://schemas.microsoft.com/office/drawing/2014/main" id="{83B2367B-139E-4AFB-870D-7DDC3D6E879E}"/>
+                </a:ext>
+              </a:extLst>
+            </p:cNvPr>
+            <p:cNvCxnSpPr>
+              <a:cxnSpLocks/>
+              <a:stCxn id="37" idx="1"/>
+            </p:cNvCxnSpPr>
+            <p:nvPr/>
+          </p:nvCxnSpPr>
+          <p:spPr>
+            <a:xfrm rot="10800000">
+              <a:off x="4038341" y="5670466"/>
+              <a:ext cx="172992" cy="614698"/>
+            </a:xfrm>
+            <a:prstGeom prst="curvedConnector2">
+              <a:avLst/>
+            </a:prstGeom>
+            <a:ln w="19050">
+              <a:solidFill>
+                <a:srgbClr val="FF0000"/>
+              </a:solidFill>
+              <a:headEnd type="none" w="med" len="med"/>
+              <a:tailEnd type="arrow" w="med" len="med"/>
+            </a:ln>
+          </p:spPr>
+          <p:style>
+            <a:lnRef idx="1">
+              <a:schemeClr val="accent1"/>
+            </a:lnRef>
+            <a:fillRef idx="0">
+              <a:schemeClr val="accent1"/>
+            </a:fillRef>
+            <a:effectRef idx="0">
+              <a:schemeClr val="accent1"/>
+            </a:effectRef>
+            <a:fontRef idx="minor">
+              <a:schemeClr val="tx1"/>
+            </a:fontRef>
+          </p:style>
+        </p:cxnSp>
+      </p:grpSp>
+    </p:spTree>
+    <p:extLst>
+      <p:ext uri="{BB962C8B-B14F-4D97-AF65-F5344CB8AC3E}">
+        <p14:creationId xmlns:p14="http://schemas.microsoft.com/office/powerpoint/2010/main" val="632887388"/>
+      </p:ext>
+    </p:extLst>
+  </p:cSld>
+  <p:clrMapOvr>
+    <a:masterClrMapping/>
+  </p:clrMapOvr>
+</p:sld>
+</file>
+
+<file path=ppt/slides/slide39.xml><?xml version="1.0" encoding="utf-8"?>
+<p:sld xmlns:a="http://schemas.openxmlformats.org/drawingml/2006/main" xmlns:r="http://schemas.openxmlformats.org/officeDocument/2006/relationships" xmlns:p="http://schemas.openxmlformats.org/presentationml/2006/main">
+  <p:cSld>
+    <p:bg>
+      <p:bgPr>
+        <a:solidFill>
+          <a:schemeClr val="bg1"/>
+        </a:solidFill>
+        <a:effectLst/>
+      </p:bgPr>
+    </p:bg>
+    <p:spTree>
+      <p:nvGrpSpPr>
+        <p:cNvPr id="1" name=""/>
+        <p:cNvGrpSpPr/>
+        <p:nvPr/>
+      </p:nvGrpSpPr>
+      <p:grpSpPr>
+        <a:xfrm>
+          <a:off x="0" y="0"/>
+          <a:ext cx="0" cy="0"/>
+          <a:chOff x="0" y="0"/>
+          <a:chExt cx="0" cy="0"/>
+        </a:xfrm>
+      </p:grpSpPr>
+      <p:sp useBgFill="1">
+        <p:nvSpPr>
+          <p:cNvPr id="71" name="Rectangle 70">
+            <a:extLst>
+              <a:ext uri="{FF2B5EF4-FFF2-40B4-BE49-F238E27FC236}">
+                <a16:creationId xmlns:a16="http://schemas.microsoft.com/office/drawing/2014/main" id="{B712E947-0734-45F9-9C4F-41114EC3A33E}"/>
+              </a:ext>
+              <a:ext uri="{C183D7F6-B498-43B3-948B-1728B52AA6E4}">
+                <adec:decorative xmlns:adec="http://schemas.microsoft.com/office/drawing/2017/decorative" val="1"/>
+              </a:ext>
+            </a:extLst>
+          </p:cNvPr>
+          <p:cNvSpPr>
+            <a:spLocks noGrp="1" noRot="1" noChangeAspect="1" noMove="1" noResize="1" noEditPoints="1" noAdjustHandles="1" noChangeArrowheads="1" noChangeShapeType="1" noTextEdit="1"/>
+          </p:cNvSpPr>
+          <p:nvPr>
+            <p:extLst>
+              <p:ext uri="{386F3935-93C4-4BCD-93E2-E3B085C9AB24}">
+                <p16:designElem xmlns:p16="http://schemas.microsoft.com/office/powerpoint/2015/main" val="1"/>
+              </p:ext>
+            </p:extLst>
+          </p:nvPr>
+        </p:nvSpPr>
+        <p:spPr>
+          <a:xfrm>
+            <a:off x="0" y="0"/>
+            <a:ext cx="12192000" cy="6858000"/>
+          </a:xfrm>
+          <a:prstGeom prst="rect">
+            <a:avLst/>
+          </a:prstGeom>
+          <a:ln w="12700" cap="flat" cmpd="sng" algn="ctr">
+            <a:noFill/>
+            <a:prstDash val="solid"/>
+            <a:miter lim="800000"/>
+          </a:ln>
+          <a:effectLst/>
+          <a:extLst>
+            <a:ext uri="{91240B29-F687-4F45-9708-019B960494DF}">
+              <a14:hiddenLine xmlns:a14="http://schemas.microsoft.com/office/drawing/2010/main" w="12700" cap="flat" cmpd="sng" algn="ctr">
+                <a:solidFill>
+                  <a:schemeClr val="accent1">
+                    <a:shade val="50000"/>
+                  </a:schemeClr>
+                </a:solidFill>
+                <a:prstDash val="solid"/>
+                <a:miter lim="800000"/>
+              </a14:hiddenLine>
+            </a:ext>
+          </a:extLst>
+        </p:spPr>
+        <p:style>
+          <a:lnRef idx="2">
+            <a:schemeClr val="accent1">
+              <a:shade val="50000"/>
+            </a:schemeClr>
+          </a:lnRef>
+          <a:fillRef idx="1">
+            <a:schemeClr val="accent1"/>
+          </a:fillRef>
+          <a:effectRef idx="0">
+            <a:schemeClr val="accent1"/>
+          </a:effectRef>
+          <a:fontRef idx="minor">
+            <a:schemeClr val="lt1"/>
+          </a:fontRef>
+        </p:style>
+        <p:txBody>
+          <a:bodyPr rtlCol="0" anchor="ctr"/>
+          <a:lstStyle/>
+          <a:p>
+            <a:pPr algn="ctr"/>
+            <a:endParaRPr lang="en-US"/>
+          </a:p>
+        </p:txBody>
+      </p:sp>
+      <p:sp>
+        <p:nvSpPr>
+          <p:cNvPr id="2" name="Title 1">
+            <a:extLst>
+              <a:ext uri="{FF2B5EF4-FFF2-40B4-BE49-F238E27FC236}">
+                <a16:creationId xmlns:a16="http://schemas.microsoft.com/office/drawing/2014/main" id="{58F02AB5-9A8D-44C3-93AC-B62DB340A058}"/>
+              </a:ext>
+            </a:extLst>
+          </p:cNvPr>
+          <p:cNvSpPr>
+            <a:spLocks noGrp="1"/>
+          </p:cNvSpPr>
+          <p:nvPr>
+            <p:ph type="title"/>
+          </p:nvPr>
+        </p:nvSpPr>
+        <p:spPr>
+          <a:xfrm>
+            <a:off x="1136396" y="223023"/>
+            <a:ext cx="5814240" cy="828521"/>
+          </a:xfrm>
+        </p:spPr>
+        <p:txBody>
+          <a:bodyPr anchor="b">
+            <a:normAutofit/>
+          </a:bodyPr>
+          <a:lstStyle/>
+          <a:p>
+            <a:r>
+              <a:rPr lang="en-US" sz="4000" b="1" dirty="0" err="1"/>
+              <a:t>Principios</a:t>
+            </a:r>
+            <a:r>
+              <a:rPr lang="en-US" sz="4000" b="1" dirty="0"/>
+              <a:t> POO</a:t>
+            </a:r>
+          </a:p>
+        </p:txBody>
+      </p:sp>
+      <p:sp>
+        <p:nvSpPr>
+          <p:cNvPr id="73" name="Rectangle 72">
+            <a:extLst>
+              <a:ext uri="{FF2B5EF4-FFF2-40B4-BE49-F238E27FC236}">
+                <a16:creationId xmlns:a16="http://schemas.microsoft.com/office/drawing/2014/main" id="{5A65989E-BBD5-44D7-AA86-7AFD5D46BBC0}"/>
+              </a:ext>
+              <a:ext uri="{C183D7F6-B498-43B3-948B-1728B52AA6E4}">
+                <adec:decorative xmlns:adec="http://schemas.microsoft.com/office/drawing/2017/decorative" val="1"/>
+              </a:ext>
+            </a:extLst>
+          </p:cNvPr>
+          <p:cNvSpPr>
+            <a:spLocks noGrp="1" noRot="1" noChangeAspect="1" noMove="1" noResize="1" noEditPoints="1" noAdjustHandles="1" noChangeArrowheads="1" noChangeShapeType="1" noTextEdit="1"/>
+          </p:cNvSpPr>
+          <p:nvPr>
+            <p:extLst>
+              <p:ext uri="{386F3935-93C4-4BCD-93E2-E3B085C9AB24}">
+                <p16:designElem xmlns:p16="http://schemas.microsoft.com/office/powerpoint/2015/main" val="1"/>
+              </p:ext>
+            </p:extLst>
+          </p:nvPr>
+        </p:nvSpPr>
+        <p:spPr>
+          <a:xfrm rot="10800000" flipH="1">
+            <a:off x="0" y="6400799"/>
+            <a:ext cx="12192000" cy="456773"/>
+          </a:xfrm>
+          <a:prstGeom prst="rect">
+            <a:avLst/>
+          </a:prstGeom>
+          <a:gradFill>
+            <a:gsLst>
+              <a:gs pos="0">
+                <a:schemeClr val="accent1"/>
+              </a:gs>
+              <a:gs pos="66000">
+                <a:srgbClr val="000000"/>
+              </a:gs>
+            </a:gsLst>
+            <a:lin ang="10200000" scaled="0"/>
+          </a:gradFill>
+          <a:ln>
+            <a:noFill/>
+          </a:ln>
+        </p:spPr>
+        <p:style>
+          <a:lnRef idx="2">
+            <a:schemeClr val="accent1">
+              <a:shade val="50000"/>
+            </a:schemeClr>
+          </a:lnRef>
+          <a:fillRef idx="1">
+            <a:schemeClr val="accent1"/>
+          </a:fillRef>
+          <a:effectRef idx="0">
+            <a:schemeClr val="accent1"/>
+          </a:effectRef>
+          <a:fontRef idx="minor">
+            <a:schemeClr val="lt1"/>
+          </a:fontRef>
+        </p:style>
+        <p:txBody>
+          <a:bodyPr rtlCol="0" anchor="ctr"/>
+          <a:lstStyle/>
+          <a:p>
+            <a:pPr algn="ctr"/>
+            <a:endParaRPr lang="en-US"/>
+          </a:p>
+        </p:txBody>
+      </p:sp>
+      <p:sp>
+        <p:nvSpPr>
+          <p:cNvPr id="75" name="Rectangle 74">
+            <a:extLst>
+              <a:ext uri="{FF2B5EF4-FFF2-40B4-BE49-F238E27FC236}">
+                <a16:creationId xmlns:a16="http://schemas.microsoft.com/office/drawing/2014/main" id="{231A2881-D8D7-4A7D-ACA3-E9F849F853D8}"/>
+              </a:ext>
+              <a:ext uri="{C183D7F6-B498-43B3-948B-1728B52AA6E4}">
+                <adec:decorative xmlns:adec="http://schemas.microsoft.com/office/drawing/2017/decorative" val="1"/>
+              </a:ext>
+            </a:extLst>
+          </p:cNvPr>
+          <p:cNvSpPr>
+            <a:spLocks noGrp="1" noRot="1" noChangeAspect="1" noMove="1" noResize="1" noEditPoints="1" noAdjustHandles="1" noChangeArrowheads="1" noChangeShapeType="1" noTextEdit="1"/>
+          </p:cNvSpPr>
+          <p:nvPr>
+            <p:extLst>
+              <p:ext uri="{386F3935-93C4-4BCD-93E2-E3B085C9AB24}">
+                <p16:designElem xmlns:p16="http://schemas.microsoft.com/office/powerpoint/2015/main" val="1"/>
+              </p:ext>
+            </p:extLst>
+          </p:nvPr>
+        </p:nvSpPr>
+        <p:spPr>
+          <a:xfrm flipH="1">
+            <a:off x="1" y="6400800"/>
+            <a:ext cx="8153398" cy="456772"/>
+          </a:xfrm>
+          <a:prstGeom prst="rect">
+            <a:avLst/>
+          </a:prstGeom>
+          <a:gradFill>
+            <a:gsLst>
+              <a:gs pos="0">
+                <a:srgbClr val="000000">
+                  <a:alpha val="63000"/>
+                </a:srgbClr>
+              </a:gs>
+              <a:gs pos="100000">
+                <a:schemeClr val="accent1">
+                  <a:lumMod val="75000"/>
+                </a:schemeClr>
+              </a:gs>
+            </a:gsLst>
+            <a:lin ang="17400000" scaled="0"/>
+          </a:gradFill>
+          <a:ln>
+            <a:noFill/>
+          </a:ln>
+        </p:spPr>
+        <p:style>
+          <a:lnRef idx="2">
+            <a:schemeClr val="accent1">
+              <a:shade val="50000"/>
+            </a:schemeClr>
+          </a:lnRef>
+          <a:fillRef idx="1">
+            <a:schemeClr val="accent1"/>
+          </a:fillRef>
+          <a:effectRef idx="0">
+            <a:schemeClr val="accent1"/>
+          </a:effectRef>
+          <a:fontRef idx="minor">
+            <a:schemeClr val="lt1"/>
+          </a:fontRef>
+        </p:style>
+        <p:txBody>
+          <a:bodyPr rtlCol="0" anchor="ctr"/>
+          <a:lstStyle/>
+          <a:p>
+            <a:pPr algn="ctr"/>
+            <a:endParaRPr lang="en-US"/>
+          </a:p>
+        </p:txBody>
+      </p:sp>
+      <p:graphicFrame>
+        <p:nvGraphicFramePr>
+          <p:cNvPr id="21" name="Content Placeholder 2">
+            <a:extLst>
+              <a:ext uri="{FF2B5EF4-FFF2-40B4-BE49-F238E27FC236}">
+                <a16:creationId xmlns:a16="http://schemas.microsoft.com/office/drawing/2014/main" id="{837D6AA6-216F-4068-8470-B08EF2CF01EC}"/>
+              </a:ext>
+            </a:extLst>
+          </p:cNvPr>
+          <p:cNvGraphicFramePr>
+            <a:graphicFrameLocks noGrp="1"/>
+          </p:cNvGraphicFramePr>
+          <p:nvPr>
+            <p:ph idx="1"/>
+            <p:extLst>
+              <p:ext uri="{D42A27DB-BD31-4B8C-83A1-F6EECF244321}">
+                <p14:modId xmlns:p14="http://schemas.microsoft.com/office/powerpoint/2010/main" val="2386154936"/>
+              </p:ext>
+            </p:extLst>
+          </p:nvPr>
+        </p:nvGraphicFramePr>
+        <p:xfrm>
+          <a:off x="2856706" y="1170781"/>
+          <a:ext cx="6478588" cy="4516438"/>
+        </p:xfrm>
+        <a:graphic>
+          <a:graphicData uri="http://schemas.openxmlformats.org/drawingml/2006/diagram">
+            <dgm:relIds xmlns:dgm="http://schemas.openxmlformats.org/drawingml/2006/diagram" xmlns:r="http://schemas.openxmlformats.org/officeDocument/2006/relationships" r:dm="rId3" r:lo="rId4" r:qs="rId5" r:cs="rId6"/>
+          </a:graphicData>
+        </a:graphic>
+      </p:graphicFrame>
+    </p:spTree>
+    <p:extLst>
+      <p:ext uri="{BB962C8B-B14F-4D97-AF65-F5344CB8AC3E}">
+        <p14:creationId xmlns:p14="http://schemas.microsoft.com/office/powerpoint/2010/main" val="1733965660"/>
       </p:ext>
     </p:extLst>
   </p:cSld>
